--- a/test-springmvc/doc/20181018-Spring JPA.pptx
+++ b/test-springmvc/doc/20181018-Spring JPA.pptx
@@ -8,8 +8,26 @@
     <p:sldId id="256" r:id="rId2"/>
     <p:sldId id="257" r:id="rId3"/>
     <p:sldId id="258" r:id="rId4"/>
-    <p:sldId id="260" r:id="rId5"/>
-    <p:sldId id="259" r:id="rId6"/>
+    <p:sldId id="271" r:id="rId5"/>
+    <p:sldId id="272" r:id="rId6"/>
+    <p:sldId id="273" r:id="rId7"/>
+    <p:sldId id="274" r:id="rId8"/>
+    <p:sldId id="275" r:id="rId9"/>
+    <p:sldId id="276" r:id="rId10"/>
+    <p:sldId id="277" r:id="rId11"/>
+    <p:sldId id="278" r:id="rId12"/>
+    <p:sldId id="260" r:id="rId13"/>
+    <p:sldId id="261" r:id="rId14"/>
+    <p:sldId id="264" r:id="rId15"/>
+    <p:sldId id="263" r:id="rId16"/>
+    <p:sldId id="268" r:id="rId17"/>
+    <p:sldId id="262" r:id="rId18"/>
+    <p:sldId id="265" r:id="rId19"/>
+    <p:sldId id="266" r:id="rId20"/>
+    <p:sldId id="269" r:id="rId21"/>
+    <p:sldId id="267" r:id="rId22"/>
+    <p:sldId id="270" r:id="rId23"/>
+    <p:sldId id="259" r:id="rId24"/>
   </p:sldIdLst>
   <p:sldSz cx="12192000" cy="6858000"/>
   <p:notesSz cx="6858000" cy="9144000"/>
@@ -108,6 +126,11 @@
       </a:defRPr>
     </a:lvl9pPr>
   </p:defaultTextStyle>
+  <p:extLst>
+    <p:ext uri="{EFAFB233-063F-42B5-8137-9DF3F51BA10A}">
+      <p15:sldGuideLst xmlns:p15="http://schemas.microsoft.com/office/powerpoint/2012/main"/>
+    </p:ext>
+  </p:extLst>
 </p:presentation>
 </file>
 
@@ -153,10 +176,9 @@
           </a:lstStyle>
           <a:p>
             <a:r>
-              <a:rPr lang="zh-TW" altLang="en-US" smtClean="0"/>
+              <a:rPr lang="zh-TW" altLang="en-US"/>
               <a:t>按一下以編輯母片標題樣式</a:t>
             </a:r>
-            <a:endParaRPr lang="zh-TW" altLang="en-US"/>
           </a:p>
         </p:txBody>
       </p:sp>
@@ -218,10 +240,9 @@
           </a:lstStyle>
           <a:p>
             <a:r>
-              <a:rPr lang="zh-TW" altLang="en-US" smtClean="0"/>
+              <a:rPr lang="zh-TW" altLang="en-US"/>
               <a:t>按一下以編輯母片副標題樣式</a:t>
             </a:r>
-            <a:endParaRPr lang="zh-TW" altLang="en-US"/>
           </a:p>
         </p:txBody>
       </p:sp>
@@ -242,7 +263,7 @@
           <a:p>
             <a:fld id="{6E8ECDC8-BA8A-40BE-ADB5-07E1343FAE8E}" type="datetimeFigureOut">
               <a:rPr lang="zh-TW" altLang="en-US" smtClean="0"/>
-              <a:t>2018-10-18</a:t>
+              <a:t>2018/10/20</a:t>
             </a:fld>
             <a:endParaRPr lang="zh-TW" altLang="en-US"/>
           </a:p>
@@ -336,10 +357,9 @@
           <a:lstStyle/>
           <a:p>
             <a:r>
-              <a:rPr lang="zh-TW" altLang="en-US" smtClean="0"/>
+              <a:rPr lang="zh-TW" altLang="en-US"/>
               <a:t>按一下以編輯母片標題樣式</a:t>
             </a:r>
-            <a:endParaRPr lang="zh-TW" altLang="en-US"/>
           </a:p>
         </p:txBody>
       </p:sp>
@@ -360,38 +380,37 @@
           <a:p>
             <a:pPr lvl="0"/>
             <a:r>
-              <a:rPr lang="zh-TW" altLang="en-US" smtClean="0"/>
+              <a:rPr lang="zh-TW" altLang="en-US"/>
               <a:t>編輯母片文字樣式</a:t>
             </a:r>
           </a:p>
           <a:p>
             <a:pPr lvl="1"/>
             <a:r>
-              <a:rPr lang="zh-TW" altLang="en-US" smtClean="0"/>
+              <a:rPr lang="zh-TW" altLang="en-US"/>
               <a:t>第二層</a:t>
             </a:r>
           </a:p>
           <a:p>
             <a:pPr lvl="2"/>
             <a:r>
-              <a:rPr lang="zh-TW" altLang="en-US" smtClean="0"/>
+              <a:rPr lang="zh-TW" altLang="en-US"/>
               <a:t>第三層</a:t>
             </a:r>
           </a:p>
           <a:p>
             <a:pPr lvl="3"/>
             <a:r>
-              <a:rPr lang="zh-TW" altLang="en-US" smtClean="0"/>
+              <a:rPr lang="zh-TW" altLang="en-US"/>
               <a:t>第四層</a:t>
             </a:r>
           </a:p>
           <a:p>
             <a:pPr lvl="4"/>
             <a:r>
-              <a:rPr lang="zh-TW" altLang="en-US" smtClean="0"/>
+              <a:rPr lang="zh-TW" altLang="en-US"/>
               <a:t>第五層</a:t>
             </a:r>
-            <a:endParaRPr lang="zh-TW" altLang="en-US"/>
           </a:p>
         </p:txBody>
       </p:sp>
@@ -412,7 +431,7 @@
           <a:p>
             <a:fld id="{6E8ECDC8-BA8A-40BE-ADB5-07E1343FAE8E}" type="datetimeFigureOut">
               <a:rPr lang="zh-TW" altLang="en-US" smtClean="0"/>
-              <a:t>2018-10-18</a:t>
+              <a:t>2018/10/20</a:t>
             </a:fld>
             <a:endParaRPr lang="zh-TW" altLang="en-US"/>
           </a:p>
@@ -511,10 +530,9 @@
           <a:lstStyle/>
           <a:p>
             <a:r>
-              <a:rPr lang="zh-TW" altLang="en-US" smtClean="0"/>
+              <a:rPr lang="zh-TW" altLang="en-US"/>
               <a:t>按一下以編輯母片標題樣式</a:t>
             </a:r>
-            <a:endParaRPr lang="zh-TW" altLang="en-US"/>
           </a:p>
         </p:txBody>
       </p:sp>
@@ -540,38 +558,37 @@
           <a:p>
             <a:pPr lvl="0"/>
             <a:r>
-              <a:rPr lang="zh-TW" altLang="en-US" smtClean="0"/>
+              <a:rPr lang="zh-TW" altLang="en-US"/>
               <a:t>編輯母片文字樣式</a:t>
             </a:r>
           </a:p>
           <a:p>
             <a:pPr lvl="1"/>
             <a:r>
-              <a:rPr lang="zh-TW" altLang="en-US" smtClean="0"/>
+              <a:rPr lang="zh-TW" altLang="en-US"/>
               <a:t>第二層</a:t>
             </a:r>
           </a:p>
           <a:p>
             <a:pPr lvl="2"/>
             <a:r>
-              <a:rPr lang="zh-TW" altLang="en-US" smtClean="0"/>
+              <a:rPr lang="zh-TW" altLang="en-US"/>
               <a:t>第三層</a:t>
             </a:r>
           </a:p>
           <a:p>
             <a:pPr lvl="3"/>
             <a:r>
-              <a:rPr lang="zh-TW" altLang="en-US" smtClean="0"/>
+              <a:rPr lang="zh-TW" altLang="en-US"/>
               <a:t>第四層</a:t>
             </a:r>
           </a:p>
           <a:p>
             <a:pPr lvl="4"/>
             <a:r>
-              <a:rPr lang="zh-TW" altLang="en-US" smtClean="0"/>
+              <a:rPr lang="zh-TW" altLang="en-US"/>
               <a:t>第五層</a:t>
             </a:r>
-            <a:endParaRPr lang="zh-TW" altLang="en-US"/>
           </a:p>
         </p:txBody>
       </p:sp>
@@ -592,7 +609,7 @@
           <a:p>
             <a:fld id="{6E8ECDC8-BA8A-40BE-ADB5-07E1343FAE8E}" type="datetimeFigureOut">
               <a:rPr lang="zh-TW" altLang="en-US" smtClean="0"/>
-              <a:t>2018-10-18</a:t>
+              <a:t>2018/10/20</a:t>
             </a:fld>
             <a:endParaRPr lang="zh-TW" altLang="en-US"/>
           </a:p>
@@ -686,10 +703,9 @@
           <a:lstStyle/>
           <a:p>
             <a:r>
-              <a:rPr lang="zh-TW" altLang="en-US" smtClean="0"/>
+              <a:rPr lang="zh-TW" altLang="en-US"/>
               <a:t>按一下以編輯母片標題樣式</a:t>
             </a:r>
-            <a:endParaRPr lang="zh-TW" altLang="en-US"/>
           </a:p>
         </p:txBody>
       </p:sp>
@@ -710,38 +726,37 @@
           <a:p>
             <a:pPr lvl="0"/>
             <a:r>
-              <a:rPr lang="zh-TW" altLang="en-US" smtClean="0"/>
+              <a:rPr lang="zh-TW" altLang="en-US"/>
               <a:t>編輯母片文字樣式</a:t>
             </a:r>
           </a:p>
           <a:p>
             <a:pPr lvl="1"/>
             <a:r>
-              <a:rPr lang="zh-TW" altLang="en-US" smtClean="0"/>
+              <a:rPr lang="zh-TW" altLang="en-US"/>
               <a:t>第二層</a:t>
             </a:r>
           </a:p>
           <a:p>
             <a:pPr lvl="2"/>
             <a:r>
-              <a:rPr lang="zh-TW" altLang="en-US" smtClean="0"/>
+              <a:rPr lang="zh-TW" altLang="en-US"/>
               <a:t>第三層</a:t>
             </a:r>
           </a:p>
           <a:p>
             <a:pPr lvl="3"/>
             <a:r>
-              <a:rPr lang="zh-TW" altLang="en-US" smtClean="0"/>
+              <a:rPr lang="zh-TW" altLang="en-US"/>
               <a:t>第四層</a:t>
             </a:r>
           </a:p>
           <a:p>
             <a:pPr lvl="4"/>
             <a:r>
-              <a:rPr lang="zh-TW" altLang="en-US" smtClean="0"/>
+              <a:rPr lang="zh-TW" altLang="en-US"/>
               <a:t>第五層</a:t>
             </a:r>
-            <a:endParaRPr lang="zh-TW" altLang="en-US"/>
           </a:p>
         </p:txBody>
       </p:sp>
@@ -762,7 +777,7 @@
           <a:p>
             <a:fld id="{6E8ECDC8-BA8A-40BE-ADB5-07E1343FAE8E}" type="datetimeFigureOut">
               <a:rPr lang="zh-TW" altLang="en-US" smtClean="0"/>
-              <a:t>2018-10-18</a:t>
+              <a:t>2018/10/20</a:t>
             </a:fld>
             <a:endParaRPr lang="zh-TW" altLang="en-US"/>
           </a:p>
@@ -865,10 +880,9 @@
           </a:lstStyle>
           <a:p>
             <a:r>
-              <a:rPr lang="zh-TW" altLang="en-US" smtClean="0"/>
+              <a:rPr lang="zh-TW" altLang="en-US"/>
               <a:t>按一下以編輯母片標題樣式</a:t>
             </a:r>
-            <a:endParaRPr lang="zh-TW" altLang="en-US"/>
           </a:p>
         </p:txBody>
       </p:sp>
@@ -985,7 +999,7 @@
           <a:p>
             <a:pPr lvl="0"/>
             <a:r>
-              <a:rPr lang="zh-TW" altLang="en-US" smtClean="0"/>
+              <a:rPr lang="zh-TW" altLang="en-US"/>
               <a:t>編輯母片文字樣式</a:t>
             </a:r>
           </a:p>
@@ -1008,7 +1022,7 @@
           <a:p>
             <a:fld id="{6E8ECDC8-BA8A-40BE-ADB5-07E1343FAE8E}" type="datetimeFigureOut">
               <a:rPr lang="zh-TW" altLang="en-US" smtClean="0"/>
-              <a:t>2018-10-18</a:t>
+              <a:t>2018/10/20</a:t>
             </a:fld>
             <a:endParaRPr lang="zh-TW" altLang="en-US"/>
           </a:p>
@@ -1102,10 +1116,9 @@
           <a:lstStyle/>
           <a:p>
             <a:r>
-              <a:rPr lang="zh-TW" altLang="en-US" smtClean="0"/>
+              <a:rPr lang="zh-TW" altLang="en-US"/>
               <a:t>按一下以編輯母片標題樣式</a:t>
             </a:r>
-            <a:endParaRPr lang="zh-TW" altLang="en-US"/>
           </a:p>
         </p:txBody>
       </p:sp>
@@ -1131,38 +1144,37 @@
           <a:p>
             <a:pPr lvl="0"/>
             <a:r>
-              <a:rPr lang="zh-TW" altLang="en-US" smtClean="0"/>
+              <a:rPr lang="zh-TW" altLang="en-US"/>
               <a:t>編輯母片文字樣式</a:t>
             </a:r>
           </a:p>
           <a:p>
             <a:pPr lvl="1"/>
             <a:r>
-              <a:rPr lang="zh-TW" altLang="en-US" smtClean="0"/>
+              <a:rPr lang="zh-TW" altLang="en-US"/>
               <a:t>第二層</a:t>
             </a:r>
           </a:p>
           <a:p>
             <a:pPr lvl="2"/>
             <a:r>
-              <a:rPr lang="zh-TW" altLang="en-US" smtClean="0"/>
+              <a:rPr lang="zh-TW" altLang="en-US"/>
               <a:t>第三層</a:t>
             </a:r>
           </a:p>
           <a:p>
             <a:pPr lvl="3"/>
             <a:r>
-              <a:rPr lang="zh-TW" altLang="en-US" smtClean="0"/>
+              <a:rPr lang="zh-TW" altLang="en-US"/>
               <a:t>第四層</a:t>
             </a:r>
           </a:p>
           <a:p>
             <a:pPr lvl="4"/>
             <a:r>
-              <a:rPr lang="zh-TW" altLang="en-US" smtClean="0"/>
+              <a:rPr lang="zh-TW" altLang="en-US"/>
               <a:t>第五層</a:t>
             </a:r>
-            <a:endParaRPr lang="zh-TW" altLang="en-US"/>
           </a:p>
         </p:txBody>
       </p:sp>
@@ -1188,38 +1200,37 @@
           <a:p>
             <a:pPr lvl="0"/>
             <a:r>
-              <a:rPr lang="zh-TW" altLang="en-US" smtClean="0"/>
+              <a:rPr lang="zh-TW" altLang="en-US"/>
               <a:t>編輯母片文字樣式</a:t>
             </a:r>
           </a:p>
           <a:p>
             <a:pPr lvl="1"/>
             <a:r>
-              <a:rPr lang="zh-TW" altLang="en-US" smtClean="0"/>
+              <a:rPr lang="zh-TW" altLang="en-US"/>
               <a:t>第二層</a:t>
             </a:r>
           </a:p>
           <a:p>
             <a:pPr lvl="2"/>
             <a:r>
-              <a:rPr lang="zh-TW" altLang="en-US" smtClean="0"/>
+              <a:rPr lang="zh-TW" altLang="en-US"/>
               <a:t>第三層</a:t>
             </a:r>
           </a:p>
           <a:p>
             <a:pPr lvl="3"/>
             <a:r>
-              <a:rPr lang="zh-TW" altLang="en-US" smtClean="0"/>
+              <a:rPr lang="zh-TW" altLang="en-US"/>
               <a:t>第四層</a:t>
             </a:r>
           </a:p>
           <a:p>
             <a:pPr lvl="4"/>
             <a:r>
-              <a:rPr lang="zh-TW" altLang="en-US" smtClean="0"/>
+              <a:rPr lang="zh-TW" altLang="en-US"/>
               <a:t>第五層</a:t>
             </a:r>
-            <a:endParaRPr lang="zh-TW" altLang="en-US"/>
           </a:p>
         </p:txBody>
       </p:sp>
@@ -1240,7 +1251,7 @@
           <a:p>
             <a:fld id="{6E8ECDC8-BA8A-40BE-ADB5-07E1343FAE8E}" type="datetimeFigureOut">
               <a:rPr lang="zh-TW" altLang="en-US" smtClean="0"/>
-              <a:t>2018-10-18</a:t>
+              <a:t>2018/10/20</a:t>
             </a:fld>
             <a:endParaRPr lang="zh-TW" altLang="en-US"/>
           </a:p>
@@ -1339,10 +1350,9 @@
           <a:lstStyle/>
           <a:p>
             <a:r>
-              <a:rPr lang="zh-TW" altLang="en-US" smtClean="0"/>
+              <a:rPr lang="zh-TW" altLang="en-US"/>
               <a:t>按一下以編輯母片標題樣式</a:t>
             </a:r>
-            <a:endParaRPr lang="zh-TW" altLang="en-US"/>
           </a:p>
         </p:txBody>
       </p:sp>
@@ -1405,7 +1415,7 @@
           <a:p>
             <a:pPr lvl="0"/>
             <a:r>
-              <a:rPr lang="zh-TW" altLang="en-US" smtClean="0"/>
+              <a:rPr lang="zh-TW" altLang="en-US"/>
               <a:t>編輯母片文字樣式</a:t>
             </a:r>
           </a:p>
@@ -1433,38 +1443,37 @@
           <a:p>
             <a:pPr lvl="0"/>
             <a:r>
-              <a:rPr lang="zh-TW" altLang="en-US" smtClean="0"/>
+              <a:rPr lang="zh-TW" altLang="en-US"/>
               <a:t>編輯母片文字樣式</a:t>
             </a:r>
           </a:p>
           <a:p>
             <a:pPr lvl="1"/>
             <a:r>
-              <a:rPr lang="zh-TW" altLang="en-US" smtClean="0"/>
+              <a:rPr lang="zh-TW" altLang="en-US"/>
               <a:t>第二層</a:t>
             </a:r>
           </a:p>
           <a:p>
             <a:pPr lvl="2"/>
             <a:r>
-              <a:rPr lang="zh-TW" altLang="en-US" smtClean="0"/>
+              <a:rPr lang="zh-TW" altLang="en-US"/>
               <a:t>第三層</a:t>
             </a:r>
           </a:p>
           <a:p>
             <a:pPr lvl="3"/>
             <a:r>
-              <a:rPr lang="zh-TW" altLang="en-US" smtClean="0"/>
+              <a:rPr lang="zh-TW" altLang="en-US"/>
               <a:t>第四層</a:t>
             </a:r>
           </a:p>
           <a:p>
             <a:pPr lvl="4"/>
             <a:r>
-              <a:rPr lang="zh-TW" altLang="en-US" smtClean="0"/>
+              <a:rPr lang="zh-TW" altLang="en-US"/>
               <a:t>第五層</a:t>
             </a:r>
-            <a:endParaRPr lang="zh-TW" altLang="en-US"/>
           </a:p>
         </p:txBody>
       </p:sp>
@@ -1527,7 +1536,7 @@
           <a:p>
             <a:pPr lvl="0"/>
             <a:r>
-              <a:rPr lang="zh-TW" altLang="en-US" smtClean="0"/>
+              <a:rPr lang="zh-TW" altLang="en-US"/>
               <a:t>編輯母片文字樣式</a:t>
             </a:r>
           </a:p>
@@ -1555,38 +1564,37 @@
           <a:p>
             <a:pPr lvl="0"/>
             <a:r>
-              <a:rPr lang="zh-TW" altLang="en-US" smtClean="0"/>
+              <a:rPr lang="zh-TW" altLang="en-US"/>
               <a:t>編輯母片文字樣式</a:t>
             </a:r>
           </a:p>
           <a:p>
             <a:pPr lvl="1"/>
             <a:r>
-              <a:rPr lang="zh-TW" altLang="en-US" smtClean="0"/>
+              <a:rPr lang="zh-TW" altLang="en-US"/>
               <a:t>第二層</a:t>
             </a:r>
           </a:p>
           <a:p>
             <a:pPr lvl="2"/>
             <a:r>
-              <a:rPr lang="zh-TW" altLang="en-US" smtClean="0"/>
+              <a:rPr lang="zh-TW" altLang="en-US"/>
               <a:t>第三層</a:t>
             </a:r>
           </a:p>
           <a:p>
             <a:pPr lvl="3"/>
             <a:r>
-              <a:rPr lang="zh-TW" altLang="en-US" smtClean="0"/>
+              <a:rPr lang="zh-TW" altLang="en-US"/>
               <a:t>第四層</a:t>
             </a:r>
           </a:p>
           <a:p>
             <a:pPr lvl="4"/>
             <a:r>
-              <a:rPr lang="zh-TW" altLang="en-US" smtClean="0"/>
+              <a:rPr lang="zh-TW" altLang="en-US"/>
               <a:t>第五層</a:t>
             </a:r>
-            <a:endParaRPr lang="zh-TW" altLang="en-US"/>
           </a:p>
         </p:txBody>
       </p:sp>
@@ -1607,7 +1615,7 @@
           <a:p>
             <a:fld id="{6E8ECDC8-BA8A-40BE-ADB5-07E1343FAE8E}" type="datetimeFigureOut">
               <a:rPr lang="zh-TW" altLang="en-US" smtClean="0"/>
-              <a:t>2018-10-18</a:t>
+              <a:t>2018/10/20</a:t>
             </a:fld>
             <a:endParaRPr lang="zh-TW" altLang="en-US"/>
           </a:p>
@@ -1701,10 +1709,9 @@
           <a:lstStyle/>
           <a:p>
             <a:r>
-              <a:rPr lang="zh-TW" altLang="en-US" smtClean="0"/>
+              <a:rPr lang="zh-TW" altLang="en-US"/>
               <a:t>按一下以編輯母片標題樣式</a:t>
             </a:r>
-            <a:endParaRPr lang="zh-TW" altLang="en-US"/>
           </a:p>
         </p:txBody>
       </p:sp>
@@ -1725,7 +1732,7 @@
           <a:p>
             <a:fld id="{6E8ECDC8-BA8A-40BE-ADB5-07E1343FAE8E}" type="datetimeFigureOut">
               <a:rPr lang="zh-TW" altLang="en-US" smtClean="0"/>
-              <a:t>2018-10-18</a:t>
+              <a:t>2018/10/20</a:t>
             </a:fld>
             <a:endParaRPr lang="zh-TW" altLang="en-US"/>
           </a:p>
@@ -1820,7 +1827,7 @@
           <a:p>
             <a:fld id="{6E8ECDC8-BA8A-40BE-ADB5-07E1343FAE8E}" type="datetimeFigureOut">
               <a:rPr lang="zh-TW" altLang="en-US" smtClean="0"/>
-              <a:t>2018-10-18</a:t>
+              <a:t>2018/10/20</a:t>
             </a:fld>
             <a:endParaRPr lang="zh-TW" altLang="en-US"/>
           </a:p>
@@ -1923,10 +1930,9 @@
           </a:lstStyle>
           <a:p>
             <a:r>
-              <a:rPr lang="zh-TW" altLang="en-US" smtClean="0"/>
+              <a:rPr lang="zh-TW" altLang="en-US"/>
               <a:t>按一下以編輯母片標題樣式</a:t>
             </a:r>
-            <a:endParaRPr lang="zh-TW" altLang="en-US"/>
           </a:p>
         </p:txBody>
       </p:sp>
@@ -1980,38 +1986,37 @@
           <a:p>
             <a:pPr lvl="0"/>
             <a:r>
-              <a:rPr lang="zh-TW" altLang="en-US" smtClean="0"/>
+              <a:rPr lang="zh-TW" altLang="en-US"/>
               <a:t>編輯母片文字樣式</a:t>
             </a:r>
           </a:p>
           <a:p>
             <a:pPr lvl="1"/>
             <a:r>
-              <a:rPr lang="zh-TW" altLang="en-US" smtClean="0"/>
+              <a:rPr lang="zh-TW" altLang="en-US"/>
               <a:t>第二層</a:t>
             </a:r>
           </a:p>
           <a:p>
             <a:pPr lvl="2"/>
             <a:r>
-              <a:rPr lang="zh-TW" altLang="en-US" smtClean="0"/>
+              <a:rPr lang="zh-TW" altLang="en-US"/>
               <a:t>第三層</a:t>
             </a:r>
           </a:p>
           <a:p>
             <a:pPr lvl="3"/>
             <a:r>
-              <a:rPr lang="zh-TW" altLang="en-US" smtClean="0"/>
+              <a:rPr lang="zh-TW" altLang="en-US"/>
               <a:t>第四層</a:t>
             </a:r>
           </a:p>
           <a:p>
             <a:pPr lvl="4"/>
             <a:r>
-              <a:rPr lang="zh-TW" altLang="en-US" smtClean="0"/>
+              <a:rPr lang="zh-TW" altLang="en-US"/>
               <a:t>第五層</a:t>
             </a:r>
-            <a:endParaRPr lang="zh-TW" altLang="en-US"/>
           </a:p>
         </p:txBody>
       </p:sp>
@@ -2074,7 +2079,7 @@
           <a:p>
             <a:pPr lvl="0"/>
             <a:r>
-              <a:rPr lang="zh-TW" altLang="en-US" smtClean="0"/>
+              <a:rPr lang="zh-TW" altLang="en-US"/>
               <a:t>編輯母片文字樣式</a:t>
             </a:r>
           </a:p>
@@ -2097,7 +2102,7 @@
           <a:p>
             <a:fld id="{6E8ECDC8-BA8A-40BE-ADB5-07E1343FAE8E}" type="datetimeFigureOut">
               <a:rPr lang="zh-TW" altLang="en-US" smtClean="0"/>
-              <a:t>2018-10-18</a:t>
+              <a:t>2018/10/20</a:t>
             </a:fld>
             <a:endParaRPr lang="zh-TW" altLang="en-US"/>
           </a:p>
@@ -2200,10 +2205,9 @@
           </a:lstStyle>
           <a:p>
             <a:r>
-              <a:rPr lang="zh-TW" altLang="en-US" smtClean="0"/>
+              <a:rPr lang="zh-TW" altLang="en-US"/>
               <a:t>按一下以編輯母片標題樣式</a:t>
             </a:r>
-            <a:endParaRPr lang="zh-TW" altLang="en-US"/>
           </a:p>
         </p:txBody>
       </p:sp>
@@ -2327,7 +2331,7 @@
           <a:p>
             <a:pPr lvl="0"/>
             <a:r>
-              <a:rPr lang="zh-TW" altLang="en-US" smtClean="0"/>
+              <a:rPr lang="zh-TW" altLang="en-US"/>
               <a:t>編輯母片文字樣式</a:t>
             </a:r>
           </a:p>
@@ -2350,7 +2354,7 @@
           <a:p>
             <a:fld id="{6E8ECDC8-BA8A-40BE-ADB5-07E1343FAE8E}" type="datetimeFigureOut">
               <a:rPr lang="zh-TW" altLang="en-US" smtClean="0"/>
-              <a:t>2018-10-18</a:t>
+              <a:t>2018/10/20</a:t>
             </a:fld>
             <a:endParaRPr lang="zh-TW" altLang="en-US"/>
           </a:p>
@@ -2459,10 +2463,9 @@
           <a:lstStyle/>
           <a:p>
             <a:r>
-              <a:rPr lang="zh-TW" altLang="en-US" smtClean="0"/>
+              <a:rPr lang="zh-TW" altLang="en-US"/>
               <a:t>按一下以編輯母片標題樣式</a:t>
             </a:r>
-            <a:endParaRPr lang="zh-TW" altLang="en-US"/>
           </a:p>
         </p:txBody>
       </p:sp>
@@ -2493,38 +2496,37 @@
           <a:p>
             <a:pPr lvl="0"/>
             <a:r>
-              <a:rPr lang="zh-TW" altLang="en-US" smtClean="0"/>
+              <a:rPr lang="zh-TW" altLang="en-US"/>
               <a:t>編輯母片文字樣式</a:t>
             </a:r>
           </a:p>
           <a:p>
             <a:pPr lvl="1"/>
             <a:r>
-              <a:rPr lang="zh-TW" altLang="en-US" smtClean="0"/>
+              <a:rPr lang="zh-TW" altLang="en-US"/>
               <a:t>第二層</a:t>
             </a:r>
           </a:p>
           <a:p>
             <a:pPr lvl="2"/>
             <a:r>
-              <a:rPr lang="zh-TW" altLang="en-US" smtClean="0"/>
+              <a:rPr lang="zh-TW" altLang="en-US"/>
               <a:t>第三層</a:t>
             </a:r>
           </a:p>
           <a:p>
             <a:pPr lvl="3"/>
             <a:r>
-              <a:rPr lang="zh-TW" altLang="en-US" smtClean="0"/>
+              <a:rPr lang="zh-TW" altLang="en-US"/>
               <a:t>第四層</a:t>
             </a:r>
           </a:p>
           <a:p>
             <a:pPr lvl="4"/>
             <a:r>
-              <a:rPr lang="zh-TW" altLang="en-US" smtClean="0"/>
+              <a:rPr lang="zh-TW" altLang="en-US"/>
               <a:t>第五層</a:t>
             </a:r>
-            <a:endParaRPr lang="zh-TW" altLang="en-US"/>
           </a:p>
         </p:txBody>
       </p:sp>
@@ -2563,7 +2565,7 @@
           <a:p>
             <a:fld id="{6E8ECDC8-BA8A-40BE-ADB5-07E1343FAE8E}" type="datetimeFigureOut">
               <a:rPr lang="zh-TW" altLang="en-US" smtClean="0"/>
-              <a:t>2018-10-18</a:t>
+              <a:t>2018/10/20</a:t>
             </a:fld>
             <a:endParaRPr lang="zh-TW" altLang="en-US"/>
           </a:p>
@@ -2984,7 +2986,7 @@
           <a:lstStyle/>
           <a:p>
             <a:r>
-              <a:rPr lang="en-US" altLang="zh-TW" dirty="0" smtClean="0"/>
+              <a:rPr lang="en-US" altLang="zh-TW" dirty="0"/>
               <a:t>Spring JPA</a:t>
             </a:r>
             <a:endParaRPr lang="zh-TW" altLang="en-US" dirty="0"/>
@@ -3007,7 +3009,7 @@
           <a:lstStyle/>
           <a:p>
             <a:r>
-              <a:rPr lang="en-US" altLang="zh-TW" dirty="0" smtClean="0"/>
+              <a:rPr lang="en-US" altLang="zh-TW" dirty="0"/>
               <a:t>2018/10/18</a:t>
             </a:r>
             <a:endParaRPr lang="zh-TW" altLang="en-US" dirty="0"/>
@@ -3018,6 +3020,3548 @@
     <p:extLst>
       <p:ext uri="{BB962C8B-B14F-4D97-AF65-F5344CB8AC3E}">
         <p14:creationId xmlns:p14="http://schemas.microsoft.com/office/powerpoint/2010/main" val="1604225544"/>
+      </p:ext>
+    </p:extLst>
+  </p:cSld>
+  <p:clrMapOvr>
+    <a:masterClrMapping/>
+  </p:clrMapOvr>
+</p:sld>
+</file>
+
+<file path=ppt/slides/slide10.xml><?xml version="1.0" encoding="utf-8"?>
+<p:sld xmlns:a="http://schemas.openxmlformats.org/drawingml/2006/main" xmlns:r="http://schemas.openxmlformats.org/officeDocument/2006/relationships" xmlns:p="http://schemas.openxmlformats.org/presentationml/2006/main">
+  <p:cSld>
+    <p:spTree>
+      <p:nvGrpSpPr>
+        <p:cNvPr id="1" name=""/>
+        <p:cNvGrpSpPr/>
+        <p:nvPr/>
+      </p:nvGrpSpPr>
+      <p:grpSpPr>
+        <a:xfrm>
+          <a:off x="0" y="0"/>
+          <a:ext cx="0" cy="0"/>
+          <a:chOff x="0" y="0"/>
+          <a:chExt cx="0" cy="0"/>
+        </a:xfrm>
+      </p:grpSpPr>
+      <p:sp>
+        <p:nvSpPr>
+          <p:cNvPr id="2" name="標題 1">
+            <a:extLst>
+              <a:ext uri="{FF2B5EF4-FFF2-40B4-BE49-F238E27FC236}">
+                <a16:creationId xmlns:a16="http://schemas.microsoft.com/office/drawing/2014/main" id="{A8EF2791-4A67-4997-9E87-95AA1795B799}"/>
+              </a:ext>
+            </a:extLst>
+          </p:cNvPr>
+          <p:cNvSpPr>
+            <a:spLocks noGrp="1"/>
+          </p:cNvSpPr>
+          <p:nvPr>
+            <p:ph type="title"/>
+          </p:nvPr>
+        </p:nvSpPr>
+        <p:spPr/>
+        <p:txBody>
+          <a:bodyPr/>
+          <a:lstStyle/>
+          <a:p>
+            <a:r>
+              <a:rPr lang="en-US" altLang="zh-TW" dirty="0"/>
+              <a:t>Entities - lifecycle</a:t>
+            </a:r>
+            <a:endParaRPr lang="zh-TW" altLang="en-US" dirty="0"/>
+          </a:p>
+        </p:txBody>
+      </p:sp>
+      <p:sp>
+        <p:nvSpPr>
+          <p:cNvPr id="3" name="內容版面配置區 2">
+            <a:extLst>
+              <a:ext uri="{FF2B5EF4-FFF2-40B4-BE49-F238E27FC236}">
+                <a16:creationId xmlns:a16="http://schemas.microsoft.com/office/drawing/2014/main" id="{E94010AB-A67B-4230-93D6-DD1BF65184EE}"/>
+              </a:ext>
+            </a:extLst>
+          </p:cNvPr>
+          <p:cNvSpPr>
+            <a:spLocks noGrp="1"/>
+          </p:cNvSpPr>
+          <p:nvPr>
+            <p:ph idx="1"/>
+          </p:nvPr>
+        </p:nvSpPr>
+        <p:spPr/>
+        <p:txBody>
+          <a:bodyPr>
+            <a:normAutofit fontScale="85000" lnSpcReduction="20000"/>
+          </a:bodyPr>
+          <a:lstStyle/>
+          <a:p>
+            <a:r>
+              <a:rPr lang="en-US" altLang="zh-TW" dirty="0"/>
+              <a:t>New (transient): </a:t>
+            </a:r>
+          </a:p>
+          <a:p>
+            <a:pPr lvl="1"/>
+            <a:r>
+              <a:rPr lang="en-US" altLang="zh-TW" dirty="0"/>
+              <a:t>an entity is new if it has just been instantiated using the new operator, and it is not associated with a persistence context. </a:t>
+            </a:r>
+          </a:p>
+          <a:p>
+            <a:pPr lvl="1"/>
+            <a:r>
+              <a:rPr lang="en-US" altLang="zh-TW" dirty="0"/>
+              <a:t>It has no persistent representation in the database and no identifier value has been assigned.</a:t>
+            </a:r>
+          </a:p>
+          <a:p>
+            <a:r>
+              <a:rPr lang="en-US" altLang="zh-TW" dirty="0"/>
+              <a:t>Managed (persistent): </a:t>
+            </a:r>
+          </a:p>
+          <a:p>
+            <a:pPr lvl="1"/>
+            <a:r>
+              <a:rPr lang="en-US" altLang="zh-TW" dirty="0"/>
+              <a:t>a managed entity instance is an instance with a persistent identity that is currently associated with a persistence context.</a:t>
+            </a:r>
+          </a:p>
+          <a:p>
+            <a:r>
+              <a:rPr lang="en-US" altLang="zh-TW" dirty="0"/>
+              <a:t>Detached: </a:t>
+            </a:r>
+          </a:p>
+          <a:p>
+            <a:pPr lvl="1"/>
+            <a:r>
+              <a:rPr lang="en-US" altLang="zh-TW" dirty="0"/>
+              <a:t>the entity instance is an instance with a persistent identity that is no longer associated with a persistence context, usually because the persistence context was closed or the instance was evicted from the context.</a:t>
+            </a:r>
+          </a:p>
+          <a:p>
+            <a:r>
+              <a:rPr lang="en-US" altLang="zh-TW" dirty="0"/>
+              <a:t>Removed: </a:t>
+            </a:r>
+          </a:p>
+          <a:p>
+            <a:pPr lvl="1"/>
+            <a:r>
+              <a:rPr lang="en-US" altLang="zh-TW" dirty="0"/>
+              <a:t>a removed entity instance is an instance with a persistent identity, associated with a persistence context, but scheduled for removal from the database.</a:t>
+            </a:r>
+            <a:endParaRPr lang="zh-TW" altLang="en-US" dirty="0"/>
+          </a:p>
+        </p:txBody>
+      </p:sp>
+    </p:spTree>
+    <p:extLst>
+      <p:ext uri="{BB962C8B-B14F-4D97-AF65-F5344CB8AC3E}">
+        <p14:creationId xmlns:p14="http://schemas.microsoft.com/office/powerpoint/2010/main" val="751366330"/>
+      </p:ext>
+    </p:extLst>
+  </p:cSld>
+  <p:clrMapOvr>
+    <a:masterClrMapping/>
+  </p:clrMapOvr>
+</p:sld>
+</file>
+
+<file path=ppt/slides/slide11.xml><?xml version="1.0" encoding="utf-8"?>
+<p:sld xmlns:a="http://schemas.openxmlformats.org/drawingml/2006/main" xmlns:r="http://schemas.openxmlformats.org/officeDocument/2006/relationships" xmlns:p="http://schemas.openxmlformats.org/presentationml/2006/main">
+  <p:cSld>
+    <p:spTree>
+      <p:nvGrpSpPr>
+        <p:cNvPr id="1" name=""/>
+        <p:cNvGrpSpPr/>
+        <p:nvPr/>
+      </p:nvGrpSpPr>
+      <p:grpSpPr>
+        <a:xfrm>
+          <a:off x="0" y="0"/>
+          <a:ext cx="0" cy="0"/>
+          <a:chOff x="0" y="0"/>
+          <a:chExt cx="0" cy="0"/>
+        </a:xfrm>
+      </p:grpSpPr>
+      <p:sp>
+        <p:nvSpPr>
+          <p:cNvPr id="2" name="標題 1">
+            <a:extLst>
+              <a:ext uri="{FF2B5EF4-FFF2-40B4-BE49-F238E27FC236}">
+                <a16:creationId xmlns:a16="http://schemas.microsoft.com/office/drawing/2014/main" id="{774C23ED-A6AA-4A07-93FB-11D85C6C5F93}"/>
+              </a:ext>
+            </a:extLst>
+          </p:cNvPr>
+          <p:cNvSpPr>
+            <a:spLocks noGrp="1"/>
+          </p:cNvSpPr>
+          <p:nvPr>
+            <p:ph type="title"/>
+          </p:nvPr>
+        </p:nvSpPr>
+        <p:spPr/>
+        <p:txBody>
+          <a:bodyPr/>
+          <a:lstStyle/>
+          <a:p>
+            <a:r>
+              <a:rPr lang="en-US" altLang="zh-TW" dirty="0"/>
+              <a:t>persistence.xml</a:t>
+            </a:r>
+            <a:endParaRPr lang="zh-TW" altLang="en-US" dirty="0"/>
+          </a:p>
+        </p:txBody>
+      </p:sp>
+      <p:sp>
+        <p:nvSpPr>
+          <p:cNvPr id="3" name="內容版面配置區 2">
+            <a:extLst>
+              <a:ext uri="{FF2B5EF4-FFF2-40B4-BE49-F238E27FC236}">
+                <a16:creationId xmlns:a16="http://schemas.microsoft.com/office/drawing/2014/main" id="{805AC191-19A5-4C22-89B1-27D33C38CE96}"/>
+              </a:ext>
+            </a:extLst>
+          </p:cNvPr>
+          <p:cNvSpPr>
+            <a:spLocks noGrp="1"/>
+          </p:cNvSpPr>
+          <p:nvPr>
+            <p:ph idx="1"/>
+          </p:nvPr>
+        </p:nvSpPr>
+        <p:spPr/>
+        <p:txBody>
+          <a:bodyPr>
+            <a:normAutofit/>
+          </a:bodyPr>
+          <a:lstStyle/>
+          <a:p>
+            <a:r>
+              <a:rPr lang="en-US" altLang="zh-TW" dirty="0"/>
+              <a:t>a standard configuration file</a:t>
+            </a:r>
+          </a:p>
+          <a:p>
+            <a:r>
+              <a:rPr lang="en-US" altLang="zh-TW" dirty="0"/>
+              <a:t>has to be included in the META-INF directory inside the JAR file that contains the entity beans. </a:t>
+            </a:r>
+          </a:p>
+          <a:p>
+            <a:r>
+              <a:rPr lang="en-US" altLang="zh-TW" dirty="0"/>
+              <a:t>define a persistence-unit with a unique name in the current scoped </a:t>
+            </a:r>
+            <a:r>
+              <a:rPr lang="en-US" altLang="zh-TW" dirty="0" err="1"/>
+              <a:t>classloader</a:t>
+            </a:r>
+            <a:r>
+              <a:rPr lang="en-US" altLang="zh-TW" dirty="0"/>
+              <a:t>. </a:t>
+            </a:r>
+          </a:p>
+          <a:p>
+            <a:r>
+              <a:rPr lang="en-US" altLang="zh-TW" dirty="0"/>
+              <a:t>The provider attribute specifies the underlying implementation of the JPA </a:t>
+            </a:r>
+            <a:r>
+              <a:rPr lang="en-US" altLang="zh-TW" dirty="0" err="1"/>
+              <a:t>EntityManager</a:t>
+            </a:r>
+            <a:r>
+              <a:rPr lang="en-US" altLang="zh-TW" dirty="0"/>
+              <a:t>. </a:t>
+            </a:r>
+            <a:endParaRPr lang="zh-TW" altLang="en-US" dirty="0"/>
+          </a:p>
+        </p:txBody>
+      </p:sp>
+    </p:spTree>
+    <p:extLst>
+      <p:ext uri="{BB962C8B-B14F-4D97-AF65-F5344CB8AC3E}">
+        <p14:creationId xmlns:p14="http://schemas.microsoft.com/office/powerpoint/2010/main" val="2711472990"/>
+      </p:ext>
+    </p:extLst>
+  </p:cSld>
+  <p:clrMapOvr>
+    <a:masterClrMapping/>
+  </p:clrMapOvr>
+</p:sld>
+</file>
+
+<file path=ppt/slides/slide12.xml><?xml version="1.0" encoding="utf-8"?>
+<p:sld xmlns:a="http://schemas.openxmlformats.org/drawingml/2006/main" xmlns:r="http://schemas.openxmlformats.org/officeDocument/2006/relationships" xmlns:p="http://schemas.openxmlformats.org/presentationml/2006/main">
+  <p:cSld>
+    <p:spTree>
+      <p:nvGrpSpPr>
+        <p:cNvPr id="1" name=""/>
+        <p:cNvGrpSpPr/>
+        <p:nvPr/>
+      </p:nvGrpSpPr>
+      <p:grpSpPr>
+        <a:xfrm>
+          <a:off x="0" y="0"/>
+          <a:ext cx="0" cy="0"/>
+          <a:chOff x="0" y="0"/>
+          <a:chExt cx="0" cy="0"/>
+        </a:xfrm>
+      </p:grpSpPr>
+      <p:sp>
+        <p:nvSpPr>
+          <p:cNvPr id="2" name="標題 1"/>
+          <p:cNvSpPr>
+            <a:spLocks noGrp="1"/>
+          </p:cNvSpPr>
+          <p:nvPr>
+            <p:ph type="title"/>
+          </p:nvPr>
+        </p:nvSpPr>
+        <p:spPr/>
+        <p:txBody>
+          <a:bodyPr/>
+          <a:lstStyle/>
+          <a:p>
+            <a:endParaRPr lang="zh-TW" altLang="en-US" dirty="0"/>
+          </a:p>
+        </p:txBody>
+      </p:sp>
+      <p:sp>
+        <p:nvSpPr>
+          <p:cNvPr id="3" name="內容版面配置區 2"/>
+          <p:cNvSpPr>
+            <a:spLocks noGrp="1"/>
+          </p:cNvSpPr>
+          <p:nvPr>
+            <p:ph idx="1"/>
+          </p:nvPr>
+        </p:nvSpPr>
+        <p:spPr/>
+        <p:txBody>
+          <a:bodyPr/>
+          <a:lstStyle/>
+          <a:p>
+            <a:r>
+              <a:rPr lang="en-US" altLang="zh-TW" dirty="0"/>
+              <a:t>JPA defines a persistence unit through the </a:t>
+            </a:r>
+            <a:r>
+              <a:rPr lang="en-US" altLang="zh-TW" i="1" dirty="0"/>
+              <a:t>META-INF/persistence.xml</a:t>
+            </a:r>
+            <a:r>
+              <a:rPr lang="en-US" altLang="zh-TW" dirty="0"/>
+              <a:t> file.</a:t>
+            </a:r>
+          </a:p>
+          <a:p>
+            <a:endParaRPr lang="en-US" altLang="zh-TW" dirty="0"/>
+          </a:p>
+          <a:p>
+            <a:r>
+              <a:rPr lang="en-US" altLang="zh-TW" b="1" dirty="0"/>
+              <a:t>Starting with Spring 3.1, the </a:t>
+            </a:r>
+            <a:r>
+              <a:rPr lang="en-US" altLang="zh-TW" b="1" i="1" dirty="0"/>
+              <a:t>persistence.xml</a:t>
+            </a:r>
+            <a:r>
+              <a:rPr lang="en-US" altLang="zh-TW" b="1" dirty="0"/>
+              <a:t> is no longer necessary</a:t>
+            </a:r>
+            <a:r>
+              <a:rPr lang="en-US" altLang="zh-TW" dirty="0"/>
+              <a:t> – the </a:t>
+            </a:r>
+            <a:r>
+              <a:rPr lang="en-US" altLang="zh-TW" i="1" dirty="0" err="1"/>
+              <a:t>LocalContainerEntityManagerFactoryBean</a:t>
+            </a:r>
+            <a:r>
+              <a:rPr lang="en-US" altLang="zh-TW" dirty="0"/>
+              <a:t> now supports a </a:t>
+            </a:r>
+            <a:r>
+              <a:rPr lang="en-US" altLang="zh-TW" i="1" dirty="0"/>
+              <a:t>‘</a:t>
+            </a:r>
+            <a:r>
+              <a:rPr lang="en-US" altLang="zh-TW" i="1" dirty="0" err="1"/>
+              <a:t>packagesToScan</a:t>
+            </a:r>
+            <a:r>
+              <a:rPr lang="en-US" altLang="zh-TW" i="1" dirty="0"/>
+              <a:t>’</a:t>
+            </a:r>
+            <a:r>
+              <a:rPr lang="en-US" altLang="zh-TW" dirty="0"/>
+              <a:t> property where the packages to scan for </a:t>
+            </a:r>
+            <a:r>
+              <a:rPr lang="en-US" altLang="zh-TW" i="1" dirty="0"/>
+              <a:t>@Entity</a:t>
+            </a:r>
+            <a:r>
+              <a:rPr lang="en-US" altLang="zh-TW" dirty="0"/>
+              <a:t> classes can be specified.</a:t>
+            </a:r>
+            <a:endParaRPr lang="zh-TW" altLang="en-US" dirty="0"/>
+          </a:p>
+        </p:txBody>
+      </p:sp>
+    </p:spTree>
+    <p:extLst>
+      <p:ext uri="{BB962C8B-B14F-4D97-AF65-F5344CB8AC3E}">
+        <p14:creationId xmlns:p14="http://schemas.microsoft.com/office/powerpoint/2010/main" val="2126680105"/>
+      </p:ext>
+    </p:extLst>
+  </p:cSld>
+  <p:clrMapOvr>
+    <a:masterClrMapping/>
+  </p:clrMapOvr>
+</p:sld>
+</file>
+
+<file path=ppt/slides/slide13.xml><?xml version="1.0" encoding="utf-8"?>
+<p:sld xmlns:a="http://schemas.openxmlformats.org/drawingml/2006/main" xmlns:r="http://schemas.openxmlformats.org/officeDocument/2006/relationships" xmlns:p="http://schemas.openxmlformats.org/presentationml/2006/main">
+  <p:cSld>
+    <p:spTree>
+      <p:nvGrpSpPr>
+        <p:cNvPr id="1" name=""/>
+        <p:cNvGrpSpPr/>
+        <p:nvPr/>
+      </p:nvGrpSpPr>
+      <p:grpSpPr>
+        <a:xfrm>
+          <a:off x="0" y="0"/>
+          <a:ext cx="0" cy="0"/>
+          <a:chOff x="0" y="0"/>
+          <a:chExt cx="0" cy="0"/>
+        </a:xfrm>
+      </p:grpSpPr>
+      <p:sp>
+        <p:nvSpPr>
+          <p:cNvPr id="2" name="標題 1">
+            <a:extLst>
+              <a:ext uri="{FF2B5EF4-FFF2-40B4-BE49-F238E27FC236}">
+                <a16:creationId xmlns:a16="http://schemas.microsoft.com/office/drawing/2014/main" id="{24A31B14-E617-4B2F-B3D1-24F64A3B468A}"/>
+              </a:ext>
+            </a:extLst>
+          </p:cNvPr>
+          <p:cNvSpPr>
+            <a:spLocks noGrp="1"/>
+          </p:cNvSpPr>
+          <p:nvPr>
+            <p:ph type="title"/>
+          </p:nvPr>
+        </p:nvSpPr>
+        <p:spPr/>
+        <p:txBody>
+          <a:bodyPr/>
+          <a:lstStyle/>
+          <a:p>
+            <a:r>
+              <a:rPr lang="en-US" altLang="zh-TW" dirty="0" err="1"/>
+              <a:t>Enviorment</a:t>
+            </a:r>
+            <a:endParaRPr lang="zh-TW" altLang="en-US" dirty="0"/>
+          </a:p>
+        </p:txBody>
+      </p:sp>
+      <p:sp>
+        <p:nvSpPr>
+          <p:cNvPr id="3" name="內容版面配置區 2">
+            <a:extLst>
+              <a:ext uri="{FF2B5EF4-FFF2-40B4-BE49-F238E27FC236}">
+                <a16:creationId xmlns:a16="http://schemas.microsoft.com/office/drawing/2014/main" id="{7C4900B6-0D70-402C-9BBA-C32354E3DFB1}"/>
+              </a:ext>
+            </a:extLst>
+          </p:cNvPr>
+          <p:cNvSpPr>
+            <a:spLocks noGrp="1"/>
+          </p:cNvSpPr>
+          <p:nvPr>
+            <p:ph idx="1"/>
+          </p:nvPr>
+        </p:nvSpPr>
+        <p:spPr/>
+        <p:txBody>
+          <a:bodyPr/>
+          <a:lstStyle/>
+          <a:p>
+            <a:r>
+              <a:rPr lang="en-US" altLang="zh-TW" dirty="0"/>
+              <a:t>Java 8</a:t>
+            </a:r>
+          </a:p>
+          <a:p>
+            <a:r>
+              <a:rPr lang="en-US" altLang="zh-TW" dirty="0"/>
+              <a:t>tomcat 7.x</a:t>
+            </a:r>
+          </a:p>
+          <a:p>
+            <a:r>
+              <a:rPr lang="en-US" altLang="zh-TW" dirty="0"/>
+              <a:t>spring 4.3.x</a:t>
+            </a:r>
+          </a:p>
+          <a:p>
+            <a:r>
+              <a:rPr lang="en-US" altLang="zh-TW" dirty="0"/>
+              <a:t>hibernate 4.3.x</a:t>
+            </a:r>
+          </a:p>
+          <a:p>
+            <a:r>
+              <a:rPr lang="en-US" altLang="zh-TW" dirty="0"/>
+              <a:t>hibernate-</a:t>
+            </a:r>
+            <a:r>
+              <a:rPr lang="en-US" altLang="zh-TW" dirty="0" err="1"/>
+              <a:t>jpa</a:t>
+            </a:r>
+            <a:endParaRPr lang="en-US" altLang="zh-TW" dirty="0"/>
+          </a:p>
+          <a:p>
+            <a:r>
+              <a:rPr lang="en-US" altLang="zh-TW" dirty="0" err="1"/>
+              <a:t>postgresql</a:t>
+            </a:r>
+            <a:r>
+              <a:rPr lang="en-US" altLang="zh-TW" dirty="0"/>
+              <a:t> 8.4</a:t>
+            </a:r>
+          </a:p>
+          <a:p>
+            <a:endParaRPr lang="zh-TW" altLang="en-US" dirty="0"/>
+          </a:p>
+        </p:txBody>
+      </p:sp>
+    </p:spTree>
+    <p:extLst>
+      <p:ext uri="{BB962C8B-B14F-4D97-AF65-F5344CB8AC3E}">
+        <p14:creationId xmlns:p14="http://schemas.microsoft.com/office/powerpoint/2010/main" val="777255472"/>
+      </p:ext>
+    </p:extLst>
+  </p:cSld>
+  <p:clrMapOvr>
+    <a:masterClrMapping/>
+  </p:clrMapOvr>
+</p:sld>
+</file>
+
+<file path=ppt/slides/slide14.xml><?xml version="1.0" encoding="utf-8"?>
+<p:sld xmlns:a="http://schemas.openxmlformats.org/drawingml/2006/main" xmlns:r="http://schemas.openxmlformats.org/officeDocument/2006/relationships" xmlns:p="http://schemas.openxmlformats.org/presentationml/2006/main">
+  <p:cSld>
+    <p:spTree>
+      <p:nvGrpSpPr>
+        <p:cNvPr id="1" name=""/>
+        <p:cNvGrpSpPr/>
+        <p:nvPr/>
+      </p:nvGrpSpPr>
+      <p:grpSpPr>
+        <a:xfrm>
+          <a:off x="0" y="0"/>
+          <a:ext cx="0" cy="0"/>
+          <a:chOff x="0" y="0"/>
+          <a:chExt cx="0" cy="0"/>
+        </a:xfrm>
+      </p:grpSpPr>
+      <p:sp>
+        <p:nvSpPr>
+          <p:cNvPr id="2" name="標題 1">
+            <a:extLst>
+              <a:ext uri="{FF2B5EF4-FFF2-40B4-BE49-F238E27FC236}">
+                <a16:creationId xmlns:a16="http://schemas.microsoft.com/office/drawing/2014/main" id="{3A3468D7-1647-401F-91B2-A28807F93092}"/>
+              </a:ext>
+            </a:extLst>
+          </p:cNvPr>
+          <p:cNvSpPr>
+            <a:spLocks noGrp="1"/>
+          </p:cNvSpPr>
+          <p:nvPr>
+            <p:ph type="title"/>
+          </p:nvPr>
+        </p:nvSpPr>
+        <p:spPr/>
+        <p:txBody>
+          <a:bodyPr/>
+          <a:lstStyle/>
+          <a:p>
+            <a:r>
+              <a:rPr lang="en-US" altLang="zh-TW" dirty="0"/>
+              <a:t>Dao</a:t>
+            </a:r>
+            <a:endParaRPr lang="zh-TW" altLang="en-US" dirty="0"/>
+          </a:p>
+        </p:txBody>
+      </p:sp>
+      <p:sp>
+        <p:nvSpPr>
+          <p:cNvPr id="3" name="內容版面配置區 2">
+            <a:extLst>
+              <a:ext uri="{FF2B5EF4-FFF2-40B4-BE49-F238E27FC236}">
+                <a16:creationId xmlns:a16="http://schemas.microsoft.com/office/drawing/2014/main" id="{7CCE87DF-AE20-4784-ADF9-F79305748088}"/>
+              </a:ext>
+            </a:extLst>
+          </p:cNvPr>
+          <p:cNvSpPr>
+            <a:spLocks noGrp="1"/>
+          </p:cNvSpPr>
+          <p:nvPr>
+            <p:ph idx="1"/>
+          </p:nvPr>
+        </p:nvSpPr>
+        <p:spPr/>
+        <p:txBody>
+          <a:bodyPr/>
+          <a:lstStyle/>
+          <a:p>
+            <a:endParaRPr lang="zh-TW" altLang="en-US" dirty="0"/>
+          </a:p>
+        </p:txBody>
+      </p:sp>
+    </p:spTree>
+    <p:extLst>
+      <p:ext uri="{BB962C8B-B14F-4D97-AF65-F5344CB8AC3E}">
+        <p14:creationId xmlns:p14="http://schemas.microsoft.com/office/powerpoint/2010/main" val="3057841037"/>
+      </p:ext>
+    </p:extLst>
+  </p:cSld>
+  <p:clrMapOvr>
+    <a:masterClrMapping/>
+  </p:clrMapOvr>
+</p:sld>
+</file>
+
+<file path=ppt/slides/slide15.xml><?xml version="1.0" encoding="utf-8"?>
+<p:sld xmlns:a="http://schemas.openxmlformats.org/drawingml/2006/main" xmlns:r="http://schemas.openxmlformats.org/officeDocument/2006/relationships" xmlns:p="http://schemas.openxmlformats.org/presentationml/2006/main">
+  <p:cSld>
+    <p:spTree>
+      <p:nvGrpSpPr>
+        <p:cNvPr id="1" name=""/>
+        <p:cNvGrpSpPr/>
+        <p:nvPr/>
+      </p:nvGrpSpPr>
+      <p:grpSpPr>
+        <a:xfrm>
+          <a:off x="0" y="0"/>
+          <a:ext cx="0" cy="0"/>
+          <a:chOff x="0" y="0"/>
+          <a:chExt cx="0" cy="0"/>
+        </a:xfrm>
+      </p:grpSpPr>
+      <p:sp>
+        <p:nvSpPr>
+          <p:cNvPr id="2" name="標題 1">
+            <a:extLst>
+              <a:ext uri="{FF2B5EF4-FFF2-40B4-BE49-F238E27FC236}">
+                <a16:creationId xmlns:a16="http://schemas.microsoft.com/office/drawing/2014/main" id="{32603308-1E95-47B0-8627-71B918AC4704}"/>
+              </a:ext>
+            </a:extLst>
+          </p:cNvPr>
+          <p:cNvSpPr>
+            <a:spLocks noGrp="1"/>
+          </p:cNvSpPr>
+          <p:nvPr>
+            <p:ph type="title"/>
+          </p:nvPr>
+        </p:nvSpPr>
+        <p:spPr/>
+        <p:txBody>
+          <a:bodyPr/>
+          <a:lstStyle/>
+          <a:p>
+            <a:endParaRPr lang="zh-TW" altLang="en-US"/>
+          </a:p>
+        </p:txBody>
+      </p:sp>
+      <p:sp>
+        <p:nvSpPr>
+          <p:cNvPr id="3" name="內容版面配置區 2">
+            <a:extLst>
+              <a:ext uri="{FF2B5EF4-FFF2-40B4-BE49-F238E27FC236}">
+                <a16:creationId xmlns:a16="http://schemas.microsoft.com/office/drawing/2014/main" id="{6ADB3079-6B19-4F4A-89D3-BBFD9F64FB0F}"/>
+              </a:ext>
+            </a:extLst>
+          </p:cNvPr>
+          <p:cNvSpPr>
+            <a:spLocks noGrp="1"/>
+          </p:cNvSpPr>
+          <p:nvPr>
+            <p:ph idx="1"/>
+          </p:nvPr>
+        </p:nvSpPr>
+        <p:spPr/>
+        <p:txBody>
+          <a:bodyPr/>
+          <a:lstStyle/>
+          <a:p>
+            <a:endParaRPr lang="zh-TW" altLang="en-US" dirty="0"/>
+          </a:p>
+        </p:txBody>
+      </p:sp>
+      <p:sp>
+        <p:nvSpPr>
+          <p:cNvPr id="4" name="文字方塊 3">
+            <a:extLst>
+              <a:ext uri="{FF2B5EF4-FFF2-40B4-BE49-F238E27FC236}">
+                <a16:creationId xmlns:a16="http://schemas.microsoft.com/office/drawing/2014/main" id="{DFAB1B0C-DBE2-4123-9C28-1F4644707739}"/>
+              </a:ext>
+            </a:extLst>
+          </p:cNvPr>
+          <p:cNvSpPr txBox="1"/>
+          <p:nvPr/>
+        </p:nvSpPr>
+        <p:spPr>
+          <a:xfrm>
+            <a:off x="3575126" y="3122407"/>
+            <a:ext cx="1299882" cy="613186"/>
+          </a:xfrm>
+          <a:prstGeom prst="rect">
+            <a:avLst/>
+          </a:prstGeom>
+          <a:noFill/>
+          <a:ln w="12700">
+            <a:solidFill>
+              <a:schemeClr val="tx1"/>
+            </a:solidFill>
+          </a:ln>
+        </p:spPr>
+        <p:txBody>
+          <a:bodyPr wrap="square" rtlCol="0">
+            <a:noAutofit/>
+          </a:bodyPr>
+          <a:lstStyle/>
+          <a:p>
+            <a:pPr algn="ctr"/>
+            <a:r>
+              <a:rPr lang="en-US" altLang="zh-TW" dirty="0"/>
+              <a:t>Service</a:t>
+            </a:r>
+          </a:p>
+          <a:p>
+            <a:pPr algn="ctr"/>
+            <a:r>
+              <a:rPr lang="en-US" altLang="zh-TW" dirty="0"/>
+              <a:t>Interface</a:t>
+            </a:r>
+            <a:endParaRPr lang="zh-TW" altLang="en-US" dirty="0"/>
+          </a:p>
+        </p:txBody>
+      </p:sp>
+      <p:sp>
+        <p:nvSpPr>
+          <p:cNvPr id="5" name="文字方塊 4">
+            <a:extLst>
+              <a:ext uri="{FF2B5EF4-FFF2-40B4-BE49-F238E27FC236}">
+                <a16:creationId xmlns:a16="http://schemas.microsoft.com/office/drawing/2014/main" id="{98CB027C-7F0C-4C23-8870-C4E117B7EC32}"/>
+              </a:ext>
+            </a:extLst>
+          </p:cNvPr>
+          <p:cNvSpPr txBox="1"/>
+          <p:nvPr/>
+        </p:nvSpPr>
+        <p:spPr>
+          <a:xfrm>
+            <a:off x="5491777" y="3124200"/>
+            <a:ext cx="1299882" cy="613186"/>
+          </a:xfrm>
+          <a:prstGeom prst="rect">
+            <a:avLst/>
+          </a:prstGeom>
+          <a:noFill/>
+          <a:ln w="12700">
+            <a:solidFill>
+              <a:schemeClr val="tx1"/>
+            </a:solidFill>
+          </a:ln>
+        </p:spPr>
+        <p:txBody>
+          <a:bodyPr wrap="square" rtlCol="0">
+            <a:noAutofit/>
+          </a:bodyPr>
+          <a:lstStyle/>
+          <a:p>
+            <a:pPr algn="ctr"/>
+            <a:r>
+              <a:rPr lang="en-US" altLang="zh-TW" dirty="0"/>
+              <a:t>Dao</a:t>
+            </a:r>
+          </a:p>
+          <a:p>
+            <a:pPr algn="ctr"/>
+            <a:r>
+              <a:rPr lang="en-US" altLang="zh-TW" dirty="0"/>
+              <a:t>Interface</a:t>
+            </a:r>
+            <a:endParaRPr lang="zh-TW" altLang="en-US" dirty="0"/>
+          </a:p>
+        </p:txBody>
+      </p:sp>
+      <p:sp>
+        <p:nvSpPr>
+          <p:cNvPr id="6" name="文字方塊 5">
+            <a:extLst>
+              <a:ext uri="{FF2B5EF4-FFF2-40B4-BE49-F238E27FC236}">
+                <a16:creationId xmlns:a16="http://schemas.microsoft.com/office/drawing/2014/main" id="{8762A02B-E07F-4404-AFE1-D0819C6D7020}"/>
+              </a:ext>
+            </a:extLst>
+          </p:cNvPr>
+          <p:cNvSpPr txBox="1"/>
+          <p:nvPr/>
+        </p:nvSpPr>
+        <p:spPr>
+          <a:xfrm>
+            <a:off x="7354639" y="3122407"/>
+            <a:ext cx="1299882" cy="613186"/>
+          </a:xfrm>
+          <a:prstGeom prst="rect">
+            <a:avLst/>
+          </a:prstGeom>
+          <a:noFill/>
+          <a:ln w="12700">
+            <a:solidFill>
+              <a:schemeClr val="tx1"/>
+            </a:solidFill>
+          </a:ln>
+        </p:spPr>
+        <p:txBody>
+          <a:bodyPr wrap="square" rtlCol="0">
+            <a:noAutofit/>
+          </a:bodyPr>
+          <a:lstStyle/>
+          <a:p>
+            <a:pPr algn="ctr"/>
+            <a:r>
+              <a:rPr lang="en-US" altLang="zh-TW" dirty="0"/>
+              <a:t>Entity</a:t>
+            </a:r>
+            <a:endParaRPr lang="zh-TW" altLang="en-US" dirty="0"/>
+          </a:p>
+        </p:txBody>
+      </p:sp>
+      <p:sp>
+        <p:nvSpPr>
+          <p:cNvPr id="7" name="文字方塊 6">
+            <a:extLst>
+              <a:ext uri="{FF2B5EF4-FFF2-40B4-BE49-F238E27FC236}">
+                <a16:creationId xmlns:a16="http://schemas.microsoft.com/office/drawing/2014/main" id="{B1A2E3AA-1F5F-49D6-853E-865A46B7D40B}"/>
+              </a:ext>
+            </a:extLst>
+          </p:cNvPr>
+          <p:cNvSpPr txBox="1"/>
+          <p:nvPr/>
+        </p:nvSpPr>
+        <p:spPr>
+          <a:xfrm>
+            <a:off x="1619920" y="3122407"/>
+            <a:ext cx="1299882" cy="613186"/>
+          </a:xfrm>
+          <a:prstGeom prst="rect">
+            <a:avLst/>
+          </a:prstGeom>
+          <a:noFill/>
+          <a:ln w="12700">
+            <a:solidFill>
+              <a:schemeClr val="tx1"/>
+            </a:solidFill>
+          </a:ln>
+        </p:spPr>
+        <p:txBody>
+          <a:bodyPr wrap="square" rtlCol="0">
+            <a:noAutofit/>
+          </a:bodyPr>
+          <a:lstStyle/>
+          <a:p>
+            <a:pPr algn="ctr"/>
+            <a:r>
+              <a:rPr lang="en-US" altLang="zh-TW" dirty="0"/>
+              <a:t>Boundary</a:t>
+            </a:r>
+            <a:endParaRPr lang="zh-TW" altLang="en-US" dirty="0"/>
+          </a:p>
+        </p:txBody>
+      </p:sp>
+      <p:cxnSp>
+        <p:nvCxnSpPr>
+          <p:cNvPr id="9" name="直線單箭頭接點 8">
+            <a:extLst>
+              <a:ext uri="{FF2B5EF4-FFF2-40B4-BE49-F238E27FC236}">
+                <a16:creationId xmlns:a16="http://schemas.microsoft.com/office/drawing/2014/main" id="{A134C15D-5C71-4639-AC6F-D28621A78BCF}"/>
+              </a:ext>
+            </a:extLst>
+          </p:cNvPr>
+          <p:cNvCxnSpPr>
+            <a:stCxn id="7" idx="3"/>
+            <a:endCxn id="4" idx="1"/>
+          </p:cNvCxnSpPr>
+          <p:nvPr/>
+        </p:nvCxnSpPr>
+        <p:spPr>
+          <a:xfrm>
+            <a:off x="2919802" y="3429000"/>
+            <a:ext cx="655324" cy="0"/>
+          </a:xfrm>
+          <a:prstGeom prst="straightConnector1">
+            <a:avLst/>
+          </a:prstGeom>
+          <a:ln>
+            <a:tailEnd type="arrow" w="med" len="lg"/>
+          </a:ln>
+        </p:spPr>
+        <p:style>
+          <a:lnRef idx="1">
+            <a:schemeClr val="accent1"/>
+          </a:lnRef>
+          <a:fillRef idx="0">
+            <a:schemeClr val="accent1"/>
+          </a:fillRef>
+          <a:effectRef idx="0">
+            <a:schemeClr val="accent1"/>
+          </a:effectRef>
+          <a:fontRef idx="minor">
+            <a:schemeClr val="tx1"/>
+          </a:fontRef>
+        </p:style>
+      </p:cxnSp>
+      <p:cxnSp>
+        <p:nvCxnSpPr>
+          <p:cNvPr id="11" name="直線單箭頭接點 10">
+            <a:extLst>
+              <a:ext uri="{FF2B5EF4-FFF2-40B4-BE49-F238E27FC236}">
+                <a16:creationId xmlns:a16="http://schemas.microsoft.com/office/drawing/2014/main" id="{DBCEAFDC-C10A-4FB8-BF23-7831F232CF43}"/>
+              </a:ext>
+            </a:extLst>
+          </p:cNvPr>
+          <p:cNvCxnSpPr>
+            <a:stCxn id="4" idx="3"/>
+            <a:endCxn id="5" idx="1"/>
+          </p:cNvCxnSpPr>
+          <p:nvPr/>
+        </p:nvCxnSpPr>
+        <p:spPr>
+          <a:xfrm>
+            <a:off x="4875008" y="3429000"/>
+            <a:ext cx="616769" cy="1793"/>
+          </a:xfrm>
+          <a:prstGeom prst="straightConnector1">
+            <a:avLst/>
+          </a:prstGeom>
+          <a:ln>
+            <a:tailEnd type="arrow" w="med" len="lg"/>
+          </a:ln>
+        </p:spPr>
+        <p:style>
+          <a:lnRef idx="1">
+            <a:schemeClr val="accent1"/>
+          </a:lnRef>
+          <a:fillRef idx="0">
+            <a:schemeClr val="accent1"/>
+          </a:fillRef>
+          <a:effectRef idx="0">
+            <a:schemeClr val="accent1"/>
+          </a:effectRef>
+          <a:fontRef idx="minor">
+            <a:schemeClr val="tx1"/>
+          </a:fontRef>
+        </p:style>
+      </p:cxnSp>
+      <p:cxnSp>
+        <p:nvCxnSpPr>
+          <p:cNvPr id="13" name="直線單箭頭接點 12">
+            <a:extLst>
+              <a:ext uri="{FF2B5EF4-FFF2-40B4-BE49-F238E27FC236}">
+                <a16:creationId xmlns:a16="http://schemas.microsoft.com/office/drawing/2014/main" id="{208DB2D4-868F-43F2-9059-AE87478FE733}"/>
+              </a:ext>
+            </a:extLst>
+          </p:cNvPr>
+          <p:cNvCxnSpPr>
+            <a:endCxn id="6" idx="1"/>
+          </p:cNvCxnSpPr>
+          <p:nvPr/>
+        </p:nvCxnSpPr>
+        <p:spPr>
+          <a:xfrm>
+            <a:off x="6791659" y="3429000"/>
+            <a:ext cx="562980" cy="0"/>
+          </a:xfrm>
+          <a:prstGeom prst="straightConnector1">
+            <a:avLst/>
+          </a:prstGeom>
+          <a:ln>
+            <a:tailEnd type="arrow" w="med" len="lg"/>
+          </a:ln>
+        </p:spPr>
+        <p:style>
+          <a:lnRef idx="1">
+            <a:schemeClr val="accent1"/>
+          </a:lnRef>
+          <a:fillRef idx="0">
+            <a:schemeClr val="accent1"/>
+          </a:fillRef>
+          <a:effectRef idx="0">
+            <a:schemeClr val="accent1"/>
+          </a:effectRef>
+          <a:fontRef idx="minor">
+            <a:schemeClr val="tx1"/>
+          </a:fontRef>
+        </p:style>
+      </p:cxnSp>
+      <p:sp>
+        <p:nvSpPr>
+          <p:cNvPr id="14" name="文字方塊 13">
+            <a:extLst>
+              <a:ext uri="{FF2B5EF4-FFF2-40B4-BE49-F238E27FC236}">
+                <a16:creationId xmlns:a16="http://schemas.microsoft.com/office/drawing/2014/main" id="{4DCE302F-A232-4D56-A74A-3BF42F671B6D}"/>
+              </a:ext>
+            </a:extLst>
+          </p:cNvPr>
+          <p:cNvSpPr txBox="1"/>
+          <p:nvPr/>
+        </p:nvSpPr>
+        <p:spPr>
+          <a:xfrm>
+            <a:off x="5491777" y="4650581"/>
+            <a:ext cx="1299882" cy="613186"/>
+          </a:xfrm>
+          <a:prstGeom prst="rect">
+            <a:avLst/>
+          </a:prstGeom>
+          <a:noFill/>
+          <a:ln w="12700">
+            <a:solidFill>
+              <a:schemeClr val="tx1"/>
+            </a:solidFill>
+          </a:ln>
+        </p:spPr>
+        <p:txBody>
+          <a:bodyPr wrap="square" rtlCol="0">
+            <a:noAutofit/>
+          </a:bodyPr>
+          <a:lstStyle/>
+          <a:p>
+            <a:pPr algn="ctr"/>
+            <a:r>
+              <a:rPr lang="en-US" altLang="zh-TW" dirty="0" err="1"/>
+              <a:t>DaoImpl</a:t>
+            </a:r>
+            <a:endParaRPr lang="zh-TW" altLang="en-US" dirty="0"/>
+          </a:p>
+        </p:txBody>
+      </p:sp>
+      <p:sp>
+        <p:nvSpPr>
+          <p:cNvPr id="15" name="文字方塊 14">
+            <a:extLst>
+              <a:ext uri="{FF2B5EF4-FFF2-40B4-BE49-F238E27FC236}">
+                <a16:creationId xmlns:a16="http://schemas.microsoft.com/office/drawing/2014/main" id="{6AAE2110-B8CF-45EE-B076-E479924E2F11}"/>
+              </a:ext>
+            </a:extLst>
+          </p:cNvPr>
+          <p:cNvSpPr txBox="1"/>
+          <p:nvPr/>
+        </p:nvSpPr>
+        <p:spPr>
+          <a:xfrm>
+            <a:off x="3575126" y="4649685"/>
+            <a:ext cx="1299882" cy="613186"/>
+          </a:xfrm>
+          <a:prstGeom prst="rect">
+            <a:avLst/>
+          </a:prstGeom>
+          <a:noFill/>
+          <a:ln w="12700">
+            <a:solidFill>
+              <a:schemeClr val="tx1"/>
+            </a:solidFill>
+          </a:ln>
+        </p:spPr>
+        <p:txBody>
+          <a:bodyPr wrap="square" rtlCol="0">
+            <a:noAutofit/>
+          </a:bodyPr>
+          <a:lstStyle/>
+          <a:p>
+            <a:pPr algn="ctr"/>
+            <a:r>
+              <a:rPr lang="en-US" altLang="zh-TW" dirty="0" err="1"/>
+              <a:t>ServiceImpl</a:t>
+            </a:r>
+            <a:endParaRPr lang="zh-TW" altLang="en-US" dirty="0"/>
+          </a:p>
+        </p:txBody>
+      </p:sp>
+      <p:cxnSp>
+        <p:nvCxnSpPr>
+          <p:cNvPr id="23" name="直線單箭頭接點 22">
+            <a:extLst>
+              <a:ext uri="{FF2B5EF4-FFF2-40B4-BE49-F238E27FC236}">
+                <a16:creationId xmlns:a16="http://schemas.microsoft.com/office/drawing/2014/main" id="{A170D550-051D-4447-B374-0AC89C043D04}"/>
+              </a:ext>
+            </a:extLst>
+          </p:cNvPr>
+          <p:cNvCxnSpPr>
+            <a:cxnSpLocks/>
+            <a:stCxn id="15" idx="3"/>
+          </p:cNvCxnSpPr>
+          <p:nvPr/>
+        </p:nvCxnSpPr>
+        <p:spPr>
+          <a:xfrm flipV="1">
+            <a:off x="4875008" y="3733801"/>
+            <a:ext cx="670558" cy="1222477"/>
+          </a:xfrm>
+          <a:prstGeom prst="straightConnector1">
+            <a:avLst/>
+          </a:prstGeom>
+          <a:ln>
+            <a:tailEnd type="arrow" w="med" len="lg"/>
+          </a:ln>
+        </p:spPr>
+        <p:style>
+          <a:lnRef idx="1">
+            <a:schemeClr val="accent1"/>
+          </a:lnRef>
+          <a:fillRef idx="0">
+            <a:schemeClr val="accent1"/>
+          </a:fillRef>
+          <a:effectRef idx="0">
+            <a:schemeClr val="accent1"/>
+          </a:effectRef>
+          <a:fontRef idx="minor">
+            <a:schemeClr val="tx1"/>
+          </a:fontRef>
+        </p:style>
+      </p:cxnSp>
+      <p:cxnSp>
+        <p:nvCxnSpPr>
+          <p:cNvPr id="25" name="直線單箭頭接點 24">
+            <a:extLst>
+              <a:ext uri="{FF2B5EF4-FFF2-40B4-BE49-F238E27FC236}">
+                <a16:creationId xmlns:a16="http://schemas.microsoft.com/office/drawing/2014/main" id="{D5CC2397-182B-4722-BFE5-7D260114E8AD}"/>
+              </a:ext>
+            </a:extLst>
+          </p:cNvPr>
+          <p:cNvCxnSpPr>
+            <a:endCxn id="4" idx="2"/>
+          </p:cNvCxnSpPr>
+          <p:nvPr/>
+        </p:nvCxnSpPr>
+        <p:spPr>
+          <a:xfrm flipV="1">
+            <a:off x="4225067" y="3735593"/>
+            <a:ext cx="0" cy="914092"/>
+          </a:xfrm>
+          <a:prstGeom prst="straightConnector1">
+            <a:avLst/>
+          </a:prstGeom>
+          <a:ln>
+            <a:tailEnd type="triangle" w="lg" len="lg"/>
+          </a:ln>
+        </p:spPr>
+        <p:style>
+          <a:lnRef idx="1">
+            <a:schemeClr val="accent1"/>
+          </a:lnRef>
+          <a:fillRef idx="0">
+            <a:schemeClr val="accent1"/>
+          </a:fillRef>
+          <a:effectRef idx="0">
+            <a:schemeClr val="accent1"/>
+          </a:effectRef>
+          <a:fontRef idx="minor">
+            <a:schemeClr val="tx1"/>
+          </a:fontRef>
+        </p:style>
+      </p:cxnSp>
+      <p:cxnSp>
+        <p:nvCxnSpPr>
+          <p:cNvPr id="27" name="直線單箭頭接點 26">
+            <a:extLst>
+              <a:ext uri="{FF2B5EF4-FFF2-40B4-BE49-F238E27FC236}">
+                <a16:creationId xmlns:a16="http://schemas.microsoft.com/office/drawing/2014/main" id="{F10826CA-69EC-4C85-AFB7-F06D2FD050AC}"/>
+              </a:ext>
+            </a:extLst>
+          </p:cNvPr>
+          <p:cNvCxnSpPr>
+            <a:stCxn id="14" idx="0"/>
+            <a:endCxn id="5" idx="2"/>
+          </p:cNvCxnSpPr>
+          <p:nvPr/>
+        </p:nvCxnSpPr>
+        <p:spPr>
+          <a:xfrm flipV="1">
+            <a:off x="6141718" y="3737386"/>
+            <a:ext cx="0" cy="913195"/>
+          </a:xfrm>
+          <a:prstGeom prst="straightConnector1">
+            <a:avLst/>
+          </a:prstGeom>
+          <a:ln>
+            <a:tailEnd type="arrow" w="med" len="lg"/>
+          </a:ln>
+        </p:spPr>
+        <p:style>
+          <a:lnRef idx="1">
+            <a:schemeClr val="accent1"/>
+          </a:lnRef>
+          <a:fillRef idx="0">
+            <a:schemeClr val="accent1"/>
+          </a:fillRef>
+          <a:effectRef idx="0">
+            <a:schemeClr val="accent1"/>
+          </a:effectRef>
+          <a:fontRef idx="minor">
+            <a:schemeClr val="tx1"/>
+          </a:fontRef>
+        </p:style>
+      </p:cxnSp>
+      <p:cxnSp>
+        <p:nvCxnSpPr>
+          <p:cNvPr id="29" name="直線單箭頭接點 28">
+            <a:extLst>
+              <a:ext uri="{FF2B5EF4-FFF2-40B4-BE49-F238E27FC236}">
+                <a16:creationId xmlns:a16="http://schemas.microsoft.com/office/drawing/2014/main" id="{762E18F8-75E5-4A48-87D2-63BE5E77AC24}"/>
+              </a:ext>
+            </a:extLst>
+          </p:cNvPr>
+          <p:cNvCxnSpPr>
+            <a:cxnSpLocks/>
+            <a:stCxn id="14" idx="3"/>
+          </p:cNvCxnSpPr>
+          <p:nvPr/>
+        </p:nvCxnSpPr>
+        <p:spPr>
+          <a:xfrm flipV="1">
+            <a:off x="6791659" y="3733801"/>
+            <a:ext cx="616769" cy="1223373"/>
+          </a:xfrm>
+          <a:prstGeom prst="straightConnector1">
+            <a:avLst/>
+          </a:prstGeom>
+          <a:ln>
+            <a:tailEnd type="arrow" w="med" len="lg"/>
+          </a:ln>
+        </p:spPr>
+        <p:style>
+          <a:lnRef idx="1">
+            <a:schemeClr val="accent1"/>
+          </a:lnRef>
+          <a:fillRef idx="0">
+            <a:schemeClr val="accent1"/>
+          </a:fillRef>
+          <a:effectRef idx="0">
+            <a:schemeClr val="accent1"/>
+          </a:effectRef>
+          <a:fontRef idx="minor">
+            <a:schemeClr val="tx1"/>
+          </a:fontRef>
+        </p:style>
+      </p:cxnSp>
+    </p:spTree>
+    <p:extLst>
+      <p:ext uri="{BB962C8B-B14F-4D97-AF65-F5344CB8AC3E}">
+        <p14:creationId xmlns:p14="http://schemas.microsoft.com/office/powerpoint/2010/main" val="574002922"/>
+      </p:ext>
+    </p:extLst>
+  </p:cSld>
+  <p:clrMapOvr>
+    <a:masterClrMapping/>
+  </p:clrMapOvr>
+</p:sld>
+</file>
+
+<file path=ppt/slides/slide16.xml><?xml version="1.0" encoding="utf-8"?>
+<p:sld xmlns:a="http://schemas.openxmlformats.org/drawingml/2006/main" xmlns:r="http://schemas.openxmlformats.org/officeDocument/2006/relationships" xmlns:p="http://schemas.openxmlformats.org/presentationml/2006/main">
+  <p:cSld>
+    <p:spTree>
+      <p:nvGrpSpPr>
+        <p:cNvPr id="1" name=""/>
+        <p:cNvGrpSpPr/>
+        <p:nvPr/>
+      </p:nvGrpSpPr>
+      <p:grpSpPr>
+        <a:xfrm>
+          <a:off x="0" y="0"/>
+          <a:ext cx="0" cy="0"/>
+          <a:chOff x="0" y="0"/>
+          <a:chExt cx="0" cy="0"/>
+        </a:xfrm>
+      </p:grpSpPr>
+      <p:sp>
+        <p:nvSpPr>
+          <p:cNvPr id="2" name="標題 1">
+            <a:extLst>
+              <a:ext uri="{FF2B5EF4-FFF2-40B4-BE49-F238E27FC236}">
+                <a16:creationId xmlns:a16="http://schemas.microsoft.com/office/drawing/2014/main" id="{5FB31079-188F-4E3E-B1CA-54CA9BB07A77}"/>
+              </a:ext>
+            </a:extLst>
+          </p:cNvPr>
+          <p:cNvSpPr>
+            <a:spLocks noGrp="1"/>
+          </p:cNvSpPr>
+          <p:nvPr>
+            <p:ph type="ctrTitle"/>
+          </p:nvPr>
+        </p:nvSpPr>
+        <p:spPr/>
+        <p:txBody>
+          <a:bodyPr/>
+          <a:lstStyle/>
+          <a:p>
+            <a:r>
+              <a:rPr lang="en-US" altLang="zh-TW" dirty="0"/>
+              <a:t>with persistence.xml</a:t>
+            </a:r>
+            <a:endParaRPr lang="zh-TW" altLang="en-US" dirty="0"/>
+          </a:p>
+        </p:txBody>
+      </p:sp>
+      <p:sp>
+        <p:nvSpPr>
+          <p:cNvPr id="4" name="副標題 3">
+            <a:extLst>
+              <a:ext uri="{FF2B5EF4-FFF2-40B4-BE49-F238E27FC236}">
+                <a16:creationId xmlns:a16="http://schemas.microsoft.com/office/drawing/2014/main" id="{33C06701-5D52-4B97-9B1D-6A22DC49058C}"/>
+              </a:ext>
+            </a:extLst>
+          </p:cNvPr>
+          <p:cNvSpPr>
+            <a:spLocks noGrp="1"/>
+          </p:cNvSpPr>
+          <p:nvPr>
+            <p:ph type="subTitle" idx="1"/>
+          </p:nvPr>
+        </p:nvSpPr>
+        <p:spPr/>
+        <p:txBody>
+          <a:bodyPr/>
+          <a:lstStyle/>
+          <a:p>
+            <a:endParaRPr lang="zh-TW" altLang="en-US"/>
+          </a:p>
+        </p:txBody>
+      </p:sp>
+    </p:spTree>
+    <p:extLst>
+      <p:ext uri="{BB962C8B-B14F-4D97-AF65-F5344CB8AC3E}">
+        <p14:creationId xmlns:p14="http://schemas.microsoft.com/office/powerpoint/2010/main" val="716681908"/>
+      </p:ext>
+    </p:extLst>
+  </p:cSld>
+  <p:clrMapOvr>
+    <a:masterClrMapping/>
+  </p:clrMapOvr>
+</p:sld>
+</file>
+
+<file path=ppt/slides/slide17.xml><?xml version="1.0" encoding="utf-8"?>
+<p:sld xmlns:a="http://schemas.openxmlformats.org/drawingml/2006/main" xmlns:r="http://schemas.openxmlformats.org/officeDocument/2006/relationships" xmlns:p="http://schemas.openxmlformats.org/presentationml/2006/main">
+  <p:cSld>
+    <p:spTree>
+      <p:nvGrpSpPr>
+        <p:cNvPr id="1" name=""/>
+        <p:cNvGrpSpPr/>
+        <p:nvPr/>
+      </p:nvGrpSpPr>
+      <p:grpSpPr>
+        <a:xfrm>
+          <a:off x="0" y="0"/>
+          <a:ext cx="0" cy="0"/>
+          <a:chOff x="0" y="0"/>
+          <a:chExt cx="0" cy="0"/>
+        </a:xfrm>
+      </p:grpSpPr>
+      <p:sp>
+        <p:nvSpPr>
+          <p:cNvPr id="2" name="標題 1">
+            <a:extLst>
+              <a:ext uri="{FF2B5EF4-FFF2-40B4-BE49-F238E27FC236}">
+                <a16:creationId xmlns:a16="http://schemas.microsoft.com/office/drawing/2014/main" id="{3228FAF4-78E1-45DE-BD7D-7A55A529F2A9}"/>
+              </a:ext>
+            </a:extLst>
+          </p:cNvPr>
+          <p:cNvSpPr>
+            <a:spLocks noGrp="1"/>
+          </p:cNvSpPr>
+          <p:nvPr>
+            <p:ph type="title"/>
+          </p:nvPr>
+        </p:nvSpPr>
+        <p:spPr/>
+        <p:txBody>
+          <a:bodyPr/>
+          <a:lstStyle/>
+          <a:p>
+            <a:r>
+              <a:rPr lang="en-US" altLang="zh-TW" b="1" dirty="0"/>
+              <a:t>Persistence.xml</a:t>
+            </a:r>
+            <a:endParaRPr lang="zh-TW" altLang="en-US" dirty="0"/>
+          </a:p>
+        </p:txBody>
+      </p:sp>
+      <p:sp>
+        <p:nvSpPr>
+          <p:cNvPr id="9" name="矩形 8">
+            <a:extLst>
+              <a:ext uri="{FF2B5EF4-FFF2-40B4-BE49-F238E27FC236}">
+                <a16:creationId xmlns:a16="http://schemas.microsoft.com/office/drawing/2014/main" id="{A0E571BD-1718-481E-82EA-F45946430DB3}"/>
+              </a:ext>
+            </a:extLst>
+          </p:cNvPr>
+          <p:cNvSpPr/>
+          <p:nvPr/>
+        </p:nvSpPr>
+        <p:spPr>
+          <a:xfrm>
+            <a:off x="570156" y="1487445"/>
+            <a:ext cx="10381130" cy="4832092"/>
+          </a:xfrm>
+          <a:prstGeom prst="rect">
+            <a:avLst/>
+          </a:prstGeom>
+        </p:spPr>
+        <p:txBody>
+          <a:bodyPr wrap="square">
+            <a:spAutoFit/>
+          </a:bodyPr>
+          <a:lstStyle/>
+          <a:p>
+            <a:r>
+              <a:rPr lang="fr-FR" altLang="zh-TW" sz="1400" dirty="0">
+                <a:solidFill>
+                  <a:srgbClr val="008080"/>
+                </a:solidFill>
+                <a:latin typeface="Consolas" panose="020B0609020204030204" pitchFamily="49" charset="0"/>
+              </a:rPr>
+              <a:t>&lt;</a:t>
+            </a:r>
+            <a:r>
+              <a:rPr lang="fr-FR" altLang="zh-TW" sz="1400" dirty="0">
+                <a:solidFill>
+                  <a:srgbClr val="3F7F7F"/>
+                </a:solidFill>
+                <a:latin typeface="Consolas" panose="020B0609020204030204" pitchFamily="49" charset="0"/>
+              </a:rPr>
+              <a:t>persistence </a:t>
+            </a:r>
+            <a:r>
+              <a:rPr lang="fr-FR" altLang="zh-TW" sz="1400" dirty="0">
+                <a:solidFill>
+                  <a:srgbClr val="7F007F"/>
+                </a:solidFill>
+                <a:latin typeface="Consolas" panose="020B0609020204030204" pitchFamily="49" charset="0"/>
+              </a:rPr>
+              <a:t>xmlns</a:t>
+            </a:r>
+            <a:r>
+              <a:rPr lang="fr-FR" altLang="zh-TW" sz="1400" dirty="0">
+                <a:solidFill>
+                  <a:srgbClr val="000000"/>
+                </a:solidFill>
+                <a:latin typeface="Consolas" panose="020B0609020204030204" pitchFamily="49" charset="0"/>
+              </a:rPr>
+              <a:t>=</a:t>
+            </a:r>
+            <a:r>
+              <a:rPr lang="fr-FR" altLang="zh-TW" sz="1400" i="1" dirty="0">
+                <a:solidFill>
+                  <a:srgbClr val="2A00FF"/>
+                </a:solidFill>
+                <a:latin typeface="Consolas" panose="020B0609020204030204" pitchFamily="49" charset="0"/>
+              </a:rPr>
+              <a:t>"http://xmlns.jcp.org/xml/ns/persistence"</a:t>
+            </a:r>
+          </a:p>
+          <a:p>
+            <a:r>
+              <a:rPr lang="en-US" altLang="zh-TW" sz="1400" dirty="0">
+                <a:latin typeface="Consolas" panose="020B0609020204030204" pitchFamily="49" charset="0"/>
+              </a:rPr>
+              <a:t>  </a:t>
+            </a:r>
+            <a:r>
+              <a:rPr lang="en-US" altLang="zh-TW" sz="1400" dirty="0" err="1">
+                <a:solidFill>
+                  <a:srgbClr val="7F007F"/>
+                </a:solidFill>
+                <a:latin typeface="Consolas" panose="020B0609020204030204" pitchFamily="49" charset="0"/>
+              </a:rPr>
+              <a:t>xmlns:xsi</a:t>
+            </a:r>
+            <a:r>
+              <a:rPr lang="en-US" altLang="zh-TW" sz="1400" dirty="0">
+                <a:solidFill>
+                  <a:srgbClr val="000000"/>
+                </a:solidFill>
+                <a:latin typeface="Consolas" panose="020B0609020204030204" pitchFamily="49" charset="0"/>
+              </a:rPr>
+              <a:t>=</a:t>
+            </a:r>
+            <a:r>
+              <a:rPr lang="en-US" altLang="zh-TW" sz="1400" i="1" dirty="0">
+                <a:solidFill>
+                  <a:srgbClr val="2A00FF"/>
+                </a:solidFill>
+                <a:latin typeface="Consolas" panose="020B0609020204030204" pitchFamily="49" charset="0"/>
+              </a:rPr>
+              <a:t>"http://www.w3.org/2001/XMLSchema-instance"</a:t>
+            </a:r>
+          </a:p>
+          <a:p>
+            <a:r>
+              <a:rPr lang="en-US" altLang="zh-TW" sz="1400" dirty="0">
+                <a:latin typeface="Consolas" panose="020B0609020204030204" pitchFamily="49" charset="0"/>
+              </a:rPr>
+              <a:t>  </a:t>
+            </a:r>
+            <a:r>
+              <a:rPr lang="en-US" altLang="zh-TW" sz="1400" dirty="0" err="1">
+                <a:solidFill>
+                  <a:srgbClr val="7F007F"/>
+                </a:solidFill>
+                <a:latin typeface="Consolas" panose="020B0609020204030204" pitchFamily="49" charset="0"/>
+              </a:rPr>
+              <a:t>xsi:schemaLocation</a:t>
+            </a:r>
+            <a:r>
+              <a:rPr lang="en-US" altLang="zh-TW" sz="1400" dirty="0">
+                <a:solidFill>
+                  <a:srgbClr val="000000"/>
+                </a:solidFill>
+                <a:latin typeface="Consolas" panose="020B0609020204030204" pitchFamily="49" charset="0"/>
+              </a:rPr>
+              <a:t>=</a:t>
+            </a:r>
+            <a:r>
+              <a:rPr lang="en-US" altLang="zh-TW" sz="1400" i="1" dirty="0">
+                <a:solidFill>
+                  <a:srgbClr val="2A00FF"/>
+                </a:solidFill>
+                <a:latin typeface="Consolas" panose="020B0609020204030204" pitchFamily="49" charset="0"/>
+              </a:rPr>
+              <a:t>"http://xmlns.jcp.org/xml/ns/persistence</a:t>
+            </a:r>
+          </a:p>
+          <a:p>
+            <a:r>
+              <a:rPr lang="en-US" altLang="zh-TW" sz="1400" i="1" dirty="0">
+                <a:solidFill>
+                  <a:srgbClr val="2A00FF"/>
+                </a:solidFill>
+                <a:latin typeface="Consolas" panose="020B0609020204030204" pitchFamily="49" charset="0"/>
+              </a:rPr>
+              <a:t>             http://xmlns.jcp.org/xml/ns/persistence/persistence_2_1.xsd"</a:t>
+            </a:r>
+          </a:p>
+          <a:p>
+            <a:r>
+              <a:rPr lang="en-US" altLang="zh-TW" sz="1400" dirty="0">
+                <a:latin typeface="Consolas" panose="020B0609020204030204" pitchFamily="49" charset="0"/>
+              </a:rPr>
+              <a:t>  </a:t>
+            </a:r>
+            <a:r>
+              <a:rPr lang="en-US" altLang="zh-TW" sz="1400" dirty="0">
+                <a:solidFill>
+                  <a:srgbClr val="7F007F"/>
+                </a:solidFill>
+                <a:latin typeface="Consolas" panose="020B0609020204030204" pitchFamily="49" charset="0"/>
+              </a:rPr>
+              <a:t>version</a:t>
+            </a:r>
+            <a:r>
+              <a:rPr lang="en-US" altLang="zh-TW" sz="1400" dirty="0">
+                <a:solidFill>
+                  <a:srgbClr val="000000"/>
+                </a:solidFill>
+                <a:latin typeface="Consolas" panose="020B0609020204030204" pitchFamily="49" charset="0"/>
+              </a:rPr>
+              <a:t>=</a:t>
+            </a:r>
+            <a:r>
+              <a:rPr lang="en-US" altLang="zh-TW" sz="1400" i="1" dirty="0">
+                <a:solidFill>
+                  <a:srgbClr val="2A00FF"/>
+                </a:solidFill>
+                <a:latin typeface="Consolas" panose="020B0609020204030204" pitchFamily="49" charset="0"/>
+              </a:rPr>
+              <a:t>"2.1"</a:t>
+            </a:r>
+            <a:r>
+              <a:rPr lang="en-US" altLang="zh-TW" sz="1400" i="1" dirty="0">
+                <a:solidFill>
+                  <a:srgbClr val="008080"/>
+                </a:solidFill>
+                <a:latin typeface="Consolas" panose="020B0609020204030204" pitchFamily="49" charset="0"/>
+              </a:rPr>
+              <a:t>&gt;</a:t>
+            </a:r>
+          </a:p>
+          <a:p>
+            <a:endParaRPr lang="zh-TW" altLang="en-US" sz="1400" dirty="0">
+              <a:latin typeface="Consolas" panose="020B0609020204030204" pitchFamily="49" charset="0"/>
+            </a:endParaRPr>
+          </a:p>
+          <a:p>
+            <a:r>
+              <a:rPr lang="en-US" altLang="zh-TW" sz="1400" dirty="0">
+                <a:solidFill>
+                  <a:srgbClr val="000000"/>
+                </a:solidFill>
+                <a:latin typeface="Consolas" panose="020B0609020204030204" pitchFamily="49" charset="0"/>
+              </a:rPr>
+              <a:t>  </a:t>
+            </a:r>
+            <a:r>
+              <a:rPr lang="en-US" altLang="zh-TW" sz="1400" dirty="0">
+                <a:solidFill>
+                  <a:srgbClr val="008080"/>
+                </a:solidFill>
+                <a:latin typeface="Consolas" panose="020B0609020204030204" pitchFamily="49" charset="0"/>
+              </a:rPr>
+              <a:t>&lt;</a:t>
+            </a:r>
+            <a:r>
+              <a:rPr lang="en-US" altLang="zh-TW" sz="1400" dirty="0">
+                <a:solidFill>
+                  <a:srgbClr val="3F7F7F"/>
+                </a:solidFill>
+                <a:latin typeface="Consolas" panose="020B0609020204030204" pitchFamily="49" charset="0"/>
+              </a:rPr>
+              <a:t>persistence-unit </a:t>
+            </a:r>
+            <a:r>
+              <a:rPr lang="en-US" altLang="zh-TW" sz="1400" dirty="0">
+                <a:solidFill>
+                  <a:srgbClr val="7F007F"/>
+                </a:solidFill>
+                <a:latin typeface="Consolas" panose="020B0609020204030204" pitchFamily="49" charset="0"/>
+              </a:rPr>
+              <a:t>name</a:t>
+            </a:r>
+            <a:r>
+              <a:rPr lang="en-US" altLang="zh-TW" sz="1400" dirty="0">
+                <a:solidFill>
+                  <a:srgbClr val="000000"/>
+                </a:solidFill>
+                <a:latin typeface="Consolas" panose="020B0609020204030204" pitchFamily="49" charset="0"/>
+              </a:rPr>
+              <a:t>=</a:t>
+            </a:r>
+            <a:r>
+              <a:rPr lang="en-US" altLang="zh-TW" sz="1400" i="1" dirty="0">
+                <a:solidFill>
+                  <a:srgbClr val="2A00FF"/>
+                </a:solidFill>
+                <a:latin typeface="Consolas" panose="020B0609020204030204" pitchFamily="49" charset="0"/>
+              </a:rPr>
+              <a:t>"LOCAL_PERSISTENCE"</a:t>
+            </a:r>
+            <a:r>
+              <a:rPr lang="en-US" altLang="zh-TW" sz="1400" i="1" dirty="0">
+                <a:solidFill>
+                  <a:srgbClr val="008080"/>
+                </a:solidFill>
+                <a:latin typeface="Consolas" panose="020B0609020204030204" pitchFamily="49" charset="0"/>
+              </a:rPr>
+              <a:t>&gt;</a:t>
+            </a:r>
+          </a:p>
+          <a:p>
+            <a:r>
+              <a:rPr lang="en-US" altLang="zh-TW" sz="1400" dirty="0">
+                <a:solidFill>
+                  <a:srgbClr val="000000"/>
+                </a:solidFill>
+                <a:latin typeface="Consolas" panose="020B0609020204030204" pitchFamily="49" charset="0"/>
+              </a:rPr>
+              <a:t>    </a:t>
+            </a:r>
+            <a:r>
+              <a:rPr lang="en-US" altLang="zh-TW" sz="1400" dirty="0">
+                <a:solidFill>
+                  <a:srgbClr val="008080"/>
+                </a:solidFill>
+                <a:latin typeface="Consolas" panose="020B0609020204030204" pitchFamily="49" charset="0"/>
+              </a:rPr>
+              <a:t>&lt;</a:t>
+            </a:r>
+            <a:r>
+              <a:rPr lang="en-US" altLang="zh-TW" sz="1400" dirty="0">
+                <a:solidFill>
+                  <a:srgbClr val="3F7F7F"/>
+                </a:solidFill>
+                <a:latin typeface="Consolas" panose="020B0609020204030204" pitchFamily="49" charset="0"/>
+              </a:rPr>
+              <a:t>description</a:t>
+            </a:r>
+            <a:r>
+              <a:rPr lang="en-US" altLang="zh-TW" sz="1400" dirty="0">
+                <a:solidFill>
+                  <a:srgbClr val="008080"/>
+                </a:solidFill>
+                <a:latin typeface="Consolas" panose="020B0609020204030204" pitchFamily="49" charset="0"/>
+              </a:rPr>
+              <a:t>&gt;</a:t>
+            </a:r>
+            <a:r>
+              <a:rPr lang="en-US" altLang="zh-TW" sz="1400" dirty="0">
+                <a:solidFill>
+                  <a:srgbClr val="000000"/>
+                </a:solidFill>
+                <a:latin typeface="Consolas" panose="020B0609020204030204" pitchFamily="49" charset="0"/>
+              </a:rPr>
+              <a:t> Spring Hibernate JPA Configuration Example</a:t>
+            </a:r>
+            <a:r>
+              <a:rPr lang="en-US" altLang="zh-TW" sz="1400" dirty="0">
+                <a:solidFill>
+                  <a:srgbClr val="008080"/>
+                </a:solidFill>
+                <a:latin typeface="Consolas" panose="020B0609020204030204" pitchFamily="49" charset="0"/>
+              </a:rPr>
+              <a:t>&lt;/</a:t>
+            </a:r>
+            <a:r>
+              <a:rPr lang="en-US" altLang="zh-TW" sz="1400" dirty="0">
+                <a:solidFill>
+                  <a:srgbClr val="3F7F7F"/>
+                </a:solidFill>
+                <a:latin typeface="Consolas" panose="020B0609020204030204" pitchFamily="49" charset="0"/>
+              </a:rPr>
+              <a:t>description</a:t>
+            </a:r>
+            <a:r>
+              <a:rPr lang="en-US" altLang="zh-TW" sz="1400" dirty="0">
+                <a:solidFill>
+                  <a:srgbClr val="008080"/>
+                </a:solidFill>
+                <a:latin typeface="Consolas" panose="020B0609020204030204" pitchFamily="49" charset="0"/>
+              </a:rPr>
+              <a:t>&gt;</a:t>
+            </a:r>
+          </a:p>
+          <a:p>
+            <a:r>
+              <a:rPr lang="en-US" altLang="zh-TW" sz="1400" dirty="0">
+                <a:solidFill>
+                  <a:srgbClr val="000000"/>
+                </a:solidFill>
+                <a:latin typeface="Consolas" panose="020B0609020204030204" pitchFamily="49" charset="0"/>
+              </a:rPr>
+              <a:t>    </a:t>
+            </a:r>
+            <a:r>
+              <a:rPr lang="en-US" altLang="zh-TW" sz="1400" dirty="0">
+                <a:solidFill>
+                  <a:srgbClr val="008080"/>
+                </a:solidFill>
+                <a:latin typeface="Consolas" panose="020B0609020204030204" pitchFamily="49" charset="0"/>
+              </a:rPr>
+              <a:t>&lt;</a:t>
+            </a:r>
+            <a:r>
+              <a:rPr lang="en-US" altLang="zh-TW" sz="1400" dirty="0">
+                <a:solidFill>
+                  <a:srgbClr val="3F7F7F"/>
+                </a:solidFill>
+                <a:latin typeface="Consolas" panose="020B0609020204030204" pitchFamily="49" charset="0"/>
+              </a:rPr>
+              <a:t>provider</a:t>
+            </a:r>
+            <a:r>
+              <a:rPr lang="en-US" altLang="zh-TW" sz="1400" dirty="0">
+                <a:solidFill>
+                  <a:srgbClr val="008080"/>
+                </a:solidFill>
+                <a:latin typeface="Consolas" panose="020B0609020204030204" pitchFamily="49" charset="0"/>
+              </a:rPr>
+              <a:t>&gt;</a:t>
+            </a:r>
+            <a:r>
+              <a:rPr lang="en-US" altLang="zh-TW" sz="1400" dirty="0" err="1">
+                <a:solidFill>
+                  <a:srgbClr val="000000"/>
+                </a:solidFill>
+                <a:latin typeface="Consolas" panose="020B0609020204030204" pitchFamily="49" charset="0"/>
+              </a:rPr>
+              <a:t>org.hibernate.jpa.HibernatePersistenceProvider</a:t>
+            </a:r>
+            <a:r>
+              <a:rPr lang="en-US" altLang="zh-TW" sz="1400" dirty="0">
+                <a:solidFill>
+                  <a:srgbClr val="008080"/>
+                </a:solidFill>
+                <a:latin typeface="Consolas" panose="020B0609020204030204" pitchFamily="49" charset="0"/>
+              </a:rPr>
+              <a:t>&lt;/</a:t>
+            </a:r>
+            <a:r>
+              <a:rPr lang="en-US" altLang="zh-TW" sz="1400" dirty="0">
+                <a:solidFill>
+                  <a:srgbClr val="3F7F7F"/>
+                </a:solidFill>
+                <a:latin typeface="Consolas" panose="020B0609020204030204" pitchFamily="49" charset="0"/>
+              </a:rPr>
+              <a:t>provider</a:t>
+            </a:r>
+            <a:r>
+              <a:rPr lang="en-US" altLang="zh-TW" sz="1400" dirty="0">
+                <a:solidFill>
+                  <a:srgbClr val="008080"/>
+                </a:solidFill>
+                <a:latin typeface="Consolas" panose="020B0609020204030204" pitchFamily="49" charset="0"/>
+              </a:rPr>
+              <a:t>&gt;</a:t>
+            </a:r>
+          </a:p>
+          <a:p>
+            <a:endParaRPr lang="zh-TW" altLang="en-US" sz="1400" dirty="0">
+              <a:latin typeface="Consolas" panose="020B0609020204030204" pitchFamily="49" charset="0"/>
+            </a:endParaRPr>
+          </a:p>
+          <a:p>
+            <a:r>
+              <a:rPr lang="en-US" altLang="zh-TW" sz="1400" dirty="0">
+                <a:solidFill>
+                  <a:srgbClr val="3F5FBF"/>
+                </a:solidFill>
+                <a:latin typeface="Consolas" panose="020B0609020204030204" pitchFamily="49" charset="0"/>
+              </a:rPr>
+              <a:t>    &lt;!-- </a:t>
+            </a:r>
+            <a:r>
+              <a:rPr lang="en-US" altLang="zh-TW" sz="1400" dirty="0" err="1">
+                <a:solidFill>
+                  <a:srgbClr val="3F5FBF"/>
+                </a:solidFill>
+                <a:latin typeface="Consolas" panose="020B0609020204030204" pitchFamily="49" charset="0"/>
+              </a:rPr>
+              <a:t>jdbc</a:t>
+            </a:r>
+            <a:r>
+              <a:rPr lang="en-US" altLang="zh-TW" sz="1400" dirty="0">
+                <a:solidFill>
+                  <a:srgbClr val="3F5FBF"/>
+                </a:solidFill>
+                <a:latin typeface="Consolas" panose="020B0609020204030204" pitchFamily="49" charset="0"/>
+              </a:rPr>
+              <a:t> configuration --&gt;</a:t>
+            </a:r>
+          </a:p>
+          <a:p>
+            <a:r>
+              <a:rPr lang="en-US" altLang="zh-TW" sz="1400" dirty="0">
+                <a:solidFill>
+                  <a:srgbClr val="000000"/>
+                </a:solidFill>
+                <a:latin typeface="Consolas" panose="020B0609020204030204" pitchFamily="49" charset="0"/>
+              </a:rPr>
+              <a:t>    </a:t>
+            </a:r>
+            <a:r>
+              <a:rPr lang="en-US" altLang="zh-TW" sz="1400" dirty="0">
+                <a:solidFill>
+                  <a:srgbClr val="008080"/>
+                </a:solidFill>
+                <a:latin typeface="Consolas" panose="020B0609020204030204" pitchFamily="49" charset="0"/>
+              </a:rPr>
+              <a:t>&lt;</a:t>
+            </a:r>
+            <a:r>
+              <a:rPr lang="en-US" altLang="zh-TW" sz="1400" dirty="0">
+                <a:solidFill>
+                  <a:srgbClr val="3F7F7F"/>
+                </a:solidFill>
+                <a:latin typeface="Consolas" panose="020B0609020204030204" pitchFamily="49" charset="0"/>
+              </a:rPr>
+              <a:t>properties</a:t>
+            </a:r>
+            <a:r>
+              <a:rPr lang="en-US" altLang="zh-TW" sz="1400" dirty="0">
+                <a:solidFill>
+                  <a:srgbClr val="008080"/>
+                </a:solidFill>
+                <a:latin typeface="Consolas" panose="020B0609020204030204" pitchFamily="49" charset="0"/>
+              </a:rPr>
+              <a:t>&gt;</a:t>
+            </a:r>
+          </a:p>
+          <a:p>
+            <a:r>
+              <a:rPr lang="en-US" altLang="zh-TW" sz="1400" dirty="0">
+                <a:solidFill>
+                  <a:srgbClr val="000000"/>
+                </a:solidFill>
+                <a:latin typeface="Consolas" panose="020B0609020204030204" pitchFamily="49" charset="0"/>
+              </a:rPr>
+              <a:t>      </a:t>
+            </a:r>
+            <a:r>
+              <a:rPr lang="en-US" altLang="zh-TW" sz="1400" dirty="0">
+                <a:solidFill>
+                  <a:srgbClr val="008080"/>
+                </a:solidFill>
+                <a:latin typeface="Consolas" panose="020B0609020204030204" pitchFamily="49" charset="0"/>
+              </a:rPr>
+              <a:t>&lt;</a:t>
+            </a:r>
+            <a:r>
+              <a:rPr lang="en-US" altLang="zh-TW" sz="1400" dirty="0">
+                <a:solidFill>
+                  <a:srgbClr val="3F7F7F"/>
+                </a:solidFill>
+                <a:latin typeface="Consolas" panose="020B0609020204030204" pitchFamily="49" charset="0"/>
+              </a:rPr>
+              <a:t>property </a:t>
+            </a:r>
+            <a:r>
+              <a:rPr lang="en-US" altLang="zh-TW" sz="1400" dirty="0">
+                <a:solidFill>
+                  <a:srgbClr val="7F007F"/>
+                </a:solidFill>
+                <a:latin typeface="Consolas" panose="020B0609020204030204" pitchFamily="49" charset="0"/>
+              </a:rPr>
+              <a:t>name</a:t>
+            </a:r>
+            <a:r>
+              <a:rPr lang="en-US" altLang="zh-TW" sz="1400" dirty="0">
+                <a:solidFill>
+                  <a:srgbClr val="000000"/>
+                </a:solidFill>
+                <a:latin typeface="Consolas" panose="020B0609020204030204" pitchFamily="49" charset="0"/>
+              </a:rPr>
+              <a:t>=</a:t>
+            </a:r>
+            <a:r>
+              <a:rPr lang="en-US" altLang="zh-TW" sz="1400" i="1" dirty="0">
+                <a:solidFill>
+                  <a:srgbClr val="2A00FF"/>
+                </a:solidFill>
+                <a:latin typeface="Consolas" panose="020B0609020204030204" pitchFamily="49" charset="0"/>
+              </a:rPr>
+              <a:t>"</a:t>
+            </a:r>
+            <a:r>
+              <a:rPr lang="en-US" altLang="zh-TW" sz="1400" i="1" dirty="0" err="1">
+                <a:solidFill>
+                  <a:srgbClr val="2A00FF"/>
+                </a:solidFill>
+                <a:latin typeface="Consolas" panose="020B0609020204030204" pitchFamily="49" charset="0"/>
+              </a:rPr>
+              <a:t>javax.persistence.jdbc.driver</a:t>
+            </a:r>
+            <a:r>
+              <a:rPr lang="en-US" altLang="zh-TW" sz="1400" i="1" dirty="0">
+                <a:solidFill>
+                  <a:srgbClr val="2A00FF"/>
+                </a:solidFill>
+                <a:latin typeface="Consolas" panose="020B0609020204030204" pitchFamily="49" charset="0"/>
+              </a:rPr>
+              <a:t>" </a:t>
+            </a:r>
+            <a:r>
+              <a:rPr lang="en-US" altLang="zh-TW" sz="1400" i="1" dirty="0">
+                <a:solidFill>
+                  <a:srgbClr val="7F007F"/>
+                </a:solidFill>
+                <a:latin typeface="Consolas" panose="020B0609020204030204" pitchFamily="49" charset="0"/>
+              </a:rPr>
+              <a:t>value</a:t>
+            </a:r>
+            <a:r>
+              <a:rPr lang="en-US" altLang="zh-TW" sz="1400" i="1" dirty="0">
+                <a:solidFill>
+                  <a:srgbClr val="000000"/>
+                </a:solidFill>
+                <a:latin typeface="Consolas" panose="020B0609020204030204" pitchFamily="49" charset="0"/>
+              </a:rPr>
+              <a:t>=</a:t>
+            </a:r>
+            <a:r>
+              <a:rPr lang="en-US" altLang="zh-TW" sz="1400" i="1" dirty="0">
+                <a:solidFill>
+                  <a:srgbClr val="2A00FF"/>
+                </a:solidFill>
+                <a:latin typeface="Consolas" panose="020B0609020204030204" pitchFamily="49" charset="0"/>
+              </a:rPr>
+              <a:t>"</a:t>
+            </a:r>
+            <a:r>
+              <a:rPr lang="en-US" altLang="zh-TW" sz="1400" i="1" dirty="0" err="1">
+                <a:solidFill>
+                  <a:srgbClr val="2A00FF"/>
+                </a:solidFill>
+                <a:latin typeface="Consolas" panose="020B0609020204030204" pitchFamily="49" charset="0"/>
+              </a:rPr>
+              <a:t>org.postgresql.Driver</a:t>
+            </a:r>
+            <a:r>
+              <a:rPr lang="en-US" altLang="zh-TW" sz="1400" i="1" dirty="0">
+                <a:solidFill>
+                  <a:srgbClr val="2A00FF"/>
+                </a:solidFill>
+                <a:latin typeface="Consolas" panose="020B0609020204030204" pitchFamily="49" charset="0"/>
+              </a:rPr>
+              <a:t>" </a:t>
+            </a:r>
+            <a:r>
+              <a:rPr lang="en-US" altLang="zh-TW" sz="1400" i="1" dirty="0">
+                <a:solidFill>
+                  <a:srgbClr val="008080"/>
+                </a:solidFill>
+                <a:latin typeface="Consolas" panose="020B0609020204030204" pitchFamily="49" charset="0"/>
+              </a:rPr>
+              <a:t>/&gt;</a:t>
+            </a:r>
+          </a:p>
+          <a:p>
+            <a:r>
+              <a:rPr lang="en-US" altLang="zh-TW" sz="1400" dirty="0">
+                <a:solidFill>
+                  <a:srgbClr val="000000"/>
+                </a:solidFill>
+                <a:latin typeface="Consolas" panose="020B0609020204030204" pitchFamily="49" charset="0"/>
+              </a:rPr>
+              <a:t>      </a:t>
+            </a:r>
+            <a:r>
+              <a:rPr lang="en-US" altLang="zh-TW" sz="1400" dirty="0">
+                <a:solidFill>
+                  <a:srgbClr val="008080"/>
+                </a:solidFill>
+                <a:latin typeface="Consolas" panose="020B0609020204030204" pitchFamily="49" charset="0"/>
+              </a:rPr>
+              <a:t>&lt;</a:t>
+            </a:r>
+            <a:r>
+              <a:rPr lang="en-US" altLang="zh-TW" sz="1400" dirty="0">
+                <a:solidFill>
+                  <a:srgbClr val="3F7F7F"/>
+                </a:solidFill>
+                <a:latin typeface="Consolas" panose="020B0609020204030204" pitchFamily="49" charset="0"/>
+              </a:rPr>
+              <a:t>property </a:t>
+            </a:r>
+            <a:r>
+              <a:rPr lang="en-US" altLang="zh-TW" sz="1400" dirty="0">
+                <a:solidFill>
+                  <a:srgbClr val="7F007F"/>
+                </a:solidFill>
+                <a:latin typeface="Consolas" panose="020B0609020204030204" pitchFamily="49" charset="0"/>
+              </a:rPr>
+              <a:t>name</a:t>
+            </a:r>
+            <a:r>
+              <a:rPr lang="en-US" altLang="zh-TW" sz="1400" dirty="0">
+                <a:solidFill>
+                  <a:srgbClr val="000000"/>
+                </a:solidFill>
+                <a:latin typeface="Consolas" panose="020B0609020204030204" pitchFamily="49" charset="0"/>
+              </a:rPr>
+              <a:t>=</a:t>
+            </a:r>
+            <a:r>
+              <a:rPr lang="en-US" altLang="zh-TW" sz="1400" i="1" dirty="0">
+                <a:solidFill>
+                  <a:srgbClr val="2A00FF"/>
+                </a:solidFill>
+                <a:latin typeface="Consolas" panose="020B0609020204030204" pitchFamily="49" charset="0"/>
+              </a:rPr>
+              <a:t>"javax.persistence.jdbc.url" </a:t>
+            </a:r>
+            <a:r>
+              <a:rPr lang="en-US" altLang="zh-TW" sz="1400" i="1" dirty="0">
+                <a:solidFill>
+                  <a:srgbClr val="7F007F"/>
+                </a:solidFill>
+                <a:latin typeface="Consolas" panose="020B0609020204030204" pitchFamily="49" charset="0"/>
+              </a:rPr>
+              <a:t>value</a:t>
+            </a:r>
+            <a:r>
+              <a:rPr lang="en-US" altLang="zh-TW" sz="1400" i="1" dirty="0">
+                <a:solidFill>
+                  <a:srgbClr val="000000"/>
+                </a:solidFill>
+                <a:latin typeface="Consolas" panose="020B0609020204030204" pitchFamily="49" charset="0"/>
+              </a:rPr>
+              <a:t>=</a:t>
+            </a:r>
+            <a:r>
+              <a:rPr lang="en-US" altLang="zh-TW" sz="1400" i="1" dirty="0">
+                <a:solidFill>
+                  <a:srgbClr val="2A00FF"/>
+                </a:solidFill>
+                <a:latin typeface="Consolas" panose="020B0609020204030204" pitchFamily="49" charset="0"/>
+              </a:rPr>
+              <a:t>"</a:t>
+            </a:r>
+            <a:r>
+              <a:rPr lang="en-US" altLang="zh-TW" sz="1400" i="1" dirty="0" err="1">
+                <a:solidFill>
+                  <a:srgbClr val="2A00FF"/>
+                </a:solidFill>
+                <a:latin typeface="Consolas" panose="020B0609020204030204" pitchFamily="49" charset="0"/>
+              </a:rPr>
+              <a:t>jdbc:postgresql</a:t>
+            </a:r>
+            <a:r>
+              <a:rPr lang="en-US" altLang="zh-TW" sz="1400" i="1" dirty="0">
+                <a:solidFill>
+                  <a:srgbClr val="2A00FF"/>
+                </a:solidFill>
+                <a:latin typeface="Consolas" panose="020B0609020204030204" pitchFamily="49" charset="0"/>
+              </a:rPr>
+              <a:t>://localhost:5432/</a:t>
+            </a:r>
+            <a:r>
+              <a:rPr lang="en-US" altLang="zh-TW" sz="1400" i="1" dirty="0" err="1">
+                <a:solidFill>
+                  <a:srgbClr val="2A00FF"/>
+                </a:solidFill>
+                <a:latin typeface="Consolas" panose="020B0609020204030204" pitchFamily="49" charset="0"/>
+              </a:rPr>
+              <a:t>test_db</a:t>
+            </a:r>
+            <a:r>
+              <a:rPr lang="en-US" altLang="zh-TW" sz="1400" i="1" dirty="0">
+                <a:solidFill>
+                  <a:srgbClr val="2A00FF"/>
+                </a:solidFill>
+                <a:latin typeface="Consolas" panose="020B0609020204030204" pitchFamily="49" charset="0"/>
+              </a:rPr>
+              <a:t>" </a:t>
+            </a:r>
+            <a:r>
+              <a:rPr lang="en-US" altLang="zh-TW" sz="1400" i="1" dirty="0">
+                <a:solidFill>
+                  <a:srgbClr val="008080"/>
+                </a:solidFill>
+                <a:latin typeface="Consolas" panose="020B0609020204030204" pitchFamily="49" charset="0"/>
+              </a:rPr>
+              <a:t>/&gt;</a:t>
+            </a:r>
+          </a:p>
+          <a:p>
+            <a:r>
+              <a:rPr lang="en-US" altLang="zh-TW" sz="1400" dirty="0">
+                <a:solidFill>
+                  <a:srgbClr val="000000"/>
+                </a:solidFill>
+                <a:latin typeface="Consolas" panose="020B0609020204030204" pitchFamily="49" charset="0"/>
+              </a:rPr>
+              <a:t>      </a:t>
+            </a:r>
+            <a:r>
+              <a:rPr lang="en-US" altLang="zh-TW" sz="1400" dirty="0">
+                <a:solidFill>
+                  <a:srgbClr val="008080"/>
+                </a:solidFill>
+                <a:latin typeface="Consolas" panose="020B0609020204030204" pitchFamily="49" charset="0"/>
+              </a:rPr>
+              <a:t>&lt;</a:t>
+            </a:r>
+            <a:r>
+              <a:rPr lang="en-US" altLang="zh-TW" sz="1400" dirty="0">
+                <a:solidFill>
+                  <a:srgbClr val="3F7F7F"/>
+                </a:solidFill>
+                <a:latin typeface="Consolas" panose="020B0609020204030204" pitchFamily="49" charset="0"/>
+              </a:rPr>
+              <a:t>property </a:t>
+            </a:r>
+            <a:r>
+              <a:rPr lang="en-US" altLang="zh-TW" sz="1400" dirty="0">
+                <a:solidFill>
+                  <a:srgbClr val="7F007F"/>
+                </a:solidFill>
+                <a:latin typeface="Consolas" panose="020B0609020204030204" pitchFamily="49" charset="0"/>
+              </a:rPr>
+              <a:t>name</a:t>
+            </a:r>
+            <a:r>
+              <a:rPr lang="en-US" altLang="zh-TW" sz="1400" dirty="0">
+                <a:solidFill>
+                  <a:srgbClr val="000000"/>
+                </a:solidFill>
+                <a:latin typeface="Consolas" panose="020B0609020204030204" pitchFamily="49" charset="0"/>
+              </a:rPr>
+              <a:t>=</a:t>
+            </a:r>
+            <a:r>
+              <a:rPr lang="en-US" altLang="zh-TW" sz="1400" i="1" dirty="0">
+                <a:solidFill>
+                  <a:srgbClr val="2A00FF"/>
+                </a:solidFill>
+                <a:latin typeface="Consolas" panose="020B0609020204030204" pitchFamily="49" charset="0"/>
+              </a:rPr>
+              <a:t>"</a:t>
+            </a:r>
+            <a:r>
+              <a:rPr lang="en-US" altLang="zh-TW" sz="1400" i="1" dirty="0" err="1">
+                <a:solidFill>
+                  <a:srgbClr val="2A00FF"/>
+                </a:solidFill>
+                <a:latin typeface="Consolas" panose="020B0609020204030204" pitchFamily="49" charset="0"/>
+              </a:rPr>
+              <a:t>javax.persistence.jdbc.user</a:t>
+            </a:r>
+            <a:r>
+              <a:rPr lang="en-US" altLang="zh-TW" sz="1400" i="1" dirty="0">
+                <a:solidFill>
+                  <a:srgbClr val="2A00FF"/>
+                </a:solidFill>
+                <a:latin typeface="Consolas" panose="020B0609020204030204" pitchFamily="49" charset="0"/>
+              </a:rPr>
+              <a:t>" </a:t>
+            </a:r>
+            <a:r>
+              <a:rPr lang="en-US" altLang="zh-TW" sz="1400" i="1" dirty="0">
+                <a:solidFill>
+                  <a:srgbClr val="7F007F"/>
+                </a:solidFill>
+                <a:latin typeface="Consolas" panose="020B0609020204030204" pitchFamily="49" charset="0"/>
+              </a:rPr>
+              <a:t>value</a:t>
+            </a:r>
+            <a:r>
+              <a:rPr lang="en-US" altLang="zh-TW" sz="1400" i="1" dirty="0">
+                <a:solidFill>
+                  <a:srgbClr val="000000"/>
+                </a:solidFill>
+                <a:latin typeface="Consolas" panose="020B0609020204030204" pitchFamily="49" charset="0"/>
+              </a:rPr>
+              <a:t>=</a:t>
+            </a:r>
+            <a:r>
+              <a:rPr lang="en-US" altLang="zh-TW" sz="1400" i="1" dirty="0">
+                <a:solidFill>
+                  <a:srgbClr val="2A00FF"/>
+                </a:solidFill>
+                <a:latin typeface="Consolas" panose="020B0609020204030204" pitchFamily="49" charset="0"/>
+              </a:rPr>
+              <a:t>"</a:t>
+            </a:r>
+            <a:r>
+              <a:rPr lang="en-US" altLang="zh-TW" sz="1400" i="1" dirty="0" err="1">
+                <a:solidFill>
+                  <a:srgbClr val="2A00FF"/>
+                </a:solidFill>
+                <a:latin typeface="Consolas" panose="020B0609020204030204" pitchFamily="49" charset="0"/>
+              </a:rPr>
+              <a:t>test_user</a:t>
+            </a:r>
+            <a:r>
+              <a:rPr lang="en-US" altLang="zh-TW" sz="1400" i="1" dirty="0">
+                <a:solidFill>
+                  <a:srgbClr val="2A00FF"/>
+                </a:solidFill>
+                <a:latin typeface="Consolas" panose="020B0609020204030204" pitchFamily="49" charset="0"/>
+              </a:rPr>
+              <a:t>" </a:t>
+            </a:r>
+            <a:r>
+              <a:rPr lang="en-US" altLang="zh-TW" sz="1400" i="1" dirty="0">
+                <a:solidFill>
+                  <a:srgbClr val="008080"/>
+                </a:solidFill>
+                <a:latin typeface="Consolas" panose="020B0609020204030204" pitchFamily="49" charset="0"/>
+              </a:rPr>
+              <a:t>/&gt;</a:t>
+            </a:r>
+          </a:p>
+          <a:p>
+            <a:r>
+              <a:rPr lang="en-US" altLang="zh-TW" sz="1400" dirty="0">
+                <a:solidFill>
+                  <a:srgbClr val="000000"/>
+                </a:solidFill>
+                <a:latin typeface="Consolas" panose="020B0609020204030204" pitchFamily="49" charset="0"/>
+              </a:rPr>
+              <a:t>      </a:t>
+            </a:r>
+            <a:r>
+              <a:rPr lang="en-US" altLang="zh-TW" sz="1400" dirty="0">
+                <a:solidFill>
+                  <a:srgbClr val="008080"/>
+                </a:solidFill>
+                <a:latin typeface="Consolas" panose="020B0609020204030204" pitchFamily="49" charset="0"/>
+              </a:rPr>
+              <a:t>&lt;</a:t>
+            </a:r>
+            <a:r>
+              <a:rPr lang="en-US" altLang="zh-TW" sz="1400" dirty="0">
+                <a:solidFill>
+                  <a:srgbClr val="3F7F7F"/>
+                </a:solidFill>
+                <a:latin typeface="Consolas" panose="020B0609020204030204" pitchFamily="49" charset="0"/>
+              </a:rPr>
+              <a:t>property </a:t>
+            </a:r>
+            <a:r>
+              <a:rPr lang="en-US" altLang="zh-TW" sz="1400" dirty="0">
+                <a:solidFill>
+                  <a:srgbClr val="7F007F"/>
+                </a:solidFill>
+                <a:latin typeface="Consolas" panose="020B0609020204030204" pitchFamily="49" charset="0"/>
+              </a:rPr>
+              <a:t>name</a:t>
+            </a:r>
+            <a:r>
+              <a:rPr lang="en-US" altLang="zh-TW" sz="1400" dirty="0">
+                <a:solidFill>
+                  <a:srgbClr val="000000"/>
+                </a:solidFill>
+                <a:latin typeface="Consolas" panose="020B0609020204030204" pitchFamily="49" charset="0"/>
+              </a:rPr>
+              <a:t>=</a:t>
+            </a:r>
+            <a:r>
+              <a:rPr lang="en-US" altLang="zh-TW" sz="1400" i="1" dirty="0">
+                <a:solidFill>
+                  <a:srgbClr val="2A00FF"/>
+                </a:solidFill>
+                <a:latin typeface="Consolas" panose="020B0609020204030204" pitchFamily="49" charset="0"/>
+              </a:rPr>
+              <a:t>"</a:t>
+            </a:r>
+            <a:r>
+              <a:rPr lang="en-US" altLang="zh-TW" sz="1400" i="1" dirty="0" err="1">
+                <a:solidFill>
+                  <a:srgbClr val="2A00FF"/>
+                </a:solidFill>
+                <a:latin typeface="Consolas" panose="020B0609020204030204" pitchFamily="49" charset="0"/>
+              </a:rPr>
+              <a:t>javax.persistence.jdbc.password</a:t>
+            </a:r>
+            <a:r>
+              <a:rPr lang="en-US" altLang="zh-TW" sz="1400" i="1" dirty="0">
+                <a:solidFill>
+                  <a:srgbClr val="2A00FF"/>
+                </a:solidFill>
+                <a:latin typeface="Consolas" panose="020B0609020204030204" pitchFamily="49" charset="0"/>
+              </a:rPr>
+              <a:t>" </a:t>
+            </a:r>
+            <a:r>
+              <a:rPr lang="en-US" altLang="zh-TW" sz="1400" i="1" dirty="0">
+                <a:solidFill>
+                  <a:srgbClr val="7F007F"/>
+                </a:solidFill>
+                <a:latin typeface="Consolas" panose="020B0609020204030204" pitchFamily="49" charset="0"/>
+              </a:rPr>
+              <a:t>value</a:t>
+            </a:r>
+            <a:r>
+              <a:rPr lang="en-US" altLang="zh-TW" sz="1400" i="1" dirty="0">
+                <a:solidFill>
+                  <a:srgbClr val="000000"/>
+                </a:solidFill>
+                <a:latin typeface="Consolas" panose="020B0609020204030204" pitchFamily="49" charset="0"/>
+              </a:rPr>
+              <a:t>=</a:t>
+            </a:r>
+            <a:r>
+              <a:rPr lang="en-US" altLang="zh-TW" sz="1400" i="1" dirty="0">
+                <a:solidFill>
+                  <a:srgbClr val="2A00FF"/>
+                </a:solidFill>
+                <a:latin typeface="Consolas" panose="020B0609020204030204" pitchFamily="49" charset="0"/>
+              </a:rPr>
+              <a:t>"</a:t>
+            </a:r>
+            <a:r>
+              <a:rPr lang="en-US" altLang="zh-TW" sz="1400" i="1" dirty="0" err="1">
+                <a:solidFill>
+                  <a:srgbClr val="2A00FF"/>
+                </a:solidFill>
+                <a:latin typeface="Consolas" panose="020B0609020204030204" pitchFamily="49" charset="0"/>
+              </a:rPr>
+              <a:t>test_password</a:t>
+            </a:r>
+            <a:r>
+              <a:rPr lang="en-US" altLang="zh-TW" sz="1400" i="1" dirty="0">
+                <a:solidFill>
+                  <a:srgbClr val="2A00FF"/>
+                </a:solidFill>
+                <a:latin typeface="Consolas" panose="020B0609020204030204" pitchFamily="49" charset="0"/>
+              </a:rPr>
+              <a:t>" </a:t>
+            </a:r>
+            <a:r>
+              <a:rPr lang="en-US" altLang="zh-TW" sz="1400" i="1" dirty="0">
+                <a:solidFill>
+                  <a:srgbClr val="008080"/>
+                </a:solidFill>
+                <a:latin typeface="Consolas" panose="020B0609020204030204" pitchFamily="49" charset="0"/>
+              </a:rPr>
+              <a:t>/&gt;</a:t>
+            </a:r>
+          </a:p>
+          <a:p>
+            <a:r>
+              <a:rPr lang="en-US" altLang="zh-TW" sz="1400" dirty="0">
+                <a:solidFill>
+                  <a:srgbClr val="000000"/>
+                </a:solidFill>
+                <a:latin typeface="Consolas" panose="020B0609020204030204" pitchFamily="49" charset="0"/>
+              </a:rPr>
+              <a:t>      </a:t>
+            </a:r>
+            <a:r>
+              <a:rPr lang="en-US" altLang="zh-TW" sz="1400" dirty="0">
+                <a:solidFill>
+                  <a:srgbClr val="008080"/>
+                </a:solidFill>
+                <a:latin typeface="Consolas" panose="020B0609020204030204" pitchFamily="49" charset="0"/>
+              </a:rPr>
+              <a:t>&lt;</a:t>
+            </a:r>
+            <a:r>
+              <a:rPr lang="en-US" altLang="zh-TW" sz="1400" dirty="0">
+                <a:solidFill>
+                  <a:srgbClr val="3F7F7F"/>
+                </a:solidFill>
+                <a:latin typeface="Consolas" panose="020B0609020204030204" pitchFamily="49" charset="0"/>
+              </a:rPr>
+              <a:t>property </a:t>
+            </a:r>
+            <a:r>
+              <a:rPr lang="en-US" altLang="zh-TW" sz="1400" dirty="0">
+                <a:solidFill>
+                  <a:srgbClr val="7F007F"/>
+                </a:solidFill>
+                <a:latin typeface="Consolas" panose="020B0609020204030204" pitchFamily="49" charset="0"/>
+              </a:rPr>
+              <a:t>name</a:t>
+            </a:r>
+            <a:r>
+              <a:rPr lang="en-US" altLang="zh-TW" sz="1400" dirty="0">
+                <a:solidFill>
+                  <a:srgbClr val="000000"/>
+                </a:solidFill>
+                <a:latin typeface="Consolas" panose="020B0609020204030204" pitchFamily="49" charset="0"/>
+              </a:rPr>
+              <a:t>=</a:t>
+            </a:r>
+            <a:r>
+              <a:rPr lang="en-US" altLang="zh-TW" sz="1400" i="1" dirty="0">
+                <a:solidFill>
+                  <a:srgbClr val="2A00FF"/>
+                </a:solidFill>
+                <a:latin typeface="Consolas" panose="020B0609020204030204" pitchFamily="49" charset="0"/>
+              </a:rPr>
+              <a:t>"</a:t>
+            </a:r>
+            <a:r>
+              <a:rPr lang="en-US" altLang="zh-TW" sz="1400" i="1" dirty="0" err="1">
+                <a:solidFill>
+                  <a:srgbClr val="2A00FF"/>
+                </a:solidFill>
+                <a:latin typeface="Consolas" panose="020B0609020204030204" pitchFamily="49" charset="0"/>
+              </a:rPr>
+              <a:t>hibernate.dialect</a:t>
+            </a:r>
+            <a:r>
+              <a:rPr lang="en-US" altLang="zh-TW" sz="1400" i="1" dirty="0">
+                <a:solidFill>
+                  <a:srgbClr val="2A00FF"/>
+                </a:solidFill>
+                <a:latin typeface="Consolas" panose="020B0609020204030204" pitchFamily="49" charset="0"/>
+              </a:rPr>
+              <a:t>" </a:t>
+            </a:r>
+            <a:r>
+              <a:rPr lang="en-US" altLang="zh-TW" sz="1400" i="1" dirty="0">
+                <a:solidFill>
+                  <a:srgbClr val="7F007F"/>
+                </a:solidFill>
+                <a:latin typeface="Consolas" panose="020B0609020204030204" pitchFamily="49" charset="0"/>
+              </a:rPr>
+              <a:t>value</a:t>
+            </a:r>
+            <a:r>
+              <a:rPr lang="en-US" altLang="zh-TW" sz="1400" i="1" dirty="0">
+                <a:solidFill>
+                  <a:srgbClr val="000000"/>
+                </a:solidFill>
+                <a:latin typeface="Consolas" panose="020B0609020204030204" pitchFamily="49" charset="0"/>
+              </a:rPr>
+              <a:t>=</a:t>
+            </a:r>
+            <a:r>
+              <a:rPr lang="en-US" altLang="zh-TW" sz="1400" i="1" dirty="0">
+                <a:solidFill>
+                  <a:srgbClr val="2A00FF"/>
+                </a:solidFill>
+                <a:latin typeface="Consolas" panose="020B0609020204030204" pitchFamily="49" charset="0"/>
+              </a:rPr>
+              <a:t>"</a:t>
+            </a:r>
+            <a:r>
+              <a:rPr lang="en-US" altLang="zh-TW" sz="1400" i="1" dirty="0" err="1">
+                <a:solidFill>
+                  <a:srgbClr val="2A00FF"/>
+                </a:solidFill>
+                <a:latin typeface="Consolas" panose="020B0609020204030204" pitchFamily="49" charset="0"/>
+              </a:rPr>
+              <a:t>org.hibernate.dialect.PostgreSQLDialect</a:t>
+            </a:r>
+            <a:r>
+              <a:rPr lang="en-US" altLang="zh-TW" sz="1400" i="1" dirty="0">
+                <a:solidFill>
+                  <a:srgbClr val="2A00FF"/>
+                </a:solidFill>
+                <a:latin typeface="Consolas" panose="020B0609020204030204" pitchFamily="49" charset="0"/>
+              </a:rPr>
+              <a:t>" </a:t>
+            </a:r>
+            <a:r>
+              <a:rPr lang="en-US" altLang="zh-TW" sz="1400" i="1" dirty="0">
+                <a:solidFill>
+                  <a:srgbClr val="008080"/>
+                </a:solidFill>
+                <a:latin typeface="Consolas" panose="020B0609020204030204" pitchFamily="49" charset="0"/>
+              </a:rPr>
+              <a:t>/&gt;</a:t>
+            </a:r>
+          </a:p>
+          <a:p>
+            <a:r>
+              <a:rPr lang="en-US" altLang="zh-TW" sz="1400" dirty="0">
+                <a:solidFill>
+                  <a:srgbClr val="000000"/>
+                </a:solidFill>
+                <a:latin typeface="Consolas" panose="020B0609020204030204" pitchFamily="49" charset="0"/>
+              </a:rPr>
+              <a:t>      </a:t>
+            </a:r>
+            <a:r>
+              <a:rPr lang="en-US" altLang="zh-TW" sz="1400" dirty="0">
+                <a:solidFill>
+                  <a:srgbClr val="008080"/>
+                </a:solidFill>
+                <a:latin typeface="Consolas" panose="020B0609020204030204" pitchFamily="49" charset="0"/>
+              </a:rPr>
+              <a:t>&lt;</a:t>
+            </a:r>
+            <a:r>
+              <a:rPr lang="en-US" altLang="zh-TW" sz="1400" dirty="0">
+                <a:solidFill>
+                  <a:srgbClr val="3F7F7F"/>
+                </a:solidFill>
+                <a:latin typeface="Consolas" panose="020B0609020204030204" pitchFamily="49" charset="0"/>
+              </a:rPr>
+              <a:t>property </a:t>
+            </a:r>
+            <a:r>
+              <a:rPr lang="en-US" altLang="zh-TW" sz="1400" dirty="0">
+                <a:solidFill>
+                  <a:srgbClr val="7F007F"/>
+                </a:solidFill>
+                <a:latin typeface="Consolas" panose="020B0609020204030204" pitchFamily="49" charset="0"/>
+              </a:rPr>
+              <a:t>name</a:t>
+            </a:r>
+            <a:r>
+              <a:rPr lang="en-US" altLang="zh-TW" sz="1400" dirty="0">
+                <a:solidFill>
+                  <a:srgbClr val="000000"/>
+                </a:solidFill>
+                <a:latin typeface="Consolas" panose="020B0609020204030204" pitchFamily="49" charset="0"/>
+              </a:rPr>
+              <a:t>=</a:t>
+            </a:r>
+            <a:r>
+              <a:rPr lang="en-US" altLang="zh-TW" sz="1400" i="1" dirty="0">
+                <a:solidFill>
+                  <a:srgbClr val="2A00FF"/>
+                </a:solidFill>
+                <a:latin typeface="Consolas" panose="020B0609020204030204" pitchFamily="49" charset="0"/>
+              </a:rPr>
+              <a:t>"</a:t>
+            </a:r>
+            <a:r>
+              <a:rPr lang="en-US" altLang="zh-TW" sz="1400" i="1" dirty="0" err="1">
+                <a:solidFill>
+                  <a:srgbClr val="2A00FF"/>
+                </a:solidFill>
+                <a:latin typeface="Consolas" panose="020B0609020204030204" pitchFamily="49" charset="0"/>
+              </a:rPr>
+              <a:t>hibernate.show_sql</a:t>
+            </a:r>
+            <a:r>
+              <a:rPr lang="en-US" altLang="zh-TW" sz="1400" i="1" dirty="0">
+                <a:solidFill>
+                  <a:srgbClr val="2A00FF"/>
+                </a:solidFill>
+                <a:latin typeface="Consolas" panose="020B0609020204030204" pitchFamily="49" charset="0"/>
+              </a:rPr>
+              <a:t>" </a:t>
+            </a:r>
+            <a:r>
+              <a:rPr lang="en-US" altLang="zh-TW" sz="1400" i="1" dirty="0">
+                <a:solidFill>
+                  <a:srgbClr val="7F007F"/>
+                </a:solidFill>
+                <a:latin typeface="Consolas" panose="020B0609020204030204" pitchFamily="49" charset="0"/>
+              </a:rPr>
+              <a:t>value</a:t>
+            </a:r>
+            <a:r>
+              <a:rPr lang="en-US" altLang="zh-TW" sz="1400" i="1" dirty="0">
+                <a:solidFill>
+                  <a:srgbClr val="000000"/>
+                </a:solidFill>
+                <a:latin typeface="Consolas" panose="020B0609020204030204" pitchFamily="49" charset="0"/>
+              </a:rPr>
+              <a:t>=</a:t>
+            </a:r>
+            <a:r>
+              <a:rPr lang="en-US" altLang="zh-TW" sz="1400" i="1" dirty="0">
+                <a:solidFill>
+                  <a:srgbClr val="2A00FF"/>
+                </a:solidFill>
+                <a:latin typeface="Consolas" panose="020B0609020204030204" pitchFamily="49" charset="0"/>
+              </a:rPr>
+              <a:t>"true" </a:t>
+            </a:r>
+            <a:r>
+              <a:rPr lang="en-US" altLang="zh-TW" sz="1400" i="1" dirty="0">
+                <a:solidFill>
+                  <a:srgbClr val="008080"/>
+                </a:solidFill>
+                <a:latin typeface="Consolas" panose="020B0609020204030204" pitchFamily="49" charset="0"/>
+              </a:rPr>
+              <a:t>/&gt;</a:t>
+            </a:r>
+          </a:p>
+          <a:p>
+            <a:r>
+              <a:rPr lang="en-US" altLang="zh-TW" sz="1400" dirty="0">
+                <a:solidFill>
+                  <a:srgbClr val="000000"/>
+                </a:solidFill>
+                <a:latin typeface="Consolas" panose="020B0609020204030204" pitchFamily="49" charset="0"/>
+              </a:rPr>
+              <a:t>    </a:t>
+            </a:r>
+            <a:r>
+              <a:rPr lang="en-US" altLang="zh-TW" sz="1400" dirty="0">
+                <a:solidFill>
+                  <a:srgbClr val="008080"/>
+                </a:solidFill>
+                <a:latin typeface="Consolas" panose="020B0609020204030204" pitchFamily="49" charset="0"/>
+              </a:rPr>
+              <a:t>&lt;/</a:t>
+            </a:r>
+            <a:r>
+              <a:rPr lang="en-US" altLang="zh-TW" sz="1400" dirty="0">
+                <a:solidFill>
+                  <a:srgbClr val="3F7F7F"/>
+                </a:solidFill>
+                <a:latin typeface="Consolas" panose="020B0609020204030204" pitchFamily="49" charset="0"/>
+              </a:rPr>
+              <a:t>properties</a:t>
+            </a:r>
+            <a:r>
+              <a:rPr lang="en-US" altLang="zh-TW" sz="1400" dirty="0">
+                <a:solidFill>
+                  <a:srgbClr val="008080"/>
+                </a:solidFill>
+                <a:latin typeface="Consolas" panose="020B0609020204030204" pitchFamily="49" charset="0"/>
+              </a:rPr>
+              <a:t>&gt;</a:t>
+            </a:r>
+          </a:p>
+          <a:p>
+            <a:endParaRPr lang="zh-TW" altLang="en-US" sz="1400" dirty="0">
+              <a:latin typeface="Consolas" panose="020B0609020204030204" pitchFamily="49" charset="0"/>
+            </a:endParaRPr>
+          </a:p>
+          <a:p>
+            <a:r>
+              <a:rPr lang="en-US" altLang="zh-TW" sz="1400" dirty="0">
+                <a:solidFill>
+                  <a:srgbClr val="000000"/>
+                </a:solidFill>
+                <a:latin typeface="Consolas" panose="020B0609020204030204" pitchFamily="49" charset="0"/>
+              </a:rPr>
+              <a:t>  </a:t>
+            </a:r>
+            <a:r>
+              <a:rPr lang="en-US" altLang="zh-TW" sz="1400" dirty="0">
+                <a:solidFill>
+                  <a:srgbClr val="008080"/>
+                </a:solidFill>
+                <a:latin typeface="Consolas" panose="020B0609020204030204" pitchFamily="49" charset="0"/>
+              </a:rPr>
+              <a:t>&lt;/</a:t>
+            </a:r>
+            <a:r>
+              <a:rPr lang="en-US" altLang="zh-TW" sz="1400" dirty="0">
+                <a:solidFill>
+                  <a:srgbClr val="3F7F7F"/>
+                </a:solidFill>
+                <a:latin typeface="Consolas" panose="020B0609020204030204" pitchFamily="49" charset="0"/>
+              </a:rPr>
+              <a:t>persistence-unit</a:t>
+            </a:r>
+            <a:r>
+              <a:rPr lang="en-US" altLang="zh-TW" sz="1400" dirty="0">
+                <a:solidFill>
+                  <a:srgbClr val="008080"/>
+                </a:solidFill>
+                <a:latin typeface="Consolas" panose="020B0609020204030204" pitchFamily="49" charset="0"/>
+              </a:rPr>
+              <a:t>&gt;</a:t>
+            </a:r>
+          </a:p>
+          <a:p>
+            <a:r>
+              <a:rPr lang="en-US" altLang="zh-TW" sz="1400" dirty="0">
+                <a:solidFill>
+                  <a:srgbClr val="008080"/>
+                </a:solidFill>
+                <a:latin typeface="Consolas" panose="020B0609020204030204" pitchFamily="49" charset="0"/>
+              </a:rPr>
+              <a:t>&lt;/</a:t>
+            </a:r>
+            <a:r>
+              <a:rPr lang="en-US" altLang="zh-TW" sz="1400" dirty="0">
+                <a:solidFill>
+                  <a:srgbClr val="3F7F7F"/>
+                </a:solidFill>
+                <a:latin typeface="Consolas" panose="020B0609020204030204" pitchFamily="49" charset="0"/>
+              </a:rPr>
+              <a:t>persistence</a:t>
+            </a:r>
+            <a:r>
+              <a:rPr lang="en-US" altLang="zh-TW" sz="1400" dirty="0">
+                <a:solidFill>
+                  <a:srgbClr val="008080"/>
+                </a:solidFill>
+                <a:latin typeface="Consolas" panose="020B0609020204030204" pitchFamily="49" charset="0"/>
+              </a:rPr>
+              <a:t>&gt;</a:t>
+            </a:r>
+            <a:endParaRPr lang="zh-TW" altLang="en-US" sz="1400" dirty="0"/>
+          </a:p>
+        </p:txBody>
+      </p:sp>
+    </p:spTree>
+    <p:extLst>
+      <p:ext uri="{BB962C8B-B14F-4D97-AF65-F5344CB8AC3E}">
+        <p14:creationId xmlns:p14="http://schemas.microsoft.com/office/powerpoint/2010/main" val="3146888729"/>
+      </p:ext>
+    </p:extLst>
+  </p:cSld>
+  <p:clrMapOvr>
+    <a:masterClrMapping/>
+  </p:clrMapOvr>
+</p:sld>
+</file>
+
+<file path=ppt/slides/slide18.xml><?xml version="1.0" encoding="utf-8"?>
+<p:sld xmlns:a="http://schemas.openxmlformats.org/drawingml/2006/main" xmlns:r="http://schemas.openxmlformats.org/officeDocument/2006/relationships" xmlns:p="http://schemas.openxmlformats.org/presentationml/2006/main">
+  <p:cSld>
+    <p:spTree>
+      <p:nvGrpSpPr>
+        <p:cNvPr id="1" name=""/>
+        <p:cNvGrpSpPr/>
+        <p:nvPr/>
+      </p:nvGrpSpPr>
+      <p:grpSpPr>
+        <a:xfrm>
+          <a:off x="0" y="0"/>
+          <a:ext cx="0" cy="0"/>
+          <a:chOff x="0" y="0"/>
+          <a:chExt cx="0" cy="0"/>
+        </a:xfrm>
+      </p:grpSpPr>
+      <p:sp>
+        <p:nvSpPr>
+          <p:cNvPr id="3" name="標題 2">
+            <a:extLst>
+              <a:ext uri="{FF2B5EF4-FFF2-40B4-BE49-F238E27FC236}">
+                <a16:creationId xmlns:a16="http://schemas.microsoft.com/office/drawing/2014/main" id="{C0C42D0D-3ED6-4614-93E5-2CA390998B0C}"/>
+              </a:ext>
+            </a:extLst>
+          </p:cNvPr>
+          <p:cNvSpPr>
+            <a:spLocks noGrp="1"/>
+          </p:cNvSpPr>
+          <p:nvPr>
+            <p:ph type="title"/>
+          </p:nvPr>
+        </p:nvSpPr>
+        <p:spPr/>
+        <p:txBody>
+          <a:bodyPr/>
+          <a:lstStyle/>
+          <a:p>
+            <a:r>
+              <a:rPr lang="en-US" altLang="zh-TW" dirty="0"/>
+              <a:t>spring configuration</a:t>
+            </a:r>
+            <a:endParaRPr lang="zh-TW" altLang="en-US" dirty="0"/>
+          </a:p>
+        </p:txBody>
+      </p:sp>
+      <p:sp>
+        <p:nvSpPr>
+          <p:cNvPr id="4" name="內容版面配置區 3">
+            <a:extLst>
+              <a:ext uri="{FF2B5EF4-FFF2-40B4-BE49-F238E27FC236}">
+                <a16:creationId xmlns:a16="http://schemas.microsoft.com/office/drawing/2014/main" id="{6E541444-C7AC-486A-9BF6-E1A0074059E9}"/>
+              </a:ext>
+            </a:extLst>
+          </p:cNvPr>
+          <p:cNvSpPr>
+            <a:spLocks noGrp="1"/>
+          </p:cNvSpPr>
+          <p:nvPr>
+            <p:ph idx="1"/>
+          </p:nvPr>
+        </p:nvSpPr>
+        <p:spPr/>
+        <p:txBody>
+          <a:bodyPr/>
+          <a:lstStyle/>
+          <a:p>
+            <a:r>
+              <a:rPr lang="en-US" altLang="zh-TW" dirty="0"/>
+              <a:t>add</a:t>
+            </a:r>
+            <a:endParaRPr lang="zh-TW" altLang="en-US" dirty="0"/>
+          </a:p>
+        </p:txBody>
+      </p:sp>
+      <p:sp>
+        <p:nvSpPr>
+          <p:cNvPr id="5" name="矩形 4">
+            <a:extLst>
+              <a:ext uri="{FF2B5EF4-FFF2-40B4-BE49-F238E27FC236}">
+                <a16:creationId xmlns:a16="http://schemas.microsoft.com/office/drawing/2014/main" id="{819928F1-C791-4183-9431-7F90F1264349}"/>
+              </a:ext>
+            </a:extLst>
+          </p:cNvPr>
+          <p:cNvSpPr/>
+          <p:nvPr/>
+        </p:nvSpPr>
+        <p:spPr>
+          <a:xfrm>
+            <a:off x="838200" y="2588513"/>
+            <a:ext cx="10898393" cy="1077218"/>
+          </a:xfrm>
+          <a:prstGeom prst="rect">
+            <a:avLst/>
+          </a:prstGeom>
+        </p:spPr>
+        <p:txBody>
+          <a:bodyPr wrap="square">
+            <a:spAutoFit/>
+          </a:bodyPr>
+          <a:lstStyle/>
+          <a:p>
+            <a:r>
+              <a:rPr lang="en-US" altLang="zh-TW" sz="1600" dirty="0">
+                <a:solidFill>
+                  <a:srgbClr val="000000"/>
+                </a:solidFill>
+                <a:latin typeface="Consolas" panose="020B0609020204030204" pitchFamily="49" charset="0"/>
+              </a:rPr>
+              <a:t> </a:t>
+            </a:r>
+            <a:r>
+              <a:rPr lang="en-US" altLang="zh-TW" sz="1600" dirty="0">
+                <a:solidFill>
+                  <a:srgbClr val="008080"/>
+                </a:solidFill>
+                <a:latin typeface="Consolas" panose="020B0609020204030204" pitchFamily="49" charset="0"/>
+              </a:rPr>
+              <a:t>&lt;</a:t>
+            </a:r>
+            <a:r>
+              <a:rPr lang="en-US" altLang="zh-TW" sz="1600" dirty="0">
+                <a:solidFill>
+                  <a:srgbClr val="3F7F7F"/>
+                </a:solidFill>
+                <a:latin typeface="Consolas" panose="020B0609020204030204" pitchFamily="49" charset="0"/>
+              </a:rPr>
+              <a:t>bean </a:t>
+            </a:r>
+            <a:r>
+              <a:rPr lang="en-US" altLang="zh-TW" sz="1600" dirty="0">
+                <a:solidFill>
+                  <a:srgbClr val="7F007F"/>
+                </a:solidFill>
+                <a:latin typeface="Consolas" panose="020B0609020204030204" pitchFamily="49" charset="0"/>
+              </a:rPr>
+              <a:t>id</a:t>
+            </a:r>
+            <a:r>
+              <a:rPr lang="en-US" altLang="zh-TW" sz="1600" dirty="0">
+                <a:solidFill>
+                  <a:srgbClr val="000000"/>
+                </a:solidFill>
+                <a:latin typeface="Consolas" panose="020B0609020204030204" pitchFamily="49" charset="0"/>
+              </a:rPr>
+              <a:t>=</a:t>
+            </a:r>
+            <a:r>
+              <a:rPr lang="en-US" altLang="zh-TW" sz="1600" i="1" dirty="0">
+                <a:solidFill>
+                  <a:srgbClr val="2A00FF"/>
+                </a:solidFill>
+                <a:latin typeface="Consolas" panose="020B0609020204030204" pitchFamily="49" charset="0"/>
+              </a:rPr>
+              <a:t>"</a:t>
+            </a:r>
+            <a:r>
+              <a:rPr lang="en-US" altLang="zh-TW" sz="1600" i="1" dirty="0" err="1">
+                <a:solidFill>
+                  <a:srgbClr val="2A00FF"/>
+                </a:solidFill>
+                <a:latin typeface="Consolas" panose="020B0609020204030204" pitchFamily="49" charset="0"/>
+              </a:rPr>
+              <a:t>entityManagerFactory</a:t>
+            </a:r>
+            <a:r>
+              <a:rPr lang="en-US" altLang="zh-TW" sz="1600" i="1" dirty="0">
+                <a:solidFill>
+                  <a:srgbClr val="2A00FF"/>
+                </a:solidFill>
+                <a:latin typeface="Consolas" panose="020B0609020204030204" pitchFamily="49" charset="0"/>
+              </a:rPr>
+              <a:t>" </a:t>
+            </a:r>
+            <a:r>
+              <a:rPr lang="en-US" altLang="zh-TW" sz="1600" i="1" dirty="0">
+                <a:solidFill>
+                  <a:srgbClr val="7F007F"/>
+                </a:solidFill>
+                <a:latin typeface="Consolas" panose="020B0609020204030204" pitchFamily="49" charset="0"/>
+              </a:rPr>
+              <a:t>class</a:t>
+            </a:r>
+            <a:r>
+              <a:rPr lang="en-US" altLang="zh-TW" sz="1600" i="1" dirty="0">
+                <a:solidFill>
+                  <a:srgbClr val="000000"/>
+                </a:solidFill>
+                <a:latin typeface="Consolas" panose="020B0609020204030204" pitchFamily="49" charset="0"/>
+              </a:rPr>
+              <a:t>=</a:t>
+            </a:r>
+            <a:r>
+              <a:rPr lang="en-US" altLang="zh-TW" sz="1600" i="1" dirty="0">
+                <a:solidFill>
+                  <a:srgbClr val="2A00FF"/>
+                </a:solidFill>
+                <a:latin typeface="Consolas" panose="020B0609020204030204" pitchFamily="49" charset="0"/>
+              </a:rPr>
+              <a:t>"org.springframework.orm.jpa.LocalContainerEntityManagerFactoryBean"</a:t>
+            </a:r>
+            <a:r>
+              <a:rPr lang="en-US" altLang="zh-TW" sz="1600" i="1" dirty="0">
+                <a:solidFill>
+                  <a:srgbClr val="008080"/>
+                </a:solidFill>
+                <a:latin typeface="Consolas" panose="020B0609020204030204" pitchFamily="49" charset="0"/>
+              </a:rPr>
+              <a:t>&gt;</a:t>
+            </a:r>
+          </a:p>
+          <a:p>
+            <a:r>
+              <a:rPr lang="en-US" altLang="zh-TW" sz="1600" dirty="0">
+                <a:solidFill>
+                  <a:srgbClr val="000000"/>
+                </a:solidFill>
+                <a:latin typeface="Consolas" panose="020B0609020204030204" pitchFamily="49" charset="0"/>
+              </a:rPr>
+              <a:t>        </a:t>
+            </a:r>
+            <a:r>
+              <a:rPr lang="en-US" altLang="zh-TW" sz="1600" dirty="0">
+                <a:solidFill>
+                  <a:srgbClr val="008080"/>
+                </a:solidFill>
+                <a:latin typeface="Consolas" panose="020B0609020204030204" pitchFamily="49" charset="0"/>
+              </a:rPr>
+              <a:t>&lt;</a:t>
+            </a:r>
+            <a:r>
+              <a:rPr lang="en-US" altLang="zh-TW" sz="1600" dirty="0">
+                <a:solidFill>
+                  <a:srgbClr val="3F7F7F"/>
+                </a:solidFill>
+                <a:latin typeface="Consolas" panose="020B0609020204030204" pitchFamily="49" charset="0"/>
+              </a:rPr>
+              <a:t>property </a:t>
+            </a:r>
+            <a:r>
+              <a:rPr lang="en-US" altLang="zh-TW" sz="1600" dirty="0">
+                <a:solidFill>
+                  <a:srgbClr val="7F007F"/>
+                </a:solidFill>
+                <a:latin typeface="Consolas" panose="020B0609020204030204" pitchFamily="49" charset="0"/>
+              </a:rPr>
+              <a:t>name</a:t>
+            </a:r>
+            <a:r>
+              <a:rPr lang="en-US" altLang="zh-TW" sz="1600" dirty="0">
+                <a:solidFill>
+                  <a:srgbClr val="000000"/>
+                </a:solidFill>
+                <a:latin typeface="Consolas" panose="020B0609020204030204" pitchFamily="49" charset="0"/>
+              </a:rPr>
+              <a:t>=</a:t>
+            </a:r>
+            <a:r>
+              <a:rPr lang="en-US" altLang="zh-TW" sz="1600" i="1" dirty="0">
+                <a:solidFill>
+                  <a:srgbClr val="2A00FF"/>
+                </a:solidFill>
+                <a:latin typeface="Consolas" panose="020B0609020204030204" pitchFamily="49" charset="0"/>
+              </a:rPr>
+              <a:t>"</a:t>
+            </a:r>
+            <a:r>
+              <a:rPr lang="en-US" altLang="zh-TW" sz="1600" i="1" dirty="0" err="1">
+                <a:solidFill>
+                  <a:srgbClr val="2A00FF"/>
+                </a:solidFill>
+                <a:latin typeface="Consolas" panose="020B0609020204030204" pitchFamily="49" charset="0"/>
+              </a:rPr>
+              <a:t>persistenceUnitName</a:t>
+            </a:r>
+            <a:r>
+              <a:rPr lang="en-US" altLang="zh-TW" sz="1600" i="1" dirty="0">
+                <a:solidFill>
+                  <a:srgbClr val="2A00FF"/>
+                </a:solidFill>
+                <a:latin typeface="Consolas" panose="020B0609020204030204" pitchFamily="49" charset="0"/>
+              </a:rPr>
+              <a:t>" </a:t>
+            </a:r>
+            <a:r>
+              <a:rPr lang="en-US" altLang="zh-TW" sz="1600" i="1" dirty="0">
+                <a:solidFill>
+                  <a:srgbClr val="7F007F"/>
+                </a:solidFill>
+                <a:latin typeface="Consolas" panose="020B0609020204030204" pitchFamily="49" charset="0"/>
+              </a:rPr>
+              <a:t>value</a:t>
+            </a:r>
+            <a:r>
+              <a:rPr lang="en-US" altLang="zh-TW" sz="1600" i="1" dirty="0">
+                <a:solidFill>
+                  <a:srgbClr val="000000"/>
+                </a:solidFill>
+                <a:latin typeface="Consolas" panose="020B0609020204030204" pitchFamily="49" charset="0"/>
+              </a:rPr>
+              <a:t>=</a:t>
+            </a:r>
+            <a:r>
+              <a:rPr lang="en-US" altLang="zh-TW" sz="1600" i="1" dirty="0">
+                <a:solidFill>
+                  <a:srgbClr val="2A00FF"/>
+                </a:solidFill>
+                <a:latin typeface="Consolas" panose="020B0609020204030204" pitchFamily="49" charset="0"/>
+              </a:rPr>
+              <a:t>"LOCAL_PERSISTENCE"</a:t>
+            </a:r>
+            <a:r>
+              <a:rPr lang="en-US" altLang="zh-TW" sz="1600" i="1" dirty="0">
+                <a:solidFill>
+                  <a:srgbClr val="008080"/>
+                </a:solidFill>
+                <a:latin typeface="Consolas" panose="020B0609020204030204" pitchFamily="49" charset="0"/>
+              </a:rPr>
+              <a:t>/&gt;</a:t>
+            </a:r>
+          </a:p>
+          <a:p>
+            <a:r>
+              <a:rPr lang="en-US" altLang="zh-TW" sz="1600" dirty="0">
+                <a:solidFill>
+                  <a:srgbClr val="000000"/>
+                </a:solidFill>
+                <a:latin typeface="Consolas" panose="020B0609020204030204" pitchFamily="49" charset="0"/>
+              </a:rPr>
+              <a:t>    </a:t>
+            </a:r>
+            <a:r>
+              <a:rPr lang="en-US" altLang="zh-TW" sz="1600" dirty="0">
+                <a:solidFill>
+                  <a:srgbClr val="008080"/>
+                </a:solidFill>
+                <a:latin typeface="Consolas" panose="020B0609020204030204" pitchFamily="49" charset="0"/>
+              </a:rPr>
+              <a:t>&lt;/</a:t>
+            </a:r>
+            <a:r>
+              <a:rPr lang="en-US" altLang="zh-TW" sz="1600" dirty="0">
+                <a:solidFill>
+                  <a:srgbClr val="3F7F7F"/>
+                </a:solidFill>
+                <a:latin typeface="Consolas" panose="020B0609020204030204" pitchFamily="49" charset="0"/>
+              </a:rPr>
+              <a:t>bean</a:t>
+            </a:r>
+            <a:r>
+              <a:rPr lang="en-US" altLang="zh-TW" sz="1600" dirty="0">
+                <a:solidFill>
+                  <a:srgbClr val="008080"/>
+                </a:solidFill>
+                <a:latin typeface="Consolas" panose="020B0609020204030204" pitchFamily="49" charset="0"/>
+              </a:rPr>
+              <a:t>&gt;</a:t>
+            </a:r>
+            <a:endParaRPr lang="zh-TW" altLang="en-US" sz="1600" dirty="0"/>
+          </a:p>
+        </p:txBody>
+      </p:sp>
+    </p:spTree>
+    <p:extLst>
+      <p:ext uri="{BB962C8B-B14F-4D97-AF65-F5344CB8AC3E}">
+        <p14:creationId xmlns:p14="http://schemas.microsoft.com/office/powerpoint/2010/main" val="4031223901"/>
+      </p:ext>
+    </p:extLst>
+  </p:cSld>
+  <p:clrMapOvr>
+    <a:masterClrMapping/>
+  </p:clrMapOvr>
+</p:sld>
+</file>
+
+<file path=ppt/slides/slide19.xml><?xml version="1.0" encoding="utf-8"?>
+<p:sld xmlns:a="http://schemas.openxmlformats.org/drawingml/2006/main" xmlns:r="http://schemas.openxmlformats.org/officeDocument/2006/relationships" xmlns:p="http://schemas.openxmlformats.org/presentationml/2006/main">
+  <p:cSld>
+    <p:spTree>
+      <p:nvGrpSpPr>
+        <p:cNvPr id="1" name=""/>
+        <p:cNvGrpSpPr/>
+        <p:nvPr/>
+      </p:nvGrpSpPr>
+      <p:grpSpPr>
+        <a:xfrm>
+          <a:off x="0" y="0"/>
+          <a:ext cx="0" cy="0"/>
+          <a:chOff x="0" y="0"/>
+          <a:chExt cx="0" cy="0"/>
+        </a:xfrm>
+      </p:grpSpPr>
+      <p:sp>
+        <p:nvSpPr>
+          <p:cNvPr id="2" name="標題 1">
+            <a:extLst>
+              <a:ext uri="{FF2B5EF4-FFF2-40B4-BE49-F238E27FC236}">
+                <a16:creationId xmlns:a16="http://schemas.microsoft.com/office/drawing/2014/main" id="{DDAA5832-4DDE-4B5A-B68F-DEBD51F0BD38}"/>
+              </a:ext>
+            </a:extLst>
+          </p:cNvPr>
+          <p:cNvSpPr>
+            <a:spLocks noGrp="1"/>
+          </p:cNvSpPr>
+          <p:nvPr>
+            <p:ph type="title"/>
+          </p:nvPr>
+        </p:nvSpPr>
+        <p:spPr/>
+        <p:txBody>
+          <a:bodyPr/>
+          <a:lstStyle/>
+          <a:p>
+            <a:r>
+              <a:rPr lang="en-US" altLang="zh-TW" dirty="0"/>
+              <a:t>Dao</a:t>
+            </a:r>
+            <a:endParaRPr lang="zh-TW" altLang="en-US" dirty="0"/>
+          </a:p>
+        </p:txBody>
+      </p:sp>
+      <p:sp>
+        <p:nvSpPr>
+          <p:cNvPr id="3" name="內容版面配置區 2">
+            <a:extLst>
+              <a:ext uri="{FF2B5EF4-FFF2-40B4-BE49-F238E27FC236}">
+                <a16:creationId xmlns:a16="http://schemas.microsoft.com/office/drawing/2014/main" id="{E617F4C2-85C7-438B-9BAD-1C44905E9EE7}"/>
+              </a:ext>
+            </a:extLst>
+          </p:cNvPr>
+          <p:cNvSpPr>
+            <a:spLocks noGrp="1"/>
+          </p:cNvSpPr>
+          <p:nvPr>
+            <p:ph idx="1"/>
+          </p:nvPr>
+        </p:nvSpPr>
+        <p:spPr/>
+        <p:txBody>
+          <a:bodyPr/>
+          <a:lstStyle/>
+          <a:p>
+            <a:r>
+              <a:rPr lang="en-US" altLang="zh-TW" dirty="0"/>
+              <a:t>add @Repository</a:t>
+            </a:r>
+            <a:endParaRPr lang="zh-TW" altLang="en-US" dirty="0"/>
+          </a:p>
+        </p:txBody>
+      </p:sp>
+      <p:sp>
+        <p:nvSpPr>
+          <p:cNvPr id="5" name="矩形 4">
+            <a:extLst>
+              <a:ext uri="{FF2B5EF4-FFF2-40B4-BE49-F238E27FC236}">
+                <a16:creationId xmlns:a16="http://schemas.microsoft.com/office/drawing/2014/main" id="{BAB7C196-0329-4E47-84BB-0CB89F81FDDC}"/>
+              </a:ext>
+            </a:extLst>
+          </p:cNvPr>
+          <p:cNvSpPr/>
+          <p:nvPr/>
+        </p:nvSpPr>
+        <p:spPr>
+          <a:xfrm>
+            <a:off x="990599" y="2505670"/>
+            <a:ext cx="10363201" cy="1846659"/>
+          </a:xfrm>
+          <a:prstGeom prst="rect">
+            <a:avLst/>
+          </a:prstGeom>
+        </p:spPr>
+        <p:txBody>
+          <a:bodyPr wrap="square">
+            <a:spAutoFit/>
+          </a:bodyPr>
+          <a:lstStyle/>
+          <a:p>
+            <a:r>
+              <a:rPr lang="en-US" altLang="zh-TW" sz="1600" dirty="0">
+                <a:solidFill>
+                  <a:srgbClr val="646464"/>
+                </a:solidFill>
+                <a:latin typeface="Consolas" panose="020B0609020204030204" pitchFamily="49" charset="0"/>
+              </a:rPr>
+              <a:t>@Repository</a:t>
+            </a:r>
+          </a:p>
+          <a:p>
+            <a:r>
+              <a:rPr lang="en-US" altLang="zh-TW" sz="1600" b="1" dirty="0">
+                <a:solidFill>
+                  <a:srgbClr val="7F0055"/>
+                </a:solidFill>
+                <a:latin typeface="Consolas" panose="020B0609020204030204" pitchFamily="49" charset="0"/>
+              </a:rPr>
+              <a:t>public</a:t>
+            </a:r>
+            <a:r>
+              <a:rPr lang="en-US" altLang="zh-TW" sz="1600" b="1" dirty="0">
+                <a:solidFill>
+                  <a:srgbClr val="000000"/>
+                </a:solidFill>
+                <a:latin typeface="Consolas" panose="020B0609020204030204" pitchFamily="49" charset="0"/>
+              </a:rPr>
+              <a:t> </a:t>
+            </a:r>
+            <a:r>
+              <a:rPr lang="en-US" altLang="zh-TW" sz="1600" b="1" dirty="0">
+                <a:solidFill>
+                  <a:srgbClr val="7F0055"/>
+                </a:solidFill>
+                <a:latin typeface="Consolas" panose="020B0609020204030204" pitchFamily="49" charset="0"/>
+              </a:rPr>
+              <a:t>class</a:t>
+            </a:r>
+            <a:r>
+              <a:rPr lang="en-US" altLang="zh-TW" sz="1600" b="1" dirty="0">
+                <a:solidFill>
+                  <a:srgbClr val="000000"/>
+                </a:solidFill>
+                <a:latin typeface="Consolas" panose="020B0609020204030204" pitchFamily="49" charset="0"/>
+              </a:rPr>
+              <a:t> </a:t>
+            </a:r>
+            <a:r>
+              <a:rPr lang="en-US" altLang="zh-TW" sz="1600" b="1" dirty="0" err="1">
+                <a:solidFill>
+                  <a:srgbClr val="000000"/>
+                </a:solidFill>
+                <a:latin typeface="Consolas" panose="020B0609020204030204" pitchFamily="49" charset="0"/>
+              </a:rPr>
+              <a:t>PersonDAOImpl</a:t>
+            </a:r>
+            <a:r>
+              <a:rPr lang="en-US" altLang="zh-TW" sz="1600" b="1" dirty="0">
+                <a:solidFill>
+                  <a:srgbClr val="000000"/>
+                </a:solidFill>
+                <a:latin typeface="Consolas" panose="020B0609020204030204" pitchFamily="49" charset="0"/>
+              </a:rPr>
+              <a:t> </a:t>
+            </a:r>
+            <a:r>
+              <a:rPr lang="en-US" altLang="zh-TW" sz="1600" b="1" dirty="0">
+                <a:solidFill>
+                  <a:srgbClr val="7F0055"/>
+                </a:solidFill>
+                <a:latin typeface="Consolas" panose="020B0609020204030204" pitchFamily="49" charset="0"/>
+              </a:rPr>
+              <a:t>implements</a:t>
+            </a:r>
+            <a:r>
+              <a:rPr lang="en-US" altLang="zh-TW" sz="1600" b="1" dirty="0">
+                <a:solidFill>
+                  <a:srgbClr val="000000"/>
+                </a:solidFill>
+                <a:latin typeface="Consolas" panose="020B0609020204030204" pitchFamily="49" charset="0"/>
+              </a:rPr>
+              <a:t> </a:t>
+            </a:r>
+            <a:r>
+              <a:rPr lang="en-US" altLang="zh-TW" sz="1600" b="1" dirty="0" err="1">
+                <a:solidFill>
+                  <a:srgbClr val="000000"/>
+                </a:solidFill>
+                <a:latin typeface="Consolas" panose="020B0609020204030204" pitchFamily="49" charset="0"/>
+              </a:rPr>
+              <a:t>PersonDAO</a:t>
+            </a:r>
+            <a:r>
+              <a:rPr lang="en-US" altLang="zh-TW" sz="1600" b="1" dirty="0">
+                <a:solidFill>
+                  <a:srgbClr val="000000"/>
+                </a:solidFill>
+                <a:latin typeface="Consolas" panose="020B0609020204030204" pitchFamily="49" charset="0"/>
+              </a:rPr>
+              <a:t> {</a:t>
+            </a:r>
+          </a:p>
+          <a:p>
+            <a:endParaRPr lang="zh-TW" altLang="en-US" sz="1600" dirty="0">
+              <a:latin typeface="Consolas" panose="020B0609020204030204" pitchFamily="49" charset="0"/>
+            </a:endParaRPr>
+          </a:p>
+          <a:p>
+            <a:r>
+              <a:rPr lang="en-US" altLang="zh-TW" sz="1600" b="1" dirty="0">
+                <a:solidFill>
+                  <a:srgbClr val="7F0055"/>
+                </a:solidFill>
+                <a:latin typeface="Consolas" panose="020B0609020204030204" pitchFamily="49" charset="0"/>
+              </a:rPr>
+              <a:t>  private</a:t>
+            </a:r>
+            <a:r>
+              <a:rPr lang="en-US" altLang="zh-TW" sz="1600" b="1" dirty="0">
+                <a:solidFill>
+                  <a:srgbClr val="000000"/>
+                </a:solidFill>
+                <a:latin typeface="Consolas" panose="020B0609020204030204" pitchFamily="49" charset="0"/>
+              </a:rPr>
+              <a:t> </a:t>
+            </a:r>
+            <a:r>
+              <a:rPr lang="en-US" altLang="zh-TW" sz="1600" b="1" dirty="0">
+                <a:solidFill>
+                  <a:srgbClr val="7F0055"/>
+                </a:solidFill>
+                <a:latin typeface="Consolas" panose="020B0609020204030204" pitchFamily="49" charset="0"/>
+              </a:rPr>
+              <a:t>static</a:t>
+            </a:r>
+            <a:r>
+              <a:rPr lang="en-US" altLang="zh-TW" sz="1600" b="1" dirty="0">
+                <a:solidFill>
+                  <a:srgbClr val="000000"/>
+                </a:solidFill>
+                <a:latin typeface="Consolas" panose="020B0609020204030204" pitchFamily="49" charset="0"/>
+              </a:rPr>
+              <a:t> </a:t>
+            </a:r>
+            <a:r>
+              <a:rPr lang="en-US" altLang="zh-TW" sz="1600" b="1" dirty="0">
+                <a:solidFill>
+                  <a:srgbClr val="7F0055"/>
+                </a:solidFill>
+                <a:latin typeface="Consolas" panose="020B0609020204030204" pitchFamily="49" charset="0"/>
+              </a:rPr>
+              <a:t>final</a:t>
+            </a:r>
+            <a:r>
+              <a:rPr lang="en-US" altLang="zh-TW" sz="1600" b="1" dirty="0">
+                <a:solidFill>
+                  <a:srgbClr val="000000"/>
+                </a:solidFill>
+                <a:latin typeface="Consolas" panose="020B0609020204030204" pitchFamily="49" charset="0"/>
+              </a:rPr>
+              <a:t> Logger </a:t>
+            </a:r>
+            <a:r>
+              <a:rPr lang="en-US" altLang="zh-TW" sz="1600" b="1" i="1" dirty="0" err="1">
+                <a:solidFill>
+                  <a:srgbClr val="0000C0"/>
+                </a:solidFill>
+                <a:latin typeface="Consolas" panose="020B0609020204030204" pitchFamily="49" charset="0"/>
+              </a:rPr>
+              <a:t>logger</a:t>
+            </a:r>
+            <a:r>
+              <a:rPr lang="en-US" altLang="zh-TW" sz="1600" b="1" i="1" dirty="0">
+                <a:solidFill>
+                  <a:srgbClr val="000000"/>
+                </a:solidFill>
+                <a:latin typeface="Consolas" panose="020B0609020204030204" pitchFamily="49" charset="0"/>
+              </a:rPr>
+              <a:t> = </a:t>
+            </a:r>
+            <a:r>
+              <a:rPr lang="en-US" altLang="zh-TW" sz="1600" b="1" i="1" dirty="0" err="1">
+                <a:solidFill>
+                  <a:srgbClr val="000000"/>
+                </a:solidFill>
+                <a:latin typeface="Consolas" panose="020B0609020204030204" pitchFamily="49" charset="0"/>
+              </a:rPr>
+              <a:t>LoggerFactory.getLogger</a:t>
+            </a:r>
+            <a:r>
+              <a:rPr lang="en-US" altLang="zh-TW" sz="1600" b="1" i="1" dirty="0">
+                <a:solidFill>
+                  <a:srgbClr val="000000"/>
+                </a:solidFill>
+                <a:latin typeface="Consolas" panose="020B0609020204030204" pitchFamily="49" charset="0"/>
+              </a:rPr>
+              <a:t>(</a:t>
+            </a:r>
+            <a:r>
+              <a:rPr lang="en-US" altLang="zh-TW" sz="1600" b="1" i="1" dirty="0" err="1">
+                <a:solidFill>
+                  <a:srgbClr val="000000"/>
+                </a:solidFill>
+                <a:latin typeface="Consolas" panose="020B0609020204030204" pitchFamily="49" charset="0"/>
+              </a:rPr>
+              <a:t>PersonDAOImpl.</a:t>
+            </a:r>
+            <a:r>
+              <a:rPr lang="en-US" altLang="zh-TW" sz="1600" b="1" i="1" dirty="0" err="1">
+                <a:solidFill>
+                  <a:srgbClr val="7F0055"/>
+                </a:solidFill>
+                <a:latin typeface="Consolas" panose="020B0609020204030204" pitchFamily="49" charset="0"/>
+              </a:rPr>
+              <a:t>class</a:t>
+            </a:r>
+            <a:r>
+              <a:rPr lang="en-US" altLang="zh-TW" sz="1600" b="1" i="1" dirty="0">
+                <a:solidFill>
+                  <a:srgbClr val="000000"/>
+                </a:solidFill>
+                <a:latin typeface="Consolas" panose="020B0609020204030204" pitchFamily="49" charset="0"/>
+              </a:rPr>
+              <a:t>);</a:t>
+            </a:r>
+          </a:p>
+          <a:p>
+            <a:endParaRPr lang="zh-TW" altLang="en-US" sz="1600" dirty="0">
+              <a:latin typeface="Consolas" panose="020B0609020204030204" pitchFamily="49" charset="0"/>
+            </a:endParaRPr>
+          </a:p>
+          <a:p>
+            <a:r>
+              <a:rPr lang="en-US" altLang="zh-TW" sz="1600" dirty="0">
+                <a:solidFill>
+                  <a:srgbClr val="646464"/>
+                </a:solidFill>
+                <a:latin typeface="Consolas" panose="020B0609020204030204" pitchFamily="49" charset="0"/>
+              </a:rPr>
+              <a:t>  @</a:t>
+            </a:r>
+            <a:r>
+              <a:rPr lang="en-US" altLang="zh-TW" sz="1600" dirty="0" err="1">
+                <a:solidFill>
+                  <a:srgbClr val="646464"/>
+                </a:solidFill>
+                <a:latin typeface="Consolas" panose="020B0609020204030204" pitchFamily="49" charset="0"/>
+              </a:rPr>
+              <a:t>PersistenceContext</a:t>
+            </a:r>
+            <a:endParaRPr lang="en-US" altLang="zh-TW" sz="1600" dirty="0">
+              <a:solidFill>
+                <a:srgbClr val="000000"/>
+              </a:solidFill>
+              <a:latin typeface="Consolas" panose="020B0609020204030204" pitchFamily="49" charset="0"/>
+            </a:endParaRPr>
+          </a:p>
+          <a:p>
+            <a:r>
+              <a:rPr lang="en-US" altLang="zh-TW" sz="1600" dirty="0">
+                <a:solidFill>
+                  <a:srgbClr val="000000"/>
+                </a:solidFill>
+                <a:latin typeface="Consolas" panose="020B0609020204030204" pitchFamily="49" charset="0"/>
+              </a:rPr>
+              <a:t>  </a:t>
+            </a:r>
+            <a:r>
+              <a:rPr lang="en-US" altLang="zh-TW" sz="1600" dirty="0" err="1">
+                <a:solidFill>
+                  <a:srgbClr val="000000"/>
+                </a:solidFill>
+                <a:latin typeface="Consolas" panose="020B0609020204030204" pitchFamily="49" charset="0"/>
+              </a:rPr>
+              <a:t>EntityManager</a:t>
+            </a:r>
+            <a:r>
+              <a:rPr lang="en-US" altLang="zh-TW" sz="1600" dirty="0">
+                <a:solidFill>
+                  <a:srgbClr val="000000"/>
+                </a:solidFill>
+                <a:latin typeface="Consolas" panose="020B0609020204030204" pitchFamily="49" charset="0"/>
+              </a:rPr>
+              <a:t> </a:t>
+            </a:r>
+            <a:r>
+              <a:rPr lang="en-US" altLang="zh-TW" sz="1600" dirty="0" err="1">
+                <a:solidFill>
+                  <a:srgbClr val="0000C0"/>
+                </a:solidFill>
+                <a:latin typeface="Consolas" panose="020B0609020204030204" pitchFamily="49" charset="0"/>
+              </a:rPr>
+              <a:t>entityManager</a:t>
+            </a:r>
+            <a:r>
+              <a:rPr lang="en-US" altLang="zh-TW" sz="1600" dirty="0">
+                <a:solidFill>
+                  <a:srgbClr val="000000"/>
+                </a:solidFill>
+                <a:latin typeface="Consolas" panose="020B0609020204030204" pitchFamily="49" charset="0"/>
+              </a:rPr>
+              <a:t>;</a:t>
+            </a:r>
+            <a:endParaRPr lang="zh-TW" altLang="en-US" sz="1600" dirty="0"/>
+          </a:p>
+        </p:txBody>
+      </p:sp>
+    </p:spTree>
+    <p:extLst>
+      <p:ext uri="{BB962C8B-B14F-4D97-AF65-F5344CB8AC3E}">
+        <p14:creationId xmlns:p14="http://schemas.microsoft.com/office/powerpoint/2010/main" val="590822472"/>
       </p:ext>
     </p:extLst>
   </p:cSld>
@@ -3060,7 +6604,7 @@
           <a:lstStyle/>
           <a:p>
             <a:r>
-              <a:rPr lang="en-US" altLang="zh-TW" dirty="0" smtClean="0"/>
+              <a:rPr lang="en-US" altLang="zh-TW" dirty="0"/>
               <a:t>Introduction</a:t>
             </a:r>
             <a:endParaRPr lang="zh-TW" altLang="en-US" dirty="0"/>
@@ -3088,101 +6632,60 @@
             </a:r>
             <a:r>
               <a:rPr lang="en-US" altLang="zh-TW" i="1" dirty="0"/>
-              <a:t>Object-relational </a:t>
-            </a:r>
-            <a:r>
-              <a:rPr lang="en-US" altLang="zh-TW" i="1" dirty="0" smtClean="0"/>
-              <a:t>mapping</a:t>
-            </a:r>
-            <a:r>
-              <a:rPr lang="en-US" altLang="zh-TW" dirty="0"/>
-              <a:t> (ORM</a:t>
-            </a:r>
-            <a:r>
-              <a:rPr lang="en-US" altLang="zh-TW" dirty="0" smtClean="0"/>
-              <a:t>)</a:t>
+              <a:t>Object-relational mapping</a:t>
+            </a:r>
+            <a:r>
+              <a:rPr lang="en-US" altLang="zh-TW" dirty="0"/>
+              <a:t> (ORM)</a:t>
             </a:r>
           </a:p>
           <a:p>
             <a:pPr lvl="1"/>
             <a:r>
               <a:rPr lang="en-US" altLang="zh-TW" dirty="0"/>
-              <a:t>Mapping </a:t>
-            </a:r>
-            <a:r>
-              <a:rPr lang="en-US" altLang="zh-TW" dirty="0" smtClean="0"/>
-              <a:t>object models (Java programs) </a:t>
-            </a:r>
-            <a:r>
-              <a:rPr lang="en-US" altLang="zh-TW" dirty="0"/>
-              <a:t>to </a:t>
-            </a:r>
-            <a:r>
-              <a:rPr lang="en-US" altLang="zh-TW" dirty="0" smtClean="0"/>
-              <a:t>relational models (database tables, fields) </a:t>
-            </a:r>
-            <a:r>
-              <a:rPr lang="en-US" altLang="zh-TW" dirty="0"/>
-              <a:t>and vice versa</a:t>
-            </a:r>
-            <a:endParaRPr lang="en-US" altLang="zh-TW" dirty="0" smtClean="0"/>
-          </a:p>
-          <a:p>
-            <a:r>
-              <a:rPr lang="en-US" altLang="zh-TW" dirty="0"/>
-              <a:t> Java Persistence API (JPA</a:t>
-            </a:r>
-            <a:r>
-              <a:rPr lang="en-US" altLang="zh-TW" dirty="0" smtClean="0"/>
-              <a:t>)</a:t>
+              <a:t>Mapping object models (Java programs) to relational models (database tables, fields) and vice versa</a:t>
+            </a:r>
+          </a:p>
+          <a:p>
+            <a:r>
+              <a:rPr lang="en-US" altLang="zh-TW" dirty="0"/>
+              <a:t> Java Persistence API (JPA)</a:t>
             </a:r>
           </a:p>
           <a:p>
             <a:pPr lvl="1"/>
             <a:r>
               <a:rPr lang="en-US" altLang="zh-TW" dirty="0"/>
-              <a:t>a vendor independent </a:t>
-            </a:r>
-            <a:r>
-              <a:rPr lang="en-US" altLang="zh-TW" dirty="0" smtClean="0"/>
-              <a:t>specification for ORM</a:t>
-            </a:r>
-          </a:p>
-          <a:p>
-            <a:r>
-              <a:rPr lang="en-US" altLang="zh-TW" dirty="0" smtClean="0"/>
+              <a:t>a vendor independent specification for ORM</a:t>
+            </a:r>
+          </a:p>
+          <a:p>
+            <a:r>
+              <a:rPr lang="en-US" altLang="zh-TW" dirty="0"/>
               <a:t>Popular JPA Providers</a:t>
             </a:r>
           </a:p>
           <a:p>
             <a:pPr lvl="1"/>
             <a:r>
-              <a:rPr lang="en-US" altLang="zh-TW" dirty="0" smtClean="0"/>
-              <a:t>Hibernate</a:t>
+              <a:rPr lang="en-US" altLang="zh-TW" dirty="0"/>
+              <a:t>Hibernate, </a:t>
+            </a:r>
+            <a:r>
+              <a:rPr lang="en-US" altLang="zh-TW" dirty="0" err="1"/>
+              <a:t>Toplink</a:t>
             </a:r>
             <a:r>
               <a:rPr lang="en-US" altLang="zh-TW" dirty="0"/>
               <a:t>, </a:t>
             </a:r>
             <a:r>
-              <a:rPr lang="en-US" altLang="zh-TW" dirty="0" err="1" smtClean="0"/>
-              <a:t>Toplink</a:t>
-            </a:r>
-            <a:r>
-              <a:rPr lang="en-US" altLang="zh-TW" dirty="0" smtClean="0"/>
-              <a:t>, </a:t>
-            </a:r>
-            <a:r>
-              <a:rPr lang="en-US" altLang="zh-TW" dirty="0" err="1" smtClean="0"/>
+              <a:rPr lang="en-US" altLang="zh-TW" dirty="0" err="1"/>
               <a:t>EclipseLink</a:t>
             </a:r>
             <a:r>
-              <a:rPr lang="en-US" altLang="zh-TW" dirty="0" smtClean="0"/>
-              <a:t> </a:t>
-            </a:r>
-            <a:r>
-              <a:rPr lang="en-US" altLang="zh-TW" dirty="0"/>
-              <a:t>and Apache </a:t>
+              <a:rPr lang="en-US" altLang="zh-TW" dirty="0"/>
+              <a:t> and Apache </a:t>
             </a:r>
             <a:r>
               <a:rPr lang="en-US" altLang="zh-TW" dirty="0" err="1"/>
@@ -3196,6 +6699,1941 @@
     <p:extLst>
       <p:ext uri="{BB962C8B-B14F-4D97-AF65-F5344CB8AC3E}">
         <p14:creationId xmlns:p14="http://schemas.microsoft.com/office/powerpoint/2010/main" val="2155756706"/>
+      </p:ext>
+    </p:extLst>
+  </p:cSld>
+  <p:clrMapOvr>
+    <a:masterClrMapping/>
+  </p:clrMapOvr>
+</p:sld>
+</file>
+
+<file path=ppt/slides/slide20.xml><?xml version="1.0" encoding="utf-8"?>
+<p:sld xmlns:a="http://schemas.openxmlformats.org/drawingml/2006/main" xmlns:r="http://schemas.openxmlformats.org/officeDocument/2006/relationships" xmlns:p="http://schemas.openxmlformats.org/presentationml/2006/main">
+  <p:cSld>
+    <p:spTree>
+      <p:nvGrpSpPr>
+        <p:cNvPr id="1" name=""/>
+        <p:cNvGrpSpPr/>
+        <p:nvPr/>
+      </p:nvGrpSpPr>
+      <p:grpSpPr>
+        <a:xfrm>
+          <a:off x="0" y="0"/>
+          <a:ext cx="0" cy="0"/>
+          <a:chOff x="0" y="0"/>
+          <a:chExt cx="0" cy="0"/>
+        </a:xfrm>
+      </p:grpSpPr>
+      <p:sp>
+        <p:nvSpPr>
+          <p:cNvPr id="2" name="標題 1">
+            <a:extLst>
+              <a:ext uri="{FF2B5EF4-FFF2-40B4-BE49-F238E27FC236}">
+                <a16:creationId xmlns:a16="http://schemas.microsoft.com/office/drawing/2014/main" id="{5FB31079-188F-4E3E-B1CA-54CA9BB07A77}"/>
+              </a:ext>
+            </a:extLst>
+          </p:cNvPr>
+          <p:cNvSpPr>
+            <a:spLocks noGrp="1"/>
+          </p:cNvSpPr>
+          <p:nvPr>
+            <p:ph type="ctrTitle"/>
+          </p:nvPr>
+        </p:nvSpPr>
+        <p:spPr/>
+        <p:txBody>
+          <a:bodyPr/>
+          <a:lstStyle/>
+          <a:p>
+            <a:r>
+              <a:rPr lang="en-US" altLang="zh-TW" dirty="0"/>
+              <a:t>without persistence.xml</a:t>
+            </a:r>
+            <a:endParaRPr lang="zh-TW" altLang="en-US" dirty="0"/>
+          </a:p>
+        </p:txBody>
+      </p:sp>
+      <p:sp>
+        <p:nvSpPr>
+          <p:cNvPr id="4" name="副標題 3">
+            <a:extLst>
+              <a:ext uri="{FF2B5EF4-FFF2-40B4-BE49-F238E27FC236}">
+                <a16:creationId xmlns:a16="http://schemas.microsoft.com/office/drawing/2014/main" id="{33C06701-5D52-4B97-9B1D-6A22DC49058C}"/>
+              </a:ext>
+            </a:extLst>
+          </p:cNvPr>
+          <p:cNvSpPr>
+            <a:spLocks noGrp="1"/>
+          </p:cNvSpPr>
+          <p:nvPr>
+            <p:ph type="subTitle" idx="1"/>
+          </p:nvPr>
+        </p:nvSpPr>
+        <p:spPr/>
+        <p:txBody>
+          <a:bodyPr/>
+          <a:lstStyle/>
+          <a:p>
+            <a:endParaRPr lang="zh-TW" altLang="en-US"/>
+          </a:p>
+        </p:txBody>
+      </p:sp>
+    </p:spTree>
+    <p:extLst>
+      <p:ext uri="{BB962C8B-B14F-4D97-AF65-F5344CB8AC3E}">
+        <p14:creationId xmlns:p14="http://schemas.microsoft.com/office/powerpoint/2010/main" val="878658014"/>
+      </p:ext>
+    </p:extLst>
+  </p:cSld>
+  <p:clrMapOvr>
+    <a:masterClrMapping/>
+  </p:clrMapOvr>
+</p:sld>
+</file>
+
+<file path=ppt/slides/slide21.xml><?xml version="1.0" encoding="utf-8"?>
+<p:sld xmlns:a="http://schemas.openxmlformats.org/drawingml/2006/main" xmlns:r="http://schemas.openxmlformats.org/officeDocument/2006/relationships" xmlns:p="http://schemas.openxmlformats.org/presentationml/2006/main">
+  <p:cSld>
+    <p:spTree>
+      <p:nvGrpSpPr>
+        <p:cNvPr id="1" name=""/>
+        <p:cNvGrpSpPr/>
+        <p:nvPr/>
+      </p:nvGrpSpPr>
+      <p:grpSpPr>
+        <a:xfrm>
+          <a:off x="0" y="0"/>
+          <a:ext cx="0" cy="0"/>
+          <a:chOff x="0" y="0"/>
+          <a:chExt cx="0" cy="0"/>
+        </a:xfrm>
+      </p:grpSpPr>
+      <p:sp>
+        <p:nvSpPr>
+          <p:cNvPr id="2" name="標題 1">
+            <a:extLst>
+              <a:ext uri="{FF2B5EF4-FFF2-40B4-BE49-F238E27FC236}">
+                <a16:creationId xmlns:a16="http://schemas.microsoft.com/office/drawing/2014/main" id="{ABF68C2A-AFB6-463F-A9BD-EFA781DC492D}"/>
+              </a:ext>
+            </a:extLst>
+          </p:cNvPr>
+          <p:cNvSpPr>
+            <a:spLocks noGrp="1"/>
+          </p:cNvSpPr>
+          <p:nvPr>
+            <p:ph type="title"/>
+          </p:nvPr>
+        </p:nvSpPr>
+        <p:spPr/>
+        <p:txBody>
+          <a:bodyPr/>
+          <a:lstStyle/>
+          <a:p>
+            <a:r>
+              <a:rPr lang="en-US" altLang="zh-TW" dirty="0"/>
+              <a:t>Spring configuration</a:t>
+            </a:r>
+            <a:r>
+              <a:rPr lang="zh-TW" altLang="en-US" dirty="0"/>
+              <a:t> </a:t>
+            </a:r>
+            <a:r>
+              <a:rPr lang="en-US" altLang="zh-TW" dirty="0"/>
+              <a:t>example</a:t>
+            </a:r>
+            <a:endParaRPr lang="zh-TW" altLang="en-US" dirty="0"/>
+          </a:p>
+        </p:txBody>
+      </p:sp>
+      <p:sp>
+        <p:nvSpPr>
+          <p:cNvPr id="3" name="內容版面配置區 2">
+            <a:extLst>
+              <a:ext uri="{FF2B5EF4-FFF2-40B4-BE49-F238E27FC236}">
+                <a16:creationId xmlns:a16="http://schemas.microsoft.com/office/drawing/2014/main" id="{EB3148AC-0992-47F8-9435-275B95E6D987}"/>
+              </a:ext>
+            </a:extLst>
+          </p:cNvPr>
+          <p:cNvSpPr>
+            <a:spLocks noGrp="1"/>
+          </p:cNvSpPr>
+          <p:nvPr>
+            <p:ph idx="1"/>
+          </p:nvPr>
+        </p:nvSpPr>
+        <p:spPr/>
+        <p:txBody>
+          <a:bodyPr/>
+          <a:lstStyle/>
+          <a:p>
+            <a:r>
+              <a:rPr lang="en-US" altLang="zh-TW" dirty="0"/>
+              <a:t>Spring configuration</a:t>
+            </a:r>
+            <a:endParaRPr lang="zh-TW" altLang="en-US" dirty="0"/>
+          </a:p>
+        </p:txBody>
+      </p:sp>
+      <p:sp>
+        <p:nvSpPr>
+          <p:cNvPr id="4" name="矩形 3">
+            <a:extLst>
+              <a:ext uri="{FF2B5EF4-FFF2-40B4-BE49-F238E27FC236}">
+                <a16:creationId xmlns:a16="http://schemas.microsoft.com/office/drawing/2014/main" id="{7A86969E-7511-4F7E-A599-BF9C429F9137}"/>
+              </a:ext>
+            </a:extLst>
+          </p:cNvPr>
+          <p:cNvSpPr/>
+          <p:nvPr/>
+        </p:nvSpPr>
+        <p:spPr>
+          <a:xfrm>
+            <a:off x="838200" y="2348280"/>
+            <a:ext cx="10931562" cy="4401205"/>
+          </a:xfrm>
+          <a:prstGeom prst="rect">
+            <a:avLst/>
+          </a:prstGeom>
+        </p:spPr>
+        <p:txBody>
+          <a:bodyPr wrap="square">
+            <a:spAutoFit/>
+          </a:bodyPr>
+          <a:lstStyle/>
+          <a:p>
+            <a:r>
+              <a:rPr lang="en-US" altLang="zh-TW" sz="1400" dirty="0">
+                <a:solidFill>
+                  <a:srgbClr val="008080"/>
+                </a:solidFill>
+                <a:latin typeface="Consolas" panose="020B0609020204030204" pitchFamily="49" charset="0"/>
+              </a:rPr>
+              <a:t>&lt;</a:t>
+            </a:r>
+            <a:r>
+              <a:rPr lang="en-US" altLang="zh-TW" sz="1400" dirty="0">
+                <a:solidFill>
+                  <a:srgbClr val="3F7F7F"/>
+                </a:solidFill>
+                <a:latin typeface="Consolas" panose="020B0609020204030204" pitchFamily="49" charset="0"/>
+              </a:rPr>
+              <a:t>bean </a:t>
+            </a:r>
+            <a:r>
+              <a:rPr lang="en-US" altLang="zh-TW" sz="1400" dirty="0">
+                <a:solidFill>
+                  <a:srgbClr val="7F007F"/>
+                </a:solidFill>
+                <a:latin typeface="Consolas" panose="020B0609020204030204" pitchFamily="49" charset="0"/>
+              </a:rPr>
+              <a:t>id</a:t>
+            </a:r>
+            <a:r>
+              <a:rPr lang="en-US" altLang="zh-TW" sz="1400" dirty="0">
+                <a:solidFill>
+                  <a:srgbClr val="000000"/>
+                </a:solidFill>
+                <a:latin typeface="Consolas" panose="020B0609020204030204" pitchFamily="49" charset="0"/>
+              </a:rPr>
+              <a:t>=</a:t>
+            </a:r>
+            <a:r>
+              <a:rPr lang="en-US" altLang="zh-TW" sz="1400" i="1" dirty="0">
+                <a:solidFill>
+                  <a:srgbClr val="2A00FF"/>
+                </a:solidFill>
+                <a:latin typeface="Consolas" panose="020B0609020204030204" pitchFamily="49" charset="0"/>
+              </a:rPr>
+              <a:t>"</a:t>
+            </a:r>
+            <a:r>
+              <a:rPr lang="en-US" altLang="zh-TW" sz="1400" i="1" dirty="0" err="1">
+                <a:solidFill>
+                  <a:srgbClr val="2A00FF"/>
+                </a:solidFill>
+                <a:latin typeface="Consolas" panose="020B0609020204030204" pitchFamily="49" charset="0"/>
+              </a:rPr>
+              <a:t>entityManagerFactory</a:t>
+            </a:r>
+            <a:r>
+              <a:rPr lang="en-US" altLang="zh-TW" sz="1400" i="1" dirty="0">
+                <a:solidFill>
+                  <a:srgbClr val="2A00FF"/>
+                </a:solidFill>
+                <a:latin typeface="Consolas" panose="020B0609020204030204" pitchFamily="49" charset="0"/>
+              </a:rPr>
+              <a:t>" </a:t>
+            </a:r>
+            <a:r>
+              <a:rPr lang="en-US" altLang="zh-TW" sz="1400" i="1" dirty="0">
+                <a:solidFill>
+                  <a:srgbClr val="7F007F"/>
+                </a:solidFill>
+                <a:latin typeface="Consolas" panose="020B0609020204030204" pitchFamily="49" charset="0"/>
+              </a:rPr>
+              <a:t>class</a:t>
+            </a:r>
+            <a:r>
+              <a:rPr lang="en-US" altLang="zh-TW" sz="1400" i="1" dirty="0">
+                <a:solidFill>
+                  <a:srgbClr val="000000"/>
+                </a:solidFill>
+                <a:latin typeface="Consolas" panose="020B0609020204030204" pitchFamily="49" charset="0"/>
+              </a:rPr>
+              <a:t>=</a:t>
+            </a:r>
+            <a:r>
+              <a:rPr lang="en-US" altLang="zh-TW" sz="1400" i="1" dirty="0">
+                <a:solidFill>
+                  <a:srgbClr val="2A00FF"/>
+                </a:solidFill>
+                <a:latin typeface="Consolas" panose="020B0609020204030204" pitchFamily="49" charset="0"/>
+              </a:rPr>
+              <a:t>"org.springframework.orm.jpa.LocalContainerEntityManagerFactoryBean"</a:t>
+            </a:r>
+            <a:r>
+              <a:rPr lang="en-US" altLang="zh-TW" sz="1400" i="1" dirty="0">
+                <a:solidFill>
+                  <a:srgbClr val="008080"/>
+                </a:solidFill>
+                <a:latin typeface="Consolas" panose="020B0609020204030204" pitchFamily="49" charset="0"/>
+              </a:rPr>
+              <a:t>&gt;</a:t>
+            </a:r>
+          </a:p>
+          <a:p>
+            <a:r>
+              <a:rPr lang="en-US" altLang="zh-TW" sz="1400" dirty="0">
+                <a:solidFill>
+                  <a:srgbClr val="008080"/>
+                </a:solidFill>
+                <a:latin typeface="Consolas" panose="020B0609020204030204" pitchFamily="49" charset="0"/>
+              </a:rPr>
+              <a:t>    &lt;</a:t>
+            </a:r>
+            <a:r>
+              <a:rPr lang="en-US" altLang="zh-TW" sz="1400" dirty="0">
+                <a:solidFill>
+                  <a:srgbClr val="3F7F7F"/>
+                </a:solidFill>
+                <a:latin typeface="Consolas" panose="020B0609020204030204" pitchFamily="49" charset="0"/>
+              </a:rPr>
+              <a:t>property </a:t>
+            </a:r>
+            <a:r>
+              <a:rPr lang="en-US" altLang="zh-TW" sz="1400" dirty="0">
+                <a:solidFill>
+                  <a:srgbClr val="7F007F"/>
+                </a:solidFill>
+                <a:latin typeface="Consolas" panose="020B0609020204030204" pitchFamily="49" charset="0"/>
+              </a:rPr>
+              <a:t>name</a:t>
+            </a:r>
+            <a:r>
+              <a:rPr lang="en-US" altLang="zh-TW" sz="1400" dirty="0">
+                <a:solidFill>
+                  <a:srgbClr val="000000"/>
+                </a:solidFill>
+                <a:latin typeface="Consolas" panose="020B0609020204030204" pitchFamily="49" charset="0"/>
+              </a:rPr>
+              <a:t>=</a:t>
+            </a:r>
+            <a:r>
+              <a:rPr lang="en-US" altLang="zh-TW" sz="1400" i="1" dirty="0">
+                <a:solidFill>
+                  <a:srgbClr val="2A00FF"/>
+                </a:solidFill>
+                <a:latin typeface="Consolas" panose="020B0609020204030204" pitchFamily="49" charset="0"/>
+              </a:rPr>
+              <a:t>"</a:t>
+            </a:r>
+            <a:r>
+              <a:rPr lang="en-US" altLang="zh-TW" sz="1400" i="1" dirty="0" err="1">
+                <a:solidFill>
+                  <a:srgbClr val="2A00FF"/>
+                </a:solidFill>
+                <a:latin typeface="Consolas" panose="020B0609020204030204" pitchFamily="49" charset="0"/>
+              </a:rPr>
+              <a:t>dataSource</a:t>
+            </a:r>
+            <a:r>
+              <a:rPr lang="en-US" altLang="zh-TW" sz="1400" i="1" dirty="0">
+                <a:solidFill>
+                  <a:srgbClr val="2A00FF"/>
+                </a:solidFill>
+                <a:latin typeface="Consolas" panose="020B0609020204030204" pitchFamily="49" charset="0"/>
+              </a:rPr>
+              <a:t>" </a:t>
+            </a:r>
+            <a:r>
+              <a:rPr lang="en-US" altLang="zh-TW" sz="1400" i="1" dirty="0">
+                <a:solidFill>
+                  <a:srgbClr val="7F007F"/>
+                </a:solidFill>
+                <a:latin typeface="Consolas" panose="020B0609020204030204" pitchFamily="49" charset="0"/>
+              </a:rPr>
+              <a:t>ref</a:t>
+            </a:r>
+            <a:r>
+              <a:rPr lang="en-US" altLang="zh-TW" sz="1400" i="1" dirty="0">
+                <a:solidFill>
+                  <a:srgbClr val="000000"/>
+                </a:solidFill>
+                <a:latin typeface="Consolas" panose="020B0609020204030204" pitchFamily="49" charset="0"/>
+              </a:rPr>
+              <a:t>=</a:t>
+            </a:r>
+            <a:r>
+              <a:rPr lang="en-US" altLang="zh-TW" sz="1400" i="1" dirty="0">
+                <a:solidFill>
+                  <a:srgbClr val="2A00FF"/>
+                </a:solidFill>
+                <a:latin typeface="Consolas" panose="020B0609020204030204" pitchFamily="49" charset="0"/>
+              </a:rPr>
+              <a:t>"</a:t>
+            </a:r>
+            <a:r>
+              <a:rPr lang="en-US" altLang="zh-TW" sz="1400" i="1" dirty="0" err="1">
+                <a:solidFill>
+                  <a:srgbClr val="2A00FF"/>
+                </a:solidFill>
+                <a:latin typeface="Consolas" panose="020B0609020204030204" pitchFamily="49" charset="0"/>
+              </a:rPr>
+              <a:t>dataSource</a:t>
+            </a:r>
+            <a:r>
+              <a:rPr lang="en-US" altLang="zh-TW" sz="1400" i="1" dirty="0">
+                <a:solidFill>
+                  <a:srgbClr val="2A00FF"/>
+                </a:solidFill>
+                <a:latin typeface="Consolas" panose="020B0609020204030204" pitchFamily="49" charset="0"/>
+              </a:rPr>
+              <a:t>" </a:t>
+            </a:r>
+            <a:r>
+              <a:rPr lang="en-US" altLang="zh-TW" sz="1400" i="1" dirty="0">
+                <a:solidFill>
+                  <a:srgbClr val="008080"/>
+                </a:solidFill>
+                <a:latin typeface="Consolas" panose="020B0609020204030204" pitchFamily="49" charset="0"/>
+              </a:rPr>
+              <a:t>/&gt;</a:t>
+            </a:r>
+          </a:p>
+          <a:p>
+            <a:r>
+              <a:rPr lang="en-US" altLang="zh-TW" sz="1400" dirty="0">
+                <a:solidFill>
+                  <a:srgbClr val="008080"/>
+                </a:solidFill>
+                <a:latin typeface="Consolas" panose="020B0609020204030204" pitchFamily="49" charset="0"/>
+              </a:rPr>
+              <a:t>    &lt;</a:t>
+            </a:r>
+            <a:r>
+              <a:rPr lang="en-US" altLang="zh-TW" sz="1400" dirty="0">
+                <a:solidFill>
+                  <a:srgbClr val="3F7F7F"/>
+                </a:solidFill>
+                <a:latin typeface="Consolas" panose="020B0609020204030204" pitchFamily="49" charset="0"/>
+              </a:rPr>
+              <a:t>property </a:t>
+            </a:r>
+            <a:r>
+              <a:rPr lang="en-US" altLang="zh-TW" sz="1400" dirty="0">
+                <a:solidFill>
+                  <a:srgbClr val="7F007F"/>
+                </a:solidFill>
+                <a:latin typeface="Consolas" panose="020B0609020204030204" pitchFamily="49" charset="0"/>
+              </a:rPr>
+              <a:t>name</a:t>
+            </a:r>
+            <a:r>
+              <a:rPr lang="en-US" altLang="zh-TW" sz="1400" dirty="0">
+                <a:solidFill>
+                  <a:srgbClr val="000000"/>
+                </a:solidFill>
+                <a:latin typeface="Consolas" panose="020B0609020204030204" pitchFamily="49" charset="0"/>
+              </a:rPr>
+              <a:t>=</a:t>
+            </a:r>
+            <a:r>
+              <a:rPr lang="en-US" altLang="zh-TW" sz="1400" i="1" dirty="0">
+                <a:solidFill>
+                  <a:srgbClr val="2A00FF"/>
+                </a:solidFill>
+                <a:latin typeface="Consolas" panose="020B0609020204030204" pitchFamily="49" charset="0"/>
+              </a:rPr>
+              <a:t>"</a:t>
+            </a:r>
+            <a:r>
+              <a:rPr lang="en-US" altLang="zh-TW" sz="1400" i="1" dirty="0" err="1">
+                <a:solidFill>
+                  <a:srgbClr val="2A00FF"/>
+                </a:solidFill>
+                <a:latin typeface="Consolas" panose="020B0609020204030204" pitchFamily="49" charset="0"/>
+              </a:rPr>
+              <a:t>packagesToScan</a:t>
+            </a:r>
+            <a:r>
+              <a:rPr lang="en-US" altLang="zh-TW" sz="1400" i="1" dirty="0">
+                <a:solidFill>
+                  <a:srgbClr val="2A00FF"/>
+                </a:solidFill>
+                <a:latin typeface="Consolas" panose="020B0609020204030204" pitchFamily="49" charset="0"/>
+              </a:rPr>
+              <a:t>" </a:t>
+            </a:r>
+            <a:r>
+              <a:rPr lang="en-US" altLang="zh-TW" sz="1400" i="1" dirty="0">
+                <a:solidFill>
+                  <a:srgbClr val="7F007F"/>
+                </a:solidFill>
+                <a:latin typeface="Consolas" panose="020B0609020204030204" pitchFamily="49" charset="0"/>
+              </a:rPr>
+              <a:t>value</a:t>
+            </a:r>
+            <a:r>
+              <a:rPr lang="en-US" altLang="zh-TW" sz="1400" i="1" dirty="0">
+                <a:solidFill>
+                  <a:srgbClr val="000000"/>
+                </a:solidFill>
+                <a:latin typeface="Consolas" panose="020B0609020204030204" pitchFamily="49" charset="0"/>
+              </a:rPr>
+              <a:t>=</a:t>
+            </a:r>
+            <a:r>
+              <a:rPr lang="en-US" altLang="zh-TW" sz="1400" i="1" dirty="0">
+                <a:solidFill>
+                  <a:srgbClr val="2A00FF"/>
+                </a:solidFill>
+                <a:latin typeface="Consolas" panose="020B0609020204030204" pitchFamily="49" charset="0"/>
+              </a:rPr>
+              <a:t>“</a:t>
+            </a:r>
+            <a:r>
+              <a:rPr lang="en-US" altLang="zh-TW" sz="1400" i="1" dirty="0" err="1">
+                <a:solidFill>
+                  <a:srgbClr val="2A00FF"/>
+                </a:solidFill>
+                <a:latin typeface="Consolas" panose="020B0609020204030204" pitchFamily="49" charset="0"/>
+              </a:rPr>
+              <a:t>my.test.model</a:t>
+            </a:r>
+            <a:r>
+              <a:rPr lang="en-US" altLang="zh-TW" sz="1400" i="1" dirty="0">
+                <a:solidFill>
+                  <a:srgbClr val="2A00FF"/>
+                </a:solidFill>
+                <a:latin typeface="Consolas" panose="020B0609020204030204" pitchFamily="49" charset="0"/>
+              </a:rPr>
+              <a:t>" </a:t>
+            </a:r>
+            <a:r>
+              <a:rPr lang="en-US" altLang="zh-TW" sz="1400" i="1" dirty="0">
+                <a:solidFill>
+                  <a:srgbClr val="008080"/>
+                </a:solidFill>
+                <a:latin typeface="Consolas" panose="020B0609020204030204" pitchFamily="49" charset="0"/>
+              </a:rPr>
+              <a:t>/&gt;</a:t>
+            </a:r>
+          </a:p>
+          <a:p>
+            <a:r>
+              <a:rPr lang="en-US" altLang="zh-TW" sz="1400" dirty="0">
+                <a:solidFill>
+                  <a:srgbClr val="008080"/>
+                </a:solidFill>
+                <a:latin typeface="Consolas" panose="020B0609020204030204" pitchFamily="49" charset="0"/>
+              </a:rPr>
+              <a:t>    &lt;</a:t>
+            </a:r>
+            <a:r>
+              <a:rPr lang="en-US" altLang="zh-TW" sz="1400" dirty="0">
+                <a:solidFill>
+                  <a:srgbClr val="3F7F7F"/>
+                </a:solidFill>
+                <a:latin typeface="Consolas" panose="020B0609020204030204" pitchFamily="49" charset="0"/>
+              </a:rPr>
+              <a:t>property </a:t>
+            </a:r>
+            <a:r>
+              <a:rPr lang="en-US" altLang="zh-TW" sz="1400" dirty="0">
+                <a:solidFill>
+                  <a:srgbClr val="7F007F"/>
+                </a:solidFill>
+                <a:latin typeface="Consolas" panose="020B0609020204030204" pitchFamily="49" charset="0"/>
+              </a:rPr>
+              <a:t>name</a:t>
+            </a:r>
+            <a:r>
+              <a:rPr lang="en-US" altLang="zh-TW" sz="1400" dirty="0">
+                <a:solidFill>
+                  <a:srgbClr val="000000"/>
+                </a:solidFill>
+                <a:latin typeface="Consolas" panose="020B0609020204030204" pitchFamily="49" charset="0"/>
+              </a:rPr>
+              <a:t>=</a:t>
+            </a:r>
+            <a:r>
+              <a:rPr lang="en-US" altLang="zh-TW" sz="1400" i="1" dirty="0">
+                <a:solidFill>
+                  <a:srgbClr val="2A00FF"/>
+                </a:solidFill>
+                <a:latin typeface="Consolas" panose="020B0609020204030204" pitchFamily="49" charset="0"/>
+              </a:rPr>
+              <a:t>"</a:t>
+            </a:r>
+            <a:r>
+              <a:rPr lang="en-US" altLang="zh-TW" sz="1400" i="1" dirty="0" err="1">
+                <a:solidFill>
+                  <a:srgbClr val="2A00FF"/>
+                </a:solidFill>
+                <a:latin typeface="Consolas" panose="020B0609020204030204" pitchFamily="49" charset="0"/>
+              </a:rPr>
+              <a:t>jpaVendorAdapter</a:t>
+            </a:r>
+            <a:r>
+              <a:rPr lang="en-US" altLang="zh-TW" sz="1400" i="1" dirty="0">
+                <a:solidFill>
+                  <a:srgbClr val="2A00FF"/>
+                </a:solidFill>
+                <a:latin typeface="Consolas" panose="020B0609020204030204" pitchFamily="49" charset="0"/>
+              </a:rPr>
+              <a:t>"</a:t>
+            </a:r>
+            <a:r>
+              <a:rPr lang="en-US" altLang="zh-TW" sz="1400" i="1" dirty="0">
+                <a:solidFill>
+                  <a:srgbClr val="008080"/>
+                </a:solidFill>
+                <a:latin typeface="Consolas" panose="020B0609020204030204" pitchFamily="49" charset="0"/>
+              </a:rPr>
+              <a:t>&gt;</a:t>
+            </a:r>
+          </a:p>
+          <a:p>
+            <a:r>
+              <a:rPr lang="en-US" altLang="zh-TW" sz="1400" dirty="0">
+                <a:solidFill>
+                  <a:srgbClr val="008080"/>
+                </a:solidFill>
+                <a:latin typeface="Consolas" panose="020B0609020204030204" pitchFamily="49" charset="0"/>
+              </a:rPr>
+              <a:t>        &lt;</a:t>
+            </a:r>
+            <a:r>
+              <a:rPr lang="en-US" altLang="zh-TW" sz="1400" dirty="0">
+                <a:solidFill>
+                  <a:srgbClr val="3F7F7F"/>
+                </a:solidFill>
+                <a:latin typeface="Consolas" panose="020B0609020204030204" pitchFamily="49" charset="0"/>
+              </a:rPr>
+              <a:t>bean </a:t>
+            </a:r>
+            <a:r>
+              <a:rPr lang="en-US" altLang="zh-TW" sz="1400" dirty="0">
+                <a:solidFill>
+                  <a:srgbClr val="7F007F"/>
+                </a:solidFill>
+                <a:latin typeface="Consolas" panose="020B0609020204030204" pitchFamily="49" charset="0"/>
+              </a:rPr>
+              <a:t>class</a:t>
+            </a:r>
+            <a:r>
+              <a:rPr lang="en-US" altLang="zh-TW" sz="1400" dirty="0">
+                <a:solidFill>
+                  <a:srgbClr val="000000"/>
+                </a:solidFill>
+                <a:latin typeface="Consolas" panose="020B0609020204030204" pitchFamily="49" charset="0"/>
+              </a:rPr>
+              <a:t>=</a:t>
+            </a:r>
+            <a:r>
+              <a:rPr lang="en-US" altLang="zh-TW" sz="1400" i="1" dirty="0">
+                <a:solidFill>
+                  <a:srgbClr val="2A00FF"/>
+                </a:solidFill>
+                <a:latin typeface="Consolas" panose="020B0609020204030204" pitchFamily="49" charset="0"/>
+              </a:rPr>
+              <a:t>"</a:t>
+            </a:r>
+            <a:r>
+              <a:rPr lang="en-US" altLang="zh-TW" sz="1400" i="1" dirty="0" err="1">
+                <a:solidFill>
+                  <a:srgbClr val="2A00FF"/>
+                </a:solidFill>
+                <a:latin typeface="Consolas" panose="020B0609020204030204" pitchFamily="49" charset="0"/>
+              </a:rPr>
+              <a:t>org.springframework.orm.jpa.vendor.HibernateJpaVendorAdapter</a:t>
+            </a:r>
+            <a:r>
+              <a:rPr lang="en-US" altLang="zh-TW" sz="1400" i="1" dirty="0">
+                <a:solidFill>
+                  <a:srgbClr val="2A00FF"/>
+                </a:solidFill>
+                <a:latin typeface="Consolas" panose="020B0609020204030204" pitchFamily="49" charset="0"/>
+              </a:rPr>
+              <a:t>" </a:t>
+            </a:r>
+            <a:r>
+              <a:rPr lang="en-US" altLang="zh-TW" sz="1400" i="1" dirty="0">
+                <a:solidFill>
+                  <a:srgbClr val="008080"/>
+                </a:solidFill>
+                <a:latin typeface="Consolas" panose="020B0609020204030204" pitchFamily="49" charset="0"/>
+              </a:rPr>
+              <a:t>/&gt;</a:t>
+            </a:r>
+          </a:p>
+          <a:p>
+            <a:r>
+              <a:rPr lang="en-US" altLang="zh-TW" sz="1400" dirty="0">
+                <a:solidFill>
+                  <a:srgbClr val="008080"/>
+                </a:solidFill>
+                <a:latin typeface="Consolas" panose="020B0609020204030204" pitchFamily="49" charset="0"/>
+              </a:rPr>
+              <a:t>    &lt;/</a:t>
+            </a:r>
+            <a:r>
+              <a:rPr lang="en-US" altLang="zh-TW" sz="1400" dirty="0">
+                <a:solidFill>
+                  <a:srgbClr val="3F7F7F"/>
+                </a:solidFill>
+                <a:latin typeface="Consolas" panose="020B0609020204030204" pitchFamily="49" charset="0"/>
+              </a:rPr>
+              <a:t>property</a:t>
+            </a:r>
+            <a:r>
+              <a:rPr lang="en-US" altLang="zh-TW" sz="1400" dirty="0">
+                <a:solidFill>
+                  <a:srgbClr val="008080"/>
+                </a:solidFill>
+                <a:latin typeface="Consolas" panose="020B0609020204030204" pitchFamily="49" charset="0"/>
+              </a:rPr>
+              <a:t>&gt;</a:t>
+            </a:r>
+          </a:p>
+          <a:p>
+            <a:r>
+              <a:rPr lang="en-US" altLang="zh-TW" sz="1400" dirty="0">
+                <a:solidFill>
+                  <a:srgbClr val="008080"/>
+                </a:solidFill>
+                <a:latin typeface="Consolas" panose="020B0609020204030204" pitchFamily="49" charset="0"/>
+              </a:rPr>
+              <a:t>    &lt;</a:t>
+            </a:r>
+            <a:r>
+              <a:rPr lang="en-US" altLang="zh-TW" sz="1400" dirty="0">
+                <a:solidFill>
+                  <a:srgbClr val="3F7F7F"/>
+                </a:solidFill>
+                <a:latin typeface="Consolas" panose="020B0609020204030204" pitchFamily="49" charset="0"/>
+              </a:rPr>
+              <a:t>property </a:t>
+            </a:r>
+            <a:r>
+              <a:rPr lang="en-US" altLang="zh-TW" sz="1400" dirty="0">
+                <a:solidFill>
+                  <a:srgbClr val="7F007F"/>
+                </a:solidFill>
+                <a:latin typeface="Consolas" panose="020B0609020204030204" pitchFamily="49" charset="0"/>
+              </a:rPr>
+              <a:t>name</a:t>
+            </a:r>
+            <a:r>
+              <a:rPr lang="en-US" altLang="zh-TW" sz="1400" dirty="0">
+                <a:solidFill>
+                  <a:srgbClr val="000000"/>
+                </a:solidFill>
+                <a:latin typeface="Consolas" panose="020B0609020204030204" pitchFamily="49" charset="0"/>
+              </a:rPr>
+              <a:t>=</a:t>
+            </a:r>
+            <a:r>
+              <a:rPr lang="en-US" altLang="zh-TW" sz="1400" i="1" dirty="0">
+                <a:solidFill>
+                  <a:srgbClr val="2A00FF"/>
+                </a:solidFill>
+                <a:latin typeface="Consolas" panose="020B0609020204030204" pitchFamily="49" charset="0"/>
+              </a:rPr>
+              <a:t>"</a:t>
+            </a:r>
+            <a:r>
+              <a:rPr lang="en-US" altLang="zh-TW" sz="1400" i="1" dirty="0" err="1">
+                <a:solidFill>
+                  <a:srgbClr val="2A00FF"/>
+                </a:solidFill>
+                <a:latin typeface="Consolas" panose="020B0609020204030204" pitchFamily="49" charset="0"/>
+              </a:rPr>
+              <a:t>jpaProperties</a:t>
+            </a:r>
+            <a:r>
+              <a:rPr lang="en-US" altLang="zh-TW" sz="1400" i="1" dirty="0">
+                <a:solidFill>
+                  <a:srgbClr val="2A00FF"/>
+                </a:solidFill>
+                <a:latin typeface="Consolas" panose="020B0609020204030204" pitchFamily="49" charset="0"/>
+              </a:rPr>
+              <a:t>"</a:t>
+            </a:r>
+            <a:r>
+              <a:rPr lang="en-US" altLang="zh-TW" sz="1400" i="1" dirty="0">
+                <a:solidFill>
+                  <a:srgbClr val="008080"/>
+                </a:solidFill>
+                <a:latin typeface="Consolas" panose="020B0609020204030204" pitchFamily="49" charset="0"/>
+              </a:rPr>
+              <a:t>&gt;</a:t>
+            </a:r>
+          </a:p>
+          <a:p>
+            <a:r>
+              <a:rPr lang="en-US" altLang="zh-TW" sz="1400" dirty="0">
+                <a:solidFill>
+                  <a:srgbClr val="008080"/>
+                </a:solidFill>
+                <a:latin typeface="Consolas" panose="020B0609020204030204" pitchFamily="49" charset="0"/>
+              </a:rPr>
+              <a:t>        &lt;</a:t>
+            </a:r>
+            <a:r>
+              <a:rPr lang="en-US" altLang="zh-TW" sz="1400" dirty="0">
+                <a:solidFill>
+                  <a:srgbClr val="3F7F7F"/>
+                </a:solidFill>
+                <a:latin typeface="Consolas" panose="020B0609020204030204" pitchFamily="49" charset="0"/>
+              </a:rPr>
+              <a:t>props</a:t>
+            </a:r>
+            <a:r>
+              <a:rPr lang="en-US" altLang="zh-TW" sz="1400" dirty="0">
+                <a:solidFill>
+                  <a:srgbClr val="008080"/>
+                </a:solidFill>
+                <a:latin typeface="Consolas" panose="020B0609020204030204" pitchFamily="49" charset="0"/>
+              </a:rPr>
+              <a:t>&gt;</a:t>
+            </a:r>
+          </a:p>
+          <a:p>
+            <a:r>
+              <a:rPr lang="en-US" altLang="zh-TW" sz="1400" dirty="0">
+                <a:solidFill>
+                  <a:srgbClr val="008080"/>
+                </a:solidFill>
+                <a:latin typeface="Consolas" panose="020B0609020204030204" pitchFamily="49" charset="0"/>
+              </a:rPr>
+              <a:t>            &lt;</a:t>
+            </a:r>
+            <a:r>
+              <a:rPr lang="en-US" altLang="zh-TW" sz="1400" dirty="0">
+                <a:solidFill>
+                  <a:srgbClr val="3F7F7F"/>
+                </a:solidFill>
+                <a:latin typeface="Consolas" panose="020B0609020204030204" pitchFamily="49" charset="0"/>
+              </a:rPr>
+              <a:t>prop </a:t>
+            </a:r>
+            <a:r>
+              <a:rPr lang="en-US" altLang="zh-TW" sz="1400" dirty="0">
+                <a:solidFill>
+                  <a:srgbClr val="7F007F"/>
+                </a:solidFill>
+                <a:latin typeface="Consolas" panose="020B0609020204030204" pitchFamily="49" charset="0"/>
+              </a:rPr>
+              <a:t>key</a:t>
+            </a:r>
+            <a:r>
+              <a:rPr lang="en-US" altLang="zh-TW" sz="1400" dirty="0">
+                <a:solidFill>
+                  <a:srgbClr val="000000"/>
+                </a:solidFill>
+                <a:latin typeface="Consolas" panose="020B0609020204030204" pitchFamily="49" charset="0"/>
+              </a:rPr>
+              <a:t>=</a:t>
+            </a:r>
+            <a:r>
+              <a:rPr lang="en-US" altLang="zh-TW" sz="1400" i="1" dirty="0">
+                <a:solidFill>
+                  <a:srgbClr val="2A00FF"/>
+                </a:solidFill>
+                <a:latin typeface="Consolas" panose="020B0609020204030204" pitchFamily="49" charset="0"/>
+              </a:rPr>
+              <a:t>"</a:t>
+            </a:r>
+            <a:r>
+              <a:rPr lang="en-US" altLang="zh-TW" sz="1400" i="1" dirty="0" err="1">
+                <a:solidFill>
+                  <a:srgbClr val="2A00FF"/>
+                </a:solidFill>
+                <a:latin typeface="Consolas" panose="020B0609020204030204" pitchFamily="49" charset="0"/>
+              </a:rPr>
+              <a:t>hibernate.dialect</a:t>
+            </a:r>
+            <a:r>
+              <a:rPr lang="en-US" altLang="zh-TW" sz="1400" i="1" dirty="0">
+                <a:solidFill>
+                  <a:srgbClr val="2A00FF"/>
+                </a:solidFill>
+                <a:latin typeface="Consolas" panose="020B0609020204030204" pitchFamily="49" charset="0"/>
+              </a:rPr>
+              <a:t>"</a:t>
+            </a:r>
+            <a:r>
+              <a:rPr lang="en-US" altLang="zh-TW" sz="1400" i="1" dirty="0">
+                <a:solidFill>
+                  <a:srgbClr val="008080"/>
+                </a:solidFill>
+                <a:latin typeface="Consolas" panose="020B0609020204030204" pitchFamily="49" charset="0"/>
+              </a:rPr>
+              <a:t>&gt;</a:t>
+            </a:r>
+            <a:r>
+              <a:rPr lang="en-US" altLang="zh-TW" sz="1400" i="1" dirty="0" err="1">
+                <a:solidFill>
+                  <a:srgbClr val="000000"/>
+                </a:solidFill>
+                <a:latin typeface="Consolas" panose="020B0609020204030204" pitchFamily="49" charset="0"/>
+              </a:rPr>
+              <a:t>org.hibernate.dialect.PostgreSQLDialect</a:t>
+            </a:r>
+            <a:r>
+              <a:rPr lang="en-US" altLang="zh-TW" sz="1400" i="1" dirty="0">
+                <a:solidFill>
+                  <a:srgbClr val="008080"/>
+                </a:solidFill>
+                <a:latin typeface="Consolas" panose="020B0609020204030204" pitchFamily="49" charset="0"/>
+              </a:rPr>
+              <a:t>&lt;/</a:t>
+            </a:r>
+            <a:r>
+              <a:rPr lang="en-US" altLang="zh-TW" sz="1400" i="1" dirty="0">
+                <a:solidFill>
+                  <a:srgbClr val="3F7F7F"/>
+                </a:solidFill>
+                <a:latin typeface="Consolas" panose="020B0609020204030204" pitchFamily="49" charset="0"/>
+              </a:rPr>
+              <a:t>prop</a:t>
+            </a:r>
+            <a:r>
+              <a:rPr lang="en-US" altLang="zh-TW" sz="1400" i="1" dirty="0">
+                <a:solidFill>
+                  <a:srgbClr val="008080"/>
+                </a:solidFill>
+                <a:latin typeface="Consolas" panose="020B0609020204030204" pitchFamily="49" charset="0"/>
+              </a:rPr>
+              <a:t>&gt;</a:t>
+            </a:r>
+          </a:p>
+          <a:p>
+            <a:r>
+              <a:rPr lang="en-US" altLang="zh-TW" sz="1400" dirty="0">
+                <a:solidFill>
+                  <a:srgbClr val="008080"/>
+                </a:solidFill>
+                <a:latin typeface="Consolas" panose="020B0609020204030204" pitchFamily="49" charset="0"/>
+              </a:rPr>
+              <a:t>            &lt;</a:t>
+            </a:r>
+            <a:r>
+              <a:rPr lang="en-US" altLang="zh-TW" sz="1400" dirty="0">
+                <a:solidFill>
+                  <a:srgbClr val="3F7F7F"/>
+                </a:solidFill>
+                <a:latin typeface="Consolas" panose="020B0609020204030204" pitchFamily="49" charset="0"/>
+              </a:rPr>
+              <a:t>prop </a:t>
+            </a:r>
+            <a:r>
+              <a:rPr lang="en-US" altLang="zh-TW" sz="1400" dirty="0">
+                <a:solidFill>
+                  <a:srgbClr val="7F007F"/>
+                </a:solidFill>
+                <a:latin typeface="Consolas" panose="020B0609020204030204" pitchFamily="49" charset="0"/>
+              </a:rPr>
+              <a:t>key</a:t>
+            </a:r>
+            <a:r>
+              <a:rPr lang="en-US" altLang="zh-TW" sz="1400" dirty="0">
+                <a:solidFill>
+                  <a:srgbClr val="000000"/>
+                </a:solidFill>
+                <a:latin typeface="Consolas" panose="020B0609020204030204" pitchFamily="49" charset="0"/>
+              </a:rPr>
+              <a:t>=</a:t>
+            </a:r>
+            <a:r>
+              <a:rPr lang="en-US" altLang="zh-TW" sz="1400" i="1" dirty="0">
+                <a:solidFill>
+                  <a:srgbClr val="2A00FF"/>
+                </a:solidFill>
+                <a:latin typeface="Consolas" panose="020B0609020204030204" pitchFamily="49" charset="0"/>
+              </a:rPr>
+              <a:t>"</a:t>
+            </a:r>
+            <a:r>
+              <a:rPr lang="en-US" altLang="zh-TW" sz="1400" i="1" dirty="0" err="1">
+                <a:solidFill>
+                  <a:srgbClr val="2A00FF"/>
+                </a:solidFill>
+                <a:latin typeface="Consolas" panose="020B0609020204030204" pitchFamily="49" charset="0"/>
+              </a:rPr>
+              <a:t>hibernate.show_sql</a:t>
+            </a:r>
+            <a:r>
+              <a:rPr lang="en-US" altLang="zh-TW" sz="1400" i="1" dirty="0">
+                <a:solidFill>
+                  <a:srgbClr val="2A00FF"/>
+                </a:solidFill>
+                <a:latin typeface="Consolas" panose="020B0609020204030204" pitchFamily="49" charset="0"/>
+              </a:rPr>
+              <a:t>"</a:t>
+            </a:r>
+            <a:r>
+              <a:rPr lang="en-US" altLang="zh-TW" sz="1400" i="1" dirty="0">
+                <a:solidFill>
+                  <a:srgbClr val="008080"/>
+                </a:solidFill>
+                <a:latin typeface="Consolas" panose="020B0609020204030204" pitchFamily="49" charset="0"/>
+              </a:rPr>
+              <a:t>&gt;</a:t>
+            </a:r>
+            <a:r>
+              <a:rPr lang="en-US" altLang="zh-TW" sz="1400" i="1" dirty="0">
+                <a:solidFill>
+                  <a:srgbClr val="000000"/>
+                </a:solidFill>
+                <a:latin typeface="Consolas" panose="020B0609020204030204" pitchFamily="49" charset="0"/>
+              </a:rPr>
+              <a:t>true</a:t>
+            </a:r>
+            <a:r>
+              <a:rPr lang="en-US" altLang="zh-TW" sz="1400" i="1" dirty="0">
+                <a:solidFill>
+                  <a:srgbClr val="008080"/>
+                </a:solidFill>
+                <a:latin typeface="Consolas" panose="020B0609020204030204" pitchFamily="49" charset="0"/>
+              </a:rPr>
+              <a:t>&lt;/</a:t>
+            </a:r>
+            <a:r>
+              <a:rPr lang="en-US" altLang="zh-TW" sz="1400" i="1" dirty="0">
+                <a:solidFill>
+                  <a:srgbClr val="3F7F7F"/>
+                </a:solidFill>
+                <a:latin typeface="Consolas" panose="020B0609020204030204" pitchFamily="49" charset="0"/>
+              </a:rPr>
+              <a:t>prop</a:t>
+            </a:r>
+            <a:r>
+              <a:rPr lang="en-US" altLang="zh-TW" sz="1400" i="1" dirty="0">
+                <a:solidFill>
+                  <a:srgbClr val="008080"/>
+                </a:solidFill>
+                <a:latin typeface="Consolas" panose="020B0609020204030204" pitchFamily="49" charset="0"/>
+              </a:rPr>
+              <a:t>&gt;</a:t>
+            </a:r>
+          </a:p>
+          <a:p>
+            <a:r>
+              <a:rPr lang="en-US" altLang="zh-TW" sz="1400" dirty="0">
+                <a:solidFill>
+                  <a:srgbClr val="008080"/>
+                </a:solidFill>
+                <a:latin typeface="Consolas" panose="020B0609020204030204" pitchFamily="49" charset="0"/>
+              </a:rPr>
+              <a:t>        &lt;/</a:t>
+            </a:r>
+            <a:r>
+              <a:rPr lang="en-US" altLang="zh-TW" sz="1400" dirty="0">
+                <a:solidFill>
+                  <a:srgbClr val="3F7F7F"/>
+                </a:solidFill>
+                <a:latin typeface="Consolas" panose="020B0609020204030204" pitchFamily="49" charset="0"/>
+              </a:rPr>
+              <a:t>props</a:t>
+            </a:r>
+            <a:r>
+              <a:rPr lang="en-US" altLang="zh-TW" sz="1400" dirty="0">
+                <a:solidFill>
+                  <a:srgbClr val="008080"/>
+                </a:solidFill>
+                <a:latin typeface="Consolas" panose="020B0609020204030204" pitchFamily="49" charset="0"/>
+              </a:rPr>
+              <a:t>&gt;</a:t>
+            </a:r>
+          </a:p>
+          <a:p>
+            <a:r>
+              <a:rPr lang="en-US" altLang="zh-TW" sz="1400" dirty="0">
+                <a:solidFill>
+                  <a:srgbClr val="008080"/>
+                </a:solidFill>
+                <a:latin typeface="Consolas" panose="020B0609020204030204" pitchFamily="49" charset="0"/>
+              </a:rPr>
+              <a:t>    &lt;/</a:t>
+            </a:r>
+            <a:r>
+              <a:rPr lang="en-US" altLang="zh-TW" sz="1400" dirty="0">
+                <a:solidFill>
+                  <a:srgbClr val="3F7F7F"/>
+                </a:solidFill>
+                <a:latin typeface="Consolas" panose="020B0609020204030204" pitchFamily="49" charset="0"/>
+              </a:rPr>
+              <a:t>property</a:t>
+            </a:r>
+            <a:r>
+              <a:rPr lang="en-US" altLang="zh-TW" sz="1400" dirty="0">
+                <a:solidFill>
+                  <a:srgbClr val="008080"/>
+                </a:solidFill>
+                <a:latin typeface="Consolas" panose="020B0609020204030204" pitchFamily="49" charset="0"/>
+              </a:rPr>
+              <a:t>&gt;</a:t>
+            </a:r>
+          </a:p>
+          <a:p>
+            <a:r>
+              <a:rPr lang="en-US" altLang="zh-TW" sz="1400" dirty="0">
+                <a:solidFill>
+                  <a:srgbClr val="008080"/>
+                </a:solidFill>
+                <a:latin typeface="Consolas" panose="020B0609020204030204" pitchFamily="49" charset="0"/>
+              </a:rPr>
+              <a:t>&lt;/</a:t>
+            </a:r>
+            <a:r>
+              <a:rPr lang="en-US" altLang="zh-TW" sz="1400" dirty="0">
+                <a:solidFill>
+                  <a:srgbClr val="3F7F7F"/>
+                </a:solidFill>
+                <a:latin typeface="Consolas" panose="020B0609020204030204" pitchFamily="49" charset="0"/>
+              </a:rPr>
+              <a:t>bean</a:t>
+            </a:r>
+            <a:r>
+              <a:rPr lang="en-US" altLang="zh-TW" sz="1400" dirty="0">
+                <a:solidFill>
+                  <a:srgbClr val="008080"/>
+                </a:solidFill>
+                <a:latin typeface="Consolas" panose="020B0609020204030204" pitchFamily="49" charset="0"/>
+              </a:rPr>
+              <a:t>&gt;</a:t>
+            </a:r>
+          </a:p>
+          <a:p>
+            <a:endParaRPr lang="zh-TW" altLang="en-US" sz="1400" dirty="0">
+              <a:latin typeface="Consolas" panose="020B0609020204030204" pitchFamily="49" charset="0"/>
+            </a:endParaRPr>
+          </a:p>
+          <a:p>
+            <a:r>
+              <a:rPr lang="en-US" altLang="zh-TW" sz="1400" dirty="0">
+                <a:solidFill>
+                  <a:srgbClr val="008080"/>
+                </a:solidFill>
+                <a:latin typeface="Consolas" panose="020B0609020204030204" pitchFamily="49" charset="0"/>
+              </a:rPr>
+              <a:t>&lt;</a:t>
+            </a:r>
+            <a:r>
+              <a:rPr lang="en-US" altLang="zh-TW" sz="1400" dirty="0">
+                <a:solidFill>
+                  <a:srgbClr val="3F7F7F"/>
+                </a:solidFill>
+                <a:latin typeface="Consolas" panose="020B0609020204030204" pitchFamily="49" charset="0"/>
+              </a:rPr>
+              <a:t>bean </a:t>
+            </a:r>
+            <a:r>
+              <a:rPr lang="en-US" altLang="zh-TW" sz="1400" dirty="0">
+                <a:solidFill>
+                  <a:srgbClr val="7F007F"/>
+                </a:solidFill>
+                <a:latin typeface="Consolas" panose="020B0609020204030204" pitchFamily="49" charset="0"/>
+              </a:rPr>
+              <a:t>id</a:t>
+            </a:r>
+            <a:r>
+              <a:rPr lang="en-US" altLang="zh-TW" sz="1400" dirty="0">
+                <a:solidFill>
+                  <a:srgbClr val="000000"/>
+                </a:solidFill>
+                <a:latin typeface="Consolas" panose="020B0609020204030204" pitchFamily="49" charset="0"/>
+              </a:rPr>
+              <a:t>=</a:t>
+            </a:r>
+            <a:r>
+              <a:rPr lang="en-US" altLang="zh-TW" sz="1400" i="1" dirty="0">
+                <a:solidFill>
+                  <a:srgbClr val="2A00FF"/>
+                </a:solidFill>
+                <a:latin typeface="Consolas" panose="020B0609020204030204" pitchFamily="49" charset="0"/>
+              </a:rPr>
+              <a:t>"</a:t>
+            </a:r>
+            <a:r>
+              <a:rPr lang="en-US" altLang="zh-TW" sz="1400" i="1" dirty="0" err="1">
+                <a:solidFill>
+                  <a:srgbClr val="2A00FF"/>
+                </a:solidFill>
+                <a:latin typeface="Consolas" panose="020B0609020204030204" pitchFamily="49" charset="0"/>
+              </a:rPr>
+              <a:t>dataSource</a:t>
+            </a:r>
+            <a:r>
+              <a:rPr lang="en-US" altLang="zh-TW" sz="1400" i="1" dirty="0">
+                <a:solidFill>
+                  <a:srgbClr val="2A00FF"/>
+                </a:solidFill>
+                <a:latin typeface="Consolas" panose="020B0609020204030204" pitchFamily="49" charset="0"/>
+              </a:rPr>
+              <a:t>" </a:t>
+            </a:r>
+            <a:r>
+              <a:rPr lang="en-US" altLang="zh-TW" sz="1400" i="1" dirty="0">
+                <a:solidFill>
+                  <a:srgbClr val="7F007F"/>
+                </a:solidFill>
+                <a:latin typeface="Consolas" panose="020B0609020204030204" pitchFamily="49" charset="0"/>
+              </a:rPr>
+              <a:t>class</a:t>
+            </a:r>
+            <a:r>
+              <a:rPr lang="en-US" altLang="zh-TW" sz="1400" i="1" dirty="0">
+                <a:solidFill>
+                  <a:srgbClr val="000000"/>
+                </a:solidFill>
+                <a:latin typeface="Consolas" panose="020B0609020204030204" pitchFamily="49" charset="0"/>
+              </a:rPr>
+              <a:t>=</a:t>
+            </a:r>
+            <a:r>
+              <a:rPr lang="en-US" altLang="zh-TW" sz="1400" i="1" dirty="0">
+                <a:solidFill>
+                  <a:srgbClr val="2A00FF"/>
+                </a:solidFill>
+                <a:latin typeface="Consolas" panose="020B0609020204030204" pitchFamily="49" charset="0"/>
+              </a:rPr>
+              <a:t>"org.apache.commons.dbcp2.BasicDataSource" </a:t>
+            </a:r>
+            <a:r>
+              <a:rPr lang="en-US" altLang="zh-TW" sz="1400" i="1" dirty="0">
+                <a:solidFill>
+                  <a:srgbClr val="7F007F"/>
+                </a:solidFill>
+                <a:latin typeface="Consolas" panose="020B0609020204030204" pitchFamily="49" charset="0"/>
+              </a:rPr>
+              <a:t>destroy-method</a:t>
+            </a:r>
+            <a:r>
+              <a:rPr lang="en-US" altLang="zh-TW" sz="1400" i="1" dirty="0">
+                <a:solidFill>
+                  <a:srgbClr val="000000"/>
+                </a:solidFill>
+                <a:latin typeface="Consolas" panose="020B0609020204030204" pitchFamily="49" charset="0"/>
+              </a:rPr>
+              <a:t>=</a:t>
+            </a:r>
+            <a:r>
+              <a:rPr lang="en-US" altLang="zh-TW" sz="1400" i="1" dirty="0">
+                <a:solidFill>
+                  <a:srgbClr val="2A00FF"/>
+                </a:solidFill>
+                <a:latin typeface="Consolas" panose="020B0609020204030204" pitchFamily="49" charset="0"/>
+              </a:rPr>
+              <a:t>"close"</a:t>
+            </a:r>
+            <a:r>
+              <a:rPr lang="en-US" altLang="zh-TW" sz="1400" i="1" dirty="0">
+                <a:solidFill>
+                  <a:srgbClr val="008080"/>
+                </a:solidFill>
+                <a:latin typeface="Consolas" panose="020B0609020204030204" pitchFamily="49" charset="0"/>
+              </a:rPr>
+              <a:t>&gt;</a:t>
+            </a:r>
+          </a:p>
+          <a:p>
+            <a:r>
+              <a:rPr lang="en-US" altLang="zh-TW" sz="1400" dirty="0">
+                <a:solidFill>
+                  <a:srgbClr val="008080"/>
+                </a:solidFill>
+                <a:latin typeface="Consolas" panose="020B0609020204030204" pitchFamily="49" charset="0"/>
+              </a:rPr>
+              <a:t>    &lt;</a:t>
+            </a:r>
+            <a:r>
+              <a:rPr lang="en-US" altLang="zh-TW" sz="1400" dirty="0">
+                <a:solidFill>
+                  <a:srgbClr val="3F7F7F"/>
+                </a:solidFill>
+                <a:latin typeface="Consolas" panose="020B0609020204030204" pitchFamily="49" charset="0"/>
+              </a:rPr>
+              <a:t>property </a:t>
+            </a:r>
+            <a:r>
+              <a:rPr lang="en-US" altLang="zh-TW" sz="1400" dirty="0">
+                <a:solidFill>
+                  <a:srgbClr val="7F007F"/>
+                </a:solidFill>
+                <a:latin typeface="Consolas" panose="020B0609020204030204" pitchFamily="49" charset="0"/>
+              </a:rPr>
+              <a:t>name</a:t>
+            </a:r>
+            <a:r>
+              <a:rPr lang="en-US" altLang="zh-TW" sz="1400" dirty="0">
+                <a:solidFill>
+                  <a:srgbClr val="000000"/>
+                </a:solidFill>
+                <a:latin typeface="Consolas" panose="020B0609020204030204" pitchFamily="49" charset="0"/>
+              </a:rPr>
+              <a:t>=</a:t>
+            </a:r>
+            <a:r>
+              <a:rPr lang="en-US" altLang="zh-TW" sz="1400" i="1" dirty="0">
+                <a:solidFill>
+                  <a:srgbClr val="2A00FF"/>
+                </a:solidFill>
+                <a:latin typeface="Consolas" panose="020B0609020204030204" pitchFamily="49" charset="0"/>
+              </a:rPr>
+              <a:t>"</a:t>
+            </a:r>
+            <a:r>
+              <a:rPr lang="en-US" altLang="zh-TW" sz="1400" i="1" dirty="0" err="1">
+                <a:solidFill>
+                  <a:srgbClr val="2A00FF"/>
+                </a:solidFill>
+                <a:latin typeface="Consolas" panose="020B0609020204030204" pitchFamily="49" charset="0"/>
+              </a:rPr>
+              <a:t>driverClassName</a:t>
+            </a:r>
+            <a:r>
+              <a:rPr lang="en-US" altLang="zh-TW" sz="1400" i="1" dirty="0">
+                <a:solidFill>
+                  <a:srgbClr val="2A00FF"/>
+                </a:solidFill>
+                <a:latin typeface="Consolas" panose="020B0609020204030204" pitchFamily="49" charset="0"/>
+              </a:rPr>
+              <a:t>" </a:t>
+            </a:r>
+            <a:r>
+              <a:rPr lang="en-US" altLang="zh-TW" sz="1400" i="1" dirty="0">
+                <a:solidFill>
+                  <a:srgbClr val="7F007F"/>
+                </a:solidFill>
+                <a:latin typeface="Consolas" panose="020B0609020204030204" pitchFamily="49" charset="0"/>
+              </a:rPr>
+              <a:t>value</a:t>
+            </a:r>
+            <a:r>
+              <a:rPr lang="en-US" altLang="zh-TW" sz="1400" i="1" dirty="0">
+                <a:solidFill>
+                  <a:srgbClr val="000000"/>
+                </a:solidFill>
+                <a:latin typeface="Consolas" panose="020B0609020204030204" pitchFamily="49" charset="0"/>
+              </a:rPr>
+              <a:t>=</a:t>
+            </a:r>
+            <a:r>
+              <a:rPr lang="en-US" altLang="zh-TW" sz="1400" i="1" dirty="0">
+                <a:solidFill>
+                  <a:srgbClr val="2A00FF"/>
+                </a:solidFill>
+                <a:latin typeface="Consolas" panose="020B0609020204030204" pitchFamily="49" charset="0"/>
+              </a:rPr>
+              <a:t>"</a:t>
+            </a:r>
+            <a:r>
+              <a:rPr lang="en-US" altLang="zh-TW" sz="1400" i="1" dirty="0" err="1">
+                <a:solidFill>
+                  <a:srgbClr val="2A00FF"/>
+                </a:solidFill>
+                <a:latin typeface="Consolas" panose="020B0609020204030204" pitchFamily="49" charset="0"/>
+              </a:rPr>
+              <a:t>org.postgresql.Driver</a:t>
+            </a:r>
+            <a:r>
+              <a:rPr lang="en-US" altLang="zh-TW" sz="1400" i="1" dirty="0">
+                <a:solidFill>
+                  <a:srgbClr val="2A00FF"/>
+                </a:solidFill>
+                <a:latin typeface="Consolas" panose="020B0609020204030204" pitchFamily="49" charset="0"/>
+              </a:rPr>
+              <a:t>" </a:t>
+            </a:r>
+            <a:r>
+              <a:rPr lang="en-US" altLang="zh-TW" sz="1400" i="1" dirty="0">
+                <a:solidFill>
+                  <a:srgbClr val="008080"/>
+                </a:solidFill>
+                <a:latin typeface="Consolas" panose="020B0609020204030204" pitchFamily="49" charset="0"/>
+              </a:rPr>
+              <a:t>/&gt;</a:t>
+            </a:r>
+          </a:p>
+          <a:p>
+            <a:r>
+              <a:rPr lang="en-US" altLang="zh-TW" sz="1400" dirty="0">
+                <a:solidFill>
+                  <a:srgbClr val="008080"/>
+                </a:solidFill>
+                <a:latin typeface="Consolas" panose="020B0609020204030204" pitchFamily="49" charset="0"/>
+              </a:rPr>
+              <a:t>    &lt;</a:t>
+            </a:r>
+            <a:r>
+              <a:rPr lang="en-US" altLang="zh-TW" sz="1400" dirty="0">
+                <a:solidFill>
+                  <a:srgbClr val="3F7F7F"/>
+                </a:solidFill>
+                <a:latin typeface="Consolas" panose="020B0609020204030204" pitchFamily="49" charset="0"/>
+              </a:rPr>
+              <a:t>property </a:t>
+            </a:r>
+            <a:r>
+              <a:rPr lang="en-US" altLang="zh-TW" sz="1400" dirty="0">
+                <a:solidFill>
+                  <a:srgbClr val="7F007F"/>
+                </a:solidFill>
+                <a:latin typeface="Consolas" panose="020B0609020204030204" pitchFamily="49" charset="0"/>
+              </a:rPr>
+              <a:t>name</a:t>
+            </a:r>
+            <a:r>
+              <a:rPr lang="en-US" altLang="zh-TW" sz="1400" dirty="0">
+                <a:solidFill>
+                  <a:srgbClr val="000000"/>
+                </a:solidFill>
+                <a:latin typeface="Consolas" panose="020B0609020204030204" pitchFamily="49" charset="0"/>
+              </a:rPr>
+              <a:t>=</a:t>
+            </a:r>
+            <a:r>
+              <a:rPr lang="en-US" altLang="zh-TW" sz="1400" i="1" dirty="0">
+                <a:solidFill>
+                  <a:srgbClr val="2A00FF"/>
+                </a:solidFill>
+                <a:latin typeface="Consolas" panose="020B0609020204030204" pitchFamily="49" charset="0"/>
+              </a:rPr>
+              <a:t>"</a:t>
+            </a:r>
+            <a:r>
+              <a:rPr lang="en-US" altLang="zh-TW" sz="1400" i="1" dirty="0" err="1">
+                <a:solidFill>
+                  <a:srgbClr val="2A00FF"/>
+                </a:solidFill>
+                <a:latin typeface="Consolas" panose="020B0609020204030204" pitchFamily="49" charset="0"/>
+              </a:rPr>
+              <a:t>url</a:t>
+            </a:r>
+            <a:r>
+              <a:rPr lang="en-US" altLang="zh-TW" sz="1400" i="1" dirty="0">
+                <a:solidFill>
+                  <a:srgbClr val="2A00FF"/>
+                </a:solidFill>
+                <a:latin typeface="Consolas" panose="020B0609020204030204" pitchFamily="49" charset="0"/>
+              </a:rPr>
+              <a:t>" </a:t>
+            </a:r>
+            <a:r>
+              <a:rPr lang="en-US" altLang="zh-TW" sz="1400" i="1" dirty="0">
+                <a:solidFill>
+                  <a:srgbClr val="7F007F"/>
+                </a:solidFill>
+                <a:latin typeface="Consolas" panose="020B0609020204030204" pitchFamily="49" charset="0"/>
+              </a:rPr>
+              <a:t>value</a:t>
+            </a:r>
+            <a:r>
+              <a:rPr lang="en-US" altLang="zh-TW" sz="1400" i="1" dirty="0">
+                <a:solidFill>
+                  <a:srgbClr val="000000"/>
+                </a:solidFill>
+                <a:latin typeface="Consolas" panose="020B0609020204030204" pitchFamily="49" charset="0"/>
+              </a:rPr>
+              <a:t>=</a:t>
+            </a:r>
+            <a:r>
+              <a:rPr lang="en-US" altLang="zh-TW" sz="1400" i="1" dirty="0">
+                <a:solidFill>
+                  <a:srgbClr val="2A00FF"/>
+                </a:solidFill>
+                <a:latin typeface="Consolas" panose="020B0609020204030204" pitchFamily="49" charset="0"/>
+              </a:rPr>
+              <a:t>"</a:t>
+            </a:r>
+            <a:r>
+              <a:rPr lang="en-US" altLang="zh-TW" sz="1400" i="1" dirty="0" err="1">
+                <a:solidFill>
+                  <a:srgbClr val="2A00FF"/>
+                </a:solidFill>
+                <a:latin typeface="Consolas" panose="020B0609020204030204" pitchFamily="49" charset="0"/>
+              </a:rPr>
+              <a:t>jdbc:postgresql</a:t>
+            </a:r>
+            <a:r>
+              <a:rPr lang="en-US" altLang="zh-TW" sz="1400" i="1" dirty="0">
+                <a:solidFill>
+                  <a:srgbClr val="2A00FF"/>
+                </a:solidFill>
+                <a:latin typeface="Consolas" panose="020B0609020204030204" pitchFamily="49" charset="0"/>
+              </a:rPr>
+              <a:t>://localhost:5432/</a:t>
+            </a:r>
+            <a:r>
+              <a:rPr lang="en-US" altLang="zh-TW" sz="1400" i="1" dirty="0" err="1">
+                <a:solidFill>
+                  <a:srgbClr val="2A00FF"/>
+                </a:solidFill>
+                <a:latin typeface="Consolas" panose="020B0609020204030204" pitchFamily="49" charset="0"/>
+              </a:rPr>
+              <a:t>test_db</a:t>
+            </a:r>
+            <a:r>
+              <a:rPr lang="en-US" altLang="zh-TW" sz="1400" i="1" dirty="0">
+                <a:solidFill>
+                  <a:srgbClr val="2A00FF"/>
+                </a:solidFill>
+                <a:latin typeface="Consolas" panose="020B0609020204030204" pitchFamily="49" charset="0"/>
+              </a:rPr>
+              <a:t>" </a:t>
+            </a:r>
+            <a:r>
+              <a:rPr lang="en-US" altLang="zh-TW" sz="1400" i="1" dirty="0">
+                <a:solidFill>
+                  <a:srgbClr val="008080"/>
+                </a:solidFill>
+                <a:latin typeface="Consolas" panose="020B0609020204030204" pitchFamily="49" charset="0"/>
+              </a:rPr>
+              <a:t>/&gt;</a:t>
+            </a:r>
+          </a:p>
+          <a:p>
+            <a:r>
+              <a:rPr lang="en-US" altLang="zh-TW" sz="1400" dirty="0">
+                <a:solidFill>
+                  <a:srgbClr val="008080"/>
+                </a:solidFill>
+                <a:latin typeface="Consolas" panose="020B0609020204030204" pitchFamily="49" charset="0"/>
+              </a:rPr>
+              <a:t>    &lt;</a:t>
+            </a:r>
+            <a:r>
+              <a:rPr lang="en-US" altLang="zh-TW" sz="1400" dirty="0">
+                <a:solidFill>
+                  <a:srgbClr val="3F7F7F"/>
+                </a:solidFill>
+                <a:latin typeface="Consolas" panose="020B0609020204030204" pitchFamily="49" charset="0"/>
+              </a:rPr>
+              <a:t>property </a:t>
+            </a:r>
+            <a:r>
+              <a:rPr lang="en-US" altLang="zh-TW" sz="1400" dirty="0">
+                <a:solidFill>
+                  <a:srgbClr val="7F007F"/>
+                </a:solidFill>
+                <a:latin typeface="Consolas" panose="020B0609020204030204" pitchFamily="49" charset="0"/>
+              </a:rPr>
+              <a:t>name</a:t>
+            </a:r>
+            <a:r>
+              <a:rPr lang="en-US" altLang="zh-TW" sz="1400" dirty="0">
+                <a:solidFill>
+                  <a:srgbClr val="000000"/>
+                </a:solidFill>
+                <a:latin typeface="Consolas" panose="020B0609020204030204" pitchFamily="49" charset="0"/>
+              </a:rPr>
+              <a:t>=</a:t>
+            </a:r>
+            <a:r>
+              <a:rPr lang="en-US" altLang="zh-TW" sz="1400" i="1" dirty="0">
+                <a:solidFill>
+                  <a:srgbClr val="2A00FF"/>
+                </a:solidFill>
+                <a:latin typeface="Consolas" panose="020B0609020204030204" pitchFamily="49" charset="0"/>
+              </a:rPr>
+              <a:t>"username" </a:t>
+            </a:r>
+            <a:r>
+              <a:rPr lang="en-US" altLang="zh-TW" sz="1400" i="1" dirty="0">
+                <a:solidFill>
+                  <a:srgbClr val="7F007F"/>
+                </a:solidFill>
+                <a:latin typeface="Consolas" panose="020B0609020204030204" pitchFamily="49" charset="0"/>
+              </a:rPr>
+              <a:t>value</a:t>
+            </a:r>
+            <a:r>
+              <a:rPr lang="en-US" altLang="zh-TW" sz="1400" i="1" dirty="0">
+                <a:solidFill>
+                  <a:srgbClr val="000000"/>
+                </a:solidFill>
+                <a:latin typeface="Consolas" panose="020B0609020204030204" pitchFamily="49" charset="0"/>
+              </a:rPr>
+              <a:t>=</a:t>
+            </a:r>
+            <a:r>
+              <a:rPr lang="en-US" altLang="zh-TW" sz="1400" i="1" dirty="0">
+                <a:solidFill>
+                  <a:srgbClr val="2A00FF"/>
+                </a:solidFill>
+                <a:latin typeface="Consolas" panose="020B0609020204030204" pitchFamily="49" charset="0"/>
+              </a:rPr>
+              <a:t>"</a:t>
+            </a:r>
+            <a:r>
+              <a:rPr lang="en-US" altLang="zh-TW" sz="1400" i="1" dirty="0" err="1">
+                <a:solidFill>
+                  <a:srgbClr val="2A00FF"/>
+                </a:solidFill>
+                <a:latin typeface="Consolas" panose="020B0609020204030204" pitchFamily="49" charset="0"/>
+              </a:rPr>
+              <a:t>test_user</a:t>
+            </a:r>
+            <a:r>
+              <a:rPr lang="en-US" altLang="zh-TW" sz="1400" i="1" dirty="0">
+                <a:solidFill>
+                  <a:srgbClr val="2A00FF"/>
+                </a:solidFill>
+                <a:latin typeface="Consolas" panose="020B0609020204030204" pitchFamily="49" charset="0"/>
+              </a:rPr>
+              <a:t>" </a:t>
+            </a:r>
+            <a:r>
+              <a:rPr lang="en-US" altLang="zh-TW" sz="1400" i="1" dirty="0">
+                <a:solidFill>
+                  <a:srgbClr val="008080"/>
+                </a:solidFill>
+                <a:latin typeface="Consolas" panose="020B0609020204030204" pitchFamily="49" charset="0"/>
+              </a:rPr>
+              <a:t>/&gt;</a:t>
+            </a:r>
+          </a:p>
+          <a:p>
+            <a:r>
+              <a:rPr lang="en-US" altLang="zh-TW" sz="1400" dirty="0">
+                <a:solidFill>
+                  <a:srgbClr val="008080"/>
+                </a:solidFill>
+                <a:latin typeface="Consolas" panose="020B0609020204030204" pitchFamily="49" charset="0"/>
+              </a:rPr>
+              <a:t>    &lt;</a:t>
+            </a:r>
+            <a:r>
+              <a:rPr lang="en-US" altLang="zh-TW" sz="1400" dirty="0">
+                <a:solidFill>
+                  <a:srgbClr val="3F7F7F"/>
+                </a:solidFill>
+                <a:latin typeface="Consolas" panose="020B0609020204030204" pitchFamily="49" charset="0"/>
+              </a:rPr>
+              <a:t>property </a:t>
+            </a:r>
+            <a:r>
+              <a:rPr lang="en-US" altLang="zh-TW" sz="1400" dirty="0">
+                <a:solidFill>
+                  <a:srgbClr val="7F007F"/>
+                </a:solidFill>
+                <a:latin typeface="Consolas" panose="020B0609020204030204" pitchFamily="49" charset="0"/>
+              </a:rPr>
+              <a:t>name</a:t>
+            </a:r>
+            <a:r>
+              <a:rPr lang="en-US" altLang="zh-TW" sz="1400" dirty="0">
+                <a:solidFill>
+                  <a:srgbClr val="000000"/>
+                </a:solidFill>
+                <a:latin typeface="Consolas" panose="020B0609020204030204" pitchFamily="49" charset="0"/>
+              </a:rPr>
+              <a:t>=</a:t>
+            </a:r>
+            <a:r>
+              <a:rPr lang="en-US" altLang="zh-TW" sz="1400" i="1" dirty="0">
+                <a:solidFill>
+                  <a:srgbClr val="2A00FF"/>
+                </a:solidFill>
+                <a:latin typeface="Consolas" panose="020B0609020204030204" pitchFamily="49" charset="0"/>
+              </a:rPr>
+              <a:t>"password" </a:t>
+            </a:r>
+            <a:r>
+              <a:rPr lang="en-US" altLang="zh-TW" sz="1400" i="1" dirty="0">
+                <a:solidFill>
+                  <a:srgbClr val="7F007F"/>
+                </a:solidFill>
+                <a:latin typeface="Consolas" panose="020B0609020204030204" pitchFamily="49" charset="0"/>
+              </a:rPr>
+              <a:t>value</a:t>
+            </a:r>
+            <a:r>
+              <a:rPr lang="en-US" altLang="zh-TW" sz="1400" i="1" dirty="0">
+                <a:solidFill>
+                  <a:srgbClr val="000000"/>
+                </a:solidFill>
+                <a:latin typeface="Consolas" panose="020B0609020204030204" pitchFamily="49" charset="0"/>
+              </a:rPr>
+              <a:t>=</a:t>
+            </a:r>
+            <a:r>
+              <a:rPr lang="en-US" altLang="zh-TW" sz="1400" i="1" dirty="0">
+                <a:solidFill>
+                  <a:srgbClr val="2A00FF"/>
+                </a:solidFill>
+                <a:latin typeface="Consolas" panose="020B0609020204030204" pitchFamily="49" charset="0"/>
+              </a:rPr>
+              <a:t>"</a:t>
+            </a:r>
+            <a:r>
+              <a:rPr lang="en-US" altLang="zh-TW" sz="1400" i="1" dirty="0" err="1">
+                <a:solidFill>
+                  <a:srgbClr val="2A00FF"/>
+                </a:solidFill>
+                <a:latin typeface="Consolas" panose="020B0609020204030204" pitchFamily="49" charset="0"/>
+              </a:rPr>
+              <a:t>test_password</a:t>
+            </a:r>
+            <a:r>
+              <a:rPr lang="en-US" altLang="zh-TW" sz="1400" i="1" dirty="0">
+                <a:solidFill>
+                  <a:srgbClr val="2A00FF"/>
+                </a:solidFill>
+                <a:latin typeface="Consolas" panose="020B0609020204030204" pitchFamily="49" charset="0"/>
+              </a:rPr>
+              <a:t>" </a:t>
+            </a:r>
+            <a:r>
+              <a:rPr lang="en-US" altLang="zh-TW" sz="1400" i="1" dirty="0">
+                <a:solidFill>
+                  <a:srgbClr val="008080"/>
+                </a:solidFill>
+                <a:latin typeface="Consolas" panose="020B0609020204030204" pitchFamily="49" charset="0"/>
+              </a:rPr>
+              <a:t>/&gt;</a:t>
+            </a:r>
+          </a:p>
+          <a:p>
+            <a:r>
+              <a:rPr lang="en-US" altLang="zh-TW" sz="1400" dirty="0">
+                <a:solidFill>
+                  <a:srgbClr val="008080"/>
+                </a:solidFill>
+                <a:latin typeface="Consolas" panose="020B0609020204030204" pitchFamily="49" charset="0"/>
+              </a:rPr>
+              <a:t>&lt;/</a:t>
+            </a:r>
+            <a:r>
+              <a:rPr lang="en-US" altLang="zh-TW" sz="1400" dirty="0">
+                <a:solidFill>
+                  <a:srgbClr val="3F7F7F"/>
+                </a:solidFill>
+                <a:latin typeface="Consolas" panose="020B0609020204030204" pitchFamily="49" charset="0"/>
+              </a:rPr>
+              <a:t>bean</a:t>
+            </a:r>
+            <a:r>
+              <a:rPr lang="en-US" altLang="zh-TW" sz="1400" dirty="0">
+                <a:solidFill>
+                  <a:srgbClr val="008080"/>
+                </a:solidFill>
+                <a:latin typeface="Consolas" panose="020B0609020204030204" pitchFamily="49" charset="0"/>
+              </a:rPr>
+              <a:t>&gt;</a:t>
+            </a:r>
+          </a:p>
+        </p:txBody>
+      </p:sp>
+    </p:spTree>
+    <p:extLst>
+      <p:ext uri="{BB962C8B-B14F-4D97-AF65-F5344CB8AC3E}">
+        <p14:creationId xmlns:p14="http://schemas.microsoft.com/office/powerpoint/2010/main" val="425637472"/>
+      </p:ext>
+    </p:extLst>
+  </p:cSld>
+  <p:clrMapOvr>
+    <a:masterClrMapping/>
+  </p:clrMapOvr>
+</p:sld>
+</file>
+
+<file path=ppt/slides/slide22.xml><?xml version="1.0" encoding="utf-8"?>
+<p:sld xmlns:a="http://schemas.openxmlformats.org/drawingml/2006/main" xmlns:r="http://schemas.openxmlformats.org/officeDocument/2006/relationships" xmlns:p="http://schemas.openxmlformats.org/presentationml/2006/main">
+  <p:cSld>
+    <p:spTree>
+      <p:nvGrpSpPr>
+        <p:cNvPr id="1" name=""/>
+        <p:cNvGrpSpPr/>
+        <p:nvPr/>
+      </p:nvGrpSpPr>
+      <p:grpSpPr>
+        <a:xfrm>
+          <a:off x="0" y="0"/>
+          <a:ext cx="0" cy="0"/>
+          <a:chOff x="0" y="0"/>
+          <a:chExt cx="0" cy="0"/>
+        </a:xfrm>
+      </p:grpSpPr>
+      <p:sp>
+        <p:nvSpPr>
+          <p:cNvPr id="2" name="標題 1">
+            <a:extLst>
+              <a:ext uri="{FF2B5EF4-FFF2-40B4-BE49-F238E27FC236}">
+                <a16:creationId xmlns:a16="http://schemas.microsoft.com/office/drawing/2014/main" id="{63D3FC6C-452B-49B2-9824-99033191520F}"/>
+              </a:ext>
+            </a:extLst>
+          </p:cNvPr>
+          <p:cNvSpPr>
+            <a:spLocks noGrp="1"/>
+          </p:cNvSpPr>
+          <p:nvPr>
+            <p:ph type="title"/>
+          </p:nvPr>
+        </p:nvSpPr>
+        <p:spPr/>
+        <p:txBody>
+          <a:bodyPr/>
+          <a:lstStyle/>
+          <a:p>
+            <a:endParaRPr lang="zh-TW" altLang="en-US"/>
+          </a:p>
+        </p:txBody>
+      </p:sp>
+      <p:sp>
+        <p:nvSpPr>
+          <p:cNvPr id="3" name="內容版面配置區 2">
+            <a:extLst>
+              <a:ext uri="{FF2B5EF4-FFF2-40B4-BE49-F238E27FC236}">
+                <a16:creationId xmlns:a16="http://schemas.microsoft.com/office/drawing/2014/main" id="{ADE74E8F-B9D3-4334-B666-50A791CD2BA4}"/>
+              </a:ext>
+            </a:extLst>
+          </p:cNvPr>
+          <p:cNvSpPr>
+            <a:spLocks noGrp="1"/>
+          </p:cNvSpPr>
+          <p:nvPr>
+            <p:ph idx="1"/>
+          </p:nvPr>
+        </p:nvSpPr>
+        <p:spPr/>
+        <p:txBody>
+          <a:bodyPr/>
+          <a:lstStyle/>
+          <a:p>
+            <a:endParaRPr lang="zh-TW" altLang="en-US"/>
+          </a:p>
+        </p:txBody>
+      </p:sp>
+    </p:spTree>
+    <p:extLst>
+      <p:ext uri="{BB962C8B-B14F-4D97-AF65-F5344CB8AC3E}">
+        <p14:creationId xmlns:p14="http://schemas.microsoft.com/office/powerpoint/2010/main" val="2559190520"/>
+      </p:ext>
+    </p:extLst>
+  </p:cSld>
+  <p:clrMapOvr>
+    <a:masterClrMapping/>
+  </p:clrMapOvr>
+</p:sld>
+</file>
+
+<file path=ppt/slides/slide23.xml><?xml version="1.0" encoding="utf-8"?>
+<p:sld xmlns:a="http://schemas.openxmlformats.org/drawingml/2006/main" xmlns:r="http://schemas.openxmlformats.org/officeDocument/2006/relationships" xmlns:p="http://schemas.openxmlformats.org/presentationml/2006/main">
+  <p:cSld>
+    <p:spTree>
+      <p:nvGrpSpPr>
+        <p:cNvPr id="1" name=""/>
+        <p:cNvGrpSpPr/>
+        <p:nvPr/>
+      </p:nvGrpSpPr>
+      <p:grpSpPr>
+        <a:xfrm>
+          <a:off x="0" y="0"/>
+          <a:ext cx="0" cy="0"/>
+          <a:chOff x="0" y="0"/>
+          <a:chExt cx="0" cy="0"/>
+        </a:xfrm>
+      </p:grpSpPr>
+      <p:sp>
+        <p:nvSpPr>
+          <p:cNvPr id="2" name="標題 1"/>
+          <p:cNvSpPr>
+            <a:spLocks noGrp="1"/>
+          </p:cNvSpPr>
+          <p:nvPr>
+            <p:ph type="title"/>
+          </p:nvPr>
+        </p:nvSpPr>
+        <p:spPr/>
+        <p:txBody>
+          <a:bodyPr/>
+          <a:lstStyle/>
+          <a:p>
+            <a:r>
+              <a:rPr lang="en-US" altLang="zh-TW" dirty="0"/>
+              <a:t>references</a:t>
+            </a:r>
+            <a:endParaRPr lang="zh-TW" altLang="en-US" dirty="0"/>
+          </a:p>
+        </p:txBody>
+      </p:sp>
+      <p:sp>
+        <p:nvSpPr>
+          <p:cNvPr id="3" name="內容版面配置區 2"/>
+          <p:cNvSpPr>
+            <a:spLocks noGrp="1"/>
+          </p:cNvSpPr>
+          <p:nvPr>
+            <p:ph idx="1"/>
+          </p:nvPr>
+        </p:nvSpPr>
+        <p:spPr/>
+        <p:txBody>
+          <a:bodyPr/>
+          <a:lstStyle/>
+          <a:p>
+            <a:r>
+              <a:rPr lang="en-US" altLang="zh-TW" dirty="0"/>
+              <a:t>https://www.tutorialspoint.com/jpa/index.htm</a:t>
+            </a:r>
+          </a:p>
+          <a:p>
+            <a:endParaRPr lang="en-US" altLang="zh-TW" dirty="0"/>
+          </a:p>
+          <a:p>
+            <a:r>
+              <a:rPr lang="en-US" altLang="zh-TW" dirty="0"/>
+              <a:t>https://www.javatpoint.com/jpa-tutorial</a:t>
+            </a:r>
+          </a:p>
+          <a:p>
+            <a:endParaRPr lang="en-US" altLang="zh-TW" dirty="0"/>
+          </a:p>
+          <a:p>
+            <a:r>
+              <a:rPr lang="en-US" altLang="zh-TW" dirty="0"/>
+              <a:t>A Guide to JPA with Spring</a:t>
+            </a:r>
+          </a:p>
+          <a:p>
+            <a:pPr lvl="1"/>
+            <a:r>
+              <a:rPr lang="en-US" altLang="zh-TW" dirty="0"/>
+              <a:t>https://www.baeldung.com/the-persistence-layer-with-spring-and-jpa</a:t>
+            </a:r>
+            <a:endParaRPr lang="zh-TW" altLang="en-US" dirty="0"/>
+          </a:p>
+        </p:txBody>
+      </p:sp>
+    </p:spTree>
+    <p:extLst>
+      <p:ext uri="{BB962C8B-B14F-4D97-AF65-F5344CB8AC3E}">
+        <p14:creationId xmlns:p14="http://schemas.microsoft.com/office/powerpoint/2010/main" val="2271923094"/>
       </p:ext>
     </p:extLst>
   </p:cSld>
@@ -3238,7 +8676,7 @@
           <a:lstStyle/>
           <a:p>
             <a:r>
-              <a:rPr lang="en-US" altLang="zh-TW" dirty="0" smtClean="0"/>
+              <a:rPr lang="en-US" altLang="zh-TW" dirty="0"/>
               <a:t>History</a:t>
             </a:r>
             <a:endParaRPr lang="zh-TW" altLang="en-US" dirty="0"/>
@@ -3264,33 +8702,13 @@
           <a:p>
             <a:r>
               <a:rPr lang="en-US" altLang="zh-TW" dirty="0"/>
-              <a:t>JPA 1.0 </a:t>
-            </a:r>
-            <a:r>
-              <a:rPr lang="en-US" altLang="zh-TW" dirty="0" smtClean="0"/>
-              <a:t>- released </a:t>
-            </a:r>
-            <a:r>
-              <a:rPr lang="en-US" altLang="zh-TW" dirty="0"/>
-              <a:t>in 2006 as a part of EJB 3.0 specification.</a:t>
-            </a:r>
-          </a:p>
-          <a:p>
-            <a:r>
-              <a:rPr lang="en-US" altLang="zh-TW" dirty="0" smtClean="0"/>
-              <a:t>JPA </a:t>
-            </a:r>
-            <a:r>
-              <a:rPr lang="en-US" altLang="zh-TW" dirty="0"/>
-              <a:t>2.0 - </a:t>
-            </a:r>
-            <a:r>
-              <a:rPr lang="en-US" altLang="zh-TW" dirty="0" smtClean="0"/>
-              <a:t>released </a:t>
-            </a:r>
-            <a:r>
-              <a:rPr lang="en-US" altLang="zh-TW" dirty="0"/>
-              <a:t>in the last of 2009. </a:t>
+              <a:t>JPA 1.0 - released in 2006 as a part of EJB 3.0 specification.</a:t>
+            </a:r>
+          </a:p>
+          <a:p>
+            <a:r>
+              <a:rPr lang="en-US" altLang="zh-TW" dirty="0"/>
+              <a:t>JPA 2.0 - released in the last of 2009. </a:t>
             </a:r>
           </a:p>
           <a:p>
@@ -3317,21 +8735,8 @@
           <a:p>
             <a:r>
               <a:rPr lang="en-US" altLang="zh-TW" dirty="0"/>
-              <a:t>JPA 2.1 - </a:t>
-            </a:r>
-            <a:r>
-              <a:rPr lang="en-US" altLang="zh-TW" dirty="0" smtClean="0"/>
-              <a:t>released </a:t>
-            </a:r>
-            <a:r>
-              <a:rPr lang="en-US" altLang="zh-TW" dirty="0"/>
-              <a:t>in </a:t>
-            </a:r>
-            <a:r>
-              <a:rPr lang="en-US" altLang="zh-TW" dirty="0" smtClean="0"/>
-              <a:t>2013</a:t>
-            </a:r>
-            <a:endParaRPr lang="en-US" altLang="zh-TW" dirty="0"/>
+              <a:t>JPA 2.1 - released in 2013</a:t>
+            </a:r>
           </a:p>
           <a:p>
             <a:pPr lvl="1"/>
@@ -3357,15 +8762,7 @@
           <a:p>
             <a:r>
               <a:rPr lang="en-US" altLang="zh-TW" dirty="0"/>
-              <a:t>JPA 2.2 - </a:t>
-            </a:r>
-            <a:r>
-              <a:rPr lang="en-US" altLang="zh-TW" dirty="0" smtClean="0"/>
-              <a:t>released </a:t>
-            </a:r>
-            <a:r>
-              <a:rPr lang="en-US" altLang="zh-TW" dirty="0"/>
-              <a:t>as a development of </a:t>
+              <a:t>JPA 2.2 - released as a development of </a:t>
             </a:r>
             <a:r>
               <a:rPr lang="en-US" altLang="zh-TW" dirty="0" err="1"/>
@@ -3373,22 +8770,14 @@
             </a:r>
             <a:r>
               <a:rPr lang="en-US" altLang="zh-TW" dirty="0"/>
-              <a:t> in 2017</a:t>
-            </a:r>
-            <a:r>
-              <a:rPr lang="en-US" altLang="zh-TW" dirty="0" smtClean="0"/>
-              <a:t>.</a:t>
+              <a:t> in 2017.</a:t>
             </a:r>
           </a:p>
           <a:p>
             <a:pPr lvl="1"/>
             <a:r>
-              <a:rPr lang="en-US" altLang="zh-TW" dirty="0" smtClean="0"/>
-              <a:t> It </a:t>
-            </a:r>
-            <a:r>
-              <a:rPr lang="en-US" altLang="zh-TW" dirty="0"/>
-              <a:t>supports Java 8 Date and Time.</a:t>
+              <a:rPr lang="en-US" altLang="zh-TW" dirty="0"/>
+              <a:t> It supports Java 8 Date and Time.</a:t>
             </a:r>
           </a:p>
           <a:p>
@@ -3409,14 +8798,10 @@
             <a:pPr lvl="1"/>
             <a:r>
               <a:rPr lang="en-US" altLang="zh-TW" dirty="0"/>
-              <a:t>It provides an ability to stream a query result</a:t>
-            </a:r>
-            <a:r>
-              <a:rPr lang="en-US" altLang="zh-TW" dirty="0" smtClean="0"/>
-              <a:t>.</a:t>
+              <a:t>It provides an ability to stream a query result.</a:t>
             </a:r>
             <a:br>
-              <a:rPr lang="en-US" altLang="zh-TW" dirty="0" smtClean="0"/>
+              <a:rPr lang="en-US" altLang="zh-TW" dirty="0"/>
             </a:br>
             <a:endParaRPr lang="zh-TW" altLang="en-US" dirty="0"/>
           </a:p>
@@ -3454,7 +8839,13 @@
       </p:grpSpPr>
       <p:sp>
         <p:nvSpPr>
-          <p:cNvPr id="2" name="標題 1"/>
+          <p:cNvPr id="2" name="標題 1">
+            <a:extLst>
+              <a:ext uri="{FF2B5EF4-FFF2-40B4-BE49-F238E27FC236}">
+                <a16:creationId xmlns:a16="http://schemas.microsoft.com/office/drawing/2014/main" id="{C7A14A77-46C3-4564-A0AC-C648C002F5C5}"/>
+              </a:ext>
+            </a:extLst>
+          </p:cNvPr>
           <p:cNvSpPr>
             <a:spLocks noGrp="1"/>
           </p:cNvSpPr>
@@ -3467,13 +8858,23 @@
           <a:bodyPr/>
           <a:lstStyle/>
           <a:p>
-            <a:endParaRPr lang="zh-TW" altLang="en-US"/>
-          </a:p>
-        </p:txBody>
-      </p:sp>
-      <p:sp>
-        <p:nvSpPr>
-          <p:cNvPr id="3" name="內容版面配置區 2"/>
+            <a:r>
+              <a:rPr lang="en-US" altLang="zh-TW" b="1" dirty="0"/>
+              <a:t>Entity manager</a:t>
+            </a:r>
+            <a:endParaRPr lang="zh-TW" altLang="en-US" dirty="0"/>
+          </a:p>
+        </p:txBody>
+      </p:sp>
+      <p:sp>
+        <p:nvSpPr>
+          <p:cNvPr id="3" name="內容版面配置區 2">
+            <a:extLst>
+              <a:ext uri="{FF2B5EF4-FFF2-40B4-BE49-F238E27FC236}">
+                <a16:creationId xmlns:a16="http://schemas.microsoft.com/office/drawing/2014/main" id="{AEE690AB-EB8F-4283-95AE-63A3E477D84C}"/>
+              </a:ext>
+            </a:extLst>
+          </p:cNvPr>
           <p:cNvSpPr>
             <a:spLocks noGrp="1"/>
           </p:cNvSpPr>
@@ -3486,14 +8887,27 @@
           <a:bodyPr/>
           <a:lstStyle/>
           <a:p>
-            <a:endParaRPr lang="zh-TW" altLang="en-US"/>
+            <a:r>
+              <a:rPr lang="en-US" altLang="zh-TW" dirty="0"/>
+              <a:t>similar to the Hibernate Session class</a:t>
+            </a:r>
+          </a:p>
+          <a:p>
+            <a:endParaRPr lang="en-US" altLang="zh-TW" dirty="0"/>
+          </a:p>
+          <a:p>
+            <a:r>
+              <a:rPr lang="en-US" altLang="zh-TW" dirty="0"/>
+              <a:t>entity manager is not expected to be thread safe (don't inject it into a servlet class variable which is visible to multiple threads).</a:t>
+            </a:r>
+            <a:endParaRPr lang="zh-TW" altLang="en-US" dirty="0"/>
           </a:p>
         </p:txBody>
       </p:sp>
     </p:spTree>
     <p:extLst>
       <p:ext uri="{BB962C8B-B14F-4D97-AF65-F5344CB8AC3E}">
-        <p14:creationId xmlns:p14="http://schemas.microsoft.com/office/powerpoint/2010/main" val="2126680105"/>
+        <p14:creationId xmlns:p14="http://schemas.microsoft.com/office/powerpoint/2010/main" val="433405163"/>
       </p:ext>
     </p:extLst>
   </p:cSld>
@@ -3522,7 +8936,13 @@
       </p:grpSpPr>
       <p:sp>
         <p:nvSpPr>
-          <p:cNvPr id="2" name="標題 1"/>
+          <p:cNvPr id="2" name="標題 1">
+            <a:extLst>
+              <a:ext uri="{FF2B5EF4-FFF2-40B4-BE49-F238E27FC236}">
+                <a16:creationId xmlns:a16="http://schemas.microsoft.com/office/drawing/2014/main" id="{64CEE159-2A66-4AD3-B389-A661B7B3BEE1}"/>
+              </a:ext>
+            </a:extLst>
+          </p:cNvPr>
           <p:cNvSpPr>
             <a:spLocks noGrp="1"/>
           </p:cNvSpPr>
@@ -3536,8 +8956,8 @@
           <a:lstStyle/>
           <a:p>
             <a:r>
-              <a:rPr lang="en-US" altLang="zh-TW" dirty="0" smtClean="0"/>
-              <a:t>references</a:t>
+              <a:rPr lang="en-US" altLang="zh-TW" dirty="0"/>
+              <a:t>Application-managed entity managers</a:t>
             </a:r>
             <a:endParaRPr lang="zh-TW" altLang="en-US" dirty="0"/>
           </a:p>
@@ -3545,7 +8965,13 @@
       </p:sp>
       <p:sp>
         <p:nvSpPr>
-          <p:cNvPr id="3" name="內容版面配置區 2"/>
+          <p:cNvPr id="3" name="內容版面配置區 2">
+            <a:extLst>
+              <a:ext uri="{FF2B5EF4-FFF2-40B4-BE49-F238E27FC236}">
+                <a16:creationId xmlns:a16="http://schemas.microsoft.com/office/drawing/2014/main" id="{0F0F50D0-4E16-44B1-A0FA-5A9868C8A6D8}"/>
+              </a:ext>
+            </a:extLst>
+          </p:cNvPr>
           <p:cNvSpPr>
             <a:spLocks noGrp="1"/>
           </p:cNvSpPr>
@@ -3559,20 +8985,63 @@
           <a:lstStyle/>
           <a:p>
             <a:r>
-              <a:rPr lang="en-US" altLang="zh-TW" dirty="0" smtClean="0"/>
-              <a:t>https://www.tutorialspoint.com/jpa/index.htm</a:t>
-            </a:r>
-          </a:p>
-          <a:p>
-            <a:endParaRPr lang="en-US" altLang="zh-TW" dirty="0" smtClean="0"/>
-          </a:p>
-          <a:p>
-            <a:r>
-              <a:rPr lang="en-US" altLang="zh-TW" dirty="0" smtClean="0"/>
-              <a:t>https://www.javatpoint.com/jpa-tutorial</a:t>
-            </a:r>
-          </a:p>
-          <a:p>
+              <a:rPr lang="en-US" altLang="zh-TW" dirty="0"/>
+              <a:t>Application-managed entity managers provide direct access to the underlying persistence provider (</a:t>
+            </a:r>
+            <a:r>
+              <a:rPr lang="en-US" altLang="zh-TW" dirty="0" err="1"/>
+              <a:t>org.hibernate.ejb.HibernatePersistence</a:t>
+            </a:r>
+            <a:r>
+              <a:rPr lang="en-US" altLang="zh-TW" dirty="0"/>
+              <a:t>).</a:t>
+            </a:r>
+          </a:p>
+          <a:p>
+            <a:r>
+              <a:rPr lang="en-US" altLang="zh-TW" dirty="0"/>
+              <a:t>The scope of the application-managed entity manager is from when the application creates it and lasts until the app closes it. </a:t>
+            </a:r>
+          </a:p>
+          <a:p>
+            <a:r>
+              <a:rPr lang="en-US" altLang="zh-TW" dirty="0"/>
+              <a:t>Use the </a:t>
+            </a:r>
+            <a:r>
+              <a:rPr lang="en-US" altLang="zh-TW" i="1" dirty="0"/>
+              <a:t>@</a:t>
+            </a:r>
+            <a:r>
+              <a:rPr lang="en-US" altLang="zh-TW" i="1" dirty="0" err="1"/>
+              <a:t>PersistenceUnit</a:t>
+            </a:r>
+            <a:r>
+              <a:rPr lang="en-US" altLang="zh-TW" dirty="0"/>
+              <a:t> annotation to inject a persistence unit into a </a:t>
+            </a:r>
+            <a:r>
+              <a:rPr lang="en-US" altLang="zh-TW" i="1" dirty="0" err="1"/>
+              <a:t>javax.persistence.EntityManagerFactory</a:t>
+            </a:r>
+            <a:r>
+              <a:rPr lang="en-US" altLang="zh-TW" dirty="0"/>
+              <a:t>. </a:t>
+            </a:r>
+          </a:p>
+          <a:p>
+            <a:r>
+              <a:rPr lang="en-US" altLang="zh-TW" dirty="0"/>
+              <a:t>The </a:t>
+            </a:r>
+            <a:r>
+              <a:rPr lang="en-US" altLang="zh-TW" dirty="0" err="1"/>
+              <a:t>EntityManagerFactory</a:t>
+            </a:r>
+            <a:r>
+              <a:rPr lang="en-US" altLang="zh-TW" dirty="0"/>
+              <a:t> can return an application-managed entity manager.</a:t>
+            </a:r>
             <a:endParaRPr lang="zh-TW" altLang="en-US" dirty="0"/>
           </a:p>
         </p:txBody>
@@ -3580,7 +9049,459 @@
     </p:spTree>
     <p:extLst>
       <p:ext uri="{BB962C8B-B14F-4D97-AF65-F5344CB8AC3E}">
-        <p14:creationId xmlns:p14="http://schemas.microsoft.com/office/powerpoint/2010/main" val="2271923094"/>
+        <p14:creationId xmlns:p14="http://schemas.microsoft.com/office/powerpoint/2010/main" val="2654850837"/>
+      </p:ext>
+    </p:extLst>
+  </p:cSld>
+  <p:clrMapOvr>
+    <a:masterClrMapping/>
+  </p:clrMapOvr>
+</p:sld>
+</file>
+
+<file path=ppt/slides/slide6.xml><?xml version="1.0" encoding="utf-8"?>
+<p:sld xmlns:a="http://schemas.openxmlformats.org/drawingml/2006/main" xmlns:r="http://schemas.openxmlformats.org/officeDocument/2006/relationships" xmlns:p="http://schemas.openxmlformats.org/presentationml/2006/main">
+  <p:cSld>
+    <p:spTree>
+      <p:nvGrpSpPr>
+        <p:cNvPr id="1" name=""/>
+        <p:cNvGrpSpPr/>
+        <p:nvPr/>
+      </p:nvGrpSpPr>
+      <p:grpSpPr>
+        <a:xfrm>
+          <a:off x="0" y="0"/>
+          <a:ext cx="0" cy="0"/>
+          <a:chOff x="0" y="0"/>
+          <a:chExt cx="0" cy="0"/>
+        </a:xfrm>
+      </p:grpSpPr>
+      <p:sp>
+        <p:nvSpPr>
+          <p:cNvPr id="2" name="標題 1">
+            <a:extLst>
+              <a:ext uri="{FF2B5EF4-FFF2-40B4-BE49-F238E27FC236}">
+                <a16:creationId xmlns:a16="http://schemas.microsoft.com/office/drawing/2014/main" id="{147C53E6-5EC4-439B-9132-7CC6E3C56D24}"/>
+              </a:ext>
+            </a:extLst>
+          </p:cNvPr>
+          <p:cNvSpPr>
+            <a:spLocks noGrp="1"/>
+          </p:cNvSpPr>
+          <p:nvPr>
+            <p:ph type="title"/>
+          </p:nvPr>
+        </p:nvSpPr>
+        <p:spPr/>
+        <p:txBody>
+          <a:bodyPr/>
+          <a:lstStyle/>
+          <a:p>
+            <a:r>
+              <a:rPr lang="en-US" altLang="zh-TW" dirty="0"/>
+              <a:t>Container-managed entity manager</a:t>
+            </a:r>
+            <a:endParaRPr lang="zh-TW" altLang="en-US" dirty="0"/>
+          </a:p>
+        </p:txBody>
+      </p:sp>
+      <p:sp>
+        <p:nvSpPr>
+          <p:cNvPr id="3" name="內容版面配置區 2">
+            <a:extLst>
+              <a:ext uri="{FF2B5EF4-FFF2-40B4-BE49-F238E27FC236}">
+                <a16:creationId xmlns:a16="http://schemas.microsoft.com/office/drawing/2014/main" id="{526C88DC-6611-4324-AC08-059B50D0F53B}"/>
+              </a:ext>
+            </a:extLst>
+          </p:cNvPr>
+          <p:cNvSpPr>
+            <a:spLocks noGrp="1"/>
+          </p:cNvSpPr>
+          <p:nvPr>
+            <p:ph idx="1"/>
+          </p:nvPr>
+        </p:nvSpPr>
+        <p:spPr/>
+        <p:txBody>
+          <a:bodyPr/>
+          <a:lstStyle/>
+          <a:p>
+            <a:r>
+              <a:rPr lang="en-US" altLang="zh-TW" dirty="0"/>
+              <a:t>Container-managed entity managers auto-magically manage the underlying persistence provider for the application. </a:t>
+            </a:r>
+          </a:p>
+          <a:p>
+            <a:r>
+              <a:rPr lang="en-US" altLang="zh-TW" dirty="0"/>
+              <a:t>Container-managed entity managers may use transaction-scoped persistence contexts or extended persistence contexts. </a:t>
+            </a:r>
+          </a:p>
+          <a:p>
+            <a:r>
+              <a:rPr lang="en-US" altLang="zh-TW" dirty="0"/>
+              <a:t>The container-managed entity manager will create instances of the underlying persistence provider as needed. </a:t>
+            </a:r>
+          </a:p>
+          <a:p>
+            <a:r>
+              <a:rPr lang="en-US" altLang="zh-TW" dirty="0"/>
+              <a:t>Every time that a new underlying persistence provider (</a:t>
+            </a:r>
+            <a:r>
+              <a:rPr lang="en-US" altLang="zh-TW" i="1" dirty="0" err="1"/>
+              <a:t>org.hibernate.ejb.HibernatePersistence</a:t>
+            </a:r>
+            <a:r>
+              <a:rPr lang="en-US" altLang="zh-TW" dirty="0"/>
+              <a:t>) instance is created, a new persistence context is also created (as an implementation detail of the underlying persistence provider).</a:t>
+            </a:r>
+            <a:endParaRPr lang="zh-TW" altLang="en-US" dirty="0"/>
+          </a:p>
+        </p:txBody>
+      </p:sp>
+    </p:spTree>
+    <p:extLst>
+      <p:ext uri="{BB962C8B-B14F-4D97-AF65-F5344CB8AC3E}">
+        <p14:creationId xmlns:p14="http://schemas.microsoft.com/office/powerpoint/2010/main" val="1284837746"/>
+      </p:ext>
+    </p:extLst>
+  </p:cSld>
+  <p:clrMapOvr>
+    <a:masterClrMapping/>
+  </p:clrMapOvr>
+</p:sld>
+</file>
+
+<file path=ppt/slides/slide7.xml><?xml version="1.0" encoding="utf-8"?>
+<p:sld xmlns:a="http://schemas.openxmlformats.org/drawingml/2006/main" xmlns:r="http://schemas.openxmlformats.org/officeDocument/2006/relationships" xmlns:p="http://schemas.openxmlformats.org/presentationml/2006/main">
+  <p:cSld>
+    <p:spTree>
+      <p:nvGrpSpPr>
+        <p:cNvPr id="1" name=""/>
+        <p:cNvGrpSpPr/>
+        <p:nvPr/>
+      </p:nvGrpSpPr>
+      <p:grpSpPr>
+        <a:xfrm>
+          <a:off x="0" y="0"/>
+          <a:ext cx="0" cy="0"/>
+          <a:chOff x="0" y="0"/>
+          <a:chExt cx="0" cy="0"/>
+        </a:xfrm>
+      </p:grpSpPr>
+      <p:sp>
+        <p:nvSpPr>
+          <p:cNvPr id="2" name="標題 1">
+            <a:extLst>
+              <a:ext uri="{FF2B5EF4-FFF2-40B4-BE49-F238E27FC236}">
+                <a16:creationId xmlns:a16="http://schemas.microsoft.com/office/drawing/2014/main" id="{F1FBA8D6-CBB5-42BD-8D90-24F31A30DCD8}"/>
+              </a:ext>
+            </a:extLst>
+          </p:cNvPr>
+          <p:cNvSpPr>
+            <a:spLocks noGrp="1"/>
+          </p:cNvSpPr>
+          <p:nvPr>
+            <p:ph type="title"/>
+          </p:nvPr>
+        </p:nvSpPr>
+        <p:spPr/>
+        <p:txBody>
+          <a:bodyPr/>
+          <a:lstStyle/>
+          <a:p>
+            <a:r>
+              <a:rPr lang="en-US" altLang="zh-TW" dirty="0"/>
+              <a:t>Persistence Context</a:t>
+            </a:r>
+            <a:endParaRPr lang="zh-TW" altLang="en-US" dirty="0"/>
+          </a:p>
+        </p:txBody>
+      </p:sp>
+      <p:sp>
+        <p:nvSpPr>
+          <p:cNvPr id="3" name="內容版面配置區 2">
+            <a:extLst>
+              <a:ext uri="{FF2B5EF4-FFF2-40B4-BE49-F238E27FC236}">
+                <a16:creationId xmlns:a16="http://schemas.microsoft.com/office/drawing/2014/main" id="{F5215E25-45E8-4878-89DD-F98F76B977FE}"/>
+              </a:ext>
+            </a:extLst>
+          </p:cNvPr>
+          <p:cNvSpPr>
+            <a:spLocks noGrp="1"/>
+          </p:cNvSpPr>
+          <p:nvPr>
+            <p:ph idx="1"/>
+          </p:nvPr>
+        </p:nvSpPr>
+        <p:spPr/>
+        <p:txBody>
+          <a:bodyPr/>
+          <a:lstStyle/>
+          <a:p>
+            <a:r>
+              <a:rPr lang="en-US" altLang="zh-TW" dirty="0"/>
+              <a:t>The JPA persistence context contains the entities managed by the persistence provider. </a:t>
+            </a:r>
+          </a:p>
+          <a:p>
+            <a:r>
+              <a:rPr lang="en-US" altLang="zh-TW" dirty="0"/>
+              <a:t>The persistence context acts like a first level (transactional) cache for interacting with the </a:t>
+            </a:r>
+            <a:r>
+              <a:rPr lang="en-US" altLang="zh-TW" dirty="0" err="1"/>
+              <a:t>datasource</a:t>
+            </a:r>
+            <a:r>
+              <a:rPr lang="en-US" altLang="zh-TW" dirty="0"/>
+              <a:t>. </a:t>
+            </a:r>
+          </a:p>
+          <a:p>
+            <a:r>
+              <a:rPr lang="en-US" altLang="zh-TW" dirty="0"/>
+              <a:t>Loaded entities are placed into the persistence context before being returned to the application. </a:t>
+            </a:r>
+          </a:p>
+          <a:p>
+            <a:r>
+              <a:rPr lang="en-US" altLang="zh-TW" dirty="0"/>
+              <a:t>Entities changes are also placed into the persistence context (to be saved in the database when the transaction commits).</a:t>
+            </a:r>
+            <a:endParaRPr lang="zh-TW" altLang="en-US" dirty="0"/>
+          </a:p>
+        </p:txBody>
+      </p:sp>
+    </p:spTree>
+    <p:extLst>
+      <p:ext uri="{BB962C8B-B14F-4D97-AF65-F5344CB8AC3E}">
+        <p14:creationId xmlns:p14="http://schemas.microsoft.com/office/powerpoint/2010/main" val="3289285605"/>
+      </p:ext>
+    </p:extLst>
+  </p:cSld>
+  <p:clrMapOvr>
+    <a:masterClrMapping/>
+  </p:clrMapOvr>
+</p:sld>
+</file>
+
+<file path=ppt/slides/slide8.xml><?xml version="1.0" encoding="utf-8"?>
+<p:sld xmlns:a="http://schemas.openxmlformats.org/drawingml/2006/main" xmlns:r="http://schemas.openxmlformats.org/officeDocument/2006/relationships" xmlns:p="http://schemas.openxmlformats.org/presentationml/2006/main">
+  <p:cSld>
+    <p:spTree>
+      <p:nvGrpSpPr>
+        <p:cNvPr id="1" name=""/>
+        <p:cNvGrpSpPr/>
+        <p:nvPr/>
+      </p:nvGrpSpPr>
+      <p:grpSpPr>
+        <a:xfrm>
+          <a:off x="0" y="0"/>
+          <a:ext cx="0" cy="0"/>
+          <a:chOff x="0" y="0"/>
+          <a:chExt cx="0" cy="0"/>
+        </a:xfrm>
+      </p:grpSpPr>
+      <p:sp>
+        <p:nvSpPr>
+          <p:cNvPr id="2" name="標題 1">
+            <a:extLst>
+              <a:ext uri="{FF2B5EF4-FFF2-40B4-BE49-F238E27FC236}">
+                <a16:creationId xmlns:a16="http://schemas.microsoft.com/office/drawing/2014/main" id="{BEFA9DC3-B38B-4798-82A8-911A2F29AB51}"/>
+              </a:ext>
+            </a:extLst>
+          </p:cNvPr>
+          <p:cNvSpPr>
+            <a:spLocks noGrp="1"/>
+          </p:cNvSpPr>
+          <p:nvPr>
+            <p:ph type="title"/>
+          </p:nvPr>
+        </p:nvSpPr>
+        <p:spPr/>
+        <p:txBody>
+          <a:bodyPr/>
+          <a:lstStyle/>
+          <a:p>
+            <a:r>
+              <a:rPr lang="en-US" altLang="zh-TW" dirty="0"/>
+              <a:t>Transaction-scoped Persistence Context</a:t>
+            </a:r>
+            <a:endParaRPr lang="zh-TW" altLang="en-US" dirty="0"/>
+          </a:p>
+        </p:txBody>
+      </p:sp>
+      <p:sp>
+        <p:nvSpPr>
+          <p:cNvPr id="3" name="內容版面配置區 2">
+            <a:extLst>
+              <a:ext uri="{FF2B5EF4-FFF2-40B4-BE49-F238E27FC236}">
+                <a16:creationId xmlns:a16="http://schemas.microsoft.com/office/drawing/2014/main" id="{57CAADDD-6823-4210-A1FA-4B63C8D51B57}"/>
+              </a:ext>
+            </a:extLst>
+          </p:cNvPr>
+          <p:cNvSpPr>
+            <a:spLocks noGrp="1"/>
+          </p:cNvSpPr>
+          <p:nvPr>
+            <p:ph idx="1"/>
+          </p:nvPr>
+        </p:nvSpPr>
+        <p:spPr/>
+        <p:txBody>
+          <a:bodyPr/>
+          <a:lstStyle/>
+          <a:p>
+            <a:r>
+              <a:rPr lang="en-US" altLang="zh-TW" dirty="0"/>
+              <a:t>The transaction-scoped persistence context coordinates with the (active) JTA transaction.  </a:t>
+            </a:r>
+          </a:p>
+          <a:p>
+            <a:r>
+              <a:rPr lang="en-US" altLang="zh-TW" dirty="0"/>
+              <a:t>When the transaction commits, the persistence context is flushed to the </a:t>
+            </a:r>
+            <a:r>
+              <a:rPr lang="en-US" altLang="zh-TW" dirty="0" err="1"/>
+              <a:t>datasource</a:t>
+            </a:r>
+            <a:r>
+              <a:rPr lang="en-US" altLang="zh-TW" dirty="0"/>
+              <a:t> (entity objects are detached but may still be referenced by application code).  </a:t>
+            </a:r>
+          </a:p>
+          <a:p>
+            <a:r>
+              <a:rPr lang="en-US" altLang="zh-TW" dirty="0"/>
+              <a:t>All entity changes that are expected to be saved to the </a:t>
+            </a:r>
+            <a:r>
+              <a:rPr lang="en-US" altLang="zh-TW" dirty="0" err="1"/>
+              <a:t>datasource</a:t>
+            </a:r>
+            <a:r>
+              <a:rPr lang="en-US" altLang="zh-TW" dirty="0"/>
+              <a:t>, must be made during a transaction.  </a:t>
+            </a:r>
+          </a:p>
+          <a:p>
+            <a:r>
+              <a:rPr lang="en-US" altLang="zh-TW" dirty="0"/>
+              <a:t>Entities read outside of a transaction will be detached when the entity manager invocation completes. </a:t>
+            </a:r>
+            <a:endParaRPr lang="zh-TW" altLang="en-US" dirty="0"/>
+          </a:p>
+        </p:txBody>
+      </p:sp>
+    </p:spTree>
+    <p:extLst>
+      <p:ext uri="{BB962C8B-B14F-4D97-AF65-F5344CB8AC3E}">
+        <p14:creationId xmlns:p14="http://schemas.microsoft.com/office/powerpoint/2010/main" val="1461032945"/>
+      </p:ext>
+    </p:extLst>
+  </p:cSld>
+  <p:clrMapOvr>
+    <a:masterClrMapping/>
+  </p:clrMapOvr>
+</p:sld>
+</file>
+
+<file path=ppt/slides/slide9.xml><?xml version="1.0" encoding="utf-8"?>
+<p:sld xmlns:a="http://schemas.openxmlformats.org/drawingml/2006/main" xmlns:r="http://schemas.openxmlformats.org/officeDocument/2006/relationships" xmlns:p="http://schemas.openxmlformats.org/presentationml/2006/main">
+  <p:cSld>
+    <p:spTree>
+      <p:nvGrpSpPr>
+        <p:cNvPr id="1" name=""/>
+        <p:cNvGrpSpPr/>
+        <p:nvPr/>
+      </p:nvGrpSpPr>
+      <p:grpSpPr>
+        <a:xfrm>
+          <a:off x="0" y="0"/>
+          <a:ext cx="0" cy="0"/>
+          <a:chOff x="0" y="0"/>
+          <a:chExt cx="0" cy="0"/>
+        </a:xfrm>
+      </p:grpSpPr>
+      <p:sp>
+        <p:nvSpPr>
+          <p:cNvPr id="2" name="標題 1">
+            <a:extLst>
+              <a:ext uri="{FF2B5EF4-FFF2-40B4-BE49-F238E27FC236}">
+                <a16:creationId xmlns:a16="http://schemas.microsoft.com/office/drawing/2014/main" id="{5F3CCECF-3C17-4015-9217-E5CEBE94EFAB}"/>
+              </a:ext>
+            </a:extLst>
+          </p:cNvPr>
+          <p:cNvSpPr>
+            <a:spLocks noGrp="1"/>
+          </p:cNvSpPr>
+          <p:nvPr>
+            <p:ph type="title"/>
+          </p:nvPr>
+        </p:nvSpPr>
+        <p:spPr/>
+        <p:txBody>
+          <a:bodyPr/>
+          <a:lstStyle/>
+          <a:p>
+            <a:r>
+              <a:rPr lang="en-US" altLang="zh-TW" dirty="0"/>
+              <a:t>Extended Persistence Context</a:t>
+            </a:r>
+            <a:endParaRPr lang="zh-TW" altLang="en-US" dirty="0"/>
+          </a:p>
+        </p:txBody>
+      </p:sp>
+      <p:sp>
+        <p:nvSpPr>
+          <p:cNvPr id="3" name="內容版面配置區 2">
+            <a:extLst>
+              <a:ext uri="{FF2B5EF4-FFF2-40B4-BE49-F238E27FC236}">
+                <a16:creationId xmlns:a16="http://schemas.microsoft.com/office/drawing/2014/main" id="{04775306-61F3-4D4C-B31B-1B2771F8881C}"/>
+              </a:ext>
+            </a:extLst>
+          </p:cNvPr>
+          <p:cNvSpPr>
+            <a:spLocks noGrp="1"/>
+          </p:cNvSpPr>
+          <p:nvPr>
+            <p:ph idx="1"/>
+          </p:nvPr>
+        </p:nvSpPr>
+        <p:spPr/>
+        <p:txBody>
+          <a:bodyPr/>
+          <a:lstStyle/>
+          <a:p>
+            <a:r>
+              <a:rPr lang="en-US" altLang="zh-TW" dirty="0"/>
+              <a:t>The (</a:t>
+            </a:r>
+            <a:r>
+              <a:rPr lang="en-US" altLang="zh-TW" dirty="0" err="1"/>
+              <a:t>ee</a:t>
+            </a:r>
+            <a:r>
+              <a:rPr lang="en-US" altLang="zh-TW" dirty="0"/>
+              <a:t> container managed) extended persistence context can span multiple transactions and allows data modifications to be queued up (like a shopping cart), without an active JTA transaction (to be applied during the next JTA TX). </a:t>
+            </a:r>
+          </a:p>
+          <a:p>
+            <a:r>
+              <a:rPr lang="en-US" altLang="zh-TW" dirty="0"/>
+              <a:t>The Container-managed extended persistence context can only be injected into a stateful session bean. </a:t>
+            </a:r>
+            <a:endParaRPr lang="zh-TW" altLang="en-US" dirty="0"/>
+          </a:p>
+        </p:txBody>
+      </p:sp>
+    </p:spTree>
+    <p:extLst>
+      <p:ext uri="{BB962C8B-B14F-4D97-AF65-F5344CB8AC3E}">
+        <p14:creationId xmlns:p14="http://schemas.microsoft.com/office/powerpoint/2010/main" val="4018954063"/>
       </p:ext>
     </p:extLst>
   </p:cSld>

--- a/test-springmvc/doc/20181018-Spring JPA.pptx
+++ b/test-springmvc/doc/20181018-Spring JPA.pptx
@@ -8,26 +8,43 @@
     <p:sldId id="256" r:id="rId2"/>
     <p:sldId id="257" r:id="rId3"/>
     <p:sldId id="258" r:id="rId4"/>
-    <p:sldId id="271" r:id="rId5"/>
-    <p:sldId id="272" r:id="rId6"/>
-    <p:sldId id="273" r:id="rId7"/>
-    <p:sldId id="274" r:id="rId8"/>
-    <p:sldId id="275" r:id="rId9"/>
-    <p:sldId id="276" r:id="rId10"/>
-    <p:sldId id="277" r:id="rId11"/>
-    <p:sldId id="278" r:id="rId12"/>
-    <p:sldId id="260" r:id="rId13"/>
-    <p:sldId id="261" r:id="rId14"/>
-    <p:sldId id="264" r:id="rId15"/>
-    <p:sldId id="263" r:id="rId16"/>
-    <p:sldId id="268" r:id="rId17"/>
-    <p:sldId id="262" r:id="rId18"/>
-    <p:sldId id="265" r:id="rId19"/>
-    <p:sldId id="266" r:id="rId20"/>
-    <p:sldId id="269" r:id="rId21"/>
-    <p:sldId id="267" r:id="rId22"/>
-    <p:sldId id="270" r:id="rId23"/>
-    <p:sldId id="259" r:id="rId24"/>
+    <p:sldId id="279" r:id="rId5"/>
+    <p:sldId id="280" r:id="rId6"/>
+    <p:sldId id="285" r:id="rId7"/>
+    <p:sldId id="281" r:id="rId8"/>
+    <p:sldId id="282" r:id="rId9"/>
+    <p:sldId id="286" r:id="rId10"/>
+    <p:sldId id="287" r:id="rId11"/>
+    <p:sldId id="288" r:id="rId12"/>
+    <p:sldId id="289" r:id="rId13"/>
+    <p:sldId id="283" r:id="rId14"/>
+    <p:sldId id="284" r:id="rId15"/>
+    <p:sldId id="271" r:id="rId16"/>
+    <p:sldId id="290" r:id="rId17"/>
+    <p:sldId id="272" r:id="rId18"/>
+    <p:sldId id="273" r:id="rId19"/>
+    <p:sldId id="274" r:id="rId20"/>
+    <p:sldId id="275" r:id="rId21"/>
+    <p:sldId id="276" r:id="rId22"/>
+    <p:sldId id="277" r:id="rId23"/>
+    <p:sldId id="278" r:id="rId24"/>
+    <p:sldId id="292" r:id="rId25"/>
+    <p:sldId id="293" r:id="rId26"/>
+    <p:sldId id="295" r:id="rId27"/>
+    <p:sldId id="294" r:id="rId28"/>
+    <p:sldId id="260" r:id="rId29"/>
+    <p:sldId id="261" r:id="rId30"/>
+    <p:sldId id="264" r:id="rId31"/>
+    <p:sldId id="263" r:id="rId32"/>
+    <p:sldId id="268" r:id="rId33"/>
+    <p:sldId id="262" r:id="rId34"/>
+    <p:sldId id="265" r:id="rId35"/>
+    <p:sldId id="266" r:id="rId36"/>
+    <p:sldId id="291" r:id="rId37"/>
+    <p:sldId id="269" r:id="rId38"/>
+    <p:sldId id="267" r:id="rId39"/>
+    <p:sldId id="270" r:id="rId40"/>
+    <p:sldId id="259" r:id="rId41"/>
   </p:sldIdLst>
   <p:sldSz cx="12192000" cy="6858000"/>
   <p:notesSz cx="6858000" cy="9144000"/>
@@ -263,7 +280,7 @@
           <a:p>
             <a:fld id="{6E8ECDC8-BA8A-40BE-ADB5-07E1343FAE8E}" type="datetimeFigureOut">
               <a:rPr lang="zh-TW" altLang="en-US" smtClean="0"/>
-              <a:t>2018/10/20</a:t>
+              <a:t>2018-10-22</a:t>
             </a:fld>
             <a:endParaRPr lang="zh-TW" altLang="en-US"/>
           </a:p>
@@ -431,7 +448,7 @@
           <a:p>
             <a:fld id="{6E8ECDC8-BA8A-40BE-ADB5-07E1343FAE8E}" type="datetimeFigureOut">
               <a:rPr lang="zh-TW" altLang="en-US" smtClean="0"/>
-              <a:t>2018/10/20</a:t>
+              <a:t>2018-10-22</a:t>
             </a:fld>
             <a:endParaRPr lang="zh-TW" altLang="en-US"/>
           </a:p>
@@ -609,7 +626,7 @@
           <a:p>
             <a:fld id="{6E8ECDC8-BA8A-40BE-ADB5-07E1343FAE8E}" type="datetimeFigureOut">
               <a:rPr lang="zh-TW" altLang="en-US" smtClean="0"/>
-              <a:t>2018/10/20</a:t>
+              <a:t>2018-10-22</a:t>
             </a:fld>
             <a:endParaRPr lang="zh-TW" altLang="en-US"/>
           </a:p>
@@ -777,7 +794,7 @@
           <a:p>
             <a:fld id="{6E8ECDC8-BA8A-40BE-ADB5-07E1343FAE8E}" type="datetimeFigureOut">
               <a:rPr lang="zh-TW" altLang="en-US" smtClean="0"/>
-              <a:t>2018/10/20</a:t>
+              <a:t>2018-10-22</a:t>
             </a:fld>
             <a:endParaRPr lang="zh-TW" altLang="en-US"/>
           </a:p>
@@ -1022,7 +1039,7 @@
           <a:p>
             <a:fld id="{6E8ECDC8-BA8A-40BE-ADB5-07E1343FAE8E}" type="datetimeFigureOut">
               <a:rPr lang="zh-TW" altLang="en-US" smtClean="0"/>
-              <a:t>2018/10/20</a:t>
+              <a:t>2018-10-22</a:t>
             </a:fld>
             <a:endParaRPr lang="zh-TW" altLang="en-US"/>
           </a:p>
@@ -1251,7 +1268,7 @@
           <a:p>
             <a:fld id="{6E8ECDC8-BA8A-40BE-ADB5-07E1343FAE8E}" type="datetimeFigureOut">
               <a:rPr lang="zh-TW" altLang="en-US" smtClean="0"/>
-              <a:t>2018/10/20</a:t>
+              <a:t>2018-10-22</a:t>
             </a:fld>
             <a:endParaRPr lang="zh-TW" altLang="en-US"/>
           </a:p>
@@ -1615,7 +1632,7 @@
           <a:p>
             <a:fld id="{6E8ECDC8-BA8A-40BE-ADB5-07E1343FAE8E}" type="datetimeFigureOut">
               <a:rPr lang="zh-TW" altLang="en-US" smtClean="0"/>
-              <a:t>2018/10/20</a:t>
+              <a:t>2018-10-22</a:t>
             </a:fld>
             <a:endParaRPr lang="zh-TW" altLang="en-US"/>
           </a:p>
@@ -1732,7 +1749,7 @@
           <a:p>
             <a:fld id="{6E8ECDC8-BA8A-40BE-ADB5-07E1343FAE8E}" type="datetimeFigureOut">
               <a:rPr lang="zh-TW" altLang="en-US" smtClean="0"/>
-              <a:t>2018/10/20</a:t>
+              <a:t>2018-10-22</a:t>
             </a:fld>
             <a:endParaRPr lang="zh-TW" altLang="en-US"/>
           </a:p>
@@ -1827,7 +1844,7 @@
           <a:p>
             <a:fld id="{6E8ECDC8-BA8A-40BE-ADB5-07E1343FAE8E}" type="datetimeFigureOut">
               <a:rPr lang="zh-TW" altLang="en-US" smtClean="0"/>
-              <a:t>2018/10/20</a:t>
+              <a:t>2018-10-22</a:t>
             </a:fld>
             <a:endParaRPr lang="zh-TW" altLang="en-US"/>
           </a:p>
@@ -2102,7 +2119,7 @@
           <a:p>
             <a:fld id="{6E8ECDC8-BA8A-40BE-ADB5-07E1343FAE8E}" type="datetimeFigureOut">
               <a:rPr lang="zh-TW" altLang="en-US" smtClean="0"/>
-              <a:t>2018/10/20</a:t>
+              <a:t>2018-10-22</a:t>
             </a:fld>
             <a:endParaRPr lang="zh-TW" altLang="en-US"/>
           </a:p>
@@ -2354,7 +2371,7 @@
           <a:p>
             <a:fld id="{6E8ECDC8-BA8A-40BE-ADB5-07E1343FAE8E}" type="datetimeFigureOut">
               <a:rPr lang="zh-TW" altLang="en-US" smtClean="0"/>
-              <a:t>2018/10/20</a:t>
+              <a:t>2018-10-22</a:t>
             </a:fld>
             <a:endParaRPr lang="zh-TW" altLang="en-US"/>
           </a:p>
@@ -2565,7 +2582,7 @@
           <a:p>
             <a:fld id="{6E8ECDC8-BA8A-40BE-ADB5-07E1343FAE8E}" type="datetimeFigureOut">
               <a:rPr lang="zh-TW" altLang="en-US" smtClean="0"/>
-              <a:t>2018/10/20</a:t>
+              <a:t>2018-10-22</a:t>
             </a:fld>
             <a:endParaRPr lang="zh-TW" altLang="en-US"/>
           </a:p>
@@ -3048,13 +3065,7 @@
       </p:grpSpPr>
       <p:sp>
         <p:nvSpPr>
-          <p:cNvPr id="2" name="標題 1">
-            <a:extLst>
-              <a:ext uri="{FF2B5EF4-FFF2-40B4-BE49-F238E27FC236}">
-                <a16:creationId xmlns:a16="http://schemas.microsoft.com/office/drawing/2014/main" id="{A8EF2791-4A67-4997-9E87-95AA1795B799}"/>
-              </a:ext>
-            </a:extLst>
-          </p:cNvPr>
+          <p:cNvPr id="2" name="標題 1"/>
           <p:cNvSpPr>
             <a:spLocks noGrp="1"/>
           </p:cNvSpPr>
@@ -3067,23 +3078,13 @@
           <a:bodyPr/>
           <a:lstStyle/>
           <a:p>
-            <a:r>
-              <a:rPr lang="en-US" altLang="zh-TW" dirty="0"/>
-              <a:t>Entities - lifecycle</a:t>
-            </a:r>
-            <a:endParaRPr lang="zh-TW" altLang="en-US" dirty="0"/>
+            <a:endParaRPr lang="zh-TW" altLang="en-US"/>
           </a:p>
         </p:txBody>
       </p:sp>
       <p:sp>
         <p:nvSpPr>
-          <p:cNvPr id="3" name="內容版面配置區 2">
-            <a:extLst>
-              <a:ext uri="{FF2B5EF4-FFF2-40B4-BE49-F238E27FC236}">
-                <a16:creationId xmlns:a16="http://schemas.microsoft.com/office/drawing/2014/main" id="{E94010AB-A67B-4230-93D6-DD1BF65184EE}"/>
-              </a:ext>
-            </a:extLst>
-          </p:cNvPr>
+          <p:cNvPr id="3" name="內容版面配置區 2"/>
           <p:cNvSpPr>
             <a:spLocks noGrp="1"/>
           </p:cNvSpPr>
@@ -3093,76 +3094,1317 @@
         </p:nvSpPr>
         <p:spPr/>
         <p:txBody>
-          <a:bodyPr>
-            <a:normAutofit fontScale="85000" lnSpcReduction="20000"/>
-          </a:bodyPr>
+          <a:bodyPr/>
           <a:lstStyle/>
           <a:p>
-            <a:r>
-              <a:rPr lang="en-US" altLang="zh-TW" dirty="0"/>
-              <a:t>New (transient): </a:t>
-            </a:r>
-          </a:p>
-          <a:p>
-            <a:pPr lvl="1"/>
-            <a:r>
-              <a:rPr lang="en-US" altLang="zh-TW" dirty="0"/>
-              <a:t>an entity is new if it has just been instantiated using the new operator, and it is not associated with a persistence context. </a:t>
-            </a:r>
-          </a:p>
-          <a:p>
-            <a:pPr lvl="1"/>
-            <a:r>
-              <a:rPr lang="en-US" altLang="zh-TW" dirty="0"/>
-              <a:t>It has no persistent representation in the database and no identifier value has been assigned.</a:t>
-            </a:r>
-          </a:p>
-          <a:p>
-            <a:r>
-              <a:rPr lang="en-US" altLang="zh-TW" dirty="0"/>
-              <a:t>Managed (persistent): </a:t>
-            </a:r>
-          </a:p>
-          <a:p>
-            <a:pPr lvl="1"/>
-            <a:r>
-              <a:rPr lang="en-US" altLang="zh-TW" dirty="0"/>
-              <a:t>a managed entity instance is an instance with a persistent identity that is currently associated with a persistence context.</a:t>
-            </a:r>
-          </a:p>
-          <a:p>
-            <a:r>
-              <a:rPr lang="en-US" altLang="zh-TW" dirty="0"/>
-              <a:t>Detached: </a:t>
-            </a:r>
-          </a:p>
-          <a:p>
-            <a:pPr lvl="1"/>
-            <a:r>
-              <a:rPr lang="en-US" altLang="zh-TW" dirty="0"/>
-              <a:t>the entity instance is an instance with a persistent identity that is no longer associated with a persistence context, usually because the persistence context was closed or the instance was evicted from the context.</a:t>
-            </a:r>
-          </a:p>
-          <a:p>
-            <a:r>
-              <a:rPr lang="en-US" altLang="zh-TW" dirty="0"/>
-              <a:t>Removed: </a:t>
-            </a:r>
-          </a:p>
-          <a:p>
-            <a:pPr lvl="1"/>
-            <a:r>
-              <a:rPr lang="en-US" altLang="zh-TW" dirty="0"/>
-              <a:t>a removed entity instance is an instance with a persistent identity, associated with a persistence context, but scheduled for removal from the database.</a:t>
-            </a:r>
-            <a:endParaRPr lang="zh-TW" altLang="en-US" dirty="0"/>
+            <a:endParaRPr lang="zh-TW" altLang="en-US"/>
           </a:p>
         </p:txBody>
       </p:sp>
+      <p:graphicFrame>
+        <p:nvGraphicFramePr>
+          <p:cNvPr id="4" name="內容版面配置區 3"/>
+          <p:cNvGraphicFramePr>
+            <a:graphicFrameLocks/>
+          </p:cNvGraphicFramePr>
+          <p:nvPr>
+            <p:extLst>
+              <p:ext uri="{D42A27DB-BD31-4B8C-83A1-F6EECF244321}">
+                <p14:modId xmlns:p14="http://schemas.microsoft.com/office/powerpoint/2010/main" val="1801881085"/>
+              </p:ext>
+            </p:extLst>
+          </p:nvPr>
+        </p:nvGraphicFramePr>
+        <p:xfrm>
+          <a:off x="1607127" y="1027906"/>
+          <a:ext cx="8977746" cy="5239735"/>
+        </p:xfrm>
+        <a:graphic>
+          <a:graphicData uri="http://schemas.openxmlformats.org/drawingml/2006/table">
+            <a:tbl>
+              <a:tblPr/>
+              <a:tblGrid>
+                <a:gridCol w="2005446">
+                  <a:extLst>
+                    <a:ext uri="{9D8B030D-6E8A-4147-A177-3AD203B41FA5}">
+                      <a16:colId xmlns:a16="http://schemas.microsoft.com/office/drawing/2014/main" val="4070058162"/>
+                    </a:ext>
+                  </a:extLst>
+                </a:gridCol>
+                <a:gridCol w="6972300">
+                  <a:extLst>
+                    <a:ext uri="{9D8B030D-6E8A-4147-A177-3AD203B41FA5}">
+                      <a16:colId xmlns:a16="http://schemas.microsoft.com/office/drawing/2014/main" val="3381381622"/>
+                    </a:ext>
+                  </a:extLst>
+                </a:gridCol>
+              </a:tblGrid>
+              <a:tr h="287128">
+                <a:tc>
+                  <a:txBody>
+                    <a:bodyPr/>
+                    <a:lstStyle/>
+                    <a:p>
+                      <a:pPr algn="l" fontAlgn="t"/>
+                      <a:r>
+                        <a:rPr lang="en-US" sz="1600">
+                          <a:effectLst/>
+                        </a:rPr>
+                        <a:t>Annotation</a:t>
+                      </a:r>
+                    </a:p>
+                  </a:txBody>
+                  <a:tcPr marL="12635" marR="12635" marT="12635" marB="12635">
+                    <a:lnL w="9525" cap="flat" cmpd="sng" algn="ctr">
+                      <a:solidFill>
+                        <a:srgbClr val="DDDDDD"/>
+                      </a:solidFill>
+                      <a:prstDash val="solid"/>
+                      <a:round/>
+                      <a:headEnd type="none" w="med" len="med"/>
+                      <a:tailEnd type="none" w="med" len="med"/>
+                    </a:lnL>
+                    <a:lnR w="9525" cap="flat" cmpd="sng" algn="ctr">
+                      <a:solidFill>
+                        <a:srgbClr val="DDDDDD"/>
+                      </a:solidFill>
+                      <a:prstDash val="solid"/>
+                      <a:round/>
+                      <a:headEnd type="none" w="med" len="med"/>
+                      <a:tailEnd type="none" w="med" len="med"/>
+                    </a:lnR>
+                    <a:lnT w="9525" cap="flat" cmpd="sng" algn="ctr">
+                      <a:solidFill>
+                        <a:srgbClr val="DDDDDD"/>
+                      </a:solidFill>
+                      <a:prstDash val="solid"/>
+                      <a:round/>
+                      <a:headEnd type="none" w="med" len="med"/>
+                      <a:tailEnd type="none" w="med" len="med"/>
+                    </a:lnT>
+                    <a:lnB w="9525" cap="flat" cmpd="sng" algn="ctr">
+                      <a:solidFill>
+                        <a:srgbClr val="DDDDDD"/>
+                      </a:solidFill>
+                      <a:prstDash val="solid"/>
+                      <a:round/>
+                      <a:headEnd type="none" w="med" len="med"/>
+                      <a:tailEnd type="none" w="med" len="med"/>
+                    </a:lnB>
+                    <a:solidFill>
+                      <a:srgbClr val="EEEEEE"/>
+                    </a:solidFill>
+                  </a:tcPr>
+                </a:tc>
+                <a:tc>
+                  <a:txBody>
+                    <a:bodyPr/>
+                    <a:lstStyle/>
+                    <a:p>
+                      <a:pPr algn="l" fontAlgn="t"/>
+                      <a:r>
+                        <a:rPr lang="en-US" sz="1600">
+                          <a:effectLst/>
+                        </a:rPr>
+                        <a:t>Description</a:t>
+                      </a:r>
+                    </a:p>
+                  </a:txBody>
+                  <a:tcPr marL="12635" marR="12635" marT="12635" marB="12635">
+                    <a:lnL w="9525" cap="flat" cmpd="sng" algn="ctr">
+                      <a:solidFill>
+                        <a:srgbClr val="DDDDDD"/>
+                      </a:solidFill>
+                      <a:prstDash val="solid"/>
+                      <a:round/>
+                      <a:headEnd type="none" w="med" len="med"/>
+                      <a:tailEnd type="none" w="med" len="med"/>
+                    </a:lnL>
+                    <a:lnR w="9525" cap="flat" cmpd="sng" algn="ctr">
+                      <a:solidFill>
+                        <a:srgbClr val="DDDDDD"/>
+                      </a:solidFill>
+                      <a:prstDash val="solid"/>
+                      <a:round/>
+                      <a:headEnd type="none" w="med" len="med"/>
+                      <a:tailEnd type="none" w="med" len="med"/>
+                    </a:lnR>
+                    <a:lnT w="9525" cap="flat" cmpd="sng" algn="ctr">
+                      <a:solidFill>
+                        <a:srgbClr val="DDDDDD"/>
+                      </a:solidFill>
+                      <a:prstDash val="solid"/>
+                      <a:round/>
+                      <a:headEnd type="none" w="med" len="med"/>
+                      <a:tailEnd type="none" w="med" len="med"/>
+                    </a:lnT>
+                    <a:lnB w="9525" cap="flat" cmpd="sng" algn="ctr">
+                      <a:solidFill>
+                        <a:srgbClr val="DDDDDD"/>
+                      </a:solidFill>
+                      <a:prstDash val="solid"/>
+                      <a:round/>
+                      <a:headEnd type="none" w="med" len="med"/>
+                      <a:tailEnd type="none" w="med" len="med"/>
+                    </a:lnB>
+                    <a:solidFill>
+                      <a:srgbClr val="EEEEEE"/>
+                    </a:solidFill>
+                  </a:tcPr>
+                </a:tc>
+                <a:extLst>
+                  <a:ext uri="{0D108BD9-81ED-4DB2-BD59-A6C34878D82A}">
+                    <a16:rowId xmlns:a16="http://schemas.microsoft.com/office/drawing/2014/main" val="4043605773"/>
+                  </a:ext>
+                </a:extLst>
+              </a:tr>
+              <a:tr h="807459">
+                <a:tc>
+                  <a:txBody>
+                    <a:bodyPr/>
+                    <a:lstStyle/>
+                    <a:p>
+                      <a:pPr fontAlgn="t"/>
+                      <a:r>
+                        <a:rPr lang="en-US" sz="1600" dirty="0">
+                          <a:effectLst/>
+                        </a:rPr>
+                        <a:t>@</a:t>
+                      </a:r>
+                      <a:r>
+                        <a:rPr lang="en-US" sz="1600" dirty="0" err="1">
+                          <a:effectLst/>
+                        </a:rPr>
+                        <a:t>AccessType</a:t>
+                      </a:r>
+                      <a:endParaRPr lang="en-US" sz="1600" dirty="0">
+                        <a:effectLst/>
+                      </a:endParaRPr>
+                    </a:p>
+                  </a:txBody>
+                  <a:tcPr marL="12635" marR="12635" marT="12635" marB="12635">
+                    <a:lnL w="9525" cap="flat" cmpd="sng" algn="ctr">
+                      <a:solidFill>
+                        <a:srgbClr val="DDDDDD"/>
+                      </a:solidFill>
+                      <a:prstDash val="solid"/>
+                      <a:round/>
+                      <a:headEnd type="none" w="med" len="med"/>
+                      <a:tailEnd type="none" w="med" len="med"/>
+                    </a:lnL>
+                    <a:lnR w="9525" cap="flat" cmpd="sng" algn="ctr">
+                      <a:solidFill>
+                        <a:srgbClr val="DDDDDD"/>
+                      </a:solidFill>
+                      <a:prstDash val="solid"/>
+                      <a:round/>
+                      <a:headEnd type="none" w="med" len="med"/>
+                      <a:tailEnd type="none" w="med" len="med"/>
+                    </a:lnR>
+                    <a:lnT w="9525" cap="flat" cmpd="sng" algn="ctr">
+                      <a:solidFill>
+                        <a:srgbClr val="DDDDDD"/>
+                      </a:solidFill>
+                      <a:prstDash val="solid"/>
+                      <a:round/>
+                      <a:headEnd type="none" w="med" len="med"/>
+                      <a:tailEnd type="none" w="med" len="med"/>
+                    </a:lnT>
+                    <a:lnB w="9525" cap="flat" cmpd="sng" algn="ctr">
+                      <a:solidFill>
+                        <a:srgbClr val="DDDDDD"/>
+                      </a:solidFill>
+                      <a:prstDash val="solid"/>
+                      <a:round/>
+                      <a:headEnd type="none" w="med" len="med"/>
+                      <a:tailEnd type="none" w="med" len="med"/>
+                    </a:lnB>
+                  </a:tcPr>
+                </a:tc>
+                <a:tc>
+                  <a:txBody>
+                    <a:bodyPr/>
+                    <a:lstStyle/>
+                    <a:p>
+                      <a:pPr fontAlgn="t"/>
+                      <a:r>
+                        <a:rPr lang="en-US" sz="1600">
+                          <a:effectLst/>
+                        </a:rPr>
+                        <a:t>This type of annotation is used to set the access type. If you set @AccessType(FIELD) then Field wise access will occur. If you set @AccessType(PROPERTY) then Property wise assess will occur.</a:t>
+                      </a:r>
+                    </a:p>
+                  </a:txBody>
+                  <a:tcPr marL="12635" marR="12635" marT="12635" marB="12635">
+                    <a:lnL w="9525" cap="flat" cmpd="sng" algn="ctr">
+                      <a:solidFill>
+                        <a:srgbClr val="DDDDDD"/>
+                      </a:solidFill>
+                      <a:prstDash val="solid"/>
+                      <a:round/>
+                      <a:headEnd type="none" w="med" len="med"/>
+                      <a:tailEnd type="none" w="med" len="med"/>
+                    </a:lnL>
+                    <a:lnR w="9525" cap="flat" cmpd="sng" algn="ctr">
+                      <a:solidFill>
+                        <a:srgbClr val="DDDDDD"/>
+                      </a:solidFill>
+                      <a:prstDash val="solid"/>
+                      <a:round/>
+                      <a:headEnd type="none" w="med" len="med"/>
+                      <a:tailEnd type="none" w="med" len="med"/>
+                    </a:lnR>
+                    <a:lnT w="9525" cap="flat" cmpd="sng" algn="ctr">
+                      <a:solidFill>
+                        <a:srgbClr val="DDDDDD"/>
+                      </a:solidFill>
+                      <a:prstDash val="solid"/>
+                      <a:round/>
+                      <a:headEnd type="none" w="med" len="med"/>
+                      <a:tailEnd type="none" w="med" len="med"/>
+                    </a:lnT>
+                    <a:lnB w="9525" cap="flat" cmpd="sng" algn="ctr">
+                      <a:solidFill>
+                        <a:srgbClr val="DDDDDD"/>
+                      </a:solidFill>
+                      <a:prstDash val="solid"/>
+                      <a:round/>
+                      <a:headEnd type="none" w="med" len="med"/>
+                      <a:tailEnd type="none" w="med" len="med"/>
+                    </a:lnB>
+                  </a:tcPr>
+                </a:tc>
+                <a:extLst>
+                  <a:ext uri="{0D108BD9-81ED-4DB2-BD59-A6C34878D82A}">
+                    <a16:rowId xmlns:a16="http://schemas.microsoft.com/office/drawing/2014/main" val="2882897617"/>
+                  </a:ext>
+                </a:extLst>
+              </a:tr>
+              <a:tr h="547294">
+                <a:tc>
+                  <a:txBody>
+                    <a:bodyPr/>
+                    <a:lstStyle/>
+                    <a:p>
+                      <a:pPr fontAlgn="t"/>
+                      <a:r>
+                        <a:rPr lang="en-US" sz="1600">
+                          <a:effectLst/>
+                        </a:rPr>
+                        <a:t>@JoinColumn</a:t>
+                      </a:r>
+                    </a:p>
+                  </a:txBody>
+                  <a:tcPr marL="12635" marR="12635" marT="12635" marB="12635">
+                    <a:lnL w="9525" cap="flat" cmpd="sng" algn="ctr">
+                      <a:solidFill>
+                        <a:srgbClr val="DDDDDD"/>
+                      </a:solidFill>
+                      <a:prstDash val="solid"/>
+                      <a:round/>
+                      <a:headEnd type="none" w="med" len="med"/>
+                      <a:tailEnd type="none" w="med" len="med"/>
+                    </a:lnL>
+                    <a:lnR w="9525" cap="flat" cmpd="sng" algn="ctr">
+                      <a:solidFill>
+                        <a:srgbClr val="DDDDDD"/>
+                      </a:solidFill>
+                      <a:prstDash val="solid"/>
+                      <a:round/>
+                      <a:headEnd type="none" w="med" len="med"/>
+                      <a:tailEnd type="none" w="med" len="med"/>
+                    </a:lnR>
+                    <a:lnT w="9525" cap="flat" cmpd="sng" algn="ctr">
+                      <a:solidFill>
+                        <a:srgbClr val="DDDDDD"/>
+                      </a:solidFill>
+                      <a:prstDash val="solid"/>
+                      <a:round/>
+                      <a:headEnd type="none" w="med" len="med"/>
+                      <a:tailEnd type="none" w="med" len="med"/>
+                    </a:lnT>
+                    <a:lnB w="9525" cap="flat" cmpd="sng" algn="ctr">
+                      <a:solidFill>
+                        <a:srgbClr val="DDDDDD"/>
+                      </a:solidFill>
+                      <a:prstDash val="solid"/>
+                      <a:round/>
+                      <a:headEnd type="none" w="med" len="med"/>
+                      <a:tailEnd type="none" w="med" len="med"/>
+                    </a:lnB>
+                  </a:tcPr>
+                </a:tc>
+                <a:tc>
+                  <a:txBody>
+                    <a:bodyPr/>
+                    <a:lstStyle/>
+                    <a:p>
+                      <a:pPr fontAlgn="t"/>
+                      <a:r>
+                        <a:rPr lang="en-US" sz="1600">
+                          <a:effectLst/>
+                        </a:rPr>
+                        <a:t>This annotation is used to specify an entity association or entity collection. This is used in many- to-one and one-to-many associations.</a:t>
+                      </a:r>
+                    </a:p>
+                  </a:txBody>
+                  <a:tcPr marL="12635" marR="12635" marT="12635" marB="12635">
+                    <a:lnL w="9525" cap="flat" cmpd="sng" algn="ctr">
+                      <a:solidFill>
+                        <a:srgbClr val="DDDDDD"/>
+                      </a:solidFill>
+                      <a:prstDash val="solid"/>
+                      <a:round/>
+                      <a:headEnd type="none" w="med" len="med"/>
+                      <a:tailEnd type="none" w="med" len="med"/>
+                    </a:lnL>
+                    <a:lnR w="9525" cap="flat" cmpd="sng" algn="ctr">
+                      <a:solidFill>
+                        <a:srgbClr val="DDDDDD"/>
+                      </a:solidFill>
+                      <a:prstDash val="solid"/>
+                      <a:round/>
+                      <a:headEnd type="none" w="med" len="med"/>
+                      <a:tailEnd type="none" w="med" len="med"/>
+                    </a:lnR>
+                    <a:lnT w="9525" cap="flat" cmpd="sng" algn="ctr">
+                      <a:solidFill>
+                        <a:srgbClr val="DDDDDD"/>
+                      </a:solidFill>
+                      <a:prstDash val="solid"/>
+                      <a:round/>
+                      <a:headEnd type="none" w="med" len="med"/>
+                      <a:tailEnd type="none" w="med" len="med"/>
+                    </a:lnT>
+                    <a:lnB w="9525" cap="flat" cmpd="sng" algn="ctr">
+                      <a:solidFill>
+                        <a:srgbClr val="DDDDDD"/>
+                      </a:solidFill>
+                      <a:prstDash val="solid"/>
+                      <a:round/>
+                      <a:headEnd type="none" w="med" len="med"/>
+                      <a:tailEnd type="none" w="med" len="med"/>
+                    </a:lnB>
+                  </a:tcPr>
+                </a:tc>
+                <a:extLst>
+                  <a:ext uri="{0D108BD9-81ED-4DB2-BD59-A6C34878D82A}">
+                    <a16:rowId xmlns:a16="http://schemas.microsoft.com/office/drawing/2014/main" val="2839565803"/>
+                  </a:ext>
+                </a:extLst>
+              </a:tr>
+              <a:tr h="547294">
+                <a:tc>
+                  <a:txBody>
+                    <a:bodyPr/>
+                    <a:lstStyle/>
+                    <a:p>
+                      <a:pPr fontAlgn="t"/>
+                      <a:r>
+                        <a:rPr lang="en-US" sz="1600">
+                          <a:effectLst/>
+                        </a:rPr>
+                        <a:t>@UniqueConstraint</a:t>
+                      </a:r>
+                    </a:p>
+                  </a:txBody>
+                  <a:tcPr marL="12635" marR="12635" marT="12635" marB="12635">
+                    <a:lnL w="9525" cap="flat" cmpd="sng" algn="ctr">
+                      <a:solidFill>
+                        <a:srgbClr val="DDDDDD"/>
+                      </a:solidFill>
+                      <a:prstDash val="solid"/>
+                      <a:round/>
+                      <a:headEnd type="none" w="med" len="med"/>
+                      <a:tailEnd type="none" w="med" len="med"/>
+                    </a:lnL>
+                    <a:lnR w="9525" cap="flat" cmpd="sng" algn="ctr">
+                      <a:solidFill>
+                        <a:srgbClr val="DDDDDD"/>
+                      </a:solidFill>
+                      <a:prstDash val="solid"/>
+                      <a:round/>
+                      <a:headEnd type="none" w="med" len="med"/>
+                      <a:tailEnd type="none" w="med" len="med"/>
+                    </a:lnR>
+                    <a:lnT w="9525" cap="flat" cmpd="sng" algn="ctr">
+                      <a:solidFill>
+                        <a:srgbClr val="DDDDDD"/>
+                      </a:solidFill>
+                      <a:prstDash val="solid"/>
+                      <a:round/>
+                      <a:headEnd type="none" w="med" len="med"/>
+                      <a:tailEnd type="none" w="med" len="med"/>
+                    </a:lnT>
+                    <a:lnB w="9525" cap="flat" cmpd="sng" algn="ctr">
+                      <a:solidFill>
+                        <a:srgbClr val="DDDDDD"/>
+                      </a:solidFill>
+                      <a:prstDash val="solid"/>
+                      <a:round/>
+                      <a:headEnd type="none" w="med" len="med"/>
+                      <a:tailEnd type="none" w="med" len="med"/>
+                    </a:lnB>
+                  </a:tcPr>
+                </a:tc>
+                <a:tc>
+                  <a:txBody>
+                    <a:bodyPr/>
+                    <a:lstStyle/>
+                    <a:p>
+                      <a:pPr fontAlgn="t"/>
+                      <a:r>
+                        <a:rPr lang="en-US" sz="1600">
+                          <a:effectLst/>
+                        </a:rPr>
+                        <a:t>This annotation is used to specify the field, unique constraint for primary or secondary table.</a:t>
+                      </a:r>
+                    </a:p>
+                  </a:txBody>
+                  <a:tcPr marL="12635" marR="12635" marT="12635" marB="12635">
+                    <a:lnL w="9525" cap="flat" cmpd="sng" algn="ctr">
+                      <a:solidFill>
+                        <a:srgbClr val="DDDDDD"/>
+                      </a:solidFill>
+                      <a:prstDash val="solid"/>
+                      <a:round/>
+                      <a:headEnd type="none" w="med" len="med"/>
+                      <a:tailEnd type="none" w="med" len="med"/>
+                    </a:lnL>
+                    <a:lnR w="9525" cap="flat" cmpd="sng" algn="ctr">
+                      <a:solidFill>
+                        <a:srgbClr val="DDDDDD"/>
+                      </a:solidFill>
+                      <a:prstDash val="solid"/>
+                      <a:round/>
+                      <a:headEnd type="none" w="med" len="med"/>
+                      <a:tailEnd type="none" w="med" len="med"/>
+                    </a:lnR>
+                    <a:lnT w="9525" cap="flat" cmpd="sng" algn="ctr">
+                      <a:solidFill>
+                        <a:srgbClr val="DDDDDD"/>
+                      </a:solidFill>
+                      <a:prstDash val="solid"/>
+                      <a:round/>
+                      <a:headEnd type="none" w="med" len="med"/>
+                      <a:tailEnd type="none" w="med" len="med"/>
+                    </a:lnT>
+                    <a:lnB w="9525" cap="flat" cmpd="sng" algn="ctr">
+                      <a:solidFill>
+                        <a:srgbClr val="DDDDDD"/>
+                      </a:solidFill>
+                      <a:prstDash val="solid"/>
+                      <a:round/>
+                      <a:headEnd type="none" w="med" len="med"/>
+                      <a:tailEnd type="none" w="med" len="med"/>
+                    </a:lnB>
+                  </a:tcPr>
+                </a:tc>
+                <a:extLst>
+                  <a:ext uri="{0D108BD9-81ED-4DB2-BD59-A6C34878D82A}">
+                    <a16:rowId xmlns:a16="http://schemas.microsoft.com/office/drawing/2014/main" val="2552190059"/>
+                  </a:ext>
+                </a:extLst>
+              </a:tr>
+              <a:tr h="547294">
+                <a:tc>
+                  <a:txBody>
+                    <a:bodyPr/>
+                    <a:lstStyle/>
+                    <a:p>
+                      <a:pPr fontAlgn="t"/>
+                      <a:r>
+                        <a:rPr lang="en-US" sz="1600">
+                          <a:effectLst/>
+                        </a:rPr>
+                        <a:t>@ColumnResult</a:t>
+                      </a:r>
+                    </a:p>
+                  </a:txBody>
+                  <a:tcPr marL="12635" marR="12635" marT="12635" marB="12635">
+                    <a:lnL w="9525" cap="flat" cmpd="sng" algn="ctr">
+                      <a:solidFill>
+                        <a:srgbClr val="DDDDDD"/>
+                      </a:solidFill>
+                      <a:prstDash val="solid"/>
+                      <a:round/>
+                      <a:headEnd type="none" w="med" len="med"/>
+                      <a:tailEnd type="none" w="med" len="med"/>
+                    </a:lnL>
+                    <a:lnR w="9525" cap="flat" cmpd="sng" algn="ctr">
+                      <a:solidFill>
+                        <a:srgbClr val="DDDDDD"/>
+                      </a:solidFill>
+                      <a:prstDash val="solid"/>
+                      <a:round/>
+                      <a:headEnd type="none" w="med" len="med"/>
+                      <a:tailEnd type="none" w="med" len="med"/>
+                    </a:lnR>
+                    <a:lnT w="9525" cap="flat" cmpd="sng" algn="ctr">
+                      <a:solidFill>
+                        <a:srgbClr val="DDDDDD"/>
+                      </a:solidFill>
+                      <a:prstDash val="solid"/>
+                      <a:round/>
+                      <a:headEnd type="none" w="med" len="med"/>
+                      <a:tailEnd type="none" w="med" len="med"/>
+                    </a:lnT>
+                    <a:lnB w="9525" cap="flat" cmpd="sng" algn="ctr">
+                      <a:solidFill>
+                        <a:srgbClr val="DDDDDD"/>
+                      </a:solidFill>
+                      <a:prstDash val="solid"/>
+                      <a:round/>
+                      <a:headEnd type="none" w="med" len="med"/>
+                      <a:tailEnd type="none" w="med" len="med"/>
+                    </a:lnB>
+                  </a:tcPr>
+                </a:tc>
+                <a:tc>
+                  <a:txBody>
+                    <a:bodyPr/>
+                    <a:lstStyle/>
+                    <a:p>
+                      <a:pPr fontAlgn="t"/>
+                      <a:r>
+                        <a:rPr lang="en-US" sz="1600">
+                          <a:effectLst/>
+                        </a:rPr>
+                        <a:t>This annotation references the name of a column in the SQL query using select clause.</a:t>
+                      </a:r>
+                    </a:p>
+                  </a:txBody>
+                  <a:tcPr marL="12635" marR="12635" marT="12635" marB="12635">
+                    <a:lnL w="9525" cap="flat" cmpd="sng" algn="ctr">
+                      <a:solidFill>
+                        <a:srgbClr val="DDDDDD"/>
+                      </a:solidFill>
+                      <a:prstDash val="solid"/>
+                      <a:round/>
+                      <a:headEnd type="none" w="med" len="med"/>
+                      <a:tailEnd type="none" w="med" len="med"/>
+                    </a:lnL>
+                    <a:lnR w="9525" cap="flat" cmpd="sng" algn="ctr">
+                      <a:solidFill>
+                        <a:srgbClr val="DDDDDD"/>
+                      </a:solidFill>
+                      <a:prstDash val="solid"/>
+                      <a:round/>
+                      <a:headEnd type="none" w="med" len="med"/>
+                      <a:tailEnd type="none" w="med" len="med"/>
+                    </a:lnR>
+                    <a:lnT w="9525" cap="flat" cmpd="sng" algn="ctr">
+                      <a:solidFill>
+                        <a:srgbClr val="DDDDDD"/>
+                      </a:solidFill>
+                      <a:prstDash val="solid"/>
+                      <a:round/>
+                      <a:headEnd type="none" w="med" len="med"/>
+                      <a:tailEnd type="none" w="med" len="med"/>
+                    </a:lnT>
+                    <a:lnB w="9525" cap="flat" cmpd="sng" algn="ctr">
+                      <a:solidFill>
+                        <a:srgbClr val="DDDDDD"/>
+                      </a:solidFill>
+                      <a:prstDash val="solid"/>
+                      <a:round/>
+                      <a:headEnd type="none" w="med" len="med"/>
+                      <a:tailEnd type="none" w="med" len="med"/>
+                    </a:lnB>
+                  </a:tcPr>
+                </a:tc>
+                <a:extLst>
+                  <a:ext uri="{0D108BD9-81ED-4DB2-BD59-A6C34878D82A}">
+                    <a16:rowId xmlns:a16="http://schemas.microsoft.com/office/drawing/2014/main" val="2362283745"/>
+                  </a:ext>
+                </a:extLst>
+              </a:tr>
+              <a:tr h="547294">
+                <a:tc>
+                  <a:txBody>
+                    <a:bodyPr/>
+                    <a:lstStyle/>
+                    <a:p>
+                      <a:pPr fontAlgn="t"/>
+                      <a:r>
+                        <a:rPr lang="en-US" sz="1600">
+                          <a:effectLst/>
+                        </a:rPr>
+                        <a:t>@ManyToMany</a:t>
+                      </a:r>
+                    </a:p>
+                  </a:txBody>
+                  <a:tcPr marL="12635" marR="12635" marT="12635" marB="12635">
+                    <a:lnL w="9525" cap="flat" cmpd="sng" algn="ctr">
+                      <a:solidFill>
+                        <a:srgbClr val="DDDDDD"/>
+                      </a:solidFill>
+                      <a:prstDash val="solid"/>
+                      <a:round/>
+                      <a:headEnd type="none" w="med" len="med"/>
+                      <a:tailEnd type="none" w="med" len="med"/>
+                    </a:lnL>
+                    <a:lnR w="9525" cap="flat" cmpd="sng" algn="ctr">
+                      <a:solidFill>
+                        <a:srgbClr val="DDDDDD"/>
+                      </a:solidFill>
+                      <a:prstDash val="solid"/>
+                      <a:round/>
+                      <a:headEnd type="none" w="med" len="med"/>
+                      <a:tailEnd type="none" w="med" len="med"/>
+                    </a:lnR>
+                    <a:lnT w="9525" cap="flat" cmpd="sng" algn="ctr">
+                      <a:solidFill>
+                        <a:srgbClr val="DDDDDD"/>
+                      </a:solidFill>
+                      <a:prstDash val="solid"/>
+                      <a:round/>
+                      <a:headEnd type="none" w="med" len="med"/>
+                      <a:tailEnd type="none" w="med" len="med"/>
+                    </a:lnT>
+                    <a:lnB w="9525" cap="flat" cmpd="sng" algn="ctr">
+                      <a:solidFill>
+                        <a:srgbClr val="DDDDDD"/>
+                      </a:solidFill>
+                      <a:prstDash val="solid"/>
+                      <a:round/>
+                      <a:headEnd type="none" w="med" len="med"/>
+                      <a:tailEnd type="none" w="med" len="med"/>
+                    </a:lnB>
+                  </a:tcPr>
+                </a:tc>
+                <a:tc>
+                  <a:txBody>
+                    <a:bodyPr/>
+                    <a:lstStyle/>
+                    <a:p>
+                      <a:pPr fontAlgn="t"/>
+                      <a:r>
+                        <a:rPr lang="en-US" sz="1600">
+                          <a:effectLst/>
+                        </a:rPr>
+                        <a:t>This annotation is used to define a many-to-many relationship between the join Tables.</a:t>
+                      </a:r>
+                    </a:p>
+                  </a:txBody>
+                  <a:tcPr marL="12635" marR="12635" marT="12635" marB="12635">
+                    <a:lnL w="9525" cap="flat" cmpd="sng" algn="ctr">
+                      <a:solidFill>
+                        <a:srgbClr val="DDDDDD"/>
+                      </a:solidFill>
+                      <a:prstDash val="solid"/>
+                      <a:round/>
+                      <a:headEnd type="none" w="med" len="med"/>
+                      <a:tailEnd type="none" w="med" len="med"/>
+                    </a:lnL>
+                    <a:lnR w="9525" cap="flat" cmpd="sng" algn="ctr">
+                      <a:solidFill>
+                        <a:srgbClr val="DDDDDD"/>
+                      </a:solidFill>
+                      <a:prstDash val="solid"/>
+                      <a:round/>
+                      <a:headEnd type="none" w="med" len="med"/>
+                      <a:tailEnd type="none" w="med" len="med"/>
+                    </a:lnR>
+                    <a:lnT w="9525" cap="flat" cmpd="sng" algn="ctr">
+                      <a:solidFill>
+                        <a:srgbClr val="DDDDDD"/>
+                      </a:solidFill>
+                      <a:prstDash val="solid"/>
+                      <a:round/>
+                      <a:headEnd type="none" w="med" len="med"/>
+                      <a:tailEnd type="none" w="med" len="med"/>
+                    </a:lnT>
+                    <a:lnB w="9525" cap="flat" cmpd="sng" algn="ctr">
+                      <a:solidFill>
+                        <a:srgbClr val="DDDDDD"/>
+                      </a:solidFill>
+                      <a:prstDash val="solid"/>
+                      <a:round/>
+                      <a:headEnd type="none" w="med" len="med"/>
+                      <a:tailEnd type="none" w="med" len="med"/>
+                    </a:lnB>
+                  </a:tcPr>
+                </a:tc>
+                <a:extLst>
+                  <a:ext uri="{0D108BD9-81ED-4DB2-BD59-A6C34878D82A}">
+                    <a16:rowId xmlns:a16="http://schemas.microsoft.com/office/drawing/2014/main" val="1863247518"/>
+                  </a:ext>
+                </a:extLst>
+              </a:tr>
+              <a:tr h="547294">
+                <a:tc>
+                  <a:txBody>
+                    <a:bodyPr/>
+                    <a:lstStyle/>
+                    <a:p>
+                      <a:pPr fontAlgn="t"/>
+                      <a:r>
+                        <a:rPr lang="en-US" sz="1600">
+                          <a:effectLst/>
+                        </a:rPr>
+                        <a:t>@ManyToOne</a:t>
+                      </a:r>
+                    </a:p>
+                  </a:txBody>
+                  <a:tcPr marL="12635" marR="12635" marT="12635" marB="12635">
+                    <a:lnL w="9525" cap="flat" cmpd="sng" algn="ctr">
+                      <a:solidFill>
+                        <a:srgbClr val="DDDDDD"/>
+                      </a:solidFill>
+                      <a:prstDash val="solid"/>
+                      <a:round/>
+                      <a:headEnd type="none" w="med" len="med"/>
+                      <a:tailEnd type="none" w="med" len="med"/>
+                    </a:lnL>
+                    <a:lnR w="9525" cap="flat" cmpd="sng" algn="ctr">
+                      <a:solidFill>
+                        <a:srgbClr val="DDDDDD"/>
+                      </a:solidFill>
+                      <a:prstDash val="solid"/>
+                      <a:round/>
+                      <a:headEnd type="none" w="med" len="med"/>
+                      <a:tailEnd type="none" w="med" len="med"/>
+                    </a:lnR>
+                    <a:lnT w="9525" cap="flat" cmpd="sng" algn="ctr">
+                      <a:solidFill>
+                        <a:srgbClr val="DDDDDD"/>
+                      </a:solidFill>
+                      <a:prstDash val="solid"/>
+                      <a:round/>
+                      <a:headEnd type="none" w="med" len="med"/>
+                      <a:tailEnd type="none" w="med" len="med"/>
+                    </a:lnT>
+                    <a:lnB w="9525" cap="flat" cmpd="sng" algn="ctr">
+                      <a:solidFill>
+                        <a:srgbClr val="DDDDDD"/>
+                      </a:solidFill>
+                      <a:prstDash val="solid"/>
+                      <a:round/>
+                      <a:headEnd type="none" w="med" len="med"/>
+                      <a:tailEnd type="none" w="med" len="med"/>
+                    </a:lnB>
+                  </a:tcPr>
+                </a:tc>
+                <a:tc>
+                  <a:txBody>
+                    <a:bodyPr/>
+                    <a:lstStyle/>
+                    <a:p>
+                      <a:pPr fontAlgn="t"/>
+                      <a:r>
+                        <a:rPr lang="en-US" sz="1600">
+                          <a:effectLst/>
+                        </a:rPr>
+                        <a:t>This annotation is used to define a many-to-one relationship between the join Tables.</a:t>
+                      </a:r>
+                    </a:p>
+                  </a:txBody>
+                  <a:tcPr marL="12635" marR="12635" marT="12635" marB="12635">
+                    <a:lnL w="9525" cap="flat" cmpd="sng" algn="ctr">
+                      <a:solidFill>
+                        <a:srgbClr val="DDDDDD"/>
+                      </a:solidFill>
+                      <a:prstDash val="solid"/>
+                      <a:round/>
+                      <a:headEnd type="none" w="med" len="med"/>
+                      <a:tailEnd type="none" w="med" len="med"/>
+                    </a:lnL>
+                    <a:lnR w="9525" cap="flat" cmpd="sng" algn="ctr">
+                      <a:solidFill>
+                        <a:srgbClr val="DDDDDD"/>
+                      </a:solidFill>
+                      <a:prstDash val="solid"/>
+                      <a:round/>
+                      <a:headEnd type="none" w="med" len="med"/>
+                      <a:tailEnd type="none" w="med" len="med"/>
+                    </a:lnR>
+                    <a:lnT w="9525" cap="flat" cmpd="sng" algn="ctr">
+                      <a:solidFill>
+                        <a:srgbClr val="DDDDDD"/>
+                      </a:solidFill>
+                      <a:prstDash val="solid"/>
+                      <a:round/>
+                      <a:headEnd type="none" w="med" len="med"/>
+                      <a:tailEnd type="none" w="med" len="med"/>
+                    </a:lnT>
+                    <a:lnB w="9525" cap="flat" cmpd="sng" algn="ctr">
+                      <a:solidFill>
+                        <a:srgbClr val="DDDDDD"/>
+                      </a:solidFill>
+                      <a:prstDash val="solid"/>
+                      <a:round/>
+                      <a:headEnd type="none" w="med" len="med"/>
+                      <a:tailEnd type="none" w="med" len="med"/>
+                    </a:lnB>
+                  </a:tcPr>
+                </a:tc>
+                <a:extLst>
+                  <a:ext uri="{0D108BD9-81ED-4DB2-BD59-A6C34878D82A}">
+                    <a16:rowId xmlns:a16="http://schemas.microsoft.com/office/drawing/2014/main" val="2949098817"/>
+                  </a:ext>
+                </a:extLst>
+              </a:tr>
+              <a:tr h="547294">
+                <a:tc>
+                  <a:txBody>
+                    <a:bodyPr/>
+                    <a:lstStyle/>
+                    <a:p>
+                      <a:pPr fontAlgn="t"/>
+                      <a:r>
+                        <a:rPr lang="en-US" sz="1600">
+                          <a:effectLst/>
+                        </a:rPr>
+                        <a:t>@OneToMany</a:t>
+                      </a:r>
+                    </a:p>
+                  </a:txBody>
+                  <a:tcPr marL="12635" marR="12635" marT="12635" marB="12635">
+                    <a:lnL w="9525" cap="flat" cmpd="sng" algn="ctr">
+                      <a:solidFill>
+                        <a:srgbClr val="DDDDDD"/>
+                      </a:solidFill>
+                      <a:prstDash val="solid"/>
+                      <a:round/>
+                      <a:headEnd type="none" w="med" len="med"/>
+                      <a:tailEnd type="none" w="med" len="med"/>
+                    </a:lnL>
+                    <a:lnR w="9525" cap="flat" cmpd="sng" algn="ctr">
+                      <a:solidFill>
+                        <a:srgbClr val="DDDDDD"/>
+                      </a:solidFill>
+                      <a:prstDash val="solid"/>
+                      <a:round/>
+                      <a:headEnd type="none" w="med" len="med"/>
+                      <a:tailEnd type="none" w="med" len="med"/>
+                    </a:lnR>
+                    <a:lnT w="9525" cap="flat" cmpd="sng" algn="ctr">
+                      <a:solidFill>
+                        <a:srgbClr val="DDDDDD"/>
+                      </a:solidFill>
+                      <a:prstDash val="solid"/>
+                      <a:round/>
+                      <a:headEnd type="none" w="med" len="med"/>
+                      <a:tailEnd type="none" w="med" len="med"/>
+                    </a:lnT>
+                    <a:lnB w="9525" cap="flat" cmpd="sng" algn="ctr">
+                      <a:solidFill>
+                        <a:srgbClr val="DDDDDD"/>
+                      </a:solidFill>
+                      <a:prstDash val="solid"/>
+                      <a:round/>
+                      <a:headEnd type="none" w="med" len="med"/>
+                      <a:tailEnd type="none" w="med" len="med"/>
+                    </a:lnB>
+                  </a:tcPr>
+                </a:tc>
+                <a:tc>
+                  <a:txBody>
+                    <a:bodyPr/>
+                    <a:lstStyle/>
+                    <a:p>
+                      <a:pPr fontAlgn="t"/>
+                      <a:r>
+                        <a:rPr lang="en-US" sz="1600">
+                          <a:effectLst/>
+                        </a:rPr>
+                        <a:t>This annotation is used to define a one-to-many relationship between the join Tables.</a:t>
+                      </a:r>
+                    </a:p>
+                  </a:txBody>
+                  <a:tcPr marL="12635" marR="12635" marT="12635" marB="12635">
+                    <a:lnL w="9525" cap="flat" cmpd="sng" algn="ctr">
+                      <a:solidFill>
+                        <a:srgbClr val="DDDDDD"/>
+                      </a:solidFill>
+                      <a:prstDash val="solid"/>
+                      <a:round/>
+                      <a:headEnd type="none" w="med" len="med"/>
+                      <a:tailEnd type="none" w="med" len="med"/>
+                    </a:lnL>
+                    <a:lnR w="9525" cap="flat" cmpd="sng" algn="ctr">
+                      <a:solidFill>
+                        <a:srgbClr val="DDDDDD"/>
+                      </a:solidFill>
+                      <a:prstDash val="solid"/>
+                      <a:round/>
+                      <a:headEnd type="none" w="med" len="med"/>
+                      <a:tailEnd type="none" w="med" len="med"/>
+                    </a:lnR>
+                    <a:lnT w="9525" cap="flat" cmpd="sng" algn="ctr">
+                      <a:solidFill>
+                        <a:srgbClr val="DDDDDD"/>
+                      </a:solidFill>
+                      <a:prstDash val="solid"/>
+                      <a:round/>
+                      <a:headEnd type="none" w="med" len="med"/>
+                      <a:tailEnd type="none" w="med" len="med"/>
+                    </a:lnT>
+                    <a:lnB w="9525" cap="flat" cmpd="sng" algn="ctr">
+                      <a:solidFill>
+                        <a:srgbClr val="DDDDDD"/>
+                      </a:solidFill>
+                      <a:prstDash val="solid"/>
+                      <a:round/>
+                      <a:headEnd type="none" w="med" len="med"/>
+                      <a:tailEnd type="none" w="med" len="med"/>
+                    </a:lnB>
+                  </a:tcPr>
+                </a:tc>
+                <a:extLst>
+                  <a:ext uri="{0D108BD9-81ED-4DB2-BD59-A6C34878D82A}">
+                    <a16:rowId xmlns:a16="http://schemas.microsoft.com/office/drawing/2014/main" val="2961557913"/>
+                  </a:ext>
+                </a:extLst>
+              </a:tr>
+              <a:tr h="287128">
+                <a:tc>
+                  <a:txBody>
+                    <a:bodyPr/>
+                    <a:lstStyle/>
+                    <a:p>
+                      <a:pPr fontAlgn="t"/>
+                      <a:r>
+                        <a:rPr lang="en-US" sz="1600">
+                          <a:effectLst/>
+                        </a:rPr>
+                        <a:t>@OneToOne</a:t>
+                      </a:r>
+                    </a:p>
+                  </a:txBody>
+                  <a:tcPr marL="12635" marR="12635" marT="12635" marB="12635">
+                    <a:lnL w="9525" cap="flat" cmpd="sng" algn="ctr">
+                      <a:solidFill>
+                        <a:srgbClr val="DDDDDD"/>
+                      </a:solidFill>
+                      <a:prstDash val="solid"/>
+                      <a:round/>
+                      <a:headEnd type="none" w="med" len="med"/>
+                      <a:tailEnd type="none" w="med" len="med"/>
+                    </a:lnL>
+                    <a:lnR w="9525" cap="flat" cmpd="sng" algn="ctr">
+                      <a:solidFill>
+                        <a:srgbClr val="DDDDDD"/>
+                      </a:solidFill>
+                      <a:prstDash val="solid"/>
+                      <a:round/>
+                      <a:headEnd type="none" w="med" len="med"/>
+                      <a:tailEnd type="none" w="med" len="med"/>
+                    </a:lnR>
+                    <a:lnT w="9525" cap="flat" cmpd="sng" algn="ctr">
+                      <a:solidFill>
+                        <a:srgbClr val="DDDDDD"/>
+                      </a:solidFill>
+                      <a:prstDash val="solid"/>
+                      <a:round/>
+                      <a:headEnd type="none" w="med" len="med"/>
+                      <a:tailEnd type="none" w="med" len="med"/>
+                    </a:lnT>
+                    <a:lnB w="9525" cap="flat" cmpd="sng" algn="ctr">
+                      <a:solidFill>
+                        <a:srgbClr val="DDDDDD"/>
+                      </a:solidFill>
+                      <a:prstDash val="solid"/>
+                      <a:round/>
+                      <a:headEnd type="none" w="med" len="med"/>
+                      <a:tailEnd type="none" w="med" len="med"/>
+                    </a:lnB>
+                  </a:tcPr>
+                </a:tc>
+                <a:tc>
+                  <a:txBody>
+                    <a:bodyPr/>
+                    <a:lstStyle/>
+                    <a:p>
+                      <a:pPr fontAlgn="t"/>
+                      <a:r>
+                        <a:rPr lang="en-US" sz="1600">
+                          <a:effectLst/>
+                        </a:rPr>
+                        <a:t>This annotation is used to define a one-to-one relationship between the join Tables.</a:t>
+                      </a:r>
+                    </a:p>
+                  </a:txBody>
+                  <a:tcPr marL="12635" marR="12635" marT="12635" marB="12635">
+                    <a:lnL w="9525" cap="flat" cmpd="sng" algn="ctr">
+                      <a:solidFill>
+                        <a:srgbClr val="DDDDDD"/>
+                      </a:solidFill>
+                      <a:prstDash val="solid"/>
+                      <a:round/>
+                      <a:headEnd type="none" w="med" len="med"/>
+                      <a:tailEnd type="none" w="med" len="med"/>
+                    </a:lnL>
+                    <a:lnR w="9525" cap="flat" cmpd="sng" algn="ctr">
+                      <a:solidFill>
+                        <a:srgbClr val="DDDDDD"/>
+                      </a:solidFill>
+                      <a:prstDash val="solid"/>
+                      <a:round/>
+                      <a:headEnd type="none" w="med" len="med"/>
+                      <a:tailEnd type="none" w="med" len="med"/>
+                    </a:lnR>
+                    <a:lnT w="9525" cap="flat" cmpd="sng" algn="ctr">
+                      <a:solidFill>
+                        <a:srgbClr val="DDDDDD"/>
+                      </a:solidFill>
+                      <a:prstDash val="solid"/>
+                      <a:round/>
+                      <a:headEnd type="none" w="med" len="med"/>
+                      <a:tailEnd type="none" w="med" len="med"/>
+                    </a:lnT>
+                    <a:lnB w="9525" cap="flat" cmpd="sng" algn="ctr">
+                      <a:solidFill>
+                        <a:srgbClr val="DDDDDD"/>
+                      </a:solidFill>
+                      <a:prstDash val="solid"/>
+                      <a:round/>
+                      <a:headEnd type="none" w="med" len="med"/>
+                      <a:tailEnd type="none" w="med" len="med"/>
+                    </a:lnB>
+                  </a:tcPr>
+                </a:tc>
+                <a:extLst>
+                  <a:ext uri="{0D108BD9-81ED-4DB2-BD59-A6C34878D82A}">
+                    <a16:rowId xmlns:a16="http://schemas.microsoft.com/office/drawing/2014/main" val="886389990"/>
+                  </a:ext>
+                </a:extLst>
+              </a:tr>
+              <a:tr h="287128">
+                <a:tc>
+                  <a:txBody>
+                    <a:bodyPr/>
+                    <a:lstStyle/>
+                    <a:p>
+                      <a:pPr fontAlgn="t"/>
+                      <a:r>
+                        <a:rPr lang="en-US" sz="1600">
+                          <a:effectLst/>
+                        </a:rPr>
+                        <a:t>@NamedQueries</a:t>
+                      </a:r>
+                    </a:p>
+                  </a:txBody>
+                  <a:tcPr marL="12635" marR="12635" marT="12635" marB="12635">
+                    <a:lnL w="9525" cap="flat" cmpd="sng" algn="ctr">
+                      <a:solidFill>
+                        <a:srgbClr val="DDDDDD"/>
+                      </a:solidFill>
+                      <a:prstDash val="solid"/>
+                      <a:round/>
+                      <a:headEnd type="none" w="med" len="med"/>
+                      <a:tailEnd type="none" w="med" len="med"/>
+                    </a:lnL>
+                    <a:lnR w="9525" cap="flat" cmpd="sng" algn="ctr">
+                      <a:solidFill>
+                        <a:srgbClr val="DDDDDD"/>
+                      </a:solidFill>
+                      <a:prstDash val="solid"/>
+                      <a:round/>
+                      <a:headEnd type="none" w="med" len="med"/>
+                      <a:tailEnd type="none" w="med" len="med"/>
+                    </a:lnR>
+                    <a:lnT w="9525" cap="flat" cmpd="sng" algn="ctr">
+                      <a:solidFill>
+                        <a:srgbClr val="DDDDDD"/>
+                      </a:solidFill>
+                      <a:prstDash val="solid"/>
+                      <a:round/>
+                      <a:headEnd type="none" w="med" len="med"/>
+                      <a:tailEnd type="none" w="med" len="med"/>
+                    </a:lnT>
+                    <a:lnB w="9525" cap="flat" cmpd="sng" algn="ctr">
+                      <a:solidFill>
+                        <a:srgbClr val="DDDDDD"/>
+                      </a:solidFill>
+                      <a:prstDash val="solid"/>
+                      <a:round/>
+                      <a:headEnd type="none" w="med" len="med"/>
+                      <a:tailEnd type="none" w="med" len="med"/>
+                    </a:lnB>
+                  </a:tcPr>
+                </a:tc>
+                <a:tc>
+                  <a:txBody>
+                    <a:bodyPr/>
+                    <a:lstStyle/>
+                    <a:p>
+                      <a:pPr fontAlgn="t"/>
+                      <a:r>
+                        <a:rPr lang="en-US" sz="1600">
+                          <a:effectLst/>
+                        </a:rPr>
+                        <a:t>This annotation is used for specifying list of named queries.</a:t>
+                      </a:r>
+                    </a:p>
+                  </a:txBody>
+                  <a:tcPr marL="12635" marR="12635" marT="12635" marB="12635">
+                    <a:lnL w="9525" cap="flat" cmpd="sng" algn="ctr">
+                      <a:solidFill>
+                        <a:srgbClr val="DDDDDD"/>
+                      </a:solidFill>
+                      <a:prstDash val="solid"/>
+                      <a:round/>
+                      <a:headEnd type="none" w="med" len="med"/>
+                      <a:tailEnd type="none" w="med" len="med"/>
+                    </a:lnL>
+                    <a:lnR w="9525" cap="flat" cmpd="sng" algn="ctr">
+                      <a:solidFill>
+                        <a:srgbClr val="DDDDDD"/>
+                      </a:solidFill>
+                      <a:prstDash val="solid"/>
+                      <a:round/>
+                      <a:headEnd type="none" w="med" len="med"/>
+                      <a:tailEnd type="none" w="med" len="med"/>
+                    </a:lnR>
+                    <a:lnT w="9525" cap="flat" cmpd="sng" algn="ctr">
+                      <a:solidFill>
+                        <a:srgbClr val="DDDDDD"/>
+                      </a:solidFill>
+                      <a:prstDash val="solid"/>
+                      <a:round/>
+                      <a:headEnd type="none" w="med" len="med"/>
+                      <a:tailEnd type="none" w="med" len="med"/>
+                    </a:lnT>
+                    <a:lnB w="9525" cap="flat" cmpd="sng" algn="ctr">
+                      <a:solidFill>
+                        <a:srgbClr val="DDDDDD"/>
+                      </a:solidFill>
+                      <a:prstDash val="solid"/>
+                      <a:round/>
+                      <a:headEnd type="none" w="med" len="med"/>
+                      <a:tailEnd type="none" w="med" len="med"/>
+                    </a:lnB>
+                  </a:tcPr>
+                </a:tc>
+                <a:extLst>
+                  <a:ext uri="{0D108BD9-81ED-4DB2-BD59-A6C34878D82A}">
+                    <a16:rowId xmlns:a16="http://schemas.microsoft.com/office/drawing/2014/main" val="563101650"/>
+                  </a:ext>
+                </a:extLst>
+              </a:tr>
+              <a:tr h="287128">
+                <a:tc>
+                  <a:txBody>
+                    <a:bodyPr/>
+                    <a:lstStyle/>
+                    <a:p>
+                      <a:pPr fontAlgn="t"/>
+                      <a:r>
+                        <a:rPr lang="en-US" sz="1600">
+                          <a:effectLst/>
+                        </a:rPr>
+                        <a:t>@NamedQuery</a:t>
+                      </a:r>
+                    </a:p>
+                  </a:txBody>
+                  <a:tcPr marL="12635" marR="12635" marT="12635" marB="12635">
+                    <a:lnL w="9525" cap="flat" cmpd="sng" algn="ctr">
+                      <a:solidFill>
+                        <a:srgbClr val="DDDDDD"/>
+                      </a:solidFill>
+                      <a:prstDash val="solid"/>
+                      <a:round/>
+                      <a:headEnd type="none" w="med" len="med"/>
+                      <a:tailEnd type="none" w="med" len="med"/>
+                    </a:lnL>
+                    <a:lnR w="9525" cap="flat" cmpd="sng" algn="ctr">
+                      <a:solidFill>
+                        <a:srgbClr val="DDDDDD"/>
+                      </a:solidFill>
+                      <a:prstDash val="solid"/>
+                      <a:round/>
+                      <a:headEnd type="none" w="med" len="med"/>
+                      <a:tailEnd type="none" w="med" len="med"/>
+                    </a:lnR>
+                    <a:lnT w="9525" cap="flat" cmpd="sng" algn="ctr">
+                      <a:solidFill>
+                        <a:srgbClr val="DDDDDD"/>
+                      </a:solidFill>
+                      <a:prstDash val="solid"/>
+                      <a:round/>
+                      <a:headEnd type="none" w="med" len="med"/>
+                      <a:tailEnd type="none" w="med" len="med"/>
+                    </a:lnT>
+                    <a:lnB w="9525" cap="flat" cmpd="sng" algn="ctr">
+                      <a:solidFill>
+                        <a:srgbClr val="DDDDDD"/>
+                      </a:solidFill>
+                      <a:prstDash val="solid"/>
+                      <a:round/>
+                      <a:headEnd type="none" w="med" len="med"/>
+                      <a:tailEnd type="none" w="med" len="med"/>
+                    </a:lnB>
+                  </a:tcPr>
+                </a:tc>
+                <a:tc>
+                  <a:txBody>
+                    <a:bodyPr/>
+                    <a:lstStyle/>
+                    <a:p>
+                      <a:pPr fontAlgn="t"/>
+                      <a:r>
+                        <a:rPr lang="en-US" sz="1600" dirty="0">
+                          <a:effectLst/>
+                        </a:rPr>
+                        <a:t>This annotation is used for specifying a Query using static name.</a:t>
+                      </a:r>
+                    </a:p>
+                  </a:txBody>
+                  <a:tcPr marL="12635" marR="12635" marT="12635" marB="12635">
+                    <a:lnL w="9525" cap="flat" cmpd="sng" algn="ctr">
+                      <a:solidFill>
+                        <a:srgbClr val="DDDDDD"/>
+                      </a:solidFill>
+                      <a:prstDash val="solid"/>
+                      <a:round/>
+                      <a:headEnd type="none" w="med" len="med"/>
+                      <a:tailEnd type="none" w="med" len="med"/>
+                    </a:lnL>
+                    <a:lnR w="9525" cap="flat" cmpd="sng" algn="ctr">
+                      <a:solidFill>
+                        <a:srgbClr val="DDDDDD"/>
+                      </a:solidFill>
+                      <a:prstDash val="solid"/>
+                      <a:round/>
+                      <a:headEnd type="none" w="med" len="med"/>
+                      <a:tailEnd type="none" w="med" len="med"/>
+                    </a:lnR>
+                    <a:lnT w="9525" cap="flat" cmpd="sng" algn="ctr">
+                      <a:solidFill>
+                        <a:srgbClr val="DDDDDD"/>
+                      </a:solidFill>
+                      <a:prstDash val="solid"/>
+                      <a:round/>
+                      <a:headEnd type="none" w="med" len="med"/>
+                      <a:tailEnd type="none" w="med" len="med"/>
+                    </a:lnT>
+                    <a:lnB w="9525" cap="flat" cmpd="sng" algn="ctr">
+                      <a:solidFill>
+                        <a:srgbClr val="DDDDDD"/>
+                      </a:solidFill>
+                      <a:prstDash val="solid"/>
+                      <a:round/>
+                      <a:headEnd type="none" w="med" len="med"/>
+                      <a:tailEnd type="none" w="med" len="med"/>
+                    </a:lnB>
+                  </a:tcPr>
+                </a:tc>
+                <a:extLst>
+                  <a:ext uri="{0D108BD9-81ED-4DB2-BD59-A6C34878D82A}">
+                    <a16:rowId xmlns:a16="http://schemas.microsoft.com/office/drawing/2014/main" val="3535124799"/>
+                  </a:ext>
+                </a:extLst>
+              </a:tr>
+            </a:tbl>
+          </a:graphicData>
+        </a:graphic>
+      </p:graphicFrame>
     </p:spTree>
     <p:extLst>
       <p:ext uri="{BB962C8B-B14F-4D97-AF65-F5344CB8AC3E}">
-        <p14:creationId xmlns:p14="http://schemas.microsoft.com/office/powerpoint/2010/main" val="751366330"/>
+        <p14:creationId xmlns:p14="http://schemas.microsoft.com/office/powerpoint/2010/main" val="4128228991"/>
       </p:ext>
     </p:extLst>
   </p:cSld>
@@ -3191,13 +4433,7 @@
       </p:grpSpPr>
       <p:sp>
         <p:nvSpPr>
-          <p:cNvPr id="2" name="標題 1">
-            <a:extLst>
-              <a:ext uri="{FF2B5EF4-FFF2-40B4-BE49-F238E27FC236}">
-                <a16:creationId xmlns:a16="http://schemas.microsoft.com/office/drawing/2014/main" id="{774C23ED-A6AA-4A07-93FB-11D85C6C5F93}"/>
-              </a:ext>
-            </a:extLst>
-          </p:cNvPr>
+          <p:cNvPr id="2" name="標題 1"/>
           <p:cNvSpPr>
             <a:spLocks noGrp="1"/>
           </p:cNvSpPr>
@@ -3211,8 +4447,8 @@
           <a:lstStyle/>
           <a:p>
             <a:r>
-              <a:rPr lang="en-US" altLang="zh-TW" dirty="0"/>
-              <a:t>persistence.xml</a:t>
+              <a:rPr lang="en-US" altLang="zh-TW" dirty="0" smtClean="0"/>
+              <a:t>mapping.xml </a:t>
             </a:r>
             <a:endParaRPr lang="zh-TW" altLang="en-US" dirty="0"/>
           </a:p>
@@ -3220,13 +4456,7 @@
       </p:sp>
       <p:sp>
         <p:nvSpPr>
-          <p:cNvPr id="3" name="內容版面配置區 2">
-            <a:extLst>
-              <a:ext uri="{FF2B5EF4-FFF2-40B4-BE49-F238E27FC236}">
-                <a16:creationId xmlns:a16="http://schemas.microsoft.com/office/drawing/2014/main" id="{805AC191-19A5-4C22-89B1-27D33C38CE96}"/>
-              </a:ext>
-            </a:extLst>
-          </p:cNvPr>
+          <p:cNvPr id="3" name="內容版面配置區 2"/>
           <p:cNvSpPr>
             <a:spLocks noGrp="1"/>
           </p:cNvSpPr>
@@ -3236,57 +4466,45 @@
         </p:nvSpPr>
         <p:spPr/>
         <p:txBody>
-          <a:bodyPr>
-            <a:normAutofit/>
-          </a:bodyPr>
+          <a:bodyPr/>
           <a:lstStyle/>
           <a:p>
             <a:r>
-              <a:rPr lang="en-US" altLang="zh-TW" dirty="0"/>
-              <a:t>a standard configuration file</a:t>
-            </a:r>
-          </a:p>
-          <a:p>
-            <a:r>
-              <a:rPr lang="en-US" altLang="zh-TW" dirty="0"/>
-              <a:t>has to be included in the META-INF directory inside the JAR file that contains the entity beans. </a:t>
-            </a:r>
-          </a:p>
-          <a:p>
-            <a:r>
-              <a:rPr lang="en-US" altLang="zh-TW" dirty="0"/>
-              <a:t>define a persistence-unit with a unique name in the current scoped </a:t>
-            </a:r>
-            <a:r>
-              <a:rPr lang="en-US" altLang="zh-TW" dirty="0" err="1"/>
-              <a:t>classloader</a:t>
-            </a:r>
-            <a:r>
-              <a:rPr lang="en-US" altLang="zh-TW" dirty="0"/>
-              <a:t>. </a:t>
-            </a:r>
-          </a:p>
-          <a:p>
-            <a:r>
-              <a:rPr lang="en-US" altLang="zh-TW" dirty="0"/>
-              <a:t>The provider attribute specifies the underlying implementation of the JPA </a:t>
-            </a:r>
-            <a:r>
-              <a:rPr lang="en-US" altLang="zh-TW" dirty="0" err="1"/>
-              <a:t>EntityManager</a:t>
-            </a:r>
-            <a:r>
-              <a:rPr lang="en-US" altLang="zh-TW" dirty="0"/>
-              <a:t>. </a:t>
+              <a:rPr lang="en-US" altLang="zh-TW" dirty="0" smtClean="0"/>
+              <a:t>ex</a:t>
             </a:r>
             <a:endParaRPr lang="zh-TW" altLang="en-US" dirty="0"/>
           </a:p>
         </p:txBody>
       </p:sp>
+      <p:pic>
+        <p:nvPicPr>
+          <p:cNvPr id="5" name="圖片 4"/>
+          <p:cNvPicPr>
+            <a:picLocks noChangeAspect="1"/>
+          </p:cNvPicPr>
+          <p:nvPr/>
+        </p:nvPicPr>
+        <p:blipFill>
+          <a:blip r:embed="rId2"/>
+          <a:stretch>
+            <a:fillRect/>
+          </a:stretch>
+        </p:blipFill>
+        <p:spPr>
+          <a:xfrm>
+            <a:off x="1610591" y="2275609"/>
+            <a:ext cx="6699623" cy="4270664"/>
+          </a:xfrm>
+          <a:prstGeom prst="rect">
+            <a:avLst/>
+          </a:prstGeom>
+        </p:spPr>
+      </p:pic>
     </p:spTree>
     <p:extLst>
       <p:ext uri="{BB962C8B-B14F-4D97-AF65-F5344CB8AC3E}">
-        <p14:creationId xmlns:p14="http://schemas.microsoft.com/office/powerpoint/2010/main" val="2711472990"/>
+        <p14:creationId xmlns:p14="http://schemas.microsoft.com/office/powerpoint/2010/main" val="2992541544"/>
       </p:ext>
     </p:extLst>
   </p:cSld>
@@ -3328,6 +4546,166 @@
           <a:bodyPr/>
           <a:lstStyle/>
           <a:p>
+            <a:r>
+              <a:rPr lang="en-US" altLang="zh-TW" dirty="0"/>
+              <a:t>Java Bean Standard</a:t>
+            </a:r>
+            <a:endParaRPr lang="zh-TW" altLang="en-US" dirty="0"/>
+          </a:p>
+        </p:txBody>
+      </p:sp>
+      <p:sp>
+        <p:nvSpPr>
+          <p:cNvPr id="3" name="內容版面配置區 2"/>
+          <p:cNvSpPr>
+            <a:spLocks noGrp="1"/>
+          </p:cNvSpPr>
+          <p:nvPr>
+            <p:ph idx="1"/>
+          </p:nvPr>
+        </p:nvSpPr>
+        <p:spPr/>
+        <p:txBody>
+          <a:bodyPr>
+            <a:normAutofit fontScale="92500" lnSpcReduction="20000"/>
+          </a:bodyPr>
+          <a:lstStyle/>
+          <a:p>
+            <a:r>
+              <a:rPr lang="en-US" altLang="zh-TW" dirty="0"/>
+              <a:t>Bean contains the default constructor or a file that contains serialized instance. Therefore, a bean can instantiate the bean.</a:t>
+            </a:r>
+          </a:p>
+          <a:p>
+            <a:endParaRPr lang="en-US" altLang="zh-TW" dirty="0"/>
+          </a:p>
+          <a:p>
+            <a:r>
+              <a:rPr lang="en-US" altLang="zh-TW" dirty="0"/>
+              <a:t>Non-Boolean property contains getter and setter methods.</a:t>
+            </a:r>
+          </a:p>
+          <a:p>
+            <a:pPr lvl="1"/>
+            <a:r>
+              <a:rPr lang="en-US" altLang="zh-TW" dirty="0"/>
+              <a:t>Getter method of any property should start with small lettered ‘get’ (java method convention) and continued with a field name that starts with capital letter. E.g. the field name is ‘salary’ therefore the getter method of this field is ‘</a:t>
+            </a:r>
+            <a:r>
+              <a:rPr lang="en-US" altLang="zh-TW" dirty="0" err="1"/>
+              <a:t>getSalary</a:t>
+            </a:r>
+            <a:r>
+              <a:rPr lang="en-US" altLang="zh-TW" dirty="0"/>
+              <a:t> ()’.</a:t>
+            </a:r>
+          </a:p>
+          <a:p>
+            <a:pPr lvl="1"/>
+            <a:r>
+              <a:rPr lang="en-US" altLang="zh-TW" dirty="0" smtClean="0"/>
+              <a:t>Setter </a:t>
+            </a:r>
+            <a:r>
+              <a:rPr lang="en-US" altLang="zh-TW" dirty="0"/>
+              <a:t>method of any property should start with small lettered ‘set’ (java method convention), continued with a field name that starts with capital letter and the argument value to set to field. E.g. the field name is ‘salary’ therefore the setter method of this field is ‘</a:t>
+            </a:r>
+            <a:r>
+              <a:rPr lang="en-US" altLang="zh-TW" dirty="0" err="1"/>
+              <a:t>setSalary</a:t>
+            </a:r>
+            <a:r>
+              <a:rPr lang="en-US" altLang="zh-TW" dirty="0"/>
+              <a:t> (double </a:t>
+            </a:r>
+            <a:r>
+              <a:rPr lang="en-US" altLang="zh-TW" dirty="0" err="1"/>
+              <a:t>sal</a:t>
+            </a:r>
+            <a:r>
+              <a:rPr lang="en-US" altLang="zh-TW" dirty="0" smtClean="0"/>
+              <a:t>)’.</a:t>
+            </a:r>
+            <a:endParaRPr lang="en-US" altLang="zh-TW" dirty="0"/>
+          </a:p>
+          <a:p>
+            <a:r>
+              <a:rPr lang="en-US" altLang="zh-TW" dirty="0"/>
+              <a:t>Boolean property contain setter and is method</a:t>
+            </a:r>
+            <a:r>
+              <a:rPr lang="en-US" altLang="zh-TW" dirty="0" smtClean="0"/>
+              <a:t>.</a:t>
+            </a:r>
+            <a:endParaRPr lang="en-US" altLang="zh-TW" dirty="0"/>
+          </a:p>
+          <a:p>
+            <a:pPr lvl="1"/>
+            <a:r>
+              <a:rPr lang="en-US" altLang="zh-TW" dirty="0"/>
+              <a:t>For Boolean property, is method to check if it is true or false. E.g. the Boolean property ‘empty’, the is method of this field is ‘</a:t>
+            </a:r>
+            <a:r>
+              <a:rPr lang="en-US" altLang="zh-TW" dirty="0" err="1"/>
+              <a:t>isEmpty</a:t>
+            </a:r>
+            <a:r>
+              <a:rPr lang="en-US" altLang="zh-TW" dirty="0"/>
+              <a:t> ()’.</a:t>
+            </a:r>
+            <a:endParaRPr lang="zh-TW" altLang="en-US" dirty="0"/>
+          </a:p>
+        </p:txBody>
+      </p:sp>
+    </p:spTree>
+    <p:extLst>
+      <p:ext uri="{BB962C8B-B14F-4D97-AF65-F5344CB8AC3E}">
+        <p14:creationId xmlns:p14="http://schemas.microsoft.com/office/powerpoint/2010/main" val="44366758"/>
+      </p:ext>
+    </p:extLst>
+  </p:cSld>
+  <p:clrMapOvr>
+    <a:masterClrMapping/>
+  </p:clrMapOvr>
+</p:sld>
+</file>
+
+<file path=ppt/slides/slide13.xml><?xml version="1.0" encoding="utf-8"?>
+<p:sld xmlns:a="http://schemas.openxmlformats.org/drawingml/2006/main" xmlns:r="http://schemas.openxmlformats.org/officeDocument/2006/relationships" xmlns:p="http://schemas.openxmlformats.org/presentationml/2006/main">
+  <p:cSld>
+    <p:spTree>
+      <p:nvGrpSpPr>
+        <p:cNvPr id="1" name=""/>
+        <p:cNvGrpSpPr/>
+        <p:nvPr/>
+      </p:nvGrpSpPr>
+      <p:grpSpPr>
+        <a:xfrm>
+          <a:off x="0" y="0"/>
+          <a:ext cx="0" cy="0"/>
+          <a:chOff x="0" y="0"/>
+          <a:chExt cx="0" cy="0"/>
+        </a:xfrm>
+      </p:grpSpPr>
+      <p:sp>
+        <p:nvSpPr>
+          <p:cNvPr id="2" name="標題 1"/>
+          <p:cNvSpPr>
+            <a:spLocks noGrp="1"/>
+          </p:cNvSpPr>
+          <p:nvPr>
+            <p:ph type="title"/>
+          </p:nvPr>
+        </p:nvSpPr>
+        <p:spPr/>
+        <p:txBody>
+          <a:bodyPr/>
+          <a:lstStyle/>
+          <a:p>
+            <a:r>
+              <a:rPr lang="en-US" altLang="zh-TW" dirty="0" smtClean="0"/>
+              <a:t>Entity Class</a:t>
+            </a:r>
             <a:endParaRPr lang="zh-TW" altLang="en-US" dirty="0"/>
           </a:p>
         </p:txBody>
@@ -3348,6 +4726,4117 @@
           <a:lstStyle/>
           <a:p>
             <a:r>
+              <a:rPr lang="en-US" altLang="zh-TW" dirty="0" smtClean="0"/>
+              <a:t>ex</a:t>
+            </a:r>
+            <a:endParaRPr lang="zh-TW" altLang="en-US" dirty="0"/>
+          </a:p>
+        </p:txBody>
+      </p:sp>
+      <p:sp>
+        <p:nvSpPr>
+          <p:cNvPr id="9" name="矩形 8"/>
+          <p:cNvSpPr/>
+          <p:nvPr/>
+        </p:nvSpPr>
+        <p:spPr>
+          <a:xfrm>
+            <a:off x="2005446" y="1522284"/>
+            <a:ext cx="8096250" cy="4893647"/>
+          </a:xfrm>
+          <a:prstGeom prst="rect">
+            <a:avLst/>
+          </a:prstGeom>
+        </p:spPr>
+        <p:txBody>
+          <a:bodyPr wrap="square">
+            <a:spAutoFit/>
+          </a:bodyPr>
+          <a:lstStyle/>
+          <a:p>
+            <a:r>
+              <a:rPr lang="en-US" altLang="zh-TW" sz="1200" dirty="0">
+                <a:solidFill>
+                  <a:srgbClr val="646464"/>
+                </a:solidFill>
+                <a:latin typeface="Courier New" panose="02070309020205020404" pitchFamily="49" charset="0"/>
+              </a:rPr>
+              <a:t>@Entity</a:t>
+            </a:r>
+          </a:p>
+          <a:p>
+            <a:r>
+              <a:rPr lang="en-US" altLang="zh-TW" sz="1200" dirty="0">
+                <a:solidFill>
+                  <a:srgbClr val="646464"/>
+                </a:solidFill>
+                <a:latin typeface="Courier New" panose="02070309020205020404" pitchFamily="49" charset="0"/>
+              </a:rPr>
+              <a:t>@Table</a:t>
+            </a:r>
+            <a:r>
+              <a:rPr lang="en-US" altLang="zh-TW" sz="1200" dirty="0">
+                <a:solidFill>
+                  <a:srgbClr val="000000"/>
+                </a:solidFill>
+                <a:latin typeface="Courier New" panose="02070309020205020404" pitchFamily="49" charset="0"/>
+              </a:rPr>
+              <a:t>(name=</a:t>
+            </a:r>
+            <a:r>
+              <a:rPr lang="en-US" altLang="zh-TW" sz="1200" dirty="0">
+                <a:solidFill>
+                  <a:srgbClr val="2A00FF"/>
+                </a:solidFill>
+                <a:latin typeface="Courier New" panose="02070309020205020404" pitchFamily="49" charset="0"/>
+              </a:rPr>
+              <a:t>"PERSON"</a:t>
+            </a:r>
+            <a:r>
+              <a:rPr lang="en-US" altLang="zh-TW" sz="1200" dirty="0">
+                <a:solidFill>
+                  <a:srgbClr val="000000"/>
+                </a:solidFill>
+                <a:latin typeface="Courier New" panose="02070309020205020404" pitchFamily="49" charset="0"/>
+              </a:rPr>
+              <a:t>)</a:t>
+            </a:r>
+          </a:p>
+          <a:p>
+            <a:r>
+              <a:rPr lang="en-US" altLang="zh-TW" sz="1200" b="1" dirty="0">
+                <a:solidFill>
+                  <a:srgbClr val="7F0055"/>
+                </a:solidFill>
+                <a:latin typeface="Courier New" panose="02070309020205020404" pitchFamily="49" charset="0"/>
+              </a:rPr>
+              <a:t>public</a:t>
+            </a:r>
+            <a:r>
+              <a:rPr lang="en-US" altLang="zh-TW" sz="1200" b="1" dirty="0">
+                <a:solidFill>
+                  <a:srgbClr val="000000"/>
+                </a:solidFill>
+                <a:latin typeface="Courier New" panose="02070309020205020404" pitchFamily="49" charset="0"/>
+              </a:rPr>
+              <a:t> </a:t>
+            </a:r>
+            <a:r>
+              <a:rPr lang="en-US" altLang="zh-TW" sz="1200" b="1" dirty="0">
+                <a:solidFill>
+                  <a:srgbClr val="7F0055"/>
+                </a:solidFill>
+                <a:latin typeface="Courier New" panose="02070309020205020404" pitchFamily="49" charset="0"/>
+              </a:rPr>
+              <a:t>class</a:t>
+            </a:r>
+            <a:r>
+              <a:rPr lang="en-US" altLang="zh-TW" sz="1200" b="1" dirty="0">
+                <a:solidFill>
+                  <a:srgbClr val="000000"/>
+                </a:solidFill>
+                <a:latin typeface="Courier New" panose="02070309020205020404" pitchFamily="49" charset="0"/>
+              </a:rPr>
+              <a:t> Person </a:t>
+            </a:r>
+            <a:r>
+              <a:rPr lang="en-US" altLang="zh-TW" sz="1200" b="1" dirty="0" smtClean="0">
+                <a:solidFill>
+                  <a:srgbClr val="000000"/>
+                </a:solidFill>
+                <a:latin typeface="Courier New" panose="02070309020205020404" pitchFamily="49" charset="0"/>
+              </a:rPr>
+              <a:t>{</a:t>
+            </a:r>
+            <a:endParaRPr lang="zh-TW" altLang="en-US" sz="1200" dirty="0">
+              <a:latin typeface="Courier New" panose="02070309020205020404" pitchFamily="49" charset="0"/>
+            </a:endParaRPr>
+          </a:p>
+          <a:p>
+            <a:r>
+              <a:rPr lang="en-US" altLang="zh-TW" sz="1200" dirty="0" smtClean="0">
+                <a:solidFill>
+                  <a:srgbClr val="646464"/>
+                </a:solidFill>
+                <a:latin typeface="Courier New" panose="02070309020205020404" pitchFamily="49" charset="0"/>
+              </a:rPr>
+              <a:t>  @</a:t>
+            </a:r>
+            <a:r>
+              <a:rPr lang="en-US" altLang="zh-TW" sz="1200" dirty="0">
+                <a:solidFill>
+                  <a:srgbClr val="646464"/>
+                </a:solidFill>
+                <a:latin typeface="Courier New" panose="02070309020205020404" pitchFamily="49" charset="0"/>
+              </a:rPr>
+              <a:t>Id</a:t>
+            </a:r>
+          </a:p>
+          <a:p>
+            <a:r>
+              <a:rPr lang="en-US" altLang="zh-TW" sz="1200" dirty="0" smtClean="0">
+                <a:solidFill>
+                  <a:srgbClr val="646464"/>
+                </a:solidFill>
+                <a:latin typeface="Courier New" panose="02070309020205020404" pitchFamily="49" charset="0"/>
+              </a:rPr>
+              <a:t>  @</a:t>
+            </a:r>
+            <a:r>
+              <a:rPr lang="en-US" altLang="zh-TW" sz="1200" dirty="0">
+                <a:solidFill>
+                  <a:srgbClr val="646464"/>
+                </a:solidFill>
+                <a:latin typeface="Courier New" panose="02070309020205020404" pitchFamily="49" charset="0"/>
+              </a:rPr>
+              <a:t>Column</a:t>
+            </a:r>
+            <a:r>
+              <a:rPr lang="en-US" altLang="zh-TW" sz="1200" dirty="0">
+                <a:solidFill>
+                  <a:srgbClr val="000000"/>
+                </a:solidFill>
+                <a:latin typeface="Courier New" panose="02070309020205020404" pitchFamily="49" charset="0"/>
+              </a:rPr>
+              <a:t>(name=</a:t>
+            </a:r>
+            <a:r>
+              <a:rPr lang="en-US" altLang="zh-TW" sz="1200" dirty="0">
+                <a:solidFill>
+                  <a:srgbClr val="2A00FF"/>
+                </a:solidFill>
+                <a:latin typeface="Courier New" panose="02070309020205020404" pitchFamily="49" charset="0"/>
+              </a:rPr>
+              <a:t>"id"</a:t>
+            </a:r>
+            <a:r>
+              <a:rPr lang="en-US" altLang="zh-TW" sz="1200" dirty="0">
+                <a:solidFill>
+                  <a:srgbClr val="000000"/>
+                </a:solidFill>
+                <a:latin typeface="Courier New" panose="02070309020205020404" pitchFamily="49" charset="0"/>
+              </a:rPr>
+              <a:t>)</a:t>
+            </a:r>
+          </a:p>
+          <a:p>
+            <a:r>
+              <a:rPr lang="en-US" altLang="zh-TW" sz="1200" dirty="0" smtClean="0">
+                <a:solidFill>
+                  <a:srgbClr val="646464"/>
+                </a:solidFill>
+                <a:latin typeface="Courier New" panose="02070309020205020404" pitchFamily="49" charset="0"/>
+              </a:rPr>
+              <a:t>  @</a:t>
+            </a:r>
+            <a:r>
+              <a:rPr lang="en-US" altLang="zh-TW" sz="1200" dirty="0" err="1">
+                <a:solidFill>
+                  <a:srgbClr val="646464"/>
+                </a:solidFill>
+                <a:latin typeface="Courier New" panose="02070309020205020404" pitchFamily="49" charset="0"/>
+              </a:rPr>
+              <a:t>GeneratedValue</a:t>
+            </a:r>
+            <a:r>
+              <a:rPr lang="en-US" altLang="zh-TW" sz="1200" dirty="0">
+                <a:solidFill>
+                  <a:srgbClr val="000000"/>
+                </a:solidFill>
+                <a:latin typeface="Courier New" panose="02070309020205020404" pitchFamily="49" charset="0"/>
+              </a:rPr>
+              <a:t>(strategy=</a:t>
+            </a:r>
+            <a:r>
+              <a:rPr lang="en-US" altLang="zh-TW" sz="1200" dirty="0" err="1">
+                <a:solidFill>
+                  <a:srgbClr val="000000"/>
+                </a:solidFill>
+                <a:latin typeface="Courier New" panose="02070309020205020404" pitchFamily="49" charset="0"/>
+              </a:rPr>
+              <a:t>GenerationType.</a:t>
+            </a:r>
+            <a:r>
+              <a:rPr lang="en-US" altLang="zh-TW" sz="1200" b="1" i="1" dirty="0" err="1">
+                <a:solidFill>
+                  <a:srgbClr val="0000C0"/>
+                </a:solidFill>
+                <a:latin typeface="Courier New" panose="02070309020205020404" pitchFamily="49" charset="0"/>
+              </a:rPr>
+              <a:t>IDENTITY</a:t>
+            </a:r>
+            <a:r>
+              <a:rPr lang="en-US" altLang="zh-TW" sz="1200" b="1" i="1" dirty="0">
+                <a:solidFill>
+                  <a:srgbClr val="000000"/>
+                </a:solidFill>
+                <a:latin typeface="Courier New" panose="02070309020205020404" pitchFamily="49" charset="0"/>
+              </a:rPr>
+              <a:t>)</a:t>
+            </a:r>
+          </a:p>
+          <a:p>
+            <a:r>
+              <a:rPr lang="en-US" altLang="zh-TW" sz="1200" b="1" dirty="0" smtClean="0">
+                <a:solidFill>
+                  <a:srgbClr val="7F0055"/>
+                </a:solidFill>
+                <a:latin typeface="Courier New" panose="02070309020205020404" pitchFamily="49" charset="0"/>
+              </a:rPr>
+              <a:t>  private</a:t>
+            </a:r>
+            <a:r>
+              <a:rPr lang="en-US" altLang="zh-TW" sz="1200" b="1" dirty="0" smtClean="0">
+                <a:solidFill>
+                  <a:srgbClr val="000000"/>
+                </a:solidFill>
+                <a:latin typeface="Courier New" panose="02070309020205020404" pitchFamily="49" charset="0"/>
+              </a:rPr>
+              <a:t> </a:t>
+            </a:r>
+            <a:r>
+              <a:rPr lang="en-US" altLang="zh-TW" sz="1200" b="1" dirty="0" err="1">
+                <a:solidFill>
+                  <a:srgbClr val="7F0055"/>
+                </a:solidFill>
+                <a:latin typeface="Courier New" panose="02070309020205020404" pitchFamily="49" charset="0"/>
+              </a:rPr>
+              <a:t>int</a:t>
+            </a:r>
+            <a:r>
+              <a:rPr lang="en-US" altLang="zh-TW" sz="1200" b="1" dirty="0">
+                <a:solidFill>
+                  <a:srgbClr val="000000"/>
+                </a:solidFill>
+                <a:latin typeface="Courier New" panose="02070309020205020404" pitchFamily="49" charset="0"/>
+              </a:rPr>
+              <a:t> </a:t>
+            </a:r>
+            <a:r>
+              <a:rPr lang="en-US" altLang="zh-TW" sz="1200" b="1" dirty="0">
+                <a:solidFill>
+                  <a:srgbClr val="0000C0"/>
+                </a:solidFill>
+                <a:latin typeface="Courier New" panose="02070309020205020404" pitchFamily="49" charset="0"/>
+              </a:rPr>
+              <a:t>id</a:t>
+            </a:r>
+            <a:r>
+              <a:rPr lang="en-US" altLang="zh-TW" sz="1200" b="1" dirty="0">
+                <a:solidFill>
+                  <a:srgbClr val="000000"/>
+                </a:solidFill>
+                <a:latin typeface="Courier New" panose="02070309020205020404" pitchFamily="49" charset="0"/>
+              </a:rPr>
+              <a:t>;</a:t>
+            </a:r>
+          </a:p>
+          <a:p>
+            <a:r>
+              <a:rPr lang="en-US" altLang="zh-TW" sz="1200" b="1" dirty="0" smtClean="0">
+                <a:solidFill>
+                  <a:srgbClr val="7F0055"/>
+                </a:solidFill>
+                <a:latin typeface="Courier New" panose="02070309020205020404" pitchFamily="49" charset="0"/>
+              </a:rPr>
+              <a:t>  private</a:t>
+            </a:r>
+            <a:r>
+              <a:rPr lang="en-US" altLang="zh-TW" sz="1200" b="1" dirty="0" smtClean="0">
+                <a:solidFill>
+                  <a:srgbClr val="000000"/>
+                </a:solidFill>
+                <a:latin typeface="Courier New" panose="02070309020205020404" pitchFamily="49" charset="0"/>
+              </a:rPr>
+              <a:t> </a:t>
+            </a:r>
+            <a:r>
+              <a:rPr lang="en-US" altLang="zh-TW" sz="1200" b="1" dirty="0">
+                <a:solidFill>
+                  <a:srgbClr val="000000"/>
+                </a:solidFill>
+                <a:latin typeface="Courier New" panose="02070309020205020404" pitchFamily="49" charset="0"/>
+              </a:rPr>
+              <a:t>String </a:t>
+            </a:r>
+            <a:r>
+              <a:rPr lang="en-US" altLang="zh-TW" sz="1200" b="1" dirty="0">
+                <a:solidFill>
+                  <a:srgbClr val="0000C0"/>
+                </a:solidFill>
+                <a:latin typeface="Courier New" panose="02070309020205020404" pitchFamily="49" charset="0"/>
+              </a:rPr>
+              <a:t>name</a:t>
+            </a:r>
+            <a:r>
+              <a:rPr lang="en-US" altLang="zh-TW" sz="1200" b="1" dirty="0" smtClean="0">
+                <a:solidFill>
+                  <a:srgbClr val="000000"/>
+                </a:solidFill>
+                <a:latin typeface="Courier New" panose="02070309020205020404" pitchFamily="49" charset="0"/>
+              </a:rPr>
+              <a:t>;</a:t>
+            </a:r>
+          </a:p>
+          <a:p>
+            <a:endParaRPr lang="en-US" altLang="zh-TW" sz="1200" b="1" dirty="0">
+              <a:solidFill>
+                <a:srgbClr val="000000"/>
+              </a:solidFill>
+              <a:latin typeface="Courier New" panose="02070309020205020404" pitchFamily="49" charset="0"/>
+            </a:endParaRPr>
+          </a:p>
+          <a:p>
+            <a:r>
+              <a:rPr lang="en-US" altLang="zh-TW" sz="1200" b="1" dirty="0" smtClean="0">
+                <a:solidFill>
+                  <a:srgbClr val="7F0055"/>
+                </a:solidFill>
+                <a:latin typeface="Courier New" panose="02070309020205020404" pitchFamily="49" charset="0"/>
+              </a:rPr>
+              <a:t>  public</a:t>
+            </a:r>
+            <a:r>
+              <a:rPr lang="en-US" altLang="zh-TW" sz="1200" b="1" dirty="0" smtClean="0">
+                <a:solidFill>
+                  <a:srgbClr val="000000"/>
+                </a:solidFill>
+                <a:latin typeface="Courier New" panose="02070309020205020404" pitchFamily="49" charset="0"/>
+              </a:rPr>
+              <a:t> </a:t>
+            </a:r>
+            <a:r>
+              <a:rPr lang="en-US" altLang="zh-TW" sz="1200" b="1" dirty="0" err="1">
+                <a:solidFill>
+                  <a:srgbClr val="7F0055"/>
+                </a:solidFill>
+                <a:latin typeface="Courier New" panose="02070309020205020404" pitchFamily="49" charset="0"/>
+              </a:rPr>
+              <a:t>int</a:t>
+            </a:r>
+            <a:r>
+              <a:rPr lang="en-US" altLang="zh-TW" sz="1200" b="1" dirty="0">
+                <a:solidFill>
+                  <a:srgbClr val="000000"/>
+                </a:solidFill>
+                <a:latin typeface="Courier New" panose="02070309020205020404" pitchFamily="49" charset="0"/>
+              </a:rPr>
+              <a:t> </a:t>
+            </a:r>
+            <a:r>
+              <a:rPr lang="en-US" altLang="zh-TW" sz="1200" b="1" dirty="0" err="1">
+                <a:solidFill>
+                  <a:srgbClr val="000000"/>
+                </a:solidFill>
+                <a:latin typeface="Courier New" panose="02070309020205020404" pitchFamily="49" charset="0"/>
+              </a:rPr>
+              <a:t>getId</a:t>
+            </a:r>
+            <a:r>
+              <a:rPr lang="en-US" altLang="zh-TW" sz="1200" b="1" dirty="0">
+                <a:solidFill>
+                  <a:srgbClr val="000000"/>
+                </a:solidFill>
+                <a:latin typeface="Courier New" panose="02070309020205020404" pitchFamily="49" charset="0"/>
+              </a:rPr>
+              <a:t>() {</a:t>
+            </a:r>
+          </a:p>
+          <a:p>
+            <a:r>
+              <a:rPr lang="en-US" altLang="zh-TW" sz="1200" b="1" dirty="0" smtClean="0">
+                <a:solidFill>
+                  <a:srgbClr val="7F0055"/>
+                </a:solidFill>
+                <a:latin typeface="Courier New" panose="02070309020205020404" pitchFamily="49" charset="0"/>
+              </a:rPr>
+              <a:t>    return</a:t>
+            </a:r>
+            <a:r>
+              <a:rPr lang="en-US" altLang="zh-TW" sz="1200" b="1" dirty="0" smtClean="0">
+                <a:solidFill>
+                  <a:srgbClr val="000000"/>
+                </a:solidFill>
+                <a:latin typeface="Courier New" panose="02070309020205020404" pitchFamily="49" charset="0"/>
+              </a:rPr>
+              <a:t> </a:t>
+            </a:r>
+            <a:r>
+              <a:rPr lang="en-US" altLang="zh-TW" sz="1200" b="1" dirty="0">
+                <a:solidFill>
+                  <a:srgbClr val="0000C0"/>
+                </a:solidFill>
+                <a:latin typeface="Courier New" panose="02070309020205020404" pitchFamily="49" charset="0"/>
+              </a:rPr>
+              <a:t>id</a:t>
+            </a:r>
+            <a:r>
+              <a:rPr lang="en-US" altLang="zh-TW" sz="1200" b="1" dirty="0">
+                <a:solidFill>
+                  <a:srgbClr val="000000"/>
+                </a:solidFill>
+                <a:latin typeface="Courier New" panose="02070309020205020404" pitchFamily="49" charset="0"/>
+              </a:rPr>
+              <a:t>;</a:t>
+            </a:r>
+          </a:p>
+          <a:p>
+            <a:r>
+              <a:rPr lang="en-US" altLang="zh-TW" sz="1200" dirty="0" smtClean="0">
+                <a:solidFill>
+                  <a:srgbClr val="000000"/>
+                </a:solidFill>
+                <a:latin typeface="Courier New" panose="02070309020205020404" pitchFamily="49" charset="0"/>
+              </a:rPr>
+              <a:t>  }</a:t>
+            </a:r>
+            <a:endParaRPr lang="en-US" altLang="zh-TW" sz="1200" dirty="0">
+              <a:solidFill>
+                <a:srgbClr val="000000"/>
+              </a:solidFill>
+              <a:latin typeface="Courier New" panose="02070309020205020404" pitchFamily="49" charset="0"/>
+            </a:endParaRPr>
+          </a:p>
+          <a:p>
+            <a:r>
+              <a:rPr lang="en-US" altLang="zh-TW" sz="1200" b="1" dirty="0" smtClean="0">
+                <a:solidFill>
+                  <a:srgbClr val="7F0055"/>
+                </a:solidFill>
+                <a:latin typeface="Courier New" panose="02070309020205020404" pitchFamily="49" charset="0"/>
+              </a:rPr>
+              <a:t>  public</a:t>
+            </a:r>
+            <a:r>
+              <a:rPr lang="en-US" altLang="zh-TW" sz="1200" b="1" dirty="0" smtClean="0">
+                <a:solidFill>
+                  <a:srgbClr val="000000"/>
+                </a:solidFill>
+                <a:latin typeface="Courier New" panose="02070309020205020404" pitchFamily="49" charset="0"/>
+              </a:rPr>
+              <a:t> </a:t>
+            </a:r>
+            <a:r>
+              <a:rPr lang="en-US" altLang="zh-TW" sz="1200" b="1" dirty="0">
+                <a:solidFill>
+                  <a:srgbClr val="7F0055"/>
+                </a:solidFill>
+                <a:latin typeface="Courier New" panose="02070309020205020404" pitchFamily="49" charset="0"/>
+              </a:rPr>
+              <a:t>void</a:t>
+            </a:r>
+            <a:r>
+              <a:rPr lang="en-US" altLang="zh-TW" sz="1200" b="1" dirty="0">
+                <a:solidFill>
+                  <a:srgbClr val="000000"/>
+                </a:solidFill>
+                <a:latin typeface="Courier New" panose="02070309020205020404" pitchFamily="49" charset="0"/>
+              </a:rPr>
+              <a:t> </a:t>
+            </a:r>
+            <a:r>
+              <a:rPr lang="en-US" altLang="zh-TW" sz="1200" b="1" dirty="0" err="1">
+                <a:solidFill>
+                  <a:srgbClr val="000000"/>
+                </a:solidFill>
+                <a:latin typeface="Courier New" panose="02070309020205020404" pitchFamily="49" charset="0"/>
+              </a:rPr>
+              <a:t>setId</a:t>
+            </a:r>
+            <a:r>
+              <a:rPr lang="en-US" altLang="zh-TW" sz="1200" b="1" dirty="0">
+                <a:solidFill>
+                  <a:srgbClr val="000000"/>
+                </a:solidFill>
+                <a:latin typeface="Courier New" panose="02070309020205020404" pitchFamily="49" charset="0"/>
+              </a:rPr>
+              <a:t>(</a:t>
+            </a:r>
+            <a:r>
+              <a:rPr lang="en-US" altLang="zh-TW" sz="1200" b="1" dirty="0" err="1">
+                <a:solidFill>
+                  <a:srgbClr val="7F0055"/>
+                </a:solidFill>
+                <a:latin typeface="Courier New" panose="02070309020205020404" pitchFamily="49" charset="0"/>
+              </a:rPr>
+              <a:t>int</a:t>
+            </a:r>
+            <a:r>
+              <a:rPr lang="en-US" altLang="zh-TW" sz="1200" b="1" dirty="0">
+                <a:solidFill>
+                  <a:srgbClr val="000000"/>
+                </a:solidFill>
+                <a:latin typeface="Courier New" panose="02070309020205020404" pitchFamily="49" charset="0"/>
+              </a:rPr>
+              <a:t> </a:t>
+            </a:r>
+            <a:r>
+              <a:rPr lang="en-US" altLang="zh-TW" sz="1200" b="1" dirty="0">
+                <a:solidFill>
+                  <a:srgbClr val="6A3E3E"/>
+                </a:solidFill>
+                <a:latin typeface="Courier New" panose="02070309020205020404" pitchFamily="49" charset="0"/>
+              </a:rPr>
+              <a:t>id</a:t>
+            </a:r>
+            <a:r>
+              <a:rPr lang="en-US" altLang="zh-TW" sz="1200" b="1" dirty="0">
+                <a:solidFill>
+                  <a:srgbClr val="000000"/>
+                </a:solidFill>
+                <a:latin typeface="Courier New" panose="02070309020205020404" pitchFamily="49" charset="0"/>
+              </a:rPr>
+              <a:t>) {</a:t>
+            </a:r>
+          </a:p>
+          <a:p>
+            <a:r>
+              <a:rPr lang="en-US" altLang="zh-TW" sz="1200" b="1" dirty="0" smtClean="0">
+                <a:solidFill>
+                  <a:srgbClr val="7F0055"/>
+                </a:solidFill>
+                <a:latin typeface="Courier New" panose="02070309020205020404" pitchFamily="49" charset="0"/>
+              </a:rPr>
+              <a:t>    this</a:t>
+            </a:r>
+            <a:r>
+              <a:rPr lang="en-US" altLang="zh-TW" sz="1200" b="1" dirty="0" smtClean="0">
+                <a:solidFill>
+                  <a:srgbClr val="000000"/>
+                </a:solidFill>
+                <a:latin typeface="Courier New" panose="02070309020205020404" pitchFamily="49" charset="0"/>
+              </a:rPr>
+              <a:t>.</a:t>
+            </a:r>
+            <a:r>
+              <a:rPr lang="en-US" altLang="zh-TW" sz="1200" b="1" dirty="0" smtClean="0">
+                <a:solidFill>
+                  <a:srgbClr val="0000C0"/>
+                </a:solidFill>
+                <a:latin typeface="Courier New" panose="02070309020205020404" pitchFamily="49" charset="0"/>
+              </a:rPr>
+              <a:t>id</a:t>
+            </a:r>
+            <a:r>
+              <a:rPr lang="en-US" altLang="zh-TW" sz="1200" b="1" dirty="0" smtClean="0">
+                <a:solidFill>
+                  <a:srgbClr val="000000"/>
+                </a:solidFill>
+                <a:latin typeface="Courier New" panose="02070309020205020404" pitchFamily="49" charset="0"/>
+              </a:rPr>
+              <a:t> </a:t>
+            </a:r>
+            <a:r>
+              <a:rPr lang="en-US" altLang="zh-TW" sz="1200" b="1" dirty="0">
+                <a:solidFill>
+                  <a:srgbClr val="000000"/>
+                </a:solidFill>
+                <a:latin typeface="Courier New" panose="02070309020205020404" pitchFamily="49" charset="0"/>
+              </a:rPr>
+              <a:t>= </a:t>
+            </a:r>
+            <a:r>
+              <a:rPr lang="en-US" altLang="zh-TW" sz="1200" b="1" dirty="0">
+                <a:solidFill>
+                  <a:srgbClr val="6A3E3E"/>
+                </a:solidFill>
+                <a:latin typeface="Courier New" panose="02070309020205020404" pitchFamily="49" charset="0"/>
+              </a:rPr>
+              <a:t>id</a:t>
+            </a:r>
+            <a:r>
+              <a:rPr lang="en-US" altLang="zh-TW" sz="1200" b="1" dirty="0">
+                <a:solidFill>
+                  <a:srgbClr val="000000"/>
+                </a:solidFill>
+                <a:latin typeface="Courier New" panose="02070309020205020404" pitchFamily="49" charset="0"/>
+              </a:rPr>
+              <a:t>;</a:t>
+            </a:r>
+          </a:p>
+          <a:p>
+            <a:r>
+              <a:rPr lang="en-US" altLang="zh-TW" sz="1200" dirty="0" smtClean="0">
+                <a:solidFill>
+                  <a:srgbClr val="000000"/>
+                </a:solidFill>
+                <a:latin typeface="Courier New" panose="02070309020205020404" pitchFamily="49" charset="0"/>
+              </a:rPr>
+              <a:t>  }</a:t>
+            </a:r>
+            <a:endParaRPr lang="en-US" altLang="zh-TW" sz="1200" dirty="0">
+              <a:solidFill>
+                <a:srgbClr val="000000"/>
+              </a:solidFill>
+              <a:latin typeface="Courier New" panose="02070309020205020404" pitchFamily="49" charset="0"/>
+            </a:endParaRPr>
+          </a:p>
+          <a:p>
+            <a:r>
+              <a:rPr lang="en-US" altLang="zh-TW" sz="1200" b="1" dirty="0" smtClean="0">
+                <a:solidFill>
+                  <a:srgbClr val="7F0055"/>
+                </a:solidFill>
+                <a:latin typeface="Courier New" panose="02070309020205020404" pitchFamily="49" charset="0"/>
+              </a:rPr>
+              <a:t>  public</a:t>
+            </a:r>
+            <a:r>
+              <a:rPr lang="en-US" altLang="zh-TW" sz="1200" b="1" dirty="0" smtClean="0">
+                <a:solidFill>
+                  <a:srgbClr val="000000"/>
+                </a:solidFill>
+                <a:latin typeface="Courier New" panose="02070309020205020404" pitchFamily="49" charset="0"/>
+              </a:rPr>
+              <a:t> </a:t>
+            </a:r>
+            <a:r>
+              <a:rPr lang="en-US" altLang="zh-TW" sz="1200" b="1" dirty="0">
+                <a:solidFill>
+                  <a:srgbClr val="000000"/>
+                </a:solidFill>
+                <a:latin typeface="Courier New" panose="02070309020205020404" pitchFamily="49" charset="0"/>
+              </a:rPr>
+              <a:t>String </a:t>
+            </a:r>
+            <a:r>
+              <a:rPr lang="en-US" altLang="zh-TW" sz="1200" b="1" dirty="0" err="1">
+                <a:solidFill>
+                  <a:srgbClr val="000000"/>
+                </a:solidFill>
+                <a:latin typeface="Courier New" panose="02070309020205020404" pitchFamily="49" charset="0"/>
+              </a:rPr>
+              <a:t>getName</a:t>
+            </a:r>
+            <a:r>
+              <a:rPr lang="en-US" altLang="zh-TW" sz="1200" b="1" dirty="0">
+                <a:solidFill>
+                  <a:srgbClr val="000000"/>
+                </a:solidFill>
+                <a:latin typeface="Courier New" panose="02070309020205020404" pitchFamily="49" charset="0"/>
+              </a:rPr>
+              <a:t>() {</a:t>
+            </a:r>
+          </a:p>
+          <a:p>
+            <a:r>
+              <a:rPr lang="en-US" altLang="zh-TW" sz="1200" b="1" dirty="0" smtClean="0">
+                <a:solidFill>
+                  <a:srgbClr val="7F0055"/>
+                </a:solidFill>
+                <a:latin typeface="Courier New" panose="02070309020205020404" pitchFamily="49" charset="0"/>
+              </a:rPr>
+              <a:t>    return</a:t>
+            </a:r>
+            <a:r>
+              <a:rPr lang="en-US" altLang="zh-TW" sz="1200" b="1" dirty="0" smtClean="0">
+                <a:solidFill>
+                  <a:srgbClr val="000000"/>
+                </a:solidFill>
+                <a:latin typeface="Courier New" panose="02070309020205020404" pitchFamily="49" charset="0"/>
+              </a:rPr>
+              <a:t> </a:t>
+            </a:r>
+            <a:r>
+              <a:rPr lang="en-US" altLang="zh-TW" sz="1200" b="1" dirty="0">
+                <a:solidFill>
+                  <a:srgbClr val="0000C0"/>
+                </a:solidFill>
+                <a:latin typeface="Courier New" panose="02070309020205020404" pitchFamily="49" charset="0"/>
+              </a:rPr>
+              <a:t>name</a:t>
+            </a:r>
+            <a:r>
+              <a:rPr lang="en-US" altLang="zh-TW" sz="1200" b="1" dirty="0">
+                <a:solidFill>
+                  <a:srgbClr val="000000"/>
+                </a:solidFill>
+                <a:latin typeface="Courier New" panose="02070309020205020404" pitchFamily="49" charset="0"/>
+              </a:rPr>
+              <a:t>;</a:t>
+            </a:r>
+          </a:p>
+          <a:p>
+            <a:r>
+              <a:rPr lang="en-US" altLang="zh-TW" sz="1200" dirty="0" smtClean="0">
+                <a:solidFill>
+                  <a:srgbClr val="000000"/>
+                </a:solidFill>
+                <a:latin typeface="Courier New" panose="02070309020205020404" pitchFamily="49" charset="0"/>
+              </a:rPr>
+              <a:t>  }</a:t>
+            </a:r>
+            <a:endParaRPr lang="en-US" altLang="zh-TW" sz="1200" dirty="0">
+              <a:solidFill>
+                <a:srgbClr val="000000"/>
+              </a:solidFill>
+              <a:latin typeface="Courier New" panose="02070309020205020404" pitchFamily="49" charset="0"/>
+            </a:endParaRPr>
+          </a:p>
+          <a:p>
+            <a:r>
+              <a:rPr lang="en-US" altLang="zh-TW" sz="1200" b="1" dirty="0" smtClean="0">
+                <a:solidFill>
+                  <a:srgbClr val="7F0055"/>
+                </a:solidFill>
+                <a:latin typeface="Courier New" panose="02070309020205020404" pitchFamily="49" charset="0"/>
+              </a:rPr>
+              <a:t>  public</a:t>
+            </a:r>
+            <a:r>
+              <a:rPr lang="en-US" altLang="zh-TW" sz="1200" b="1" dirty="0" smtClean="0">
+                <a:solidFill>
+                  <a:srgbClr val="000000"/>
+                </a:solidFill>
+                <a:latin typeface="Courier New" panose="02070309020205020404" pitchFamily="49" charset="0"/>
+              </a:rPr>
+              <a:t> </a:t>
+            </a:r>
+            <a:r>
+              <a:rPr lang="en-US" altLang="zh-TW" sz="1200" b="1" dirty="0">
+                <a:solidFill>
+                  <a:srgbClr val="7F0055"/>
+                </a:solidFill>
+                <a:latin typeface="Courier New" panose="02070309020205020404" pitchFamily="49" charset="0"/>
+              </a:rPr>
+              <a:t>void</a:t>
+            </a:r>
+            <a:r>
+              <a:rPr lang="en-US" altLang="zh-TW" sz="1200" b="1" dirty="0">
+                <a:solidFill>
+                  <a:srgbClr val="000000"/>
+                </a:solidFill>
+                <a:latin typeface="Courier New" panose="02070309020205020404" pitchFamily="49" charset="0"/>
+              </a:rPr>
+              <a:t> </a:t>
+            </a:r>
+            <a:r>
+              <a:rPr lang="en-US" altLang="zh-TW" sz="1200" b="1" dirty="0" err="1">
+                <a:solidFill>
+                  <a:srgbClr val="000000"/>
+                </a:solidFill>
+                <a:latin typeface="Courier New" panose="02070309020205020404" pitchFamily="49" charset="0"/>
+              </a:rPr>
+              <a:t>setName</a:t>
+            </a:r>
+            <a:r>
+              <a:rPr lang="en-US" altLang="zh-TW" sz="1200" b="1" dirty="0">
+                <a:solidFill>
+                  <a:srgbClr val="000000"/>
+                </a:solidFill>
+                <a:latin typeface="Courier New" panose="02070309020205020404" pitchFamily="49" charset="0"/>
+              </a:rPr>
+              <a:t>(String </a:t>
+            </a:r>
+            <a:r>
+              <a:rPr lang="en-US" altLang="zh-TW" sz="1200" b="1" dirty="0">
+                <a:solidFill>
+                  <a:srgbClr val="6A3E3E"/>
+                </a:solidFill>
+                <a:latin typeface="Courier New" panose="02070309020205020404" pitchFamily="49" charset="0"/>
+              </a:rPr>
+              <a:t>name</a:t>
+            </a:r>
+            <a:r>
+              <a:rPr lang="en-US" altLang="zh-TW" sz="1200" b="1" dirty="0">
+                <a:solidFill>
+                  <a:srgbClr val="000000"/>
+                </a:solidFill>
+                <a:latin typeface="Courier New" panose="02070309020205020404" pitchFamily="49" charset="0"/>
+              </a:rPr>
+              <a:t>) {</a:t>
+            </a:r>
+          </a:p>
+          <a:p>
+            <a:r>
+              <a:rPr lang="en-US" altLang="zh-TW" sz="1200" b="1" dirty="0" smtClean="0">
+                <a:solidFill>
+                  <a:srgbClr val="7F0055"/>
+                </a:solidFill>
+                <a:latin typeface="Courier New" panose="02070309020205020404" pitchFamily="49" charset="0"/>
+              </a:rPr>
+              <a:t>    this</a:t>
+            </a:r>
+            <a:r>
+              <a:rPr lang="en-US" altLang="zh-TW" sz="1200" b="1" dirty="0" smtClean="0">
+                <a:solidFill>
+                  <a:srgbClr val="000000"/>
+                </a:solidFill>
+                <a:latin typeface="Courier New" panose="02070309020205020404" pitchFamily="49" charset="0"/>
+              </a:rPr>
+              <a:t>.</a:t>
+            </a:r>
+            <a:r>
+              <a:rPr lang="en-US" altLang="zh-TW" sz="1200" b="1" dirty="0" smtClean="0">
+                <a:solidFill>
+                  <a:srgbClr val="0000C0"/>
+                </a:solidFill>
+                <a:latin typeface="Courier New" panose="02070309020205020404" pitchFamily="49" charset="0"/>
+              </a:rPr>
+              <a:t>name</a:t>
+            </a:r>
+            <a:r>
+              <a:rPr lang="en-US" altLang="zh-TW" sz="1200" b="1" dirty="0" smtClean="0">
+                <a:solidFill>
+                  <a:srgbClr val="000000"/>
+                </a:solidFill>
+                <a:latin typeface="Courier New" panose="02070309020205020404" pitchFamily="49" charset="0"/>
+              </a:rPr>
+              <a:t> </a:t>
+            </a:r>
+            <a:r>
+              <a:rPr lang="en-US" altLang="zh-TW" sz="1200" b="1" dirty="0">
+                <a:solidFill>
+                  <a:srgbClr val="000000"/>
+                </a:solidFill>
+                <a:latin typeface="Courier New" panose="02070309020205020404" pitchFamily="49" charset="0"/>
+              </a:rPr>
+              <a:t>= </a:t>
+            </a:r>
+            <a:r>
+              <a:rPr lang="en-US" altLang="zh-TW" sz="1200" b="1" dirty="0">
+                <a:solidFill>
+                  <a:srgbClr val="6A3E3E"/>
+                </a:solidFill>
+                <a:latin typeface="Courier New" panose="02070309020205020404" pitchFamily="49" charset="0"/>
+              </a:rPr>
+              <a:t>name</a:t>
+            </a:r>
+            <a:r>
+              <a:rPr lang="en-US" altLang="zh-TW" sz="1200" b="1" dirty="0">
+                <a:solidFill>
+                  <a:srgbClr val="000000"/>
+                </a:solidFill>
+                <a:latin typeface="Courier New" panose="02070309020205020404" pitchFamily="49" charset="0"/>
+              </a:rPr>
+              <a:t>;</a:t>
+            </a:r>
+          </a:p>
+          <a:p>
+            <a:r>
+              <a:rPr lang="en-US" altLang="zh-TW" sz="1200" dirty="0" smtClean="0">
+                <a:solidFill>
+                  <a:srgbClr val="000000"/>
+                </a:solidFill>
+                <a:latin typeface="Courier New" panose="02070309020205020404" pitchFamily="49" charset="0"/>
+              </a:rPr>
+              <a:t>  }</a:t>
+            </a:r>
+            <a:endParaRPr lang="en-US" altLang="zh-TW" sz="1200" dirty="0">
+              <a:solidFill>
+                <a:srgbClr val="000000"/>
+              </a:solidFill>
+              <a:latin typeface="Courier New" panose="02070309020205020404" pitchFamily="49" charset="0"/>
+            </a:endParaRPr>
+          </a:p>
+          <a:p>
+            <a:r>
+              <a:rPr lang="en-US" altLang="zh-TW" sz="1200" dirty="0" smtClean="0">
+                <a:solidFill>
+                  <a:srgbClr val="646464"/>
+                </a:solidFill>
+                <a:latin typeface="Courier New" panose="02070309020205020404" pitchFamily="49" charset="0"/>
+              </a:rPr>
+              <a:t>  @</a:t>
+            </a:r>
+            <a:r>
+              <a:rPr lang="en-US" altLang="zh-TW" sz="1200" dirty="0">
+                <a:solidFill>
+                  <a:srgbClr val="646464"/>
+                </a:solidFill>
+                <a:latin typeface="Courier New" panose="02070309020205020404" pitchFamily="49" charset="0"/>
+              </a:rPr>
+              <a:t>Override</a:t>
+            </a:r>
+          </a:p>
+          <a:p>
+            <a:r>
+              <a:rPr lang="en-US" altLang="zh-TW" sz="1200" b="1" dirty="0" smtClean="0">
+                <a:solidFill>
+                  <a:srgbClr val="7F0055"/>
+                </a:solidFill>
+                <a:latin typeface="Courier New" panose="02070309020205020404" pitchFamily="49" charset="0"/>
+              </a:rPr>
+              <a:t>  public</a:t>
+            </a:r>
+            <a:r>
+              <a:rPr lang="en-US" altLang="zh-TW" sz="1200" b="1" dirty="0" smtClean="0">
+                <a:solidFill>
+                  <a:srgbClr val="000000"/>
+                </a:solidFill>
+                <a:latin typeface="Courier New" panose="02070309020205020404" pitchFamily="49" charset="0"/>
+              </a:rPr>
+              <a:t> </a:t>
+            </a:r>
+            <a:r>
+              <a:rPr lang="en-US" altLang="zh-TW" sz="1200" b="1" dirty="0">
+                <a:solidFill>
+                  <a:srgbClr val="000000"/>
+                </a:solidFill>
+                <a:latin typeface="Courier New" panose="02070309020205020404" pitchFamily="49" charset="0"/>
+              </a:rPr>
+              <a:t>String </a:t>
+            </a:r>
+            <a:r>
+              <a:rPr lang="en-US" altLang="zh-TW" sz="1200" b="1" dirty="0" err="1">
+                <a:solidFill>
+                  <a:srgbClr val="000000"/>
+                </a:solidFill>
+                <a:latin typeface="Courier New" panose="02070309020205020404" pitchFamily="49" charset="0"/>
+              </a:rPr>
+              <a:t>toString</a:t>
+            </a:r>
+            <a:r>
+              <a:rPr lang="en-US" altLang="zh-TW" sz="1200" b="1" dirty="0">
+                <a:solidFill>
+                  <a:srgbClr val="000000"/>
+                </a:solidFill>
+                <a:latin typeface="Courier New" panose="02070309020205020404" pitchFamily="49" charset="0"/>
+              </a:rPr>
+              <a:t>(){</a:t>
+            </a:r>
+          </a:p>
+          <a:p>
+            <a:r>
+              <a:rPr lang="en-US" altLang="zh-TW" sz="1200" b="1" dirty="0" smtClean="0">
+                <a:solidFill>
+                  <a:srgbClr val="7F0055"/>
+                </a:solidFill>
+                <a:latin typeface="Courier New" panose="02070309020205020404" pitchFamily="49" charset="0"/>
+              </a:rPr>
+              <a:t>    return</a:t>
+            </a:r>
+            <a:r>
+              <a:rPr lang="en-US" altLang="zh-TW" sz="1200" b="1" dirty="0" smtClean="0">
+                <a:solidFill>
+                  <a:srgbClr val="000000"/>
+                </a:solidFill>
+                <a:latin typeface="Courier New" panose="02070309020205020404" pitchFamily="49" charset="0"/>
+              </a:rPr>
+              <a:t> </a:t>
+            </a:r>
+            <a:r>
+              <a:rPr lang="en-US" altLang="zh-TW" sz="1200" b="1" dirty="0">
+                <a:solidFill>
+                  <a:srgbClr val="2A00FF"/>
+                </a:solidFill>
+                <a:latin typeface="Courier New" panose="02070309020205020404" pitchFamily="49" charset="0"/>
+              </a:rPr>
+              <a:t>"id="</a:t>
+            </a:r>
+            <a:r>
+              <a:rPr lang="en-US" altLang="zh-TW" sz="1200" b="1" dirty="0">
+                <a:solidFill>
+                  <a:srgbClr val="000000"/>
+                </a:solidFill>
+                <a:latin typeface="Courier New" panose="02070309020205020404" pitchFamily="49" charset="0"/>
+              </a:rPr>
+              <a:t>+</a:t>
+            </a:r>
+            <a:r>
+              <a:rPr lang="en-US" altLang="zh-TW" sz="1200" b="1" dirty="0">
+                <a:solidFill>
+                  <a:srgbClr val="0000C0"/>
+                </a:solidFill>
+                <a:latin typeface="Courier New" panose="02070309020205020404" pitchFamily="49" charset="0"/>
+              </a:rPr>
+              <a:t>id</a:t>
+            </a:r>
+            <a:r>
+              <a:rPr lang="en-US" altLang="zh-TW" sz="1200" b="1" dirty="0">
+                <a:solidFill>
+                  <a:srgbClr val="000000"/>
+                </a:solidFill>
+                <a:latin typeface="Courier New" panose="02070309020205020404" pitchFamily="49" charset="0"/>
+              </a:rPr>
+              <a:t>+</a:t>
+            </a:r>
+            <a:r>
+              <a:rPr lang="en-US" altLang="zh-TW" sz="1200" b="1" dirty="0">
+                <a:solidFill>
+                  <a:srgbClr val="2A00FF"/>
+                </a:solidFill>
+                <a:latin typeface="Courier New" panose="02070309020205020404" pitchFamily="49" charset="0"/>
+              </a:rPr>
+              <a:t>", name="</a:t>
+            </a:r>
+            <a:r>
+              <a:rPr lang="en-US" altLang="zh-TW" sz="1200" b="1" dirty="0">
+                <a:solidFill>
+                  <a:srgbClr val="000000"/>
+                </a:solidFill>
+                <a:latin typeface="Courier New" panose="02070309020205020404" pitchFamily="49" charset="0"/>
+              </a:rPr>
+              <a:t>+</a:t>
+            </a:r>
+            <a:r>
+              <a:rPr lang="en-US" altLang="zh-TW" sz="1200" b="1" dirty="0">
+                <a:solidFill>
+                  <a:srgbClr val="0000C0"/>
+                </a:solidFill>
+                <a:latin typeface="Courier New" panose="02070309020205020404" pitchFamily="49" charset="0"/>
+              </a:rPr>
+              <a:t>name</a:t>
+            </a:r>
+            <a:r>
+              <a:rPr lang="en-US" altLang="zh-TW" sz="1200" b="1" dirty="0">
+                <a:solidFill>
+                  <a:srgbClr val="000000"/>
+                </a:solidFill>
+                <a:latin typeface="Courier New" panose="02070309020205020404" pitchFamily="49" charset="0"/>
+              </a:rPr>
+              <a:t>+</a:t>
+            </a:r>
+            <a:r>
+              <a:rPr lang="en-US" altLang="zh-TW" sz="1200" b="1" dirty="0">
+                <a:solidFill>
+                  <a:srgbClr val="2A00FF"/>
+                </a:solidFill>
+                <a:latin typeface="Courier New" panose="02070309020205020404" pitchFamily="49" charset="0"/>
+              </a:rPr>
+              <a:t>", country="</a:t>
+            </a:r>
+            <a:r>
+              <a:rPr lang="en-US" altLang="zh-TW" sz="1200" b="1" dirty="0">
+                <a:solidFill>
+                  <a:srgbClr val="000000"/>
+                </a:solidFill>
+                <a:latin typeface="Courier New" panose="02070309020205020404" pitchFamily="49" charset="0"/>
+              </a:rPr>
+              <a:t>+</a:t>
+            </a:r>
+            <a:r>
+              <a:rPr lang="en-US" altLang="zh-TW" sz="1200" b="1" dirty="0">
+                <a:solidFill>
+                  <a:srgbClr val="0000C0"/>
+                </a:solidFill>
+                <a:latin typeface="Courier New" panose="02070309020205020404" pitchFamily="49" charset="0"/>
+              </a:rPr>
+              <a:t>country</a:t>
+            </a:r>
+            <a:r>
+              <a:rPr lang="en-US" altLang="zh-TW" sz="1200" b="1" dirty="0">
+                <a:solidFill>
+                  <a:srgbClr val="000000"/>
+                </a:solidFill>
+                <a:latin typeface="Courier New" panose="02070309020205020404" pitchFamily="49" charset="0"/>
+              </a:rPr>
+              <a:t>;</a:t>
+            </a:r>
+          </a:p>
+          <a:p>
+            <a:r>
+              <a:rPr lang="en-US" altLang="zh-TW" sz="1200" dirty="0" smtClean="0">
+                <a:solidFill>
+                  <a:srgbClr val="000000"/>
+                </a:solidFill>
+                <a:latin typeface="Courier New" panose="02070309020205020404" pitchFamily="49" charset="0"/>
+              </a:rPr>
+              <a:t>  }</a:t>
+            </a:r>
+            <a:endParaRPr lang="en-US" altLang="zh-TW" sz="1200" dirty="0">
+              <a:solidFill>
+                <a:srgbClr val="000000"/>
+              </a:solidFill>
+              <a:latin typeface="Courier New" panose="02070309020205020404" pitchFamily="49" charset="0"/>
+            </a:endParaRPr>
+          </a:p>
+          <a:p>
+            <a:r>
+              <a:rPr lang="en-US" altLang="zh-TW" sz="1200" dirty="0">
+                <a:solidFill>
+                  <a:srgbClr val="000000"/>
+                </a:solidFill>
+                <a:latin typeface="Courier New" panose="02070309020205020404" pitchFamily="49" charset="0"/>
+              </a:rPr>
+              <a:t>}</a:t>
+            </a:r>
+          </a:p>
+        </p:txBody>
+      </p:sp>
+    </p:spTree>
+    <p:extLst>
+      <p:ext uri="{BB962C8B-B14F-4D97-AF65-F5344CB8AC3E}">
+        <p14:creationId xmlns:p14="http://schemas.microsoft.com/office/powerpoint/2010/main" val="3104606485"/>
+      </p:ext>
+    </p:extLst>
+  </p:cSld>
+  <p:clrMapOvr>
+    <a:masterClrMapping/>
+  </p:clrMapOvr>
+</p:sld>
+</file>
+
+<file path=ppt/slides/slide14.xml><?xml version="1.0" encoding="utf-8"?>
+<p:sld xmlns:a="http://schemas.openxmlformats.org/drawingml/2006/main" xmlns:r="http://schemas.openxmlformats.org/officeDocument/2006/relationships" xmlns:p="http://schemas.openxmlformats.org/presentationml/2006/main">
+  <p:cSld>
+    <p:spTree>
+      <p:nvGrpSpPr>
+        <p:cNvPr id="1" name=""/>
+        <p:cNvGrpSpPr/>
+        <p:nvPr/>
+      </p:nvGrpSpPr>
+      <p:grpSpPr>
+        <a:xfrm>
+          <a:off x="0" y="0"/>
+          <a:ext cx="0" cy="0"/>
+          <a:chOff x="0" y="0"/>
+          <a:chExt cx="0" cy="0"/>
+        </a:xfrm>
+      </p:grpSpPr>
+      <p:sp>
+        <p:nvSpPr>
+          <p:cNvPr id="2" name="標題 1"/>
+          <p:cNvSpPr>
+            <a:spLocks noGrp="1"/>
+          </p:cNvSpPr>
+          <p:nvPr>
+            <p:ph type="title"/>
+          </p:nvPr>
+        </p:nvSpPr>
+        <p:spPr/>
+        <p:txBody>
+          <a:bodyPr/>
+          <a:lstStyle/>
+          <a:p>
+            <a:endParaRPr lang="zh-TW" altLang="en-US" dirty="0"/>
+          </a:p>
+        </p:txBody>
+      </p:sp>
+      <p:sp>
+        <p:nvSpPr>
+          <p:cNvPr id="3" name="內容版面配置區 2"/>
+          <p:cNvSpPr>
+            <a:spLocks noGrp="1"/>
+          </p:cNvSpPr>
+          <p:nvPr>
+            <p:ph idx="1"/>
+          </p:nvPr>
+        </p:nvSpPr>
+        <p:spPr/>
+        <p:txBody>
+          <a:bodyPr/>
+          <a:lstStyle/>
+          <a:p>
+            <a:endParaRPr lang="zh-TW" altLang="en-US"/>
+          </a:p>
+        </p:txBody>
+      </p:sp>
+    </p:spTree>
+    <p:extLst>
+      <p:ext uri="{BB962C8B-B14F-4D97-AF65-F5344CB8AC3E}">
+        <p14:creationId xmlns:p14="http://schemas.microsoft.com/office/powerpoint/2010/main" val="2778596333"/>
+      </p:ext>
+    </p:extLst>
+  </p:cSld>
+  <p:clrMapOvr>
+    <a:masterClrMapping/>
+  </p:clrMapOvr>
+</p:sld>
+</file>
+
+<file path=ppt/slides/slide15.xml><?xml version="1.0" encoding="utf-8"?>
+<p:sld xmlns:a="http://schemas.openxmlformats.org/drawingml/2006/main" xmlns:r="http://schemas.openxmlformats.org/officeDocument/2006/relationships" xmlns:p="http://schemas.openxmlformats.org/presentationml/2006/main">
+  <p:cSld>
+    <p:spTree>
+      <p:nvGrpSpPr>
+        <p:cNvPr id="1" name=""/>
+        <p:cNvGrpSpPr/>
+        <p:nvPr/>
+      </p:nvGrpSpPr>
+      <p:grpSpPr>
+        <a:xfrm>
+          <a:off x="0" y="0"/>
+          <a:ext cx="0" cy="0"/>
+          <a:chOff x="0" y="0"/>
+          <a:chExt cx="0" cy="0"/>
+        </a:xfrm>
+      </p:grpSpPr>
+      <p:sp>
+        <p:nvSpPr>
+          <p:cNvPr id="2" name="標題 1">
+            <a:extLst>
+              <a:ext uri="{FF2B5EF4-FFF2-40B4-BE49-F238E27FC236}">
+                <a16:creationId xmlns:a16="http://schemas.microsoft.com/office/drawing/2014/main" id="{C7A14A77-46C3-4564-A0AC-C648C002F5C5}"/>
+              </a:ext>
+            </a:extLst>
+          </p:cNvPr>
+          <p:cNvSpPr>
+            <a:spLocks noGrp="1"/>
+          </p:cNvSpPr>
+          <p:nvPr>
+            <p:ph type="title"/>
+          </p:nvPr>
+        </p:nvSpPr>
+        <p:spPr/>
+        <p:txBody>
+          <a:bodyPr/>
+          <a:lstStyle/>
+          <a:p>
+            <a:r>
+              <a:rPr lang="en-US" altLang="zh-TW" b="1" dirty="0"/>
+              <a:t>Entity manager</a:t>
+            </a:r>
+            <a:endParaRPr lang="zh-TW" altLang="en-US" dirty="0"/>
+          </a:p>
+        </p:txBody>
+      </p:sp>
+      <p:sp>
+        <p:nvSpPr>
+          <p:cNvPr id="3" name="內容版面配置區 2">
+            <a:extLst>
+              <a:ext uri="{FF2B5EF4-FFF2-40B4-BE49-F238E27FC236}">
+                <a16:creationId xmlns:a16="http://schemas.microsoft.com/office/drawing/2014/main" id="{AEE690AB-EB8F-4283-95AE-63A3E477D84C}"/>
+              </a:ext>
+            </a:extLst>
+          </p:cNvPr>
+          <p:cNvSpPr>
+            <a:spLocks noGrp="1"/>
+          </p:cNvSpPr>
+          <p:nvPr>
+            <p:ph idx="1"/>
+          </p:nvPr>
+        </p:nvSpPr>
+        <p:spPr/>
+        <p:txBody>
+          <a:bodyPr/>
+          <a:lstStyle/>
+          <a:p>
+            <a:r>
+              <a:rPr lang="en-US" altLang="zh-TW" dirty="0"/>
+              <a:t>similar to the Hibernate Session class</a:t>
+            </a:r>
+          </a:p>
+          <a:p>
+            <a:endParaRPr lang="en-US" altLang="zh-TW" dirty="0"/>
+          </a:p>
+          <a:p>
+            <a:r>
+              <a:rPr lang="en-US" altLang="zh-TW" dirty="0"/>
+              <a:t>entity manager is not expected to be thread safe (don't inject it into a servlet class variable which is visible to multiple threads).</a:t>
+            </a:r>
+            <a:endParaRPr lang="zh-TW" altLang="en-US" dirty="0"/>
+          </a:p>
+        </p:txBody>
+      </p:sp>
+    </p:spTree>
+    <p:extLst>
+      <p:ext uri="{BB962C8B-B14F-4D97-AF65-F5344CB8AC3E}">
+        <p14:creationId xmlns:p14="http://schemas.microsoft.com/office/powerpoint/2010/main" val="433405163"/>
+      </p:ext>
+    </p:extLst>
+  </p:cSld>
+  <p:clrMapOvr>
+    <a:masterClrMapping/>
+  </p:clrMapOvr>
+</p:sld>
+</file>
+
+<file path=ppt/slides/slide16.xml><?xml version="1.0" encoding="utf-8"?>
+<p:sld xmlns:a="http://schemas.openxmlformats.org/drawingml/2006/main" xmlns:r="http://schemas.openxmlformats.org/officeDocument/2006/relationships" xmlns:p="http://schemas.openxmlformats.org/presentationml/2006/main">
+  <p:cSld>
+    <p:spTree>
+      <p:nvGrpSpPr>
+        <p:cNvPr id="1" name=""/>
+        <p:cNvGrpSpPr/>
+        <p:nvPr/>
+      </p:nvGrpSpPr>
+      <p:grpSpPr>
+        <a:xfrm>
+          <a:off x="0" y="0"/>
+          <a:ext cx="0" cy="0"/>
+          <a:chOff x="0" y="0"/>
+          <a:chExt cx="0" cy="0"/>
+        </a:xfrm>
+      </p:grpSpPr>
+      <p:sp>
+        <p:nvSpPr>
+          <p:cNvPr id="2" name="標題 1"/>
+          <p:cNvSpPr>
+            <a:spLocks noGrp="1"/>
+          </p:cNvSpPr>
+          <p:nvPr>
+            <p:ph type="title"/>
+          </p:nvPr>
+        </p:nvSpPr>
+        <p:spPr/>
+        <p:txBody>
+          <a:bodyPr/>
+          <a:lstStyle/>
+          <a:p>
+            <a:endParaRPr lang="zh-TW" altLang="en-US"/>
+          </a:p>
+        </p:txBody>
+      </p:sp>
+      <p:sp>
+        <p:nvSpPr>
+          <p:cNvPr id="3" name="內容版面配置區 2"/>
+          <p:cNvSpPr>
+            <a:spLocks noGrp="1"/>
+          </p:cNvSpPr>
+          <p:nvPr>
+            <p:ph idx="1"/>
+          </p:nvPr>
+        </p:nvSpPr>
+        <p:spPr/>
+        <p:txBody>
+          <a:bodyPr/>
+          <a:lstStyle/>
+          <a:p>
+            <a:endParaRPr lang="zh-TW" altLang="en-US" dirty="0"/>
+          </a:p>
+        </p:txBody>
+      </p:sp>
+    </p:spTree>
+    <p:extLst>
+      <p:ext uri="{BB962C8B-B14F-4D97-AF65-F5344CB8AC3E}">
+        <p14:creationId xmlns:p14="http://schemas.microsoft.com/office/powerpoint/2010/main" val="580690699"/>
+      </p:ext>
+    </p:extLst>
+  </p:cSld>
+  <p:clrMapOvr>
+    <a:masterClrMapping/>
+  </p:clrMapOvr>
+</p:sld>
+</file>
+
+<file path=ppt/slides/slide17.xml><?xml version="1.0" encoding="utf-8"?>
+<p:sld xmlns:a="http://schemas.openxmlformats.org/drawingml/2006/main" xmlns:r="http://schemas.openxmlformats.org/officeDocument/2006/relationships" xmlns:p="http://schemas.openxmlformats.org/presentationml/2006/main">
+  <p:cSld>
+    <p:spTree>
+      <p:nvGrpSpPr>
+        <p:cNvPr id="1" name=""/>
+        <p:cNvGrpSpPr/>
+        <p:nvPr/>
+      </p:nvGrpSpPr>
+      <p:grpSpPr>
+        <a:xfrm>
+          <a:off x="0" y="0"/>
+          <a:ext cx="0" cy="0"/>
+          <a:chOff x="0" y="0"/>
+          <a:chExt cx="0" cy="0"/>
+        </a:xfrm>
+      </p:grpSpPr>
+      <p:sp>
+        <p:nvSpPr>
+          <p:cNvPr id="2" name="標題 1">
+            <a:extLst>
+              <a:ext uri="{FF2B5EF4-FFF2-40B4-BE49-F238E27FC236}">
+                <a16:creationId xmlns:a16="http://schemas.microsoft.com/office/drawing/2014/main" id="{64CEE159-2A66-4AD3-B389-A661B7B3BEE1}"/>
+              </a:ext>
+            </a:extLst>
+          </p:cNvPr>
+          <p:cNvSpPr>
+            <a:spLocks noGrp="1"/>
+          </p:cNvSpPr>
+          <p:nvPr>
+            <p:ph type="title"/>
+          </p:nvPr>
+        </p:nvSpPr>
+        <p:spPr/>
+        <p:txBody>
+          <a:bodyPr/>
+          <a:lstStyle/>
+          <a:p>
+            <a:r>
+              <a:rPr lang="en-US" altLang="zh-TW" dirty="0"/>
+              <a:t>Application-managed entity managers</a:t>
+            </a:r>
+            <a:endParaRPr lang="zh-TW" altLang="en-US" dirty="0"/>
+          </a:p>
+        </p:txBody>
+      </p:sp>
+      <p:sp>
+        <p:nvSpPr>
+          <p:cNvPr id="3" name="內容版面配置區 2">
+            <a:extLst>
+              <a:ext uri="{FF2B5EF4-FFF2-40B4-BE49-F238E27FC236}">
+                <a16:creationId xmlns:a16="http://schemas.microsoft.com/office/drawing/2014/main" id="{0F0F50D0-4E16-44B1-A0FA-5A9868C8A6D8}"/>
+              </a:ext>
+            </a:extLst>
+          </p:cNvPr>
+          <p:cNvSpPr>
+            <a:spLocks noGrp="1"/>
+          </p:cNvSpPr>
+          <p:nvPr>
+            <p:ph idx="1"/>
+          </p:nvPr>
+        </p:nvSpPr>
+        <p:spPr/>
+        <p:txBody>
+          <a:bodyPr/>
+          <a:lstStyle/>
+          <a:p>
+            <a:r>
+              <a:rPr lang="en-US" altLang="zh-TW" dirty="0"/>
+              <a:t>Application-managed entity managers provide direct access to the underlying persistence provider (</a:t>
+            </a:r>
+            <a:r>
+              <a:rPr lang="en-US" altLang="zh-TW" dirty="0" err="1"/>
+              <a:t>org.hibernate.ejb.HibernatePersistence</a:t>
+            </a:r>
+            <a:r>
+              <a:rPr lang="en-US" altLang="zh-TW" dirty="0"/>
+              <a:t>).</a:t>
+            </a:r>
+          </a:p>
+          <a:p>
+            <a:r>
+              <a:rPr lang="en-US" altLang="zh-TW" dirty="0"/>
+              <a:t>The scope of the application-managed entity manager is from when the application creates it and lasts until the app closes it. </a:t>
+            </a:r>
+          </a:p>
+          <a:p>
+            <a:r>
+              <a:rPr lang="en-US" altLang="zh-TW" dirty="0"/>
+              <a:t>Use the </a:t>
+            </a:r>
+            <a:r>
+              <a:rPr lang="en-US" altLang="zh-TW" i="1" dirty="0"/>
+              <a:t>@</a:t>
+            </a:r>
+            <a:r>
+              <a:rPr lang="en-US" altLang="zh-TW" i="1" dirty="0" err="1"/>
+              <a:t>PersistenceUnit</a:t>
+            </a:r>
+            <a:r>
+              <a:rPr lang="en-US" altLang="zh-TW" dirty="0"/>
+              <a:t> annotation to inject a persistence unit into a </a:t>
+            </a:r>
+            <a:r>
+              <a:rPr lang="en-US" altLang="zh-TW" i="1" dirty="0" err="1"/>
+              <a:t>javax.persistence.EntityManagerFactory</a:t>
+            </a:r>
+            <a:r>
+              <a:rPr lang="en-US" altLang="zh-TW" dirty="0"/>
+              <a:t>. </a:t>
+            </a:r>
+          </a:p>
+          <a:p>
+            <a:r>
+              <a:rPr lang="en-US" altLang="zh-TW" dirty="0"/>
+              <a:t>The </a:t>
+            </a:r>
+            <a:r>
+              <a:rPr lang="en-US" altLang="zh-TW" dirty="0" err="1"/>
+              <a:t>EntityManagerFactory</a:t>
+            </a:r>
+            <a:r>
+              <a:rPr lang="en-US" altLang="zh-TW" dirty="0"/>
+              <a:t> can return an application-managed entity manager.</a:t>
+            </a:r>
+            <a:endParaRPr lang="zh-TW" altLang="en-US" dirty="0"/>
+          </a:p>
+        </p:txBody>
+      </p:sp>
+    </p:spTree>
+    <p:extLst>
+      <p:ext uri="{BB962C8B-B14F-4D97-AF65-F5344CB8AC3E}">
+        <p14:creationId xmlns:p14="http://schemas.microsoft.com/office/powerpoint/2010/main" val="2654850837"/>
+      </p:ext>
+    </p:extLst>
+  </p:cSld>
+  <p:clrMapOvr>
+    <a:masterClrMapping/>
+  </p:clrMapOvr>
+</p:sld>
+</file>
+
+<file path=ppt/slides/slide18.xml><?xml version="1.0" encoding="utf-8"?>
+<p:sld xmlns:a="http://schemas.openxmlformats.org/drawingml/2006/main" xmlns:r="http://schemas.openxmlformats.org/officeDocument/2006/relationships" xmlns:p="http://schemas.openxmlformats.org/presentationml/2006/main">
+  <p:cSld>
+    <p:spTree>
+      <p:nvGrpSpPr>
+        <p:cNvPr id="1" name=""/>
+        <p:cNvGrpSpPr/>
+        <p:nvPr/>
+      </p:nvGrpSpPr>
+      <p:grpSpPr>
+        <a:xfrm>
+          <a:off x="0" y="0"/>
+          <a:ext cx="0" cy="0"/>
+          <a:chOff x="0" y="0"/>
+          <a:chExt cx="0" cy="0"/>
+        </a:xfrm>
+      </p:grpSpPr>
+      <p:sp>
+        <p:nvSpPr>
+          <p:cNvPr id="2" name="標題 1">
+            <a:extLst>
+              <a:ext uri="{FF2B5EF4-FFF2-40B4-BE49-F238E27FC236}">
+                <a16:creationId xmlns:a16="http://schemas.microsoft.com/office/drawing/2014/main" id="{147C53E6-5EC4-439B-9132-7CC6E3C56D24}"/>
+              </a:ext>
+            </a:extLst>
+          </p:cNvPr>
+          <p:cNvSpPr>
+            <a:spLocks noGrp="1"/>
+          </p:cNvSpPr>
+          <p:nvPr>
+            <p:ph type="title"/>
+          </p:nvPr>
+        </p:nvSpPr>
+        <p:spPr/>
+        <p:txBody>
+          <a:bodyPr/>
+          <a:lstStyle/>
+          <a:p>
+            <a:r>
+              <a:rPr lang="en-US" altLang="zh-TW" dirty="0"/>
+              <a:t>Container-managed entity manager</a:t>
+            </a:r>
+            <a:endParaRPr lang="zh-TW" altLang="en-US" dirty="0"/>
+          </a:p>
+        </p:txBody>
+      </p:sp>
+      <p:sp>
+        <p:nvSpPr>
+          <p:cNvPr id="3" name="內容版面配置區 2">
+            <a:extLst>
+              <a:ext uri="{FF2B5EF4-FFF2-40B4-BE49-F238E27FC236}">
+                <a16:creationId xmlns:a16="http://schemas.microsoft.com/office/drawing/2014/main" id="{526C88DC-6611-4324-AC08-059B50D0F53B}"/>
+              </a:ext>
+            </a:extLst>
+          </p:cNvPr>
+          <p:cNvSpPr>
+            <a:spLocks noGrp="1"/>
+          </p:cNvSpPr>
+          <p:nvPr>
+            <p:ph idx="1"/>
+          </p:nvPr>
+        </p:nvSpPr>
+        <p:spPr/>
+        <p:txBody>
+          <a:bodyPr/>
+          <a:lstStyle/>
+          <a:p>
+            <a:r>
+              <a:rPr lang="en-US" altLang="zh-TW" dirty="0"/>
+              <a:t>Container-managed entity managers auto-magically manage the underlying persistence provider for the application. </a:t>
+            </a:r>
+          </a:p>
+          <a:p>
+            <a:r>
+              <a:rPr lang="en-US" altLang="zh-TW" dirty="0"/>
+              <a:t>Container-managed entity managers may use transaction-scoped persistence contexts or extended persistence contexts. </a:t>
+            </a:r>
+          </a:p>
+          <a:p>
+            <a:r>
+              <a:rPr lang="en-US" altLang="zh-TW" dirty="0"/>
+              <a:t>The container-managed entity manager will create instances of the underlying persistence provider as needed. </a:t>
+            </a:r>
+          </a:p>
+          <a:p>
+            <a:r>
+              <a:rPr lang="en-US" altLang="zh-TW" dirty="0"/>
+              <a:t>Every time that a new underlying persistence provider (</a:t>
+            </a:r>
+            <a:r>
+              <a:rPr lang="en-US" altLang="zh-TW" i="1" dirty="0" err="1"/>
+              <a:t>org.hibernate.ejb.HibernatePersistence</a:t>
+            </a:r>
+            <a:r>
+              <a:rPr lang="en-US" altLang="zh-TW" dirty="0"/>
+              <a:t>) instance is created, a new persistence context is also created (as an implementation detail of the underlying persistence provider).</a:t>
+            </a:r>
+            <a:endParaRPr lang="zh-TW" altLang="en-US" dirty="0"/>
+          </a:p>
+        </p:txBody>
+      </p:sp>
+    </p:spTree>
+    <p:extLst>
+      <p:ext uri="{BB962C8B-B14F-4D97-AF65-F5344CB8AC3E}">
+        <p14:creationId xmlns:p14="http://schemas.microsoft.com/office/powerpoint/2010/main" val="1284837746"/>
+      </p:ext>
+    </p:extLst>
+  </p:cSld>
+  <p:clrMapOvr>
+    <a:masterClrMapping/>
+  </p:clrMapOvr>
+</p:sld>
+</file>
+
+<file path=ppt/slides/slide19.xml><?xml version="1.0" encoding="utf-8"?>
+<p:sld xmlns:a="http://schemas.openxmlformats.org/drawingml/2006/main" xmlns:r="http://schemas.openxmlformats.org/officeDocument/2006/relationships" xmlns:p="http://schemas.openxmlformats.org/presentationml/2006/main">
+  <p:cSld>
+    <p:spTree>
+      <p:nvGrpSpPr>
+        <p:cNvPr id="1" name=""/>
+        <p:cNvGrpSpPr/>
+        <p:nvPr/>
+      </p:nvGrpSpPr>
+      <p:grpSpPr>
+        <a:xfrm>
+          <a:off x="0" y="0"/>
+          <a:ext cx="0" cy="0"/>
+          <a:chOff x="0" y="0"/>
+          <a:chExt cx="0" cy="0"/>
+        </a:xfrm>
+      </p:grpSpPr>
+      <p:sp>
+        <p:nvSpPr>
+          <p:cNvPr id="2" name="標題 1">
+            <a:extLst>
+              <a:ext uri="{FF2B5EF4-FFF2-40B4-BE49-F238E27FC236}">
+                <a16:creationId xmlns:a16="http://schemas.microsoft.com/office/drawing/2014/main" id="{F1FBA8D6-CBB5-42BD-8D90-24F31A30DCD8}"/>
+              </a:ext>
+            </a:extLst>
+          </p:cNvPr>
+          <p:cNvSpPr>
+            <a:spLocks noGrp="1"/>
+          </p:cNvSpPr>
+          <p:nvPr>
+            <p:ph type="title"/>
+          </p:nvPr>
+        </p:nvSpPr>
+        <p:spPr/>
+        <p:txBody>
+          <a:bodyPr/>
+          <a:lstStyle/>
+          <a:p>
+            <a:r>
+              <a:rPr lang="en-US" altLang="zh-TW" dirty="0"/>
+              <a:t>Persistence Context</a:t>
+            </a:r>
+            <a:endParaRPr lang="zh-TW" altLang="en-US" dirty="0"/>
+          </a:p>
+        </p:txBody>
+      </p:sp>
+      <p:sp>
+        <p:nvSpPr>
+          <p:cNvPr id="3" name="內容版面配置區 2">
+            <a:extLst>
+              <a:ext uri="{FF2B5EF4-FFF2-40B4-BE49-F238E27FC236}">
+                <a16:creationId xmlns:a16="http://schemas.microsoft.com/office/drawing/2014/main" id="{F5215E25-45E8-4878-89DD-F98F76B977FE}"/>
+              </a:ext>
+            </a:extLst>
+          </p:cNvPr>
+          <p:cNvSpPr>
+            <a:spLocks noGrp="1"/>
+          </p:cNvSpPr>
+          <p:nvPr>
+            <p:ph idx="1"/>
+          </p:nvPr>
+        </p:nvSpPr>
+        <p:spPr/>
+        <p:txBody>
+          <a:bodyPr/>
+          <a:lstStyle/>
+          <a:p>
+            <a:r>
+              <a:rPr lang="en-US" altLang="zh-TW" dirty="0"/>
+              <a:t>The JPA persistence context contains the entities managed by the persistence provider. </a:t>
+            </a:r>
+          </a:p>
+          <a:p>
+            <a:r>
+              <a:rPr lang="en-US" altLang="zh-TW" dirty="0"/>
+              <a:t>The persistence context acts like a first level (transactional) cache for interacting with the </a:t>
+            </a:r>
+            <a:r>
+              <a:rPr lang="en-US" altLang="zh-TW" dirty="0" err="1"/>
+              <a:t>datasource</a:t>
+            </a:r>
+            <a:r>
+              <a:rPr lang="en-US" altLang="zh-TW" dirty="0"/>
+              <a:t>. </a:t>
+            </a:r>
+          </a:p>
+          <a:p>
+            <a:r>
+              <a:rPr lang="en-US" altLang="zh-TW" dirty="0"/>
+              <a:t>Loaded entities are placed into the persistence context before being returned to the application. </a:t>
+            </a:r>
+          </a:p>
+          <a:p>
+            <a:r>
+              <a:rPr lang="en-US" altLang="zh-TW" dirty="0"/>
+              <a:t>Entities changes are also placed into the persistence context (to be saved in the database when the transaction commits).</a:t>
+            </a:r>
+            <a:endParaRPr lang="zh-TW" altLang="en-US" dirty="0"/>
+          </a:p>
+        </p:txBody>
+      </p:sp>
+    </p:spTree>
+    <p:extLst>
+      <p:ext uri="{BB962C8B-B14F-4D97-AF65-F5344CB8AC3E}">
+        <p14:creationId xmlns:p14="http://schemas.microsoft.com/office/powerpoint/2010/main" val="3289285605"/>
+      </p:ext>
+    </p:extLst>
+  </p:cSld>
+  <p:clrMapOvr>
+    <a:masterClrMapping/>
+  </p:clrMapOvr>
+</p:sld>
+</file>
+
+<file path=ppt/slides/slide2.xml><?xml version="1.0" encoding="utf-8"?>
+<p:sld xmlns:a="http://schemas.openxmlformats.org/drawingml/2006/main" xmlns:r="http://schemas.openxmlformats.org/officeDocument/2006/relationships" xmlns:p="http://schemas.openxmlformats.org/presentationml/2006/main">
+  <p:cSld>
+    <p:spTree>
+      <p:nvGrpSpPr>
+        <p:cNvPr id="1" name=""/>
+        <p:cNvGrpSpPr/>
+        <p:nvPr/>
+      </p:nvGrpSpPr>
+      <p:grpSpPr>
+        <a:xfrm>
+          <a:off x="0" y="0"/>
+          <a:ext cx="0" cy="0"/>
+          <a:chOff x="0" y="0"/>
+          <a:chExt cx="0" cy="0"/>
+        </a:xfrm>
+      </p:grpSpPr>
+      <p:sp>
+        <p:nvSpPr>
+          <p:cNvPr id="2" name="標題 1"/>
+          <p:cNvSpPr>
+            <a:spLocks noGrp="1"/>
+          </p:cNvSpPr>
+          <p:nvPr>
+            <p:ph type="title"/>
+          </p:nvPr>
+        </p:nvSpPr>
+        <p:spPr/>
+        <p:txBody>
+          <a:bodyPr/>
+          <a:lstStyle/>
+          <a:p>
+            <a:r>
+              <a:rPr lang="en-US" altLang="zh-TW" dirty="0"/>
+              <a:t>Introduction</a:t>
+            </a:r>
+            <a:endParaRPr lang="zh-TW" altLang="en-US" dirty="0"/>
+          </a:p>
+        </p:txBody>
+      </p:sp>
+      <p:sp>
+        <p:nvSpPr>
+          <p:cNvPr id="3" name="內容版面配置區 2"/>
+          <p:cNvSpPr>
+            <a:spLocks noGrp="1"/>
+          </p:cNvSpPr>
+          <p:nvPr>
+            <p:ph idx="1"/>
+          </p:nvPr>
+        </p:nvSpPr>
+        <p:spPr/>
+        <p:txBody>
+          <a:bodyPr/>
+          <a:lstStyle/>
+          <a:p>
+            <a:r>
+              <a:rPr lang="en-US" altLang="zh-TW" dirty="0"/>
+              <a:t> </a:t>
+            </a:r>
+            <a:r>
+              <a:rPr lang="en-US" altLang="zh-TW" i="1" dirty="0"/>
+              <a:t>Object-relational mapping</a:t>
+            </a:r>
+            <a:r>
+              <a:rPr lang="en-US" altLang="zh-TW" dirty="0"/>
+              <a:t> (ORM)</a:t>
+            </a:r>
+          </a:p>
+          <a:p>
+            <a:pPr lvl="1"/>
+            <a:r>
+              <a:rPr lang="en-US" altLang="zh-TW" dirty="0"/>
+              <a:t>Mapping object models (Java programs) to relational models (database tables, fields) and vice versa</a:t>
+            </a:r>
+          </a:p>
+          <a:p>
+            <a:r>
+              <a:rPr lang="en-US" altLang="zh-TW" dirty="0"/>
+              <a:t> Java Persistence API (JPA)</a:t>
+            </a:r>
+          </a:p>
+          <a:p>
+            <a:pPr lvl="1"/>
+            <a:r>
+              <a:rPr lang="en-US" altLang="zh-TW" dirty="0"/>
+              <a:t>a vendor independent specification for ORM</a:t>
+            </a:r>
+          </a:p>
+          <a:p>
+            <a:r>
+              <a:rPr lang="en-US" altLang="zh-TW" dirty="0"/>
+              <a:t>Popular JPA Providers</a:t>
+            </a:r>
+          </a:p>
+          <a:p>
+            <a:pPr lvl="1"/>
+            <a:r>
+              <a:rPr lang="en-US" altLang="zh-TW" dirty="0"/>
+              <a:t>Hibernate, </a:t>
+            </a:r>
+            <a:r>
+              <a:rPr lang="en-US" altLang="zh-TW" dirty="0" err="1"/>
+              <a:t>Toplink</a:t>
+            </a:r>
+            <a:r>
+              <a:rPr lang="en-US" altLang="zh-TW" dirty="0"/>
+              <a:t>, </a:t>
+            </a:r>
+            <a:r>
+              <a:rPr lang="en-US" altLang="zh-TW" dirty="0" err="1"/>
+              <a:t>EclipseLink</a:t>
+            </a:r>
+            <a:r>
+              <a:rPr lang="en-US" altLang="zh-TW" dirty="0"/>
+              <a:t> and Apache </a:t>
+            </a:r>
+            <a:r>
+              <a:rPr lang="en-US" altLang="zh-TW" dirty="0" err="1"/>
+              <a:t>OpenJPA</a:t>
+            </a:r>
+            <a:endParaRPr lang="zh-TW" altLang="en-US" dirty="0"/>
+          </a:p>
+        </p:txBody>
+      </p:sp>
+    </p:spTree>
+    <p:extLst>
+      <p:ext uri="{BB962C8B-B14F-4D97-AF65-F5344CB8AC3E}">
+        <p14:creationId xmlns:p14="http://schemas.microsoft.com/office/powerpoint/2010/main" val="2155756706"/>
+      </p:ext>
+    </p:extLst>
+  </p:cSld>
+  <p:clrMapOvr>
+    <a:masterClrMapping/>
+  </p:clrMapOvr>
+</p:sld>
+</file>
+
+<file path=ppt/slides/slide20.xml><?xml version="1.0" encoding="utf-8"?>
+<p:sld xmlns:a="http://schemas.openxmlformats.org/drawingml/2006/main" xmlns:r="http://schemas.openxmlformats.org/officeDocument/2006/relationships" xmlns:p="http://schemas.openxmlformats.org/presentationml/2006/main">
+  <p:cSld>
+    <p:spTree>
+      <p:nvGrpSpPr>
+        <p:cNvPr id="1" name=""/>
+        <p:cNvGrpSpPr/>
+        <p:nvPr/>
+      </p:nvGrpSpPr>
+      <p:grpSpPr>
+        <a:xfrm>
+          <a:off x="0" y="0"/>
+          <a:ext cx="0" cy="0"/>
+          <a:chOff x="0" y="0"/>
+          <a:chExt cx="0" cy="0"/>
+        </a:xfrm>
+      </p:grpSpPr>
+      <p:sp>
+        <p:nvSpPr>
+          <p:cNvPr id="2" name="標題 1">
+            <a:extLst>
+              <a:ext uri="{FF2B5EF4-FFF2-40B4-BE49-F238E27FC236}">
+                <a16:creationId xmlns:a16="http://schemas.microsoft.com/office/drawing/2014/main" id="{BEFA9DC3-B38B-4798-82A8-911A2F29AB51}"/>
+              </a:ext>
+            </a:extLst>
+          </p:cNvPr>
+          <p:cNvSpPr>
+            <a:spLocks noGrp="1"/>
+          </p:cNvSpPr>
+          <p:nvPr>
+            <p:ph type="title"/>
+          </p:nvPr>
+        </p:nvSpPr>
+        <p:spPr/>
+        <p:txBody>
+          <a:bodyPr/>
+          <a:lstStyle/>
+          <a:p>
+            <a:r>
+              <a:rPr lang="en-US" altLang="zh-TW" dirty="0"/>
+              <a:t>Transaction-scoped Persistence Context</a:t>
+            </a:r>
+            <a:endParaRPr lang="zh-TW" altLang="en-US" dirty="0"/>
+          </a:p>
+        </p:txBody>
+      </p:sp>
+      <p:sp>
+        <p:nvSpPr>
+          <p:cNvPr id="3" name="內容版面配置區 2">
+            <a:extLst>
+              <a:ext uri="{FF2B5EF4-FFF2-40B4-BE49-F238E27FC236}">
+                <a16:creationId xmlns:a16="http://schemas.microsoft.com/office/drawing/2014/main" id="{57CAADDD-6823-4210-A1FA-4B63C8D51B57}"/>
+              </a:ext>
+            </a:extLst>
+          </p:cNvPr>
+          <p:cNvSpPr>
+            <a:spLocks noGrp="1"/>
+          </p:cNvSpPr>
+          <p:nvPr>
+            <p:ph idx="1"/>
+          </p:nvPr>
+        </p:nvSpPr>
+        <p:spPr/>
+        <p:txBody>
+          <a:bodyPr/>
+          <a:lstStyle/>
+          <a:p>
+            <a:r>
+              <a:rPr lang="en-US" altLang="zh-TW" dirty="0"/>
+              <a:t>The transaction-scoped persistence context coordinates with the (active) JTA transaction.  </a:t>
+            </a:r>
+          </a:p>
+          <a:p>
+            <a:r>
+              <a:rPr lang="en-US" altLang="zh-TW" dirty="0"/>
+              <a:t>When the transaction commits, the persistence context is flushed to the </a:t>
+            </a:r>
+            <a:r>
+              <a:rPr lang="en-US" altLang="zh-TW" dirty="0" err="1"/>
+              <a:t>datasource</a:t>
+            </a:r>
+            <a:r>
+              <a:rPr lang="en-US" altLang="zh-TW" dirty="0"/>
+              <a:t> (entity objects are detached but may still be referenced by application code).  </a:t>
+            </a:r>
+          </a:p>
+          <a:p>
+            <a:r>
+              <a:rPr lang="en-US" altLang="zh-TW" dirty="0"/>
+              <a:t>All entity changes that are expected to be saved to the </a:t>
+            </a:r>
+            <a:r>
+              <a:rPr lang="en-US" altLang="zh-TW" dirty="0" err="1"/>
+              <a:t>datasource</a:t>
+            </a:r>
+            <a:r>
+              <a:rPr lang="en-US" altLang="zh-TW" dirty="0"/>
+              <a:t>, must be made during a transaction.  </a:t>
+            </a:r>
+          </a:p>
+          <a:p>
+            <a:r>
+              <a:rPr lang="en-US" altLang="zh-TW" dirty="0"/>
+              <a:t>Entities read outside of a transaction will be detached when the entity manager invocation completes. </a:t>
+            </a:r>
+            <a:endParaRPr lang="zh-TW" altLang="en-US" dirty="0"/>
+          </a:p>
+        </p:txBody>
+      </p:sp>
+    </p:spTree>
+    <p:extLst>
+      <p:ext uri="{BB962C8B-B14F-4D97-AF65-F5344CB8AC3E}">
+        <p14:creationId xmlns:p14="http://schemas.microsoft.com/office/powerpoint/2010/main" val="1461032945"/>
+      </p:ext>
+    </p:extLst>
+  </p:cSld>
+  <p:clrMapOvr>
+    <a:masterClrMapping/>
+  </p:clrMapOvr>
+</p:sld>
+</file>
+
+<file path=ppt/slides/slide21.xml><?xml version="1.0" encoding="utf-8"?>
+<p:sld xmlns:a="http://schemas.openxmlformats.org/drawingml/2006/main" xmlns:r="http://schemas.openxmlformats.org/officeDocument/2006/relationships" xmlns:p="http://schemas.openxmlformats.org/presentationml/2006/main">
+  <p:cSld>
+    <p:spTree>
+      <p:nvGrpSpPr>
+        <p:cNvPr id="1" name=""/>
+        <p:cNvGrpSpPr/>
+        <p:nvPr/>
+      </p:nvGrpSpPr>
+      <p:grpSpPr>
+        <a:xfrm>
+          <a:off x="0" y="0"/>
+          <a:ext cx="0" cy="0"/>
+          <a:chOff x="0" y="0"/>
+          <a:chExt cx="0" cy="0"/>
+        </a:xfrm>
+      </p:grpSpPr>
+      <p:sp>
+        <p:nvSpPr>
+          <p:cNvPr id="2" name="標題 1">
+            <a:extLst>
+              <a:ext uri="{FF2B5EF4-FFF2-40B4-BE49-F238E27FC236}">
+                <a16:creationId xmlns:a16="http://schemas.microsoft.com/office/drawing/2014/main" id="{5F3CCECF-3C17-4015-9217-E5CEBE94EFAB}"/>
+              </a:ext>
+            </a:extLst>
+          </p:cNvPr>
+          <p:cNvSpPr>
+            <a:spLocks noGrp="1"/>
+          </p:cNvSpPr>
+          <p:nvPr>
+            <p:ph type="title"/>
+          </p:nvPr>
+        </p:nvSpPr>
+        <p:spPr/>
+        <p:txBody>
+          <a:bodyPr/>
+          <a:lstStyle/>
+          <a:p>
+            <a:r>
+              <a:rPr lang="en-US" altLang="zh-TW" dirty="0"/>
+              <a:t>Extended Persistence Context</a:t>
+            </a:r>
+            <a:endParaRPr lang="zh-TW" altLang="en-US" dirty="0"/>
+          </a:p>
+        </p:txBody>
+      </p:sp>
+      <p:sp>
+        <p:nvSpPr>
+          <p:cNvPr id="3" name="內容版面配置區 2">
+            <a:extLst>
+              <a:ext uri="{FF2B5EF4-FFF2-40B4-BE49-F238E27FC236}">
+                <a16:creationId xmlns:a16="http://schemas.microsoft.com/office/drawing/2014/main" id="{04775306-61F3-4D4C-B31B-1B2771F8881C}"/>
+              </a:ext>
+            </a:extLst>
+          </p:cNvPr>
+          <p:cNvSpPr>
+            <a:spLocks noGrp="1"/>
+          </p:cNvSpPr>
+          <p:nvPr>
+            <p:ph idx="1"/>
+          </p:nvPr>
+        </p:nvSpPr>
+        <p:spPr/>
+        <p:txBody>
+          <a:bodyPr/>
+          <a:lstStyle/>
+          <a:p>
+            <a:r>
+              <a:rPr lang="en-US" altLang="zh-TW" dirty="0"/>
+              <a:t>The (</a:t>
+            </a:r>
+            <a:r>
+              <a:rPr lang="en-US" altLang="zh-TW" dirty="0" err="1"/>
+              <a:t>ee</a:t>
+            </a:r>
+            <a:r>
+              <a:rPr lang="en-US" altLang="zh-TW" dirty="0"/>
+              <a:t> container managed) extended persistence context can span multiple transactions and allows data modifications to be queued up (like a shopping cart), without an active JTA transaction (to be applied during the next JTA TX). </a:t>
+            </a:r>
+          </a:p>
+          <a:p>
+            <a:r>
+              <a:rPr lang="en-US" altLang="zh-TW" dirty="0"/>
+              <a:t>The Container-managed extended persistence context can only be injected into a stateful session bean. </a:t>
+            </a:r>
+            <a:endParaRPr lang="zh-TW" altLang="en-US" dirty="0"/>
+          </a:p>
+        </p:txBody>
+      </p:sp>
+    </p:spTree>
+    <p:extLst>
+      <p:ext uri="{BB962C8B-B14F-4D97-AF65-F5344CB8AC3E}">
+        <p14:creationId xmlns:p14="http://schemas.microsoft.com/office/powerpoint/2010/main" val="4018954063"/>
+      </p:ext>
+    </p:extLst>
+  </p:cSld>
+  <p:clrMapOvr>
+    <a:masterClrMapping/>
+  </p:clrMapOvr>
+</p:sld>
+</file>
+
+<file path=ppt/slides/slide22.xml><?xml version="1.0" encoding="utf-8"?>
+<p:sld xmlns:a="http://schemas.openxmlformats.org/drawingml/2006/main" xmlns:r="http://schemas.openxmlformats.org/officeDocument/2006/relationships" xmlns:p="http://schemas.openxmlformats.org/presentationml/2006/main">
+  <p:cSld>
+    <p:spTree>
+      <p:nvGrpSpPr>
+        <p:cNvPr id="1" name=""/>
+        <p:cNvGrpSpPr/>
+        <p:nvPr/>
+      </p:nvGrpSpPr>
+      <p:grpSpPr>
+        <a:xfrm>
+          <a:off x="0" y="0"/>
+          <a:ext cx="0" cy="0"/>
+          <a:chOff x="0" y="0"/>
+          <a:chExt cx="0" cy="0"/>
+        </a:xfrm>
+      </p:grpSpPr>
+      <p:sp>
+        <p:nvSpPr>
+          <p:cNvPr id="2" name="標題 1">
+            <a:extLst>
+              <a:ext uri="{FF2B5EF4-FFF2-40B4-BE49-F238E27FC236}">
+                <a16:creationId xmlns:a16="http://schemas.microsoft.com/office/drawing/2014/main" id="{A8EF2791-4A67-4997-9E87-95AA1795B799}"/>
+              </a:ext>
+            </a:extLst>
+          </p:cNvPr>
+          <p:cNvSpPr>
+            <a:spLocks noGrp="1"/>
+          </p:cNvSpPr>
+          <p:nvPr>
+            <p:ph type="title"/>
+          </p:nvPr>
+        </p:nvSpPr>
+        <p:spPr/>
+        <p:txBody>
+          <a:bodyPr/>
+          <a:lstStyle/>
+          <a:p>
+            <a:r>
+              <a:rPr lang="en-US" altLang="zh-TW" dirty="0"/>
+              <a:t>Entities - lifecycle</a:t>
+            </a:r>
+            <a:endParaRPr lang="zh-TW" altLang="en-US" dirty="0"/>
+          </a:p>
+        </p:txBody>
+      </p:sp>
+      <p:sp>
+        <p:nvSpPr>
+          <p:cNvPr id="3" name="內容版面配置區 2">
+            <a:extLst>
+              <a:ext uri="{FF2B5EF4-FFF2-40B4-BE49-F238E27FC236}">
+                <a16:creationId xmlns:a16="http://schemas.microsoft.com/office/drawing/2014/main" id="{E94010AB-A67B-4230-93D6-DD1BF65184EE}"/>
+              </a:ext>
+            </a:extLst>
+          </p:cNvPr>
+          <p:cNvSpPr>
+            <a:spLocks noGrp="1"/>
+          </p:cNvSpPr>
+          <p:nvPr>
+            <p:ph idx="1"/>
+          </p:nvPr>
+        </p:nvSpPr>
+        <p:spPr/>
+        <p:txBody>
+          <a:bodyPr>
+            <a:normAutofit fontScale="85000" lnSpcReduction="20000"/>
+          </a:bodyPr>
+          <a:lstStyle/>
+          <a:p>
+            <a:r>
+              <a:rPr lang="en-US" altLang="zh-TW" dirty="0"/>
+              <a:t>New (transient): </a:t>
+            </a:r>
+          </a:p>
+          <a:p>
+            <a:pPr lvl="1"/>
+            <a:r>
+              <a:rPr lang="en-US" altLang="zh-TW" dirty="0"/>
+              <a:t>an entity is new if it has just been instantiated using the new operator, and it is not associated with a persistence context. </a:t>
+            </a:r>
+          </a:p>
+          <a:p>
+            <a:pPr lvl="1"/>
+            <a:r>
+              <a:rPr lang="en-US" altLang="zh-TW" dirty="0"/>
+              <a:t>It has no persistent representation in the database and no identifier value has been assigned.</a:t>
+            </a:r>
+          </a:p>
+          <a:p>
+            <a:r>
+              <a:rPr lang="en-US" altLang="zh-TW" dirty="0"/>
+              <a:t>Managed (persistent): </a:t>
+            </a:r>
+          </a:p>
+          <a:p>
+            <a:pPr lvl="1"/>
+            <a:r>
+              <a:rPr lang="en-US" altLang="zh-TW" dirty="0"/>
+              <a:t>a managed entity instance is an instance with a persistent identity that is currently associated with a persistence context.</a:t>
+            </a:r>
+          </a:p>
+          <a:p>
+            <a:r>
+              <a:rPr lang="en-US" altLang="zh-TW" dirty="0"/>
+              <a:t>Detached: </a:t>
+            </a:r>
+          </a:p>
+          <a:p>
+            <a:pPr lvl="1"/>
+            <a:r>
+              <a:rPr lang="en-US" altLang="zh-TW" dirty="0"/>
+              <a:t>the entity instance is an instance with a persistent identity that is no longer associated with a persistence context, usually because the persistence context was closed or the instance was evicted from the context.</a:t>
+            </a:r>
+          </a:p>
+          <a:p>
+            <a:r>
+              <a:rPr lang="en-US" altLang="zh-TW" dirty="0"/>
+              <a:t>Removed: </a:t>
+            </a:r>
+          </a:p>
+          <a:p>
+            <a:pPr lvl="1"/>
+            <a:r>
+              <a:rPr lang="en-US" altLang="zh-TW" dirty="0"/>
+              <a:t>a removed entity instance is an instance with a persistent identity, associated with a persistence context, but scheduled for removal from the database.</a:t>
+            </a:r>
+            <a:endParaRPr lang="zh-TW" altLang="en-US" dirty="0"/>
+          </a:p>
+        </p:txBody>
+      </p:sp>
+    </p:spTree>
+    <p:extLst>
+      <p:ext uri="{BB962C8B-B14F-4D97-AF65-F5344CB8AC3E}">
+        <p14:creationId xmlns:p14="http://schemas.microsoft.com/office/powerpoint/2010/main" val="751366330"/>
+      </p:ext>
+    </p:extLst>
+  </p:cSld>
+  <p:clrMapOvr>
+    <a:masterClrMapping/>
+  </p:clrMapOvr>
+</p:sld>
+</file>
+
+<file path=ppt/slides/slide23.xml><?xml version="1.0" encoding="utf-8"?>
+<p:sld xmlns:a="http://schemas.openxmlformats.org/drawingml/2006/main" xmlns:r="http://schemas.openxmlformats.org/officeDocument/2006/relationships" xmlns:p="http://schemas.openxmlformats.org/presentationml/2006/main">
+  <p:cSld>
+    <p:spTree>
+      <p:nvGrpSpPr>
+        <p:cNvPr id="1" name=""/>
+        <p:cNvGrpSpPr/>
+        <p:nvPr/>
+      </p:nvGrpSpPr>
+      <p:grpSpPr>
+        <a:xfrm>
+          <a:off x="0" y="0"/>
+          <a:ext cx="0" cy="0"/>
+          <a:chOff x="0" y="0"/>
+          <a:chExt cx="0" cy="0"/>
+        </a:xfrm>
+      </p:grpSpPr>
+      <p:sp>
+        <p:nvSpPr>
+          <p:cNvPr id="2" name="標題 1">
+            <a:extLst>
+              <a:ext uri="{FF2B5EF4-FFF2-40B4-BE49-F238E27FC236}">
+                <a16:creationId xmlns:a16="http://schemas.microsoft.com/office/drawing/2014/main" id="{774C23ED-A6AA-4A07-93FB-11D85C6C5F93}"/>
+              </a:ext>
+            </a:extLst>
+          </p:cNvPr>
+          <p:cNvSpPr>
+            <a:spLocks noGrp="1"/>
+          </p:cNvSpPr>
+          <p:nvPr>
+            <p:ph type="title"/>
+          </p:nvPr>
+        </p:nvSpPr>
+        <p:spPr/>
+        <p:txBody>
+          <a:bodyPr/>
+          <a:lstStyle/>
+          <a:p>
+            <a:r>
+              <a:rPr lang="en-US" altLang="zh-TW" dirty="0"/>
+              <a:t>persistence.xml</a:t>
+            </a:r>
+            <a:endParaRPr lang="zh-TW" altLang="en-US" dirty="0"/>
+          </a:p>
+        </p:txBody>
+      </p:sp>
+      <p:sp>
+        <p:nvSpPr>
+          <p:cNvPr id="3" name="內容版面配置區 2">
+            <a:extLst>
+              <a:ext uri="{FF2B5EF4-FFF2-40B4-BE49-F238E27FC236}">
+                <a16:creationId xmlns:a16="http://schemas.microsoft.com/office/drawing/2014/main" id="{805AC191-19A5-4C22-89B1-27D33C38CE96}"/>
+              </a:ext>
+            </a:extLst>
+          </p:cNvPr>
+          <p:cNvSpPr>
+            <a:spLocks noGrp="1"/>
+          </p:cNvSpPr>
+          <p:nvPr>
+            <p:ph idx="1"/>
+          </p:nvPr>
+        </p:nvSpPr>
+        <p:spPr/>
+        <p:txBody>
+          <a:bodyPr>
+            <a:normAutofit/>
+          </a:bodyPr>
+          <a:lstStyle/>
+          <a:p>
+            <a:r>
+              <a:rPr lang="en-US" altLang="zh-TW" dirty="0"/>
+              <a:t>a standard configuration file</a:t>
+            </a:r>
+          </a:p>
+          <a:p>
+            <a:r>
+              <a:rPr lang="en-US" altLang="zh-TW" dirty="0"/>
+              <a:t>has to be included in the META-INF directory inside the JAR file that contains the entity beans. </a:t>
+            </a:r>
+          </a:p>
+          <a:p>
+            <a:r>
+              <a:rPr lang="en-US" altLang="zh-TW" dirty="0"/>
+              <a:t>define a persistence-unit with a unique name in the current scoped </a:t>
+            </a:r>
+            <a:r>
+              <a:rPr lang="en-US" altLang="zh-TW" dirty="0" err="1"/>
+              <a:t>classloader</a:t>
+            </a:r>
+            <a:r>
+              <a:rPr lang="en-US" altLang="zh-TW" dirty="0"/>
+              <a:t>. </a:t>
+            </a:r>
+          </a:p>
+          <a:p>
+            <a:r>
+              <a:rPr lang="en-US" altLang="zh-TW" dirty="0"/>
+              <a:t>The provider attribute specifies the underlying implementation of the JPA </a:t>
+            </a:r>
+            <a:r>
+              <a:rPr lang="en-US" altLang="zh-TW" dirty="0" err="1"/>
+              <a:t>EntityManager</a:t>
+            </a:r>
+            <a:r>
+              <a:rPr lang="en-US" altLang="zh-TW" dirty="0"/>
+              <a:t>. </a:t>
+            </a:r>
+            <a:endParaRPr lang="zh-TW" altLang="en-US" dirty="0"/>
+          </a:p>
+        </p:txBody>
+      </p:sp>
+    </p:spTree>
+    <p:extLst>
+      <p:ext uri="{BB962C8B-B14F-4D97-AF65-F5344CB8AC3E}">
+        <p14:creationId xmlns:p14="http://schemas.microsoft.com/office/powerpoint/2010/main" val="2711472990"/>
+      </p:ext>
+    </p:extLst>
+  </p:cSld>
+  <p:clrMapOvr>
+    <a:masterClrMapping/>
+  </p:clrMapOvr>
+</p:sld>
+</file>
+
+<file path=ppt/slides/slide24.xml><?xml version="1.0" encoding="utf-8"?>
+<p:sld xmlns:a="http://schemas.openxmlformats.org/drawingml/2006/main" xmlns:r="http://schemas.openxmlformats.org/officeDocument/2006/relationships" xmlns:p="http://schemas.openxmlformats.org/presentationml/2006/main">
+  <p:cSld>
+    <p:spTree>
+      <p:nvGrpSpPr>
+        <p:cNvPr id="1" name=""/>
+        <p:cNvGrpSpPr/>
+        <p:nvPr/>
+      </p:nvGrpSpPr>
+      <p:grpSpPr>
+        <a:xfrm>
+          <a:off x="0" y="0"/>
+          <a:ext cx="0" cy="0"/>
+          <a:chOff x="0" y="0"/>
+          <a:chExt cx="0" cy="0"/>
+        </a:xfrm>
+      </p:grpSpPr>
+      <p:sp>
+        <p:nvSpPr>
+          <p:cNvPr id="2" name="標題 1"/>
+          <p:cNvSpPr>
+            <a:spLocks noGrp="1"/>
+          </p:cNvSpPr>
+          <p:nvPr>
+            <p:ph type="title"/>
+          </p:nvPr>
+        </p:nvSpPr>
+        <p:spPr/>
+        <p:txBody>
+          <a:bodyPr/>
+          <a:lstStyle/>
+          <a:p>
+            <a:r>
+              <a:rPr lang="en-US" altLang="zh-TW" dirty="0" smtClean="0"/>
+              <a:t>JPA basic program example</a:t>
+            </a:r>
+            <a:endParaRPr lang="zh-TW" altLang="en-US" dirty="0"/>
+          </a:p>
+        </p:txBody>
+      </p:sp>
+      <p:sp>
+        <p:nvSpPr>
+          <p:cNvPr id="3" name="內容版面配置區 2"/>
+          <p:cNvSpPr>
+            <a:spLocks noGrp="1"/>
+          </p:cNvSpPr>
+          <p:nvPr>
+            <p:ph idx="1"/>
+          </p:nvPr>
+        </p:nvSpPr>
+        <p:spPr/>
+        <p:txBody>
+          <a:bodyPr/>
+          <a:lstStyle/>
+          <a:p>
+            <a:endParaRPr lang="zh-TW" altLang="en-US" dirty="0"/>
+          </a:p>
+        </p:txBody>
+      </p:sp>
+      <p:sp>
+        <p:nvSpPr>
+          <p:cNvPr id="4" name="矩形 3"/>
+          <p:cNvSpPr/>
+          <p:nvPr/>
+        </p:nvSpPr>
+        <p:spPr>
+          <a:xfrm>
+            <a:off x="1080655" y="2772470"/>
+            <a:ext cx="10390909" cy="3539430"/>
+          </a:xfrm>
+          <a:prstGeom prst="rect">
+            <a:avLst/>
+          </a:prstGeom>
+        </p:spPr>
+        <p:txBody>
+          <a:bodyPr wrap="square">
+            <a:spAutoFit/>
+          </a:bodyPr>
+          <a:lstStyle/>
+          <a:p>
+            <a:r>
+              <a:rPr lang="en-US" altLang="zh-TW" sz="1400" dirty="0" err="1" smtClean="0">
+                <a:solidFill>
+                  <a:srgbClr val="000000"/>
+                </a:solidFill>
+                <a:latin typeface="Courier New" panose="02070309020205020404" pitchFamily="49" charset="0"/>
+              </a:rPr>
+              <a:t>EntityManagerFactory</a:t>
+            </a:r>
+            <a:r>
+              <a:rPr lang="en-US" altLang="zh-TW" sz="1400" dirty="0" smtClean="0">
+                <a:solidFill>
+                  <a:srgbClr val="000000"/>
+                </a:solidFill>
+                <a:latin typeface="Courier New" panose="02070309020205020404" pitchFamily="49" charset="0"/>
+              </a:rPr>
+              <a:t> </a:t>
+            </a:r>
+            <a:r>
+              <a:rPr lang="en-US" altLang="zh-TW" sz="1400" dirty="0" err="1">
+                <a:solidFill>
+                  <a:srgbClr val="6A3E3E"/>
+                </a:solidFill>
+                <a:latin typeface="Courier New" panose="02070309020205020404" pitchFamily="49" charset="0"/>
+              </a:rPr>
+              <a:t>emFactory</a:t>
+            </a:r>
+            <a:r>
+              <a:rPr lang="en-US" altLang="zh-TW" sz="1400" dirty="0">
+                <a:solidFill>
+                  <a:srgbClr val="000000"/>
+                </a:solidFill>
+                <a:latin typeface="Courier New" panose="02070309020205020404" pitchFamily="49" charset="0"/>
+              </a:rPr>
+              <a:t> = </a:t>
+            </a:r>
+            <a:r>
+              <a:rPr lang="en-US" altLang="zh-TW" sz="1400" dirty="0" err="1">
+                <a:solidFill>
+                  <a:srgbClr val="000000"/>
+                </a:solidFill>
+                <a:latin typeface="Courier New" panose="02070309020205020404" pitchFamily="49" charset="0"/>
+              </a:rPr>
+              <a:t>Persistence.</a:t>
+            </a:r>
+            <a:r>
+              <a:rPr lang="en-US" altLang="zh-TW" sz="1400" i="1" dirty="0" err="1">
+                <a:solidFill>
+                  <a:srgbClr val="000000"/>
+                </a:solidFill>
+                <a:latin typeface="Courier New" panose="02070309020205020404" pitchFamily="49" charset="0"/>
+              </a:rPr>
+              <a:t>createEntityManagerFactory</a:t>
+            </a:r>
+            <a:r>
+              <a:rPr lang="en-US" altLang="zh-TW" sz="1400" i="1" dirty="0">
+                <a:solidFill>
+                  <a:srgbClr val="000000"/>
+                </a:solidFill>
+                <a:latin typeface="Courier New" panose="02070309020205020404" pitchFamily="49" charset="0"/>
+              </a:rPr>
+              <a:t>( </a:t>
+            </a:r>
+            <a:r>
+              <a:rPr lang="en-US" altLang="zh-TW" sz="1400" i="1" dirty="0">
+                <a:solidFill>
+                  <a:srgbClr val="2A00FF"/>
+                </a:solidFill>
+                <a:latin typeface="Courier New" panose="02070309020205020404" pitchFamily="49" charset="0"/>
+              </a:rPr>
+              <a:t>"LOCAL_PERSISTENCE"</a:t>
+            </a:r>
+            <a:r>
+              <a:rPr lang="en-US" altLang="zh-TW" sz="1400" i="1" dirty="0">
+                <a:solidFill>
+                  <a:srgbClr val="000000"/>
+                </a:solidFill>
+                <a:latin typeface="Courier New" panose="02070309020205020404" pitchFamily="49" charset="0"/>
+              </a:rPr>
+              <a:t> );</a:t>
+            </a:r>
+          </a:p>
+          <a:p>
+            <a:r>
+              <a:rPr lang="zh-TW" altLang="en-US" sz="1400" dirty="0">
+                <a:solidFill>
+                  <a:srgbClr val="000000"/>
+                </a:solidFill>
+                <a:latin typeface="Courier New" panose="02070309020205020404" pitchFamily="49" charset="0"/>
+              </a:rPr>
+              <a:t>      </a:t>
+            </a:r>
+          </a:p>
+          <a:p>
+            <a:r>
+              <a:rPr lang="en-US" altLang="zh-TW" sz="1400" dirty="0" err="1" smtClean="0">
+                <a:solidFill>
+                  <a:srgbClr val="000000"/>
+                </a:solidFill>
+                <a:latin typeface="Courier New" panose="02070309020205020404" pitchFamily="49" charset="0"/>
+              </a:rPr>
+              <a:t>EntityManager</a:t>
+            </a:r>
+            <a:r>
+              <a:rPr lang="en-US" altLang="zh-TW" sz="1400" dirty="0" smtClean="0">
+                <a:solidFill>
+                  <a:srgbClr val="000000"/>
+                </a:solidFill>
+                <a:latin typeface="Courier New" panose="02070309020205020404" pitchFamily="49" charset="0"/>
+              </a:rPr>
+              <a:t> </a:t>
+            </a:r>
+            <a:r>
+              <a:rPr lang="en-US" altLang="zh-TW" sz="1400" dirty="0" err="1">
+                <a:solidFill>
+                  <a:srgbClr val="6A3E3E"/>
+                </a:solidFill>
+                <a:latin typeface="Courier New" panose="02070309020205020404" pitchFamily="49" charset="0"/>
+              </a:rPr>
+              <a:t>entityManager</a:t>
+            </a:r>
+            <a:r>
+              <a:rPr lang="en-US" altLang="zh-TW" sz="1400" dirty="0">
+                <a:solidFill>
+                  <a:srgbClr val="000000"/>
+                </a:solidFill>
+                <a:latin typeface="Courier New" panose="02070309020205020404" pitchFamily="49" charset="0"/>
+              </a:rPr>
+              <a:t> = </a:t>
+            </a:r>
+            <a:r>
+              <a:rPr lang="en-US" altLang="zh-TW" sz="1400" dirty="0" err="1">
+                <a:solidFill>
+                  <a:srgbClr val="6A3E3E"/>
+                </a:solidFill>
+                <a:latin typeface="Courier New" panose="02070309020205020404" pitchFamily="49" charset="0"/>
+              </a:rPr>
+              <a:t>emFactory</a:t>
+            </a:r>
+            <a:r>
+              <a:rPr lang="en-US" altLang="zh-TW" sz="1400" dirty="0" err="1">
+                <a:solidFill>
+                  <a:srgbClr val="000000"/>
+                </a:solidFill>
+                <a:latin typeface="Courier New" panose="02070309020205020404" pitchFamily="49" charset="0"/>
+              </a:rPr>
+              <a:t>.createEntityManager</a:t>
+            </a:r>
+            <a:r>
+              <a:rPr lang="en-US" altLang="zh-TW" sz="1400" dirty="0">
+                <a:solidFill>
+                  <a:srgbClr val="000000"/>
+                </a:solidFill>
+                <a:latin typeface="Courier New" panose="02070309020205020404" pitchFamily="49" charset="0"/>
+              </a:rPr>
+              <a:t>( );</a:t>
+            </a:r>
+          </a:p>
+          <a:p>
+            <a:r>
+              <a:rPr lang="en-US" altLang="zh-TW" sz="1400" dirty="0" err="1" smtClean="0">
+                <a:solidFill>
+                  <a:srgbClr val="6A3E3E"/>
+                </a:solidFill>
+                <a:latin typeface="Courier New" panose="02070309020205020404" pitchFamily="49" charset="0"/>
+              </a:rPr>
+              <a:t>entityManager</a:t>
+            </a:r>
+            <a:r>
+              <a:rPr lang="en-US" altLang="zh-TW" sz="1400" dirty="0" err="1" smtClean="0">
+                <a:solidFill>
+                  <a:srgbClr val="000000"/>
+                </a:solidFill>
+                <a:latin typeface="Courier New" panose="02070309020205020404" pitchFamily="49" charset="0"/>
+              </a:rPr>
+              <a:t>.getTransaction</a:t>
+            </a:r>
+            <a:r>
+              <a:rPr lang="en-US" altLang="zh-TW" sz="1400" dirty="0">
+                <a:solidFill>
+                  <a:srgbClr val="000000"/>
+                </a:solidFill>
+                <a:latin typeface="Courier New" panose="02070309020205020404" pitchFamily="49" charset="0"/>
+              </a:rPr>
+              <a:t>( ).begin( );</a:t>
+            </a:r>
+          </a:p>
+          <a:p>
+            <a:r>
+              <a:rPr lang="zh-TW" altLang="en-US" sz="1400" dirty="0">
+                <a:solidFill>
+                  <a:srgbClr val="000000"/>
+                </a:solidFill>
+                <a:latin typeface="Courier New" panose="02070309020205020404" pitchFamily="49" charset="0"/>
+              </a:rPr>
+              <a:t>      </a:t>
+            </a:r>
+          </a:p>
+          <a:p>
+            <a:r>
+              <a:rPr lang="en-US" altLang="zh-TW" sz="1400" dirty="0" smtClean="0">
+                <a:solidFill>
+                  <a:srgbClr val="000000"/>
+                </a:solidFill>
+                <a:latin typeface="Courier New" panose="02070309020205020404" pitchFamily="49" charset="0"/>
+              </a:rPr>
+              <a:t>Person </a:t>
+            </a:r>
+            <a:r>
+              <a:rPr lang="en-US" altLang="zh-TW" sz="1400" dirty="0" err="1">
+                <a:solidFill>
+                  <a:srgbClr val="6A3E3E"/>
+                </a:solidFill>
+                <a:latin typeface="Courier New" panose="02070309020205020404" pitchFamily="49" charset="0"/>
+              </a:rPr>
+              <a:t>person</a:t>
+            </a:r>
+            <a:r>
+              <a:rPr lang="en-US" altLang="zh-TW" sz="1400" dirty="0">
+                <a:solidFill>
+                  <a:srgbClr val="000000"/>
+                </a:solidFill>
+                <a:latin typeface="Courier New" panose="02070309020205020404" pitchFamily="49" charset="0"/>
+              </a:rPr>
+              <a:t> = </a:t>
+            </a:r>
+            <a:r>
+              <a:rPr lang="en-US" altLang="zh-TW" sz="1400" b="1" dirty="0">
+                <a:solidFill>
+                  <a:srgbClr val="7F0055"/>
+                </a:solidFill>
+                <a:latin typeface="Courier New" panose="02070309020205020404" pitchFamily="49" charset="0"/>
+              </a:rPr>
+              <a:t>new</a:t>
+            </a:r>
+            <a:r>
+              <a:rPr lang="en-US" altLang="zh-TW" sz="1400" b="1" dirty="0">
+                <a:solidFill>
+                  <a:srgbClr val="000000"/>
+                </a:solidFill>
+                <a:latin typeface="Courier New" panose="02070309020205020404" pitchFamily="49" charset="0"/>
+              </a:rPr>
+              <a:t> Person();</a:t>
+            </a:r>
+          </a:p>
+          <a:p>
+            <a:r>
+              <a:rPr lang="en-US" altLang="zh-TW" sz="1400" dirty="0" err="1" smtClean="0">
+                <a:solidFill>
+                  <a:srgbClr val="6A3E3E"/>
+                </a:solidFill>
+                <a:latin typeface="Courier New" panose="02070309020205020404" pitchFamily="49" charset="0"/>
+              </a:rPr>
+              <a:t>person</a:t>
+            </a:r>
+            <a:r>
+              <a:rPr lang="en-US" altLang="zh-TW" sz="1400" dirty="0" err="1" smtClean="0">
+                <a:solidFill>
+                  <a:srgbClr val="000000"/>
+                </a:solidFill>
+                <a:latin typeface="Courier New" panose="02070309020205020404" pitchFamily="49" charset="0"/>
+              </a:rPr>
+              <a:t>.setName</a:t>
+            </a:r>
+            <a:r>
+              <a:rPr lang="en-US" altLang="zh-TW" sz="1400" dirty="0">
+                <a:solidFill>
+                  <a:srgbClr val="000000"/>
+                </a:solidFill>
+                <a:latin typeface="Courier New" panose="02070309020205020404" pitchFamily="49" charset="0"/>
+              </a:rPr>
+              <a:t>(</a:t>
+            </a:r>
+            <a:r>
+              <a:rPr lang="en-US" altLang="zh-TW" sz="1400" dirty="0">
+                <a:solidFill>
+                  <a:srgbClr val="2A00FF"/>
+                </a:solidFill>
+                <a:latin typeface="Courier New" panose="02070309020205020404" pitchFamily="49" charset="0"/>
+              </a:rPr>
+              <a:t>"Elvin"</a:t>
+            </a:r>
+            <a:r>
+              <a:rPr lang="en-US" altLang="zh-TW" sz="1400" dirty="0">
+                <a:solidFill>
+                  <a:srgbClr val="000000"/>
+                </a:solidFill>
+                <a:latin typeface="Courier New" panose="02070309020205020404" pitchFamily="49" charset="0"/>
+              </a:rPr>
+              <a:t>);</a:t>
+            </a:r>
+          </a:p>
+          <a:p>
+            <a:r>
+              <a:rPr lang="en-US" altLang="zh-TW" sz="1400" dirty="0" err="1" smtClean="0">
+                <a:solidFill>
+                  <a:srgbClr val="6A3E3E"/>
+                </a:solidFill>
+                <a:latin typeface="Courier New" panose="02070309020205020404" pitchFamily="49" charset="0"/>
+              </a:rPr>
+              <a:t>person</a:t>
+            </a:r>
+            <a:r>
+              <a:rPr lang="en-US" altLang="zh-TW" sz="1400" dirty="0" err="1" smtClean="0">
+                <a:solidFill>
+                  <a:srgbClr val="000000"/>
+                </a:solidFill>
+                <a:latin typeface="Courier New" panose="02070309020205020404" pitchFamily="49" charset="0"/>
+              </a:rPr>
+              <a:t>.setCountry</a:t>
+            </a:r>
+            <a:r>
+              <a:rPr lang="en-US" altLang="zh-TW" sz="1400" dirty="0">
+                <a:solidFill>
+                  <a:srgbClr val="000000"/>
+                </a:solidFill>
+                <a:latin typeface="Courier New" panose="02070309020205020404" pitchFamily="49" charset="0"/>
+              </a:rPr>
+              <a:t>(</a:t>
+            </a:r>
+            <a:r>
+              <a:rPr lang="en-US" altLang="zh-TW" sz="1400" dirty="0">
+                <a:solidFill>
+                  <a:srgbClr val="2A00FF"/>
+                </a:solidFill>
+                <a:latin typeface="Courier New" panose="02070309020205020404" pitchFamily="49" charset="0"/>
+              </a:rPr>
+              <a:t>"Denmark"</a:t>
+            </a:r>
+            <a:r>
+              <a:rPr lang="en-US" altLang="zh-TW" sz="1400" dirty="0">
+                <a:solidFill>
+                  <a:srgbClr val="000000"/>
+                </a:solidFill>
+                <a:latin typeface="Courier New" panose="02070309020205020404" pitchFamily="49" charset="0"/>
+              </a:rPr>
+              <a:t>);</a:t>
+            </a:r>
+          </a:p>
+          <a:p>
+            <a:r>
+              <a:rPr lang="zh-TW" altLang="en-US" sz="1400" dirty="0">
+                <a:solidFill>
+                  <a:srgbClr val="000000"/>
+                </a:solidFill>
+                <a:latin typeface="Courier New" panose="02070309020205020404" pitchFamily="49" charset="0"/>
+              </a:rPr>
+              <a:t>      </a:t>
+            </a:r>
+          </a:p>
+          <a:p>
+            <a:r>
+              <a:rPr lang="en-US" altLang="zh-TW" sz="1400" dirty="0" err="1" smtClean="0">
+                <a:solidFill>
+                  <a:srgbClr val="6A3E3E"/>
+                </a:solidFill>
+                <a:latin typeface="Courier New" panose="02070309020205020404" pitchFamily="49" charset="0"/>
+              </a:rPr>
+              <a:t>entityManager</a:t>
+            </a:r>
+            <a:r>
+              <a:rPr lang="en-US" altLang="zh-TW" sz="1400" dirty="0" err="1" smtClean="0">
+                <a:solidFill>
+                  <a:srgbClr val="000000"/>
+                </a:solidFill>
+                <a:latin typeface="Courier New" panose="02070309020205020404" pitchFamily="49" charset="0"/>
+              </a:rPr>
+              <a:t>.persist</a:t>
+            </a:r>
+            <a:r>
+              <a:rPr lang="en-US" altLang="zh-TW" sz="1400" dirty="0" smtClean="0">
+                <a:solidFill>
+                  <a:srgbClr val="000000"/>
+                </a:solidFill>
+                <a:latin typeface="Courier New" panose="02070309020205020404" pitchFamily="49" charset="0"/>
+              </a:rPr>
+              <a:t>(</a:t>
+            </a:r>
+            <a:r>
+              <a:rPr lang="en-US" altLang="zh-TW" sz="1400" dirty="0" smtClean="0">
+                <a:solidFill>
+                  <a:srgbClr val="6A3E3E"/>
+                </a:solidFill>
+                <a:latin typeface="Courier New" panose="02070309020205020404" pitchFamily="49" charset="0"/>
+              </a:rPr>
+              <a:t>person</a:t>
+            </a:r>
+            <a:r>
+              <a:rPr lang="en-US" altLang="zh-TW" sz="1400" dirty="0">
+                <a:solidFill>
+                  <a:srgbClr val="000000"/>
+                </a:solidFill>
+                <a:latin typeface="Courier New" panose="02070309020205020404" pitchFamily="49" charset="0"/>
+              </a:rPr>
+              <a:t>);</a:t>
+            </a:r>
+          </a:p>
+          <a:p>
+            <a:r>
+              <a:rPr lang="zh-TW" altLang="en-US" sz="1400" dirty="0">
+                <a:solidFill>
+                  <a:srgbClr val="000000"/>
+                </a:solidFill>
+                <a:latin typeface="Courier New" panose="02070309020205020404" pitchFamily="49" charset="0"/>
+              </a:rPr>
+              <a:t>      </a:t>
+            </a:r>
+          </a:p>
+          <a:p>
+            <a:r>
+              <a:rPr lang="en-US" altLang="zh-TW" sz="1400" dirty="0" err="1" smtClean="0">
+                <a:solidFill>
+                  <a:srgbClr val="000000"/>
+                </a:solidFill>
+                <a:latin typeface="Courier New" panose="02070309020205020404" pitchFamily="49" charset="0"/>
+              </a:rPr>
+              <a:t>System.</a:t>
+            </a:r>
+            <a:r>
+              <a:rPr lang="en-US" altLang="zh-TW" sz="1400" b="1" i="1" dirty="0" err="1" smtClean="0">
+                <a:solidFill>
+                  <a:srgbClr val="0000C0"/>
+                </a:solidFill>
+                <a:latin typeface="Courier New" panose="02070309020205020404" pitchFamily="49" charset="0"/>
+              </a:rPr>
+              <a:t>out</a:t>
+            </a:r>
+            <a:r>
+              <a:rPr lang="en-US" altLang="zh-TW" sz="1400" b="1" i="1" dirty="0" err="1" smtClean="0">
+                <a:solidFill>
+                  <a:srgbClr val="000000"/>
+                </a:solidFill>
+                <a:latin typeface="Courier New" panose="02070309020205020404" pitchFamily="49" charset="0"/>
+              </a:rPr>
+              <a:t>.println</a:t>
+            </a:r>
+            <a:r>
+              <a:rPr lang="en-US" altLang="zh-TW" sz="1400" b="1" i="1" dirty="0">
+                <a:solidFill>
+                  <a:srgbClr val="000000"/>
+                </a:solidFill>
+                <a:latin typeface="Courier New" panose="02070309020205020404" pitchFamily="49" charset="0"/>
+              </a:rPr>
+              <a:t>(</a:t>
+            </a:r>
+            <a:r>
+              <a:rPr lang="en-US" altLang="zh-TW" sz="1400" b="1" i="1" dirty="0">
+                <a:solidFill>
+                  <a:srgbClr val="2A00FF"/>
+                </a:solidFill>
+                <a:latin typeface="Courier New" panose="02070309020205020404" pitchFamily="49" charset="0"/>
+              </a:rPr>
+              <a:t>"create: "</a:t>
+            </a:r>
+            <a:r>
+              <a:rPr lang="en-US" altLang="zh-TW" sz="1400" b="1" i="1" dirty="0">
+                <a:solidFill>
+                  <a:srgbClr val="000000"/>
+                </a:solidFill>
+                <a:latin typeface="Courier New" panose="02070309020205020404" pitchFamily="49" charset="0"/>
+              </a:rPr>
+              <a:t> + </a:t>
+            </a:r>
+            <a:r>
+              <a:rPr lang="en-US" altLang="zh-TW" sz="1400" b="1" i="1" dirty="0" err="1">
+                <a:solidFill>
+                  <a:srgbClr val="6A3E3E"/>
+                </a:solidFill>
+                <a:latin typeface="Courier New" panose="02070309020205020404" pitchFamily="49" charset="0"/>
+              </a:rPr>
+              <a:t>person</a:t>
+            </a:r>
+            <a:r>
+              <a:rPr lang="en-US" altLang="zh-TW" sz="1400" b="1" i="1" dirty="0" err="1">
+                <a:solidFill>
+                  <a:srgbClr val="000000"/>
+                </a:solidFill>
+                <a:latin typeface="Courier New" panose="02070309020205020404" pitchFamily="49" charset="0"/>
+              </a:rPr>
+              <a:t>.toString</a:t>
+            </a:r>
+            <a:r>
+              <a:rPr lang="en-US" altLang="zh-TW" sz="1400" b="1" i="1" dirty="0" smtClean="0">
+                <a:solidFill>
+                  <a:srgbClr val="000000"/>
+                </a:solidFill>
+                <a:latin typeface="Courier New" panose="02070309020205020404" pitchFamily="49" charset="0"/>
+              </a:rPr>
+              <a:t>());</a:t>
+            </a:r>
+          </a:p>
+          <a:p>
+            <a:endParaRPr lang="en-US" altLang="zh-TW" sz="1400" b="1" i="1" dirty="0">
+              <a:solidFill>
+                <a:srgbClr val="000000"/>
+              </a:solidFill>
+              <a:latin typeface="Courier New" panose="02070309020205020404" pitchFamily="49" charset="0"/>
+            </a:endParaRPr>
+          </a:p>
+          <a:p>
+            <a:r>
+              <a:rPr lang="en-US" altLang="zh-TW" sz="1400" dirty="0" err="1" smtClean="0">
+                <a:solidFill>
+                  <a:srgbClr val="6A3E3E"/>
+                </a:solidFill>
+                <a:latin typeface="Courier New" panose="02070309020205020404" pitchFamily="49" charset="0"/>
+              </a:rPr>
+              <a:t>entityManager</a:t>
+            </a:r>
+            <a:r>
+              <a:rPr lang="en-US" altLang="zh-TW" sz="1400" dirty="0" err="1" smtClean="0">
+                <a:solidFill>
+                  <a:srgbClr val="000000"/>
+                </a:solidFill>
+                <a:latin typeface="Courier New" panose="02070309020205020404" pitchFamily="49" charset="0"/>
+              </a:rPr>
+              <a:t>.getTransaction</a:t>
+            </a:r>
+            <a:r>
+              <a:rPr lang="en-US" altLang="zh-TW" sz="1400" dirty="0">
+                <a:solidFill>
+                  <a:srgbClr val="000000"/>
+                </a:solidFill>
+                <a:latin typeface="Courier New" panose="02070309020205020404" pitchFamily="49" charset="0"/>
+              </a:rPr>
+              <a:t>().commit();</a:t>
+            </a:r>
+          </a:p>
+          <a:p>
+            <a:r>
+              <a:rPr lang="en-US" altLang="zh-TW" sz="1400" dirty="0" err="1" smtClean="0">
+                <a:solidFill>
+                  <a:srgbClr val="6A3E3E"/>
+                </a:solidFill>
+                <a:latin typeface="Courier New" panose="02070309020205020404" pitchFamily="49" charset="0"/>
+              </a:rPr>
+              <a:t>entityManager</a:t>
+            </a:r>
+            <a:r>
+              <a:rPr lang="en-US" altLang="zh-TW" sz="1400" dirty="0" err="1" smtClean="0">
+                <a:solidFill>
+                  <a:srgbClr val="000000"/>
+                </a:solidFill>
+                <a:latin typeface="Courier New" panose="02070309020205020404" pitchFamily="49" charset="0"/>
+              </a:rPr>
+              <a:t>.close</a:t>
+            </a:r>
+            <a:r>
+              <a:rPr lang="en-US" altLang="zh-TW" sz="1400" dirty="0">
+                <a:solidFill>
+                  <a:srgbClr val="000000"/>
+                </a:solidFill>
+                <a:latin typeface="Courier New" panose="02070309020205020404" pitchFamily="49" charset="0"/>
+              </a:rPr>
+              <a:t>();</a:t>
+            </a:r>
+          </a:p>
+          <a:p>
+            <a:r>
+              <a:rPr lang="en-US" altLang="zh-TW" sz="1400" dirty="0" err="1" smtClean="0">
+                <a:solidFill>
+                  <a:srgbClr val="6A3E3E"/>
+                </a:solidFill>
+                <a:latin typeface="Courier New" panose="02070309020205020404" pitchFamily="49" charset="0"/>
+              </a:rPr>
+              <a:t>emFactory</a:t>
+            </a:r>
+            <a:r>
+              <a:rPr lang="en-US" altLang="zh-TW" sz="1400" dirty="0" err="1" smtClean="0">
+                <a:solidFill>
+                  <a:srgbClr val="000000"/>
+                </a:solidFill>
+                <a:latin typeface="Courier New" panose="02070309020205020404" pitchFamily="49" charset="0"/>
+              </a:rPr>
+              <a:t>.close</a:t>
+            </a:r>
+            <a:r>
+              <a:rPr lang="en-US" altLang="zh-TW" sz="1400" dirty="0">
+                <a:solidFill>
+                  <a:srgbClr val="000000"/>
+                </a:solidFill>
+                <a:latin typeface="Courier New" panose="02070309020205020404" pitchFamily="49" charset="0"/>
+              </a:rPr>
+              <a:t>();</a:t>
+            </a:r>
+            <a:endParaRPr lang="zh-TW" altLang="en-US" sz="1400" dirty="0"/>
+          </a:p>
+        </p:txBody>
+      </p:sp>
+    </p:spTree>
+    <p:extLst>
+      <p:ext uri="{BB962C8B-B14F-4D97-AF65-F5344CB8AC3E}">
+        <p14:creationId xmlns:p14="http://schemas.microsoft.com/office/powerpoint/2010/main" val="3120307491"/>
+      </p:ext>
+    </p:extLst>
+  </p:cSld>
+  <p:clrMapOvr>
+    <a:masterClrMapping/>
+  </p:clrMapOvr>
+</p:sld>
+</file>
+
+<file path=ppt/slides/slide25.xml><?xml version="1.0" encoding="utf-8"?>
+<p:sld xmlns:a="http://schemas.openxmlformats.org/drawingml/2006/main" xmlns:r="http://schemas.openxmlformats.org/officeDocument/2006/relationships" xmlns:p="http://schemas.openxmlformats.org/presentationml/2006/main">
+  <p:cSld>
+    <p:spTree>
+      <p:nvGrpSpPr>
+        <p:cNvPr id="1" name=""/>
+        <p:cNvGrpSpPr/>
+        <p:nvPr/>
+      </p:nvGrpSpPr>
+      <p:grpSpPr>
+        <a:xfrm>
+          <a:off x="0" y="0"/>
+          <a:ext cx="0" cy="0"/>
+          <a:chOff x="0" y="0"/>
+          <a:chExt cx="0" cy="0"/>
+        </a:xfrm>
+      </p:grpSpPr>
+      <p:sp>
+        <p:nvSpPr>
+          <p:cNvPr id="2" name="標題 1"/>
+          <p:cNvSpPr>
+            <a:spLocks noGrp="1"/>
+          </p:cNvSpPr>
+          <p:nvPr>
+            <p:ph type="title"/>
+          </p:nvPr>
+        </p:nvSpPr>
+        <p:spPr/>
+        <p:txBody>
+          <a:bodyPr/>
+          <a:lstStyle/>
+          <a:p>
+            <a:r>
+              <a:rPr lang="en-US" altLang="zh-TW" dirty="0"/>
+              <a:t>Java Persistence Query language</a:t>
+            </a:r>
+            <a:endParaRPr lang="zh-TW" altLang="en-US" dirty="0"/>
+          </a:p>
+        </p:txBody>
+      </p:sp>
+      <p:sp>
+        <p:nvSpPr>
+          <p:cNvPr id="3" name="內容版面配置區 2"/>
+          <p:cNvSpPr>
+            <a:spLocks noGrp="1"/>
+          </p:cNvSpPr>
+          <p:nvPr>
+            <p:ph idx="1"/>
+          </p:nvPr>
+        </p:nvSpPr>
+        <p:spPr/>
+        <p:txBody>
+          <a:bodyPr/>
+          <a:lstStyle/>
+          <a:p>
+            <a:r>
+              <a:rPr lang="en-US" altLang="zh-TW" dirty="0"/>
+              <a:t>JPQL syntax is very similar to the syntax of SQL</a:t>
+            </a:r>
+            <a:r>
+              <a:rPr lang="en-US" altLang="zh-TW" dirty="0" smtClean="0"/>
+              <a:t>.</a:t>
+            </a:r>
+          </a:p>
+          <a:p>
+            <a:endParaRPr lang="en-US" altLang="zh-TW" dirty="0" smtClean="0"/>
+          </a:p>
+          <a:p>
+            <a:r>
+              <a:rPr lang="en-US" altLang="zh-TW" dirty="0"/>
+              <a:t>SQL works directly against relational database tables, records and fields, whereas JPQL works with Java classes and instances</a:t>
+            </a:r>
+            <a:r>
+              <a:rPr lang="en-US" altLang="zh-TW" dirty="0" smtClean="0"/>
+              <a:t>.</a:t>
+            </a:r>
+          </a:p>
+          <a:p>
+            <a:endParaRPr lang="en-US" altLang="zh-TW" dirty="0"/>
+          </a:p>
+          <a:p>
+            <a:endParaRPr lang="zh-TW" altLang="en-US" dirty="0"/>
+          </a:p>
+        </p:txBody>
+      </p:sp>
+    </p:spTree>
+    <p:extLst>
+      <p:ext uri="{BB962C8B-B14F-4D97-AF65-F5344CB8AC3E}">
+        <p14:creationId xmlns:p14="http://schemas.microsoft.com/office/powerpoint/2010/main" val="4054176536"/>
+      </p:ext>
+    </p:extLst>
+  </p:cSld>
+  <p:clrMapOvr>
+    <a:masterClrMapping/>
+  </p:clrMapOvr>
+</p:sld>
+</file>
+
+<file path=ppt/slides/slide26.xml><?xml version="1.0" encoding="utf-8"?>
+<p:sld xmlns:a="http://schemas.openxmlformats.org/drawingml/2006/main" xmlns:r="http://schemas.openxmlformats.org/officeDocument/2006/relationships" xmlns:p="http://schemas.openxmlformats.org/presentationml/2006/main">
+  <p:cSld>
+    <p:spTree>
+      <p:nvGrpSpPr>
+        <p:cNvPr id="1" name=""/>
+        <p:cNvGrpSpPr/>
+        <p:nvPr/>
+      </p:nvGrpSpPr>
+      <p:grpSpPr>
+        <a:xfrm>
+          <a:off x="0" y="0"/>
+          <a:ext cx="0" cy="0"/>
+          <a:chOff x="0" y="0"/>
+          <a:chExt cx="0" cy="0"/>
+        </a:xfrm>
+      </p:grpSpPr>
+      <p:sp>
+        <p:nvSpPr>
+          <p:cNvPr id="2" name="標題 1"/>
+          <p:cNvSpPr>
+            <a:spLocks noGrp="1"/>
+          </p:cNvSpPr>
+          <p:nvPr>
+            <p:ph type="title"/>
+          </p:nvPr>
+        </p:nvSpPr>
+        <p:spPr/>
+        <p:txBody>
+          <a:bodyPr/>
+          <a:lstStyle/>
+          <a:p>
+            <a:endParaRPr lang="zh-TW" altLang="en-US" dirty="0"/>
+          </a:p>
+        </p:txBody>
+      </p:sp>
+      <p:sp>
+        <p:nvSpPr>
+          <p:cNvPr id="3" name="內容版面配置區 2"/>
+          <p:cNvSpPr>
+            <a:spLocks noGrp="1"/>
+          </p:cNvSpPr>
+          <p:nvPr>
+            <p:ph idx="1"/>
+          </p:nvPr>
+        </p:nvSpPr>
+        <p:spPr/>
+        <p:txBody>
+          <a:bodyPr/>
+          <a:lstStyle/>
+          <a:p>
+            <a:endParaRPr lang="zh-TW" altLang="en-US" dirty="0"/>
+          </a:p>
+        </p:txBody>
+      </p:sp>
+      <p:sp>
+        <p:nvSpPr>
+          <p:cNvPr id="4" name="矩形 3"/>
+          <p:cNvSpPr/>
+          <p:nvPr/>
+        </p:nvSpPr>
+        <p:spPr>
+          <a:xfrm>
+            <a:off x="381000" y="2989519"/>
+            <a:ext cx="10747664" cy="2893100"/>
+          </a:xfrm>
+          <a:prstGeom prst="rect">
+            <a:avLst/>
+          </a:prstGeom>
+        </p:spPr>
+        <p:txBody>
+          <a:bodyPr wrap="square">
+            <a:spAutoFit/>
+          </a:bodyPr>
+          <a:lstStyle/>
+          <a:p>
+            <a:r>
+              <a:rPr lang="en-US" altLang="zh-TW" sz="1400" dirty="0">
+                <a:solidFill>
+                  <a:srgbClr val="000000"/>
+                </a:solidFill>
+                <a:latin typeface="Courier New" panose="02070309020205020404" pitchFamily="49" charset="0"/>
+              </a:rPr>
+              <a:t> </a:t>
+            </a:r>
+            <a:r>
+              <a:rPr lang="en-US" altLang="zh-TW" sz="1400" dirty="0" err="1">
+                <a:solidFill>
+                  <a:srgbClr val="000000"/>
+                </a:solidFill>
+                <a:latin typeface="Courier New" panose="02070309020205020404" pitchFamily="49" charset="0"/>
+              </a:rPr>
+              <a:t>EntityManagerFactory</a:t>
+            </a:r>
+            <a:r>
+              <a:rPr lang="en-US" altLang="zh-TW" sz="1400" dirty="0">
+                <a:solidFill>
+                  <a:srgbClr val="000000"/>
+                </a:solidFill>
+                <a:latin typeface="Courier New" panose="02070309020205020404" pitchFamily="49" charset="0"/>
+              </a:rPr>
+              <a:t> </a:t>
+            </a:r>
+            <a:r>
+              <a:rPr lang="en-US" altLang="zh-TW" sz="1400" dirty="0" err="1">
+                <a:solidFill>
+                  <a:srgbClr val="6A3E3E"/>
+                </a:solidFill>
+                <a:latin typeface="Courier New" panose="02070309020205020404" pitchFamily="49" charset="0"/>
+              </a:rPr>
+              <a:t>emFactory</a:t>
+            </a:r>
+            <a:r>
+              <a:rPr lang="en-US" altLang="zh-TW" sz="1400" dirty="0">
+                <a:solidFill>
+                  <a:srgbClr val="000000"/>
+                </a:solidFill>
+                <a:latin typeface="Courier New" panose="02070309020205020404" pitchFamily="49" charset="0"/>
+              </a:rPr>
+              <a:t> = </a:t>
+            </a:r>
+            <a:r>
+              <a:rPr lang="en-US" altLang="zh-TW" sz="1400" dirty="0" err="1">
+                <a:solidFill>
+                  <a:srgbClr val="000000"/>
+                </a:solidFill>
+                <a:latin typeface="Courier New" panose="02070309020205020404" pitchFamily="49" charset="0"/>
+              </a:rPr>
+              <a:t>Persistence.</a:t>
+            </a:r>
+            <a:r>
+              <a:rPr lang="en-US" altLang="zh-TW" sz="1400" i="1" dirty="0" err="1">
+                <a:solidFill>
+                  <a:srgbClr val="000000"/>
+                </a:solidFill>
+                <a:latin typeface="Courier New" panose="02070309020205020404" pitchFamily="49" charset="0"/>
+              </a:rPr>
+              <a:t>createEntityManagerFactory</a:t>
+            </a:r>
+            <a:r>
+              <a:rPr lang="en-US" altLang="zh-TW" sz="1400" i="1" dirty="0">
+                <a:solidFill>
+                  <a:srgbClr val="000000"/>
+                </a:solidFill>
+                <a:latin typeface="Courier New" panose="02070309020205020404" pitchFamily="49" charset="0"/>
+              </a:rPr>
+              <a:t>( </a:t>
+            </a:r>
+            <a:r>
+              <a:rPr lang="en-US" altLang="zh-TW" sz="1400" i="1" dirty="0">
+                <a:solidFill>
+                  <a:srgbClr val="2A00FF"/>
+                </a:solidFill>
+                <a:latin typeface="Courier New" panose="02070309020205020404" pitchFamily="49" charset="0"/>
+              </a:rPr>
+              <a:t>"LOCAL_PERSISTENCE"</a:t>
+            </a:r>
+            <a:r>
+              <a:rPr lang="en-US" altLang="zh-TW" sz="1400" i="1" dirty="0">
+                <a:solidFill>
+                  <a:srgbClr val="000000"/>
+                </a:solidFill>
+                <a:latin typeface="Courier New" panose="02070309020205020404" pitchFamily="49" charset="0"/>
+              </a:rPr>
+              <a:t> );</a:t>
+            </a:r>
+          </a:p>
+          <a:p>
+            <a:r>
+              <a:rPr lang="en-US" altLang="zh-TW" sz="1400" dirty="0">
+                <a:solidFill>
+                  <a:srgbClr val="000000"/>
+                </a:solidFill>
+                <a:latin typeface="Courier New" panose="02070309020205020404" pitchFamily="49" charset="0"/>
+              </a:rPr>
+              <a:t>      </a:t>
+            </a:r>
+            <a:r>
+              <a:rPr lang="en-US" altLang="zh-TW" sz="1400" dirty="0" err="1">
+                <a:solidFill>
+                  <a:srgbClr val="000000"/>
+                </a:solidFill>
+                <a:latin typeface="Courier New" panose="02070309020205020404" pitchFamily="49" charset="0"/>
+              </a:rPr>
+              <a:t>EntityManager</a:t>
+            </a:r>
+            <a:r>
+              <a:rPr lang="en-US" altLang="zh-TW" sz="1400" dirty="0">
+                <a:solidFill>
+                  <a:srgbClr val="000000"/>
+                </a:solidFill>
+                <a:latin typeface="Courier New" panose="02070309020205020404" pitchFamily="49" charset="0"/>
+              </a:rPr>
+              <a:t> </a:t>
+            </a:r>
+            <a:r>
+              <a:rPr lang="en-US" altLang="zh-TW" sz="1400" dirty="0" err="1">
+                <a:solidFill>
+                  <a:srgbClr val="6A3E3E"/>
+                </a:solidFill>
+                <a:latin typeface="Courier New" panose="02070309020205020404" pitchFamily="49" charset="0"/>
+              </a:rPr>
+              <a:t>entityManager</a:t>
+            </a:r>
+            <a:r>
+              <a:rPr lang="en-US" altLang="zh-TW" sz="1400" dirty="0">
+                <a:solidFill>
+                  <a:srgbClr val="000000"/>
+                </a:solidFill>
+                <a:latin typeface="Courier New" panose="02070309020205020404" pitchFamily="49" charset="0"/>
+              </a:rPr>
+              <a:t> = </a:t>
+            </a:r>
+            <a:r>
+              <a:rPr lang="en-US" altLang="zh-TW" sz="1400" dirty="0" err="1">
+                <a:solidFill>
+                  <a:srgbClr val="6A3E3E"/>
+                </a:solidFill>
+                <a:latin typeface="Courier New" panose="02070309020205020404" pitchFamily="49" charset="0"/>
+              </a:rPr>
+              <a:t>emFactory</a:t>
+            </a:r>
+            <a:r>
+              <a:rPr lang="en-US" altLang="zh-TW" sz="1400" dirty="0" err="1">
+                <a:solidFill>
+                  <a:srgbClr val="000000"/>
+                </a:solidFill>
+                <a:latin typeface="Courier New" panose="02070309020205020404" pitchFamily="49" charset="0"/>
+              </a:rPr>
+              <a:t>.createEntityManager</a:t>
+            </a:r>
+            <a:r>
+              <a:rPr lang="en-US" altLang="zh-TW" sz="1400" dirty="0">
+                <a:solidFill>
+                  <a:srgbClr val="000000"/>
+                </a:solidFill>
+                <a:latin typeface="Courier New" panose="02070309020205020404" pitchFamily="49" charset="0"/>
+              </a:rPr>
+              <a:t>( );</a:t>
+            </a:r>
+          </a:p>
+          <a:p>
+            <a:r>
+              <a:rPr lang="en-US" altLang="zh-TW" sz="1400" dirty="0">
+                <a:solidFill>
+                  <a:srgbClr val="000000"/>
+                </a:solidFill>
+                <a:latin typeface="Courier New" panose="02070309020205020404" pitchFamily="49" charset="0"/>
+              </a:rPr>
+              <a:t>      </a:t>
+            </a:r>
+            <a:r>
+              <a:rPr lang="en-US" altLang="zh-TW" sz="1400" dirty="0" err="1">
+                <a:solidFill>
+                  <a:srgbClr val="6A3E3E"/>
+                </a:solidFill>
+                <a:latin typeface="Courier New" panose="02070309020205020404" pitchFamily="49" charset="0"/>
+              </a:rPr>
+              <a:t>entityManager</a:t>
+            </a:r>
+            <a:r>
+              <a:rPr lang="en-US" altLang="zh-TW" sz="1400" dirty="0" err="1">
+                <a:solidFill>
+                  <a:srgbClr val="000000"/>
+                </a:solidFill>
+                <a:latin typeface="Courier New" panose="02070309020205020404" pitchFamily="49" charset="0"/>
+              </a:rPr>
+              <a:t>.getTransaction</a:t>
+            </a:r>
+            <a:r>
+              <a:rPr lang="en-US" altLang="zh-TW" sz="1400" dirty="0">
+                <a:solidFill>
+                  <a:srgbClr val="000000"/>
+                </a:solidFill>
+                <a:latin typeface="Courier New" panose="02070309020205020404" pitchFamily="49" charset="0"/>
+              </a:rPr>
+              <a:t>( ).begin( );</a:t>
+            </a:r>
+          </a:p>
+          <a:p>
+            <a:r>
+              <a:rPr lang="zh-TW" altLang="en-US" sz="1400" dirty="0">
+                <a:solidFill>
+                  <a:srgbClr val="000000"/>
+                </a:solidFill>
+                <a:latin typeface="Courier New" panose="02070309020205020404" pitchFamily="49" charset="0"/>
+              </a:rPr>
+              <a:t>      </a:t>
+            </a:r>
+          </a:p>
+          <a:p>
+            <a:r>
+              <a:rPr lang="en-US" altLang="zh-TW" sz="1400" dirty="0">
+                <a:solidFill>
+                  <a:srgbClr val="000000"/>
+                </a:solidFill>
+                <a:latin typeface="Courier New" panose="02070309020205020404" pitchFamily="49" charset="0"/>
+              </a:rPr>
+              <a:t>      Query </a:t>
+            </a:r>
+            <a:r>
+              <a:rPr lang="en-US" altLang="zh-TW" sz="1400" dirty="0" err="1">
+                <a:solidFill>
+                  <a:srgbClr val="6A3E3E"/>
+                </a:solidFill>
+                <a:latin typeface="Courier New" panose="02070309020205020404" pitchFamily="49" charset="0"/>
+              </a:rPr>
+              <a:t>query</a:t>
+            </a:r>
+            <a:r>
+              <a:rPr lang="en-US" altLang="zh-TW" sz="1400" dirty="0">
+                <a:solidFill>
+                  <a:srgbClr val="000000"/>
+                </a:solidFill>
+                <a:latin typeface="Courier New" panose="02070309020205020404" pitchFamily="49" charset="0"/>
+              </a:rPr>
+              <a:t> = </a:t>
+            </a:r>
+            <a:r>
+              <a:rPr lang="en-US" altLang="zh-TW" sz="1400" dirty="0" err="1">
+                <a:solidFill>
+                  <a:srgbClr val="6A3E3E"/>
+                </a:solidFill>
+                <a:latin typeface="Courier New" panose="02070309020205020404" pitchFamily="49" charset="0"/>
+              </a:rPr>
+              <a:t>entityManager</a:t>
+            </a:r>
+            <a:r>
+              <a:rPr lang="en-US" altLang="zh-TW" sz="1400" dirty="0" err="1">
+                <a:solidFill>
+                  <a:srgbClr val="000000"/>
+                </a:solidFill>
+                <a:latin typeface="Courier New" panose="02070309020205020404" pitchFamily="49" charset="0"/>
+              </a:rPr>
+              <a:t>.createQuery</a:t>
+            </a:r>
+            <a:r>
+              <a:rPr lang="en-US" altLang="zh-TW" sz="1400" dirty="0">
+                <a:solidFill>
+                  <a:srgbClr val="000000"/>
+                </a:solidFill>
+                <a:latin typeface="Courier New" panose="02070309020205020404" pitchFamily="49" charset="0"/>
+              </a:rPr>
+              <a:t>(</a:t>
+            </a:r>
+            <a:r>
+              <a:rPr lang="en-US" altLang="zh-TW" sz="1400" dirty="0">
+                <a:solidFill>
+                  <a:srgbClr val="2A00FF"/>
+                </a:solidFill>
+                <a:latin typeface="Courier New" panose="02070309020205020404" pitchFamily="49" charset="0"/>
+              </a:rPr>
+              <a:t>"from Person p"</a:t>
+            </a:r>
+            <a:r>
+              <a:rPr lang="en-US" altLang="zh-TW" sz="1400" dirty="0">
+                <a:solidFill>
+                  <a:srgbClr val="000000"/>
+                </a:solidFill>
+                <a:latin typeface="Courier New" panose="02070309020205020404" pitchFamily="49" charset="0"/>
+              </a:rPr>
+              <a:t>);</a:t>
+            </a:r>
+          </a:p>
+          <a:p>
+            <a:r>
+              <a:rPr lang="en-US" altLang="zh-TW" sz="1400" dirty="0">
+                <a:solidFill>
+                  <a:srgbClr val="000000"/>
+                </a:solidFill>
+                <a:latin typeface="Courier New" panose="02070309020205020404" pitchFamily="49" charset="0"/>
+              </a:rPr>
+              <a:t>      List&lt;Person&gt; </a:t>
+            </a:r>
+            <a:r>
+              <a:rPr lang="en-US" altLang="zh-TW" sz="1400" dirty="0" err="1">
+                <a:solidFill>
+                  <a:srgbClr val="6A3E3E"/>
+                </a:solidFill>
+                <a:latin typeface="Courier New" panose="02070309020205020404" pitchFamily="49" charset="0"/>
+              </a:rPr>
+              <a:t>personList</a:t>
+            </a:r>
+            <a:r>
+              <a:rPr lang="en-US" altLang="zh-TW" sz="1400" dirty="0">
+                <a:solidFill>
+                  <a:srgbClr val="000000"/>
+                </a:solidFill>
+                <a:latin typeface="Courier New" panose="02070309020205020404" pitchFamily="49" charset="0"/>
+              </a:rPr>
+              <a:t> </a:t>
+            </a:r>
+            <a:r>
+              <a:rPr lang="en-US" altLang="zh-TW" sz="1400" u="sng" dirty="0">
+                <a:solidFill>
+                  <a:srgbClr val="000000"/>
+                </a:solidFill>
+                <a:latin typeface="Courier New" panose="02070309020205020404" pitchFamily="49" charset="0"/>
+              </a:rPr>
+              <a:t>=  </a:t>
+            </a:r>
+            <a:r>
+              <a:rPr lang="en-US" altLang="zh-TW" sz="1400" u="sng" dirty="0" err="1">
+                <a:solidFill>
+                  <a:srgbClr val="6A3E3E"/>
+                </a:solidFill>
+                <a:latin typeface="Courier New" panose="02070309020205020404" pitchFamily="49" charset="0"/>
+              </a:rPr>
+              <a:t>query</a:t>
+            </a:r>
+            <a:r>
+              <a:rPr lang="en-US" altLang="zh-TW" sz="1400" u="sng" dirty="0" err="1">
+                <a:solidFill>
+                  <a:srgbClr val="000000"/>
+                </a:solidFill>
+                <a:latin typeface="Courier New" panose="02070309020205020404" pitchFamily="49" charset="0"/>
+              </a:rPr>
+              <a:t>.getResultList</a:t>
+            </a:r>
+            <a:r>
+              <a:rPr lang="en-US" altLang="zh-TW" sz="1400" u="sng" dirty="0">
+                <a:solidFill>
+                  <a:srgbClr val="000000"/>
+                </a:solidFill>
+                <a:latin typeface="Courier New" panose="02070309020205020404" pitchFamily="49" charset="0"/>
+              </a:rPr>
+              <a:t>();</a:t>
+            </a:r>
+          </a:p>
+          <a:p>
+            <a:r>
+              <a:rPr lang="en-US" altLang="zh-TW" sz="1400" dirty="0">
+                <a:solidFill>
+                  <a:srgbClr val="000000"/>
+                </a:solidFill>
+                <a:latin typeface="Courier New" panose="02070309020205020404" pitchFamily="49" charset="0"/>
+              </a:rPr>
+              <a:t>      </a:t>
+            </a:r>
+            <a:r>
+              <a:rPr lang="en-US" altLang="zh-TW" sz="1400" b="1" dirty="0">
+                <a:solidFill>
+                  <a:srgbClr val="7F0055"/>
+                </a:solidFill>
+                <a:latin typeface="Courier New" panose="02070309020205020404" pitchFamily="49" charset="0"/>
+              </a:rPr>
+              <a:t>for</a:t>
+            </a:r>
+            <a:r>
+              <a:rPr lang="en-US" altLang="zh-TW" sz="1400" b="1" dirty="0">
+                <a:solidFill>
+                  <a:srgbClr val="000000"/>
+                </a:solidFill>
+                <a:latin typeface="Courier New" panose="02070309020205020404" pitchFamily="49" charset="0"/>
+              </a:rPr>
+              <a:t> (Person </a:t>
+            </a:r>
+            <a:r>
+              <a:rPr lang="en-US" altLang="zh-TW" sz="1400" b="1" dirty="0">
+                <a:solidFill>
+                  <a:srgbClr val="6A3E3E"/>
+                </a:solidFill>
+                <a:latin typeface="Courier New" panose="02070309020205020404" pitchFamily="49" charset="0"/>
+              </a:rPr>
+              <a:t>item</a:t>
+            </a:r>
+            <a:r>
+              <a:rPr lang="en-US" altLang="zh-TW" sz="1400" b="1" dirty="0">
+                <a:solidFill>
+                  <a:srgbClr val="000000"/>
+                </a:solidFill>
+                <a:latin typeface="Courier New" panose="02070309020205020404" pitchFamily="49" charset="0"/>
+              </a:rPr>
+              <a:t>: </a:t>
+            </a:r>
+            <a:r>
+              <a:rPr lang="en-US" altLang="zh-TW" sz="1400" b="1" dirty="0" err="1">
+                <a:solidFill>
+                  <a:srgbClr val="6A3E3E"/>
+                </a:solidFill>
+                <a:latin typeface="Courier New" panose="02070309020205020404" pitchFamily="49" charset="0"/>
+              </a:rPr>
+              <a:t>personList</a:t>
+            </a:r>
+            <a:r>
+              <a:rPr lang="en-US" altLang="zh-TW" sz="1400" b="1" dirty="0">
+                <a:solidFill>
+                  <a:srgbClr val="000000"/>
+                </a:solidFill>
+                <a:latin typeface="Courier New" panose="02070309020205020404" pitchFamily="49" charset="0"/>
+              </a:rPr>
+              <a:t>) {</a:t>
+            </a:r>
+          </a:p>
+          <a:p>
+            <a:r>
+              <a:rPr lang="en-US" altLang="zh-TW" sz="1400" dirty="0" smtClean="0">
+                <a:solidFill>
+                  <a:srgbClr val="000000"/>
+                </a:solidFill>
+                <a:latin typeface="Courier New" panose="02070309020205020404" pitchFamily="49" charset="0"/>
+              </a:rPr>
+              <a:t>          </a:t>
+            </a:r>
+            <a:r>
+              <a:rPr lang="en-US" altLang="zh-TW" sz="1400" dirty="0" err="1">
+                <a:solidFill>
+                  <a:srgbClr val="000000"/>
+                </a:solidFill>
+                <a:latin typeface="Courier New" panose="02070309020205020404" pitchFamily="49" charset="0"/>
+              </a:rPr>
+              <a:t>System.</a:t>
+            </a:r>
+            <a:r>
+              <a:rPr lang="en-US" altLang="zh-TW" sz="1400" b="1" i="1" dirty="0" err="1">
+                <a:solidFill>
+                  <a:srgbClr val="0000C0"/>
+                </a:solidFill>
+                <a:latin typeface="Courier New" panose="02070309020205020404" pitchFamily="49" charset="0"/>
+              </a:rPr>
+              <a:t>out</a:t>
+            </a:r>
+            <a:r>
+              <a:rPr lang="en-US" altLang="zh-TW" sz="1400" b="1" i="1" dirty="0" err="1">
+                <a:solidFill>
+                  <a:srgbClr val="000000"/>
+                </a:solidFill>
+                <a:latin typeface="Courier New" panose="02070309020205020404" pitchFamily="49" charset="0"/>
+              </a:rPr>
+              <a:t>.println</a:t>
+            </a:r>
+            <a:r>
+              <a:rPr lang="en-US" altLang="zh-TW" sz="1400" b="1" i="1" dirty="0">
+                <a:solidFill>
+                  <a:srgbClr val="000000"/>
+                </a:solidFill>
+                <a:latin typeface="Courier New" panose="02070309020205020404" pitchFamily="49" charset="0"/>
+              </a:rPr>
+              <a:t>(</a:t>
+            </a:r>
+            <a:r>
+              <a:rPr lang="en-US" altLang="zh-TW" sz="1400" b="1" i="1" dirty="0">
+                <a:solidFill>
+                  <a:srgbClr val="2A00FF"/>
+                </a:solidFill>
+                <a:latin typeface="Courier New" panose="02070309020205020404" pitchFamily="49" charset="0"/>
+              </a:rPr>
+              <a:t>"list: "</a:t>
+            </a:r>
+            <a:r>
+              <a:rPr lang="en-US" altLang="zh-TW" sz="1400" b="1" i="1" dirty="0">
+                <a:solidFill>
+                  <a:srgbClr val="000000"/>
+                </a:solidFill>
+                <a:latin typeface="Courier New" panose="02070309020205020404" pitchFamily="49" charset="0"/>
+              </a:rPr>
+              <a:t> + </a:t>
+            </a:r>
+            <a:r>
+              <a:rPr lang="en-US" altLang="zh-TW" sz="1400" b="1" i="1" dirty="0" err="1">
+                <a:solidFill>
+                  <a:srgbClr val="6A3E3E"/>
+                </a:solidFill>
+                <a:latin typeface="Courier New" panose="02070309020205020404" pitchFamily="49" charset="0"/>
+              </a:rPr>
+              <a:t>item</a:t>
+            </a:r>
+            <a:r>
+              <a:rPr lang="en-US" altLang="zh-TW" sz="1400" b="1" i="1" dirty="0" err="1">
+                <a:solidFill>
+                  <a:srgbClr val="000000"/>
+                </a:solidFill>
+                <a:latin typeface="Courier New" panose="02070309020205020404" pitchFamily="49" charset="0"/>
+              </a:rPr>
+              <a:t>.toString</a:t>
+            </a:r>
+            <a:r>
+              <a:rPr lang="en-US" altLang="zh-TW" sz="1400" b="1" i="1" dirty="0">
+                <a:solidFill>
+                  <a:srgbClr val="000000"/>
+                </a:solidFill>
+                <a:latin typeface="Courier New" panose="02070309020205020404" pitchFamily="49" charset="0"/>
+              </a:rPr>
+              <a:t>());</a:t>
+            </a:r>
+          </a:p>
+          <a:p>
+            <a:r>
+              <a:rPr lang="zh-TW" altLang="en-US" sz="1400" dirty="0">
+                <a:solidFill>
+                  <a:srgbClr val="000000"/>
+                </a:solidFill>
+                <a:latin typeface="Courier New" panose="02070309020205020404" pitchFamily="49" charset="0"/>
+              </a:rPr>
+              <a:t>      </a:t>
+            </a:r>
+            <a:r>
+              <a:rPr lang="en-US" altLang="zh-TW" sz="1400" dirty="0">
+                <a:solidFill>
+                  <a:srgbClr val="000000"/>
+                </a:solidFill>
+                <a:latin typeface="Courier New" panose="02070309020205020404" pitchFamily="49" charset="0"/>
+              </a:rPr>
+              <a:t>}</a:t>
+            </a:r>
+          </a:p>
+          <a:p>
+            <a:r>
+              <a:rPr lang="zh-TW" altLang="en-US" sz="1400" dirty="0">
+                <a:solidFill>
+                  <a:srgbClr val="000000"/>
+                </a:solidFill>
+                <a:latin typeface="Courier New" panose="02070309020205020404" pitchFamily="49" charset="0"/>
+              </a:rPr>
+              <a:t>      </a:t>
+            </a:r>
+          </a:p>
+          <a:p>
+            <a:r>
+              <a:rPr lang="en-US" altLang="zh-TW" sz="1400" dirty="0">
+                <a:solidFill>
+                  <a:srgbClr val="000000"/>
+                </a:solidFill>
+                <a:latin typeface="Courier New" panose="02070309020205020404" pitchFamily="49" charset="0"/>
+              </a:rPr>
+              <a:t>      </a:t>
+            </a:r>
+            <a:r>
+              <a:rPr lang="en-US" altLang="zh-TW" sz="1400" dirty="0" err="1">
+                <a:solidFill>
+                  <a:srgbClr val="6A3E3E"/>
+                </a:solidFill>
+                <a:latin typeface="Courier New" panose="02070309020205020404" pitchFamily="49" charset="0"/>
+              </a:rPr>
+              <a:t>entityManager</a:t>
+            </a:r>
+            <a:r>
+              <a:rPr lang="en-US" altLang="zh-TW" sz="1400" dirty="0" err="1">
+                <a:solidFill>
+                  <a:srgbClr val="000000"/>
+                </a:solidFill>
+                <a:latin typeface="Courier New" panose="02070309020205020404" pitchFamily="49" charset="0"/>
+              </a:rPr>
+              <a:t>.getTransaction</a:t>
+            </a:r>
+            <a:r>
+              <a:rPr lang="en-US" altLang="zh-TW" sz="1400" dirty="0">
+                <a:solidFill>
+                  <a:srgbClr val="000000"/>
+                </a:solidFill>
+                <a:latin typeface="Courier New" panose="02070309020205020404" pitchFamily="49" charset="0"/>
+              </a:rPr>
+              <a:t>().commit();</a:t>
+            </a:r>
+          </a:p>
+          <a:p>
+            <a:r>
+              <a:rPr lang="en-US" altLang="zh-TW" sz="1400" dirty="0">
+                <a:solidFill>
+                  <a:srgbClr val="000000"/>
+                </a:solidFill>
+                <a:latin typeface="Courier New" panose="02070309020205020404" pitchFamily="49" charset="0"/>
+              </a:rPr>
+              <a:t>      </a:t>
+            </a:r>
+            <a:r>
+              <a:rPr lang="en-US" altLang="zh-TW" sz="1400" dirty="0" err="1">
+                <a:solidFill>
+                  <a:srgbClr val="6A3E3E"/>
+                </a:solidFill>
+                <a:latin typeface="Courier New" panose="02070309020205020404" pitchFamily="49" charset="0"/>
+              </a:rPr>
+              <a:t>entityManager</a:t>
+            </a:r>
+            <a:r>
+              <a:rPr lang="en-US" altLang="zh-TW" sz="1400" dirty="0" err="1">
+                <a:solidFill>
+                  <a:srgbClr val="000000"/>
+                </a:solidFill>
+                <a:latin typeface="Courier New" panose="02070309020205020404" pitchFamily="49" charset="0"/>
+              </a:rPr>
+              <a:t>.close</a:t>
+            </a:r>
+            <a:r>
+              <a:rPr lang="en-US" altLang="zh-TW" sz="1400" dirty="0">
+                <a:solidFill>
+                  <a:srgbClr val="000000"/>
+                </a:solidFill>
+                <a:latin typeface="Courier New" panose="02070309020205020404" pitchFamily="49" charset="0"/>
+              </a:rPr>
+              <a:t>();</a:t>
+            </a:r>
+          </a:p>
+          <a:p>
+            <a:r>
+              <a:rPr lang="en-US" altLang="zh-TW" sz="1400" dirty="0">
+                <a:solidFill>
+                  <a:srgbClr val="000000"/>
+                </a:solidFill>
+                <a:latin typeface="Courier New" panose="02070309020205020404" pitchFamily="49" charset="0"/>
+              </a:rPr>
+              <a:t>      </a:t>
+            </a:r>
+            <a:r>
+              <a:rPr lang="en-US" altLang="zh-TW" sz="1400" dirty="0" err="1">
+                <a:solidFill>
+                  <a:srgbClr val="6A3E3E"/>
+                </a:solidFill>
+                <a:latin typeface="Courier New" panose="02070309020205020404" pitchFamily="49" charset="0"/>
+              </a:rPr>
+              <a:t>emFactory</a:t>
+            </a:r>
+            <a:r>
+              <a:rPr lang="en-US" altLang="zh-TW" sz="1400" dirty="0" err="1">
+                <a:solidFill>
+                  <a:srgbClr val="000000"/>
+                </a:solidFill>
+                <a:latin typeface="Courier New" panose="02070309020205020404" pitchFamily="49" charset="0"/>
+              </a:rPr>
+              <a:t>.close</a:t>
+            </a:r>
+            <a:r>
+              <a:rPr lang="en-US" altLang="zh-TW" sz="1400" dirty="0">
+                <a:solidFill>
+                  <a:srgbClr val="000000"/>
+                </a:solidFill>
+                <a:latin typeface="Courier New" panose="02070309020205020404" pitchFamily="49" charset="0"/>
+              </a:rPr>
+              <a:t>();</a:t>
+            </a:r>
+            <a:endParaRPr lang="zh-TW" altLang="en-US" sz="1400" dirty="0"/>
+          </a:p>
+        </p:txBody>
+      </p:sp>
+    </p:spTree>
+    <p:extLst>
+      <p:ext uri="{BB962C8B-B14F-4D97-AF65-F5344CB8AC3E}">
+        <p14:creationId xmlns:p14="http://schemas.microsoft.com/office/powerpoint/2010/main" val="562749019"/>
+      </p:ext>
+    </p:extLst>
+  </p:cSld>
+  <p:clrMapOvr>
+    <a:masterClrMapping/>
+  </p:clrMapOvr>
+</p:sld>
+</file>
+
+<file path=ppt/slides/slide27.xml><?xml version="1.0" encoding="utf-8"?>
+<p:sld xmlns:a="http://schemas.openxmlformats.org/drawingml/2006/main" xmlns:r="http://schemas.openxmlformats.org/officeDocument/2006/relationships" xmlns:p="http://schemas.openxmlformats.org/presentationml/2006/main">
+  <p:cSld>
+    <p:spTree>
+      <p:nvGrpSpPr>
+        <p:cNvPr id="1" name=""/>
+        <p:cNvGrpSpPr/>
+        <p:nvPr/>
+      </p:nvGrpSpPr>
+      <p:grpSpPr>
+        <a:xfrm>
+          <a:off x="0" y="0"/>
+          <a:ext cx="0" cy="0"/>
+          <a:chOff x="0" y="0"/>
+          <a:chExt cx="0" cy="0"/>
+        </a:xfrm>
+      </p:grpSpPr>
+      <p:sp>
+        <p:nvSpPr>
+          <p:cNvPr id="2" name="標題 1"/>
+          <p:cNvSpPr>
+            <a:spLocks noGrp="1"/>
+          </p:cNvSpPr>
+          <p:nvPr>
+            <p:ph type="title"/>
+          </p:nvPr>
+        </p:nvSpPr>
+        <p:spPr/>
+        <p:txBody>
+          <a:bodyPr/>
+          <a:lstStyle/>
+          <a:p>
+            <a:endParaRPr lang="zh-TW" altLang="en-US" dirty="0"/>
+          </a:p>
+        </p:txBody>
+      </p:sp>
+      <p:sp>
+        <p:nvSpPr>
+          <p:cNvPr id="3" name="內容版面配置區 2"/>
+          <p:cNvSpPr>
+            <a:spLocks noGrp="1"/>
+          </p:cNvSpPr>
+          <p:nvPr>
+            <p:ph idx="1"/>
+          </p:nvPr>
+        </p:nvSpPr>
+        <p:spPr/>
+        <p:txBody>
+          <a:bodyPr/>
+          <a:lstStyle/>
+          <a:p>
+            <a:r>
+              <a:rPr lang="en-US" altLang="zh-TW" dirty="0" smtClean="0"/>
+              <a:t>Basic</a:t>
+            </a:r>
+          </a:p>
+          <a:p>
+            <a:pPr lvl="1"/>
+            <a:r>
+              <a:rPr lang="en-US" altLang="zh-TW" dirty="0" smtClean="0"/>
+              <a:t>from Person p</a:t>
+            </a:r>
+          </a:p>
+          <a:p>
+            <a:pPr lvl="1"/>
+            <a:r>
+              <a:rPr lang="en-US" altLang="zh-TW" dirty="0" smtClean="0"/>
+              <a:t>select p from Person p</a:t>
+            </a:r>
+          </a:p>
+          <a:p>
+            <a:r>
+              <a:rPr lang="en-US" altLang="zh-TW" dirty="0"/>
+              <a:t>Between, And, Like Keywords</a:t>
+            </a:r>
+          </a:p>
+          <a:p>
+            <a:pPr lvl="1"/>
+            <a:r>
+              <a:rPr lang="en-US" altLang="zh-TW" dirty="0" smtClean="0"/>
+              <a:t>Select </a:t>
+            </a:r>
+            <a:r>
+              <a:rPr lang="en-US" altLang="zh-TW" dirty="0"/>
+              <a:t>e </a:t>
+            </a:r>
+            <a:r>
+              <a:rPr lang="en-US" altLang="zh-TW" dirty="0" smtClean="0"/>
+              <a:t>from </a:t>
+            </a:r>
+            <a:r>
+              <a:rPr lang="en-US" altLang="zh-TW" dirty="0"/>
+              <a:t>Employee e </a:t>
+            </a:r>
+            <a:r>
+              <a:rPr lang="en-US" altLang="zh-TW" dirty="0" smtClean="0"/>
+              <a:t>where </a:t>
+            </a:r>
+            <a:r>
+              <a:rPr lang="en-US" altLang="zh-TW" dirty="0" err="1"/>
+              <a:t>e.salary</a:t>
+            </a:r>
+            <a:r>
+              <a:rPr lang="en-US" altLang="zh-TW" dirty="0"/>
+              <a:t> </a:t>
+            </a:r>
+            <a:r>
+              <a:rPr lang="en-US" altLang="zh-TW" dirty="0" smtClean="0"/>
+              <a:t>Between </a:t>
+            </a:r>
+            <a:r>
+              <a:rPr lang="en-US" altLang="zh-TW" dirty="0"/>
+              <a:t>30000 and </a:t>
+            </a:r>
+            <a:r>
+              <a:rPr lang="en-US" altLang="zh-TW" dirty="0" smtClean="0"/>
+              <a:t>40000</a:t>
+            </a:r>
+          </a:p>
+          <a:p>
+            <a:pPr lvl="1"/>
+            <a:r>
+              <a:rPr lang="en-US" altLang="zh-TW" dirty="0"/>
+              <a:t>"Select e " + "from Employee e " + "where </a:t>
+            </a:r>
+            <a:r>
+              <a:rPr lang="en-US" altLang="zh-TW" dirty="0" err="1"/>
+              <a:t>e.ename</a:t>
+            </a:r>
+            <a:r>
+              <a:rPr lang="en-US" altLang="zh-TW" dirty="0"/>
+              <a:t> LIKE 'M</a:t>
+            </a:r>
+            <a:r>
+              <a:rPr lang="en-US" altLang="zh-TW" dirty="0" smtClean="0"/>
+              <a:t>%'“</a:t>
+            </a:r>
+          </a:p>
+          <a:p>
+            <a:pPr lvl="1"/>
+            <a:endParaRPr lang="en-US" altLang="zh-TW" dirty="0" smtClean="0"/>
+          </a:p>
+          <a:p>
+            <a:endParaRPr lang="zh-TW" altLang="en-US" dirty="0"/>
+          </a:p>
+        </p:txBody>
+      </p:sp>
+    </p:spTree>
+    <p:extLst>
+      <p:ext uri="{BB962C8B-B14F-4D97-AF65-F5344CB8AC3E}">
+        <p14:creationId xmlns:p14="http://schemas.microsoft.com/office/powerpoint/2010/main" val="484436738"/>
+      </p:ext>
+    </p:extLst>
+  </p:cSld>
+  <p:clrMapOvr>
+    <a:masterClrMapping/>
+  </p:clrMapOvr>
+</p:sld>
+</file>
+
+<file path=ppt/slides/slide28.xml><?xml version="1.0" encoding="utf-8"?>
+<p:sld xmlns:a="http://schemas.openxmlformats.org/drawingml/2006/main" xmlns:r="http://schemas.openxmlformats.org/officeDocument/2006/relationships" xmlns:p="http://schemas.openxmlformats.org/presentationml/2006/main">
+  <p:cSld>
+    <p:spTree>
+      <p:nvGrpSpPr>
+        <p:cNvPr id="1" name=""/>
+        <p:cNvGrpSpPr/>
+        <p:nvPr/>
+      </p:nvGrpSpPr>
+      <p:grpSpPr>
+        <a:xfrm>
+          <a:off x="0" y="0"/>
+          <a:ext cx="0" cy="0"/>
+          <a:chOff x="0" y="0"/>
+          <a:chExt cx="0" cy="0"/>
+        </a:xfrm>
+      </p:grpSpPr>
+      <p:sp>
+        <p:nvSpPr>
+          <p:cNvPr id="2" name="標題 1"/>
+          <p:cNvSpPr>
+            <a:spLocks noGrp="1"/>
+          </p:cNvSpPr>
+          <p:nvPr>
+            <p:ph type="title"/>
+          </p:nvPr>
+        </p:nvSpPr>
+        <p:spPr/>
+        <p:txBody>
+          <a:bodyPr/>
+          <a:lstStyle/>
+          <a:p>
+            <a:endParaRPr lang="zh-TW" altLang="en-US" dirty="0"/>
+          </a:p>
+        </p:txBody>
+      </p:sp>
+      <p:sp>
+        <p:nvSpPr>
+          <p:cNvPr id="3" name="內容版面配置區 2"/>
+          <p:cNvSpPr>
+            <a:spLocks noGrp="1"/>
+          </p:cNvSpPr>
+          <p:nvPr>
+            <p:ph idx="1"/>
+          </p:nvPr>
+        </p:nvSpPr>
+        <p:spPr/>
+        <p:txBody>
+          <a:bodyPr/>
+          <a:lstStyle/>
+          <a:p>
+            <a:r>
               <a:rPr lang="en-US" altLang="zh-TW" dirty="0"/>
               <a:t>JPA defines a persistence unit through the </a:t>
             </a:r>
@@ -3429,7 +8918,7 @@
 </p:sld>
 </file>
 
-<file path=ppt/slides/slide13.xml><?xml version="1.0" encoding="utf-8"?>
+<file path=ppt/slides/slide29.xml><?xml version="1.0" encoding="utf-8"?>
 <p:sld xmlns:a="http://schemas.openxmlformats.org/drawingml/2006/main" xmlns:r="http://schemas.openxmlformats.org/officeDocument/2006/relationships" xmlns:p="http://schemas.openxmlformats.org/presentationml/2006/main">
   <p:cSld>
     <p:spTree>
@@ -3558,7 +9047,184 @@
 </p:sld>
 </file>
 
-<file path=ppt/slides/slide14.xml><?xml version="1.0" encoding="utf-8"?>
+<file path=ppt/slides/slide3.xml><?xml version="1.0" encoding="utf-8"?>
+<p:sld xmlns:a="http://schemas.openxmlformats.org/drawingml/2006/main" xmlns:r="http://schemas.openxmlformats.org/officeDocument/2006/relationships" xmlns:p="http://schemas.openxmlformats.org/presentationml/2006/main">
+  <p:cSld>
+    <p:spTree>
+      <p:nvGrpSpPr>
+        <p:cNvPr id="1" name=""/>
+        <p:cNvGrpSpPr/>
+        <p:nvPr/>
+      </p:nvGrpSpPr>
+      <p:grpSpPr>
+        <a:xfrm>
+          <a:off x="0" y="0"/>
+          <a:ext cx="0" cy="0"/>
+          <a:chOff x="0" y="0"/>
+          <a:chExt cx="0" cy="0"/>
+        </a:xfrm>
+      </p:grpSpPr>
+      <p:sp>
+        <p:nvSpPr>
+          <p:cNvPr id="2" name="標題 1"/>
+          <p:cNvSpPr>
+            <a:spLocks noGrp="1"/>
+          </p:cNvSpPr>
+          <p:nvPr>
+            <p:ph type="title"/>
+          </p:nvPr>
+        </p:nvSpPr>
+        <p:spPr/>
+        <p:txBody>
+          <a:bodyPr/>
+          <a:lstStyle/>
+          <a:p>
+            <a:r>
+              <a:rPr lang="en-US" altLang="zh-TW" dirty="0"/>
+              <a:t>History</a:t>
+            </a:r>
+            <a:endParaRPr lang="zh-TW" altLang="en-US" dirty="0"/>
+          </a:p>
+        </p:txBody>
+      </p:sp>
+      <p:sp>
+        <p:nvSpPr>
+          <p:cNvPr id="3" name="內容版面配置區 2"/>
+          <p:cNvSpPr>
+            <a:spLocks noGrp="1"/>
+          </p:cNvSpPr>
+          <p:nvPr>
+            <p:ph idx="1"/>
+          </p:nvPr>
+        </p:nvSpPr>
+        <p:spPr/>
+        <p:txBody>
+          <a:bodyPr>
+            <a:normAutofit fontScale="70000" lnSpcReduction="20000"/>
+          </a:bodyPr>
+          <a:lstStyle/>
+          <a:p>
+            <a:r>
+              <a:rPr lang="en-US" altLang="zh-TW" dirty="0"/>
+              <a:t>JPA 1.0 - released in 2006 as a part of EJB 3.0 specification.</a:t>
+            </a:r>
+          </a:p>
+          <a:p>
+            <a:r>
+              <a:rPr lang="en-US" altLang="zh-TW" dirty="0"/>
+              <a:t>JPA 2.0 - released in the last of 2009. </a:t>
+            </a:r>
+          </a:p>
+          <a:p>
+            <a:pPr lvl="1"/>
+            <a:r>
+              <a:rPr lang="en-US" altLang="zh-TW" dirty="0"/>
+              <a:t>It supports validation.</a:t>
+            </a:r>
+          </a:p>
+          <a:p>
+            <a:pPr lvl="1"/>
+            <a:r>
+              <a:rPr lang="en-US" altLang="zh-TW" dirty="0"/>
+              <a:t>It expands the functionality of object-relational mapping.</a:t>
+            </a:r>
+          </a:p>
+          <a:p>
+            <a:pPr lvl="1"/>
+            <a:r>
+              <a:rPr lang="en-US" altLang="zh-TW" dirty="0"/>
+              <a:t>It shares the object of cache support.</a:t>
+            </a:r>
+          </a:p>
+          <a:p>
+            <a:r>
+              <a:rPr lang="en-US" altLang="zh-TW" dirty="0"/>
+              <a:t>JPA 2.1 - released in 2013</a:t>
+            </a:r>
+          </a:p>
+          <a:p>
+            <a:pPr lvl="1"/>
+            <a:r>
+              <a:rPr lang="en-US" altLang="zh-TW" dirty="0"/>
+              <a:t>It allows fetching of objects.</a:t>
+            </a:r>
+          </a:p>
+          <a:p>
+            <a:pPr lvl="1"/>
+            <a:r>
+              <a:rPr lang="en-US" altLang="zh-TW" dirty="0"/>
+              <a:t>It provides support for criteria update/delete.</a:t>
+            </a:r>
+          </a:p>
+          <a:p>
+            <a:pPr lvl="1"/>
+            <a:r>
+              <a:rPr lang="en-US" altLang="zh-TW" dirty="0"/>
+              <a:t>It generates schema.</a:t>
+            </a:r>
+          </a:p>
+          <a:p>
+            <a:r>
+              <a:rPr lang="en-US" altLang="zh-TW" dirty="0"/>
+              <a:t>JPA 2.2 - released as a development of </a:t>
+            </a:r>
+            <a:r>
+              <a:rPr lang="en-US" altLang="zh-TW" dirty="0" err="1"/>
+              <a:t>maintainenece</a:t>
+            </a:r>
+            <a:r>
+              <a:rPr lang="en-US" altLang="zh-TW" dirty="0"/>
+              <a:t> in 2017.</a:t>
+            </a:r>
+          </a:p>
+          <a:p>
+            <a:pPr lvl="1"/>
+            <a:r>
+              <a:rPr lang="en-US" altLang="zh-TW" dirty="0"/>
+              <a:t> It supports Java 8 Date and Time.</a:t>
+            </a:r>
+          </a:p>
+          <a:p>
+            <a:pPr lvl="1"/>
+            <a:r>
+              <a:rPr lang="en-US" altLang="zh-TW" dirty="0"/>
+              <a:t>It provides @Repeatable annotation that can be used when we want to apply the same annotations to a declaration or type use.</a:t>
+            </a:r>
+          </a:p>
+          <a:p>
+            <a:pPr lvl="1"/>
+            <a:r>
+              <a:rPr lang="en-US" altLang="zh-TW" dirty="0"/>
+              <a:t>It allows JPA annotation to be used in meta-annotations.</a:t>
+            </a:r>
+          </a:p>
+          <a:p>
+            <a:pPr lvl="1"/>
+            <a:r>
+              <a:rPr lang="en-US" altLang="zh-TW" dirty="0"/>
+              <a:t>It provides an ability to stream a query result.</a:t>
+            </a:r>
+            <a:br>
+              <a:rPr lang="en-US" altLang="zh-TW" dirty="0"/>
+            </a:br>
+            <a:endParaRPr lang="zh-TW" altLang="en-US" dirty="0"/>
+          </a:p>
+        </p:txBody>
+      </p:sp>
+    </p:spTree>
+    <p:extLst>
+      <p:ext uri="{BB962C8B-B14F-4D97-AF65-F5344CB8AC3E}">
+        <p14:creationId xmlns:p14="http://schemas.microsoft.com/office/powerpoint/2010/main" val="1029032219"/>
+      </p:ext>
+    </p:extLst>
+  </p:cSld>
+  <p:clrMapOvr>
+    <a:masterClrMapping/>
+  </p:clrMapOvr>
+</p:sld>
+</file>
+
+<file path=ppt/slides/slide30.xml><?xml version="1.0" encoding="utf-8"?>
 <p:sld xmlns:a="http://schemas.openxmlformats.org/drawingml/2006/main" xmlns:r="http://schemas.openxmlformats.org/officeDocument/2006/relationships" xmlns:p="http://schemas.openxmlformats.org/presentationml/2006/main">
   <p:cSld>
     <p:spTree>
@@ -3642,7 +9308,7 @@
 </p:sld>
 </file>
 
-<file path=ppt/slides/slide15.xml><?xml version="1.0" encoding="utf-8"?>
+<file path=ppt/slides/slide31.xml><?xml version="1.0" encoding="utf-8"?>
 <p:sld xmlns:a="http://schemas.openxmlformats.org/drawingml/2006/main" xmlns:r="http://schemas.openxmlformats.org/officeDocument/2006/relationships" xmlns:p="http://schemas.openxmlformats.org/presentationml/2006/main">
   <p:cSld>
     <p:spTree>
@@ -4280,7 +9946,7 @@
 </p:sld>
 </file>
 
-<file path=ppt/slides/slide16.xml><?xml version="1.0" encoding="utf-8"?>
+<file path=ppt/slides/slide32.xml><?xml version="1.0" encoding="utf-8"?>
 <p:sld xmlns:a="http://schemas.openxmlformats.org/drawingml/2006/main" xmlns:r="http://schemas.openxmlformats.org/officeDocument/2006/relationships" xmlns:p="http://schemas.openxmlformats.org/presentationml/2006/main">
   <p:cSld>
     <p:spTree>
@@ -4364,7 +10030,7 @@
 </p:sld>
 </file>
 
-<file path=ppt/slides/slide17.xml><?xml version="1.0" encoding="utf-8"?>
+<file path=ppt/slides/slide33.xml><?xml version="1.0" encoding="utf-8"?>
 <p:sld xmlns:a="http://schemas.openxmlformats.org/drawingml/2006/main" xmlns:r="http://schemas.openxmlformats.org/officeDocument/2006/relationships" xmlns:p="http://schemas.openxmlformats.org/presentationml/2006/main">
   <p:cSld>
     <p:spTree>
@@ -5774,7 +11440,7 @@
 </p:sld>
 </file>
 
-<file path=ppt/slides/slide18.xml><?xml version="1.0" encoding="utf-8"?>
+<file path=ppt/slides/slide34.xml><?xml version="1.0" encoding="utf-8"?>
 <p:sld xmlns:a="http://schemas.openxmlformats.org/drawingml/2006/main" xmlns:r="http://schemas.openxmlformats.org/officeDocument/2006/relationships" xmlns:p="http://schemas.openxmlformats.org/presentationml/2006/main">
   <p:cSld>
     <p:spTree>
@@ -6149,7 +11815,7 @@
 </p:sld>
 </file>
 
-<file path=ppt/slides/slide19.xml><?xml version="1.0" encoding="utf-8"?>
+<file path=ppt/slides/slide35.xml><?xml version="1.0" encoding="utf-8"?>
 <p:sld xmlns:a="http://schemas.openxmlformats.org/drawingml/2006/main" xmlns:r="http://schemas.openxmlformats.org/officeDocument/2006/relationships" xmlns:p="http://schemas.openxmlformats.org/presentationml/2006/main">
   <p:cSld>
     <p:spTree>
@@ -6571,7 +12237,7 @@
 </p:sld>
 </file>
 
-<file path=ppt/slides/slide2.xml><?xml version="1.0" encoding="utf-8"?>
+<file path=ppt/slides/slide36.xml><?xml version="1.0" encoding="utf-8"?>
 <p:sld xmlns:a="http://schemas.openxmlformats.org/drawingml/2006/main" xmlns:r="http://schemas.openxmlformats.org/officeDocument/2006/relationships" xmlns:p="http://schemas.openxmlformats.org/presentationml/2006/main">
   <p:cSld>
     <p:spTree>
@@ -6603,11 +12269,7 @@
           <a:bodyPr/>
           <a:lstStyle/>
           <a:p>
-            <a:r>
-              <a:rPr lang="en-US" altLang="zh-TW" dirty="0"/>
-              <a:t>Introduction</a:t>
-            </a:r>
-            <a:endParaRPr lang="zh-TW" altLang="en-US" dirty="0"/>
+            <a:endParaRPr lang="zh-TW" altLang="en-US"/>
           </a:p>
         </p:txBody>
       </p:sp>
@@ -6626,79 +12288,14 @@
           <a:bodyPr/>
           <a:lstStyle/>
           <a:p>
-            <a:r>
-              <a:rPr lang="en-US" altLang="zh-TW" dirty="0"/>
-              <a:t> </a:t>
-            </a:r>
-            <a:r>
-              <a:rPr lang="en-US" altLang="zh-TW" i="1" dirty="0"/>
-              <a:t>Object-relational mapping</a:t>
-            </a:r>
-            <a:r>
-              <a:rPr lang="en-US" altLang="zh-TW" dirty="0"/>
-              <a:t> (ORM)</a:t>
-            </a:r>
-          </a:p>
-          <a:p>
-            <a:pPr lvl="1"/>
-            <a:r>
-              <a:rPr lang="en-US" altLang="zh-TW" dirty="0"/>
-              <a:t>Mapping object models (Java programs) to relational models (database tables, fields) and vice versa</a:t>
-            </a:r>
-          </a:p>
-          <a:p>
-            <a:r>
-              <a:rPr lang="en-US" altLang="zh-TW" dirty="0"/>
-              <a:t> Java Persistence API (JPA)</a:t>
-            </a:r>
-          </a:p>
-          <a:p>
-            <a:pPr lvl="1"/>
-            <a:r>
-              <a:rPr lang="en-US" altLang="zh-TW" dirty="0"/>
-              <a:t>a vendor independent specification for ORM</a:t>
-            </a:r>
-          </a:p>
-          <a:p>
-            <a:r>
-              <a:rPr lang="en-US" altLang="zh-TW" dirty="0"/>
-              <a:t>Popular JPA Providers</a:t>
-            </a:r>
-          </a:p>
-          <a:p>
-            <a:pPr lvl="1"/>
-            <a:r>
-              <a:rPr lang="en-US" altLang="zh-TW" dirty="0"/>
-              <a:t>Hibernate, </a:t>
-            </a:r>
-            <a:r>
-              <a:rPr lang="en-US" altLang="zh-TW" dirty="0" err="1"/>
-              <a:t>Toplink</a:t>
-            </a:r>
-            <a:r>
-              <a:rPr lang="en-US" altLang="zh-TW" dirty="0"/>
-              <a:t>, </a:t>
-            </a:r>
-            <a:r>
-              <a:rPr lang="en-US" altLang="zh-TW" dirty="0" err="1"/>
-              <a:t>EclipseLink</a:t>
-            </a:r>
-            <a:r>
-              <a:rPr lang="en-US" altLang="zh-TW" dirty="0"/>
-              <a:t> and Apache </a:t>
-            </a:r>
-            <a:r>
-              <a:rPr lang="en-US" altLang="zh-TW" dirty="0" err="1"/>
-              <a:t>OpenJPA</a:t>
-            </a:r>
-            <a:endParaRPr lang="zh-TW" altLang="en-US" dirty="0"/>
+            <a:endParaRPr lang="zh-TW" altLang="en-US"/>
           </a:p>
         </p:txBody>
       </p:sp>
     </p:spTree>
     <p:extLst>
       <p:ext uri="{BB962C8B-B14F-4D97-AF65-F5344CB8AC3E}">
-        <p14:creationId xmlns:p14="http://schemas.microsoft.com/office/powerpoint/2010/main" val="2155756706"/>
+        <p14:creationId xmlns:p14="http://schemas.microsoft.com/office/powerpoint/2010/main" val="176624672"/>
       </p:ext>
     </p:extLst>
   </p:cSld>
@@ -6708,7 +12305,7 @@
 </p:sld>
 </file>
 
-<file path=ppt/slides/slide20.xml><?xml version="1.0" encoding="utf-8"?>
+<file path=ppt/slides/slide37.xml><?xml version="1.0" encoding="utf-8"?>
 <p:sld xmlns:a="http://schemas.openxmlformats.org/drawingml/2006/main" xmlns:r="http://schemas.openxmlformats.org/officeDocument/2006/relationships" xmlns:p="http://schemas.openxmlformats.org/presentationml/2006/main">
   <p:cSld>
     <p:spTree>
@@ -6792,7 +12389,7 @@
 </p:sld>
 </file>
 
-<file path=ppt/slides/slide21.xml><?xml version="1.0" encoding="utf-8"?>
+<file path=ppt/slides/slide38.xml><?xml version="1.0" encoding="utf-8"?>
 <p:sld xmlns:a="http://schemas.openxmlformats.org/drawingml/2006/main" xmlns:r="http://schemas.openxmlformats.org/officeDocument/2006/relationships" xmlns:p="http://schemas.openxmlformats.org/presentationml/2006/main">
   <p:cSld>
     <p:spTree>
@@ -8462,7 +14059,7 @@
 </p:sld>
 </file>
 
-<file path=ppt/slides/slide22.xml><?xml version="1.0" encoding="utf-8"?>
+<file path=ppt/slides/slide39.xml><?xml version="1.0" encoding="utf-8"?>
 <p:sld xmlns:a="http://schemas.openxmlformats.org/drawingml/2006/main" xmlns:r="http://schemas.openxmlformats.org/officeDocument/2006/relationships" xmlns:p="http://schemas.openxmlformats.org/presentationml/2006/main">
   <p:cSld>
     <p:spTree>
@@ -8542,7 +14139,7 @@
 </p:sld>
 </file>
 
-<file path=ppt/slides/slide23.xml><?xml version="1.0" encoding="utf-8"?>
+<file path=ppt/slides/slide4.xml><?xml version="1.0" encoding="utf-8"?>
 <p:sld xmlns:a="http://schemas.openxmlformats.org/drawingml/2006/main" xmlns:r="http://schemas.openxmlformats.org/officeDocument/2006/relationships" xmlns:p="http://schemas.openxmlformats.org/presentationml/2006/main">
   <p:cSld>
     <p:spTree>
@@ -8575,8 +14172,19 @@
           <a:lstStyle/>
           <a:p>
             <a:r>
+              <a:rPr lang="en-US" altLang="zh-TW" dirty="0" smtClean="0"/>
+              <a:t>ORM</a:t>
+            </a:r>
+            <a:br>
+              <a:rPr lang="en-US" altLang="zh-TW" dirty="0" smtClean="0"/>
+            </a:br>
+            <a:r>
+              <a:rPr lang="en-US" altLang="zh-TW" dirty="0" smtClean="0"/>
+              <a:t>Mapping </a:t>
+            </a:r>
+            <a:r>
               <a:rPr lang="en-US" altLang="zh-TW" dirty="0"/>
-              <a:t>references</a:t>
+              <a:t>Directions</a:t>
             </a:r>
             <a:endParaRPr lang="zh-TW" altLang="en-US" dirty="0"/>
           </a:p>
@@ -8598,33 +14206,68 @@
           <a:lstStyle/>
           <a:p>
             <a:r>
+              <a:rPr lang="en-US" altLang="zh-TW" dirty="0" smtClean="0"/>
+              <a:t>Unidirectional </a:t>
+            </a:r>
+            <a:r>
               <a:rPr lang="en-US" altLang="zh-TW" dirty="0"/>
-              <a:t>https://www.tutorialspoint.com/jpa/index.htm</a:t>
-            </a:r>
-          </a:p>
-          <a:p>
-            <a:endParaRPr lang="en-US" altLang="zh-TW" dirty="0"/>
-          </a:p>
-          <a:p>
+              <a:t>relationship </a:t>
+            </a:r>
+            <a:endParaRPr lang="en-US" altLang="zh-TW" dirty="0" smtClean="0"/>
+          </a:p>
+          <a:p>
+            <a:pPr lvl="1"/>
+            <a:r>
+              <a:rPr lang="en-US" altLang="zh-TW" dirty="0" smtClean="0"/>
+              <a:t>In </a:t>
+            </a:r>
             <a:r>
               <a:rPr lang="en-US" altLang="zh-TW" dirty="0"/>
-              <a:t>https://www.javatpoint.com/jpa-tutorial</a:t>
-            </a:r>
-          </a:p>
-          <a:p>
-            <a:endParaRPr lang="en-US" altLang="zh-TW" dirty="0"/>
-          </a:p>
-          <a:p>
+              <a:t>this relationship, only one entity can refer the properties to another</a:t>
+            </a:r>
+            <a:r>
+              <a:rPr lang="en-US" altLang="zh-TW" dirty="0" smtClean="0"/>
+              <a:t>. </a:t>
+            </a:r>
+          </a:p>
+          <a:p>
+            <a:pPr lvl="1"/>
+            <a:r>
+              <a:rPr lang="en-US" altLang="zh-TW" dirty="0" smtClean="0"/>
+              <a:t>It contains only one owing side that specifies how an update can be made in the database.</a:t>
+            </a:r>
+          </a:p>
+          <a:p>
+            <a:endParaRPr lang="en-US" altLang="zh-TW" dirty="0" smtClean="0"/>
+          </a:p>
+          <a:p>
+            <a:r>
+              <a:rPr lang="en-US" altLang="zh-TW" dirty="0" smtClean="0"/>
+              <a:t>Bidirectional </a:t>
+            </a:r>
             <a:r>
               <a:rPr lang="en-US" altLang="zh-TW" dirty="0"/>
-              <a:t>A Guide to JPA with Spring</a:t>
-            </a:r>
+              <a:t>relationship </a:t>
+            </a:r>
+            <a:endParaRPr lang="en-US" altLang="zh-TW" dirty="0" smtClean="0"/>
           </a:p>
           <a:p>
             <a:pPr lvl="1"/>
             <a:r>
+              <a:rPr lang="en-US" altLang="zh-TW" dirty="0" smtClean="0"/>
+              <a:t>This </a:t>
+            </a:r>
+            <a:r>
               <a:rPr lang="en-US" altLang="zh-TW" dirty="0"/>
-              <a:t>https://www.baeldung.com/the-persistence-layer-with-spring-and-jpa</a:t>
+              <a:t>relationship contains an owning side as well as an inverse side. </a:t>
+            </a:r>
+            <a:endParaRPr lang="en-US" altLang="zh-TW" dirty="0" smtClean="0"/>
+          </a:p>
+          <a:p>
+            <a:pPr lvl="1"/>
+            <a:r>
+              <a:rPr lang="en-US" altLang="zh-TW" dirty="0" smtClean="0"/>
+              <a:t>So here every entity has a relationship field or refer the property to other entity.</a:t>
             </a:r>
             <a:endParaRPr lang="zh-TW" altLang="en-US" dirty="0"/>
           </a:p>
@@ -8633,7 +14276,7 @@
     </p:spTree>
     <p:extLst>
       <p:ext uri="{BB962C8B-B14F-4D97-AF65-F5344CB8AC3E}">
-        <p14:creationId xmlns:p14="http://schemas.microsoft.com/office/powerpoint/2010/main" val="2271923094"/>
+        <p14:creationId xmlns:p14="http://schemas.microsoft.com/office/powerpoint/2010/main" val="864743160"/>
       </p:ext>
     </p:extLst>
   </p:cSld>
@@ -8643,7 +14286,7 @@
 </p:sld>
 </file>
 
-<file path=ppt/slides/slide3.xml><?xml version="1.0" encoding="utf-8"?>
+<file path=ppt/slides/slide40.xml><?xml version="1.0" encoding="utf-8"?>
 <p:sld xmlns:a="http://schemas.openxmlformats.org/drawingml/2006/main" xmlns:r="http://schemas.openxmlformats.org/officeDocument/2006/relationships" xmlns:p="http://schemas.openxmlformats.org/presentationml/2006/main">
   <p:cSld>
     <p:spTree>
@@ -8677,7 +14320,7 @@
           <a:p>
             <a:r>
               <a:rPr lang="en-US" altLang="zh-TW" dirty="0"/>
-              <a:t>History</a:t>
+              <a:t>references</a:t>
             </a:r>
             <a:endParaRPr lang="zh-TW" altLang="en-US" dirty="0"/>
           </a:p>
@@ -8695,114 +14338,54 @@
         </p:nvSpPr>
         <p:spPr/>
         <p:txBody>
-          <a:bodyPr>
-            <a:normAutofit fontScale="70000" lnSpcReduction="20000"/>
-          </a:bodyPr>
+          <a:bodyPr/>
           <a:lstStyle/>
           <a:p>
             <a:r>
               <a:rPr lang="en-US" altLang="zh-TW" dirty="0"/>
-              <a:t>JPA 1.0 - released in 2006 as a part of EJB 3.0 specification.</a:t>
-            </a:r>
+              <a:t>https://www.tutorialspoint.com/jpa/index.htm</a:t>
+            </a:r>
+          </a:p>
+          <a:p>
+            <a:endParaRPr lang="en-US" altLang="zh-TW" dirty="0"/>
           </a:p>
           <a:p>
             <a:r>
               <a:rPr lang="en-US" altLang="zh-TW" dirty="0"/>
-              <a:t>JPA 2.0 - released in the last of 2009. </a:t>
-            </a:r>
+              <a:t>JPA </a:t>
+            </a:r>
+            <a:r>
+              <a:rPr lang="en-US" altLang="zh-TW" dirty="0" smtClean="0"/>
+              <a:t>Tutorial</a:t>
+            </a:r>
+            <a:endParaRPr lang="en-US" altLang="zh-TW" dirty="0" smtClean="0"/>
           </a:p>
           <a:p>
             <a:pPr lvl="1"/>
             <a:r>
+              <a:rPr lang="en-US" altLang="zh-TW" dirty="0" smtClean="0"/>
+              <a:t>https</a:t>
+            </a:r>
+            <a:r>
               <a:rPr lang="en-US" altLang="zh-TW" dirty="0"/>
-              <a:t>It supports validation.</a:t>
+              <a:t>://www.javatpoint.com/jpa-tutorial</a:t>
+            </a:r>
+          </a:p>
+          <a:p>
+            <a:endParaRPr lang="en-US" altLang="zh-TW" dirty="0"/>
+          </a:p>
+          <a:p>
+            <a:r>
+              <a:rPr lang="en-US" altLang="zh-TW" dirty="0"/>
+              <a:t>A Guide to JPA with Spring</a:t>
             </a:r>
           </a:p>
           <a:p>
             <a:pPr lvl="1"/>
             <a:r>
               <a:rPr lang="en-US" altLang="zh-TW" dirty="0"/>
-              <a:t>It expands the functionality of object-relational mapping.</a:t>
-            </a:r>
-          </a:p>
-          <a:p>
-            <a:pPr lvl="1"/>
-            <a:r>
-              <a:rPr lang="en-US" altLang="zh-TW" dirty="0"/>
-              <a:t>It shares the object of cache support.</a:t>
-            </a:r>
-          </a:p>
-          <a:p>
-            <a:r>
-              <a:rPr lang="en-US" altLang="zh-TW" dirty="0"/>
-              <a:t>JPA 2.1 - released in 2013</a:t>
-            </a:r>
-          </a:p>
-          <a:p>
-            <a:pPr lvl="1"/>
-            <a:r>
-              <a:rPr lang="en-US" altLang="zh-TW" dirty="0"/>
-              <a:t>It allows fetching of objects.</a:t>
-            </a:r>
-          </a:p>
-          <a:p>
-            <a:pPr lvl="1"/>
-            <a:r>
-              <a:rPr lang="en-US" altLang="zh-TW" dirty="0"/>
-              <a:t>It provides support for criteria update/delete.</a:t>
-            </a:r>
-          </a:p>
-          <a:p>
-            <a:pPr lvl="1"/>
-            <a:r>
-              <a:rPr lang="en-US" altLang="zh-TW" dirty="0"/>
-              <a:t>It generates schema.</a:t>
-            </a:r>
-          </a:p>
-          <a:p>
-            <a:r>
-              <a:rPr lang="en-US" altLang="zh-TW" dirty="0"/>
-              <a:t>JPA 2.2 - released as a development of </a:t>
-            </a:r>
-            <a:r>
-              <a:rPr lang="en-US" altLang="zh-TW" dirty="0" err="1"/>
-              <a:t>maintainenece</a:t>
-            </a:r>
-            <a:r>
-              <a:rPr lang="en-US" altLang="zh-TW" dirty="0"/>
-              <a:t> in 2017.</a:t>
-            </a:r>
-          </a:p>
-          <a:p>
-            <a:pPr lvl="1"/>
-            <a:r>
-              <a:rPr lang="en-US" altLang="zh-TW" dirty="0"/>
-              <a:t> It supports Java 8 Date and Time.</a:t>
-            </a:r>
-          </a:p>
-          <a:p>
-            <a:pPr lvl="1"/>
-            <a:r>
-              <a:rPr lang="en-US" altLang="zh-TW" dirty="0"/>
-              <a:t>It provides @Repeatable annotation that can be used when we want to apply the same annotations to a declaration or type use.</a:t>
-            </a:r>
-          </a:p>
-          <a:p>
-            <a:pPr lvl="1"/>
-            <a:r>
-              <a:rPr lang="en-US" altLang="zh-TW" dirty="0"/>
-              <a:t>It allows JPA annotation to be used in meta-annotations.</a:t>
-            </a:r>
-          </a:p>
-          <a:p>
-            <a:pPr lvl="1"/>
-            <a:r>
-              <a:rPr lang="en-US" altLang="zh-TW" dirty="0"/>
-              <a:t>It provides an ability to stream a query result.</a:t>
-            </a:r>
-            <a:br>
-              <a:rPr lang="en-US" altLang="zh-TW" dirty="0"/>
-            </a:br>
+              <a:t>https://www.baeldung.com/the-persistence-layer-with-spring-and-jpa</a:t>
+            </a:r>
             <a:endParaRPr lang="zh-TW" altLang="en-US" dirty="0"/>
           </a:p>
         </p:txBody>
@@ -8810,104 +14393,7 @@
     </p:spTree>
     <p:extLst>
       <p:ext uri="{BB962C8B-B14F-4D97-AF65-F5344CB8AC3E}">
-        <p14:creationId xmlns:p14="http://schemas.microsoft.com/office/powerpoint/2010/main" val="1029032219"/>
-      </p:ext>
-    </p:extLst>
-  </p:cSld>
-  <p:clrMapOvr>
-    <a:masterClrMapping/>
-  </p:clrMapOvr>
-</p:sld>
-</file>
-
-<file path=ppt/slides/slide4.xml><?xml version="1.0" encoding="utf-8"?>
-<p:sld xmlns:a="http://schemas.openxmlformats.org/drawingml/2006/main" xmlns:r="http://schemas.openxmlformats.org/officeDocument/2006/relationships" xmlns:p="http://schemas.openxmlformats.org/presentationml/2006/main">
-  <p:cSld>
-    <p:spTree>
-      <p:nvGrpSpPr>
-        <p:cNvPr id="1" name=""/>
-        <p:cNvGrpSpPr/>
-        <p:nvPr/>
-      </p:nvGrpSpPr>
-      <p:grpSpPr>
-        <a:xfrm>
-          <a:off x="0" y="0"/>
-          <a:ext cx="0" cy="0"/>
-          <a:chOff x="0" y="0"/>
-          <a:chExt cx="0" cy="0"/>
-        </a:xfrm>
-      </p:grpSpPr>
-      <p:sp>
-        <p:nvSpPr>
-          <p:cNvPr id="2" name="標題 1">
-            <a:extLst>
-              <a:ext uri="{FF2B5EF4-FFF2-40B4-BE49-F238E27FC236}">
-                <a16:creationId xmlns:a16="http://schemas.microsoft.com/office/drawing/2014/main" id="{C7A14A77-46C3-4564-A0AC-C648C002F5C5}"/>
-              </a:ext>
-            </a:extLst>
-          </p:cNvPr>
-          <p:cNvSpPr>
-            <a:spLocks noGrp="1"/>
-          </p:cNvSpPr>
-          <p:nvPr>
-            <p:ph type="title"/>
-          </p:nvPr>
-        </p:nvSpPr>
-        <p:spPr/>
-        <p:txBody>
-          <a:bodyPr/>
-          <a:lstStyle/>
-          <a:p>
-            <a:r>
-              <a:rPr lang="en-US" altLang="zh-TW" b="1" dirty="0"/>
-              <a:t>Entity manager</a:t>
-            </a:r>
-            <a:endParaRPr lang="zh-TW" altLang="en-US" dirty="0"/>
-          </a:p>
-        </p:txBody>
-      </p:sp>
-      <p:sp>
-        <p:nvSpPr>
-          <p:cNvPr id="3" name="內容版面配置區 2">
-            <a:extLst>
-              <a:ext uri="{FF2B5EF4-FFF2-40B4-BE49-F238E27FC236}">
-                <a16:creationId xmlns:a16="http://schemas.microsoft.com/office/drawing/2014/main" id="{AEE690AB-EB8F-4283-95AE-63A3E477D84C}"/>
-              </a:ext>
-            </a:extLst>
-          </p:cNvPr>
-          <p:cNvSpPr>
-            <a:spLocks noGrp="1"/>
-          </p:cNvSpPr>
-          <p:nvPr>
-            <p:ph idx="1"/>
-          </p:nvPr>
-        </p:nvSpPr>
-        <p:spPr/>
-        <p:txBody>
-          <a:bodyPr/>
-          <a:lstStyle/>
-          <a:p>
-            <a:r>
-              <a:rPr lang="en-US" altLang="zh-TW" dirty="0"/>
-              <a:t>similar to the Hibernate Session class</a:t>
-            </a:r>
-          </a:p>
-          <a:p>
-            <a:endParaRPr lang="en-US" altLang="zh-TW" dirty="0"/>
-          </a:p>
-          <a:p>
-            <a:r>
-              <a:rPr lang="en-US" altLang="zh-TW" dirty="0"/>
-              <a:t>entity manager is not expected to be thread safe (don't inject it into a servlet class variable which is visible to multiple threads).</a:t>
-            </a:r>
-            <a:endParaRPr lang="zh-TW" altLang="en-US" dirty="0"/>
-          </a:p>
-        </p:txBody>
-      </p:sp>
-    </p:spTree>
-    <p:extLst>
-      <p:ext uri="{BB962C8B-B14F-4D97-AF65-F5344CB8AC3E}">
-        <p14:creationId xmlns:p14="http://schemas.microsoft.com/office/powerpoint/2010/main" val="433405163"/>
+        <p14:creationId xmlns:p14="http://schemas.microsoft.com/office/powerpoint/2010/main" val="2271923094"/>
       </p:ext>
     </p:extLst>
   </p:cSld>
@@ -8936,13 +14422,7 @@
       </p:grpSpPr>
       <p:sp>
         <p:nvSpPr>
-          <p:cNvPr id="2" name="標題 1">
-            <a:extLst>
-              <a:ext uri="{FF2B5EF4-FFF2-40B4-BE49-F238E27FC236}">
-                <a16:creationId xmlns:a16="http://schemas.microsoft.com/office/drawing/2014/main" id="{64CEE159-2A66-4AD3-B389-A661B7B3BEE1}"/>
-              </a:ext>
-            </a:extLst>
-          </p:cNvPr>
+          <p:cNvPr id="2" name="標題 1"/>
           <p:cNvSpPr>
             <a:spLocks noGrp="1"/>
           </p:cNvSpPr>
@@ -8957,7 +14437,7 @@
           <a:p>
             <a:r>
               <a:rPr lang="en-US" altLang="zh-TW" dirty="0"/>
-              <a:t>Application-managed entity managers</a:t>
+              <a:t>Types of Mapping</a:t>
             </a:r>
             <a:endParaRPr lang="zh-TW" altLang="en-US" dirty="0"/>
           </a:p>
@@ -8965,13 +14445,7 @@
       </p:sp>
       <p:sp>
         <p:nvSpPr>
-          <p:cNvPr id="3" name="內容版面配置區 2">
-            <a:extLst>
-              <a:ext uri="{FF2B5EF4-FFF2-40B4-BE49-F238E27FC236}">
-                <a16:creationId xmlns:a16="http://schemas.microsoft.com/office/drawing/2014/main" id="{0F0F50D0-4E16-44B1-A0FA-5A9868C8A6D8}"/>
-              </a:ext>
-            </a:extLst>
-          </p:cNvPr>
+          <p:cNvPr id="3" name="內容版面配置區 2"/>
           <p:cNvSpPr>
             <a:spLocks noGrp="1"/>
           </p:cNvSpPr>
@@ -8981,66 +14455,111 @@
         </p:nvSpPr>
         <p:spPr/>
         <p:txBody>
-          <a:bodyPr/>
+          <a:bodyPr>
+            <a:normAutofit fontScale="92500" lnSpcReduction="20000"/>
+          </a:bodyPr>
           <a:lstStyle/>
           <a:p>
             <a:r>
               <a:rPr lang="en-US" altLang="zh-TW" dirty="0"/>
-              <a:t>Application-managed entity managers provide direct access to the underlying persistence provider (</a:t>
+              <a:t>One-to-one </a:t>
+            </a:r>
+            <a:endParaRPr lang="en-US" altLang="zh-TW" dirty="0" smtClean="0"/>
+          </a:p>
+          <a:p>
+            <a:pPr lvl="1"/>
+            <a:r>
+              <a:rPr lang="en-US" altLang="zh-TW" dirty="0" smtClean="0"/>
+              <a:t>This </a:t>
+            </a:r>
+            <a:r>
+              <a:rPr lang="en-US" altLang="zh-TW" dirty="0"/>
+              <a:t>association is represented by @</a:t>
             </a:r>
             <a:r>
               <a:rPr lang="en-US" altLang="zh-TW" dirty="0" err="1"/>
-              <a:t>org.hibernate.ejb.HibernatePersistence</a:t>
+              <a:t>OneToOne</a:t>
             </a:r>
             <a:r>
               <a:rPr lang="en-US" altLang="zh-TW" dirty="0"/>
-              <a:t>).</a:t>
-            </a:r>
-          </a:p>
-          <a:p>
+              <a:t> annotation. Here, instance of each entity is related to a single instance of another entity.</a:t>
+            </a:r>
+          </a:p>
+          <a:p>
+            <a:r>
+              <a:rPr lang="en-US" altLang="zh-TW" dirty="0" smtClean="0"/>
+              <a:t>One-to-many</a:t>
+            </a:r>
+          </a:p>
+          <a:p>
+            <a:pPr lvl="1"/>
+            <a:r>
+              <a:rPr lang="en-US" altLang="zh-TW" dirty="0" smtClean="0"/>
+              <a:t>This </a:t>
+            </a:r>
             <a:r>
               <a:rPr lang="en-US" altLang="zh-TW" dirty="0"/>
-              <a:t>The scope of the application-managed entity manager is from when the application creates it and lasts until the app closes it. </a:t>
-            </a:r>
-          </a:p>
-          <a:p>
+              <a:t>association is represented by @</a:t>
+            </a:r>
+            <a:r>
+              <a:rPr lang="en-US" altLang="zh-TW" dirty="0" err="1"/>
+              <a:t>OneToMany</a:t>
+            </a:r>
             <a:r>
               <a:rPr lang="en-US" altLang="zh-TW" dirty="0"/>
-              <a:t>Use the </a:t>
-            </a:r>
-            <a:r>
-              <a:rPr lang="en-US" altLang="zh-TW" i="1" dirty="0"/>
-              <a:t>@</a:t>
-            </a:r>
-            <a:r>
-              <a:rPr lang="en-US" altLang="zh-TW" i="1" dirty="0" err="1"/>
-              <a:t>PersistenceUnit</a:t>
-            </a:r>
+              <a:t> annotation. In this relationship, an instance of one entity can be related to more than one instance of another entity.</a:t>
+            </a:r>
+          </a:p>
+          <a:p>
             <a:r>
               <a:rPr lang="en-US" altLang="zh-TW" dirty="0"/>
-              <a:t> annotation to inject a persistence unit into a </a:t>
-            </a:r>
-            <a:r>
-              <a:rPr lang="en-US" altLang="zh-TW" i="1" dirty="0" err="1"/>
-              <a:t>javax.persistence.EntityManagerFactory</a:t>
+              <a:t>Many-to-one </a:t>
+            </a:r>
+            <a:endParaRPr lang="en-US" altLang="zh-TW" dirty="0" smtClean="0"/>
+          </a:p>
+          <a:p>
+            <a:pPr lvl="1"/>
+            <a:r>
+              <a:rPr lang="en-US" altLang="zh-TW" dirty="0" smtClean="0"/>
+              <a:t>This </a:t>
             </a:r>
             <a:r>
               <a:rPr lang="en-US" altLang="zh-TW" dirty="0"/>
-              <a:t>. </a:t>
-            </a:r>
-          </a:p>
-          <a:p>
+              <a:t>mapping is defined by @</a:t>
+            </a:r>
+            <a:r>
+              <a:rPr lang="en-US" altLang="zh-TW" dirty="0" err="1"/>
+              <a:t>ManyToOne</a:t>
+            </a:r>
             <a:r>
               <a:rPr lang="en-US" altLang="zh-TW" dirty="0"/>
-              <a:t>The </a:t>
+              <a:t> annotation. In this relationship, multiple instances of an entity can be related to single instance of another entity.</a:t>
+            </a:r>
+          </a:p>
+          <a:p>
+            <a:r>
+              <a:rPr lang="en-US" altLang="zh-TW" dirty="0"/>
+              <a:t>Many-to-many </a:t>
+            </a:r>
+            <a:endParaRPr lang="en-US" altLang="zh-TW" dirty="0" smtClean="0"/>
+          </a:p>
+          <a:p>
+            <a:pPr lvl="1"/>
+            <a:r>
+              <a:rPr lang="en-US" altLang="zh-TW" dirty="0" smtClean="0"/>
+              <a:t>This </a:t>
+            </a:r>
+            <a:r>
+              <a:rPr lang="en-US" altLang="zh-TW" dirty="0"/>
+              <a:t>association is represented by @</a:t>
             </a:r>
             <a:r>
               <a:rPr lang="en-US" altLang="zh-TW" dirty="0" err="1"/>
-              <a:t>EntityManagerFactory</a:t>
+              <a:t>ManyToMany</a:t>
             </a:r>
             <a:r>
               <a:rPr lang="en-US" altLang="zh-TW" dirty="0"/>
-              <a:t> can return an application-managed entity manager.</a:t>
+              <a:t> annotation. Here, multiple instances of an entity can be related to multiple instances of another entity. In this mapping, any side can be the owing side.</a:t>
             </a:r>
             <a:endParaRPr lang="zh-TW" altLang="en-US" dirty="0"/>
           </a:p>
@@ -9049,7 +14568,7 @@
     </p:spTree>
     <p:extLst>
       <p:ext uri="{BB962C8B-B14F-4D97-AF65-F5344CB8AC3E}">
-        <p14:creationId xmlns:p14="http://schemas.microsoft.com/office/powerpoint/2010/main" val="2654850837"/>
+        <p14:creationId xmlns:p14="http://schemas.microsoft.com/office/powerpoint/2010/main" val="3106287967"/>
       </p:ext>
     </p:extLst>
   </p:cSld>
@@ -9078,13 +14597,7 @@
       </p:grpSpPr>
       <p:sp>
         <p:nvSpPr>
-          <p:cNvPr id="2" name="標題 1">
-            <a:extLst>
-              <a:ext uri="{FF2B5EF4-FFF2-40B4-BE49-F238E27FC236}">
-                <a16:creationId xmlns:a16="http://schemas.microsoft.com/office/drawing/2014/main" id="{147C53E6-5EC4-439B-9132-7CC6E3C56D24}"/>
-              </a:ext>
-            </a:extLst>
-          </p:cNvPr>
+          <p:cNvPr id="2" name="標題 1"/>
           <p:cNvSpPr>
             <a:spLocks noGrp="1"/>
           </p:cNvSpPr>
@@ -9098,72 +14611,940 @@
           <a:lstStyle/>
           <a:p>
             <a:r>
-              <a:rPr lang="en-US" altLang="zh-TW" dirty="0"/>
-              <a:t>Container-managed entity manager</a:t>
+              <a:rPr lang="en-US" altLang="zh-TW" dirty="0" smtClean="0"/>
+              <a:t>JPA Class Relationship</a:t>
             </a:r>
             <a:endParaRPr lang="zh-TW" altLang="en-US" dirty="0"/>
           </a:p>
         </p:txBody>
       </p:sp>
-      <p:sp>
-        <p:nvSpPr>
-          <p:cNvPr id="3" name="內容版面配置區 2">
+      <p:graphicFrame>
+        <p:nvGraphicFramePr>
+          <p:cNvPr id="4" name="內容版面配置區 3"/>
+          <p:cNvGraphicFramePr>
+            <a:graphicFrameLocks noGrp="1"/>
+          </p:cNvGraphicFramePr>
+          <p:nvPr>
+            <p:ph idx="1"/>
+            <p:extLst>
+              <p:ext uri="{D42A27DB-BD31-4B8C-83A1-F6EECF244321}">
+                <p14:modId xmlns:p14="http://schemas.microsoft.com/office/powerpoint/2010/main" val="1979177490"/>
+              </p:ext>
+            </p:extLst>
+          </p:nvPr>
+        </p:nvGraphicFramePr>
+        <p:xfrm>
+          <a:off x="619991" y="1806378"/>
+          <a:ext cx="6664037" cy="4653611"/>
+        </p:xfrm>
+        <a:graphic>
+          <a:graphicData uri="http://schemas.openxmlformats.org/drawingml/2006/table">
+            <a:tbl>
+              <a:tblPr/>
+              <a:tblGrid>
+                <a:gridCol w="2069038">
+                  <a:extLst>
+                    <a:ext uri="{9D8B030D-6E8A-4147-A177-3AD203B41FA5}">
+                      <a16:colId xmlns:a16="http://schemas.microsoft.com/office/drawing/2014/main" val="4006652666"/>
+                    </a:ext>
+                  </a:extLst>
+                </a:gridCol>
+                <a:gridCol w="4594999">
+                  <a:extLst>
+                    <a:ext uri="{9D8B030D-6E8A-4147-A177-3AD203B41FA5}">
+                      <a16:colId xmlns:a16="http://schemas.microsoft.com/office/drawing/2014/main" val="3376175562"/>
+                    </a:ext>
+                  </a:extLst>
+                </a:gridCol>
+              </a:tblGrid>
+              <a:tr h="318460">
+                <a:tc>
+                  <a:txBody>
+                    <a:bodyPr/>
+                    <a:lstStyle/>
+                    <a:p>
+                      <a:pPr algn="l" fontAlgn="t"/>
+                      <a:r>
+                        <a:rPr lang="en-US" sz="1600">
+                          <a:effectLst/>
+                        </a:rPr>
+                        <a:t>Units</a:t>
+                      </a:r>
+                    </a:p>
+                  </a:txBody>
+                  <a:tcPr marL="39131" marR="39131" marT="39131" marB="39131">
+                    <a:lnL w="9525" cap="flat" cmpd="sng" algn="ctr">
+                      <a:solidFill>
+                        <a:srgbClr val="DDDDDD"/>
+                      </a:solidFill>
+                      <a:prstDash val="solid"/>
+                      <a:round/>
+                      <a:headEnd type="none" w="med" len="med"/>
+                      <a:tailEnd type="none" w="med" len="med"/>
+                    </a:lnL>
+                    <a:lnR w="9525" cap="flat" cmpd="sng" algn="ctr">
+                      <a:solidFill>
+                        <a:srgbClr val="DDDDDD"/>
+                      </a:solidFill>
+                      <a:prstDash val="solid"/>
+                      <a:round/>
+                      <a:headEnd type="none" w="med" len="med"/>
+                      <a:tailEnd type="none" w="med" len="med"/>
+                    </a:lnR>
+                    <a:lnT w="9525" cap="flat" cmpd="sng" algn="ctr">
+                      <a:solidFill>
+                        <a:srgbClr val="DDDDDD"/>
+                      </a:solidFill>
+                      <a:prstDash val="solid"/>
+                      <a:round/>
+                      <a:headEnd type="none" w="med" len="med"/>
+                      <a:tailEnd type="none" w="med" len="med"/>
+                    </a:lnT>
+                    <a:lnB w="9525" cap="flat" cmpd="sng" algn="ctr">
+                      <a:solidFill>
+                        <a:srgbClr val="DDDDDD"/>
+                      </a:solidFill>
+                      <a:prstDash val="solid"/>
+                      <a:round/>
+                      <a:headEnd type="none" w="med" len="med"/>
+                      <a:tailEnd type="none" w="med" len="med"/>
+                    </a:lnB>
+                    <a:solidFill>
+                      <a:srgbClr val="EEEEEE"/>
+                    </a:solidFill>
+                  </a:tcPr>
+                </a:tc>
+                <a:tc>
+                  <a:txBody>
+                    <a:bodyPr/>
+                    <a:lstStyle/>
+                    <a:p>
+                      <a:pPr algn="l" fontAlgn="t"/>
+                      <a:r>
+                        <a:rPr lang="en-US" sz="1600" dirty="0">
+                          <a:effectLst/>
+                        </a:rPr>
+                        <a:t>Description</a:t>
+                      </a:r>
+                    </a:p>
+                  </a:txBody>
+                  <a:tcPr marL="39131" marR="39131" marT="39131" marB="39131">
+                    <a:lnL w="9525" cap="flat" cmpd="sng" algn="ctr">
+                      <a:solidFill>
+                        <a:srgbClr val="DDDDDD"/>
+                      </a:solidFill>
+                      <a:prstDash val="solid"/>
+                      <a:round/>
+                      <a:headEnd type="none" w="med" len="med"/>
+                      <a:tailEnd type="none" w="med" len="med"/>
+                    </a:lnL>
+                    <a:lnR w="9525" cap="flat" cmpd="sng" algn="ctr">
+                      <a:solidFill>
+                        <a:srgbClr val="DDDDDD"/>
+                      </a:solidFill>
+                      <a:prstDash val="solid"/>
+                      <a:round/>
+                      <a:headEnd type="none" w="med" len="med"/>
+                      <a:tailEnd type="none" w="med" len="med"/>
+                    </a:lnR>
+                    <a:lnT w="9525" cap="flat" cmpd="sng" algn="ctr">
+                      <a:solidFill>
+                        <a:srgbClr val="DDDDDD"/>
+                      </a:solidFill>
+                      <a:prstDash val="solid"/>
+                      <a:round/>
+                      <a:headEnd type="none" w="med" len="med"/>
+                      <a:tailEnd type="none" w="med" len="med"/>
+                    </a:lnT>
+                    <a:lnB w="9525" cap="flat" cmpd="sng" algn="ctr">
+                      <a:solidFill>
+                        <a:srgbClr val="DDDDDD"/>
+                      </a:solidFill>
+                      <a:prstDash val="solid"/>
+                      <a:round/>
+                      <a:headEnd type="none" w="med" len="med"/>
+                      <a:tailEnd type="none" w="med" len="med"/>
+                    </a:lnB>
+                    <a:solidFill>
+                      <a:srgbClr val="EEEEEE"/>
+                    </a:solidFill>
+                  </a:tcPr>
+                </a:tc>
+                <a:extLst>
+                  <a:ext uri="{0D108BD9-81ED-4DB2-BD59-A6C34878D82A}">
+                    <a16:rowId xmlns:a16="http://schemas.microsoft.com/office/drawing/2014/main" val="1519960864"/>
+                  </a:ext>
+                </a:extLst>
+              </a:tr>
+              <a:tr h="634488">
+                <a:tc>
+                  <a:txBody>
+                    <a:bodyPr/>
+                    <a:lstStyle/>
+                    <a:p>
+                      <a:pPr fontAlgn="t"/>
+                      <a:r>
+                        <a:rPr lang="en-US" sz="1600" b="1">
+                          <a:effectLst/>
+                        </a:rPr>
+                        <a:t>EntityManagerFactory</a:t>
+                      </a:r>
+                      <a:endParaRPr lang="en-US" sz="1600">
+                        <a:effectLst/>
+                      </a:endParaRPr>
+                    </a:p>
+                  </a:txBody>
+                  <a:tcPr marL="39131" marR="39131" marT="39131" marB="39131">
+                    <a:lnL w="9525" cap="flat" cmpd="sng" algn="ctr">
+                      <a:solidFill>
+                        <a:srgbClr val="DDDDDD"/>
+                      </a:solidFill>
+                      <a:prstDash val="solid"/>
+                      <a:round/>
+                      <a:headEnd type="none" w="med" len="med"/>
+                      <a:tailEnd type="none" w="med" len="med"/>
+                    </a:lnL>
+                    <a:lnR w="9525" cap="flat" cmpd="sng" algn="ctr">
+                      <a:solidFill>
+                        <a:srgbClr val="DDDDDD"/>
+                      </a:solidFill>
+                      <a:prstDash val="solid"/>
+                      <a:round/>
+                      <a:headEnd type="none" w="med" len="med"/>
+                      <a:tailEnd type="none" w="med" len="med"/>
+                    </a:lnR>
+                    <a:lnT w="9525" cap="flat" cmpd="sng" algn="ctr">
+                      <a:solidFill>
+                        <a:srgbClr val="DDDDDD"/>
+                      </a:solidFill>
+                      <a:prstDash val="solid"/>
+                      <a:round/>
+                      <a:headEnd type="none" w="med" len="med"/>
+                      <a:tailEnd type="none" w="med" len="med"/>
+                    </a:lnT>
+                    <a:lnB w="9525" cap="flat" cmpd="sng" algn="ctr">
+                      <a:solidFill>
+                        <a:srgbClr val="DDDDDD"/>
+                      </a:solidFill>
+                      <a:prstDash val="solid"/>
+                      <a:round/>
+                      <a:headEnd type="none" w="med" len="med"/>
+                      <a:tailEnd type="none" w="med" len="med"/>
+                    </a:lnB>
+                  </a:tcPr>
+                </a:tc>
+                <a:tc>
+                  <a:txBody>
+                    <a:bodyPr/>
+                    <a:lstStyle/>
+                    <a:p>
+                      <a:pPr fontAlgn="t"/>
+                      <a:r>
+                        <a:rPr lang="en-US" sz="1600" dirty="0">
+                          <a:effectLst/>
+                        </a:rPr>
+                        <a:t>This is a factory class of </a:t>
+                      </a:r>
+                      <a:r>
+                        <a:rPr lang="en-US" sz="1600" dirty="0" err="1">
+                          <a:effectLst/>
+                        </a:rPr>
+                        <a:t>EntityManager</a:t>
+                      </a:r>
+                      <a:r>
+                        <a:rPr lang="en-US" sz="1600" dirty="0">
+                          <a:effectLst/>
+                        </a:rPr>
+                        <a:t>. It creates and manages multiple </a:t>
+                      </a:r>
+                      <a:r>
+                        <a:rPr lang="en-US" sz="1600" dirty="0" err="1">
+                          <a:effectLst/>
+                        </a:rPr>
+                        <a:t>EntityManager</a:t>
+                      </a:r>
+                      <a:r>
+                        <a:rPr lang="en-US" sz="1600" dirty="0">
+                          <a:effectLst/>
+                        </a:rPr>
+                        <a:t> instances.</a:t>
+                      </a:r>
+                    </a:p>
+                  </a:txBody>
+                  <a:tcPr marL="39131" marR="39131" marT="39131" marB="39131">
+                    <a:lnL w="9525" cap="flat" cmpd="sng" algn="ctr">
+                      <a:solidFill>
+                        <a:srgbClr val="DDDDDD"/>
+                      </a:solidFill>
+                      <a:prstDash val="solid"/>
+                      <a:round/>
+                      <a:headEnd type="none" w="med" len="med"/>
+                      <a:tailEnd type="none" w="med" len="med"/>
+                    </a:lnL>
+                    <a:lnR w="9525" cap="flat" cmpd="sng" algn="ctr">
+                      <a:solidFill>
+                        <a:srgbClr val="DDDDDD"/>
+                      </a:solidFill>
+                      <a:prstDash val="solid"/>
+                      <a:round/>
+                      <a:headEnd type="none" w="med" len="med"/>
+                      <a:tailEnd type="none" w="med" len="med"/>
+                    </a:lnR>
+                    <a:lnT w="9525" cap="flat" cmpd="sng" algn="ctr">
+                      <a:solidFill>
+                        <a:srgbClr val="DDDDDD"/>
+                      </a:solidFill>
+                      <a:prstDash val="solid"/>
+                      <a:round/>
+                      <a:headEnd type="none" w="med" len="med"/>
+                      <a:tailEnd type="none" w="med" len="med"/>
+                    </a:lnT>
+                    <a:lnB w="9525" cap="flat" cmpd="sng" algn="ctr">
+                      <a:solidFill>
+                        <a:srgbClr val="DDDDDD"/>
+                      </a:solidFill>
+                      <a:prstDash val="solid"/>
+                      <a:round/>
+                      <a:headEnd type="none" w="med" len="med"/>
+                      <a:tailEnd type="none" w="med" len="med"/>
+                    </a:lnB>
+                  </a:tcPr>
+                </a:tc>
+                <a:extLst>
+                  <a:ext uri="{0D108BD9-81ED-4DB2-BD59-A6C34878D82A}">
+                    <a16:rowId xmlns:a16="http://schemas.microsoft.com/office/drawing/2014/main" val="4048303076"/>
+                  </a:ext>
+                </a:extLst>
+              </a:tr>
+              <a:tr h="634488">
+                <a:tc>
+                  <a:txBody>
+                    <a:bodyPr/>
+                    <a:lstStyle/>
+                    <a:p>
+                      <a:pPr fontAlgn="t"/>
+                      <a:r>
+                        <a:rPr lang="en-US" sz="1600" b="1">
+                          <a:effectLst/>
+                        </a:rPr>
+                        <a:t>EntityManager</a:t>
+                      </a:r>
+                      <a:endParaRPr lang="en-US" sz="1600">
+                        <a:effectLst/>
+                      </a:endParaRPr>
+                    </a:p>
+                  </a:txBody>
+                  <a:tcPr marL="39131" marR="39131" marT="39131" marB="39131">
+                    <a:lnL w="9525" cap="flat" cmpd="sng" algn="ctr">
+                      <a:solidFill>
+                        <a:srgbClr val="DDDDDD"/>
+                      </a:solidFill>
+                      <a:prstDash val="solid"/>
+                      <a:round/>
+                      <a:headEnd type="none" w="med" len="med"/>
+                      <a:tailEnd type="none" w="med" len="med"/>
+                    </a:lnL>
+                    <a:lnR w="9525" cap="flat" cmpd="sng" algn="ctr">
+                      <a:solidFill>
+                        <a:srgbClr val="DDDDDD"/>
+                      </a:solidFill>
+                      <a:prstDash val="solid"/>
+                      <a:round/>
+                      <a:headEnd type="none" w="med" len="med"/>
+                      <a:tailEnd type="none" w="med" len="med"/>
+                    </a:lnR>
+                    <a:lnT w="9525" cap="flat" cmpd="sng" algn="ctr">
+                      <a:solidFill>
+                        <a:srgbClr val="DDDDDD"/>
+                      </a:solidFill>
+                      <a:prstDash val="solid"/>
+                      <a:round/>
+                      <a:headEnd type="none" w="med" len="med"/>
+                      <a:tailEnd type="none" w="med" len="med"/>
+                    </a:lnT>
+                    <a:lnB w="9525" cap="flat" cmpd="sng" algn="ctr">
+                      <a:solidFill>
+                        <a:srgbClr val="DDDDDD"/>
+                      </a:solidFill>
+                      <a:prstDash val="solid"/>
+                      <a:round/>
+                      <a:headEnd type="none" w="med" len="med"/>
+                      <a:tailEnd type="none" w="med" len="med"/>
+                    </a:lnB>
+                  </a:tcPr>
+                </a:tc>
+                <a:tc>
+                  <a:txBody>
+                    <a:bodyPr/>
+                    <a:lstStyle/>
+                    <a:p>
+                      <a:pPr fontAlgn="t"/>
+                      <a:r>
+                        <a:rPr lang="en-US" sz="1600" dirty="0">
+                          <a:effectLst/>
+                        </a:rPr>
+                        <a:t>It is an Interface, it manages the persistence operations on objects. It works like factory for Query instance.</a:t>
+                      </a:r>
+                    </a:p>
+                  </a:txBody>
+                  <a:tcPr marL="39131" marR="39131" marT="39131" marB="39131">
+                    <a:lnL w="9525" cap="flat" cmpd="sng" algn="ctr">
+                      <a:solidFill>
+                        <a:srgbClr val="DDDDDD"/>
+                      </a:solidFill>
+                      <a:prstDash val="solid"/>
+                      <a:round/>
+                      <a:headEnd type="none" w="med" len="med"/>
+                      <a:tailEnd type="none" w="med" len="med"/>
+                    </a:lnL>
+                    <a:lnR w="9525" cap="flat" cmpd="sng" algn="ctr">
+                      <a:solidFill>
+                        <a:srgbClr val="DDDDDD"/>
+                      </a:solidFill>
+                      <a:prstDash val="solid"/>
+                      <a:round/>
+                      <a:headEnd type="none" w="med" len="med"/>
+                      <a:tailEnd type="none" w="med" len="med"/>
+                    </a:lnR>
+                    <a:lnT w="9525" cap="flat" cmpd="sng" algn="ctr">
+                      <a:solidFill>
+                        <a:srgbClr val="DDDDDD"/>
+                      </a:solidFill>
+                      <a:prstDash val="solid"/>
+                      <a:round/>
+                      <a:headEnd type="none" w="med" len="med"/>
+                      <a:tailEnd type="none" w="med" len="med"/>
+                    </a:lnT>
+                    <a:lnB w="9525" cap="flat" cmpd="sng" algn="ctr">
+                      <a:solidFill>
+                        <a:srgbClr val="DDDDDD"/>
+                      </a:solidFill>
+                      <a:prstDash val="solid"/>
+                      <a:round/>
+                      <a:headEnd type="none" w="med" len="med"/>
+                      <a:tailEnd type="none" w="med" len="med"/>
+                    </a:lnB>
+                  </a:tcPr>
+                </a:tc>
+                <a:extLst>
+                  <a:ext uri="{0D108BD9-81ED-4DB2-BD59-A6C34878D82A}">
+                    <a16:rowId xmlns:a16="http://schemas.microsoft.com/office/drawing/2014/main" val="1428813782"/>
+                  </a:ext>
+                </a:extLst>
+              </a:tr>
+              <a:tr h="495209">
+                <a:tc>
+                  <a:txBody>
+                    <a:bodyPr/>
+                    <a:lstStyle/>
+                    <a:p>
+                      <a:pPr fontAlgn="t"/>
+                      <a:r>
+                        <a:rPr lang="en-US" sz="1600" b="1">
+                          <a:effectLst/>
+                        </a:rPr>
+                        <a:t>Entity</a:t>
+                      </a:r>
+                      <a:endParaRPr lang="en-US" sz="1600">
+                        <a:effectLst/>
+                      </a:endParaRPr>
+                    </a:p>
+                  </a:txBody>
+                  <a:tcPr marL="39131" marR="39131" marT="39131" marB="39131">
+                    <a:lnL w="9525" cap="flat" cmpd="sng" algn="ctr">
+                      <a:solidFill>
+                        <a:srgbClr val="DDDDDD"/>
+                      </a:solidFill>
+                      <a:prstDash val="solid"/>
+                      <a:round/>
+                      <a:headEnd type="none" w="med" len="med"/>
+                      <a:tailEnd type="none" w="med" len="med"/>
+                    </a:lnL>
+                    <a:lnR w="9525" cap="flat" cmpd="sng" algn="ctr">
+                      <a:solidFill>
+                        <a:srgbClr val="DDDDDD"/>
+                      </a:solidFill>
+                      <a:prstDash val="solid"/>
+                      <a:round/>
+                      <a:headEnd type="none" w="med" len="med"/>
+                      <a:tailEnd type="none" w="med" len="med"/>
+                    </a:lnR>
+                    <a:lnT w="9525" cap="flat" cmpd="sng" algn="ctr">
+                      <a:solidFill>
+                        <a:srgbClr val="DDDDDD"/>
+                      </a:solidFill>
+                      <a:prstDash val="solid"/>
+                      <a:round/>
+                      <a:headEnd type="none" w="med" len="med"/>
+                      <a:tailEnd type="none" w="med" len="med"/>
+                    </a:lnT>
+                    <a:lnB w="9525" cap="flat" cmpd="sng" algn="ctr">
+                      <a:solidFill>
+                        <a:srgbClr val="DDDDDD"/>
+                      </a:solidFill>
+                      <a:prstDash val="solid"/>
+                      <a:round/>
+                      <a:headEnd type="none" w="med" len="med"/>
+                      <a:tailEnd type="none" w="med" len="med"/>
+                    </a:lnB>
+                  </a:tcPr>
+                </a:tc>
+                <a:tc>
+                  <a:txBody>
+                    <a:bodyPr/>
+                    <a:lstStyle/>
+                    <a:p>
+                      <a:pPr fontAlgn="t"/>
+                      <a:r>
+                        <a:rPr lang="en-US" sz="1600">
+                          <a:effectLst/>
+                        </a:rPr>
+                        <a:t>Entities are the persistence objects, stores as records in the database.</a:t>
+                      </a:r>
+                    </a:p>
+                  </a:txBody>
+                  <a:tcPr marL="39131" marR="39131" marT="39131" marB="39131">
+                    <a:lnL w="9525" cap="flat" cmpd="sng" algn="ctr">
+                      <a:solidFill>
+                        <a:srgbClr val="DDDDDD"/>
+                      </a:solidFill>
+                      <a:prstDash val="solid"/>
+                      <a:round/>
+                      <a:headEnd type="none" w="med" len="med"/>
+                      <a:tailEnd type="none" w="med" len="med"/>
+                    </a:lnL>
+                    <a:lnR w="9525" cap="flat" cmpd="sng" algn="ctr">
+                      <a:solidFill>
+                        <a:srgbClr val="DDDDDD"/>
+                      </a:solidFill>
+                      <a:prstDash val="solid"/>
+                      <a:round/>
+                      <a:headEnd type="none" w="med" len="med"/>
+                      <a:tailEnd type="none" w="med" len="med"/>
+                    </a:lnR>
+                    <a:lnT w="9525" cap="flat" cmpd="sng" algn="ctr">
+                      <a:solidFill>
+                        <a:srgbClr val="DDDDDD"/>
+                      </a:solidFill>
+                      <a:prstDash val="solid"/>
+                      <a:round/>
+                      <a:headEnd type="none" w="med" len="med"/>
+                      <a:tailEnd type="none" w="med" len="med"/>
+                    </a:lnT>
+                    <a:lnB w="9525" cap="flat" cmpd="sng" algn="ctr">
+                      <a:solidFill>
+                        <a:srgbClr val="DDDDDD"/>
+                      </a:solidFill>
+                      <a:prstDash val="solid"/>
+                      <a:round/>
+                      <a:headEnd type="none" w="med" len="med"/>
+                      <a:tailEnd type="none" w="med" len="med"/>
+                    </a:lnB>
+                  </a:tcPr>
+                </a:tc>
+                <a:extLst>
+                  <a:ext uri="{0D108BD9-81ED-4DB2-BD59-A6C34878D82A}">
+                    <a16:rowId xmlns:a16="http://schemas.microsoft.com/office/drawing/2014/main" val="3871254123"/>
+                  </a:ext>
+                </a:extLst>
+              </a:tr>
+              <a:tr h="913043">
+                <a:tc>
+                  <a:txBody>
+                    <a:bodyPr/>
+                    <a:lstStyle/>
+                    <a:p>
+                      <a:pPr fontAlgn="t"/>
+                      <a:r>
+                        <a:rPr lang="en-US" sz="1600" b="1">
+                          <a:effectLst/>
+                        </a:rPr>
+                        <a:t>EntityTransaction</a:t>
+                      </a:r>
+                      <a:endParaRPr lang="en-US" sz="1600">
+                        <a:effectLst/>
+                      </a:endParaRPr>
+                    </a:p>
+                  </a:txBody>
+                  <a:tcPr marL="39131" marR="39131" marT="39131" marB="39131">
+                    <a:lnL w="9525" cap="flat" cmpd="sng" algn="ctr">
+                      <a:solidFill>
+                        <a:srgbClr val="DDDDDD"/>
+                      </a:solidFill>
+                      <a:prstDash val="solid"/>
+                      <a:round/>
+                      <a:headEnd type="none" w="med" len="med"/>
+                      <a:tailEnd type="none" w="med" len="med"/>
+                    </a:lnL>
+                    <a:lnR w="9525" cap="flat" cmpd="sng" algn="ctr">
+                      <a:solidFill>
+                        <a:srgbClr val="DDDDDD"/>
+                      </a:solidFill>
+                      <a:prstDash val="solid"/>
+                      <a:round/>
+                      <a:headEnd type="none" w="med" len="med"/>
+                      <a:tailEnd type="none" w="med" len="med"/>
+                    </a:lnR>
+                    <a:lnT w="9525" cap="flat" cmpd="sng" algn="ctr">
+                      <a:solidFill>
+                        <a:srgbClr val="DDDDDD"/>
+                      </a:solidFill>
+                      <a:prstDash val="solid"/>
+                      <a:round/>
+                      <a:headEnd type="none" w="med" len="med"/>
+                      <a:tailEnd type="none" w="med" len="med"/>
+                    </a:lnT>
+                    <a:lnB w="9525" cap="flat" cmpd="sng" algn="ctr">
+                      <a:solidFill>
+                        <a:srgbClr val="DDDDDD"/>
+                      </a:solidFill>
+                      <a:prstDash val="solid"/>
+                      <a:round/>
+                      <a:headEnd type="none" w="med" len="med"/>
+                      <a:tailEnd type="none" w="med" len="med"/>
+                    </a:lnB>
+                  </a:tcPr>
+                </a:tc>
+                <a:tc>
+                  <a:txBody>
+                    <a:bodyPr/>
+                    <a:lstStyle/>
+                    <a:p>
+                      <a:pPr fontAlgn="t"/>
+                      <a:r>
+                        <a:rPr lang="en-US" sz="1600">
+                          <a:effectLst/>
+                        </a:rPr>
+                        <a:t>It has one-to-one relationship with EntityManager. For each EntityManager, operations are maintained by EntityTransaction class.</a:t>
+                      </a:r>
+                    </a:p>
+                  </a:txBody>
+                  <a:tcPr marL="39131" marR="39131" marT="39131" marB="39131">
+                    <a:lnL w="9525" cap="flat" cmpd="sng" algn="ctr">
+                      <a:solidFill>
+                        <a:srgbClr val="DDDDDD"/>
+                      </a:solidFill>
+                      <a:prstDash val="solid"/>
+                      <a:round/>
+                      <a:headEnd type="none" w="med" len="med"/>
+                      <a:tailEnd type="none" w="med" len="med"/>
+                    </a:lnL>
+                    <a:lnR w="9525" cap="flat" cmpd="sng" algn="ctr">
+                      <a:solidFill>
+                        <a:srgbClr val="DDDDDD"/>
+                      </a:solidFill>
+                      <a:prstDash val="solid"/>
+                      <a:round/>
+                      <a:headEnd type="none" w="med" len="med"/>
+                      <a:tailEnd type="none" w="med" len="med"/>
+                    </a:lnR>
+                    <a:lnT w="9525" cap="flat" cmpd="sng" algn="ctr">
+                      <a:solidFill>
+                        <a:srgbClr val="DDDDDD"/>
+                      </a:solidFill>
+                      <a:prstDash val="solid"/>
+                      <a:round/>
+                      <a:headEnd type="none" w="med" len="med"/>
+                      <a:tailEnd type="none" w="med" len="med"/>
+                    </a:lnT>
+                    <a:lnB w="9525" cap="flat" cmpd="sng" algn="ctr">
+                      <a:solidFill>
+                        <a:srgbClr val="DDDDDD"/>
+                      </a:solidFill>
+                      <a:prstDash val="solid"/>
+                      <a:round/>
+                      <a:headEnd type="none" w="med" len="med"/>
+                      <a:tailEnd type="none" w="med" len="med"/>
+                    </a:lnB>
+                  </a:tcPr>
+                </a:tc>
+                <a:extLst>
+                  <a:ext uri="{0D108BD9-81ED-4DB2-BD59-A6C34878D82A}">
+                    <a16:rowId xmlns:a16="http://schemas.microsoft.com/office/drawing/2014/main" val="2658926919"/>
+                  </a:ext>
+                </a:extLst>
+              </a:tr>
+              <a:tr h="634488">
+                <a:tc>
+                  <a:txBody>
+                    <a:bodyPr/>
+                    <a:lstStyle/>
+                    <a:p>
+                      <a:pPr fontAlgn="t"/>
+                      <a:r>
+                        <a:rPr lang="en-US" sz="1600" b="1">
+                          <a:effectLst/>
+                        </a:rPr>
+                        <a:t>Persistence</a:t>
+                      </a:r>
+                      <a:endParaRPr lang="en-US" sz="1600">
+                        <a:effectLst/>
+                      </a:endParaRPr>
+                    </a:p>
+                  </a:txBody>
+                  <a:tcPr marL="39131" marR="39131" marT="39131" marB="39131">
+                    <a:lnL w="9525" cap="flat" cmpd="sng" algn="ctr">
+                      <a:solidFill>
+                        <a:srgbClr val="DDDDDD"/>
+                      </a:solidFill>
+                      <a:prstDash val="solid"/>
+                      <a:round/>
+                      <a:headEnd type="none" w="med" len="med"/>
+                      <a:tailEnd type="none" w="med" len="med"/>
+                    </a:lnL>
+                    <a:lnR w="9525" cap="flat" cmpd="sng" algn="ctr">
+                      <a:solidFill>
+                        <a:srgbClr val="DDDDDD"/>
+                      </a:solidFill>
+                      <a:prstDash val="solid"/>
+                      <a:round/>
+                      <a:headEnd type="none" w="med" len="med"/>
+                      <a:tailEnd type="none" w="med" len="med"/>
+                    </a:lnR>
+                    <a:lnT w="9525" cap="flat" cmpd="sng" algn="ctr">
+                      <a:solidFill>
+                        <a:srgbClr val="DDDDDD"/>
+                      </a:solidFill>
+                      <a:prstDash val="solid"/>
+                      <a:round/>
+                      <a:headEnd type="none" w="med" len="med"/>
+                      <a:tailEnd type="none" w="med" len="med"/>
+                    </a:lnT>
+                    <a:lnB w="9525" cap="flat" cmpd="sng" algn="ctr">
+                      <a:solidFill>
+                        <a:srgbClr val="DDDDDD"/>
+                      </a:solidFill>
+                      <a:prstDash val="solid"/>
+                      <a:round/>
+                      <a:headEnd type="none" w="med" len="med"/>
+                      <a:tailEnd type="none" w="med" len="med"/>
+                    </a:lnB>
+                  </a:tcPr>
+                </a:tc>
+                <a:tc>
+                  <a:txBody>
+                    <a:bodyPr/>
+                    <a:lstStyle/>
+                    <a:p>
+                      <a:pPr fontAlgn="t"/>
+                      <a:r>
+                        <a:rPr lang="en-US" sz="1600">
+                          <a:effectLst/>
+                        </a:rPr>
+                        <a:t>This class contain static methods to obtain EntityManagerFactory instance.</a:t>
+                      </a:r>
+                    </a:p>
+                  </a:txBody>
+                  <a:tcPr marL="39131" marR="39131" marT="39131" marB="39131">
+                    <a:lnL w="9525" cap="flat" cmpd="sng" algn="ctr">
+                      <a:solidFill>
+                        <a:srgbClr val="DDDDDD"/>
+                      </a:solidFill>
+                      <a:prstDash val="solid"/>
+                      <a:round/>
+                      <a:headEnd type="none" w="med" len="med"/>
+                      <a:tailEnd type="none" w="med" len="med"/>
+                    </a:lnL>
+                    <a:lnR w="9525" cap="flat" cmpd="sng" algn="ctr">
+                      <a:solidFill>
+                        <a:srgbClr val="DDDDDD"/>
+                      </a:solidFill>
+                      <a:prstDash val="solid"/>
+                      <a:round/>
+                      <a:headEnd type="none" w="med" len="med"/>
+                      <a:tailEnd type="none" w="med" len="med"/>
+                    </a:lnR>
+                    <a:lnT w="9525" cap="flat" cmpd="sng" algn="ctr">
+                      <a:solidFill>
+                        <a:srgbClr val="DDDDDD"/>
+                      </a:solidFill>
+                      <a:prstDash val="solid"/>
+                      <a:round/>
+                      <a:headEnd type="none" w="med" len="med"/>
+                      <a:tailEnd type="none" w="med" len="med"/>
+                    </a:lnT>
+                    <a:lnB w="9525" cap="flat" cmpd="sng" algn="ctr">
+                      <a:solidFill>
+                        <a:srgbClr val="DDDDDD"/>
+                      </a:solidFill>
+                      <a:prstDash val="solid"/>
+                      <a:round/>
+                      <a:headEnd type="none" w="med" len="med"/>
+                      <a:tailEnd type="none" w="med" len="med"/>
+                    </a:lnB>
+                  </a:tcPr>
+                </a:tc>
+                <a:extLst>
+                  <a:ext uri="{0D108BD9-81ED-4DB2-BD59-A6C34878D82A}">
+                    <a16:rowId xmlns:a16="http://schemas.microsoft.com/office/drawing/2014/main" val="1961014149"/>
+                  </a:ext>
+                </a:extLst>
+              </a:tr>
+              <a:tr h="773766">
+                <a:tc>
+                  <a:txBody>
+                    <a:bodyPr/>
+                    <a:lstStyle/>
+                    <a:p>
+                      <a:pPr fontAlgn="t"/>
+                      <a:r>
+                        <a:rPr lang="en-US" sz="1600" b="1">
+                          <a:effectLst/>
+                        </a:rPr>
+                        <a:t>Query</a:t>
+                      </a:r>
+                      <a:endParaRPr lang="en-US" sz="1600">
+                        <a:effectLst/>
+                      </a:endParaRPr>
+                    </a:p>
+                  </a:txBody>
+                  <a:tcPr marL="39131" marR="39131" marT="39131" marB="39131">
+                    <a:lnL w="9525" cap="flat" cmpd="sng" algn="ctr">
+                      <a:solidFill>
+                        <a:srgbClr val="DDDDDD"/>
+                      </a:solidFill>
+                      <a:prstDash val="solid"/>
+                      <a:round/>
+                      <a:headEnd type="none" w="med" len="med"/>
+                      <a:tailEnd type="none" w="med" len="med"/>
+                    </a:lnL>
+                    <a:lnR w="9525" cap="flat" cmpd="sng" algn="ctr">
+                      <a:solidFill>
+                        <a:srgbClr val="DDDDDD"/>
+                      </a:solidFill>
+                      <a:prstDash val="solid"/>
+                      <a:round/>
+                      <a:headEnd type="none" w="med" len="med"/>
+                      <a:tailEnd type="none" w="med" len="med"/>
+                    </a:lnR>
+                    <a:lnT w="9525" cap="flat" cmpd="sng" algn="ctr">
+                      <a:solidFill>
+                        <a:srgbClr val="DDDDDD"/>
+                      </a:solidFill>
+                      <a:prstDash val="solid"/>
+                      <a:round/>
+                      <a:headEnd type="none" w="med" len="med"/>
+                      <a:tailEnd type="none" w="med" len="med"/>
+                    </a:lnT>
+                    <a:lnB w="9525" cap="flat" cmpd="sng" algn="ctr">
+                      <a:solidFill>
+                        <a:srgbClr val="DDDDDD"/>
+                      </a:solidFill>
+                      <a:prstDash val="solid"/>
+                      <a:round/>
+                      <a:headEnd type="none" w="med" len="med"/>
+                      <a:tailEnd type="none" w="med" len="med"/>
+                    </a:lnB>
+                  </a:tcPr>
+                </a:tc>
+                <a:tc>
+                  <a:txBody>
+                    <a:bodyPr/>
+                    <a:lstStyle/>
+                    <a:p>
+                      <a:pPr fontAlgn="t"/>
+                      <a:r>
+                        <a:rPr lang="en-US" sz="1600" dirty="0">
+                          <a:effectLst/>
+                        </a:rPr>
+                        <a:t>This interface is implemented by each JPA vendor to obtain relational objects that meet the criteria.</a:t>
+                      </a:r>
+                    </a:p>
+                  </a:txBody>
+                  <a:tcPr marL="39131" marR="39131" marT="39131" marB="39131">
+                    <a:lnL w="9525" cap="flat" cmpd="sng" algn="ctr">
+                      <a:solidFill>
+                        <a:srgbClr val="DDDDDD"/>
+                      </a:solidFill>
+                      <a:prstDash val="solid"/>
+                      <a:round/>
+                      <a:headEnd type="none" w="med" len="med"/>
+                      <a:tailEnd type="none" w="med" len="med"/>
+                    </a:lnL>
+                    <a:lnR w="9525" cap="flat" cmpd="sng" algn="ctr">
+                      <a:solidFill>
+                        <a:srgbClr val="DDDDDD"/>
+                      </a:solidFill>
+                      <a:prstDash val="solid"/>
+                      <a:round/>
+                      <a:headEnd type="none" w="med" len="med"/>
+                      <a:tailEnd type="none" w="med" len="med"/>
+                    </a:lnR>
+                    <a:lnT w="9525" cap="flat" cmpd="sng" algn="ctr">
+                      <a:solidFill>
+                        <a:srgbClr val="DDDDDD"/>
+                      </a:solidFill>
+                      <a:prstDash val="solid"/>
+                      <a:round/>
+                      <a:headEnd type="none" w="med" len="med"/>
+                      <a:tailEnd type="none" w="med" len="med"/>
+                    </a:lnT>
+                    <a:lnB w="9525" cap="flat" cmpd="sng" algn="ctr">
+                      <a:solidFill>
+                        <a:srgbClr val="DDDDDD"/>
+                      </a:solidFill>
+                      <a:prstDash val="solid"/>
+                      <a:round/>
+                      <a:headEnd type="none" w="med" len="med"/>
+                      <a:tailEnd type="none" w="med" len="med"/>
+                    </a:lnB>
+                  </a:tcPr>
+                </a:tc>
+                <a:extLst>
+                  <a:ext uri="{0D108BD9-81ED-4DB2-BD59-A6C34878D82A}">
+                    <a16:rowId xmlns:a16="http://schemas.microsoft.com/office/drawing/2014/main" val="3844582383"/>
+                  </a:ext>
+                </a:extLst>
+              </a:tr>
+            </a:tbl>
+          </a:graphicData>
+        </a:graphic>
+      </p:graphicFrame>
+      <p:pic>
+        <p:nvPicPr>
+          <p:cNvPr id="1026" name="Picture 2" descr="JPA Class Relationships"/>
+          <p:cNvPicPr>
+            <a:picLocks noChangeAspect="1" noChangeArrowheads="1"/>
+          </p:cNvPicPr>
+          <p:nvPr/>
+        </p:nvPicPr>
+        <p:blipFill>
+          <a:blip r:embed="rId2">
             <a:extLst>
-              <a:ext uri="{FF2B5EF4-FFF2-40B4-BE49-F238E27FC236}">
-                <a16:creationId xmlns:a16="http://schemas.microsoft.com/office/drawing/2014/main" id="{526C88DC-6611-4324-AC08-059B50D0F53B}"/>
+              <a:ext uri="{28A0092B-C50C-407E-A947-70E740481C1C}">
+                <a14:useLocalDpi xmlns:a14="http://schemas.microsoft.com/office/drawing/2010/main" val="0"/>
               </a:ext>
             </a:extLst>
-          </p:cNvPr>
-          <p:cNvSpPr>
-            <a:spLocks noGrp="1"/>
-          </p:cNvSpPr>
-          <p:nvPr>
-            <p:ph idx="1"/>
-          </p:nvPr>
-        </p:nvSpPr>
-        <p:spPr/>
-        <p:txBody>
-          <a:bodyPr/>
-          <a:lstStyle/>
-          <a:p>
-            <a:r>
-              <a:rPr lang="en-US" altLang="zh-TW" dirty="0"/>
-              <a:t>Container-managed entity managers auto-magically manage the underlying persistence provider for the application. </a:t>
-            </a:r>
-          </a:p>
-          <a:p>
-            <a:r>
-              <a:rPr lang="en-US" altLang="zh-TW" dirty="0"/>
-              <a:t>Container-managed entity managers may use transaction-scoped persistence contexts or extended persistence contexts. </a:t>
-            </a:r>
-          </a:p>
-          <a:p>
-            <a:r>
-              <a:rPr lang="en-US" altLang="zh-TW" dirty="0"/>
-              <a:t>The container-managed entity manager will create instances of the underlying persistence provider as needed. </a:t>
-            </a:r>
-          </a:p>
-          <a:p>
-            <a:r>
-              <a:rPr lang="en-US" altLang="zh-TW" dirty="0"/>
-              <a:t>Every time that a new underlying persistence provider (</a:t>
-            </a:r>
-            <a:r>
-              <a:rPr lang="en-US" altLang="zh-TW" i="1" dirty="0" err="1"/>
-              <a:t>org.hibernate.ejb.HibernatePersistence</a:t>
-            </a:r>
-            <a:r>
-              <a:rPr lang="en-US" altLang="zh-TW" dirty="0"/>
-              <a:t>) instance is created, a new persistence context is also created (as an implementation detail of the underlying persistence provider).</a:t>
-            </a:r>
-            <a:endParaRPr lang="zh-TW" altLang="en-US" dirty="0"/>
-          </a:p>
-        </p:txBody>
-      </p:sp>
+          </a:blip>
+          <a:srcRect/>
+          <a:stretch>
+            <a:fillRect/>
+          </a:stretch>
+        </p:blipFill>
+        <p:spPr bwMode="auto">
+          <a:xfrm>
+            <a:off x="7284028" y="2348102"/>
+            <a:ext cx="4771183" cy="3570161"/>
+          </a:xfrm>
+          <a:prstGeom prst="rect">
+            <a:avLst/>
+          </a:prstGeom>
+          <a:noFill/>
+          <a:extLst>
+            <a:ext uri="{909E8E84-426E-40DD-AFC4-6F175D3DCCD1}">
+              <a14:hiddenFill xmlns:a14="http://schemas.microsoft.com/office/drawing/2010/main">
+                <a:solidFill>
+                  <a:srgbClr val="FFFFFF"/>
+                </a:solidFill>
+              </a14:hiddenFill>
+            </a:ext>
+          </a:extLst>
+        </p:spPr>
+      </p:pic>
     </p:spTree>
     <p:extLst>
       <p:ext uri="{BB962C8B-B14F-4D97-AF65-F5344CB8AC3E}">
-        <p14:creationId xmlns:p14="http://schemas.microsoft.com/office/powerpoint/2010/main" val="1284837746"/>
+        <p14:creationId xmlns:p14="http://schemas.microsoft.com/office/powerpoint/2010/main" val="4206126676"/>
       </p:ext>
     </p:extLst>
   </p:cSld>
@@ -9192,13 +15573,7 @@
       </p:grpSpPr>
       <p:sp>
         <p:nvSpPr>
-          <p:cNvPr id="2" name="標題 1">
-            <a:extLst>
-              <a:ext uri="{FF2B5EF4-FFF2-40B4-BE49-F238E27FC236}">
-                <a16:creationId xmlns:a16="http://schemas.microsoft.com/office/drawing/2014/main" id="{F1FBA8D6-CBB5-42BD-8D90-24F31A30DCD8}"/>
-              </a:ext>
-            </a:extLst>
-          </p:cNvPr>
+          <p:cNvPr id="2" name="標題 1"/>
           <p:cNvSpPr>
             <a:spLocks noGrp="1"/>
           </p:cNvSpPr>
@@ -9213,7 +15588,18 @@
           <a:p>
             <a:r>
               <a:rPr lang="en-US" altLang="zh-TW" dirty="0"/>
-              <a:t>Persistence Context</a:t>
+              <a:t>Entity</a:t>
+            </a:r>
+            <a:br>
+              <a:rPr lang="en-US" altLang="zh-TW" dirty="0"/>
+            </a:br>
+            <a:r>
+              <a:rPr lang="en-US" altLang="zh-TW" dirty="0" err="1"/>
+              <a:t>Entity</a:t>
+            </a:r>
+            <a:r>
+              <a:rPr lang="en-US" altLang="zh-TW" dirty="0"/>
+              <a:t> Properties</a:t>
             </a:r>
             <a:endParaRPr lang="zh-TW" altLang="en-US" dirty="0"/>
           </a:p>
@@ -9221,13 +15607,7 @@
       </p:sp>
       <p:sp>
         <p:nvSpPr>
-          <p:cNvPr id="3" name="內容版面配置區 2">
-            <a:extLst>
-              <a:ext uri="{FF2B5EF4-FFF2-40B4-BE49-F238E27FC236}">
-                <a16:creationId xmlns:a16="http://schemas.microsoft.com/office/drawing/2014/main" id="{F5215E25-45E8-4878-89DD-F98F76B977FE}"/>
-              </a:ext>
-            </a:extLst>
-          </p:cNvPr>
+          <p:cNvPr id="3" name="內容版面配置區 2"/>
           <p:cNvSpPr>
             <a:spLocks noGrp="1"/>
           </p:cNvSpPr>
@@ -9237,39 +15617,87 @@
         </p:nvSpPr>
         <p:spPr/>
         <p:txBody>
-          <a:bodyPr/>
+          <a:bodyPr>
+            <a:normAutofit fontScale="92500" lnSpcReduction="20000"/>
+          </a:bodyPr>
           <a:lstStyle/>
           <a:p>
             <a:r>
+              <a:rPr lang="en-US" altLang="zh-TW" b="1" dirty="0" err="1" smtClean="0"/>
+              <a:t>Persistability</a:t>
+            </a:r>
+            <a:endParaRPr lang="en-US" altLang="zh-TW" dirty="0" smtClean="0"/>
+          </a:p>
+          <a:p>
+            <a:pPr lvl="1"/>
+            <a:r>
+              <a:rPr lang="en-US" altLang="zh-TW" dirty="0" smtClean="0"/>
+              <a:t>An </a:t>
+            </a:r>
+            <a:r>
               <a:rPr lang="en-US" altLang="zh-TW" dirty="0"/>
-              <a:t>The JPA persistence context contains the entities managed by the persistence provider. </a:t>
-            </a:r>
-          </a:p>
-          <a:p>
+              <a:t>object is called persistent if it is stored in the database and can be accessed anytime.</a:t>
+            </a:r>
+          </a:p>
+          <a:p>
+            <a:r>
+              <a:rPr lang="en-US" altLang="zh-TW" b="1" dirty="0"/>
+              <a:t>Persistent Identity </a:t>
+            </a:r>
+            <a:endParaRPr lang="en-US" altLang="zh-TW" b="1" dirty="0" smtClean="0"/>
+          </a:p>
+          <a:p>
+            <a:pPr lvl="1"/>
+            <a:r>
+              <a:rPr lang="en-US" altLang="zh-TW" dirty="0" smtClean="0"/>
+              <a:t>In </a:t>
+            </a:r>
             <a:r>
               <a:rPr lang="en-US" altLang="zh-TW" dirty="0"/>
-              <a:t>The persistence context acts like a first level (transactional) cache for interacting with the </a:t>
-            </a:r>
-            <a:r>
-              <a:rPr lang="en-US" altLang="zh-TW" dirty="0" err="1"/>
-              <a:t>datasource</a:t>
+              <a:t>Java, each entity is unique and represents as an object identity. Similarly, when the object identity is stored in a database then it is represented as persistence identity. This object identity is equivalent to primary key in database.</a:t>
+            </a:r>
+          </a:p>
+          <a:p>
+            <a:r>
+              <a:rPr lang="en-US" altLang="zh-TW" b="1" dirty="0" err="1"/>
+              <a:t>Transactionality</a:t>
+            </a:r>
+            <a:r>
+              <a:rPr lang="en-US" altLang="zh-TW" b="1" dirty="0"/>
+              <a:t> </a:t>
+            </a:r>
+            <a:endParaRPr lang="en-US" altLang="zh-TW" b="1" dirty="0" smtClean="0"/>
+          </a:p>
+          <a:p>
+            <a:pPr lvl="1"/>
+            <a:r>
+              <a:rPr lang="en-US" altLang="zh-TW" dirty="0" smtClean="0"/>
+              <a:t>Entity </a:t>
             </a:r>
             <a:r>
               <a:rPr lang="en-US" altLang="zh-TW" dirty="0"/>
-              <a:t>. </a:t>
-            </a:r>
-          </a:p>
-          <a:p>
+              <a:t>can perform various operations such as create, delete, update. Each operation makes some changes in the database. It ensures that whatever changes made in the database either be succeed or failed atomically.</a:t>
+            </a:r>
+          </a:p>
+          <a:p>
+            <a:r>
+              <a:rPr lang="en-US" altLang="zh-TW" b="1" dirty="0" err="1" smtClean="0"/>
+              <a:t>Granuality</a:t>
+            </a:r>
+            <a:endParaRPr lang="en-US" altLang="zh-TW" b="1" dirty="0" smtClean="0"/>
+          </a:p>
+          <a:p>
+            <a:pPr lvl="1"/>
+            <a:r>
+              <a:rPr lang="en-US" altLang="zh-TW" dirty="0" smtClean="0"/>
+              <a:t>Entities </a:t>
+            </a:r>
             <a:r>
               <a:rPr lang="en-US" altLang="zh-TW" dirty="0"/>
-              <a:t>Loaded entities are placed into the persistence context before being returned to the application. </a:t>
-            </a:r>
-          </a:p>
-          <a:p>
-            <a:r>
-              <a:rPr lang="en-US" altLang="zh-TW" dirty="0"/>
-              <a:t>Entities changes are also placed into the persistence context (to be saved in the database when the transaction commits).</a:t>
-            </a:r>
+              <a:t>should not be primitives, primitive wrappers or built-in objects with single dimensional state.</a:t>
+            </a:r>
+          </a:p>
+          <a:p>
             <a:endParaRPr lang="zh-TW" altLang="en-US" dirty="0"/>
           </a:p>
         </p:txBody>
@@ -9277,7 +15705,7 @@
     </p:spTree>
     <p:extLst>
       <p:ext uri="{BB962C8B-B14F-4D97-AF65-F5344CB8AC3E}">
-        <p14:creationId xmlns:p14="http://schemas.microsoft.com/office/powerpoint/2010/main" val="3289285605"/>
+        <p14:creationId xmlns:p14="http://schemas.microsoft.com/office/powerpoint/2010/main" val="1581947218"/>
       </p:ext>
     </p:extLst>
   </p:cSld>
@@ -9306,13 +15734,7 @@
       </p:grpSpPr>
       <p:sp>
         <p:nvSpPr>
-          <p:cNvPr id="2" name="標題 1">
-            <a:extLst>
-              <a:ext uri="{FF2B5EF4-FFF2-40B4-BE49-F238E27FC236}">
-                <a16:creationId xmlns:a16="http://schemas.microsoft.com/office/drawing/2014/main" id="{BEFA9DC3-B38B-4798-82A8-911A2F29AB51}"/>
-              </a:ext>
-            </a:extLst>
-          </p:cNvPr>
+          <p:cNvPr id="2" name="標題 1"/>
           <p:cNvSpPr>
             <a:spLocks noGrp="1"/>
           </p:cNvSpPr>
@@ -9327,7 +15749,7 @@
           <a:p>
             <a:r>
               <a:rPr lang="en-US" altLang="zh-TW" dirty="0"/>
-              <a:t>Transaction-scoped Persistence Context</a:t>
+              <a:t>Entity Metadata</a:t>
             </a:r>
             <a:endParaRPr lang="zh-TW" altLang="en-US" dirty="0"/>
           </a:p>
@@ -9335,13 +15757,7 @@
       </p:sp>
       <p:sp>
         <p:nvSpPr>
-          <p:cNvPr id="3" name="內容版面配置區 2">
-            <a:extLst>
-              <a:ext uri="{FF2B5EF4-FFF2-40B4-BE49-F238E27FC236}">
-                <a16:creationId xmlns:a16="http://schemas.microsoft.com/office/drawing/2014/main" id="{57CAADDD-6823-4210-A1FA-4B63C8D51B57}"/>
-              </a:ext>
-            </a:extLst>
-          </p:cNvPr>
+          <p:cNvPr id="3" name="內容版面配置區 2"/>
           <p:cNvSpPr>
             <a:spLocks noGrp="1"/>
           </p:cNvSpPr>
@@ -9356,42 +15772,54 @@
           <a:p>
             <a:r>
               <a:rPr lang="en-US" altLang="zh-TW" dirty="0"/>
-              <a:t>The transaction-scoped persistence context coordinates with the (active) JTA transaction.  </a:t>
-            </a:r>
-          </a:p>
-          <a:p>
+              <a:t>Each entity is associated with some metadata that represents the information of it. </a:t>
+            </a:r>
+            <a:endParaRPr lang="en-US" altLang="zh-TW" dirty="0" smtClean="0"/>
+          </a:p>
+          <a:p>
+            <a:r>
+              <a:rPr lang="en-US" altLang="zh-TW" dirty="0" smtClean="0"/>
+              <a:t>Instead </a:t>
+            </a:r>
             <a:r>
               <a:rPr lang="en-US" altLang="zh-TW" dirty="0"/>
-              <a:t>When the transaction commits, the persistence context is flushed to the </a:t>
-            </a:r>
-            <a:r>
-              <a:rPr lang="en-US" altLang="zh-TW" dirty="0" err="1"/>
-              <a:t>datasource</a:t>
+              <a:t>of database, this metadata is exist either inside or outside the class. </a:t>
+            </a:r>
+            <a:endParaRPr lang="en-US" altLang="zh-TW" dirty="0" smtClean="0"/>
+          </a:p>
+          <a:p>
+            <a:r>
+              <a:rPr lang="en-US" altLang="zh-TW" dirty="0" smtClean="0"/>
+              <a:t>This </a:t>
             </a:r>
             <a:r>
               <a:rPr lang="en-US" altLang="zh-TW" dirty="0"/>
-              <a:t> (entity objects are detached but may still be referenced by application code).  </a:t>
-            </a:r>
-          </a:p>
-          <a:p>
+              <a:t>metadata can be in following forms: </a:t>
+            </a:r>
+          </a:p>
+          <a:p>
+            <a:pPr lvl="1"/>
+            <a:r>
+              <a:rPr lang="en-US" altLang="zh-TW" b="1" dirty="0"/>
+              <a:t>Annotation -</a:t>
+            </a:r>
             <a:r>
               <a:rPr lang="en-US" altLang="zh-TW" dirty="0"/>
-              <a:t>All entity changes that are expected to be saved to the </a:t>
-            </a:r>
-            <a:r>
-              <a:rPr lang="en-US" altLang="zh-TW" dirty="0" err="1"/>
-              <a:t>datasource</a:t>
+              <a:t> In Java, annotations are the form of tags that represents metadata. This metadata persist inside the class.</a:t>
+            </a:r>
+          </a:p>
+          <a:p>
+            <a:pPr lvl="1"/>
+            <a:r>
+              <a:rPr lang="en-US" altLang="zh-TW" b="1" dirty="0"/>
+              <a:t>XML -</a:t>
             </a:r>
             <a:r>
               <a:rPr lang="en-US" altLang="zh-TW" dirty="0"/>
-              <a:t>, must be made during a transaction.  </a:t>
-            </a:r>
-          </a:p>
-          <a:p>
-            <a:r>
-              <a:rPr lang="en-US" altLang="zh-TW" dirty="0"/>
-              <a:t>Entities read outside of a transaction will be detached when the entity manager invocation completes. </a:t>
-            </a:r>
+              <a:t> In this form, metadata persist outside the class in XML file.</a:t>
+            </a:r>
+          </a:p>
+          <a:p>
             <a:endParaRPr lang="zh-TW" altLang="en-US" dirty="0"/>
           </a:p>
         </p:txBody>
@@ -9399,7 +15827,7 @@
     </p:spTree>
     <p:extLst>
       <p:ext uri="{BB962C8B-B14F-4D97-AF65-F5344CB8AC3E}">
-        <p14:creationId xmlns:p14="http://schemas.microsoft.com/office/powerpoint/2010/main" val="1461032945"/>
+        <p14:creationId xmlns:p14="http://schemas.microsoft.com/office/powerpoint/2010/main" val="1614162160"/>
       </p:ext>
     </p:extLst>
   </p:cSld>
@@ -9428,13 +15856,7 @@
       </p:grpSpPr>
       <p:sp>
         <p:nvSpPr>
-          <p:cNvPr id="2" name="標題 1">
-            <a:extLst>
-              <a:ext uri="{FF2B5EF4-FFF2-40B4-BE49-F238E27FC236}">
-                <a16:creationId xmlns:a16="http://schemas.microsoft.com/office/drawing/2014/main" id="{5F3CCECF-3C17-4015-9217-E5CEBE94EFAB}"/>
-              </a:ext>
-            </a:extLst>
-          </p:cNvPr>
+          <p:cNvPr id="2" name="標題 1"/>
           <p:cNvSpPr>
             <a:spLocks noGrp="1"/>
           </p:cNvSpPr>
@@ -9449,59 +15871,1320 @@
           <a:p>
             <a:r>
               <a:rPr lang="en-US" altLang="zh-TW" dirty="0"/>
-              <a:t>Extended Persistence Context</a:t>
+              <a:t>Annotations</a:t>
             </a:r>
             <a:endParaRPr lang="zh-TW" altLang="en-US" dirty="0"/>
           </a:p>
         </p:txBody>
       </p:sp>
-      <p:sp>
-        <p:nvSpPr>
-          <p:cNvPr id="3" name="內容版面配置區 2">
-            <a:extLst>
-              <a:ext uri="{FF2B5EF4-FFF2-40B4-BE49-F238E27FC236}">
-                <a16:creationId xmlns:a16="http://schemas.microsoft.com/office/drawing/2014/main" id="{04775306-61F3-4D4C-B31B-1B2771F8881C}"/>
-              </a:ext>
-            </a:extLst>
-          </p:cNvPr>
-          <p:cNvSpPr>
-            <a:spLocks noGrp="1"/>
-          </p:cNvSpPr>
+      <p:graphicFrame>
+        <p:nvGraphicFramePr>
+          <p:cNvPr id="4" name="內容版面配置區 3"/>
+          <p:cNvGraphicFramePr>
+            <a:graphicFrameLocks noGrp="1"/>
+          </p:cNvGraphicFramePr>
           <p:nvPr>
             <p:ph idx="1"/>
+            <p:extLst>
+              <p:ext uri="{D42A27DB-BD31-4B8C-83A1-F6EECF244321}">
+                <p14:modId xmlns:p14="http://schemas.microsoft.com/office/powerpoint/2010/main" val="2908891290"/>
+              </p:ext>
+            </p:extLst>
           </p:nvPr>
-        </p:nvSpPr>
-        <p:spPr/>
-        <p:txBody>
-          <a:bodyPr/>
-          <a:lstStyle/>
-          <a:p>
-            <a:r>
-              <a:rPr lang="en-US" altLang="zh-TW" dirty="0"/>
-              <a:t>The (</a:t>
-            </a:r>
-            <a:r>
-              <a:rPr lang="en-US" altLang="zh-TW" dirty="0" err="1"/>
-              <a:t>ee</a:t>
-            </a:r>
-            <a:r>
-              <a:rPr lang="en-US" altLang="zh-TW" dirty="0"/>
-              <a:t> container managed) extended persistence context can span multiple transactions and allows data modifications to be queued up (like a shopping cart), without an active JTA transaction (to be applied during the next JTA TX). </a:t>
-            </a:r>
-          </a:p>
-          <a:p>
-            <a:r>
-              <a:rPr lang="en-US" altLang="zh-TW" dirty="0"/>
-              <a:t>The Container-managed extended persistence context can only be injected into a stateful session bean. </a:t>
-            </a:r>
-            <a:endParaRPr lang="zh-TW" altLang="en-US" dirty="0"/>
-          </a:p>
-        </p:txBody>
-      </p:sp>
+        </p:nvGraphicFramePr>
+        <p:xfrm>
+          <a:off x="1236517" y="1430238"/>
+          <a:ext cx="8977746" cy="5105640"/>
+        </p:xfrm>
+        <a:graphic>
+          <a:graphicData uri="http://schemas.openxmlformats.org/drawingml/2006/table">
+            <a:tbl>
+              <a:tblPr/>
+              <a:tblGrid>
+                <a:gridCol w="2005446">
+                  <a:extLst>
+                    <a:ext uri="{9D8B030D-6E8A-4147-A177-3AD203B41FA5}">
+                      <a16:colId xmlns:a16="http://schemas.microsoft.com/office/drawing/2014/main" val="4070058162"/>
+                    </a:ext>
+                  </a:extLst>
+                </a:gridCol>
+                <a:gridCol w="6972300">
+                  <a:extLst>
+                    <a:ext uri="{9D8B030D-6E8A-4147-A177-3AD203B41FA5}">
+                      <a16:colId xmlns:a16="http://schemas.microsoft.com/office/drawing/2014/main" val="3381381622"/>
+                    </a:ext>
+                  </a:extLst>
+                </a:gridCol>
+              </a:tblGrid>
+              <a:tr h="310626">
+                <a:tc>
+                  <a:txBody>
+                    <a:bodyPr/>
+                    <a:lstStyle/>
+                    <a:p>
+                      <a:pPr algn="l" fontAlgn="t"/>
+                      <a:r>
+                        <a:rPr lang="en-US" sz="1600">
+                          <a:effectLst/>
+                        </a:rPr>
+                        <a:t>Annotation</a:t>
+                      </a:r>
+                    </a:p>
+                  </a:txBody>
+                  <a:tcPr marL="12635" marR="12635" marT="12635" marB="12635">
+                    <a:lnL w="9525" cap="flat" cmpd="sng" algn="ctr">
+                      <a:solidFill>
+                        <a:srgbClr val="DDDDDD"/>
+                      </a:solidFill>
+                      <a:prstDash val="solid"/>
+                      <a:round/>
+                      <a:headEnd type="none" w="med" len="med"/>
+                      <a:tailEnd type="none" w="med" len="med"/>
+                    </a:lnL>
+                    <a:lnR w="9525" cap="flat" cmpd="sng" algn="ctr">
+                      <a:solidFill>
+                        <a:srgbClr val="DDDDDD"/>
+                      </a:solidFill>
+                      <a:prstDash val="solid"/>
+                      <a:round/>
+                      <a:headEnd type="none" w="med" len="med"/>
+                      <a:tailEnd type="none" w="med" len="med"/>
+                    </a:lnR>
+                    <a:lnT w="9525" cap="flat" cmpd="sng" algn="ctr">
+                      <a:solidFill>
+                        <a:srgbClr val="DDDDDD"/>
+                      </a:solidFill>
+                      <a:prstDash val="solid"/>
+                      <a:round/>
+                      <a:headEnd type="none" w="med" len="med"/>
+                      <a:tailEnd type="none" w="med" len="med"/>
+                    </a:lnT>
+                    <a:lnB w="9525" cap="flat" cmpd="sng" algn="ctr">
+                      <a:solidFill>
+                        <a:srgbClr val="DDDDDD"/>
+                      </a:solidFill>
+                      <a:prstDash val="solid"/>
+                      <a:round/>
+                      <a:headEnd type="none" w="med" len="med"/>
+                      <a:tailEnd type="none" w="med" len="med"/>
+                    </a:lnB>
+                    <a:solidFill>
+                      <a:srgbClr val="EEEEEE"/>
+                    </a:solidFill>
+                  </a:tcPr>
+                </a:tc>
+                <a:tc>
+                  <a:txBody>
+                    <a:bodyPr/>
+                    <a:lstStyle/>
+                    <a:p>
+                      <a:pPr algn="l" fontAlgn="t"/>
+                      <a:r>
+                        <a:rPr lang="en-US" sz="1600">
+                          <a:effectLst/>
+                        </a:rPr>
+                        <a:t>Description</a:t>
+                      </a:r>
+                    </a:p>
+                  </a:txBody>
+                  <a:tcPr marL="12635" marR="12635" marT="12635" marB="12635">
+                    <a:lnL w="9525" cap="flat" cmpd="sng" algn="ctr">
+                      <a:solidFill>
+                        <a:srgbClr val="DDDDDD"/>
+                      </a:solidFill>
+                      <a:prstDash val="solid"/>
+                      <a:round/>
+                      <a:headEnd type="none" w="med" len="med"/>
+                      <a:tailEnd type="none" w="med" len="med"/>
+                    </a:lnL>
+                    <a:lnR w="9525" cap="flat" cmpd="sng" algn="ctr">
+                      <a:solidFill>
+                        <a:srgbClr val="DDDDDD"/>
+                      </a:solidFill>
+                      <a:prstDash val="solid"/>
+                      <a:round/>
+                      <a:headEnd type="none" w="med" len="med"/>
+                      <a:tailEnd type="none" w="med" len="med"/>
+                    </a:lnR>
+                    <a:lnT w="9525" cap="flat" cmpd="sng" algn="ctr">
+                      <a:solidFill>
+                        <a:srgbClr val="DDDDDD"/>
+                      </a:solidFill>
+                      <a:prstDash val="solid"/>
+                      <a:round/>
+                      <a:headEnd type="none" w="med" len="med"/>
+                      <a:tailEnd type="none" w="med" len="med"/>
+                    </a:lnT>
+                    <a:lnB w="9525" cap="flat" cmpd="sng" algn="ctr">
+                      <a:solidFill>
+                        <a:srgbClr val="DDDDDD"/>
+                      </a:solidFill>
+                      <a:prstDash val="solid"/>
+                      <a:round/>
+                      <a:headEnd type="none" w="med" len="med"/>
+                      <a:tailEnd type="none" w="med" len="med"/>
+                    </a:lnB>
+                    <a:solidFill>
+                      <a:srgbClr val="EEEEEE"/>
+                    </a:solidFill>
+                  </a:tcPr>
+                </a:tc>
+                <a:extLst>
+                  <a:ext uri="{0D108BD9-81ED-4DB2-BD59-A6C34878D82A}">
+                    <a16:rowId xmlns:a16="http://schemas.microsoft.com/office/drawing/2014/main" val="4043605773"/>
+                  </a:ext>
+                </a:extLst>
+              </a:tr>
+              <a:tr h="310626">
+                <a:tc>
+                  <a:txBody>
+                    <a:bodyPr/>
+                    <a:lstStyle/>
+                    <a:p>
+                      <a:pPr fontAlgn="t"/>
+                      <a:r>
+                        <a:rPr lang="en-US" sz="1600">
+                          <a:effectLst/>
+                        </a:rPr>
+                        <a:t>@Entity</a:t>
+                      </a:r>
+                    </a:p>
+                  </a:txBody>
+                  <a:tcPr marL="12635" marR="12635" marT="12635" marB="12635">
+                    <a:lnL w="9525" cap="flat" cmpd="sng" algn="ctr">
+                      <a:solidFill>
+                        <a:srgbClr val="DDDDDD"/>
+                      </a:solidFill>
+                      <a:prstDash val="solid"/>
+                      <a:round/>
+                      <a:headEnd type="none" w="med" len="med"/>
+                      <a:tailEnd type="none" w="med" len="med"/>
+                    </a:lnL>
+                    <a:lnR w="9525" cap="flat" cmpd="sng" algn="ctr">
+                      <a:solidFill>
+                        <a:srgbClr val="DDDDDD"/>
+                      </a:solidFill>
+                      <a:prstDash val="solid"/>
+                      <a:round/>
+                      <a:headEnd type="none" w="med" len="med"/>
+                      <a:tailEnd type="none" w="med" len="med"/>
+                    </a:lnR>
+                    <a:lnT w="9525" cap="flat" cmpd="sng" algn="ctr">
+                      <a:solidFill>
+                        <a:srgbClr val="DDDDDD"/>
+                      </a:solidFill>
+                      <a:prstDash val="solid"/>
+                      <a:round/>
+                      <a:headEnd type="none" w="med" len="med"/>
+                      <a:tailEnd type="none" w="med" len="med"/>
+                    </a:lnT>
+                    <a:lnB w="9525" cap="flat" cmpd="sng" algn="ctr">
+                      <a:solidFill>
+                        <a:srgbClr val="DDDDDD"/>
+                      </a:solidFill>
+                      <a:prstDash val="solid"/>
+                      <a:round/>
+                      <a:headEnd type="none" w="med" len="med"/>
+                      <a:tailEnd type="none" w="med" len="med"/>
+                    </a:lnB>
+                  </a:tcPr>
+                </a:tc>
+                <a:tc>
+                  <a:txBody>
+                    <a:bodyPr/>
+                    <a:lstStyle/>
+                    <a:p>
+                      <a:pPr fontAlgn="t"/>
+                      <a:r>
+                        <a:rPr lang="en-US" sz="1600">
+                          <a:effectLst/>
+                        </a:rPr>
+                        <a:t>This annotation specifies to declare the class as entity or a table.</a:t>
+                      </a:r>
+                    </a:p>
+                  </a:txBody>
+                  <a:tcPr marL="12635" marR="12635" marT="12635" marB="12635">
+                    <a:lnL w="9525" cap="flat" cmpd="sng" algn="ctr">
+                      <a:solidFill>
+                        <a:srgbClr val="DDDDDD"/>
+                      </a:solidFill>
+                      <a:prstDash val="solid"/>
+                      <a:round/>
+                      <a:headEnd type="none" w="med" len="med"/>
+                      <a:tailEnd type="none" w="med" len="med"/>
+                    </a:lnL>
+                    <a:lnR w="9525" cap="flat" cmpd="sng" algn="ctr">
+                      <a:solidFill>
+                        <a:srgbClr val="DDDDDD"/>
+                      </a:solidFill>
+                      <a:prstDash val="solid"/>
+                      <a:round/>
+                      <a:headEnd type="none" w="med" len="med"/>
+                      <a:tailEnd type="none" w="med" len="med"/>
+                    </a:lnR>
+                    <a:lnT w="9525" cap="flat" cmpd="sng" algn="ctr">
+                      <a:solidFill>
+                        <a:srgbClr val="DDDDDD"/>
+                      </a:solidFill>
+                      <a:prstDash val="solid"/>
+                      <a:round/>
+                      <a:headEnd type="none" w="med" len="med"/>
+                      <a:tailEnd type="none" w="med" len="med"/>
+                    </a:lnT>
+                    <a:lnB w="9525" cap="flat" cmpd="sng" algn="ctr">
+                      <a:solidFill>
+                        <a:srgbClr val="DDDDDD"/>
+                      </a:solidFill>
+                      <a:prstDash val="solid"/>
+                      <a:round/>
+                      <a:headEnd type="none" w="med" len="med"/>
+                      <a:tailEnd type="none" w="med" len="med"/>
+                    </a:lnB>
+                  </a:tcPr>
+                </a:tc>
+                <a:extLst>
+                  <a:ext uri="{0D108BD9-81ED-4DB2-BD59-A6C34878D82A}">
+                    <a16:rowId xmlns:a16="http://schemas.microsoft.com/office/drawing/2014/main" val="3457585525"/>
+                  </a:ext>
+                </a:extLst>
+              </a:tr>
+              <a:tr h="310626">
+                <a:tc>
+                  <a:txBody>
+                    <a:bodyPr/>
+                    <a:lstStyle/>
+                    <a:p>
+                      <a:pPr fontAlgn="t"/>
+                      <a:r>
+                        <a:rPr lang="en-US" sz="1600">
+                          <a:effectLst/>
+                        </a:rPr>
+                        <a:t>@Table</a:t>
+                      </a:r>
+                    </a:p>
+                  </a:txBody>
+                  <a:tcPr marL="12635" marR="12635" marT="12635" marB="12635">
+                    <a:lnL w="9525" cap="flat" cmpd="sng" algn="ctr">
+                      <a:solidFill>
+                        <a:srgbClr val="DDDDDD"/>
+                      </a:solidFill>
+                      <a:prstDash val="solid"/>
+                      <a:round/>
+                      <a:headEnd type="none" w="med" len="med"/>
+                      <a:tailEnd type="none" w="med" len="med"/>
+                    </a:lnL>
+                    <a:lnR w="9525" cap="flat" cmpd="sng" algn="ctr">
+                      <a:solidFill>
+                        <a:srgbClr val="DDDDDD"/>
+                      </a:solidFill>
+                      <a:prstDash val="solid"/>
+                      <a:round/>
+                      <a:headEnd type="none" w="med" len="med"/>
+                      <a:tailEnd type="none" w="med" len="med"/>
+                    </a:lnR>
+                    <a:lnT w="9525" cap="flat" cmpd="sng" algn="ctr">
+                      <a:solidFill>
+                        <a:srgbClr val="DDDDDD"/>
+                      </a:solidFill>
+                      <a:prstDash val="solid"/>
+                      <a:round/>
+                      <a:headEnd type="none" w="med" len="med"/>
+                      <a:tailEnd type="none" w="med" len="med"/>
+                    </a:lnT>
+                    <a:lnB w="9525" cap="flat" cmpd="sng" algn="ctr">
+                      <a:solidFill>
+                        <a:srgbClr val="DDDDDD"/>
+                      </a:solidFill>
+                      <a:prstDash val="solid"/>
+                      <a:round/>
+                      <a:headEnd type="none" w="med" len="med"/>
+                      <a:tailEnd type="none" w="med" len="med"/>
+                    </a:lnB>
+                  </a:tcPr>
+                </a:tc>
+                <a:tc>
+                  <a:txBody>
+                    <a:bodyPr/>
+                    <a:lstStyle/>
+                    <a:p>
+                      <a:pPr fontAlgn="t"/>
+                      <a:r>
+                        <a:rPr lang="en-US" sz="1600">
+                          <a:effectLst/>
+                        </a:rPr>
+                        <a:t>This annotation specifies to declare table name.</a:t>
+                      </a:r>
+                    </a:p>
+                  </a:txBody>
+                  <a:tcPr marL="12635" marR="12635" marT="12635" marB="12635">
+                    <a:lnL w="9525" cap="flat" cmpd="sng" algn="ctr">
+                      <a:solidFill>
+                        <a:srgbClr val="DDDDDD"/>
+                      </a:solidFill>
+                      <a:prstDash val="solid"/>
+                      <a:round/>
+                      <a:headEnd type="none" w="med" len="med"/>
+                      <a:tailEnd type="none" w="med" len="med"/>
+                    </a:lnL>
+                    <a:lnR w="9525" cap="flat" cmpd="sng" algn="ctr">
+                      <a:solidFill>
+                        <a:srgbClr val="DDDDDD"/>
+                      </a:solidFill>
+                      <a:prstDash val="solid"/>
+                      <a:round/>
+                      <a:headEnd type="none" w="med" len="med"/>
+                      <a:tailEnd type="none" w="med" len="med"/>
+                    </a:lnR>
+                    <a:lnT w="9525" cap="flat" cmpd="sng" algn="ctr">
+                      <a:solidFill>
+                        <a:srgbClr val="DDDDDD"/>
+                      </a:solidFill>
+                      <a:prstDash val="solid"/>
+                      <a:round/>
+                      <a:headEnd type="none" w="med" len="med"/>
+                      <a:tailEnd type="none" w="med" len="med"/>
+                    </a:lnT>
+                    <a:lnB w="9525" cap="flat" cmpd="sng" algn="ctr">
+                      <a:solidFill>
+                        <a:srgbClr val="DDDDDD"/>
+                      </a:solidFill>
+                      <a:prstDash val="solid"/>
+                      <a:round/>
+                      <a:headEnd type="none" w="med" len="med"/>
+                      <a:tailEnd type="none" w="med" len="med"/>
+                    </a:lnB>
+                  </a:tcPr>
+                </a:tc>
+                <a:extLst>
+                  <a:ext uri="{0D108BD9-81ED-4DB2-BD59-A6C34878D82A}">
+                    <a16:rowId xmlns:a16="http://schemas.microsoft.com/office/drawing/2014/main" val="95174138"/>
+                  </a:ext>
+                </a:extLst>
+              </a:tr>
+              <a:tr h="310626">
+                <a:tc>
+                  <a:txBody>
+                    <a:bodyPr/>
+                    <a:lstStyle/>
+                    <a:p>
+                      <a:pPr fontAlgn="t"/>
+                      <a:r>
+                        <a:rPr lang="en-US" sz="1600">
+                          <a:effectLst/>
+                        </a:rPr>
+                        <a:t>@Basic</a:t>
+                      </a:r>
+                    </a:p>
+                  </a:txBody>
+                  <a:tcPr marL="12635" marR="12635" marT="12635" marB="12635">
+                    <a:lnL w="9525" cap="flat" cmpd="sng" algn="ctr">
+                      <a:solidFill>
+                        <a:srgbClr val="DDDDDD"/>
+                      </a:solidFill>
+                      <a:prstDash val="solid"/>
+                      <a:round/>
+                      <a:headEnd type="none" w="med" len="med"/>
+                      <a:tailEnd type="none" w="med" len="med"/>
+                    </a:lnL>
+                    <a:lnR w="9525" cap="flat" cmpd="sng" algn="ctr">
+                      <a:solidFill>
+                        <a:srgbClr val="DDDDDD"/>
+                      </a:solidFill>
+                      <a:prstDash val="solid"/>
+                      <a:round/>
+                      <a:headEnd type="none" w="med" len="med"/>
+                      <a:tailEnd type="none" w="med" len="med"/>
+                    </a:lnR>
+                    <a:lnT w="9525" cap="flat" cmpd="sng" algn="ctr">
+                      <a:solidFill>
+                        <a:srgbClr val="DDDDDD"/>
+                      </a:solidFill>
+                      <a:prstDash val="solid"/>
+                      <a:round/>
+                      <a:headEnd type="none" w="med" len="med"/>
+                      <a:tailEnd type="none" w="med" len="med"/>
+                    </a:lnT>
+                    <a:lnB w="9525" cap="flat" cmpd="sng" algn="ctr">
+                      <a:solidFill>
+                        <a:srgbClr val="DDDDDD"/>
+                      </a:solidFill>
+                      <a:prstDash val="solid"/>
+                      <a:round/>
+                      <a:headEnd type="none" w="med" len="med"/>
+                      <a:tailEnd type="none" w="med" len="med"/>
+                    </a:lnB>
+                  </a:tcPr>
+                </a:tc>
+                <a:tc>
+                  <a:txBody>
+                    <a:bodyPr/>
+                    <a:lstStyle/>
+                    <a:p>
+                      <a:pPr fontAlgn="t"/>
+                      <a:r>
+                        <a:rPr lang="en-US" sz="1600">
+                          <a:effectLst/>
+                        </a:rPr>
+                        <a:t>This annotation specifies non constraint fields explicitly.</a:t>
+                      </a:r>
+                    </a:p>
+                  </a:txBody>
+                  <a:tcPr marL="12635" marR="12635" marT="12635" marB="12635">
+                    <a:lnL w="9525" cap="flat" cmpd="sng" algn="ctr">
+                      <a:solidFill>
+                        <a:srgbClr val="DDDDDD"/>
+                      </a:solidFill>
+                      <a:prstDash val="solid"/>
+                      <a:round/>
+                      <a:headEnd type="none" w="med" len="med"/>
+                      <a:tailEnd type="none" w="med" len="med"/>
+                    </a:lnL>
+                    <a:lnR w="9525" cap="flat" cmpd="sng" algn="ctr">
+                      <a:solidFill>
+                        <a:srgbClr val="DDDDDD"/>
+                      </a:solidFill>
+                      <a:prstDash val="solid"/>
+                      <a:round/>
+                      <a:headEnd type="none" w="med" len="med"/>
+                      <a:tailEnd type="none" w="med" len="med"/>
+                    </a:lnR>
+                    <a:lnT w="9525" cap="flat" cmpd="sng" algn="ctr">
+                      <a:solidFill>
+                        <a:srgbClr val="DDDDDD"/>
+                      </a:solidFill>
+                      <a:prstDash val="solid"/>
+                      <a:round/>
+                      <a:headEnd type="none" w="med" len="med"/>
+                      <a:tailEnd type="none" w="med" len="med"/>
+                    </a:lnT>
+                    <a:lnB w="9525" cap="flat" cmpd="sng" algn="ctr">
+                      <a:solidFill>
+                        <a:srgbClr val="DDDDDD"/>
+                      </a:solidFill>
+                      <a:prstDash val="solid"/>
+                      <a:round/>
+                      <a:headEnd type="none" w="med" len="med"/>
+                      <a:tailEnd type="none" w="med" len="med"/>
+                    </a:lnB>
+                  </a:tcPr>
+                </a:tc>
+                <a:extLst>
+                  <a:ext uri="{0D108BD9-81ED-4DB2-BD59-A6C34878D82A}">
+                    <a16:rowId xmlns:a16="http://schemas.microsoft.com/office/drawing/2014/main" val="2493548313"/>
+                  </a:ext>
+                </a:extLst>
+              </a:tr>
+              <a:tr h="592085">
+                <a:tc>
+                  <a:txBody>
+                    <a:bodyPr/>
+                    <a:lstStyle/>
+                    <a:p>
+                      <a:pPr fontAlgn="t"/>
+                      <a:r>
+                        <a:rPr lang="en-US" sz="1600">
+                          <a:effectLst/>
+                        </a:rPr>
+                        <a:t>@Embedded</a:t>
+                      </a:r>
+                    </a:p>
+                  </a:txBody>
+                  <a:tcPr marL="12635" marR="12635" marT="12635" marB="12635">
+                    <a:lnL w="9525" cap="flat" cmpd="sng" algn="ctr">
+                      <a:solidFill>
+                        <a:srgbClr val="DDDDDD"/>
+                      </a:solidFill>
+                      <a:prstDash val="solid"/>
+                      <a:round/>
+                      <a:headEnd type="none" w="med" len="med"/>
+                      <a:tailEnd type="none" w="med" len="med"/>
+                    </a:lnL>
+                    <a:lnR w="9525" cap="flat" cmpd="sng" algn="ctr">
+                      <a:solidFill>
+                        <a:srgbClr val="DDDDDD"/>
+                      </a:solidFill>
+                      <a:prstDash val="solid"/>
+                      <a:round/>
+                      <a:headEnd type="none" w="med" len="med"/>
+                      <a:tailEnd type="none" w="med" len="med"/>
+                    </a:lnR>
+                    <a:lnT w="9525" cap="flat" cmpd="sng" algn="ctr">
+                      <a:solidFill>
+                        <a:srgbClr val="DDDDDD"/>
+                      </a:solidFill>
+                      <a:prstDash val="solid"/>
+                      <a:round/>
+                      <a:headEnd type="none" w="med" len="med"/>
+                      <a:tailEnd type="none" w="med" len="med"/>
+                    </a:lnT>
+                    <a:lnB w="9525" cap="flat" cmpd="sng" algn="ctr">
+                      <a:solidFill>
+                        <a:srgbClr val="DDDDDD"/>
+                      </a:solidFill>
+                      <a:prstDash val="solid"/>
+                      <a:round/>
+                      <a:headEnd type="none" w="med" len="med"/>
+                      <a:tailEnd type="none" w="med" len="med"/>
+                    </a:lnB>
+                  </a:tcPr>
+                </a:tc>
+                <a:tc>
+                  <a:txBody>
+                    <a:bodyPr/>
+                    <a:lstStyle/>
+                    <a:p>
+                      <a:pPr fontAlgn="t"/>
+                      <a:r>
+                        <a:rPr lang="en-US" sz="1600">
+                          <a:effectLst/>
+                        </a:rPr>
+                        <a:t>This annotation specifies the properties of class or an entity whose value instance of an embeddable class.</a:t>
+                      </a:r>
+                    </a:p>
+                  </a:txBody>
+                  <a:tcPr marL="12635" marR="12635" marT="12635" marB="12635">
+                    <a:lnL w="9525" cap="flat" cmpd="sng" algn="ctr">
+                      <a:solidFill>
+                        <a:srgbClr val="DDDDDD"/>
+                      </a:solidFill>
+                      <a:prstDash val="solid"/>
+                      <a:round/>
+                      <a:headEnd type="none" w="med" len="med"/>
+                      <a:tailEnd type="none" w="med" len="med"/>
+                    </a:lnL>
+                    <a:lnR w="9525" cap="flat" cmpd="sng" algn="ctr">
+                      <a:solidFill>
+                        <a:srgbClr val="DDDDDD"/>
+                      </a:solidFill>
+                      <a:prstDash val="solid"/>
+                      <a:round/>
+                      <a:headEnd type="none" w="med" len="med"/>
+                      <a:tailEnd type="none" w="med" len="med"/>
+                    </a:lnR>
+                    <a:lnT w="9525" cap="flat" cmpd="sng" algn="ctr">
+                      <a:solidFill>
+                        <a:srgbClr val="DDDDDD"/>
+                      </a:solidFill>
+                      <a:prstDash val="solid"/>
+                      <a:round/>
+                      <a:headEnd type="none" w="med" len="med"/>
+                      <a:tailEnd type="none" w="med" len="med"/>
+                    </a:lnT>
+                    <a:lnB w="9525" cap="flat" cmpd="sng" algn="ctr">
+                      <a:solidFill>
+                        <a:srgbClr val="DDDDDD"/>
+                      </a:solidFill>
+                      <a:prstDash val="solid"/>
+                      <a:round/>
+                      <a:headEnd type="none" w="med" len="med"/>
+                      <a:tailEnd type="none" w="med" len="med"/>
+                    </a:lnB>
+                  </a:tcPr>
+                </a:tc>
+                <a:extLst>
+                  <a:ext uri="{0D108BD9-81ED-4DB2-BD59-A6C34878D82A}">
+                    <a16:rowId xmlns:a16="http://schemas.microsoft.com/office/drawing/2014/main" val="4031678235"/>
+                  </a:ext>
+                </a:extLst>
+              </a:tr>
+              <a:tr h="592085">
+                <a:tc>
+                  <a:txBody>
+                    <a:bodyPr/>
+                    <a:lstStyle/>
+                    <a:p>
+                      <a:pPr fontAlgn="t"/>
+                      <a:r>
+                        <a:rPr lang="en-US" sz="1600">
+                          <a:effectLst/>
+                        </a:rPr>
+                        <a:t>@Id</a:t>
+                      </a:r>
+                    </a:p>
+                  </a:txBody>
+                  <a:tcPr marL="12635" marR="12635" marT="12635" marB="12635">
+                    <a:lnL w="9525" cap="flat" cmpd="sng" algn="ctr">
+                      <a:solidFill>
+                        <a:srgbClr val="DDDDDD"/>
+                      </a:solidFill>
+                      <a:prstDash val="solid"/>
+                      <a:round/>
+                      <a:headEnd type="none" w="med" len="med"/>
+                      <a:tailEnd type="none" w="med" len="med"/>
+                    </a:lnL>
+                    <a:lnR w="9525" cap="flat" cmpd="sng" algn="ctr">
+                      <a:solidFill>
+                        <a:srgbClr val="DDDDDD"/>
+                      </a:solidFill>
+                      <a:prstDash val="solid"/>
+                      <a:round/>
+                      <a:headEnd type="none" w="med" len="med"/>
+                      <a:tailEnd type="none" w="med" len="med"/>
+                    </a:lnR>
+                    <a:lnT w="9525" cap="flat" cmpd="sng" algn="ctr">
+                      <a:solidFill>
+                        <a:srgbClr val="DDDDDD"/>
+                      </a:solidFill>
+                      <a:prstDash val="solid"/>
+                      <a:round/>
+                      <a:headEnd type="none" w="med" len="med"/>
+                      <a:tailEnd type="none" w="med" len="med"/>
+                    </a:lnT>
+                    <a:lnB w="9525" cap="flat" cmpd="sng" algn="ctr">
+                      <a:solidFill>
+                        <a:srgbClr val="DDDDDD"/>
+                      </a:solidFill>
+                      <a:prstDash val="solid"/>
+                      <a:round/>
+                      <a:headEnd type="none" w="med" len="med"/>
+                      <a:tailEnd type="none" w="med" len="med"/>
+                    </a:lnB>
+                  </a:tcPr>
+                </a:tc>
+                <a:tc>
+                  <a:txBody>
+                    <a:bodyPr/>
+                    <a:lstStyle/>
+                    <a:p>
+                      <a:pPr fontAlgn="t"/>
+                      <a:r>
+                        <a:rPr lang="en-US" sz="1600">
+                          <a:effectLst/>
+                        </a:rPr>
+                        <a:t>This annotation specifies the property, use for identity (primary key of a table) of the class.</a:t>
+                      </a:r>
+                    </a:p>
+                  </a:txBody>
+                  <a:tcPr marL="12635" marR="12635" marT="12635" marB="12635">
+                    <a:lnL w="9525" cap="flat" cmpd="sng" algn="ctr">
+                      <a:solidFill>
+                        <a:srgbClr val="DDDDDD"/>
+                      </a:solidFill>
+                      <a:prstDash val="solid"/>
+                      <a:round/>
+                      <a:headEnd type="none" w="med" len="med"/>
+                      <a:tailEnd type="none" w="med" len="med"/>
+                    </a:lnL>
+                    <a:lnR w="9525" cap="flat" cmpd="sng" algn="ctr">
+                      <a:solidFill>
+                        <a:srgbClr val="DDDDDD"/>
+                      </a:solidFill>
+                      <a:prstDash val="solid"/>
+                      <a:round/>
+                      <a:headEnd type="none" w="med" len="med"/>
+                      <a:tailEnd type="none" w="med" len="med"/>
+                    </a:lnR>
+                    <a:lnT w="9525" cap="flat" cmpd="sng" algn="ctr">
+                      <a:solidFill>
+                        <a:srgbClr val="DDDDDD"/>
+                      </a:solidFill>
+                      <a:prstDash val="solid"/>
+                      <a:round/>
+                      <a:headEnd type="none" w="med" len="med"/>
+                      <a:tailEnd type="none" w="med" len="med"/>
+                    </a:lnT>
+                    <a:lnB w="9525" cap="flat" cmpd="sng" algn="ctr">
+                      <a:solidFill>
+                        <a:srgbClr val="DDDDDD"/>
+                      </a:solidFill>
+                      <a:prstDash val="solid"/>
+                      <a:round/>
+                      <a:headEnd type="none" w="med" len="med"/>
+                      <a:tailEnd type="none" w="med" len="med"/>
+                    </a:lnB>
+                  </a:tcPr>
+                </a:tc>
+                <a:extLst>
+                  <a:ext uri="{0D108BD9-81ED-4DB2-BD59-A6C34878D82A}">
+                    <a16:rowId xmlns:a16="http://schemas.microsoft.com/office/drawing/2014/main" val="783883932"/>
+                  </a:ext>
+                </a:extLst>
+              </a:tr>
+              <a:tr h="592085">
+                <a:tc>
+                  <a:txBody>
+                    <a:bodyPr/>
+                    <a:lstStyle/>
+                    <a:p>
+                      <a:pPr fontAlgn="t"/>
+                      <a:r>
+                        <a:rPr lang="en-US" sz="1600">
+                          <a:effectLst/>
+                        </a:rPr>
+                        <a:t>@GeneratedValue</a:t>
+                      </a:r>
+                    </a:p>
+                  </a:txBody>
+                  <a:tcPr marL="12635" marR="12635" marT="12635" marB="12635">
+                    <a:lnL w="9525" cap="flat" cmpd="sng" algn="ctr">
+                      <a:solidFill>
+                        <a:srgbClr val="DDDDDD"/>
+                      </a:solidFill>
+                      <a:prstDash val="solid"/>
+                      <a:round/>
+                      <a:headEnd type="none" w="med" len="med"/>
+                      <a:tailEnd type="none" w="med" len="med"/>
+                    </a:lnL>
+                    <a:lnR w="9525" cap="flat" cmpd="sng" algn="ctr">
+                      <a:solidFill>
+                        <a:srgbClr val="DDDDDD"/>
+                      </a:solidFill>
+                      <a:prstDash val="solid"/>
+                      <a:round/>
+                      <a:headEnd type="none" w="med" len="med"/>
+                      <a:tailEnd type="none" w="med" len="med"/>
+                    </a:lnR>
+                    <a:lnT w="9525" cap="flat" cmpd="sng" algn="ctr">
+                      <a:solidFill>
+                        <a:srgbClr val="DDDDDD"/>
+                      </a:solidFill>
+                      <a:prstDash val="solid"/>
+                      <a:round/>
+                      <a:headEnd type="none" w="med" len="med"/>
+                      <a:tailEnd type="none" w="med" len="med"/>
+                    </a:lnT>
+                    <a:lnB w="9525" cap="flat" cmpd="sng" algn="ctr">
+                      <a:solidFill>
+                        <a:srgbClr val="DDDDDD"/>
+                      </a:solidFill>
+                      <a:prstDash val="solid"/>
+                      <a:round/>
+                      <a:headEnd type="none" w="med" len="med"/>
+                      <a:tailEnd type="none" w="med" len="med"/>
+                    </a:lnB>
+                  </a:tcPr>
+                </a:tc>
+                <a:tc>
+                  <a:txBody>
+                    <a:bodyPr/>
+                    <a:lstStyle/>
+                    <a:p>
+                      <a:pPr fontAlgn="t"/>
+                      <a:r>
+                        <a:rPr lang="en-US" sz="1600">
+                          <a:effectLst/>
+                        </a:rPr>
+                        <a:t>This annotation specifies, how the identity attribute can be initialized such as Automatic, manual, or value taken from sequence table.</a:t>
+                      </a:r>
+                    </a:p>
+                  </a:txBody>
+                  <a:tcPr marL="12635" marR="12635" marT="12635" marB="12635">
+                    <a:lnL w="9525" cap="flat" cmpd="sng" algn="ctr">
+                      <a:solidFill>
+                        <a:srgbClr val="DDDDDD"/>
+                      </a:solidFill>
+                      <a:prstDash val="solid"/>
+                      <a:round/>
+                      <a:headEnd type="none" w="med" len="med"/>
+                      <a:tailEnd type="none" w="med" len="med"/>
+                    </a:lnL>
+                    <a:lnR w="9525" cap="flat" cmpd="sng" algn="ctr">
+                      <a:solidFill>
+                        <a:srgbClr val="DDDDDD"/>
+                      </a:solidFill>
+                      <a:prstDash val="solid"/>
+                      <a:round/>
+                      <a:headEnd type="none" w="med" len="med"/>
+                      <a:tailEnd type="none" w="med" len="med"/>
+                    </a:lnR>
+                    <a:lnT w="9525" cap="flat" cmpd="sng" algn="ctr">
+                      <a:solidFill>
+                        <a:srgbClr val="DDDDDD"/>
+                      </a:solidFill>
+                      <a:prstDash val="solid"/>
+                      <a:round/>
+                      <a:headEnd type="none" w="med" len="med"/>
+                      <a:tailEnd type="none" w="med" len="med"/>
+                    </a:lnT>
+                    <a:lnB w="9525" cap="flat" cmpd="sng" algn="ctr">
+                      <a:solidFill>
+                        <a:srgbClr val="DDDDDD"/>
+                      </a:solidFill>
+                      <a:prstDash val="solid"/>
+                      <a:round/>
+                      <a:headEnd type="none" w="med" len="med"/>
+                      <a:tailEnd type="none" w="med" len="med"/>
+                    </a:lnB>
+                  </a:tcPr>
+                </a:tc>
+                <a:extLst>
+                  <a:ext uri="{0D108BD9-81ED-4DB2-BD59-A6C34878D82A}">
+                    <a16:rowId xmlns:a16="http://schemas.microsoft.com/office/drawing/2014/main" val="1465849521"/>
+                  </a:ext>
+                </a:extLst>
+              </a:tr>
+              <a:tr h="592085">
+                <a:tc>
+                  <a:txBody>
+                    <a:bodyPr/>
+                    <a:lstStyle/>
+                    <a:p>
+                      <a:pPr fontAlgn="t"/>
+                      <a:r>
+                        <a:rPr lang="en-US" sz="1600">
+                          <a:effectLst/>
+                        </a:rPr>
+                        <a:t>@Transient</a:t>
+                      </a:r>
+                    </a:p>
+                  </a:txBody>
+                  <a:tcPr marL="12635" marR="12635" marT="12635" marB="12635">
+                    <a:lnL w="9525" cap="flat" cmpd="sng" algn="ctr">
+                      <a:solidFill>
+                        <a:srgbClr val="DDDDDD"/>
+                      </a:solidFill>
+                      <a:prstDash val="solid"/>
+                      <a:round/>
+                      <a:headEnd type="none" w="med" len="med"/>
+                      <a:tailEnd type="none" w="med" len="med"/>
+                    </a:lnL>
+                    <a:lnR w="9525" cap="flat" cmpd="sng" algn="ctr">
+                      <a:solidFill>
+                        <a:srgbClr val="DDDDDD"/>
+                      </a:solidFill>
+                      <a:prstDash val="solid"/>
+                      <a:round/>
+                      <a:headEnd type="none" w="med" len="med"/>
+                      <a:tailEnd type="none" w="med" len="med"/>
+                    </a:lnR>
+                    <a:lnT w="9525" cap="flat" cmpd="sng" algn="ctr">
+                      <a:solidFill>
+                        <a:srgbClr val="DDDDDD"/>
+                      </a:solidFill>
+                      <a:prstDash val="solid"/>
+                      <a:round/>
+                      <a:headEnd type="none" w="med" len="med"/>
+                      <a:tailEnd type="none" w="med" len="med"/>
+                    </a:lnT>
+                    <a:lnB w="9525" cap="flat" cmpd="sng" algn="ctr">
+                      <a:solidFill>
+                        <a:srgbClr val="DDDDDD"/>
+                      </a:solidFill>
+                      <a:prstDash val="solid"/>
+                      <a:round/>
+                      <a:headEnd type="none" w="med" len="med"/>
+                      <a:tailEnd type="none" w="med" len="med"/>
+                    </a:lnB>
+                  </a:tcPr>
+                </a:tc>
+                <a:tc>
+                  <a:txBody>
+                    <a:bodyPr/>
+                    <a:lstStyle/>
+                    <a:p>
+                      <a:pPr fontAlgn="t"/>
+                      <a:r>
+                        <a:rPr lang="en-US" sz="1600">
+                          <a:effectLst/>
+                        </a:rPr>
+                        <a:t>This annotation specifies the property which in not persistent i.e. the value is never stored into database.</a:t>
+                      </a:r>
+                    </a:p>
+                  </a:txBody>
+                  <a:tcPr marL="12635" marR="12635" marT="12635" marB="12635">
+                    <a:lnL w="9525" cap="flat" cmpd="sng" algn="ctr">
+                      <a:solidFill>
+                        <a:srgbClr val="DDDDDD"/>
+                      </a:solidFill>
+                      <a:prstDash val="solid"/>
+                      <a:round/>
+                      <a:headEnd type="none" w="med" len="med"/>
+                      <a:tailEnd type="none" w="med" len="med"/>
+                    </a:lnL>
+                    <a:lnR w="9525" cap="flat" cmpd="sng" algn="ctr">
+                      <a:solidFill>
+                        <a:srgbClr val="DDDDDD"/>
+                      </a:solidFill>
+                      <a:prstDash val="solid"/>
+                      <a:round/>
+                      <a:headEnd type="none" w="med" len="med"/>
+                      <a:tailEnd type="none" w="med" len="med"/>
+                    </a:lnR>
+                    <a:lnT w="9525" cap="flat" cmpd="sng" algn="ctr">
+                      <a:solidFill>
+                        <a:srgbClr val="DDDDDD"/>
+                      </a:solidFill>
+                      <a:prstDash val="solid"/>
+                      <a:round/>
+                      <a:headEnd type="none" w="med" len="med"/>
+                      <a:tailEnd type="none" w="med" len="med"/>
+                    </a:lnT>
+                    <a:lnB w="9525" cap="flat" cmpd="sng" algn="ctr">
+                      <a:solidFill>
+                        <a:srgbClr val="DDDDDD"/>
+                      </a:solidFill>
+                      <a:prstDash val="solid"/>
+                      <a:round/>
+                      <a:headEnd type="none" w="med" len="med"/>
+                      <a:tailEnd type="none" w="med" len="med"/>
+                    </a:lnB>
+                  </a:tcPr>
+                </a:tc>
+                <a:extLst>
+                  <a:ext uri="{0D108BD9-81ED-4DB2-BD59-A6C34878D82A}">
+                    <a16:rowId xmlns:a16="http://schemas.microsoft.com/office/drawing/2014/main" val="2594533214"/>
+                  </a:ext>
+                </a:extLst>
+              </a:tr>
+              <a:tr h="310626">
+                <a:tc>
+                  <a:txBody>
+                    <a:bodyPr/>
+                    <a:lstStyle/>
+                    <a:p>
+                      <a:pPr fontAlgn="t"/>
+                      <a:r>
+                        <a:rPr lang="en-US" sz="1600">
+                          <a:effectLst/>
+                        </a:rPr>
+                        <a:t>@Column</a:t>
+                      </a:r>
+                    </a:p>
+                  </a:txBody>
+                  <a:tcPr marL="12635" marR="12635" marT="12635" marB="12635">
+                    <a:lnL w="9525" cap="flat" cmpd="sng" algn="ctr">
+                      <a:solidFill>
+                        <a:srgbClr val="DDDDDD"/>
+                      </a:solidFill>
+                      <a:prstDash val="solid"/>
+                      <a:round/>
+                      <a:headEnd type="none" w="med" len="med"/>
+                      <a:tailEnd type="none" w="med" len="med"/>
+                    </a:lnL>
+                    <a:lnR w="9525" cap="flat" cmpd="sng" algn="ctr">
+                      <a:solidFill>
+                        <a:srgbClr val="DDDDDD"/>
+                      </a:solidFill>
+                      <a:prstDash val="solid"/>
+                      <a:round/>
+                      <a:headEnd type="none" w="med" len="med"/>
+                      <a:tailEnd type="none" w="med" len="med"/>
+                    </a:lnR>
+                    <a:lnT w="9525" cap="flat" cmpd="sng" algn="ctr">
+                      <a:solidFill>
+                        <a:srgbClr val="DDDDDD"/>
+                      </a:solidFill>
+                      <a:prstDash val="solid"/>
+                      <a:round/>
+                      <a:headEnd type="none" w="med" len="med"/>
+                      <a:tailEnd type="none" w="med" len="med"/>
+                    </a:lnT>
+                    <a:lnB w="9525" cap="flat" cmpd="sng" algn="ctr">
+                      <a:solidFill>
+                        <a:srgbClr val="DDDDDD"/>
+                      </a:solidFill>
+                      <a:prstDash val="solid"/>
+                      <a:round/>
+                      <a:headEnd type="none" w="med" len="med"/>
+                      <a:tailEnd type="none" w="med" len="med"/>
+                    </a:lnB>
+                  </a:tcPr>
+                </a:tc>
+                <a:tc>
+                  <a:txBody>
+                    <a:bodyPr/>
+                    <a:lstStyle/>
+                    <a:p>
+                      <a:pPr fontAlgn="t"/>
+                      <a:r>
+                        <a:rPr lang="en-US" sz="1600">
+                          <a:effectLst/>
+                        </a:rPr>
+                        <a:t>This annotation is used to specify column or attribute for persistence property.</a:t>
+                      </a:r>
+                    </a:p>
+                  </a:txBody>
+                  <a:tcPr marL="12635" marR="12635" marT="12635" marB="12635">
+                    <a:lnL w="9525" cap="flat" cmpd="sng" algn="ctr">
+                      <a:solidFill>
+                        <a:srgbClr val="DDDDDD"/>
+                      </a:solidFill>
+                      <a:prstDash val="solid"/>
+                      <a:round/>
+                      <a:headEnd type="none" w="med" len="med"/>
+                      <a:tailEnd type="none" w="med" len="med"/>
+                    </a:lnL>
+                    <a:lnR w="9525" cap="flat" cmpd="sng" algn="ctr">
+                      <a:solidFill>
+                        <a:srgbClr val="DDDDDD"/>
+                      </a:solidFill>
+                      <a:prstDash val="solid"/>
+                      <a:round/>
+                      <a:headEnd type="none" w="med" len="med"/>
+                      <a:tailEnd type="none" w="med" len="med"/>
+                    </a:lnR>
+                    <a:lnT w="9525" cap="flat" cmpd="sng" algn="ctr">
+                      <a:solidFill>
+                        <a:srgbClr val="DDDDDD"/>
+                      </a:solidFill>
+                      <a:prstDash val="solid"/>
+                      <a:round/>
+                      <a:headEnd type="none" w="med" len="med"/>
+                      <a:tailEnd type="none" w="med" len="med"/>
+                    </a:lnT>
+                    <a:lnB w="9525" cap="flat" cmpd="sng" algn="ctr">
+                      <a:solidFill>
+                        <a:srgbClr val="DDDDDD"/>
+                      </a:solidFill>
+                      <a:prstDash val="solid"/>
+                      <a:round/>
+                      <a:headEnd type="none" w="med" len="med"/>
+                      <a:tailEnd type="none" w="med" len="med"/>
+                    </a:lnB>
+                  </a:tcPr>
+                </a:tc>
+                <a:extLst>
+                  <a:ext uri="{0D108BD9-81ED-4DB2-BD59-A6C34878D82A}">
+                    <a16:rowId xmlns:a16="http://schemas.microsoft.com/office/drawing/2014/main" val="3773761510"/>
+                  </a:ext>
+                </a:extLst>
+              </a:tr>
+              <a:tr h="592085">
+                <a:tc>
+                  <a:txBody>
+                    <a:bodyPr/>
+                    <a:lstStyle/>
+                    <a:p>
+                      <a:pPr fontAlgn="t"/>
+                      <a:r>
+                        <a:rPr lang="en-US" sz="1600">
+                          <a:effectLst/>
+                        </a:rPr>
+                        <a:t>@SequenceGenerator</a:t>
+                      </a:r>
+                    </a:p>
+                  </a:txBody>
+                  <a:tcPr marL="12635" marR="12635" marT="12635" marB="12635">
+                    <a:lnL w="9525" cap="flat" cmpd="sng" algn="ctr">
+                      <a:solidFill>
+                        <a:srgbClr val="DDDDDD"/>
+                      </a:solidFill>
+                      <a:prstDash val="solid"/>
+                      <a:round/>
+                      <a:headEnd type="none" w="med" len="med"/>
+                      <a:tailEnd type="none" w="med" len="med"/>
+                    </a:lnL>
+                    <a:lnR w="9525" cap="flat" cmpd="sng" algn="ctr">
+                      <a:solidFill>
+                        <a:srgbClr val="DDDDDD"/>
+                      </a:solidFill>
+                      <a:prstDash val="solid"/>
+                      <a:round/>
+                      <a:headEnd type="none" w="med" len="med"/>
+                      <a:tailEnd type="none" w="med" len="med"/>
+                    </a:lnR>
+                    <a:lnT w="9525" cap="flat" cmpd="sng" algn="ctr">
+                      <a:solidFill>
+                        <a:srgbClr val="DDDDDD"/>
+                      </a:solidFill>
+                      <a:prstDash val="solid"/>
+                      <a:round/>
+                      <a:headEnd type="none" w="med" len="med"/>
+                      <a:tailEnd type="none" w="med" len="med"/>
+                    </a:lnT>
+                    <a:lnB w="9525" cap="flat" cmpd="sng" algn="ctr">
+                      <a:solidFill>
+                        <a:srgbClr val="DDDDDD"/>
+                      </a:solidFill>
+                      <a:prstDash val="solid"/>
+                      <a:round/>
+                      <a:headEnd type="none" w="med" len="med"/>
+                      <a:tailEnd type="none" w="med" len="med"/>
+                    </a:lnB>
+                  </a:tcPr>
+                </a:tc>
+                <a:tc>
+                  <a:txBody>
+                    <a:bodyPr/>
+                    <a:lstStyle/>
+                    <a:p>
+                      <a:pPr fontAlgn="t"/>
+                      <a:r>
+                        <a:rPr lang="en-US" sz="1600">
+                          <a:effectLst/>
+                        </a:rPr>
+                        <a:t>This annotation is used to define the value for the property which is specified in @GeneratedValue annotation. It creates a sequence.</a:t>
+                      </a:r>
+                    </a:p>
+                  </a:txBody>
+                  <a:tcPr marL="12635" marR="12635" marT="12635" marB="12635">
+                    <a:lnL w="9525" cap="flat" cmpd="sng" algn="ctr">
+                      <a:solidFill>
+                        <a:srgbClr val="DDDDDD"/>
+                      </a:solidFill>
+                      <a:prstDash val="solid"/>
+                      <a:round/>
+                      <a:headEnd type="none" w="med" len="med"/>
+                      <a:tailEnd type="none" w="med" len="med"/>
+                    </a:lnL>
+                    <a:lnR w="9525" cap="flat" cmpd="sng" algn="ctr">
+                      <a:solidFill>
+                        <a:srgbClr val="DDDDDD"/>
+                      </a:solidFill>
+                      <a:prstDash val="solid"/>
+                      <a:round/>
+                      <a:headEnd type="none" w="med" len="med"/>
+                      <a:tailEnd type="none" w="med" len="med"/>
+                    </a:lnR>
+                    <a:lnT w="9525" cap="flat" cmpd="sng" algn="ctr">
+                      <a:solidFill>
+                        <a:srgbClr val="DDDDDD"/>
+                      </a:solidFill>
+                      <a:prstDash val="solid"/>
+                      <a:round/>
+                      <a:headEnd type="none" w="med" len="med"/>
+                      <a:tailEnd type="none" w="med" len="med"/>
+                    </a:lnT>
+                    <a:lnB w="9525" cap="flat" cmpd="sng" algn="ctr">
+                      <a:solidFill>
+                        <a:srgbClr val="DDDDDD"/>
+                      </a:solidFill>
+                      <a:prstDash val="solid"/>
+                      <a:round/>
+                      <a:headEnd type="none" w="med" len="med"/>
+                      <a:tailEnd type="none" w="med" len="med"/>
+                    </a:lnB>
+                  </a:tcPr>
+                </a:tc>
+                <a:extLst>
+                  <a:ext uri="{0D108BD9-81ED-4DB2-BD59-A6C34878D82A}">
+                    <a16:rowId xmlns:a16="http://schemas.microsoft.com/office/drawing/2014/main" val="259628224"/>
+                  </a:ext>
+                </a:extLst>
+              </a:tr>
+              <a:tr h="592085">
+                <a:tc>
+                  <a:txBody>
+                    <a:bodyPr/>
+                    <a:lstStyle/>
+                    <a:p>
+                      <a:pPr fontAlgn="t"/>
+                      <a:r>
+                        <a:rPr lang="en-US" sz="1600">
+                          <a:effectLst/>
+                        </a:rPr>
+                        <a:t>@TableGenerator</a:t>
+                      </a:r>
+                    </a:p>
+                  </a:txBody>
+                  <a:tcPr marL="12635" marR="12635" marT="12635" marB="12635">
+                    <a:lnL w="9525" cap="flat" cmpd="sng" algn="ctr">
+                      <a:solidFill>
+                        <a:srgbClr val="DDDDDD"/>
+                      </a:solidFill>
+                      <a:prstDash val="solid"/>
+                      <a:round/>
+                      <a:headEnd type="none" w="med" len="med"/>
+                      <a:tailEnd type="none" w="med" len="med"/>
+                    </a:lnL>
+                    <a:lnR w="9525" cap="flat" cmpd="sng" algn="ctr">
+                      <a:solidFill>
+                        <a:srgbClr val="DDDDDD"/>
+                      </a:solidFill>
+                      <a:prstDash val="solid"/>
+                      <a:round/>
+                      <a:headEnd type="none" w="med" len="med"/>
+                      <a:tailEnd type="none" w="med" len="med"/>
+                    </a:lnR>
+                    <a:lnT w="9525" cap="flat" cmpd="sng" algn="ctr">
+                      <a:solidFill>
+                        <a:srgbClr val="DDDDDD"/>
+                      </a:solidFill>
+                      <a:prstDash val="solid"/>
+                      <a:round/>
+                      <a:headEnd type="none" w="med" len="med"/>
+                      <a:tailEnd type="none" w="med" len="med"/>
+                    </a:lnT>
+                    <a:lnB w="9525" cap="flat" cmpd="sng" algn="ctr">
+                      <a:solidFill>
+                        <a:srgbClr val="DDDDDD"/>
+                      </a:solidFill>
+                      <a:prstDash val="solid"/>
+                      <a:round/>
+                      <a:headEnd type="none" w="med" len="med"/>
+                      <a:tailEnd type="none" w="med" len="med"/>
+                    </a:lnB>
+                  </a:tcPr>
+                </a:tc>
+                <a:tc>
+                  <a:txBody>
+                    <a:bodyPr/>
+                    <a:lstStyle/>
+                    <a:p>
+                      <a:pPr fontAlgn="t"/>
+                      <a:r>
+                        <a:rPr lang="en-US" sz="1600" dirty="0">
+                          <a:effectLst/>
+                        </a:rPr>
+                        <a:t>This annotation is used to specify the value generator for property specified in @</a:t>
+                      </a:r>
+                      <a:r>
+                        <a:rPr lang="en-US" sz="1600" dirty="0" err="1">
+                          <a:effectLst/>
+                        </a:rPr>
+                        <a:t>GeneratedValue</a:t>
+                      </a:r>
+                      <a:r>
+                        <a:rPr lang="en-US" sz="1600" dirty="0">
+                          <a:effectLst/>
+                        </a:rPr>
+                        <a:t> annotation. It creates a table for value generation.</a:t>
+                      </a:r>
+                    </a:p>
+                  </a:txBody>
+                  <a:tcPr marL="12635" marR="12635" marT="12635" marB="12635">
+                    <a:lnL w="9525" cap="flat" cmpd="sng" algn="ctr">
+                      <a:solidFill>
+                        <a:srgbClr val="DDDDDD"/>
+                      </a:solidFill>
+                      <a:prstDash val="solid"/>
+                      <a:round/>
+                      <a:headEnd type="none" w="med" len="med"/>
+                      <a:tailEnd type="none" w="med" len="med"/>
+                    </a:lnL>
+                    <a:lnR w="9525" cap="flat" cmpd="sng" algn="ctr">
+                      <a:solidFill>
+                        <a:srgbClr val="DDDDDD"/>
+                      </a:solidFill>
+                      <a:prstDash val="solid"/>
+                      <a:round/>
+                      <a:headEnd type="none" w="med" len="med"/>
+                      <a:tailEnd type="none" w="med" len="med"/>
+                    </a:lnR>
+                    <a:lnT w="9525" cap="flat" cmpd="sng" algn="ctr">
+                      <a:solidFill>
+                        <a:srgbClr val="DDDDDD"/>
+                      </a:solidFill>
+                      <a:prstDash val="solid"/>
+                      <a:round/>
+                      <a:headEnd type="none" w="med" len="med"/>
+                      <a:tailEnd type="none" w="med" len="med"/>
+                    </a:lnT>
+                    <a:lnB w="9525" cap="flat" cmpd="sng" algn="ctr">
+                      <a:solidFill>
+                        <a:srgbClr val="DDDDDD"/>
+                      </a:solidFill>
+                      <a:prstDash val="solid"/>
+                      <a:round/>
+                      <a:headEnd type="none" w="med" len="med"/>
+                      <a:tailEnd type="none" w="med" len="med"/>
+                    </a:lnB>
+                  </a:tcPr>
+                </a:tc>
+                <a:extLst>
+                  <a:ext uri="{0D108BD9-81ED-4DB2-BD59-A6C34878D82A}">
+                    <a16:rowId xmlns:a16="http://schemas.microsoft.com/office/drawing/2014/main" val="602585526"/>
+                  </a:ext>
+                </a:extLst>
+              </a:tr>
+            </a:tbl>
+          </a:graphicData>
+        </a:graphic>
+      </p:graphicFrame>
     </p:spTree>
     <p:extLst>
       <p:ext uri="{BB962C8B-B14F-4D97-AF65-F5344CB8AC3E}">
-        <p14:creationId xmlns:p14="http://schemas.microsoft.com/office/powerpoint/2010/main" val="4018954063"/>
+        <p14:creationId xmlns:p14="http://schemas.microsoft.com/office/powerpoint/2010/main" val="560540966"/>
       </p:ext>
     </p:extLst>
   </p:cSld>

--- a/test-springmvc/doc/20181018-Spring JPA.pptx
+++ b/test-springmvc/doc/20181018-Spring JPA.pptx
@@ -77,7 +77,17 @@
     <p:sldId id="269" r:id="rId71"/>
     <p:sldId id="267" r:id="rId72"/>
     <p:sldId id="270" r:id="rId73"/>
-    <p:sldId id="259" r:id="rId74"/>
+    <p:sldId id="330" r:id="rId74"/>
+    <p:sldId id="331" r:id="rId75"/>
+    <p:sldId id="332" r:id="rId76"/>
+    <p:sldId id="333" r:id="rId77"/>
+    <p:sldId id="334" r:id="rId78"/>
+    <p:sldId id="335" r:id="rId79"/>
+    <p:sldId id="338" r:id="rId80"/>
+    <p:sldId id="336" r:id="rId81"/>
+    <p:sldId id="337" r:id="rId82"/>
+    <p:sldId id="339" r:id="rId83"/>
+    <p:sldId id="259" r:id="rId84"/>
   </p:sldIdLst>
   <p:sldSz cx="12192000" cy="6858000"/>
   <p:notesSz cx="6858000" cy="9144000"/>
@@ -313,7 +323,7 @@
           <a:p>
             <a:fld id="{6E8ECDC8-BA8A-40BE-ADB5-07E1343FAE8E}" type="datetimeFigureOut">
               <a:rPr lang="zh-TW" altLang="en-US" smtClean="0"/>
-              <a:t>2018-10-24</a:t>
+              <a:t>2018-10-25</a:t>
             </a:fld>
             <a:endParaRPr lang="zh-TW" altLang="en-US"/>
           </a:p>
@@ -481,7 +491,7 @@
           <a:p>
             <a:fld id="{6E8ECDC8-BA8A-40BE-ADB5-07E1343FAE8E}" type="datetimeFigureOut">
               <a:rPr lang="zh-TW" altLang="en-US" smtClean="0"/>
-              <a:t>2018-10-24</a:t>
+              <a:t>2018-10-25</a:t>
             </a:fld>
             <a:endParaRPr lang="zh-TW" altLang="en-US"/>
           </a:p>
@@ -659,7 +669,7 @@
           <a:p>
             <a:fld id="{6E8ECDC8-BA8A-40BE-ADB5-07E1343FAE8E}" type="datetimeFigureOut">
               <a:rPr lang="zh-TW" altLang="en-US" smtClean="0"/>
-              <a:t>2018-10-24</a:t>
+              <a:t>2018-10-25</a:t>
             </a:fld>
             <a:endParaRPr lang="zh-TW" altLang="en-US"/>
           </a:p>
@@ -827,7 +837,7 @@
           <a:p>
             <a:fld id="{6E8ECDC8-BA8A-40BE-ADB5-07E1343FAE8E}" type="datetimeFigureOut">
               <a:rPr lang="zh-TW" altLang="en-US" smtClean="0"/>
-              <a:t>2018-10-24</a:t>
+              <a:t>2018-10-25</a:t>
             </a:fld>
             <a:endParaRPr lang="zh-TW" altLang="en-US"/>
           </a:p>
@@ -1072,7 +1082,7 @@
           <a:p>
             <a:fld id="{6E8ECDC8-BA8A-40BE-ADB5-07E1343FAE8E}" type="datetimeFigureOut">
               <a:rPr lang="zh-TW" altLang="en-US" smtClean="0"/>
-              <a:t>2018-10-24</a:t>
+              <a:t>2018-10-25</a:t>
             </a:fld>
             <a:endParaRPr lang="zh-TW" altLang="en-US"/>
           </a:p>
@@ -1301,7 +1311,7 @@
           <a:p>
             <a:fld id="{6E8ECDC8-BA8A-40BE-ADB5-07E1343FAE8E}" type="datetimeFigureOut">
               <a:rPr lang="zh-TW" altLang="en-US" smtClean="0"/>
-              <a:t>2018-10-24</a:t>
+              <a:t>2018-10-25</a:t>
             </a:fld>
             <a:endParaRPr lang="zh-TW" altLang="en-US"/>
           </a:p>
@@ -1665,7 +1675,7 @@
           <a:p>
             <a:fld id="{6E8ECDC8-BA8A-40BE-ADB5-07E1343FAE8E}" type="datetimeFigureOut">
               <a:rPr lang="zh-TW" altLang="en-US" smtClean="0"/>
-              <a:t>2018-10-24</a:t>
+              <a:t>2018-10-25</a:t>
             </a:fld>
             <a:endParaRPr lang="zh-TW" altLang="en-US"/>
           </a:p>
@@ -1782,7 +1792,7 @@
           <a:p>
             <a:fld id="{6E8ECDC8-BA8A-40BE-ADB5-07E1343FAE8E}" type="datetimeFigureOut">
               <a:rPr lang="zh-TW" altLang="en-US" smtClean="0"/>
-              <a:t>2018-10-24</a:t>
+              <a:t>2018-10-25</a:t>
             </a:fld>
             <a:endParaRPr lang="zh-TW" altLang="en-US"/>
           </a:p>
@@ -1877,7 +1887,7 @@
           <a:p>
             <a:fld id="{6E8ECDC8-BA8A-40BE-ADB5-07E1343FAE8E}" type="datetimeFigureOut">
               <a:rPr lang="zh-TW" altLang="en-US" smtClean="0"/>
-              <a:t>2018-10-24</a:t>
+              <a:t>2018-10-25</a:t>
             </a:fld>
             <a:endParaRPr lang="zh-TW" altLang="en-US"/>
           </a:p>
@@ -2152,7 +2162,7 @@
           <a:p>
             <a:fld id="{6E8ECDC8-BA8A-40BE-ADB5-07E1343FAE8E}" type="datetimeFigureOut">
               <a:rPr lang="zh-TW" altLang="en-US" smtClean="0"/>
-              <a:t>2018-10-24</a:t>
+              <a:t>2018-10-25</a:t>
             </a:fld>
             <a:endParaRPr lang="zh-TW" altLang="en-US"/>
           </a:p>
@@ -2404,7 +2414,7 @@
           <a:p>
             <a:fld id="{6E8ECDC8-BA8A-40BE-ADB5-07E1343FAE8E}" type="datetimeFigureOut">
               <a:rPr lang="zh-TW" altLang="en-US" smtClean="0"/>
-              <a:t>2018-10-24</a:t>
+              <a:t>2018-10-25</a:t>
             </a:fld>
             <a:endParaRPr lang="zh-TW" altLang="en-US"/>
           </a:p>
@@ -2615,7 +2625,7 @@
           <a:p>
             <a:fld id="{6E8ECDC8-BA8A-40BE-ADB5-07E1343FAE8E}" type="datetimeFigureOut">
               <a:rPr lang="zh-TW" altLang="en-US" smtClean="0"/>
-              <a:t>2018-10-24</a:t>
+              <a:t>2018-10-25</a:t>
             </a:fld>
             <a:endParaRPr lang="zh-TW" altLang="en-US"/>
           </a:p>
@@ -41500,8 +41510,8 @@
           <a:lstStyle/>
           <a:p>
             <a:r>
-              <a:rPr lang="en-US" altLang="zh-TW" dirty="0"/>
-              <a:t>references</a:t>
+              <a:rPr lang="en-US" altLang="zh-TW" dirty="0" smtClean="0"/>
+              <a:t>eclipse JPA Project</a:t>
             </a:r>
             <a:endParaRPr lang="zh-TW" altLang="en-US" dirty="0"/>
           </a:p>
@@ -41519,94 +41529,816 @@
         </p:nvSpPr>
         <p:spPr/>
         <p:txBody>
-          <a:bodyPr>
-            <a:normAutofit fontScale="85000" lnSpcReduction="20000"/>
-          </a:bodyPr>
+          <a:bodyPr/>
           <a:lstStyle/>
           <a:p>
-            <a:r>
-              <a:rPr lang="en-US" altLang="zh-TW" dirty="0"/>
-              <a:t>Hibernate ORM 5.3.7.Final User Guide</a:t>
-            </a:r>
-          </a:p>
-          <a:p>
-            <a:pPr lvl="1"/>
-            <a:r>
-              <a:rPr lang="en-US" altLang="zh-TW" dirty="0" smtClean="0"/>
-              <a:t>http</a:t>
-            </a:r>
-            <a:r>
-              <a:rPr lang="en-US" altLang="zh-TW" dirty="0"/>
-              <a:t>://docs.jboss.org/hibernate/orm/5.3/userguide/html_single/Hibernate_User_Guide.html</a:t>
-            </a:r>
-          </a:p>
-          <a:p>
-            <a:endParaRPr lang="en-US" altLang="zh-TW" dirty="0" smtClean="0"/>
-          </a:p>
-          <a:p>
-            <a:r>
-              <a:rPr lang="en-US" altLang="zh-TW" dirty="0"/>
-              <a:t>JPA Tutorial</a:t>
-            </a:r>
-          </a:p>
-          <a:p>
-            <a:pPr lvl="1"/>
-            <a:r>
-              <a:rPr lang="en-US" altLang="zh-TW" dirty="0" smtClean="0"/>
-              <a:t>https</a:t>
-            </a:r>
-            <a:r>
-              <a:rPr lang="en-US" altLang="zh-TW" dirty="0"/>
-              <a:t>://www.tutorialspoint.com/jpa/index.htm</a:t>
-            </a:r>
-          </a:p>
-          <a:p>
-            <a:endParaRPr lang="en-US" altLang="zh-TW" dirty="0"/>
-          </a:p>
-          <a:p>
-            <a:r>
-              <a:rPr lang="en-US" altLang="zh-TW" dirty="0"/>
-              <a:t>JPA </a:t>
-            </a:r>
-            <a:r>
-              <a:rPr lang="en-US" altLang="zh-TW" dirty="0" smtClean="0"/>
-              <a:t>Tutorial</a:t>
-            </a:r>
-          </a:p>
-          <a:p>
-            <a:pPr lvl="1"/>
-            <a:r>
-              <a:rPr lang="en-US" altLang="zh-TW" dirty="0" smtClean="0"/>
-              <a:t>https</a:t>
-            </a:r>
-            <a:r>
-              <a:rPr lang="en-US" altLang="zh-TW" dirty="0"/>
-              <a:t>://www.javatpoint.com/jpa-tutorial</a:t>
-            </a:r>
-          </a:p>
-          <a:p>
-            <a:endParaRPr lang="en-US" altLang="zh-TW" dirty="0"/>
-          </a:p>
-          <a:p>
-            <a:r>
-              <a:rPr lang="en-US" altLang="zh-TW" dirty="0"/>
-              <a:t>A Guide to JPA with Spring</a:t>
-            </a:r>
-          </a:p>
-          <a:p>
-            <a:pPr lvl="1"/>
-            <a:r>
-              <a:rPr lang="en-US" altLang="zh-TW" dirty="0"/>
-              <a:t>https://www.baeldung.com/the-persistence-layer-with-spring-and-jpa</a:t>
-            </a:r>
             <a:endParaRPr lang="zh-TW" altLang="en-US" dirty="0"/>
           </a:p>
         </p:txBody>
       </p:sp>
+      <p:pic>
+        <p:nvPicPr>
+          <p:cNvPr id="6" name="圖片 5"/>
+          <p:cNvPicPr>
+            <a:picLocks noChangeAspect="1"/>
+          </p:cNvPicPr>
+          <p:nvPr/>
+        </p:nvPicPr>
+        <p:blipFill>
+          <a:blip r:embed="rId2"/>
+          <a:stretch>
+            <a:fillRect/>
+          </a:stretch>
+        </p:blipFill>
+        <p:spPr>
+          <a:xfrm>
+            <a:off x="76217" y="1938698"/>
+            <a:ext cx="4249195" cy="4125191"/>
+          </a:xfrm>
+          <a:prstGeom prst="rect">
+            <a:avLst/>
+          </a:prstGeom>
+        </p:spPr>
+      </p:pic>
+      <p:pic>
+        <p:nvPicPr>
+          <p:cNvPr id="8" name="圖片 7"/>
+          <p:cNvPicPr>
+            <a:picLocks noChangeAspect="1"/>
+          </p:cNvPicPr>
+          <p:nvPr/>
+        </p:nvPicPr>
+        <p:blipFill>
+          <a:blip r:embed="rId3"/>
+          <a:stretch>
+            <a:fillRect/>
+          </a:stretch>
+        </p:blipFill>
+        <p:spPr>
+          <a:xfrm>
+            <a:off x="4527162" y="1567734"/>
+            <a:ext cx="3733060" cy="5097757"/>
+          </a:xfrm>
+          <a:prstGeom prst="rect">
+            <a:avLst/>
+          </a:prstGeom>
+        </p:spPr>
+      </p:pic>
+      <p:pic>
+        <p:nvPicPr>
+          <p:cNvPr id="9" name="圖片 8"/>
+          <p:cNvPicPr>
+            <a:picLocks noChangeAspect="1"/>
+          </p:cNvPicPr>
+          <p:nvPr/>
+        </p:nvPicPr>
+        <p:blipFill>
+          <a:blip r:embed="rId4"/>
+          <a:stretch>
+            <a:fillRect/>
+          </a:stretch>
+        </p:blipFill>
+        <p:spPr>
+          <a:xfrm>
+            <a:off x="8461973" y="1690688"/>
+            <a:ext cx="3653810" cy="4974803"/>
+          </a:xfrm>
+          <a:prstGeom prst="rect">
+            <a:avLst/>
+          </a:prstGeom>
+        </p:spPr>
+      </p:pic>
     </p:spTree>
     <p:extLst>
       <p:ext uri="{BB962C8B-B14F-4D97-AF65-F5344CB8AC3E}">
-        <p14:creationId xmlns:p14="http://schemas.microsoft.com/office/powerpoint/2010/main" val="2271923094"/>
+        <p14:creationId xmlns:p14="http://schemas.microsoft.com/office/powerpoint/2010/main" val="169101891"/>
+      </p:ext>
+    </p:extLst>
+  </p:cSld>
+  <p:clrMapOvr>
+    <a:masterClrMapping/>
+  </p:clrMapOvr>
+</p:sld>
+</file>
+
+<file path=ppt/slides/slide74.xml><?xml version="1.0" encoding="utf-8"?>
+<p:sld xmlns:a="http://schemas.openxmlformats.org/drawingml/2006/main" xmlns:r="http://schemas.openxmlformats.org/officeDocument/2006/relationships" xmlns:p="http://schemas.openxmlformats.org/presentationml/2006/main">
+  <p:cSld>
+    <p:spTree>
+      <p:nvGrpSpPr>
+        <p:cNvPr id="1" name=""/>
+        <p:cNvGrpSpPr/>
+        <p:nvPr/>
+      </p:nvGrpSpPr>
+      <p:grpSpPr>
+        <a:xfrm>
+          <a:off x="0" y="0"/>
+          <a:ext cx="0" cy="0"/>
+          <a:chOff x="0" y="0"/>
+          <a:chExt cx="0" cy="0"/>
+        </a:xfrm>
+      </p:grpSpPr>
+      <p:sp>
+        <p:nvSpPr>
+          <p:cNvPr id="2" name="標題 1"/>
+          <p:cNvSpPr>
+            <a:spLocks noGrp="1"/>
+          </p:cNvSpPr>
+          <p:nvPr>
+            <p:ph type="title"/>
+          </p:nvPr>
+        </p:nvSpPr>
+        <p:spPr/>
+        <p:txBody>
+          <a:bodyPr/>
+          <a:lstStyle/>
+          <a:p>
+            <a:endParaRPr lang="zh-TW" altLang="en-US"/>
+          </a:p>
+        </p:txBody>
+      </p:sp>
+      <p:pic>
+        <p:nvPicPr>
+          <p:cNvPr id="6" name="內容版面配置區 5"/>
+          <p:cNvPicPr>
+            <a:picLocks noGrp="1" noChangeAspect="1"/>
+          </p:cNvPicPr>
+          <p:nvPr>
+            <p:ph idx="1"/>
+          </p:nvPr>
+        </p:nvPicPr>
+        <p:blipFill>
+          <a:blip r:embed="rId2"/>
+          <a:stretch>
+            <a:fillRect/>
+          </a:stretch>
+        </p:blipFill>
+        <p:spPr>
+          <a:xfrm>
+            <a:off x="5140332" y="1233342"/>
+            <a:ext cx="4155772" cy="4351338"/>
+          </a:xfrm>
+          <a:prstGeom prst="rect">
+            <a:avLst/>
+          </a:prstGeom>
+        </p:spPr>
+      </p:pic>
+      <p:pic>
+        <p:nvPicPr>
+          <p:cNvPr id="5" name="圖片 4"/>
+          <p:cNvPicPr>
+            <a:picLocks noChangeAspect="1"/>
+          </p:cNvPicPr>
+          <p:nvPr/>
+        </p:nvPicPr>
+        <p:blipFill>
+          <a:blip r:embed="rId3"/>
+          <a:stretch>
+            <a:fillRect/>
+          </a:stretch>
+        </p:blipFill>
+        <p:spPr>
+          <a:xfrm>
+            <a:off x="948710" y="1331795"/>
+            <a:ext cx="3738688" cy="5115336"/>
+          </a:xfrm>
+          <a:prstGeom prst="rect">
+            <a:avLst/>
+          </a:prstGeom>
+        </p:spPr>
+      </p:pic>
+    </p:spTree>
+    <p:extLst>
+      <p:ext uri="{BB962C8B-B14F-4D97-AF65-F5344CB8AC3E}">
+        <p14:creationId xmlns:p14="http://schemas.microsoft.com/office/powerpoint/2010/main" val="1068563062"/>
+      </p:ext>
+    </p:extLst>
+  </p:cSld>
+  <p:clrMapOvr>
+    <a:masterClrMapping/>
+  </p:clrMapOvr>
+</p:sld>
+</file>
+
+<file path=ppt/slides/slide75.xml><?xml version="1.0" encoding="utf-8"?>
+<p:sld xmlns:a="http://schemas.openxmlformats.org/drawingml/2006/main" xmlns:r="http://schemas.openxmlformats.org/officeDocument/2006/relationships" xmlns:p="http://schemas.openxmlformats.org/presentationml/2006/main">
+  <p:cSld>
+    <p:spTree>
+      <p:nvGrpSpPr>
+        <p:cNvPr id="1" name=""/>
+        <p:cNvGrpSpPr/>
+        <p:nvPr/>
+      </p:nvGrpSpPr>
+      <p:grpSpPr>
+        <a:xfrm>
+          <a:off x="0" y="0"/>
+          <a:ext cx="0" cy="0"/>
+          <a:chOff x="0" y="0"/>
+          <a:chExt cx="0" cy="0"/>
+        </a:xfrm>
+      </p:grpSpPr>
+      <p:sp>
+        <p:nvSpPr>
+          <p:cNvPr id="2" name="標題 1"/>
+          <p:cNvSpPr>
+            <a:spLocks noGrp="1"/>
+          </p:cNvSpPr>
+          <p:nvPr>
+            <p:ph type="title"/>
+          </p:nvPr>
+        </p:nvSpPr>
+        <p:spPr/>
+        <p:txBody>
+          <a:bodyPr/>
+          <a:lstStyle/>
+          <a:p>
+            <a:endParaRPr lang="zh-TW" altLang="en-US"/>
+          </a:p>
+        </p:txBody>
+      </p:sp>
+      <p:sp>
+        <p:nvSpPr>
+          <p:cNvPr id="3" name="內容版面配置區 2"/>
+          <p:cNvSpPr>
+            <a:spLocks noGrp="1"/>
+          </p:cNvSpPr>
+          <p:nvPr>
+            <p:ph idx="1"/>
+          </p:nvPr>
+        </p:nvSpPr>
+        <p:spPr/>
+        <p:txBody>
+          <a:bodyPr/>
+          <a:lstStyle/>
+          <a:p>
+            <a:endParaRPr lang="zh-TW" altLang="en-US"/>
+          </a:p>
+        </p:txBody>
+      </p:sp>
+      <p:pic>
+        <p:nvPicPr>
+          <p:cNvPr id="4" name="圖片 3"/>
+          <p:cNvPicPr>
+            <a:picLocks noChangeAspect="1"/>
+          </p:cNvPicPr>
+          <p:nvPr/>
+        </p:nvPicPr>
+        <p:blipFill>
+          <a:blip r:embed="rId2"/>
+          <a:stretch>
+            <a:fillRect/>
+          </a:stretch>
+        </p:blipFill>
+        <p:spPr>
+          <a:xfrm>
+            <a:off x="3893547" y="1027906"/>
+            <a:ext cx="3878611" cy="4431617"/>
+          </a:xfrm>
+          <a:prstGeom prst="rect">
+            <a:avLst/>
+          </a:prstGeom>
+        </p:spPr>
+      </p:pic>
+      <p:pic>
+        <p:nvPicPr>
+          <p:cNvPr id="5" name="圖片 4"/>
+          <p:cNvPicPr>
+            <a:picLocks noChangeAspect="1"/>
+          </p:cNvPicPr>
+          <p:nvPr/>
+        </p:nvPicPr>
+        <p:blipFill>
+          <a:blip r:embed="rId3"/>
+          <a:stretch>
+            <a:fillRect/>
+          </a:stretch>
+        </p:blipFill>
+        <p:spPr>
+          <a:xfrm>
+            <a:off x="32530" y="867568"/>
+            <a:ext cx="3743196" cy="5065599"/>
+          </a:xfrm>
+          <a:prstGeom prst="rect">
+            <a:avLst/>
+          </a:prstGeom>
+        </p:spPr>
+      </p:pic>
+      <p:pic>
+        <p:nvPicPr>
+          <p:cNvPr id="6" name="圖片 5"/>
+          <p:cNvPicPr>
+            <a:picLocks noChangeAspect="1"/>
+          </p:cNvPicPr>
+          <p:nvPr/>
+        </p:nvPicPr>
+        <p:blipFill>
+          <a:blip r:embed="rId4"/>
+          <a:stretch>
+            <a:fillRect/>
+          </a:stretch>
+        </p:blipFill>
+        <p:spPr>
+          <a:xfrm>
+            <a:off x="8007801" y="867568"/>
+            <a:ext cx="3683385" cy="4355692"/>
+          </a:xfrm>
+          <a:prstGeom prst="rect">
+            <a:avLst/>
+          </a:prstGeom>
+        </p:spPr>
+      </p:pic>
+    </p:spTree>
+    <p:extLst>
+      <p:ext uri="{BB962C8B-B14F-4D97-AF65-F5344CB8AC3E}">
+        <p14:creationId xmlns:p14="http://schemas.microsoft.com/office/powerpoint/2010/main" val="1870360588"/>
+      </p:ext>
+    </p:extLst>
+  </p:cSld>
+  <p:clrMapOvr>
+    <a:masterClrMapping/>
+  </p:clrMapOvr>
+</p:sld>
+</file>
+
+<file path=ppt/slides/slide76.xml><?xml version="1.0" encoding="utf-8"?>
+<p:sld xmlns:a="http://schemas.openxmlformats.org/drawingml/2006/main" xmlns:r="http://schemas.openxmlformats.org/officeDocument/2006/relationships" xmlns:p="http://schemas.openxmlformats.org/presentationml/2006/main">
+  <p:cSld>
+    <p:spTree>
+      <p:nvGrpSpPr>
+        <p:cNvPr id="1" name=""/>
+        <p:cNvGrpSpPr/>
+        <p:nvPr/>
+      </p:nvGrpSpPr>
+      <p:grpSpPr>
+        <a:xfrm>
+          <a:off x="0" y="0"/>
+          <a:ext cx="0" cy="0"/>
+          <a:chOff x="0" y="0"/>
+          <a:chExt cx="0" cy="0"/>
+        </a:xfrm>
+      </p:grpSpPr>
+      <p:sp>
+        <p:nvSpPr>
+          <p:cNvPr id="2" name="標題 1"/>
+          <p:cNvSpPr>
+            <a:spLocks noGrp="1"/>
+          </p:cNvSpPr>
+          <p:nvPr>
+            <p:ph type="title"/>
+          </p:nvPr>
+        </p:nvSpPr>
+        <p:spPr/>
+        <p:txBody>
+          <a:bodyPr/>
+          <a:lstStyle/>
+          <a:p>
+            <a:endParaRPr lang="zh-TW" altLang="en-US" dirty="0"/>
+          </a:p>
+        </p:txBody>
+      </p:sp>
+      <p:sp>
+        <p:nvSpPr>
+          <p:cNvPr id="3" name="內容版面配置區 2"/>
+          <p:cNvSpPr>
+            <a:spLocks noGrp="1"/>
+          </p:cNvSpPr>
+          <p:nvPr>
+            <p:ph idx="1"/>
+          </p:nvPr>
+        </p:nvSpPr>
+        <p:spPr/>
+        <p:txBody>
+          <a:bodyPr/>
+          <a:lstStyle/>
+          <a:p>
+            <a:endParaRPr lang="zh-TW" altLang="en-US" dirty="0"/>
+          </a:p>
+        </p:txBody>
+      </p:sp>
+      <p:pic>
+        <p:nvPicPr>
+          <p:cNvPr id="4" name="圖片 3"/>
+          <p:cNvPicPr>
+            <a:picLocks noChangeAspect="1"/>
+          </p:cNvPicPr>
+          <p:nvPr/>
+        </p:nvPicPr>
+        <p:blipFill>
+          <a:blip r:embed="rId2"/>
+          <a:stretch>
+            <a:fillRect/>
+          </a:stretch>
+        </p:blipFill>
+        <p:spPr>
+          <a:xfrm>
+            <a:off x="382652" y="2379518"/>
+            <a:ext cx="4222719" cy="3551085"/>
+          </a:xfrm>
+          <a:prstGeom prst="rect">
+            <a:avLst/>
+          </a:prstGeom>
+        </p:spPr>
+      </p:pic>
+      <p:pic>
+        <p:nvPicPr>
+          <p:cNvPr id="5" name="圖片 4"/>
+          <p:cNvPicPr>
+            <a:picLocks noChangeAspect="1"/>
+          </p:cNvPicPr>
+          <p:nvPr/>
+        </p:nvPicPr>
+        <p:blipFill>
+          <a:blip r:embed="rId3"/>
+          <a:stretch>
+            <a:fillRect/>
+          </a:stretch>
+        </p:blipFill>
+        <p:spPr>
+          <a:xfrm>
+            <a:off x="4148288" y="2247855"/>
+            <a:ext cx="4379283" cy="3682748"/>
+          </a:xfrm>
+          <a:prstGeom prst="rect">
+            <a:avLst/>
+          </a:prstGeom>
+        </p:spPr>
+      </p:pic>
+      <p:pic>
+        <p:nvPicPr>
+          <p:cNvPr id="6" name="圖片 5"/>
+          <p:cNvPicPr>
+            <a:picLocks noChangeAspect="1"/>
+          </p:cNvPicPr>
+          <p:nvPr/>
+        </p:nvPicPr>
+        <p:blipFill>
+          <a:blip r:embed="rId4"/>
+          <a:stretch>
+            <a:fillRect/>
+          </a:stretch>
+        </p:blipFill>
+        <p:spPr>
+          <a:xfrm>
+            <a:off x="7572293" y="2247855"/>
+            <a:ext cx="4470771" cy="3772450"/>
+          </a:xfrm>
+          <a:prstGeom prst="rect">
+            <a:avLst/>
+          </a:prstGeom>
+        </p:spPr>
+      </p:pic>
+    </p:spTree>
+    <p:extLst>
+      <p:ext uri="{BB962C8B-B14F-4D97-AF65-F5344CB8AC3E}">
+        <p14:creationId xmlns:p14="http://schemas.microsoft.com/office/powerpoint/2010/main" val="2690700012"/>
+      </p:ext>
+    </p:extLst>
+  </p:cSld>
+  <p:clrMapOvr>
+    <a:masterClrMapping/>
+  </p:clrMapOvr>
+</p:sld>
+</file>
+
+<file path=ppt/slides/slide77.xml><?xml version="1.0" encoding="utf-8"?>
+<p:sld xmlns:a="http://schemas.openxmlformats.org/drawingml/2006/main" xmlns:r="http://schemas.openxmlformats.org/officeDocument/2006/relationships" xmlns:p="http://schemas.openxmlformats.org/presentationml/2006/main">
+  <p:cSld>
+    <p:spTree>
+      <p:nvGrpSpPr>
+        <p:cNvPr id="1" name=""/>
+        <p:cNvGrpSpPr/>
+        <p:nvPr/>
+      </p:nvGrpSpPr>
+      <p:grpSpPr>
+        <a:xfrm>
+          <a:off x="0" y="0"/>
+          <a:ext cx="0" cy="0"/>
+          <a:chOff x="0" y="0"/>
+          <a:chExt cx="0" cy="0"/>
+        </a:xfrm>
+      </p:grpSpPr>
+      <p:sp>
+        <p:nvSpPr>
+          <p:cNvPr id="2" name="標題 1"/>
+          <p:cNvSpPr>
+            <a:spLocks noGrp="1"/>
+          </p:cNvSpPr>
+          <p:nvPr>
+            <p:ph type="title"/>
+          </p:nvPr>
+        </p:nvSpPr>
+        <p:spPr/>
+        <p:txBody>
+          <a:bodyPr/>
+          <a:lstStyle/>
+          <a:p>
+            <a:endParaRPr lang="zh-TW" altLang="en-US"/>
+          </a:p>
+        </p:txBody>
+      </p:sp>
+      <p:sp>
+        <p:nvSpPr>
+          <p:cNvPr id="3" name="內容版面配置區 2"/>
+          <p:cNvSpPr>
+            <a:spLocks noGrp="1"/>
+          </p:cNvSpPr>
+          <p:nvPr>
+            <p:ph idx="1"/>
+          </p:nvPr>
+        </p:nvSpPr>
+        <p:spPr/>
+        <p:txBody>
+          <a:bodyPr/>
+          <a:lstStyle/>
+          <a:p>
+            <a:endParaRPr lang="zh-TW" altLang="en-US"/>
+          </a:p>
+        </p:txBody>
+      </p:sp>
+      <p:pic>
+        <p:nvPicPr>
+          <p:cNvPr id="4" name="圖片 3"/>
+          <p:cNvPicPr>
+            <a:picLocks noChangeAspect="1"/>
+          </p:cNvPicPr>
+          <p:nvPr/>
+        </p:nvPicPr>
+        <p:blipFill>
+          <a:blip r:embed="rId2"/>
+          <a:stretch>
+            <a:fillRect/>
+          </a:stretch>
+        </p:blipFill>
+        <p:spPr>
+          <a:xfrm>
+            <a:off x="1440746" y="543285"/>
+            <a:ext cx="4904762" cy="5771429"/>
+          </a:xfrm>
+          <a:prstGeom prst="rect">
+            <a:avLst/>
+          </a:prstGeom>
+        </p:spPr>
+      </p:pic>
+      <p:pic>
+        <p:nvPicPr>
+          <p:cNvPr id="5" name="圖片 4"/>
+          <p:cNvPicPr>
+            <a:picLocks noChangeAspect="1"/>
+          </p:cNvPicPr>
+          <p:nvPr/>
+        </p:nvPicPr>
+        <p:blipFill>
+          <a:blip r:embed="rId3"/>
+          <a:stretch>
+            <a:fillRect/>
+          </a:stretch>
+        </p:blipFill>
+        <p:spPr>
+          <a:xfrm>
+            <a:off x="7306286" y="543285"/>
+            <a:ext cx="4885714" cy="5790476"/>
+          </a:xfrm>
+          <a:prstGeom prst="rect">
+            <a:avLst/>
+          </a:prstGeom>
+        </p:spPr>
+      </p:pic>
+    </p:spTree>
+    <p:extLst>
+      <p:ext uri="{BB962C8B-B14F-4D97-AF65-F5344CB8AC3E}">
+        <p14:creationId xmlns:p14="http://schemas.microsoft.com/office/powerpoint/2010/main" val="1800671782"/>
+      </p:ext>
+    </p:extLst>
+  </p:cSld>
+  <p:clrMapOvr>
+    <a:masterClrMapping/>
+  </p:clrMapOvr>
+</p:sld>
+</file>
+
+<file path=ppt/slides/slide78.xml><?xml version="1.0" encoding="utf-8"?>
+<p:sld xmlns:a="http://schemas.openxmlformats.org/drawingml/2006/main" xmlns:r="http://schemas.openxmlformats.org/officeDocument/2006/relationships" xmlns:p="http://schemas.openxmlformats.org/presentationml/2006/main">
+  <p:cSld>
+    <p:spTree>
+      <p:nvGrpSpPr>
+        <p:cNvPr id="1" name=""/>
+        <p:cNvGrpSpPr/>
+        <p:nvPr/>
+      </p:nvGrpSpPr>
+      <p:grpSpPr>
+        <a:xfrm>
+          <a:off x="0" y="0"/>
+          <a:ext cx="0" cy="0"/>
+          <a:chOff x="0" y="0"/>
+          <a:chExt cx="0" cy="0"/>
+        </a:xfrm>
+      </p:grpSpPr>
+      <p:sp>
+        <p:nvSpPr>
+          <p:cNvPr id="2" name="標題 1"/>
+          <p:cNvSpPr>
+            <a:spLocks noGrp="1"/>
+          </p:cNvSpPr>
+          <p:nvPr>
+            <p:ph type="title"/>
+          </p:nvPr>
+        </p:nvSpPr>
+        <p:spPr/>
+        <p:txBody>
+          <a:bodyPr/>
+          <a:lstStyle/>
+          <a:p>
+            <a:endParaRPr lang="zh-TW" altLang="en-US"/>
+          </a:p>
+        </p:txBody>
+      </p:sp>
+      <p:sp>
+        <p:nvSpPr>
+          <p:cNvPr id="3" name="內容版面配置區 2"/>
+          <p:cNvSpPr>
+            <a:spLocks noGrp="1"/>
+          </p:cNvSpPr>
+          <p:nvPr>
+            <p:ph idx="1"/>
+          </p:nvPr>
+        </p:nvSpPr>
+        <p:spPr/>
+        <p:txBody>
+          <a:bodyPr/>
+          <a:lstStyle/>
+          <a:p>
+            <a:endParaRPr lang="zh-TW" altLang="en-US"/>
+          </a:p>
+        </p:txBody>
+      </p:sp>
+      <p:pic>
+        <p:nvPicPr>
+          <p:cNvPr id="4" name="圖片 3"/>
+          <p:cNvPicPr>
+            <a:picLocks noChangeAspect="1"/>
+          </p:cNvPicPr>
+          <p:nvPr/>
+        </p:nvPicPr>
+        <p:blipFill>
+          <a:blip r:embed="rId2"/>
+          <a:stretch>
+            <a:fillRect/>
+          </a:stretch>
+        </p:blipFill>
+        <p:spPr>
+          <a:xfrm>
+            <a:off x="1493865" y="2584835"/>
+            <a:ext cx="2761905" cy="1542857"/>
+          </a:xfrm>
+          <a:prstGeom prst="rect">
+            <a:avLst/>
+          </a:prstGeom>
+        </p:spPr>
+      </p:pic>
+      <p:pic>
+        <p:nvPicPr>
+          <p:cNvPr id="5" name="圖片 4"/>
+          <p:cNvPicPr>
+            <a:picLocks noChangeAspect="1"/>
+          </p:cNvPicPr>
+          <p:nvPr/>
+        </p:nvPicPr>
+        <p:blipFill>
+          <a:blip r:embed="rId3"/>
+          <a:stretch>
+            <a:fillRect/>
+          </a:stretch>
+        </p:blipFill>
+        <p:spPr>
+          <a:xfrm>
+            <a:off x="6401900" y="2396151"/>
+            <a:ext cx="3752381" cy="2876190"/>
+          </a:xfrm>
+          <a:prstGeom prst="rect">
+            <a:avLst/>
+          </a:prstGeom>
+        </p:spPr>
+      </p:pic>
+    </p:spTree>
+    <p:extLst>
+      <p:ext uri="{BB962C8B-B14F-4D97-AF65-F5344CB8AC3E}">
+        <p14:creationId xmlns:p14="http://schemas.microsoft.com/office/powerpoint/2010/main" val="2187190978"/>
+      </p:ext>
+    </p:extLst>
+  </p:cSld>
+  <p:clrMapOvr>
+    <a:masterClrMapping/>
+  </p:clrMapOvr>
+</p:sld>
+</file>
+
+<file path=ppt/slides/slide79.xml><?xml version="1.0" encoding="utf-8"?>
+<p:sld xmlns:a="http://schemas.openxmlformats.org/drawingml/2006/main" xmlns:r="http://schemas.openxmlformats.org/officeDocument/2006/relationships" xmlns:p="http://schemas.openxmlformats.org/presentationml/2006/main">
+  <p:cSld>
+    <p:spTree>
+      <p:nvGrpSpPr>
+        <p:cNvPr id="1" name=""/>
+        <p:cNvGrpSpPr/>
+        <p:nvPr/>
+      </p:nvGrpSpPr>
+      <p:grpSpPr>
+        <a:xfrm>
+          <a:off x="0" y="0"/>
+          <a:ext cx="0" cy="0"/>
+          <a:chOff x="0" y="0"/>
+          <a:chExt cx="0" cy="0"/>
+        </a:xfrm>
+      </p:grpSpPr>
+      <p:sp>
+        <p:nvSpPr>
+          <p:cNvPr id="2" name="標題 1"/>
+          <p:cNvSpPr>
+            <a:spLocks noGrp="1"/>
+          </p:cNvSpPr>
+          <p:nvPr>
+            <p:ph type="title"/>
+          </p:nvPr>
+        </p:nvSpPr>
+        <p:spPr/>
+        <p:txBody>
+          <a:bodyPr/>
+          <a:lstStyle/>
+          <a:p>
+            <a:endParaRPr lang="zh-TW" altLang="en-US"/>
+          </a:p>
+        </p:txBody>
+      </p:sp>
+      <p:sp>
+        <p:nvSpPr>
+          <p:cNvPr id="3" name="內容版面配置區 2"/>
+          <p:cNvSpPr>
+            <a:spLocks noGrp="1"/>
+          </p:cNvSpPr>
+          <p:nvPr>
+            <p:ph idx="1"/>
+          </p:nvPr>
+        </p:nvSpPr>
+        <p:spPr/>
+        <p:txBody>
+          <a:bodyPr/>
+          <a:lstStyle/>
+          <a:p>
+            <a:endParaRPr lang="zh-TW" altLang="en-US"/>
+          </a:p>
+        </p:txBody>
+      </p:sp>
+      <p:pic>
+        <p:nvPicPr>
+          <p:cNvPr id="4" name="圖片 3"/>
+          <p:cNvPicPr>
+            <a:picLocks noChangeAspect="1"/>
+          </p:cNvPicPr>
+          <p:nvPr/>
+        </p:nvPicPr>
+        <p:blipFill>
+          <a:blip r:embed="rId2"/>
+          <a:stretch>
+            <a:fillRect/>
+          </a:stretch>
+        </p:blipFill>
+        <p:spPr>
+          <a:xfrm>
+            <a:off x="101415" y="2857500"/>
+            <a:ext cx="5567424" cy="2854772"/>
+          </a:xfrm>
+          <a:prstGeom prst="rect">
+            <a:avLst/>
+          </a:prstGeom>
+        </p:spPr>
+      </p:pic>
+      <p:pic>
+        <p:nvPicPr>
+          <p:cNvPr id="5" name="圖片 4"/>
+          <p:cNvPicPr>
+            <a:picLocks noChangeAspect="1"/>
+          </p:cNvPicPr>
+          <p:nvPr/>
+        </p:nvPicPr>
+        <p:blipFill>
+          <a:blip r:embed="rId3"/>
+          <a:stretch>
+            <a:fillRect/>
+          </a:stretch>
+        </p:blipFill>
+        <p:spPr>
+          <a:xfrm>
+            <a:off x="5100741" y="2681051"/>
+            <a:ext cx="6253059" cy="3216852"/>
+          </a:xfrm>
+          <a:prstGeom prst="rect">
+            <a:avLst/>
+          </a:prstGeom>
+        </p:spPr>
+      </p:pic>
+    </p:spTree>
+    <p:extLst>
+      <p:ext uri="{BB962C8B-B14F-4D97-AF65-F5344CB8AC3E}">
+        <p14:creationId xmlns:p14="http://schemas.microsoft.com/office/powerpoint/2010/main" val="3453672766"/>
       </p:ext>
     </p:extLst>
   </p:cSld>
@@ -41822,6 +42554,503 @@
     <p:extLst>
       <p:ext uri="{BB962C8B-B14F-4D97-AF65-F5344CB8AC3E}">
         <p14:creationId xmlns:p14="http://schemas.microsoft.com/office/powerpoint/2010/main" val="1228948253"/>
+      </p:ext>
+    </p:extLst>
+  </p:cSld>
+  <p:clrMapOvr>
+    <a:masterClrMapping/>
+  </p:clrMapOvr>
+</p:sld>
+</file>
+
+<file path=ppt/slides/slide80.xml><?xml version="1.0" encoding="utf-8"?>
+<p:sld xmlns:a="http://schemas.openxmlformats.org/drawingml/2006/main" xmlns:r="http://schemas.openxmlformats.org/officeDocument/2006/relationships" xmlns:p="http://schemas.openxmlformats.org/presentationml/2006/main">
+  <p:cSld>
+    <p:spTree>
+      <p:nvGrpSpPr>
+        <p:cNvPr id="1" name=""/>
+        <p:cNvGrpSpPr/>
+        <p:nvPr/>
+      </p:nvGrpSpPr>
+      <p:grpSpPr>
+        <a:xfrm>
+          <a:off x="0" y="0"/>
+          <a:ext cx="0" cy="0"/>
+          <a:chOff x="0" y="0"/>
+          <a:chExt cx="0" cy="0"/>
+        </a:xfrm>
+      </p:grpSpPr>
+      <p:sp>
+        <p:nvSpPr>
+          <p:cNvPr id="2" name="標題 1"/>
+          <p:cNvSpPr>
+            <a:spLocks noGrp="1"/>
+          </p:cNvSpPr>
+          <p:nvPr>
+            <p:ph type="title"/>
+          </p:nvPr>
+        </p:nvSpPr>
+        <p:spPr/>
+        <p:txBody>
+          <a:bodyPr/>
+          <a:lstStyle/>
+          <a:p>
+            <a:endParaRPr lang="zh-TW" altLang="en-US"/>
+          </a:p>
+        </p:txBody>
+      </p:sp>
+      <p:sp>
+        <p:nvSpPr>
+          <p:cNvPr id="3" name="內容版面配置區 2"/>
+          <p:cNvSpPr>
+            <a:spLocks noGrp="1"/>
+          </p:cNvSpPr>
+          <p:nvPr>
+            <p:ph idx="1"/>
+          </p:nvPr>
+        </p:nvSpPr>
+        <p:spPr/>
+        <p:txBody>
+          <a:bodyPr/>
+          <a:lstStyle/>
+          <a:p>
+            <a:endParaRPr lang="zh-TW" altLang="en-US"/>
+          </a:p>
+        </p:txBody>
+      </p:sp>
+      <p:pic>
+        <p:nvPicPr>
+          <p:cNvPr id="5" name="圖片 4"/>
+          <p:cNvPicPr>
+            <a:picLocks noChangeAspect="1"/>
+          </p:cNvPicPr>
+          <p:nvPr/>
+        </p:nvPicPr>
+        <p:blipFill>
+          <a:blip r:embed="rId2"/>
+          <a:stretch>
+            <a:fillRect/>
+          </a:stretch>
+        </p:blipFill>
+        <p:spPr>
+          <a:xfrm>
+            <a:off x="838200" y="1340428"/>
+            <a:ext cx="4747284" cy="4968998"/>
+          </a:xfrm>
+          <a:prstGeom prst="rect">
+            <a:avLst/>
+          </a:prstGeom>
+        </p:spPr>
+      </p:pic>
+      <p:pic>
+        <p:nvPicPr>
+          <p:cNvPr id="7" name="圖片 6"/>
+          <p:cNvPicPr>
+            <a:picLocks noChangeAspect="1"/>
+          </p:cNvPicPr>
+          <p:nvPr/>
+        </p:nvPicPr>
+        <p:blipFill>
+          <a:blip r:embed="rId3"/>
+          <a:stretch>
+            <a:fillRect/>
+          </a:stretch>
+        </p:blipFill>
+        <p:spPr>
+          <a:xfrm>
+            <a:off x="6096000" y="2187184"/>
+            <a:ext cx="5651817" cy="3275485"/>
+          </a:xfrm>
+          <a:prstGeom prst="rect">
+            <a:avLst/>
+          </a:prstGeom>
+        </p:spPr>
+      </p:pic>
+    </p:spTree>
+    <p:extLst>
+      <p:ext uri="{BB962C8B-B14F-4D97-AF65-F5344CB8AC3E}">
+        <p14:creationId xmlns:p14="http://schemas.microsoft.com/office/powerpoint/2010/main" val="3968993418"/>
+      </p:ext>
+    </p:extLst>
+  </p:cSld>
+  <p:clrMapOvr>
+    <a:masterClrMapping/>
+  </p:clrMapOvr>
+</p:sld>
+</file>
+
+<file path=ppt/slides/slide81.xml><?xml version="1.0" encoding="utf-8"?>
+<p:sld xmlns:a="http://schemas.openxmlformats.org/drawingml/2006/main" xmlns:r="http://schemas.openxmlformats.org/officeDocument/2006/relationships" xmlns:p="http://schemas.openxmlformats.org/presentationml/2006/main">
+  <p:cSld>
+    <p:spTree>
+      <p:nvGrpSpPr>
+        <p:cNvPr id="1" name=""/>
+        <p:cNvGrpSpPr/>
+        <p:nvPr/>
+      </p:nvGrpSpPr>
+      <p:grpSpPr>
+        <a:xfrm>
+          <a:off x="0" y="0"/>
+          <a:ext cx="0" cy="0"/>
+          <a:chOff x="0" y="0"/>
+          <a:chExt cx="0" cy="0"/>
+        </a:xfrm>
+      </p:grpSpPr>
+      <p:sp>
+        <p:nvSpPr>
+          <p:cNvPr id="2" name="標題 1"/>
+          <p:cNvSpPr>
+            <a:spLocks noGrp="1"/>
+          </p:cNvSpPr>
+          <p:nvPr>
+            <p:ph type="title"/>
+          </p:nvPr>
+        </p:nvSpPr>
+        <p:spPr/>
+        <p:txBody>
+          <a:bodyPr/>
+          <a:lstStyle/>
+          <a:p>
+            <a:endParaRPr lang="zh-TW" altLang="en-US"/>
+          </a:p>
+        </p:txBody>
+      </p:sp>
+      <p:sp>
+        <p:nvSpPr>
+          <p:cNvPr id="3" name="內容版面配置區 2"/>
+          <p:cNvSpPr>
+            <a:spLocks noGrp="1"/>
+          </p:cNvSpPr>
+          <p:nvPr>
+            <p:ph idx="1"/>
+          </p:nvPr>
+        </p:nvSpPr>
+        <p:spPr/>
+        <p:txBody>
+          <a:bodyPr/>
+          <a:lstStyle/>
+          <a:p>
+            <a:endParaRPr lang="zh-TW" altLang="en-US"/>
+          </a:p>
+        </p:txBody>
+      </p:sp>
+      <p:pic>
+        <p:nvPicPr>
+          <p:cNvPr id="4" name="圖片 3"/>
+          <p:cNvPicPr>
+            <a:picLocks noChangeAspect="1"/>
+          </p:cNvPicPr>
+          <p:nvPr/>
+        </p:nvPicPr>
+        <p:blipFill>
+          <a:blip r:embed="rId2"/>
+          <a:stretch>
+            <a:fillRect/>
+          </a:stretch>
+        </p:blipFill>
+        <p:spPr>
+          <a:xfrm>
+            <a:off x="6368770" y="2302032"/>
+            <a:ext cx="5190476" cy="2523809"/>
+          </a:xfrm>
+          <a:prstGeom prst="rect">
+            <a:avLst/>
+          </a:prstGeom>
+        </p:spPr>
+      </p:pic>
+      <p:pic>
+        <p:nvPicPr>
+          <p:cNvPr id="7" name="圖片 6"/>
+          <p:cNvPicPr>
+            <a:picLocks noChangeAspect="1"/>
+          </p:cNvPicPr>
+          <p:nvPr/>
+        </p:nvPicPr>
+        <p:blipFill>
+          <a:blip r:embed="rId3"/>
+          <a:stretch>
+            <a:fillRect/>
+          </a:stretch>
+        </p:blipFill>
+        <p:spPr>
+          <a:xfrm>
+            <a:off x="1550611" y="2506793"/>
+            <a:ext cx="3209524" cy="2114286"/>
+          </a:xfrm>
+          <a:prstGeom prst="rect">
+            <a:avLst/>
+          </a:prstGeom>
+        </p:spPr>
+      </p:pic>
+    </p:spTree>
+    <p:extLst>
+      <p:ext uri="{BB962C8B-B14F-4D97-AF65-F5344CB8AC3E}">
+        <p14:creationId xmlns:p14="http://schemas.microsoft.com/office/powerpoint/2010/main" val="1745805974"/>
+      </p:ext>
+    </p:extLst>
+  </p:cSld>
+  <p:clrMapOvr>
+    <a:masterClrMapping/>
+  </p:clrMapOvr>
+</p:sld>
+</file>
+
+<file path=ppt/slides/slide82.xml><?xml version="1.0" encoding="utf-8"?>
+<p:sld xmlns:a="http://schemas.openxmlformats.org/drawingml/2006/main" xmlns:r="http://schemas.openxmlformats.org/officeDocument/2006/relationships" xmlns:p="http://schemas.openxmlformats.org/presentationml/2006/main">
+  <p:cSld>
+    <p:spTree>
+      <p:nvGrpSpPr>
+        <p:cNvPr id="1" name=""/>
+        <p:cNvGrpSpPr/>
+        <p:nvPr/>
+      </p:nvGrpSpPr>
+      <p:grpSpPr>
+        <a:xfrm>
+          <a:off x="0" y="0"/>
+          <a:ext cx="0" cy="0"/>
+          <a:chOff x="0" y="0"/>
+          <a:chExt cx="0" cy="0"/>
+        </a:xfrm>
+      </p:grpSpPr>
+      <p:sp>
+        <p:nvSpPr>
+          <p:cNvPr id="2" name="標題 1"/>
+          <p:cNvSpPr>
+            <a:spLocks noGrp="1"/>
+          </p:cNvSpPr>
+          <p:nvPr>
+            <p:ph type="title"/>
+          </p:nvPr>
+        </p:nvSpPr>
+        <p:spPr/>
+        <p:txBody>
+          <a:bodyPr/>
+          <a:lstStyle/>
+          <a:p>
+            <a:endParaRPr lang="zh-TW" altLang="en-US"/>
+          </a:p>
+        </p:txBody>
+      </p:sp>
+      <p:sp>
+        <p:nvSpPr>
+          <p:cNvPr id="3" name="內容版面配置區 2"/>
+          <p:cNvSpPr>
+            <a:spLocks noGrp="1"/>
+          </p:cNvSpPr>
+          <p:nvPr>
+            <p:ph idx="1"/>
+          </p:nvPr>
+        </p:nvSpPr>
+        <p:spPr/>
+        <p:txBody>
+          <a:bodyPr/>
+          <a:lstStyle/>
+          <a:p>
+            <a:endParaRPr lang="zh-TW" altLang="en-US"/>
+          </a:p>
+        </p:txBody>
+      </p:sp>
+      <p:pic>
+        <p:nvPicPr>
+          <p:cNvPr id="4" name="圖片 3"/>
+          <p:cNvPicPr>
+            <a:picLocks noChangeAspect="1"/>
+          </p:cNvPicPr>
+          <p:nvPr/>
+        </p:nvPicPr>
+        <p:blipFill>
+          <a:blip r:embed="rId2"/>
+          <a:stretch>
+            <a:fillRect/>
+          </a:stretch>
+        </p:blipFill>
+        <p:spPr>
+          <a:xfrm>
+            <a:off x="593681" y="2452255"/>
+            <a:ext cx="4859379" cy="2857185"/>
+          </a:xfrm>
+          <a:prstGeom prst="rect">
+            <a:avLst/>
+          </a:prstGeom>
+        </p:spPr>
+      </p:pic>
+      <p:pic>
+        <p:nvPicPr>
+          <p:cNvPr id="5" name="圖片 4"/>
+          <p:cNvPicPr>
+            <a:picLocks noChangeAspect="1"/>
+          </p:cNvPicPr>
+          <p:nvPr/>
+        </p:nvPicPr>
+        <p:blipFill>
+          <a:blip r:embed="rId3"/>
+          <a:stretch>
+            <a:fillRect/>
+          </a:stretch>
+        </p:blipFill>
+        <p:spPr>
+          <a:xfrm>
+            <a:off x="6263636" y="2321934"/>
+            <a:ext cx="5334683" cy="3117826"/>
+          </a:xfrm>
+          <a:prstGeom prst="rect">
+            <a:avLst/>
+          </a:prstGeom>
+        </p:spPr>
+      </p:pic>
+    </p:spTree>
+    <p:extLst>
+      <p:ext uri="{BB962C8B-B14F-4D97-AF65-F5344CB8AC3E}">
+        <p14:creationId xmlns:p14="http://schemas.microsoft.com/office/powerpoint/2010/main" val="3059553083"/>
+      </p:ext>
+    </p:extLst>
+  </p:cSld>
+  <p:clrMapOvr>
+    <a:masterClrMapping/>
+  </p:clrMapOvr>
+</p:sld>
+</file>
+
+<file path=ppt/slides/slide83.xml><?xml version="1.0" encoding="utf-8"?>
+<p:sld xmlns:a="http://schemas.openxmlformats.org/drawingml/2006/main" xmlns:r="http://schemas.openxmlformats.org/officeDocument/2006/relationships" xmlns:p="http://schemas.openxmlformats.org/presentationml/2006/main">
+  <p:cSld>
+    <p:spTree>
+      <p:nvGrpSpPr>
+        <p:cNvPr id="1" name=""/>
+        <p:cNvGrpSpPr/>
+        <p:nvPr/>
+      </p:nvGrpSpPr>
+      <p:grpSpPr>
+        <a:xfrm>
+          <a:off x="0" y="0"/>
+          <a:ext cx="0" cy="0"/>
+          <a:chOff x="0" y="0"/>
+          <a:chExt cx="0" cy="0"/>
+        </a:xfrm>
+      </p:grpSpPr>
+      <p:sp>
+        <p:nvSpPr>
+          <p:cNvPr id="2" name="標題 1"/>
+          <p:cNvSpPr>
+            <a:spLocks noGrp="1"/>
+          </p:cNvSpPr>
+          <p:nvPr>
+            <p:ph type="title"/>
+          </p:nvPr>
+        </p:nvSpPr>
+        <p:spPr/>
+        <p:txBody>
+          <a:bodyPr/>
+          <a:lstStyle/>
+          <a:p>
+            <a:r>
+              <a:rPr lang="en-US" altLang="zh-TW" dirty="0"/>
+              <a:t>references</a:t>
+            </a:r>
+            <a:endParaRPr lang="zh-TW" altLang="en-US" dirty="0"/>
+          </a:p>
+        </p:txBody>
+      </p:sp>
+      <p:sp>
+        <p:nvSpPr>
+          <p:cNvPr id="3" name="內容版面配置區 2"/>
+          <p:cNvSpPr>
+            <a:spLocks noGrp="1"/>
+          </p:cNvSpPr>
+          <p:nvPr>
+            <p:ph idx="1"/>
+          </p:nvPr>
+        </p:nvSpPr>
+        <p:spPr/>
+        <p:txBody>
+          <a:bodyPr>
+            <a:normAutofit fontScale="85000" lnSpcReduction="20000"/>
+          </a:bodyPr>
+          <a:lstStyle/>
+          <a:p>
+            <a:r>
+              <a:rPr lang="en-US" altLang="zh-TW" dirty="0"/>
+              <a:t>Hibernate ORM 5.3.7.Final User Guide</a:t>
+            </a:r>
+          </a:p>
+          <a:p>
+            <a:pPr lvl="1"/>
+            <a:r>
+              <a:rPr lang="en-US" altLang="zh-TW" dirty="0" smtClean="0"/>
+              <a:t>http</a:t>
+            </a:r>
+            <a:r>
+              <a:rPr lang="en-US" altLang="zh-TW" dirty="0"/>
+              <a:t>://docs.jboss.org/hibernate/orm/5.3/userguide/html_single/Hibernate_User_Guide.html</a:t>
+            </a:r>
+          </a:p>
+          <a:p>
+            <a:endParaRPr lang="en-US" altLang="zh-TW" dirty="0" smtClean="0"/>
+          </a:p>
+          <a:p>
+            <a:r>
+              <a:rPr lang="en-US" altLang="zh-TW" dirty="0"/>
+              <a:t>JPA Tutorial</a:t>
+            </a:r>
+          </a:p>
+          <a:p>
+            <a:pPr lvl="1"/>
+            <a:r>
+              <a:rPr lang="en-US" altLang="zh-TW" dirty="0" smtClean="0"/>
+              <a:t>https</a:t>
+            </a:r>
+            <a:r>
+              <a:rPr lang="en-US" altLang="zh-TW" dirty="0"/>
+              <a:t>://www.tutorialspoint.com/jpa/index.htm</a:t>
+            </a:r>
+          </a:p>
+          <a:p>
+            <a:endParaRPr lang="en-US" altLang="zh-TW" dirty="0"/>
+          </a:p>
+          <a:p>
+            <a:r>
+              <a:rPr lang="en-US" altLang="zh-TW" dirty="0"/>
+              <a:t>JPA </a:t>
+            </a:r>
+            <a:r>
+              <a:rPr lang="en-US" altLang="zh-TW" dirty="0" smtClean="0"/>
+              <a:t>Tutorial</a:t>
+            </a:r>
+          </a:p>
+          <a:p>
+            <a:pPr lvl="1"/>
+            <a:r>
+              <a:rPr lang="en-US" altLang="zh-TW" dirty="0" smtClean="0"/>
+              <a:t>https</a:t>
+            </a:r>
+            <a:r>
+              <a:rPr lang="en-US" altLang="zh-TW" dirty="0"/>
+              <a:t>://www.javatpoint.com/jpa-tutorial</a:t>
+            </a:r>
+          </a:p>
+          <a:p>
+            <a:endParaRPr lang="en-US" altLang="zh-TW" dirty="0"/>
+          </a:p>
+          <a:p>
+            <a:r>
+              <a:rPr lang="en-US" altLang="zh-TW" dirty="0"/>
+              <a:t>A Guide to JPA with Spring</a:t>
+            </a:r>
+          </a:p>
+          <a:p>
+            <a:pPr lvl="1"/>
+            <a:r>
+              <a:rPr lang="en-US" altLang="zh-TW" dirty="0"/>
+              <a:t>https://www.baeldung.com/the-persistence-layer-with-spring-and-jpa</a:t>
+            </a:r>
+            <a:endParaRPr lang="zh-TW" altLang="en-US" dirty="0"/>
+          </a:p>
+        </p:txBody>
+      </p:sp>
+    </p:spTree>
+    <p:extLst>
+      <p:ext uri="{BB962C8B-B14F-4D97-AF65-F5344CB8AC3E}">
+        <p14:creationId xmlns:p14="http://schemas.microsoft.com/office/powerpoint/2010/main" val="2271923094"/>
       </p:ext>
     </p:extLst>
   </p:cSld>

--- a/test-springmvc/doc/20181018-Spring JPA.pptx
+++ b/test-springmvc/doc/20181018-Spring JPA.pptx
@@ -83,9 +83,9 @@
     <p:sldId id="333" r:id="rId77"/>
     <p:sldId id="334" r:id="rId78"/>
     <p:sldId id="335" r:id="rId79"/>
-    <p:sldId id="338" r:id="rId80"/>
-    <p:sldId id="336" r:id="rId81"/>
-    <p:sldId id="337" r:id="rId82"/>
+    <p:sldId id="336" r:id="rId80"/>
+    <p:sldId id="337" r:id="rId81"/>
+    <p:sldId id="338" r:id="rId82"/>
     <p:sldId id="339" r:id="rId83"/>
     <p:sldId id="259" r:id="rId84"/>
   </p:sldIdLst>
@@ -42289,337 +42289,6 @@
       </p:sp>
       <p:pic>
         <p:nvPicPr>
-          <p:cNvPr id="4" name="圖片 3"/>
-          <p:cNvPicPr>
-            <a:picLocks noChangeAspect="1"/>
-          </p:cNvPicPr>
-          <p:nvPr/>
-        </p:nvPicPr>
-        <p:blipFill>
-          <a:blip r:embed="rId2"/>
-          <a:stretch>
-            <a:fillRect/>
-          </a:stretch>
-        </p:blipFill>
-        <p:spPr>
-          <a:xfrm>
-            <a:off x="101415" y="2857500"/>
-            <a:ext cx="5567424" cy="2854772"/>
-          </a:xfrm>
-          <a:prstGeom prst="rect">
-            <a:avLst/>
-          </a:prstGeom>
-        </p:spPr>
-      </p:pic>
-      <p:pic>
-        <p:nvPicPr>
-          <p:cNvPr id="5" name="圖片 4"/>
-          <p:cNvPicPr>
-            <a:picLocks noChangeAspect="1"/>
-          </p:cNvPicPr>
-          <p:nvPr/>
-        </p:nvPicPr>
-        <p:blipFill>
-          <a:blip r:embed="rId3"/>
-          <a:stretch>
-            <a:fillRect/>
-          </a:stretch>
-        </p:blipFill>
-        <p:spPr>
-          <a:xfrm>
-            <a:off x="5100741" y="2681051"/>
-            <a:ext cx="6253059" cy="3216852"/>
-          </a:xfrm>
-          <a:prstGeom prst="rect">
-            <a:avLst/>
-          </a:prstGeom>
-        </p:spPr>
-      </p:pic>
-    </p:spTree>
-    <p:extLst>
-      <p:ext uri="{BB962C8B-B14F-4D97-AF65-F5344CB8AC3E}">
-        <p14:creationId xmlns:p14="http://schemas.microsoft.com/office/powerpoint/2010/main" val="3453672766"/>
-      </p:ext>
-    </p:extLst>
-  </p:cSld>
-  <p:clrMapOvr>
-    <a:masterClrMapping/>
-  </p:clrMapOvr>
-</p:sld>
-</file>
-
-<file path=ppt/slides/slide8.xml><?xml version="1.0" encoding="utf-8"?>
-<p:sld xmlns:a="http://schemas.openxmlformats.org/drawingml/2006/main" xmlns:r="http://schemas.openxmlformats.org/officeDocument/2006/relationships" xmlns:p="http://schemas.openxmlformats.org/presentationml/2006/main">
-  <p:cSld>
-    <p:spTree>
-      <p:nvGrpSpPr>
-        <p:cNvPr id="1" name=""/>
-        <p:cNvGrpSpPr/>
-        <p:nvPr/>
-      </p:nvGrpSpPr>
-      <p:grpSpPr>
-        <a:xfrm>
-          <a:off x="0" y="0"/>
-          <a:ext cx="0" cy="0"/>
-          <a:chOff x="0" y="0"/>
-          <a:chExt cx="0" cy="0"/>
-        </a:xfrm>
-      </p:grpSpPr>
-      <p:sp>
-        <p:nvSpPr>
-          <p:cNvPr id="2" name="標題 1"/>
-          <p:cNvSpPr>
-            <a:spLocks noGrp="1"/>
-          </p:cNvSpPr>
-          <p:nvPr>
-            <p:ph type="title"/>
-          </p:nvPr>
-        </p:nvSpPr>
-        <p:spPr/>
-        <p:txBody>
-          <a:bodyPr/>
-          <a:lstStyle/>
-          <a:p>
-            <a:endParaRPr lang="zh-TW" altLang="en-US"/>
-          </a:p>
-        </p:txBody>
-      </p:sp>
-      <p:sp>
-        <p:nvSpPr>
-          <p:cNvPr id="3" name="內容版面配置區 2"/>
-          <p:cNvSpPr>
-            <a:spLocks noGrp="1"/>
-          </p:cNvSpPr>
-          <p:nvPr>
-            <p:ph idx="1"/>
-          </p:nvPr>
-        </p:nvSpPr>
-        <p:spPr/>
-        <p:txBody>
-          <a:bodyPr>
-            <a:normAutofit fontScale="70000" lnSpcReduction="20000"/>
-          </a:bodyPr>
-          <a:lstStyle/>
-          <a:p>
-            <a:r>
-              <a:rPr lang="en-US" altLang="zh-TW" dirty="0"/>
-              <a:t>In the above example the first line of </a:t>
-            </a:r>
-            <a:r>
-              <a:rPr lang="en-US" altLang="zh-TW" dirty="0" err="1"/>
-              <a:t>assignEmployeeToProject</a:t>
-            </a:r>
-            <a:r>
-              <a:rPr lang="en-US" altLang="zh-TW" dirty="0"/>
-              <a:t> method is calling a find method on the </a:t>
-            </a:r>
-            <a:r>
-              <a:rPr lang="en-US" altLang="zh-TW" dirty="0" err="1"/>
-              <a:t>EntityManager</a:t>
-            </a:r>
-            <a:r>
-              <a:rPr lang="en-US" altLang="zh-TW" dirty="0"/>
-              <a:t>. </a:t>
-            </a:r>
-            <a:endParaRPr lang="en-US" altLang="zh-TW" dirty="0" smtClean="0"/>
-          </a:p>
-          <a:p>
-            <a:r>
-              <a:rPr lang="en-US" altLang="zh-TW" dirty="0" smtClean="0"/>
-              <a:t>The </a:t>
-            </a:r>
-            <a:r>
-              <a:rPr lang="en-US" altLang="zh-TW" dirty="0"/>
-              <a:t>call to find will force the container to check for an existing transaction. </a:t>
-            </a:r>
-            <a:endParaRPr lang="en-US" altLang="zh-TW" dirty="0" smtClean="0"/>
-          </a:p>
-          <a:p>
-            <a:pPr lvl="1"/>
-            <a:r>
-              <a:rPr lang="en-US" altLang="zh-TW" dirty="0" smtClean="0"/>
-              <a:t>the container guarantees that a transaction is available whenever a method on the bean is called or not. </a:t>
-            </a:r>
-          </a:p>
-          <a:p>
-            <a:pPr lvl="1"/>
-            <a:r>
-              <a:rPr lang="en-US" altLang="zh-TW" dirty="0" smtClean="0"/>
-              <a:t>If </a:t>
-            </a:r>
-            <a:r>
-              <a:rPr lang="en-US" altLang="zh-TW" dirty="0"/>
-              <a:t>the transaction </a:t>
-            </a:r>
-            <a:r>
-              <a:rPr lang="en-US" altLang="zh-TW" dirty="0" err="1"/>
-              <a:t>doesnt</a:t>
-            </a:r>
-            <a:r>
-              <a:rPr lang="en-US" altLang="zh-TW" dirty="0"/>
-              <a:t> exist, it will throw Exception. </a:t>
-            </a:r>
-            <a:endParaRPr lang="en-US" altLang="zh-TW" dirty="0" smtClean="0"/>
-          </a:p>
-          <a:p>
-            <a:pPr lvl="1"/>
-            <a:r>
-              <a:rPr lang="en-US" altLang="zh-TW" dirty="0" smtClean="0"/>
-              <a:t>If </a:t>
-            </a:r>
-            <a:r>
-              <a:rPr lang="en-US" altLang="zh-TW" dirty="0"/>
-              <a:t>it exists, it will then check whether a Persistence Context exists. </a:t>
-            </a:r>
-            <a:endParaRPr lang="en-US" altLang="zh-TW" dirty="0" smtClean="0"/>
-          </a:p>
-          <a:p>
-            <a:r>
-              <a:rPr lang="en-US" altLang="zh-TW" dirty="0" smtClean="0"/>
-              <a:t>Since </a:t>
-            </a:r>
-            <a:r>
-              <a:rPr lang="en-US" altLang="zh-TW" dirty="0"/>
-              <a:t>its the first call to any method of the </a:t>
-            </a:r>
-            <a:r>
-              <a:rPr lang="en-US" altLang="zh-TW" dirty="0" err="1"/>
-              <a:t>EntityManager</a:t>
-            </a:r>
-            <a:r>
-              <a:rPr lang="en-US" altLang="zh-TW" dirty="0"/>
-              <a:t>, a persistence context is not available yet. The Entity Manager will then create one and use it to find the project bean instance</a:t>
-            </a:r>
-            <a:r>
-              <a:rPr lang="en-US" altLang="zh-TW" dirty="0" smtClean="0"/>
-              <a:t>.</a:t>
-            </a:r>
-          </a:p>
-          <a:p>
-            <a:r>
-              <a:rPr lang="en-US" altLang="zh-TW" dirty="0"/>
-              <a:t>In the next call to find, the Entity Manager already has an associated Transaction as well as the Persistence Context associated with it. </a:t>
-            </a:r>
-            <a:endParaRPr lang="en-US" altLang="zh-TW" dirty="0" smtClean="0"/>
-          </a:p>
-          <a:p>
-            <a:pPr lvl="1"/>
-            <a:r>
-              <a:rPr lang="en-US" altLang="zh-TW" dirty="0" smtClean="0"/>
-              <a:t>It </a:t>
-            </a:r>
-            <a:r>
-              <a:rPr lang="en-US" altLang="zh-TW" dirty="0"/>
-              <a:t>uses the same transaction to find employee instance. </a:t>
-            </a:r>
-            <a:endParaRPr lang="en-US" altLang="zh-TW" dirty="0" smtClean="0"/>
-          </a:p>
-          <a:p>
-            <a:pPr lvl="1"/>
-            <a:r>
-              <a:rPr lang="en-US" altLang="zh-TW" dirty="0" smtClean="0"/>
-              <a:t>By </a:t>
-            </a:r>
-            <a:r>
-              <a:rPr lang="en-US" altLang="zh-TW" dirty="0"/>
-              <a:t>the end of 2nd line in the method both project and employee instance are managed. </a:t>
-            </a:r>
-            <a:endParaRPr lang="en-US" altLang="zh-TW" dirty="0" smtClean="0"/>
-          </a:p>
-          <a:p>
-            <a:r>
-              <a:rPr lang="en-US" altLang="zh-TW" dirty="0" smtClean="0"/>
-              <a:t>At </a:t>
-            </a:r>
-            <a:r>
-              <a:rPr lang="en-US" altLang="zh-TW" dirty="0"/>
-              <a:t>the end of the method call, the transaction is committed and the managed instances of person and employee get persisted. </a:t>
-            </a:r>
-            <a:endParaRPr lang="en-US" altLang="zh-TW" dirty="0" smtClean="0"/>
-          </a:p>
-          <a:p>
-            <a:r>
-              <a:rPr lang="en-US" altLang="zh-TW" dirty="0" smtClean="0"/>
-              <a:t>when </a:t>
-            </a:r>
-            <a:r>
-              <a:rPr lang="en-US" altLang="zh-TW" dirty="0"/>
-              <a:t>the transaction is over, the Persistence Context goes away.</a:t>
-            </a:r>
-            <a:endParaRPr lang="zh-TW" altLang="en-US" dirty="0"/>
-          </a:p>
-        </p:txBody>
-      </p:sp>
-    </p:spTree>
-    <p:extLst>
-      <p:ext uri="{BB962C8B-B14F-4D97-AF65-F5344CB8AC3E}">
-        <p14:creationId xmlns:p14="http://schemas.microsoft.com/office/powerpoint/2010/main" val="1228948253"/>
-      </p:ext>
-    </p:extLst>
-  </p:cSld>
-  <p:clrMapOvr>
-    <a:masterClrMapping/>
-  </p:clrMapOvr>
-</p:sld>
-</file>
-
-<file path=ppt/slides/slide80.xml><?xml version="1.0" encoding="utf-8"?>
-<p:sld xmlns:a="http://schemas.openxmlformats.org/drawingml/2006/main" xmlns:r="http://schemas.openxmlformats.org/officeDocument/2006/relationships" xmlns:p="http://schemas.openxmlformats.org/presentationml/2006/main">
-  <p:cSld>
-    <p:spTree>
-      <p:nvGrpSpPr>
-        <p:cNvPr id="1" name=""/>
-        <p:cNvGrpSpPr/>
-        <p:nvPr/>
-      </p:nvGrpSpPr>
-      <p:grpSpPr>
-        <a:xfrm>
-          <a:off x="0" y="0"/>
-          <a:ext cx="0" cy="0"/>
-          <a:chOff x="0" y="0"/>
-          <a:chExt cx="0" cy="0"/>
-        </a:xfrm>
-      </p:grpSpPr>
-      <p:sp>
-        <p:nvSpPr>
-          <p:cNvPr id="2" name="標題 1"/>
-          <p:cNvSpPr>
-            <a:spLocks noGrp="1"/>
-          </p:cNvSpPr>
-          <p:nvPr>
-            <p:ph type="title"/>
-          </p:nvPr>
-        </p:nvSpPr>
-        <p:spPr/>
-        <p:txBody>
-          <a:bodyPr/>
-          <a:lstStyle/>
-          <a:p>
-            <a:endParaRPr lang="zh-TW" altLang="en-US"/>
-          </a:p>
-        </p:txBody>
-      </p:sp>
-      <p:sp>
-        <p:nvSpPr>
-          <p:cNvPr id="3" name="內容版面配置區 2"/>
-          <p:cNvSpPr>
-            <a:spLocks noGrp="1"/>
-          </p:cNvSpPr>
-          <p:nvPr>
-            <p:ph idx="1"/>
-          </p:nvPr>
-        </p:nvSpPr>
-        <p:spPr/>
-        <p:txBody>
-          <a:bodyPr/>
-          <a:lstStyle/>
-          <a:p>
-            <a:endParaRPr lang="zh-TW" altLang="en-US"/>
-          </a:p>
-        </p:txBody>
-      </p:sp>
-      <p:pic>
-        <p:nvPicPr>
           <p:cNvPr id="5" name="圖片 4"/>
           <p:cNvPicPr>
             <a:picLocks noChangeAspect="1"/>
@@ -42679,7 +42348,222 @@
 </p:sld>
 </file>
 
-<file path=ppt/slides/slide81.xml><?xml version="1.0" encoding="utf-8"?>
+<file path=ppt/slides/slide8.xml><?xml version="1.0" encoding="utf-8"?>
+<p:sld xmlns:a="http://schemas.openxmlformats.org/drawingml/2006/main" xmlns:r="http://schemas.openxmlformats.org/officeDocument/2006/relationships" xmlns:p="http://schemas.openxmlformats.org/presentationml/2006/main">
+  <p:cSld>
+    <p:spTree>
+      <p:nvGrpSpPr>
+        <p:cNvPr id="1" name=""/>
+        <p:cNvGrpSpPr/>
+        <p:nvPr/>
+      </p:nvGrpSpPr>
+      <p:grpSpPr>
+        <a:xfrm>
+          <a:off x="0" y="0"/>
+          <a:ext cx="0" cy="0"/>
+          <a:chOff x="0" y="0"/>
+          <a:chExt cx="0" cy="0"/>
+        </a:xfrm>
+      </p:grpSpPr>
+      <p:sp>
+        <p:nvSpPr>
+          <p:cNvPr id="2" name="標題 1"/>
+          <p:cNvSpPr>
+            <a:spLocks noGrp="1"/>
+          </p:cNvSpPr>
+          <p:nvPr>
+            <p:ph type="title"/>
+          </p:nvPr>
+        </p:nvSpPr>
+        <p:spPr/>
+        <p:txBody>
+          <a:bodyPr/>
+          <a:lstStyle/>
+          <a:p>
+            <a:endParaRPr lang="zh-TW" altLang="en-US"/>
+          </a:p>
+        </p:txBody>
+      </p:sp>
+      <p:sp>
+        <p:nvSpPr>
+          <p:cNvPr id="3" name="內容版面配置區 2"/>
+          <p:cNvSpPr>
+            <a:spLocks noGrp="1"/>
+          </p:cNvSpPr>
+          <p:nvPr>
+            <p:ph idx="1"/>
+          </p:nvPr>
+        </p:nvSpPr>
+        <p:spPr/>
+        <p:txBody>
+          <a:bodyPr>
+            <a:normAutofit fontScale="70000" lnSpcReduction="20000"/>
+          </a:bodyPr>
+          <a:lstStyle/>
+          <a:p>
+            <a:r>
+              <a:rPr lang="en-US" altLang="zh-TW" dirty="0"/>
+              <a:t>In the above example the first line of </a:t>
+            </a:r>
+            <a:r>
+              <a:rPr lang="en-US" altLang="zh-TW" dirty="0" err="1"/>
+              <a:t>assignEmployeeToProject</a:t>
+            </a:r>
+            <a:r>
+              <a:rPr lang="en-US" altLang="zh-TW" dirty="0"/>
+              <a:t> method is calling a find method on the </a:t>
+            </a:r>
+            <a:r>
+              <a:rPr lang="en-US" altLang="zh-TW" dirty="0" err="1"/>
+              <a:t>EntityManager</a:t>
+            </a:r>
+            <a:r>
+              <a:rPr lang="en-US" altLang="zh-TW" dirty="0"/>
+              <a:t>. </a:t>
+            </a:r>
+            <a:endParaRPr lang="en-US" altLang="zh-TW" dirty="0" smtClean="0"/>
+          </a:p>
+          <a:p>
+            <a:r>
+              <a:rPr lang="en-US" altLang="zh-TW" dirty="0" smtClean="0"/>
+              <a:t>The </a:t>
+            </a:r>
+            <a:r>
+              <a:rPr lang="en-US" altLang="zh-TW" dirty="0"/>
+              <a:t>call to find will force the container to check for an existing transaction. </a:t>
+            </a:r>
+            <a:endParaRPr lang="en-US" altLang="zh-TW" dirty="0" smtClean="0"/>
+          </a:p>
+          <a:p>
+            <a:pPr lvl="1"/>
+            <a:r>
+              <a:rPr lang="en-US" altLang="zh-TW" dirty="0" smtClean="0"/>
+              <a:t>the container guarantees that a transaction is available whenever a method on the bean is called or not. </a:t>
+            </a:r>
+          </a:p>
+          <a:p>
+            <a:pPr lvl="1"/>
+            <a:r>
+              <a:rPr lang="en-US" altLang="zh-TW" dirty="0" smtClean="0"/>
+              <a:t>If </a:t>
+            </a:r>
+            <a:r>
+              <a:rPr lang="en-US" altLang="zh-TW" dirty="0"/>
+              <a:t>the transaction </a:t>
+            </a:r>
+            <a:r>
+              <a:rPr lang="en-US" altLang="zh-TW" dirty="0" err="1"/>
+              <a:t>doesnt</a:t>
+            </a:r>
+            <a:r>
+              <a:rPr lang="en-US" altLang="zh-TW" dirty="0"/>
+              <a:t> exist, it will throw Exception. </a:t>
+            </a:r>
+            <a:endParaRPr lang="en-US" altLang="zh-TW" dirty="0" smtClean="0"/>
+          </a:p>
+          <a:p>
+            <a:pPr lvl="1"/>
+            <a:r>
+              <a:rPr lang="en-US" altLang="zh-TW" dirty="0" smtClean="0"/>
+              <a:t>If </a:t>
+            </a:r>
+            <a:r>
+              <a:rPr lang="en-US" altLang="zh-TW" dirty="0"/>
+              <a:t>it exists, it will then check whether a Persistence Context exists. </a:t>
+            </a:r>
+            <a:endParaRPr lang="en-US" altLang="zh-TW" dirty="0" smtClean="0"/>
+          </a:p>
+          <a:p>
+            <a:r>
+              <a:rPr lang="en-US" altLang="zh-TW" dirty="0" smtClean="0"/>
+              <a:t>Since </a:t>
+            </a:r>
+            <a:r>
+              <a:rPr lang="en-US" altLang="zh-TW" dirty="0"/>
+              <a:t>its the first call to any method of the </a:t>
+            </a:r>
+            <a:r>
+              <a:rPr lang="en-US" altLang="zh-TW" dirty="0" err="1"/>
+              <a:t>EntityManager</a:t>
+            </a:r>
+            <a:r>
+              <a:rPr lang="en-US" altLang="zh-TW" dirty="0"/>
+              <a:t>, a persistence context is not available yet. The Entity Manager will then create one and use it to find the project bean instance</a:t>
+            </a:r>
+            <a:r>
+              <a:rPr lang="en-US" altLang="zh-TW" dirty="0" smtClean="0"/>
+              <a:t>.</a:t>
+            </a:r>
+          </a:p>
+          <a:p>
+            <a:r>
+              <a:rPr lang="en-US" altLang="zh-TW" dirty="0"/>
+              <a:t>In the next call to find, the Entity Manager already has an associated Transaction as well as the Persistence Context associated with it. </a:t>
+            </a:r>
+            <a:endParaRPr lang="en-US" altLang="zh-TW" dirty="0" smtClean="0"/>
+          </a:p>
+          <a:p>
+            <a:pPr lvl="1"/>
+            <a:r>
+              <a:rPr lang="en-US" altLang="zh-TW" dirty="0" smtClean="0"/>
+              <a:t>It </a:t>
+            </a:r>
+            <a:r>
+              <a:rPr lang="en-US" altLang="zh-TW" dirty="0"/>
+              <a:t>uses the same transaction to find employee instance. </a:t>
+            </a:r>
+            <a:endParaRPr lang="en-US" altLang="zh-TW" dirty="0" smtClean="0"/>
+          </a:p>
+          <a:p>
+            <a:pPr lvl="1"/>
+            <a:r>
+              <a:rPr lang="en-US" altLang="zh-TW" dirty="0" smtClean="0"/>
+              <a:t>By </a:t>
+            </a:r>
+            <a:r>
+              <a:rPr lang="en-US" altLang="zh-TW" dirty="0"/>
+              <a:t>the end of 2nd line in the method both project and employee instance are managed. </a:t>
+            </a:r>
+            <a:endParaRPr lang="en-US" altLang="zh-TW" dirty="0" smtClean="0"/>
+          </a:p>
+          <a:p>
+            <a:r>
+              <a:rPr lang="en-US" altLang="zh-TW" dirty="0" smtClean="0"/>
+              <a:t>At </a:t>
+            </a:r>
+            <a:r>
+              <a:rPr lang="en-US" altLang="zh-TW" dirty="0"/>
+              <a:t>the end of the method call, the transaction is committed and the managed instances of person and employee get persisted. </a:t>
+            </a:r>
+            <a:endParaRPr lang="en-US" altLang="zh-TW" dirty="0" smtClean="0"/>
+          </a:p>
+          <a:p>
+            <a:r>
+              <a:rPr lang="en-US" altLang="zh-TW" dirty="0" smtClean="0"/>
+              <a:t>when </a:t>
+            </a:r>
+            <a:r>
+              <a:rPr lang="en-US" altLang="zh-TW" dirty="0"/>
+              <a:t>the transaction is over, the Persistence Context goes away.</a:t>
+            </a:r>
+            <a:endParaRPr lang="zh-TW" altLang="en-US" dirty="0"/>
+          </a:p>
+        </p:txBody>
+      </p:sp>
+    </p:spTree>
+    <p:extLst>
+      <p:ext uri="{BB962C8B-B14F-4D97-AF65-F5344CB8AC3E}">
+        <p14:creationId xmlns:p14="http://schemas.microsoft.com/office/powerpoint/2010/main" val="1228948253"/>
+      </p:ext>
+    </p:extLst>
+  </p:cSld>
+  <p:clrMapOvr>
+    <a:masterClrMapping/>
+  </p:clrMapOvr>
+</p:sld>
+</file>
+
+<file path=ppt/slides/slide80.xml><?xml version="1.0" encoding="utf-8"?>
 <p:sld xmlns:a="http://schemas.openxmlformats.org/drawingml/2006/main" xmlns:r="http://schemas.openxmlformats.org/officeDocument/2006/relationships" xmlns:p="http://schemas.openxmlformats.org/presentationml/2006/main">
   <p:cSld>
     <p:spTree>
@@ -42795,6 +42679,122 @@
 </p:sld>
 </file>
 
+<file path=ppt/slides/slide81.xml><?xml version="1.0" encoding="utf-8"?>
+<p:sld xmlns:a="http://schemas.openxmlformats.org/drawingml/2006/main" xmlns:r="http://schemas.openxmlformats.org/officeDocument/2006/relationships" xmlns:p="http://schemas.openxmlformats.org/presentationml/2006/main">
+  <p:cSld>
+    <p:spTree>
+      <p:nvGrpSpPr>
+        <p:cNvPr id="1" name=""/>
+        <p:cNvGrpSpPr/>
+        <p:nvPr/>
+      </p:nvGrpSpPr>
+      <p:grpSpPr>
+        <a:xfrm>
+          <a:off x="0" y="0"/>
+          <a:ext cx="0" cy="0"/>
+          <a:chOff x="0" y="0"/>
+          <a:chExt cx="0" cy="0"/>
+        </a:xfrm>
+      </p:grpSpPr>
+      <p:sp>
+        <p:nvSpPr>
+          <p:cNvPr id="2" name="標題 1"/>
+          <p:cNvSpPr>
+            <a:spLocks noGrp="1"/>
+          </p:cNvSpPr>
+          <p:nvPr>
+            <p:ph type="title"/>
+          </p:nvPr>
+        </p:nvSpPr>
+        <p:spPr/>
+        <p:txBody>
+          <a:bodyPr/>
+          <a:lstStyle/>
+          <a:p>
+            <a:endParaRPr lang="zh-TW" altLang="en-US"/>
+          </a:p>
+        </p:txBody>
+      </p:sp>
+      <p:sp>
+        <p:nvSpPr>
+          <p:cNvPr id="3" name="內容版面配置區 2"/>
+          <p:cNvSpPr>
+            <a:spLocks noGrp="1"/>
+          </p:cNvSpPr>
+          <p:nvPr>
+            <p:ph idx="1"/>
+          </p:nvPr>
+        </p:nvSpPr>
+        <p:spPr/>
+        <p:txBody>
+          <a:bodyPr/>
+          <a:lstStyle/>
+          <a:p>
+            <a:endParaRPr lang="zh-TW" altLang="en-US"/>
+          </a:p>
+        </p:txBody>
+      </p:sp>
+      <p:pic>
+        <p:nvPicPr>
+          <p:cNvPr id="5" name="圖片 4"/>
+          <p:cNvPicPr>
+            <a:picLocks noChangeAspect="1"/>
+          </p:cNvPicPr>
+          <p:nvPr/>
+        </p:nvPicPr>
+        <p:blipFill>
+          <a:blip r:embed="rId2"/>
+          <a:stretch>
+            <a:fillRect/>
+          </a:stretch>
+        </p:blipFill>
+        <p:spPr>
+          <a:xfrm>
+            <a:off x="5665912" y="2971799"/>
+            <a:ext cx="5687888" cy="2926103"/>
+          </a:xfrm>
+          <a:prstGeom prst="rect">
+            <a:avLst/>
+          </a:prstGeom>
+        </p:spPr>
+      </p:pic>
+      <p:pic>
+        <p:nvPicPr>
+          <p:cNvPr id="6" name="圖片 5"/>
+          <p:cNvPicPr>
+            <a:picLocks noChangeAspect="1"/>
+          </p:cNvPicPr>
+          <p:nvPr/>
+        </p:nvPicPr>
+        <p:blipFill>
+          <a:blip r:embed="rId3"/>
+          <a:stretch>
+            <a:fillRect/>
+          </a:stretch>
+        </p:blipFill>
+        <p:spPr>
+          <a:xfrm>
+            <a:off x="198826" y="2453946"/>
+            <a:ext cx="6406107" cy="3088913"/>
+          </a:xfrm>
+          <a:prstGeom prst="rect">
+            <a:avLst/>
+          </a:prstGeom>
+        </p:spPr>
+      </p:pic>
+    </p:spTree>
+    <p:extLst>
+      <p:ext uri="{BB962C8B-B14F-4D97-AF65-F5344CB8AC3E}">
+        <p14:creationId xmlns:p14="http://schemas.microsoft.com/office/powerpoint/2010/main" val="3453672766"/>
+      </p:ext>
+    </p:extLst>
+  </p:cSld>
+  <p:clrMapOvr>
+    <a:masterClrMapping/>
+  </p:clrMapOvr>
+</p:sld>
+</file>
+
 <file path=ppt/slides/slide82.xml><?xml version="1.0" encoding="utf-8"?>
 <p:sld xmlns:a="http://schemas.openxmlformats.org/drawingml/2006/main" xmlns:r="http://schemas.openxmlformats.org/officeDocument/2006/relationships" xmlns:p="http://schemas.openxmlformats.org/presentationml/2006/main">
   <p:cSld>
@@ -42852,7 +42852,7 @@
       </p:sp>
       <p:pic>
         <p:nvPicPr>
-          <p:cNvPr id="4" name="圖片 3"/>
+          <p:cNvPr id="7" name="圖片 6"/>
           <p:cNvPicPr>
             <a:picLocks noChangeAspect="1"/>
           </p:cNvPicPr>
@@ -42866,32 +42866,8 @@
         </p:blipFill>
         <p:spPr>
           <a:xfrm>
-            <a:off x="593681" y="2452255"/>
-            <a:ext cx="4859379" cy="2857185"/>
-          </a:xfrm>
-          <a:prstGeom prst="rect">
-            <a:avLst/>
-          </a:prstGeom>
-        </p:spPr>
-      </p:pic>
-      <p:pic>
-        <p:nvPicPr>
-          <p:cNvPr id="5" name="圖片 4"/>
-          <p:cNvPicPr>
-            <a:picLocks noChangeAspect="1"/>
-          </p:cNvPicPr>
-          <p:nvPr/>
-        </p:nvPicPr>
-        <p:blipFill>
-          <a:blip r:embed="rId3"/>
-          <a:stretch>
-            <a:fillRect/>
-          </a:stretch>
-        </p:blipFill>
-        <p:spPr>
-          <a:xfrm>
-            <a:off x="6263636" y="2321934"/>
-            <a:ext cx="5334683" cy="3117826"/>
+            <a:off x="1496000" y="952809"/>
+            <a:ext cx="9200000" cy="4952381"/>
           </a:xfrm>
           <a:prstGeom prst="rect">
             <a:avLst/>
